--- a/卒業研究発表スライド.pptx
+++ b/卒業研究発表スライド.pptx
@@ -5,7 +5,7 @@
     <p:sldMasterId id="2147483660" r:id="rId1"/>
   </p:sldMasterIdLst>
   <p:notesMasterIdLst>
-    <p:notesMasterId r:id="rId12"/>
+    <p:notesMasterId r:id="rId16"/>
   </p:notesMasterIdLst>
   <p:sldIdLst>
     <p:sldId id="256" r:id="rId2"/>
@@ -14,10 +14,14 @@
     <p:sldId id="262" r:id="rId5"/>
     <p:sldId id="263" r:id="rId6"/>
     <p:sldId id="264" r:id="rId7"/>
-    <p:sldId id="265" r:id="rId8"/>
-    <p:sldId id="257" r:id="rId9"/>
-    <p:sldId id="258" r:id="rId10"/>
-    <p:sldId id="259" r:id="rId11"/>
+    <p:sldId id="267" r:id="rId8"/>
+    <p:sldId id="269" r:id="rId9"/>
+    <p:sldId id="268" r:id="rId10"/>
+    <p:sldId id="265" r:id="rId11"/>
+    <p:sldId id="266" r:id="rId12"/>
+    <p:sldId id="257" r:id="rId13"/>
+    <p:sldId id="258" r:id="rId14"/>
+    <p:sldId id="259" r:id="rId15"/>
   </p:sldIdLst>
   <p:sldSz cx="9144000" cy="6858000" type="screen4x3"/>
   <p:notesSz cx="6858000" cy="9144000"/>
@@ -206,7 +210,7 @@
           <a:p>
             <a:fld id="{286CCB56-B95E-44AB-BB6B-03EE6A18465C}" type="datetimeFigureOut">
               <a:rPr kumimoji="1" lang="ja-JP" altLang="en-US" smtClean="0"/>
-              <a:t>2017/2/9</a:t>
+              <a:t>2017/2/15</a:t>
             </a:fld>
             <a:endParaRPr kumimoji="1" lang="ja-JP" altLang="en-US"/>
           </a:p>
@@ -575,7 +579,7 @@
           <a:p>
             <a:fld id="{DE4497FE-1A65-4799-B01D-44564FDEC19E}" type="slidenum">
               <a:rPr kumimoji="1" lang="ja-JP" altLang="en-US" smtClean="0"/>
-              <a:t>9</a:t>
+              <a:t>13</a:t>
             </a:fld>
             <a:endParaRPr kumimoji="1" lang="ja-JP" altLang="en-US"/>
           </a:p>
@@ -725,7 +729,7 @@
           <a:p>
             <a:fld id="{CAF814FA-2675-4DF3-B0FA-C3E73A75B004}" type="datetimeFigureOut">
               <a:rPr kumimoji="1" lang="ja-JP" altLang="en-US" smtClean="0"/>
-              <a:t>2017/2/9</a:t>
+              <a:t>2017/2/15</a:t>
             </a:fld>
             <a:endParaRPr kumimoji="1" lang="ja-JP" altLang="en-US"/>
           </a:p>
@@ -927,7 +931,7 @@
           <a:p>
             <a:fld id="{CAF814FA-2675-4DF3-B0FA-C3E73A75B004}" type="datetimeFigureOut">
               <a:rPr kumimoji="1" lang="ja-JP" altLang="en-US" smtClean="0"/>
-              <a:t>2017/2/9</a:t>
+              <a:t>2017/2/15</a:t>
             </a:fld>
             <a:endParaRPr kumimoji="1" lang="ja-JP" altLang="en-US"/>
           </a:p>
@@ -1139,7 +1143,7 @@
           <a:p>
             <a:fld id="{CAF814FA-2675-4DF3-B0FA-C3E73A75B004}" type="datetimeFigureOut">
               <a:rPr kumimoji="1" lang="ja-JP" altLang="en-US" smtClean="0"/>
-              <a:t>2017/2/9</a:t>
+              <a:t>2017/2/15</a:t>
             </a:fld>
             <a:endParaRPr kumimoji="1" lang="ja-JP" altLang="en-US"/>
           </a:p>
@@ -1410,7 +1414,7 @@
           <a:p>
             <a:fld id="{CAF814FA-2675-4DF3-B0FA-C3E73A75B004}" type="datetimeFigureOut">
               <a:rPr kumimoji="1" lang="ja-JP" altLang="en-US" smtClean="0"/>
-              <a:t>2017/2/9</a:t>
+              <a:t>2017/2/15</a:t>
             </a:fld>
             <a:endParaRPr kumimoji="1" lang="ja-JP" altLang="en-US"/>
           </a:p>
@@ -1661,7 +1665,7 @@
           <a:p>
             <a:fld id="{CAF814FA-2675-4DF3-B0FA-C3E73A75B004}" type="datetimeFigureOut">
               <a:rPr kumimoji="1" lang="ja-JP" altLang="en-US" smtClean="0"/>
-              <a:t>2017/2/9</a:t>
+              <a:t>2017/2/15</a:t>
             </a:fld>
             <a:endParaRPr kumimoji="1" lang="ja-JP" altLang="en-US"/>
           </a:p>
@@ -1957,7 +1961,7 @@
           <a:p>
             <a:fld id="{CAF814FA-2675-4DF3-B0FA-C3E73A75B004}" type="datetimeFigureOut">
               <a:rPr kumimoji="1" lang="ja-JP" altLang="en-US" smtClean="0"/>
-              <a:t>2017/2/9</a:t>
+              <a:t>2017/2/15</a:t>
             </a:fld>
             <a:endParaRPr kumimoji="1" lang="ja-JP" altLang="en-US"/>
           </a:p>
@@ -2395,7 +2399,7 @@
           <a:p>
             <a:fld id="{CAF814FA-2675-4DF3-B0FA-C3E73A75B004}" type="datetimeFigureOut">
               <a:rPr kumimoji="1" lang="ja-JP" altLang="en-US" smtClean="0"/>
-              <a:t>2017/2/9</a:t>
+              <a:t>2017/2/15</a:t>
             </a:fld>
             <a:endParaRPr kumimoji="1" lang="ja-JP" altLang="en-US"/>
           </a:p>
@@ -2520,7 +2524,7 @@
           <a:p>
             <a:fld id="{CAF814FA-2675-4DF3-B0FA-C3E73A75B004}" type="datetimeFigureOut">
               <a:rPr kumimoji="1" lang="ja-JP" altLang="en-US" smtClean="0"/>
-              <a:t>2017/2/9</a:t>
+              <a:t>2017/2/15</a:t>
             </a:fld>
             <a:endParaRPr kumimoji="1" lang="ja-JP" altLang="en-US"/>
           </a:p>
@@ -2622,7 +2626,7 @@
           <a:p>
             <a:fld id="{CAF814FA-2675-4DF3-B0FA-C3E73A75B004}" type="datetimeFigureOut">
               <a:rPr kumimoji="1" lang="ja-JP" altLang="en-US" smtClean="0"/>
-              <a:t>2017/2/9</a:t>
+              <a:t>2017/2/15</a:t>
             </a:fld>
             <a:endParaRPr kumimoji="1" lang="ja-JP" altLang="en-US"/>
           </a:p>
@@ -2931,7 +2935,7 @@
           <a:p>
             <a:fld id="{CAF814FA-2675-4DF3-B0FA-C3E73A75B004}" type="datetimeFigureOut">
               <a:rPr kumimoji="1" lang="ja-JP" altLang="en-US" smtClean="0"/>
-              <a:t>2017/2/9</a:t>
+              <a:t>2017/2/15</a:t>
             </a:fld>
             <a:endParaRPr kumimoji="1" lang="ja-JP" altLang="en-US"/>
           </a:p>
@@ -3188,7 +3192,7 @@
           <a:p>
             <a:fld id="{CAF814FA-2675-4DF3-B0FA-C3E73A75B004}" type="datetimeFigureOut">
               <a:rPr kumimoji="1" lang="ja-JP" altLang="en-US" smtClean="0"/>
-              <a:t>2017/2/9</a:t>
+              <a:t>2017/2/15</a:t>
             </a:fld>
             <a:endParaRPr kumimoji="1" lang="ja-JP" altLang="en-US"/>
           </a:p>
@@ -3433,7 +3437,7 @@
           <a:p>
             <a:fld id="{CAF814FA-2675-4DF3-B0FA-C3E73A75B004}" type="datetimeFigureOut">
               <a:rPr kumimoji="1" lang="ja-JP" altLang="en-US" smtClean="0"/>
-              <a:t>2017/2/9</a:t>
+              <a:t>2017/2/15</a:t>
             </a:fld>
             <a:endParaRPr kumimoji="1" lang="ja-JP" altLang="en-US"/>
           </a:p>
@@ -3984,6 +3988,518 @@
           <a:bodyPr/>
           <a:lstStyle/>
           <a:p>
+            <a:endParaRPr kumimoji="1" lang="ja-JP" altLang="en-US" dirty="0"/>
+          </a:p>
+        </p:txBody>
+      </p:sp>
+      <p:sp>
+        <p:nvSpPr>
+          <p:cNvPr id="3" name="コンテンツ プレースホルダー 2"/>
+          <p:cNvSpPr>
+            <a:spLocks noGrp="1"/>
+          </p:cNvSpPr>
+          <p:nvPr>
+            <p:ph idx="1"/>
+          </p:nvPr>
+        </p:nvSpPr>
+        <p:spPr/>
+        <p:txBody>
+          <a:bodyPr>
+            <a:normAutofit/>
+          </a:bodyPr>
+          <a:lstStyle/>
+          <a:p>
+            <a:pPr marL="457200" lvl="1" indent="0">
+              <a:buNone/>
+            </a:pPr>
+            <a:endParaRPr lang="en-US" altLang="ja-JP" sz="3600" dirty="0" smtClean="0"/>
+          </a:p>
+        </p:txBody>
+      </p:sp>
+    </p:spTree>
+    <p:extLst>
+      <p:ext uri="{BB962C8B-B14F-4D97-AF65-F5344CB8AC3E}">
+        <p14:creationId xmlns:p14="http://schemas.microsoft.com/office/powerpoint/2010/main" val="3591337185"/>
+      </p:ext>
+    </p:extLst>
+  </p:cSld>
+  <p:clrMapOvr>
+    <a:masterClrMapping/>
+  </p:clrMapOvr>
+  <p:timing>
+    <p:tnLst>
+      <p:par>
+        <p:cTn id="1" dur="indefinite" restart="never" nodeType="tmRoot"/>
+      </p:par>
+    </p:tnLst>
+  </p:timing>
+</p:sld>
+</file>
+
+<file path=ppt/slides/slide11.xml><?xml version="1.0" encoding="utf-8"?>
+<p:sld xmlns:a="http://schemas.openxmlformats.org/drawingml/2006/main" xmlns:r="http://schemas.openxmlformats.org/officeDocument/2006/relationships" xmlns:p="http://schemas.openxmlformats.org/presentationml/2006/main">
+  <p:cSld>
+    <p:spTree>
+      <p:nvGrpSpPr>
+        <p:cNvPr id="1" name=""/>
+        <p:cNvGrpSpPr/>
+        <p:nvPr/>
+      </p:nvGrpSpPr>
+      <p:grpSpPr>
+        <a:xfrm>
+          <a:off x="0" y="0"/>
+          <a:ext cx="0" cy="0"/>
+          <a:chOff x="0" y="0"/>
+          <a:chExt cx="0" cy="0"/>
+        </a:xfrm>
+      </p:grpSpPr>
+      <p:sp>
+        <p:nvSpPr>
+          <p:cNvPr id="2" name="タイトル 1"/>
+          <p:cNvSpPr>
+            <a:spLocks noGrp="1"/>
+          </p:cNvSpPr>
+          <p:nvPr>
+            <p:ph type="title"/>
+          </p:nvPr>
+        </p:nvSpPr>
+        <p:spPr/>
+        <p:txBody>
+          <a:bodyPr/>
+          <a:lstStyle/>
+          <a:p>
+            <a:endParaRPr kumimoji="1" lang="ja-JP" altLang="en-US"/>
+          </a:p>
+        </p:txBody>
+      </p:sp>
+      <p:sp>
+        <p:nvSpPr>
+          <p:cNvPr id="3" name="コンテンツ プレースホルダー 2"/>
+          <p:cNvSpPr>
+            <a:spLocks noGrp="1"/>
+          </p:cNvSpPr>
+          <p:nvPr>
+            <p:ph idx="1"/>
+          </p:nvPr>
+        </p:nvSpPr>
+        <p:spPr/>
+        <p:txBody>
+          <a:bodyPr/>
+          <a:lstStyle/>
+          <a:p>
+            <a:endParaRPr kumimoji="1" lang="ja-JP" altLang="en-US"/>
+          </a:p>
+        </p:txBody>
+      </p:sp>
+    </p:spTree>
+    <p:extLst>
+      <p:ext uri="{BB962C8B-B14F-4D97-AF65-F5344CB8AC3E}">
+        <p14:creationId xmlns:p14="http://schemas.microsoft.com/office/powerpoint/2010/main" val="1019220225"/>
+      </p:ext>
+    </p:extLst>
+  </p:cSld>
+  <p:clrMapOvr>
+    <a:masterClrMapping/>
+  </p:clrMapOvr>
+  <p:timing>
+    <p:tnLst>
+      <p:par>
+        <p:cTn id="1" dur="indefinite" restart="never" nodeType="tmRoot"/>
+      </p:par>
+    </p:tnLst>
+  </p:timing>
+</p:sld>
+</file>
+
+<file path=ppt/slides/slide12.xml><?xml version="1.0" encoding="utf-8"?>
+<p:sld xmlns:a="http://schemas.openxmlformats.org/drawingml/2006/main" xmlns:r="http://schemas.openxmlformats.org/officeDocument/2006/relationships" xmlns:p="http://schemas.openxmlformats.org/presentationml/2006/main">
+  <p:cSld>
+    <p:spTree>
+      <p:nvGrpSpPr>
+        <p:cNvPr id="1" name=""/>
+        <p:cNvGrpSpPr/>
+        <p:nvPr/>
+      </p:nvGrpSpPr>
+      <p:grpSpPr>
+        <a:xfrm>
+          <a:off x="0" y="0"/>
+          <a:ext cx="0" cy="0"/>
+          <a:chOff x="0" y="0"/>
+          <a:chExt cx="0" cy="0"/>
+        </a:xfrm>
+      </p:grpSpPr>
+      <p:sp>
+        <p:nvSpPr>
+          <p:cNvPr id="2" name="タイトル 1"/>
+          <p:cNvSpPr>
+            <a:spLocks noGrp="1"/>
+          </p:cNvSpPr>
+          <p:nvPr>
+            <p:ph type="title"/>
+          </p:nvPr>
+        </p:nvSpPr>
+        <p:spPr/>
+        <p:txBody>
+          <a:bodyPr/>
+          <a:lstStyle/>
+          <a:p>
+            <a:r>
+              <a:rPr kumimoji="1" lang="en-US" altLang="ja-JP" dirty="0" smtClean="0"/>
+              <a:t>WEB</a:t>
+            </a:r>
+            <a:r>
+              <a:rPr kumimoji="1" lang="ja-JP" altLang="en-US" dirty="0" smtClean="0"/>
+              <a:t>プログラミングの現状</a:t>
+            </a:r>
+            <a:endParaRPr kumimoji="1" lang="ja-JP" altLang="en-US" dirty="0"/>
+          </a:p>
+        </p:txBody>
+      </p:sp>
+      <p:sp>
+        <p:nvSpPr>
+          <p:cNvPr id="3" name="コンテンツ プレースホルダー 2"/>
+          <p:cNvSpPr>
+            <a:spLocks noGrp="1"/>
+          </p:cNvSpPr>
+          <p:nvPr>
+            <p:ph idx="1"/>
+          </p:nvPr>
+        </p:nvSpPr>
+        <p:spPr/>
+        <p:txBody>
+          <a:bodyPr>
+            <a:normAutofit/>
+          </a:bodyPr>
+          <a:lstStyle/>
+          <a:p>
+            <a:r>
+              <a:rPr kumimoji="1" lang="ja-JP" altLang="en-US" dirty="0" smtClean="0"/>
+              <a:t>無料の学習環境</a:t>
+            </a:r>
+            <a:endParaRPr lang="en-US" altLang="ja-JP" dirty="0" smtClean="0"/>
+          </a:p>
+          <a:p>
+            <a:pPr lvl="1"/>
+            <a:r>
+              <a:rPr lang="ja-JP" altLang="en-US" dirty="0"/>
+              <a:t>ドット</a:t>
+            </a:r>
+            <a:r>
+              <a:rPr lang="ja-JP" altLang="en-US" dirty="0" smtClean="0"/>
+              <a:t>インストール</a:t>
+            </a:r>
+            <a:endParaRPr lang="en-US" altLang="ja-JP" dirty="0" smtClean="0"/>
+          </a:p>
+          <a:p>
+            <a:pPr lvl="1"/>
+            <a:r>
+              <a:rPr lang="en-US" altLang="ja-JP" dirty="0" err="1" smtClean="0"/>
+              <a:t>Qiita</a:t>
+            </a:r>
+            <a:endParaRPr lang="en-US" altLang="ja-JP" dirty="0" smtClean="0"/>
+          </a:p>
+          <a:p>
+            <a:endParaRPr lang="en-US" altLang="ja-JP" dirty="0"/>
+          </a:p>
+          <a:p>
+            <a:r>
+              <a:rPr lang="ja-JP" altLang="en-US" dirty="0" smtClean="0"/>
+              <a:t>外部ライブラリの充実</a:t>
+            </a:r>
+            <a:endParaRPr lang="en-US" altLang="ja-JP" dirty="0" smtClean="0"/>
+          </a:p>
+          <a:p>
+            <a:pPr lvl="1"/>
+            <a:r>
+              <a:rPr lang="ja-JP" altLang="en-US" dirty="0" smtClean="0"/>
+              <a:t>各種フレームワークなど</a:t>
+            </a:r>
+            <a:endParaRPr lang="en-US" altLang="ja-JP" dirty="0" smtClean="0"/>
+          </a:p>
+          <a:p>
+            <a:endParaRPr lang="en-US" altLang="ja-JP" dirty="0"/>
+          </a:p>
+          <a:p>
+            <a:endParaRPr kumimoji="1" lang="ja-JP" altLang="en-US" dirty="0"/>
+          </a:p>
+        </p:txBody>
+      </p:sp>
+      <p:sp>
+        <p:nvSpPr>
+          <p:cNvPr id="4" name="正方形/長方形 3"/>
+          <p:cNvSpPr/>
+          <p:nvPr/>
+        </p:nvSpPr>
+        <p:spPr>
+          <a:xfrm>
+            <a:off x="551792" y="5333507"/>
+            <a:ext cx="8261132" cy="756745"/>
+          </a:xfrm>
+          <a:prstGeom prst="rect">
+            <a:avLst/>
+          </a:prstGeom>
+        </p:spPr>
+        <p:style>
+          <a:lnRef idx="2">
+            <a:schemeClr val="accent1">
+              <a:shade val="50000"/>
+            </a:schemeClr>
+          </a:lnRef>
+          <a:fillRef idx="1">
+            <a:schemeClr val="accent1"/>
+          </a:fillRef>
+          <a:effectRef idx="0">
+            <a:schemeClr val="accent1"/>
+          </a:effectRef>
+          <a:fontRef idx="minor">
+            <a:schemeClr val="lt1"/>
+          </a:fontRef>
+        </p:style>
+        <p:txBody>
+          <a:bodyPr rtlCol="0" anchor="ctr"/>
+          <a:lstStyle/>
+          <a:p>
+            <a:r>
+              <a:rPr lang="en-US" altLang="ja-JP" sz="3600" dirty="0" smtClean="0"/>
+              <a:t>WEB</a:t>
+            </a:r>
+            <a:r>
+              <a:rPr lang="ja-JP" altLang="en-US" sz="3600" dirty="0" smtClean="0"/>
+              <a:t>プログラミングの敷居が下がっている</a:t>
+            </a:r>
+            <a:endParaRPr lang="en-US" altLang="ja-JP" sz="3600" dirty="0" smtClean="0"/>
+          </a:p>
+        </p:txBody>
+      </p:sp>
+    </p:spTree>
+    <p:extLst>
+      <p:ext uri="{BB962C8B-B14F-4D97-AF65-F5344CB8AC3E}">
+        <p14:creationId xmlns:p14="http://schemas.microsoft.com/office/powerpoint/2010/main" val="3565592007"/>
+      </p:ext>
+    </p:extLst>
+  </p:cSld>
+  <p:clrMapOvr>
+    <a:masterClrMapping/>
+  </p:clrMapOvr>
+  <p:timing>
+    <p:tnLst>
+      <p:par>
+        <p:cTn id="1" dur="indefinite" restart="never" nodeType="tmRoot"/>
+      </p:par>
+    </p:tnLst>
+  </p:timing>
+</p:sld>
+</file>
+
+<file path=ppt/slides/slide13.xml><?xml version="1.0" encoding="utf-8"?>
+<p:sld xmlns:a="http://schemas.openxmlformats.org/drawingml/2006/main" xmlns:r="http://schemas.openxmlformats.org/officeDocument/2006/relationships" xmlns:p="http://schemas.openxmlformats.org/presentationml/2006/main">
+  <p:cSld>
+    <p:spTree>
+      <p:nvGrpSpPr>
+        <p:cNvPr id="1" name=""/>
+        <p:cNvGrpSpPr/>
+        <p:nvPr/>
+      </p:nvGrpSpPr>
+      <p:grpSpPr>
+        <a:xfrm>
+          <a:off x="0" y="0"/>
+          <a:ext cx="0" cy="0"/>
+          <a:chOff x="0" y="0"/>
+          <a:chExt cx="0" cy="0"/>
+        </a:xfrm>
+      </p:grpSpPr>
+      <p:sp>
+        <p:nvSpPr>
+          <p:cNvPr id="2" name="タイトル 1"/>
+          <p:cNvSpPr>
+            <a:spLocks noGrp="1"/>
+          </p:cNvSpPr>
+          <p:nvPr>
+            <p:ph type="title"/>
+          </p:nvPr>
+        </p:nvSpPr>
+        <p:spPr/>
+        <p:txBody>
+          <a:bodyPr/>
+          <a:lstStyle/>
+          <a:p>
+            <a:r>
+              <a:rPr lang="ja-JP" altLang="en-US" dirty="0" smtClean="0"/>
+              <a:t>シングルページ</a:t>
+            </a:r>
+            <a:r>
+              <a:rPr lang="en-US" altLang="ja-JP" dirty="0" smtClean="0"/>
+              <a:t>WEB</a:t>
+            </a:r>
+            <a:r>
+              <a:rPr lang="ja-JP" altLang="en-US" dirty="0" smtClean="0"/>
+              <a:t>アプリケーション</a:t>
+            </a:r>
+            <a:endParaRPr kumimoji="1" lang="ja-JP" altLang="en-US" dirty="0"/>
+          </a:p>
+        </p:txBody>
+      </p:sp>
+      <p:sp>
+        <p:nvSpPr>
+          <p:cNvPr id="3" name="コンテンツ プレースホルダー 2"/>
+          <p:cNvSpPr>
+            <a:spLocks noGrp="1"/>
+          </p:cNvSpPr>
+          <p:nvPr>
+            <p:ph idx="1"/>
+          </p:nvPr>
+        </p:nvSpPr>
+        <p:spPr/>
+        <p:txBody>
+          <a:bodyPr>
+            <a:normAutofit lnSpcReduction="10000"/>
+          </a:bodyPr>
+          <a:lstStyle/>
+          <a:p>
+            <a:r>
+              <a:rPr lang="ja-JP" altLang="en-US" dirty="0" smtClean="0"/>
+              <a:t>概要</a:t>
+            </a:r>
+            <a:endParaRPr lang="en-US" altLang="ja-JP" dirty="0" smtClean="0"/>
+          </a:p>
+          <a:p>
+            <a:pPr lvl="1"/>
+            <a:r>
+              <a:rPr lang="ja-JP" altLang="en-US" dirty="0" smtClean="0"/>
+              <a:t>近年注目を集めている</a:t>
+            </a:r>
+            <a:r>
+              <a:rPr lang="en-US" altLang="ja-JP" dirty="0" smtClean="0"/>
+              <a:t>WEB</a:t>
+            </a:r>
+            <a:r>
+              <a:rPr lang="ja-JP" altLang="en-US" dirty="0" smtClean="0"/>
+              <a:t>アプリの仕様</a:t>
+            </a:r>
+            <a:endParaRPr lang="en-US" altLang="ja-JP" dirty="0" smtClean="0"/>
+          </a:p>
+          <a:p>
+            <a:endParaRPr lang="en-US" altLang="ja-JP" dirty="0"/>
+          </a:p>
+          <a:p>
+            <a:r>
+              <a:rPr lang="ja-JP" altLang="en-US" dirty="0" smtClean="0"/>
+              <a:t>特徴</a:t>
+            </a:r>
+            <a:endParaRPr kumimoji="1" lang="en-US" altLang="ja-JP" dirty="0" smtClean="0"/>
+          </a:p>
+          <a:p>
+            <a:pPr lvl="1"/>
+            <a:r>
+              <a:rPr lang="ja-JP" altLang="en-US" dirty="0"/>
+              <a:t>デプロイ</a:t>
+            </a:r>
+            <a:r>
+              <a:rPr lang="ja-JP" altLang="en-US" dirty="0" smtClean="0"/>
+              <a:t>が簡単</a:t>
+            </a:r>
+            <a:endParaRPr lang="en-US" altLang="ja-JP" dirty="0" smtClean="0"/>
+          </a:p>
+          <a:p>
+            <a:pPr lvl="1"/>
+            <a:r>
+              <a:rPr kumimoji="1" lang="ja-JP" altLang="en-US" dirty="0" smtClean="0"/>
+              <a:t>クロスプラットフォームである</a:t>
+            </a:r>
+            <a:endParaRPr kumimoji="1" lang="en-US" altLang="ja-JP" dirty="0" smtClean="0"/>
+          </a:p>
+          <a:p>
+            <a:pPr lvl="1"/>
+            <a:endParaRPr kumimoji="1" lang="en-US" altLang="ja-JP" dirty="0" smtClean="0"/>
+          </a:p>
+          <a:p>
+            <a:r>
+              <a:rPr kumimoji="1" lang="ja-JP" altLang="en-US" dirty="0" smtClean="0"/>
+              <a:t>例</a:t>
+            </a:r>
+            <a:endParaRPr kumimoji="1" lang="en-US" altLang="ja-JP" dirty="0" smtClean="0"/>
+          </a:p>
+          <a:p>
+            <a:pPr lvl="1"/>
+            <a:r>
+              <a:rPr lang="en-US" altLang="ja-JP" dirty="0" smtClean="0"/>
+              <a:t>Twitter</a:t>
+            </a:r>
+            <a:r>
+              <a:rPr lang="ja-JP" altLang="en-US" dirty="0" smtClean="0"/>
+              <a:t>や</a:t>
+            </a:r>
+            <a:r>
+              <a:rPr lang="en-US" altLang="ja-JP" dirty="0" smtClean="0"/>
+              <a:t>Instagram</a:t>
+            </a:r>
+            <a:r>
+              <a:rPr lang="ja-JP" altLang="en-US" dirty="0" smtClean="0"/>
+              <a:t>な</a:t>
+            </a:r>
+            <a:r>
+              <a:rPr lang="ja-JP" altLang="en-US" dirty="0"/>
+              <a:t>ど</a:t>
+            </a:r>
+            <a:endParaRPr kumimoji="1" lang="en-US" altLang="ja-JP" dirty="0" smtClean="0"/>
+          </a:p>
+          <a:p>
+            <a:endParaRPr kumimoji="1" lang="ja-JP" altLang="en-US" dirty="0"/>
+          </a:p>
+        </p:txBody>
+      </p:sp>
+    </p:spTree>
+    <p:extLst>
+      <p:ext uri="{BB962C8B-B14F-4D97-AF65-F5344CB8AC3E}">
+        <p14:creationId xmlns:p14="http://schemas.microsoft.com/office/powerpoint/2010/main" val="544699416"/>
+      </p:ext>
+    </p:extLst>
+  </p:cSld>
+  <p:clrMapOvr>
+    <a:masterClrMapping/>
+  </p:clrMapOvr>
+  <p:timing>
+    <p:tnLst>
+      <p:par>
+        <p:cTn id="1" dur="indefinite" restart="never" nodeType="tmRoot"/>
+      </p:par>
+    </p:tnLst>
+  </p:timing>
+</p:sld>
+</file>
+
+<file path=ppt/slides/slide14.xml><?xml version="1.0" encoding="utf-8"?>
+<p:sld xmlns:a="http://schemas.openxmlformats.org/drawingml/2006/main" xmlns:r="http://schemas.openxmlformats.org/officeDocument/2006/relationships" xmlns:p="http://schemas.openxmlformats.org/presentationml/2006/main">
+  <p:cSld>
+    <p:spTree>
+      <p:nvGrpSpPr>
+        <p:cNvPr id="1" name=""/>
+        <p:cNvGrpSpPr/>
+        <p:nvPr/>
+      </p:nvGrpSpPr>
+      <p:grpSpPr>
+        <a:xfrm>
+          <a:off x="0" y="0"/>
+          <a:ext cx="0" cy="0"/>
+          <a:chOff x="0" y="0"/>
+          <a:chExt cx="0" cy="0"/>
+        </a:xfrm>
+      </p:grpSpPr>
+      <p:sp>
+        <p:nvSpPr>
+          <p:cNvPr id="2" name="タイトル 1"/>
+          <p:cNvSpPr>
+            <a:spLocks noGrp="1"/>
+          </p:cNvSpPr>
+          <p:nvPr>
+            <p:ph type="title"/>
+          </p:nvPr>
+        </p:nvSpPr>
+        <p:spPr/>
+        <p:txBody>
+          <a:bodyPr/>
+          <a:lstStyle/>
+          <a:p>
             <a:r>
               <a:rPr kumimoji="1" lang="ja-JP" altLang="en-US" dirty="0" smtClean="0"/>
               <a:t>本研究の目的</a:t>
@@ -4091,6 +4607,13 @@
   <p:clrMapOvr>
     <a:masterClrMapping/>
   </p:clrMapOvr>
+  <p:timing>
+    <p:tnLst>
+      <p:par>
+        <p:cTn id="1" dur="indefinite" restart="never" nodeType="tmRoot"/>
+      </p:par>
+    </p:tnLst>
+  </p:timing>
 </p:sld>
 </file>
 
@@ -4171,6 +4694,13 @@
   <p:clrMapOvr>
     <a:masterClrMapping/>
   </p:clrMapOvr>
+  <p:timing>
+    <p:tnLst>
+      <p:par>
+        <p:cTn id="1" dur="indefinite" restart="never" nodeType="tmRoot"/>
+      </p:par>
+    </p:tnLst>
+  </p:timing>
 </p:sld>
 </file>
 
@@ -4333,6 +4863,13 @@
   <p:clrMapOvr>
     <a:masterClrMapping/>
   </p:clrMapOvr>
+  <p:timing>
+    <p:tnLst>
+      <p:par>
+        <p:cTn id="1" dur="indefinite" restart="never" nodeType="tmRoot"/>
+      </p:par>
+    </p:tnLst>
+  </p:timing>
 </p:sld>
 </file>
 
@@ -4485,6 +5022,13 @@
   <p:clrMapOvr>
     <a:masterClrMapping/>
   </p:clrMapOvr>
+  <p:timing>
+    <p:tnLst>
+      <p:par>
+        <p:cTn id="1" dur="indefinite" restart="never" nodeType="tmRoot"/>
+      </p:par>
+    </p:tnLst>
+  </p:timing>
 </p:sld>
 </file>
 
@@ -4561,6 +5105,13 @@
   <p:clrMapOvr>
     <a:masterClrMapping/>
   </p:clrMapOvr>
+  <p:timing>
+    <p:tnLst>
+      <p:par>
+        <p:cTn id="1" dur="indefinite" restart="never" nodeType="tmRoot"/>
+      </p:par>
+    </p:tnLst>
+  </p:timing>
 </p:sld>
 </file>
 
@@ -4641,32 +5192,31 @@
             <a:pPr lvl="1"/>
             <a:r>
               <a:rPr kumimoji="1" lang="ja-JP" altLang="en-US" dirty="0" smtClean="0"/>
-              <a:t>ユーザ体験の向上</a:t>
-            </a:r>
+              <a:t>ユーザ体験の</a:t>
+            </a:r>
+            <a:r>
+              <a:rPr kumimoji="1" lang="ja-JP" altLang="en-US" dirty="0" smtClean="0"/>
+              <a:t>向上</a:t>
+            </a:r>
+            <a:endParaRPr kumimoji="1" lang="en-US" altLang="ja-JP" dirty="0" smtClean="0"/>
+          </a:p>
+          <a:p>
+            <a:pPr lvl="1"/>
+            <a:r>
+              <a:rPr lang="ja-JP" altLang="en-US" dirty="0"/>
+              <a:t>教員の労力削減</a:t>
+            </a:r>
+            <a:endParaRPr lang="en-US" altLang="ja-JP" dirty="0"/>
+          </a:p>
+          <a:p>
+            <a:pPr lvl="1"/>
             <a:endParaRPr lang="en-US" altLang="ja-JP" dirty="0" smtClean="0"/>
           </a:p>
           <a:p>
-            <a:pPr lvl="1"/>
+            <a:pPr marL="457200" lvl="1" indent="0">
+              <a:buNone/>
+            </a:pPr>
             <a:endParaRPr lang="en-US" altLang="ja-JP" dirty="0"/>
-          </a:p>
-          <a:p>
-            <a:r>
-              <a:rPr lang="ja-JP" altLang="en-US" dirty="0" smtClean="0"/>
-              <a:t>達成できなかった項目</a:t>
-            </a:r>
-            <a:endParaRPr lang="en-US" altLang="ja-JP" dirty="0" smtClean="0"/>
-          </a:p>
-          <a:p>
-            <a:pPr lvl="1"/>
-            <a:r>
-              <a:rPr lang="ja-JP" altLang="en-US" dirty="0"/>
-              <a:t>教員</a:t>
-            </a:r>
-            <a:r>
-              <a:rPr lang="ja-JP" altLang="en-US" dirty="0" smtClean="0"/>
-              <a:t>の労力削減</a:t>
-            </a:r>
-            <a:endParaRPr lang="en-US" altLang="ja-JP" dirty="0" smtClean="0"/>
           </a:p>
         </p:txBody>
       </p:sp>
@@ -4680,6 +5230,13 @@
   <p:clrMapOvr>
     <a:masterClrMapping/>
   </p:clrMapOvr>
+  <p:timing>
+    <p:tnLst>
+      <p:par>
+        <p:cTn id="1" dur="indefinite" restart="never" nodeType="tmRoot"/>
+      </p:par>
+    </p:tnLst>
+  </p:timing>
 </p:sld>
 </file>
 
@@ -4716,44 +5273,68 @@
           <a:lstStyle/>
           <a:p>
             <a:r>
+              <a:rPr lang="ja-JP" altLang="en-US" dirty="0"/>
+              <a:t>今後の展望</a:t>
+            </a:r>
+            <a:endParaRPr kumimoji="1" lang="ja-JP" altLang="en-US" dirty="0"/>
+          </a:p>
+        </p:txBody>
+      </p:sp>
+      <p:sp>
+        <p:nvSpPr>
+          <p:cNvPr id="3" name="コンテンツ プレースホルダー 2"/>
+          <p:cNvSpPr>
+            <a:spLocks noGrp="1"/>
+          </p:cNvSpPr>
+          <p:nvPr>
+            <p:ph idx="1"/>
+          </p:nvPr>
+        </p:nvSpPr>
+        <p:spPr/>
+        <p:txBody>
+          <a:bodyPr/>
+          <a:lstStyle/>
+          <a:p>
+            <a:r>
+              <a:rPr lang="ja-JP" altLang="en-US" dirty="0"/>
+              <a:t>新機能</a:t>
+            </a:r>
+            <a:r>
+              <a:rPr lang="ja-JP" altLang="en-US" dirty="0" smtClean="0"/>
+              <a:t>の実装</a:t>
+            </a:r>
+            <a:endParaRPr lang="en-US" altLang="ja-JP" dirty="0" smtClean="0"/>
+          </a:p>
+          <a:p>
+            <a:pPr lvl="1"/>
+            <a:r>
+              <a:rPr lang="ja-JP" altLang="en-US" dirty="0"/>
+              <a:t>結果の自動</a:t>
+            </a:r>
+            <a:r>
+              <a:rPr lang="ja-JP" altLang="en-US" dirty="0" smtClean="0"/>
+              <a:t>集計機能</a:t>
+            </a:r>
+            <a:endParaRPr lang="en-US" altLang="ja-JP" dirty="0" smtClean="0"/>
+          </a:p>
+          <a:p>
+            <a:pPr lvl="1"/>
+            <a:r>
+              <a:rPr kumimoji="1" lang="ja-JP" altLang="en-US" dirty="0"/>
+              <a:t>結果</a:t>
+            </a:r>
+            <a:r>
               <a:rPr kumimoji="1" lang="ja-JP" altLang="en-US" dirty="0" smtClean="0"/>
-              <a:t>今後の課題</a:t>
-            </a:r>
-            <a:endParaRPr kumimoji="1" lang="ja-JP" altLang="en-US" dirty="0"/>
-          </a:p>
-        </p:txBody>
-      </p:sp>
-      <p:sp>
-        <p:nvSpPr>
-          <p:cNvPr id="3" name="コンテンツ プレースホルダー 2"/>
-          <p:cNvSpPr>
-            <a:spLocks noGrp="1"/>
-          </p:cNvSpPr>
-          <p:nvPr>
-            <p:ph idx="1"/>
-          </p:nvPr>
-        </p:nvSpPr>
-        <p:spPr/>
-        <p:txBody>
-          <a:bodyPr/>
-          <a:lstStyle/>
-          <a:p>
-            <a:r>
-              <a:rPr kumimoji="1" lang="ja-JP" altLang="en-US" dirty="0" smtClean="0"/>
-              <a:t>教員の労力を削減する仕組み作り</a:t>
+              <a:t>の自動配信機能</a:t>
             </a:r>
             <a:endParaRPr kumimoji="1" lang="en-US" altLang="ja-JP" dirty="0" smtClean="0"/>
-          </a:p>
-          <a:p>
-            <a:pPr lvl="1"/>
-            <a:endParaRPr kumimoji="1" lang="ja-JP" altLang="en-US" dirty="0"/>
           </a:p>
         </p:txBody>
       </p:sp>
     </p:spTree>
     <p:extLst>
       <p:ext uri="{BB962C8B-B14F-4D97-AF65-F5344CB8AC3E}">
-        <p14:creationId xmlns:p14="http://schemas.microsoft.com/office/powerpoint/2010/main" val="3591337185"/>
+        <p14:creationId xmlns:p14="http://schemas.microsoft.com/office/powerpoint/2010/main" val="4066048542"/>
       </p:ext>
     </p:extLst>
   </p:cSld>
@@ -4796,150 +5377,70 @@
           <a:lstStyle/>
           <a:p>
             <a:r>
-              <a:rPr kumimoji="1" lang="en-US" altLang="ja-JP" dirty="0" smtClean="0"/>
-              <a:t>WEB</a:t>
+              <a:rPr lang="ja-JP" altLang="en-US" dirty="0"/>
+              <a:t>今後の展望</a:t>
+            </a:r>
+            <a:endParaRPr kumimoji="1" lang="ja-JP" altLang="en-US" dirty="0"/>
+          </a:p>
+        </p:txBody>
+      </p:sp>
+      <p:sp>
+        <p:nvSpPr>
+          <p:cNvPr id="3" name="コンテンツ プレースホルダー 2"/>
+          <p:cNvSpPr>
+            <a:spLocks noGrp="1"/>
+          </p:cNvSpPr>
+          <p:nvPr>
+            <p:ph idx="1"/>
+          </p:nvPr>
+        </p:nvSpPr>
+        <p:spPr/>
+        <p:txBody>
+          <a:bodyPr/>
+          <a:lstStyle/>
+          <a:p>
+            <a:r>
+              <a:rPr lang="ja-JP" altLang="en-US" dirty="0" smtClean="0"/>
+              <a:t>今回作成した</a:t>
+            </a:r>
+            <a:endParaRPr lang="en-US" altLang="ja-JP" dirty="0" smtClean="0"/>
+          </a:p>
+          <a:p>
+            <a:pPr lvl="1"/>
+            <a:r>
+              <a:rPr lang="ja-JP" altLang="en-US" dirty="0"/>
+              <a:t>結果の自動</a:t>
+            </a:r>
+            <a:r>
+              <a:rPr lang="ja-JP" altLang="en-US" dirty="0" smtClean="0"/>
+              <a:t>集計機能</a:t>
+            </a:r>
+            <a:endParaRPr lang="en-US" altLang="ja-JP" dirty="0" smtClean="0"/>
+          </a:p>
+          <a:p>
+            <a:pPr lvl="1"/>
+            <a:r>
+              <a:rPr kumimoji="1" lang="ja-JP" altLang="en-US" dirty="0"/>
+              <a:t>結果</a:t>
             </a:r>
             <a:r>
               <a:rPr kumimoji="1" lang="ja-JP" altLang="en-US" dirty="0" smtClean="0"/>
-              <a:t>プログラミングの現状</a:t>
-            </a:r>
-            <a:endParaRPr kumimoji="1" lang="ja-JP" altLang="en-US" dirty="0"/>
-          </a:p>
-        </p:txBody>
-      </p:sp>
-      <p:sp>
-        <p:nvSpPr>
-          <p:cNvPr id="3" name="コンテンツ プレースホルダー 2"/>
-          <p:cNvSpPr>
-            <a:spLocks noGrp="1"/>
-          </p:cNvSpPr>
-          <p:nvPr>
-            <p:ph idx="1"/>
-          </p:nvPr>
-        </p:nvSpPr>
-        <p:spPr/>
-        <p:txBody>
-          <a:bodyPr>
-            <a:normAutofit/>
-          </a:bodyPr>
-          <a:lstStyle/>
-          <a:p>
-            <a:r>
-              <a:rPr kumimoji="1" lang="ja-JP" altLang="en-US" dirty="0" smtClean="0"/>
-              <a:t>無料の学習環境</a:t>
-            </a:r>
-            <a:endParaRPr lang="en-US" altLang="ja-JP" dirty="0" smtClean="0"/>
-          </a:p>
-          <a:p>
-            <a:pPr lvl="1"/>
-            <a:r>
-              <a:rPr lang="ja-JP" altLang="en-US" dirty="0"/>
-              <a:t>ドット</a:t>
-            </a:r>
-            <a:r>
-              <a:rPr lang="ja-JP" altLang="en-US" dirty="0" smtClean="0"/>
-              <a:t>インストール</a:t>
-            </a:r>
-            <a:endParaRPr lang="en-US" altLang="ja-JP" dirty="0" smtClean="0"/>
-          </a:p>
-          <a:p>
-            <a:pPr lvl="1"/>
-            <a:r>
-              <a:rPr lang="en-US" altLang="ja-JP" dirty="0" err="1" smtClean="0"/>
-              <a:t>Qiita</a:t>
-            </a:r>
-            <a:endParaRPr lang="en-US" altLang="ja-JP" dirty="0" smtClean="0"/>
-          </a:p>
-          <a:p>
-            <a:endParaRPr lang="en-US" altLang="ja-JP" dirty="0"/>
-          </a:p>
-          <a:p>
-            <a:r>
-              <a:rPr lang="ja-JP" altLang="en-US" dirty="0" smtClean="0"/>
-              <a:t>外部ライブラリの充実</a:t>
-            </a:r>
-            <a:endParaRPr lang="en-US" altLang="ja-JP" dirty="0" smtClean="0"/>
-          </a:p>
-          <a:p>
-            <a:pPr lvl="1"/>
-            <a:r>
-              <a:rPr lang="ja-JP" altLang="en-US" dirty="0" smtClean="0"/>
-              <a:t>各種フレームワークなど</a:t>
-            </a:r>
-            <a:endParaRPr lang="en-US" altLang="ja-JP" dirty="0" smtClean="0"/>
-          </a:p>
-          <a:p>
-            <a:endParaRPr lang="en-US" altLang="ja-JP" dirty="0"/>
-          </a:p>
-          <a:p>
-            <a:endParaRPr kumimoji="1" lang="ja-JP" altLang="en-US" dirty="0"/>
-          </a:p>
-        </p:txBody>
-      </p:sp>
-      <p:sp>
-        <p:nvSpPr>
-          <p:cNvPr id="4" name="正方形/長方形 3"/>
-          <p:cNvSpPr/>
-          <p:nvPr/>
-        </p:nvSpPr>
-        <p:spPr>
-          <a:xfrm>
-            <a:off x="551792" y="5333507"/>
-            <a:ext cx="8261132" cy="756745"/>
-          </a:xfrm>
-          <a:prstGeom prst="rect">
-            <a:avLst/>
-          </a:prstGeom>
-        </p:spPr>
-        <p:style>
-          <a:lnRef idx="2">
-            <a:schemeClr val="accent1">
-              <a:shade val="50000"/>
-            </a:schemeClr>
-          </a:lnRef>
-          <a:fillRef idx="1">
-            <a:schemeClr val="accent1"/>
-          </a:fillRef>
-          <a:effectRef idx="0">
-            <a:schemeClr val="accent1"/>
-          </a:effectRef>
-          <a:fontRef idx="minor">
-            <a:schemeClr val="lt1"/>
-          </a:fontRef>
-        </p:style>
-        <p:txBody>
-          <a:bodyPr rtlCol="0" anchor="ctr"/>
-          <a:lstStyle/>
-          <a:p>
-            <a:r>
-              <a:rPr lang="en-US" altLang="ja-JP" sz="3600" dirty="0" smtClean="0"/>
-              <a:t>WEB</a:t>
-            </a:r>
-            <a:r>
-              <a:rPr lang="ja-JP" altLang="en-US" sz="3600" dirty="0" smtClean="0"/>
-              <a:t>プログラミングの敷居が下がっている</a:t>
-            </a:r>
-            <a:endParaRPr lang="en-US" altLang="ja-JP" sz="3600" dirty="0" smtClean="0"/>
+              <a:t>の自動配信機能</a:t>
+            </a:r>
+            <a:endParaRPr kumimoji="1" lang="en-US" altLang="ja-JP" dirty="0" smtClean="0"/>
           </a:p>
         </p:txBody>
       </p:sp>
     </p:spTree>
     <p:extLst>
       <p:ext uri="{BB962C8B-B14F-4D97-AF65-F5344CB8AC3E}">
-        <p14:creationId xmlns:p14="http://schemas.microsoft.com/office/powerpoint/2010/main" val="3565592007"/>
+        <p14:creationId xmlns:p14="http://schemas.microsoft.com/office/powerpoint/2010/main" val="3755367451"/>
       </p:ext>
     </p:extLst>
   </p:cSld>
   <p:clrMapOvr>
     <a:masterClrMapping/>
   </p:clrMapOvr>
-  <p:timing>
-    <p:tnLst>
-      <p:par>
-        <p:cTn id="1" dur="indefinite" restart="never" nodeType="tmRoot"/>
-      </p:par>
-    </p:tnLst>
-  </p:timing>
 </p:sld>
 </file>
 
@@ -4975,19 +5476,7 @@
           <a:bodyPr/>
           <a:lstStyle/>
           <a:p>
-            <a:r>
-              <a:rPr lang="ja-JP" altLang="en-US" dirty="0" smtClean="0"/>
-              <a:t>シングルページ</a:t>
-            </a:r>
-            <a:r>
-              <a:rPr lang="en-US" altLang="ja-JP" dirty="0" smtClean="0"/>
-              <a:t>WEB</a:t>
-            </a:r>
-            <a:r>
-              <a:rPr lang="ja-JP" altLang="en-US" dirty="0" smtClean="0"/>
-              <a:t>アプリケーション</a:t>
-            </a:r>
-            <a:endParaRPr kumimoji="1" lang="ja-JP" altLang="en-US" dirty="0"/>
+            <a:endParaRPr kumimoji="1" lang="ja-JP" altLang="en-US"/>
           </a:p>
         </p:txBody>
       </p:sp>
@@ -5003,120 +5492,23 @@
         </p:nvSpPr>
         <p:spPr/>
         <p:txBody>
-          <a:bodyPr>
-            <a:normAutofit lnSpcReduction="10000"/>
-          </a:bodyPr>
-          <a:lstStyle/>
-          <a:p>
-            <a:r>
-              <a:rPr lang="ja-JP" altLang="en-US" dirty="0" smtClean="0"/>
-              <a:t>概要</a:t>
-            </a:r>
-            <a:endParaRPr lang="en-US" altLang="ja-JP" dirty="0" smtClean="0"/>
-          </a:p>
-          <a:p>
-            <a:pPr lvl="1"/>
-            <a:r>
-              <a:rPr lang="ja-JP" altLang="en-US" dirty="0" smtClean="0"/>
-              <a:t>近年注目を集めている</a:t>
-            </a:r>
-            <a:r>
-              <a:rPr lang="en-US" altLang="ja-JP" dirty="0" smtClean="0"/>
-              <a:t>WEB</a:t>
-            </a:r>
-            <a:r>
-              <a:rPr lang="ja-JP" altLang="en-US" dirty="0" smtClean="0"/>
-              <a:t>アプリの仕様</a:t>
-            </a:r>
-            <a:endParaRPr lang="en-US" altLang="ja-JP" dirty="0" smtClean="0"/>
-          </a:p>
-          <a:p>
-            <a:endParaRPr lang="en-US" altLang="ja-JP" dirty="0"/>
-          </a:p>
-          <a:p>
-            <a:r>
-              <a:rPr lang="ja-JP" altLang="en-US" dirty="0" smtClean="0"/>
-              <a:t>特徴</a:t>
-            </a:r>
-            <a:endParaRPr kumimoji="1" lang="en-US" altLang="ja-JP" dirty="0" smtClean="0"/>
-          </a:p>
-          <a:p>
-            <a:pPr lvl="1"/>
-            <a:r>
-              <a:rPr lang="ja-JP" altLang="en-US" dirty="0"/>
-              <a:t>デプロイ</a:t>
-            </a:r>
-            <a:r>
-              <a:rPr lang="ja-JP" altLang="en-US" dirty="0" smtClean="0"/>
-              <a:t>が簡単</a:t>
-            </a:r>
-            <a:endParaRPr lang="en-US" altLang="ja-JP" dirty="0" smtClean="0"/>
-          </a:p>
-          <a:p>
-            <a:pPr lvl="1"/>
-            <a:r>
-              <a:rPr kumimoji="1" lang="ja-JP" altLang="en-US" dirty="0" smtClean="0"/>
-              <a:t>クロスプラットフォームである</a:t>
-            </a:r>
-            <a:endParaRPr kumimoji="1" lang="en-US" altLang="ja-JP" dirty="0" smtClean="0"/>
-          </a:p>
-          <a:p>
-            <a:pPr lvl="1"/>
-            <a:endParaRPr kumimoji="1" lang="en-US" altLang="ja-JP" dirty="0" smtClean="0"/>
-          </a:p>
-          <a:p>
-            <a:r>
-              <a:rPr kumimoji="1" lang="ja-JP" altLang="en-US" dirty="0" smtClean="0"/>
-              <a:t>例</a:t>
-            </a:r>
-            <a:endParaRPr kumimoji="1" lang="en-US" altLang="ja-JP" dirty="0" smtClean="0"/>
-          </a:p>
-          <a:p>
-            <a:pPr lvl="1"/>
-            <a:r>
-              <a:rPr lang="en-US" altLang="ja-JP" dirty="0" smtClean="0"/>
-              <a:t>Twitter</a:t>
-            </a:r>
-            <a:r>
-              <a:rPr lang="ja-JP" altLang="en-US" dirty="0" smtClean="0"/>
-              <a:t>や</a:t>
-            </a:r>
-            <a:r>
-              <a:rPr lang="en-US" altLang="ja-JP" dirty="0" smtClean="0"/>
-              <a:t>Instagram</a:t>
-            </a:r>
-            <a:r>
-              <a:rPr lang="ja-JP" altLang="en-US" dirty="0" smtClean="0"/>
-              <a:t>な</a:t>
-            </a:r>
-            <a:r>
-              <a:rPr lang="ja-JP" altLang="en-US" dirty="0"/>
-              <a:t>ど</a:t>
-            </a:r>
-            <a:endParaRPr kumimoji="1" lang="en-US" altLang="ja-JP" dirty="0" smtClean="0"/>
-          </a:p>
-          <a:p>
-            <a:endParaRPr kumimoji="1" lang="ja-JP" altLang="en-US" dirty="0"/>
+          <a:bodyPr/>
+          <a:lstStyle/>
+          <a:p>
+            <a:endParaRPr kumimoji="1" lang="ja-JP" altLang="en-US"/>
           </a:p>
         </p:txBody>
       </p:sp>
     </p:spTree>
     <p:extLst>
       <p:ext uri="{BB962C8B-B14F-4D97-AF65-F5344CB8AC3E}">
-        <p14:creationId xmlns:p14="http://schemas.microsoft.com/office/powerpoint/2010/main" val="544699416"/>
+        <p14:creationId xmlns:p14="http://schemas.microsoft.com/office/powerpoint/2010/main" val="2117521921"/>
       </p:ext>
     </p:extLst>
   </p:cSld>
   <p:clrMapOvr>
     <a:masterClrMapping/>
   </p:clrMapOvr>
-  <p:timing>
-    <p:tnLst>
-      <p:par>
-        <p:cTn id="1" dur="indefinite" restart="never" nodeType="tmRoot"/>
-      </p:par>
-    </p:tnLst>
-  </p:timing>
 </p:sld>
 </file>
 

--- a/卒業研究発表スライド.pptx
+++ b/卒業研究発表スライド.pptx
@@ -5,7 +5,7 @@
     <p:sldMasterId id="2147483660" r:id="rId1"/>
   </p:sldMasterIdLst>
   <p:notesMasterIdLst>
-    <p:notesMasterId r:id="rId16"/>
+    <p:notesMasterId r:id="rId18"/>
   </p:notesMasterIdLst>
   <p:sldIdLst>
     <p:sldId id="256" r:id="rId2"/>
@@ -15,13 +15,15 @@
     <p:sldId id="263" r:id="rId6"/>
     <p:sldId id="264" r:id="rId7"/>
     <p:sldId id="267" r:id="rId8"/>
-    <p:sldId id="269" r:id="rId9"/>
-    <p:sldId id="268" r:id="rId10"/>
-    <p:sldId id="265" r:id="rId11"/>
-    <p:sldId id="266" r:id="rId12"/>
-    <p:sldId id="257" r:id="rId13"/>
-    <p:sldId id="258" r:id="rId14"/>
-    <p:sldId id="259" r:id="rId15"/>
+    <p:sldId id="270" r:id="rId9"/>
+    <p:sldId id="269" r:id="rId10"/>
+    <p:sldId id="271" r:id="rId11"/>
+    <p:sldId id="268" r:id="rId12"/>
+    <p:sldId id="265" r:id="rId13"/>
+    <p:sldId id="266" r:id="rId14"/>
+    <p:sldId id="257" r:id="rId15"/>
+    <p:sldId id="258" r:id="rId16"/>
+    <p:sldId id="259" r:id="rId17"/>
   </p:sldIdLst>
   <p:sldSz cx="9144000" cy="6858000" type="screen4x3"/>
   <p:notesSz cx="6858000" cy="9144000"/>
@@ -274,70 +276,70 @@
           <a:p>
             <a:pPr lvl="0"/>
             <a:r>
-              <a:rPr kumimoji="1" lang="ja-JP" altLang="en-US" smtClean="0"/>
+              <a:rPr kumimoji="1" lang="ja-JP" altLang="en-US" dirty="0" smtClean="0"/>
               <a:t>マスター テキストの書式設定</a:t>
             </a:r>
           </a:p>
           <a:p>
             <a:pPr lvl="1"/>
             <a:r>
-              <a:rPr kumimoji="1" lang="ja-JP" altLang="en-US" smtClean="0"/>
+              <a:rPr kumimoji="1" lang="ja-JP" altLang="en-US" dirty="0" smtClean="0"/>
               <a:t>第 </a:t>
             </a:r>
             <a:r>
-              <a:rPr kumimoji="1" lang="en-US" altLang="ja-JP" smtClean="0"/>
+              <a:rPr kumimoji="1" lang="en-US" altLang="ja-JP" dirty="0" smtClean="0"/>
               <a:t>2 </a:t>
             </a:r>
             <a:r>
-              <a:rPr kumimoji="1" lang="ja-JP" altLang="en-US" smtClean="0"/>
+              <a:rPr kumimoji="1" lang="ja-JP" altLang="en-US" dirty="0" smtClean="0"/>
               <a:t>レベル</a:t>
             </a:r>
           </a:p>
           <a:p>
             <a:pPr lvl="2"/>
             <a:r>
-              <a:rPr kumimoji="1" lang="ja-JP" altLang="en-US" smtClean="0"/>
+              <a:rPr kumimoji="1" lang="ja-JP" altLang="en-US" dirty="0" smtClean="0"/>
               <a:t>第 </a:t>
             </a:r>
             <a:r>
-              <a:rPr kumimoji="1" lang="en-US" altLang="ja-JP" smtClean="0"/>
+              <a:rPr kumimoji="1" lang="en-US" altLang="ja-JP" dirty="0" smtClean="0"/>
               <a:t>3 </a:t>
             </a:r>
             <a:r>
-              <a:rPr kumimoji="1" lang="ja-JP" altLang="en-US" smtClean="0"/>
+              <a:rPr kumimoji="1" lang="ja-JP" altLang="en-US" dirty="0" smtClean="0"/>
               <a:t>レベル</a:t>
             </a:r>
           </a:p>
           <a:p>
             <a:pPr lvl="3"/>
             <a:r>
-              <a:rPr kumimoji="1" lang="ja-JP" altLang="en-US" smtClean="0"/>
+              <a:rPr kumimoji="1" lang="ja-JP" altLang="en-US" dirty="0" smtClean="0"/>
               <a:t>第 </a:t>
             </a:r>
             <a:r>
-              <a:rPr kumimoji="1" lang="en-US" altLang="ja-JP" smtClean="0"/>
+              <a:rPr kumimoji="1" lang="en-US" altLang="ja-JP" dirty="0" smtClean="0"/>
               <a:t>4 </a:t>
             </a:r>
             <a:r>
-              <a:rPr kumimoji="1" lang="ja-JP" altLang="en-US" smtClean="0"/>
+              <a:rPr kumimoji="1" lang="ja-JP" altLang="en-US" dirty="0" smtClean="0"/>
               <a:t>レベル</a:t>
             </a:r>
           </a:p>
           <a:p>
             <a:pPr lvl="4"/>
             <a:r>
-              <a:rPr kumimoji="1" lang="ja-JP" altLang="en-US" smtClean="0"/>
+              <a:rPr kumimoji="1" lang="ja-JP" altLang="en-US" dirty="0" smtClean="0"/>
               <a:t>第 </a:t>
             </a:r>
             <a:r>
-              <a:rPr kumimoji="1" lang="en-US" altLang="ja-JP" smtClean="0"/>
+              <a:rPr kumimoji="1" lang="en-US" altLang="ja-JP" dirty="0" smtClean="0"/>
               <a:t>5 </a:t>
             </a:r>
             <a:r>
-              <a:rPr kumimoji="1" lang="ja-JP" altLang="en-US" smtClean="0"/>
+              <a:rPr kumimoji="1" lang="ja-JP" altLang="en-US" dirty="0" smtClean="0"/>
               <a:t>レベル</a:t>
             </a:r>
-            <a:endParaRPr kumimoji="1" lang="ja-JP" altLang="en-US"/>
+            <a:endParaRPr kumimoji="1" lang="ja-JP" altLang="en-US" dirty="0"/>
           </a:p>
         </p:txBody>
       </p:sp>
@@ -556,7 +558,23 @@
           <a:p>
             <a:r>
               <a:rPr kumimoji="1" lang="ja-JP" altLang="en-US" dirty="0" smtClean="0"/>
-              <a:t>最近注目されているのがシングルページウェブアプリケーション。</a:t>
+              <a:t>これから、</a:t>
+            </a:r>
+            <a:r>
+              <a:rPr kumimoji="1" lang="en-US" altLang="ja-JP" dirty="0" smtClean="0"/>
+              <a:t>web</a:t>
+            </a:r>
+            <a:r>
+              <a:rPr kumimoji="1" lang="ja-JP" altLang="en-US" dirty="0" smtClean="0"/>
+              <a:t>プログラミングを用いたアプリケーションの開発というテーマで</a:t>
+            </a:r>
+            <a:r>
+              <a:rPr kumimoji="1" lang="en-US" altLang="ja-JP" dirty="0" smtClean="0"/>
+              <a:t>5</a:t>
+            </a:r>
+            <a:r>
+              <a:rPr kumimoji="1" lang="ja-JP" altLang="en-US" dirty="0" smtClean="0"/>
+              <a:t>年電子制御工学科の溝が発表させていただきます</a:t>
             </a:r>
             <a:endParaRPr kumimoji="1" lang="ja-JP" altLang="en-US" dirty="0"/>
           </a:p>
@@ -579,7 +597,215 @@
           <a:p>
             <a:fld id="{DE4497FE-1A65-4799-B01D-44564FDEC19E}" type="slidenum">
               <a:rPr kumimoji="1" lang="ja-JP" altLang="en-US" smtClean="0"/>
-              <a:t>13</a:t>
+              <a:t>1</a:t>
+            </a:fld>
+            <a:endParaRPr kumimoji="1" lang="ja-JP" altLang="en-US"/>
+          </a:p>
+        </p:txBody>
+      </p:sp>
+    </p:spTree>
+    <p:extLst>
+      <p:ext uri="{BB962C8B-B14F-4D97-AF65-F5344CB8AC3E}">
+        <p14:creationId xmlns:p14="http://schemas.microsoft.com/office/powerpoint/2010/main" val="3935561210"/>
+      </p:ext>
+    </p:extLst>
+  </p:cSld>
+  <p:clrMapOvr>
+    <a:masterClrMapping/>
+  </p:clrMapOvr>
+</p:notes>
+</file>
+
+<file path=ppt/notesSlides/notesSlide10.xml><?xml version="1.0" encoding="utf-8"?>
+<p:notes xmlns:a="http://schemas.openxmlformats.org/drawingml/2006/main" xmlns:r="http://schemas.openxmlformats.org/officeDocument/2006/relationships" xmlns:p="http://schemas.openxmlformats.org/presentationml/2006/main">
+  <p:cSld>
+    <p:spTree>
+      <p:nvGrpSpPr>
+        <p:cNvPr id="1" name=""/>
+        <p:cNvGrpSpPr/>
+        <p:nvPr/>
+      </p:nvGrpSpPr>
+      <p:grpSpPr>
+        <a:xfrm>
+          <a:off x="0" y="0"/>
+          <a:ext cx="0" cy="0"/>
+          <a:chOff x="0" y="0"/>
+          <a:chExt cx="0" cy="0"/>
+        </a:xfrm>
+      </p:grpSpPr>
+      <p:sp>
+        <p:nvSpPr>
+          <p:cNvPr id="2" name="スライド イメージ プレースホルダー 1"/>
+          <p:cNvSpPr>
+            <a:spLocks noGrp="1" noRot="1" noChangeAspect="1"/>
+          </p:cNvSpPr>
+          <p:nvPr>
+            <p:ph type="sldImg"/>
+          </p:nvPr>
+        </p:nvSpPr>
+        <p:spPr/>
+      </p:sp>
+      <p:sp>
+        <p:nvSpPr>
+          <p:cNvPr id="3" name="ノート プレースホルダー 2"/>
+          <p:cNvSpPr>
+            <a:spLocks noGrp="1"/>
+          </p:cNvSpPr>
+          <p:nvPr>
+            <p:ph type="body" idx="1"/>
+          </p:nvPr>
+        </p:nvSpPr>
+        <p:spPr/>
+        <p:txBody>
+          <a:bodyPr/>
+          <a:lstStyle/>
+          <a:p>
+            <a:r>
+              <a:rPr kumimoji="1" lang="ja-JP" altLang="en-US" dirty="0" smtClean="0"/>
+              <a:t>では、まとめを述べたいと思います。</a:t>
+            </a:r>
+            <a:r>
+              <a:rPr lang="ja-JP" altLang="en-US" dirty="0" smtClean="0"/>
+              <a:t>本</a:t>
+            </a:r>
+            <a:r>
+              <a:rPr lang="ja-JP" altLang="en-US" dirty="0"/>
+              <a:t>研究</a:t>
+            </a:r>
+            <a:r>
+              <a:rPr lang="ja-JP" altLang="en-US" dirty="0" smtClean="0"/>
+              <a:t>では</a:t>
+            </a:r>
+            <a:r>
+              <a:rPr lang="en-US" altLang="ja-JP" dirty="0" smtClean="0"/>
+              <a:t>web</a:t>
+            </a:r>
+            <a:r>
+              <a:rPr lang="ja-JP" altLang="en-US" dirty="0" smtClean="0"/>
+              <a:t>プログラミングを用いて授業評価アンケートを作成しました。このアンケートは従来のマークシート方式に比べて</a:t>
+            </a:r>
+            <a:r>
+              <a:rPr lang="ja-JP" altLang="en-US" dirty="0"/>
+              <a:t>経済性</a:t>
+            </a:r>
+            <a:r>
+              <a:rPr lang="ja-JP" altLang="en-US" dirty="0" smtClean="0"/>
+              <a:t>の改善、教員の労力削減、ユーザ体験の</a:t>
+            </a:r>
+            <a:r>
+              <a:rPr lang="ja-JP" altLang="en-US" smtClean="0"/>
+              <a:t>向上が実現できました。今後の展望として、このプログラムに新機能を追加し、高専の授業のさらなる品質向上に貢献していきたいと考えています。</a:t>
+            </a:r>
+            <a:endParaRPr lang="en-US" altLang="ja-JP" dirty="0" smtClean="0"/>
+          </a:p>
+        </p:txBody>
+      </p:sp>
+      <p:sp>
+        <p:nvSpPr>
+          <p:cNvPr id="4" name="スライド番号プレースホルダー 3"/>
+          <p:cNvSpPr>
+            <a:spLocks noGrp="1"/>
+          </p:cNvSpPr>
+          <p:nvPr>
+            <p:ph type="sldNum" sz="quarter" idx="10"/>
+          </p:nvPr>
+        </p:nvSpPr>
+        <p:spPr/>
+        <p:txBody>
+          <a:bodyPr/>
+          <a:lstStyle/>
+          <a:p>
+            <a:fld id="{DE4497FE-1A65-4799-B01D-44564FDEC19E}" type="slidenum">
+              <a:rPr kumimoji="1" lang="ja-JP" altLang="en-US" smtClean="0"/>
+              <a:t>10</a:t>
+            </a:fld>
+            <a:endParaRPr kumimoji="1" lang="ja-JP" altLang="en-US"/>
+          </a:p>
+        </p:txBody>
+      </p:sp>
+    </p:spTree>
+    <p:extLst>
+      <p:ext uri="{BB962C8B-B14F-4D97-AF65-F5344CB8AC3E}">
+        <p14:creationId xmlns:p14="http://schemas.microsoft.com/office/powerpoint/2010/main" val="752795588"/>
+      </p:ext>
+    </p:extLst>
+  </p:cSld>
+  <p:clrMapOvr>
+    <a:masterClrMapping/>
+  </p:clrMapOvr>
+</p:notes>
+</file>
+
+<file path=ppt/notesSlides/notesSlide11.xml><?xml version="1.0" encoding="utf-8"?>
+<p:notes xmlns:a="http://schemas.openxmlformats.org/drawingml/2006/main" xmlns:r="http://schemas.openxmlformats.org/officeDocument/2006/relationships" xmlns:p="http://schemas.openxmlformats.org/presentationml/2006/main">
+  <p:cSld>
+    <p:spTree>
+      <p:nvGrpSpPr>
+        <p:cNvPr id="1" name=""/>
+        <p:cNvGrpSpPr/>
+        <p:nvPr/>
+      </p:nvGrpSpPr>
+      <p:grpSpPr>
+        <a:xfrm>
+          <a:off x="0" y="0"/>
+          <a:ext cx="0" cy="0"/>
+          <a:chOff x="0" y="0"/>
+          <a:chExt cx="0" cy="0"/>
+        </a:xfrm>
+      </p:grpSpPr>
+      <p:sp>
+        <p:nvSpPr>
+          <p:cNvPr id="2" name="スライド イメージ プレースホルダー 1"/>
+          <p:cNvSpPr>
+            <a:spLocks noGrp="1" noRot="1" noChangeAspect="1"/>
+          </p:cNvSpPr>
+          <p:nvPr>
+            <p:ph type="sldImg"/>
+          </p:nvPr>
+        </p:nvSpPr>
+        <p:spPr/>
+      </p:sp>
+      <p:sp>
+        <p:nvSpPr>
+          <p:cNvPr id="3" name="ノート プレースホルダー 2"/>
+          <p:cNvSpPr>
+            <a:spLocks noGrp="1"/>
+          </p:cNvSpPr>
+          <p:nvPr>
+            <p:ph type="body" idx="1"/>
+          </p:nvPr>
+        </p:nvSpPr>
+        <p:spPr/>
+        <p:txBody>
+          <a:bodyPr/>
+          <a:lstStyle/>
+          <a:p>
+            <a:r>
+              <a:rPr kumimoji="1" lang="ja-JP" altLang="en-US" dirty="0" smtClean="0"/>
+              <a:t>最近注目されているのがシングルページウェブアプリケーション。</a:t>
+            </a:r>
+            <a:endParaRPr kumimoji="1" lang="ja-JP" altLang="en-US" dirty="0"/>
+          </a:p>
+        </p:txBody>
+      </p:sp>
+      <p:sp>
+        <p:nvSpPr>
+          <p:cNvPr id="4" name="スライド番号プレースホルダー 3"/>
+          <p:cNvSpPr>
+            <a:spLocks noGrp="1"/>
+          </p:cNvSpPr>
+          <p:nvPr>
+            <p:ph type="sldNum" sz="quarter" idx="10"/>
+          </p:nvPr>
+        </p:nvSpPr>
+        <p:spPr/>
+        <p:txBody>
+          <a:bodyPr/>
+          <a:lstStyle/>
+          <a:p>
+            <a:fld id="{DE4497FE-1A65-4799-B01D-44564FDEC19E}" type="slidenum">
+              <a:rPr kumimoji="1" lang="ja-JP" altLang="en-US" smtClean="0"/>
+              <a:t>15</a:t>
             </a:fld>
             <a:endParaRPr kumimoji="1" lang="ja-JP" altLang="en-US"/>
           </a:p>
@@ -589,6 +815,921 @@
     <p:extLst>
       <p:ext uri="{BB962C8B-B14F-4D97-AF65-F5344CB8AC3E}">
         <p14:creationId xmlns:p14="http://schemas.microsoft.com/office/powerpoint/2010/main" val="2221868850"/>
+      </p:ext>
+    </p:extLst>
+  </p:cSld>
+  <p:clrMapOvr>
+    <a:masterClrMapping/>
+  </p:clrMapOvr>
+</p:notes>
+</file>
+
+<file path=ppt/notesSlides/notesSlide2.xml><?xml version="1.0" encoding="utf-8"?>
+<p:notes xmlns:a="http://schemas.openxmlformats.org/drawingml/2006/main" xmlns:r="http://schemas.openxmlformats.org/officeDocument/2006/relationships" xmlns:p="http://schemas.openxmlformats.org/presentationml/2006/main">
+  <p:cSld>
+    <p:spTree>
+      <p:nvGrpSpPr>
+        <p:cNvPr id="1" name=""/>
+        <p:cNvGrpSpPr/>
+        <p:nvPr/>
+      </p:nvGrpSpPr>
+      <p:grpSpPr>
+        <a:xfrm>
+          <a:off x="0" y="0"/>
+          <a:ext cx="0" cy="0"/>
+          <a:chOff x="0" y="0"/>
+          <a:chExt cx="0" cy="0"/>
+        </a:xfrm>
+      </p:grpSpPr>
+      <p:sp>
+        <p:nvSpPr>
+          <p:cNvPr id="2" name="スライド イメージ プレースホルダー 1"/>
+          <p:cNvSpPr>
+            <a:spLocks noGrp="1" noRot="1" noChangeAspect="1"/>
+          </p:cNvSpPr>
+          <p:nvPr>
+            <p:ph type="sldImg"/>
+          </p:nvPr>
+        </p:nvSpPr>
+        <p:spPr/>
+      </p:sp>
+      <p:sp>
+        <p:nvSpPr>
+          <p:cNvPr id="3" name="ノート プレースホルダー 2"/>
+          <p:cNvSpPr>
+            <a:spLocks noGrp="1"/>
+          </p:cNvSpPr>
+          <p:nvPr>
+            <p:ph type="body" idx="1"/>
+          </p:nvPr>
+        </p:nvSpPr>
+        <p:spPr/>
+        <p:txBody>
+          <a:bodyPr/>
+          <a:lstStyle/>
+          <a:p>
+            <a:r>
+              <a:rPr kumimoji="1" lang="ja-JP" altLang="en-US" dirty="0" smtClean="0"/>
+              <a:t>本研究</a:t>
+            </a:r>
+            <a:r>
+              <a:rPr lang="ja-JP" altLang="en-US" dirty="0" smtClean="0"/>
+              <a:t>の目的は、</a:t>
+            </a:r>
+            <a:r>
+              <a:rPr lang="en-US" altLang="ja-JP" dirty="0" smtClean="0"/>
+              <a:t>web</a:t>
+            </a:r>
+            <a:r>
+              <a:rPr lang="ja-JP" altLang="en-US" dirty="0" smtClean="0"/>
+              <a:t>上で授業評価</a:t>
+            </a:r>
+            <a:r>
+              <a:rPr lang="ja-JP" altLang="en-US" dirty="0"/>
+              <a:t>アンケート</a:t>
+            </a:r>
+            <a:r>
+              <a:rPr lang="ja-JP" altLang="en-US" dirty="0" smtClean="0"/>
+              <a:t>を実施することです。</a:t>
+            </a:r>
+            <a:endParaRPr kumimoji="1" lang="ja-JP" altLang="en-US" dirty="0"/>
+          </a:p>
+        </p:txBody>
+      </p:sp>
+      <p:sp>
+        <p:nvSpPr>
+          <p:cNvPr id="4" name="スライド番号プレースホルダー 3"/>
+          <p:cNvSpPr>
+            <a:spLocks noGrp="1"/>
+          </p:cNvSpPr>
+          <p:nvPr>
+            <p:ph type="sldNum" sz="quarter" idx="10"/>
+          </p:nvPr>
+        </p:nvSpPr>
+        <p:spPr/>
+        <p:txBody>
+          <a:bodyPr/>
+          <a:lstStyle/>
+          <a:p>
+            <a:fld id="{DE4497FE-1A65-4799-B01D-44564FDEC19E}" type="slidenum">
+              <a:rPr kumimoji="1" lang="ja-JP" altLang="en-US" smtClean="0"/>
+              <a:t>2</a:t>
+            </a:fld>
+            <a:endParaRPr kumimoji="1" lang="ja-JP" altLang="en-US"/>
+          </a:p>
+        </p:txBody>
+      </p:sp>
+    </p:spTree>
+    <p:extLst>
+      <p:ext uri="{BB962C8B-B14F-4D97-AF65-F5344CB8AC3E}">
+        <p14:creationId xmlns:p14="http://schemas.microsoft.com/office/powerpoint/2010/main" val="3792251010"/>
+      </p:ext>
+    </p:extLst>
+  </p:cSld>
+  <p:clrMapOvr>
+    <a:masterClrMapping/>
+  </p:clrMapOvr>
+</p:notes>
+</file>
+
+<file path=ppt/notesSlides/notesSlide3.xml><?xml version="1.0" encoding="utf-8"?>
+<p:notes xmlns:a="http://schemas.openxmlformats.org/drawingml/2006/main" xmlns:r="http://schemas.openxmlformats.org/officeDocument/2006/relationships" xmlns:p="http://schemas.openxmlformats.org/presentationml/2006/main">
+  <p:cSld>
+    <p:spTree>
+      <p:nvGrpSpPr>
+        <p:cNvPr id="1" name=""/>
+        <p:cNvGrpSpPr/>
+        <p:nvPr/>
+      </p:nvGrpSpPr>
+      <p:grpSpPr>
+        <a:xfrm>
+          <a:off x="0" y="0"/>
+          <a:ext cx="0" cy="0"/>
+          <a:chOff x="0" y="0"/>
+          <a:chExt cx="0" cy="0"/>
+        </a:xfrm>
+      </p:grpSpPr>
+      <p:sp>
+        <p:nvSpPr>
+          <p:cNvPr id="2" name="スライド イメージ プレースホルダー 1"/>
+          <p:cNvSpPr>
+            <a:spLocks noGrp="1" noRot="1" noChangeAspect="1"/>
+          </p:cNvSpPr>
+          <p:nvPr>
+            <p:ph type="sldImg"/>
+          </p:nvPr>
+        </p:nvSpPr>
+        <p:spPr/>
+      </p:sp>
+      <p:sp>
+        <p:nvSpPr>
+          <p:cNvPr id="3" name="ノート プレースホルダー 2"/>
+          <p:cNvSpPr>
+            <a:spLocks noGrp="1"/>
+          </p:cNvSpPr>
+          <p:nvPr>
+            <p:ph type="body" idx="1"/>
+          </p:nvPr>
+        </p:nvSpPr>
+        <p:spPr/>
+        <p:txBody>
+          <a:bodyPr/>
+          <a:lstStyle/>
+          <a:p>
+            <a:r>
+              <a:rPr lang="ja-JP" altLang="en-US" dirty="0" smtClean="0"/>
+              <a:t>鹿児島</a:t>
+            </a:r>
+            <a:r>
+              <a:rPr lang="ja-JP" altLang="en-US" dirty="0"/>
+              <a:t>高専</a:t>
+            </a:r>
+            <a:r>
+              <a:rPr lang="ja-JP" altLang="en-US" dirty="0" smtClean="0"/>
+              <a:t>では、以前マークシート</a:t>
+            </a:r>
+            <a:r>
+              <a:rPr lang="ja-JP" altLang="en-US" dirty="0"/>
+              <a:t>方式の授業評価アンケートを採用</a:t>
+            </a:r>
+            <a:r>
+              <a:rPr lang="ja-JP" altLang="en-US" dirty="0" smtClean="0"/>
+              <a:t>していました．</a:t>
+            </a:r>
+            <a:r>
+              <a:rPr lang="ja-JP" altLang="en-US" dirty="0"/>
+              <a:t>しかし，マークシート方式は多くの紙資源を消費するため経済的</a:t>
+            </a:r>
+            <a:r>
+              <a:rPr lang="ja-JP" altLang="en-US" dirty="0" smtClean="0"/>
+              <a:t>ではありません．また、マークシート</a:t>
+            </a:r>
+            <a:r>
+              <a:rPr lang="ja-JP" altLang="en-US" dirty="0"/>
+              <a:t>方式で</a:t>
+            </a:r>
+            <a:r>
+              <a:rPr lang="ja-JP" altLang="en-US" dirty="0" smtClean="0"/>
+              <a:t>はアンケート終了後に教員が回答</a:t>
+            </a:r>
+            <a:r>
+              <a:rPr lang="ja-JP" altLang="en-US" dirty="0"/>
+              <a:t>用紙</a:t>
+            </a:r>
+            <a:r>
+              <a:rPr lang="ja-JP" altLang="en-US" dirty="0" smtClean="0"/>
+              <a:t>をスキャンしてパソコンに取り込む作業などの</a:t>
+            </a:r>
+            <a:r>
+              <a:rPr lang="ja-JP" altLang="en-US" dirty="0"/>
+              <a:t>無駄</a:t>
+            </a:r>
+            <a:r>
+              <a:rPr lang="ja-JP" altLang="en-US" dirty="0" smtClean="0"/>
+              <a:t>な労力</a:t>
+            </a:r>
+            <a:r>
+              <a:rPr lang="ja-JP" altLang="en-US" dirty="0"/>
+              <a:t>を必要</a:t>
+            </a:r>
+            <a:r>
+              <a:rPr lang="ja-JP" altLang="en-US" dirty="0" smtClean="0"/>
+              <a:t>とします．これらの問題を解決するために</a:t>
+            </a:r>
+            <a:r>
+              <a:rPr lang="en-US" altLang="ja-JP" dirty="0" smtClean="0"/>
+              <a:t>web</a:t>
+            </a:r>
+            <a:r>
+              <a:rPr lang="ja-JP" altLang="en-US" dirty="0" smtClean="0"/>
+              <a:t>上でアンケートを実施しました。</a:t>
+            </a:r>
+            <a:endParaRPr kumimoji="1" lang="ja-JP" altLang="en-US" dirty="0"/>
+          </a:p>
+        </p:txBody>
+      </p:sp>
+      <p:sp>
+        <p:nvSpPr>
+          <p:cNvPr id="4" name="スライド番号プレースホルダー 3"/>
+          <p:cNvSpPr>
+            <a:spLocks noGrp="1"/>
+          </p:cNvSpPr>
+          <p:nvPr>
+            <p:ph type="sldNum" sz="quarter" idx="10"/>
+          </p:nvPr>
+        </p:nvSpPr>
+        <p:spPr/>
+        <p:txBody>
+          <a:bodyPr/>
+          <a:lstStyle/>
+          <a:p>
+            <a:fld id="{DE4497FE-1A65-4799-B01D-44564FDEC19E}" type="slidenum">
+              <a:rPr kumimoji="1" lang="ja-JP" altLang="en-US" smtClean="0"/>
+              <a:t>3</a:t>
+            </a:fld>
+            <a:endParaRPr kumimoji="1" lang="ja-JP" altLang="en-US"/>
+          </a:p>
+        </p:txBody>
+      </p:sp>
+    </p:spTree>
+    <p:extLst>
+      <p:ext uri="{BB962C8B-B14F-4D97-AF65-F5344CB8AC3E}">
+        <p14:creationId xmlns:p14="http://schemas.microsoft.com/office/powerpoint/2010/main" val="3705607181"/>
+      </p:ext>
+    </p:extLst>
+  </p:cSld>
+  <p:clrMapOvr>
+    <a:masterClrMapping/>
+  </p:clrMapOvr>
+</p:notes>
+</file>
+
+<file path=ppt/notesSlides/notesSlide4.xml><?xml version="1.0" encoding="utf-8"?>
+<p:notes xmlns:a="http://schemas.openxmlformats.org/drawingml/2006/main" xmlns:r="http://schemas.openxmlformats.org/officeDocument/2006/relationships" xmlns:p="http://schemas.openxmlformats.org/presentationml/2006/main">
+  <p:cSld>
+    <p:spTree>
+      <p:nvGrpSpPr>
+        <p:cNvPr id="1" name=""/>
+        <p:cNvGrpSpPr/>
+        <p:nvPr/>
+      </p:nvGrpSpPr>
+      <p:grpSpPr>
+        <a:xfrm>
+          <a:off x="0" y="0"/>
+          <a:ext cx="0" cy="0"/>
+          <a:chOff x="0" y="0"/>
+          <a:chExt cx="0" cy="0"/>
+        </a:xfrm>
+      </p:grpSpPr>
+      <p:sp>
+        <p:nvSpPr>
+          <p:cNvPr id="2" name="スライド イメージ プレースホルダー 1"/>
+          <p:cNvSpPr>
+            <a:spLocks noGrp="1" noRot="1" noChangeAspect="1"/>
+          </p:cNvSpPr>
+          <p:nvPr>
+            <p:ph type="sldImg"/>
+          </p:nvPr>
+        </p:nvSpPr>
+        <p:spPr/>
+      </p:sp>
+      <p:sp>
+        <p:nvSpPr>
+          <p:cNvPr id="3" name="ノート プレースホルダー 2"/>
+          <p:cNvSpPr>
+            <a:spLocks noGrp="1"/>
+          </p:cNvSpPr>
+          <p:nvPr>
+            <p:ph type="body" idx="1"/>
+          </p:nvPr>
+        </p:nvSpPr>
+        <p:spPr/>
+        <p:txBody>
+          <a:bodyPr/>
+          <a:lstStyle/>
+          <a:p>
+            <a:r>
+              <a:rPr kumimoji="1" lang="en-US" altLang="ja-JP" dirty="0" smtClean="0"/>
+              <a:t>Web</a:t>
+            </a:r>
+            <a:r>
+              <a:rPr kumimoji="1" lang="ja-JP" altLang="en-US" dirty="0" smtClean="0"/>
+              <a:t>上で実施する利点として次の</a:t>
+            </a:r>
+            <a:r>
+              <a:rPr kumimoji="1" lang="en-US" altLang="ja-JP" dirty="0" smtClean="0"/>
+              <a:t>3</a:t>
+            </a:r>
+            <a:r>
+              <a:rPr kumimoji="1" lang="ja-JP" altLang="en-US" dirty="0" smtClean="0"/>
+              <a:t>つが挙げられます。</a:t>
+            </a:r>
+            <a:endParaRPr kumimoji="1" lang="en-US" altLang="ja-JP" dirty="0" smtClean="0"/>
+          </a:p>
+          <a:p>
+            <a:endParaRPr lang="en-US" altLang="ja-JP" dirty="0"/>
+          </a:p>
+          <a:p>
+            <a:r>
+              <a:rPr kumimoji="1" lang="en-US" altLang="ja-JP" dirty="0" smtClean="0"/>
+              <a:t>1</a:t>
+            </a:r>
+            <a:r>
+              <a:rPr kumimoji="1" lang="ja-JP" altLang="en-US" dirty="0" smtClean="0"/>
+              <a:t>つめは経済性です。</a:t>
+            </a:r>
+            <a:r>
+              <a:rPr kumimoji="1" lang="en-US" altLang="ja-JP" dirty="0" smtClean="0"/>
+              <a:t>web</a:t>
+            </a:r>
+            <a:r>
+              <a:rPr kumimoji="1" lang="ja-JP" altLang="en-US" dirty="0" smtClean="0"/>
+              <a:t>上でアンケートを実施することで紙資源の消費を抑えられるため経済的です。</a:t>
+            </a:r>
+            <a:endParaRPr kumimoji="1" lang="en-US" altLang="ja-JP" dirty="0" smtClean="0"/>
+          </a:p>
+          <a:p>
+            <a:endParaRPr lang="en-US" altLang="ja-JP" dirty="0"/>
+          </a:p>
+          <a:p>
+            <a:r>
+              <a:rPr lang="en-US" altLang="ja-JP" dirty="0" smtClean="0"/>
+              <a:t>2</a:t>
+            </a:r>
+            <a:r>
+              <a:rPr lang="ja-JP" altLang="en-US" dirty="0" smtClean="0"/>
+              <a:t>つ目は教員の労力を削減できる点です。</a:t>
+            </a:r>
+            <a:r>
+              <a:rPr lang="en-US" altLang="ja-JP" dirty="0" smtClean="0"/>
+              <a:t>Web</a:t>
+            </a:r>
+            <a:r>
+              <a:rPr lang="ja-JP" altLang="en-US" dirty="0" smtClean="0"/>
+              <a:t>上でアンケートを実施すると学生が回答したデータは直接コンピュータに送信されるため、マークシート方式のように回答用紙をスキャンする必要がありません。また、回答データの自動集計機能を実装することで教員が</a:t>
+            </a:r>
+            <a:r>
+              <a:rPr lang="en-US" altLang="ja-JP" dirty="0" smtClean="0"/>
+              <a:t>excel</a:t>
+            </a:r>
+            <a:r>
+              <a:rPr lang="ja-JP" altLang="en-US" dirty="0" smtClean="0"/>
+              <a:t>などの表計算ソフトウェアで集計する必要がなくなります。それらの結果として、教員の授業評価アンケートに費やす労力が削減できます。</a:t>
+            </a:r>
+            <a:endParaRPr lang="en-US" altLang="ja-JP" dirty="0" smtClean="0"/>
+          </a:p>
+          <a:p>
+            <a:endParaRPr lang="en-US" altLang="ja-JP" dirty="0"/>
+          </a:p>
+          <a:p>
+            <a:r>
+              <a:rPr lang="en-US" altLang="ja-JP" dirty="0" smtClean="0"/>
+              <a:t>3</a:t>
+            </a:r>
+            <a:r>
+              <a:rPr lang="ja-JP" altLang="en-US" dirty="0" smtClean="0"/>
+              <a:t>つ目はユーザ体験の向上です。マークシート方式のアンケートに回答するには鉛筆を持ち、回答欄を塗りつぶす</a:t>
+            </a:r>
+            <a:r>
+              <a:rPr lang="ja-JP" altLang="en-US" dirty="0"/>
+              <a:t>作業</a:t>
+            </a:r>
+            <a:r>
+              <a:rPr lang="ja-JP" altLang="en-US" dirty="0" smtClean="0"/>
+              <a:t>をしなければなりません。このような単純作業は回答者の集中力の低下を招き冷静な判断を鈍らせます。しかし、</a:t>
+            </a:r>
+            <a:r>
+              <a:rPr lang="en-US" altLang="ja-JP" dirty="0" smtClean="0"/>
+              <a:t>web</a:t>
+            </a:r>
+            <a:r>
+              <a:rPr lang="ja-JP" altLang="en-US" dirty="0" smtClean="0"/>
+              <a:t>上でアンケートを実施することで動きのあるユーザインターフェースで楽しくアンケートに回答できます。</a:t>
+            </a:r>
+            <a:endParaRPr lang="en-US" altLang="ja-JP" dirty="0" smtClean="0"/>
+          </a:p>
+        </p:txBody>
+      </p:sp>
+      <p:sp>
+        <p:nvSpPr>
+          <p:cNvPr id="4" name="スライド番号プレースホルダー 3"/>
+          <p:cNvSpPr>
+            <a:spLocks noGrp="1"/>
+          </p:cNvSpPr>
+          <p:nvPr>
+            <p:ph type="sldNum" sz="quarter" idx="10"/>
+          </p:nvPr>
+        </p:nvSpPr>
+        <p:spPr/>
+        <p:txBody>
+          <a:bodyPr/>
+          <a:lstStyle/>
+          <a:p>
+            <a:fld id="{DE4497FE-1A65-4799-B01D-44564FDEC19E}" type="slidenum">
+              <a:rPr kumimoji="1" lang="ja-JP" altLang="en-US" smtClean="0"/>
+              <a:t>4</a:t>
+            </a:fld>
+            <a:endParaRPr kumimoji="1" lang="ja-JP" altLang="en-US"/>
+          </a:p>
+        </p:txBody>
+      </p:sp>
+    </p:spTree>
+    <p:extLst>
+      <p:ext uri="{BB962C8B-B14F-4D97-AF65-F5344CB8AC3E}">
+        <p14:creationId xmlns:p14="http://schemas.microsoft.com/office/powerpoint/2010/main" val="2217473931"/>
+      </p:ext>
+    </p:extLst>
+  </p:cSld>
+  <p:clrMapOvr>
+    <a:masterClrMapping/>
+  </p:clrMapOvr>
+</p:notes>
+</file>
+
+<file path=ppt/notesSlides/notesSlide5.xml><?xml version="1.0" encoding="utf-8"?>
+<p:notes xmlns:a="http://schemas.openxmlformats.org/drawingml/2006/main" xmlns:r="http://schemas.openxmlformats.org/officeDocument/2006/relationships" xmlns:p="http://schemas.openxmlformats.org/presentationml/2006/main">
+  <p:cSld>
+    <p:spTree>
+      <p:nvGrpSpPr>
+        <p:cNvPr id="1" name=""/>
+        <p:cNvGrpSpPr/>
+        <p:nvPr/>
+      </p:nvGrpSpPr>
+      <p:grpSpPr>
+        <a:xfrm>
+          <a:off x="0" y="0"/>
+          <a:ext cx="0" cy="0"/>
+          <a:chOff x="0" y="0"/>
+          <a:chExt cx="0" cy="0"/>
+        </a:xfrm>
+      </p:grpSpPr>
+      <p:sp>
+        <p:nvSpPr>
+          <p:cNvPr id="2" name="スライド イメージ プレースホルダー 1"/>
+          <p:cNvSpPr>
+            <a:spLocks noGrp="1" noRot="1" noChangeAspect="1"/>
+          </p:cNvSpPr>
+          <p:nvPr>
+            <p:ph type="sldImg"/>
+          </p:nvPr>
+        </p:nvSpPr>
+        <p:spPr/>
+      </p:sp>
+      <p:sp>
+        <p:nvSpPr>
+          <p:cNvPr id="3" name="ノート プレースホルダー 2"/>
+          <p:cNvSpPr>
+            <a:spLocks noGrp="1"/>
+          </p:cNvSpPr>
+          <p:nvPr>
+            <p:ph type="body" idx="1"/>
+          </p:nvPr>
+        </p:nvSpPr>
+        <p:spPr/>
+        <p:txBody>
+          <a:bodyPr/>
+          <a:lstStyle/>
+          <a:p>
+            <a:endParaRPr kumimoji="1" lang="ja-JP" altLang="en-US"/>
+          </a:p>
+        </p:txBody>
+      </p:sp>
+      <p:sp>
+        <p:nvSpPr>
+          <p:cNvPr id="4" name="スライド番号プレースホルダー 3"/>
+          <p:cNvSpPr>
+            <a:spLocks noGrp="1"/>
+          </p:cNvSpPr>
+          <p:nvPr>
+            <p:ph type="sldNum" sz="quarter" idx="10"/>
+          </p:nvPr>
+        </p:nvSpPr>
+        <p:spPr/>
+        <p:txBody>
+          <a:bodyPr/>
+          <a:lstStyle/>
+          <a:p>
+            <a:fld id="{DE4497FE-1A65-4799-B01D-44564FDEC19E}" type="slidenum">
+              <a:rPr kumimoji="1" lang="ja-JP" altLang="en-US" smtClean="0"/>
+              <a:t>5</a:t>
+            </a:fld>
+            <a:endParaRPr kumimoji="1" lang="ja-JP" altLang="en-US"/>
+          </a:p>
+        </p:txBody>
+      </p:sp>
+    </p:spTree>
+    <p:extLst>
+      <p:ext uri="{BB962C8B-B14F-4D97-AF65-F5344CB8AC3E}">
+        <p14:creationId xmlns:p14="http://schemas.microsoft.com/office/powerpoint/2010/main" val="1263298440"/>
+      </p:ext>
+    </p:extLst>
+  </p:cSld>
+  <p:clrMapOvr>
+    <a:masterClrMapping/>
+  </p:clrMapOvr>
+</p:notes>
+</file>
+
+<file path=ppt/notesSlides/notesSlide6.xml><?xml version="1.0" encoding="utf-8"?>
+<p:notes xmlns:a="http://schemas.openxmlformats.org/drawingml/2006/main" xmlns:r="http://schemas.openxmlformats.org/officeDocument/2006/relationships" xmlns:p="http://schemas.openxmlformats.org/presentationml/2006/main">
+  <p:cSld>
+    <p:spTree>
+      <p:nvGrpSpPr>
+        <p:cNvPr id="1" name=""/>
+        <p:cNvGrpSpPr/>
+        <p:nvPr/>
+      </p:nvGrpSpPr>
+      <p:grpSpPr>
+        <a:xfrm>
+          <a:off x="0" y="0"/>
+          <a:ext cx="0" cy="0"/>
+          <a:chOff x="0" y="0"/>
+          <a:chExt cx="0" cy="0"/>
+        </a:xfrm>
+      </p:grpSpPr>
+      <p:sp>
+        <p:nvSpPr>
+          <p:cNvPr id="2" name="スライド イメージ プレースホルダー 1"/>
+          <p:cNvSpPr>
+            <a:spLocks noGrp="1" noRot="1" noChangeAspect="1"/>
+          </p:cNvSpPr>
+          <p:nvPr>
+            <p:ph type="sldImg"/>
+          </p:nvPr>
+        </p:nvSpPr>
+        <p:spPr/>
+      </p:sp>
+      <p:sp>
+        <p:nvSpPr>
+          <p:cNvPr id="3" name="ノート プレースホルダー 2"/>
+          <p:cNvSpPr>
+            <a:spLocks noGrp="1"/>
+          </p:cNvSpPr>
+          <p:nvPr>
+            <p:ph type="body" idx="1"/>
+          </p:nvPr>
+        </p:nvSpPr>
+        <p:spPr/>
+        <p:txBody>
+          <a:bodyPr/>
+          <a:lstStyle/>
+          <a:p>
+            <a:r>
+              <a:rPr kumimoji="1" lang="ja-JP" altLang="en-US" dirty="0" smtClean="0"/>
+              <a:t>動画を見ていただいてわかるように</a:t>
+            </a:r>
+            <a:r>
+              <a:rPr lang="ja-JP" altLang="en-US" dirty="0" smtClean="0"/>
+              <a:t>本</a:t>
+            </a:r>
+            <a:r>
+              <a:rPr lang="ja-JP" altLang="en-US" dirty="0"/>
+              <a:t>アプリケーション</a:t>
+            </a:r>
+            <a:r>
+              <a:rPr lang="ja-JP" altLang="en-US" dirty="0" smtClean="0"/>
+              <a:t>では、紙資源を使わないことによる経済性が向上しました。また、スキャン不要でデータが取り込めることによって教員の労力を削減しました。さらに、動きあるユーザインターフェースによってユーザ体験を向上させました。</a:t>
+            </a:r>
+            <a:endParaRPr lang="en-US" altLang="ja-JP" dirty="0" smtClean="0"/>
+          </a:p>
+          <a:p>
+            <a:endParaRPr lang="en-US" altLang="ja-JP" dirty="0"/>
+          </a:p>
+          <a:p>
+            <a:r>
+              <a:rPr lang="ja-JP" altLang="en-US" dirty="0"/>
+              <a:t>動画を見ていただいてわかるよう</a:t>
+            </a:r>
+            <a:r>
+              <a:rPr lang="ja-JP" altLang="en-US" dirty="0" smtClean="0"/>
+              <a:t>に、本アプリケーションでは、経済的で教員と学生の両方にメリットのある授業評価アンケートを実現できました。</a:t>
+            </a:r>
+            <a:endParaRPr lang="en-US" altLang="ja-JP" dirty="0" smtClean="0"/>
+          </a:p>
+        </p:txBody>
+      </p:sp>
+      <p:sp>
+        <p:nvSpPr>
+          <p:cNvPr id="4" name="スライド番号プレースホルダー 3"/>
+          <p:cNvSpPr>
+            <a:spLocks noGrp="1"/>
+          </p:cNvSpPr>
+          <p:nvPr>
+            <p:ph type="sldNum" sz="quarter" idx="10"/>
+          </p:nvPr>
+        </p:nvSpPr>
+        <p:spPr/>
+        <p:txBody>
+          <a:bodyPr/>
+          <a:lstStyle/>
+          <a:p>
+            <a:fld id="{DE4497FE-1A65-4799-B01D-44564FDEC19E}" type="slidenum">
+              <a:rPr kumimoji="1" lang="ja-JP" altLang="en-US" smtClean="0"/>
+              <a:t>6</a:t>
+            </a:fld>
+            <a:endParaRPr kumimoji="1" lang="ja-JP" altLang="en-US"/>
+          </a:p>
+        </p:txBody>
+      </p:sp>
+    </p:spTree>
+    <p:extLst>
+      <p:ext uri="{BB962C8B-B14F-4D97-AF65-F5344CB8AC3E}">
+        <p14:creationId xmlns:p14="http://schemas.microsoft.com/office/powerpoint/2010/main" val="852255279"/>
+      </p:ext>
+    </p:extLst>
+  </p:cSld>
+  <p:clrMapOvr>
+    <a:masterClrMapping/>
+  </p:clrMapOvr>
+</p:notes>
+</file>
+
+<file path=ppt/notesSlides/notesSlide7.xml><?xml version="1.0" encoding="utf-8"?>
+<p:notes xmlns:a="http://schemas.openxmlformats.org/drawingml/2006/main" xmlns:r="http://schemas.openxmlformats.org/officeDocument/2006/relationships" xmlns:p="http://schemas.openxmlformats.org/presentationml/2006/main">
+  <p:cSld>
+    <p:spTree>
+      <p:nvGrpSpPr>
+        <p:cNvPr id="1" name=""/>
+        <p:cNvGrpSpPr/>
+        <p:nvPr/>
+      </p:nvGrpSpPr>
+      <p:grpSpPr>
+        <a:xfrm>
+          <a:off x="0" y="0"/>
+          <a:ext cx="0" cy="0"/>
+          <a:chOff x="0" y="0"/>
+          <a:chExt cx="0" cy="0"/>
+        </a:xfrm>
+      </p:grpSpPr>
+      <p:sp>
+        <p:nvSpPr>
+          <p:cNvPr id="2" name="スライド イメージ プレースホルダー 1"/>
+          <p:cNvSpPr>
+            <a:spLocks noGrp="1" noRot="1" noChangeAspect="1"/>
+          </p:cNvSpPr>
+          <p:nvPr>
+            <p:ph type="sldImg"/>
+          </p:nvPr>
+        </p:nvSpPr>
+        <p:spPr/>
+      </p:sp>
+      <p:sp>
+        <p:nvSpPr>
+          <p:cNvPr id="3" name="ノート プレースホルダー 2"/>
+          <p:cNvSpPr>
+            <a:spLocks noGrp="1"/>
+          </p:cNvSpPr>
+          <p:nvPr>
+            <p:ph type="body" idx="1"/>
+          </p:nvPr>
+        </p:nvSpPr>
+        <p:spPr/>
+        <p:txBody>
+          <a:bodyPr/>
+          <a:lstStyle/>
+          <a:p>
+            <a:r>
+              <a:rPr kumimoji="1" lang="ja-JP" altLang="en-US" dirty="0" smtClean="0"/>
+              <a:t>今後の展望として、鹿児島高専の授業のさらなる品質向上に貢献できるアプリケーションに成長させたいと考えています。</a:t>
+            </a:r>
+            <a:endParaRPr kumimoji="1" lang="ja-JP" altLang="en-US" dirty="0"/>
+          </a:p>
+        </p:txBody>
+      </p:sp>
+      <p:sp>
+        <p:nvSpPr>
+          <p:cNvPr id="4" name="スライド番号プレースホルダー 3"/>
+          <p:cNvSpPr>
+            <a:spLocks noGrp="1"/>
+          </p:cNvSpPr>
+          <p:nvPr>
+            <p:ph type="sldNum" sz="quarter" idx="10"/>
+          </p:nvPr>
+        </p:nvSpPr>
+        <p:spPr/>
+        <p:txBody>
+          <a:bodyPr/>
+          <a:lstStyle/>
+          <a:p>
+            <a:fld id="{DE4497FE-1A65-4799-B01D-44564FDEC19E}" type="slidenum">
+              <a:rPr kumimoji="1" lang="ja-JP" altLang="en-US" smtClean="0"/>
+              <a:t>7</a:t>
+            </a:fld>
+            <a:endParaRPr kumimoji="1" lang="ja-JP" altLang="en-US"/>
+          </a:p>
+        </p:txBody>
+      </p:sp>
+    </p:spTree>
+    <p:extLst>
+      <p:ext uri="{BB962C8B-B14F-4D97-AF65-F5344CB8AC3E}">
+        <p14:creationId xmlns:p14="http://schemas.microsoft.com/office/powerpoint/2010/main" val="2573633034"/>
+      </p:ext>
+    </p:extLst>
+  </p:cSld>
+  <p:clrMapOvr>
+    <a:masterClrMapping/>
+  </p:clrMapOvr>
+</p:notes>
+</file>
+
+<file path=ppt/notesSlides/notesSlide8.xml><?xml version="1.0" encoding="utf-8"?>
+<p:notes xmlns:a="http://schemas.openxmlformats.org/drawingml/2006/main" xmlns:r="http://schemas.openxmlformats.org/officeDocument/2006/relationships" xmlns:p="http://schemas.openxmlformats.org/presentationml/2006/main">
+  <p:cSld>
+    <p:spTree>
+      <p:nvGrpSpPr>
+        <p:cNvPr id="1" name=""/>
+        <p:cNvGrpSpPr/>
+        <p:nvPr/>
+      </p:nvGrpSpPr>
+      <p:grpSpPr>
+        <a:xfrm>
+          <a:off x="0" y="0"/>
+          <a:ext cx="0" cy="0"/>
+          <a:chOff x="0" y="0"/>
+          <a:chExt cx="0" cy="0"/>
+        </a:xfrm>
+      </p:grpSpPr>
+      <p:sp>
+        <p:nvSpPr>
+          <p:cNvPr id="2" name="スライド イメージ プレースホルダー 1"/>
+          <p:cNvSpPr>
+            <a:spLocks noGrp="1" noRot="1" noChangeAspect="1"/>
+          </p:cNvSpPr>
+          <p:nvPr>
+            <p:ph type="sldImg"/>
+          </p:nvPr>
+        </p:nvSpPr>
+        <p:spPr/>
+      </p:sp>
+      <p:sp>
+        <p:nvSpPr>
+          <p:cNvPr id="3" name="ノート プレースホルダー 2"/>
+          <p:cNvSpPr>
+            <a:spLocks noGrp="1"/>
+          </p:cNvSpPr>
+          <p:nvPr>
+            <p:ph type="body" idx="1"/>
+          </p:nvPr>
+        </p:nvSpPr>
+        <p:spPr/>
+        <p:txBody>
+          <a:bodyPr/>
+          <a:lstStyle/>
+          <a:p>
+            <a:r>
+              <a:rPr kumimoji="1" lang="ja-JP" altLang="en-US" dirty="0" smtClean="0"/>
+              <a:t>その具体的な方法として、アンケート結果の自動集計および自動配信機能を追加したいと考えています。</a:t>
+            </a:r>
+            <a:endParaRPr kumimoji="1" lang="ja-JP" altLang="en-US" dirty="0"/>
+          </a:p>
+        </p:txBody>
+      </p:sp>
+      <p:sp>
+        <p:nvSpPr>
+          <p:cNvPr id="4" name="スライド番号プレースホルダー 3"/>
+          <p:cNvSpPr>
+            <a:spLocks noGrp="1"/>
+          </p:cNvSpPr>
+          <p:nvPr>
+            <p:ph type="sldNum" sz="quarter" idx="10"/>
+          </p:nvPr>
+        </p:nvSpPr>
+        <p:spPr/>
+        <p:txBody>
+          <a:bodyPr/>
+          <a:lstStyle/>
+          <a:p>
+            <a:fld id="{DE4497FE-1A65-4799-B01D-44564FDEC19E}" type="slidenum">
+              <a:rPr kumimoji="1" lang="ja-JP" altLang="en-US" smtClean="0"/>
+              <a:t>8</a:t>
+            </a:fld>
+            <a:endParaRPr kumimoji="1" lang="ja-JP" altLang="en-US"/>
+          </a:p>
+        </p:txBody>
+      </p:sp>
+    </p:spTree>
+    <p:extLst>
+      <p:ext uri="{BB962C8B-B14F-4D97-AF65-F5344CB8AC3E}">
+        <p14:creationId xmlns:p14="http://schemas.microsoft.com/office/powerpoint/2010/main" val="962527338"/>
+      </p:ext>
+    </p:extLst>
+  </p:cSld>
+  <p:clrMapOvr>
+    <a:masterClrMapping/>
+  </p:clrMapOvr>
+</p:notes>
+</file>
+
+<file path=ppt/notesSlides/notesSlide9.xml><?xml version="1.0" encoding="utf-8"?>
+<p:notes xmlns:a="http://schemas.openxmlformats.org/drawingml/2006/main" xmlns:r="http://schemas.openxmlformats.org/officeDocument/2006/relationships" xmlns:p="http://schemas.openxmlformats.org/presentationml/2006/main">
+  <p:cSld>
+    <p:spTree>
+      <p:nvGrpSpPr>
+        <p:cNvPr id="1" name=""/>
+        <p:cNvGrpSpPr/>
+        <p:nvPr/>
+      </p:nvGrpSpPr>
+      <p:grpSpPr>
+        <a:xfrm>
+          <a:off x="0" y="0"/>
+          <a:ext cx="0" cy="0"/>
+          <a:chOff x="0" y="0"/>
+          <a:chExt cx="0" cy="0"/>
+        </a:xfrm>
+      </p:grpSpPr>
+      <p:sp>
+        <p:nvSpPr>
+          <p:cNvPr id="2" name="スライド イメージ プレースホルダー 1"/>
+          <p:cNvSpPr>
+            <a:spLocks noGrp="1" noRot="1" noChangeAspect="1"/>
+          </p:cNvSpPr>
+          <p:nvPr>
+            <p:ph type="sldImg"/>
+          </p:nvPr>
+        </p:nvSpPr>
+        <p:spPr/>
+      </p:sp>
+      <p:sp>
+        <p:nvSpPr>
+          <p:cNvPr id="3" name="ノート プレースホルダー 2"/>
+          <p:cNvSpPr>
+            <a:spLocks noGrp="1"/>
+          </p:cNvSpPr>
+          <p:nvPr>
+            <p:ph type="body" idx="1"/>
+          </p:nvPr>
+        </p:nvSpPr>
+        <p:spPr/>
+        <p:txBody>
+          <a:bodyPr/>
+          <a:lstStyle/>
+          <a:p>
+            <a:r>
+              <a:rPr kumimoji="1" lang="ja-JP" altLang="en-US" dirty="0" smtClean="0"/>
+              <a:t>これらの新機能を実装することで、授業終了後に学生がすぐに今回の授業を評価することができ、より正確な意見が収集できます。</a:t>
+            </a:r>
+          </a:p>
+          <a:p>
+            <a:r>
+              <a:rPr kumimoji="1" lang="ja-JP" altLang="en-US" dirty="0" smtClean="0"/>
+              <a:t>また、教員も授業の内容を覚えているうちに学生からのフィードバックを得られるので今までよりもさらに授業の品質が向上します。</a:t>
+            </a:r>
+          </a:p>
+          <a:p>
+            <a:endParaRPr kumimoji="1" lang="ja-JP" altLang="en-US" dirty="0" smtClean="0"/>
+          </a:p>
+          <a:p>
+            <a:endParaRPr kumimoji="1" lang="ja-JP" altLang="en-US" dirty="0"/>
+          </a:p>
+        </p:txBody>
+      </p:sp>
+      <p:sp>
+        <p:nvSpPr>
+          <p:cNvPr id="4" name="スライド番号プレースホルダー 3"/>
+          <p:cNvSpPr>
+            <a:spLocks noGrp="1"/>
+          </p:cNvSpPr>
+          <p:nvPr>
+            <p:ph type="sldNum" sz="quarter" idx="10"/>
+          </p:nvPr>
+        </p:nvSpPr>
+        <p:spPr/>
+        <p:txBody>
+          <a:bodyPr/>
+          <a:lstStyle/>
+          <a:p>
+            <a:fld id="{DE4497FE-1A65-4799-B01D-44564FDEC19E}" type="slidenum">
+              <a:rPr kumimoji="1" lang="ja-JP" altLang="en-US" smtClean="0"/>
+              <a:t>9</a:t>
+            </a:fld>
+            <a:endParaRPr kumimoji="1" lang="ja-JP" altLang="en-US"/>
+          </a:p>
+        </p:txBody>
+      </p:sp>
+    </p:spTree>
+    <p:extLst>
+      <p:ext uri="{BB962C8B-B14F-4D97-AF65-F5344CB8AC3E}">
+        <p14:creationId xmlns:p14="http://schemas.microsoft.com/office/powerpoint/2010/main" val="254944331"/>
       </p:ext>
     </p:extLst>
   </p:cSld>
@@ -3988,6 +5129,10 @@
           <a:bodyPr/>
           <a:lstStyle/>
           <a:p>
+            <a:r>
+              <a:rPr kumimoji="1" lang="ja-JP" altLang="en-US" dirty="0" smtClean="0"/>
+              <a:t>まとめ</a:t>
+            </a:r>
             <a:endParaRPr kumimoji="1" lang="ja-JP" altLang="en-US" dirty="0"/>
           </a:p>
         </p:txBody>
@@ -4004,35 +5149,59 @@
         </p:nvSpPr>
         <p:spPr/>
         <p:txBody>
-          <a:bodyPr>
-            <a:normAutofit/>
-          </a:bodyPr>
-          <a:lstStyle/>
-          <a:p>
-            <a:pPr marL="457200" lvl="1" indent="0">
-              <a:buNone/>
-            </a:pPr>
-            <a:endParaRPr lang="en-US" altLang="ja-JP" sz="3600" dirty="0" smtClean="0"/>
+          <a:bodyPr/>
+          <a:lstStyle/>
+          <a:p>
+            <a:r>
+              <a:rPr kumimoji="1" lang="en-US" altLang="ja-JP" dirty="0" smtClean="0"/>
+              <a:t>Web</a:t>
+            </a:r>
+            <a:r>
+              <a:rPr lang="ja-JP" altLang="en-US" dirty="0" smtClean="0"/>
+              <a:t>プログラミングで授業評価アンケートを作成した</a:t>
+            </a:r>
+            <a:endParaRPr lang="en-US" altLang="ja-JP" dirty="0" smtClean="0"/>
+          </a:p>
+          <a:p>
+            <a:endParaRPr kumimoji="1" lang="en-US" altLang="ja-JP" dirty="0"/>
+          </a:p>
+          <a:p>
+            <a:r>
+              <a:rPr lang="ja-JP" altLang="en-US" dirty="0" smtClean="0"/>
+              <a:t>経済性の改善、教員の労力削減、ユーザ体験の向上が実現した</a:t>
+            </a:r>
+            <a:endParaRPr lang="en-US" altLang="ja-JP" dirty="0" smtClean="0"/>
+          </a:p>
+          <a:p>
+            <a:endParaRPr kumimoji="1" lang="en-US" altLang="ja-JP" dirty="0"/>
+          </a:p>
+          <a:p>
+            <a:r>
+              <a:rPr lang="ja-JP" altLang="en-US" dirty="0" smtClean="0"/>
+              <a:t>新機能を</a:t>
+            </a:r>
+            <a:r>
+              <a:rPr lang="ja-JP" altLang="en-US" dirty="0"/>
+              <a:t>実装</a:t>
+            </a:r>
+            <a:r>
+              <a:rPr lang="ja-JP" altLang="en-US" dirty="0" smtClean="0"/>
+              <a:t>することで高専の授業のさらなる品質向上に貢献できる。</a:t>
+            </a:r>
+            <a:endParaRPr kumimoji="1" lang="ja-JP" altLang="en-US" dirty="0"/>
           </a:p>
         </p:txBody>
       </p:sp>
     </p:spTree>
     <p:extLst>
       <p:ext uri="{BB962C8B-B14F-4D97-AF65-F5344CB8AC3E}">
-        <p14:creationId xmlns:p14="http://schemas.microsoft.com/office/powerpoint/2010/main" val="3591337185"/>
+        <p14:creationId xmlns:p14="http://schemas.microsoft.com/office/powerpoint/2010/main" val="1114868748"/>
       </p:ext>
     </p:extLst>
   </p:cSld>
   <p:clrMapOvr>
     <a:masterClrMapping/>
   </p:clrMapOvr>
-  <p:timing>
-    <p:tnLst>
-      <p:par>
-        <p:cTn id="1" dur="indefinite" restart="never" nodeType="tmRoot"/>
-      </p:par>
-    </p:tnLst>
-  </p:timing>
 </p:sld>
 </file>
 
@@ -4094,7 +5263,7 @@
     </p:spTree>
     <p:extLst>
       <p:ext uri="{BB962C8B-B14F-4D97-AF65-F5344CB8AC3E}">
-        <p14:creationId xmlns:p14="http://schemas.microsoft.com/office/powerpoint/2010/main" val="1019220225"/>
+        <p14:creationId xmlns:p14="http://schemas.microsoft.com/office/powerpoint/2010/main" val="2117521921"/>
       </p:ext>
     </p:extLst>
   </p:cSld>
@@ -4143,14 +5312,6 @@
           <a:bodyPr/>
           <a:lstStyle/>
           <a:p>
-            <a:r>
-              <a:rPr kumimoji="1" lang="en-US" altLang="ja-JP" dirty="0" smtClean="0"/>
-              <a:t>WEB</a:t>
-            </a:r>
-            <a:r>
-              <a:rPr kumimoji="1" lang="ja-JP" altLang="en-US" dirty="0" smtClean="0"/>
-              <a:t>プログラミングの現状</a:t>
-            </a:r>
             <a:endParaRPr kumimoji="1" lang="ja-JP" altLang="en-US" dirty="0"/>
           </a:p>
         </p:txBody>
@@ -4172,101 +5333,9 @@
           </a:bodyPr>
           <a:lstStyle/>
           <a:p>
-            <a:r>
-              <a:rPr kumimoji="1" lang="ja-JP" altLang="en-US" dirty="0" smtClean="0"/>
-              <a:t>無料の学習環境</a:t>
-            </a:r>
-            <a:endParaRPr lang="en-US" altLang="ja-JP" dirty="0" smtClean="0"/>
-          </a:p>
-          <a:p>
-            <a:pPr lvl="1"/>
-            <a:r>
-              <a:rPr lang="ja-JP" altLang="en-US" dirty="0"/>
-              <a:t>ドット</a:t>
-            </a:r>
-            <a:r>
-              <a:rPr lang="ja-JP" altLang="en-US" dirty="0" smtClean="0"/>
-              <a:t>インストール</a:t>
-            </a:r>
-            <a:endParaRPr lang="en-US" altLang="ja-JP" dirty="0" smtClean="0"/>
-          </a:p>
-          <a:p>
-            <a:pPr lvl="1"/>
-            <a:r>
-              <a:rPr lang="en-US" altLang="ja-JP" dirty="0" err="1" smtClean="0"/>
-              <a:t>Qiita</a:t>
-            </a:r>
-            <a:endParaRPr lang="en-US" altLang="ja-JP" dirty="0" smtClean="0"/>
-          </a:p>
-          <a:p>
-            <a:endParaRPr lang="en-US" altLang="ja-JP" dirty="0"/>
-          </a:p>
-          <a:p>
-            <a:r>
-              <a:rPr lang="ja-JP" altLang="en-US" dirty="0" smtClean="0"/>
-              <a:t>外部ライブラリの充実</a:t>
-            </a:r>
-            <a:endParaRPr lang="en-US" altLang="ja-JP" dirty="0" smtClean="0"/>
-          </a:p>
-          <a:p>
-            <a:pPr lvl="1"/>
-            <a:r>
-              <a:rPr lang="ja-JP" altLang="en-US" dirty="0" smtClean="0"/>
-              <a:t>各種フレームワークなど</a:t>
-            </a:r>
-            <a:endParaRPr lang="en-US" altLang="ja-JP" dirty="0" smtClean="0"/>
-          </a:p>
-          <a:p>
-            <a:endParaRPr lang="en-US" altLang="ja-JP" dirty="0"/>
-          </a:p>
-          <a:p>
-            <a:endParaRPr kumimoji="1" lang="ja-JP" altLang="en-US" dirty="0"/>
-          </a:p>
-        </p:txBody>
-      </p:sp>
-      <p:sp>
-        <p:nvSpPr>
-          <p:cNvPr id="4" name="正方形/長方形 3"/>
-          <p:cNvSpPr/>
-          <p:nvPr/>
-        </p:nvSpPr>
-        <p:spPr>
-          <a:xfrm>
-            <a:off x="551792" y="5333507"/>
-            <a:ext cx="8261132" cy="756745"/>
-          </a:xfrm>
-          <a:prstGeom prst="rect">
-            <a:avLst/>
-          </a:prstGeom>
-        </p:spPr>
-        <p:style>
-          <a:lnRef idx="2">
-            <a:schemeClr val="accent1">
-              <a:shade val="50000"/>
-            </a:schemeClr>
-          </a:lnRef>
-          <a:fillRef idx="1">
-            <a:schemeClr val="accent1"/>
-          </a:fillRef>
-          <a:effectRef idx="0">
-            <a:schemeClr val="accent1"/>
-          </a:effectRef>
-          <a:fontRef idx="minor">
-            <a:schemeClr val="lt1"/>
-          </a:fontRef>
-        </p:style>
-        <p:txBody>
-          <a:bodyPr rtlCol="0" anchor="ctr"/>
-          <a:lstStyle/>
-          <a:p>
-            <a:r>
-              <a:rPr lang="en-US" altLang="ja-JP" sz="3600" dirty="0" smtClean="0"/>
-              <a:t>WEB</a:t>
-            </a:r>
-            <a:r>
-              <a:rPr lang="ja-JP" altLang="en-US" sz="3600" dirty="0" smtClean="0"/>
-              <a:t>プログラミングの敷居が下がっている</a:t>
-            </a:r>
+            <a:pPr marL="457200" lvl="1" indent="0">
+              <a:buNone/>
+            </a:pPr>
             <a:endParaRPr lang="en-US" altLang="ja-JP" sz="3600" dirty="0" smtClean="0"/>
           </a:p>
         </p:txBody>
@@ -4274,7 +5343,7 @@
     </p:spTree>
     <p:extLst>
       <p:ext uri="{BB962C8B-B14F-4D97-AF65-F5344CB8AC3E}">
-        <p14:creationId xmlns:p14="http://schemas.microsoft.com/office/powerpoint/2010/main" val="3565592007"/>
+        <p14:creationId xmlns:p14="http://schemas.microsoft.com/office/powerpoint/2010/main" val="3591337185"/>
       </p:ext>
     </p:extLst>
   </p:cSld>
@@ -4323,6 +5392,261 @@
           <a:bodyPr/>
           <a:lstStyle/>
           <a:p>
+            <a:endParaRPr kumimoji="1" lang="ja-JP" altLang="en-US"/>
+          </a:p>
+        </p:txBody>
+      </p:sp>
+      <p:sp>
+        <p:nvSpPr>
+          <p:cNvPr id="3" name="コンテンツ プレースホルダー 2"/>
+          <p:cNvSpPr>
+            <a:spLocks noGrp="1"/>
+          </p:cNvSpPr>
+          <p:nvPr>
+            <p:ph idx="1"/>
+          </p:nvPr>
+        </p:nvSpPr>
+        <p:spPr/>
+        <p:txBody>
+          <a:bodyPr/>
+          <a:lstStyle/>
+          <a:p>
+            <a:endParaRPr kumimoji="1" lang="ja-JP" altLang="en-US"/>
+          </a:p>
+        </p:txBody>
+      </p:sp>
+    </p:spTree>
+    <p:extLst>
+      <p:ext uri="{BB962C8B-B14F-4D97-AF65-F5344CB8AC3E}">
+        <p14:creationId xmlns:p14="http://schemas.microsoft.com/office/powerpoint/2010/main" val="1019220225"/>
+      </p:ext>
+    </p:extLst>
+  </p:cSld>
+  <p:clrMapOvr>
+    <a:masterClrMapping/>
+  </p:clrMapOvr>
+  <p:timing>
+    <p:tnLst>
+      <p:par>
+        <p:cTn id="1" dur="indefinite" restart="never" nodeType="tmRoot"/>
+      </p:par>
+    </p:tnLst>
+  </p:timing>
+</p:sld>
+</file>
+
+<file path=ppt/slides/slide14.xml><?xml version="1.0" encoding="utf-8"?>
+<p:sld xmlns:a="http://schemas.openxmlformats.org/drawingml/2006/main" xmlns:r="http://schemas.openxmlformats.org/officeDocument/2006/relationships" xmlns:p="http://schemas.openxmlformats.org/presentationml/2006/main">
+  <p:cSld>
+    <p:spTree>
+      <p:nvGrpSpPr>
+        <p:cNvPr id="1" name=""/>
+        <p:cNvGrpSpPr/>
+        <p:nvPr/>
+      </p:nvGrpSpPr>
+      <p:grpSpPr>
+        <a:xfrm>
+          <a:off x="0" y="0"/>
+          <a:ext cx="0" cy="0"/>
+          <a:chOff x="0" y="0"/>
+          <a:chExt cx="0" cy="0"/>
+        </a:xfrm>
+      </p:grpSpPr>
+      <p:sp>
+        <p:nvSpPr>
+          <p:cNvPr id="2" name="タイトル 1"/>
+          <p:cNvSpPr>
+            <a:spLocks noGrp="1"/>
+          </p:cNvSpPr>
+          <p:nvPr>
+            <p:ph type="title"/>
+          </p:nvPr>
+        </p:nvSpPr>
+        <p:spPr/>
+        <p:txBody>
+          <a:bodyPr/>
+          <a:lstStyle/>
+          <a:p>
+            <a:r>
+              <a:rPr kumimoji="1" lang="en-US" altLang="ja-JP" dirty="0" smtClean="0"/>
+              <a:t>WEB</a:t>
+            </a:r>
+            <a:r>
+              <a:rPr kumimoji="1" lang="ja-JP" altLang="en-US" dirty="0" smtClean="0"/>
+              <a:t>プログラミングの現状</a:t>
+            </a:r>
+            <a:endParaRPr kumimoji="1" lang="ja-JP" altLang="en-US" dirty="0"/>
+          </a:p>
+        </p:txBody>
+      </p:sp>
+      <p:sp>
+        <p:nvSpPr>
+          <p:cNvPr id="3" name="コンテンツ プレースホルダー 2"/>
+          <p:cNvSpPr>
+            <a:spLocks noGrp="1"/>
+          </p:cNvSpPr>
+          <p:nvPr>
+            <p:ph idx="1"/>
+          </p:nvPr>
+        </p:nvSpPr>
+        <p:spPr/>
+        <p:txBody>
+          <a:bodyPr>
+            <a:normAutofit/>
+          </a:bodyPr>
+          <a:lstStyle/>
+          <a:p>
+            <a:r>
+              <a:rPr kumimoji="1" lang="ja-JP" altLang="en-US" dirty="0" smtClean="0"/>
+              <a:t>無料の学習環境</a:t>
+            </a:r>
+            <a:endParaRPr lang="en-US" altLang="ja-JP" dirty="0" smtClean="0"/>
+          </a:p>
+          <a:p>
+            <a:pPr lvl="1"/>
+            <a:r>
+              <a:rPr lang="ja-JP" altLang="en-US" dirty="0"/>
+              <a:t>ドット</a:t>
+            </a:r>
+            <a:r>
+              <a:rPr lang="ja-JP" altLang="en-US" dirty="0" smtClean="0"/>
+              <a:t>インストール</a:t>
+            </a:r>
+            <a:endParaRPr lang="en-US" altLang="ja-JP" dirty="0" smtClean="0"/>
+          </a:p>
+          <a:p>
+            <a:pPr lvl="1"/>
+            <a:r>
+              <a:rPr lang="en-US" altLang="ja-JP" dirty="0" err="1" smtClean="0"/>
+              <a:t>Qiita</a:t>
+            </a:r>
+            <a:endParaRPr lang="en-US" altLang="ja-JP" dirty="0" smtClean="0"/>
+          </a:p>
+          <a:p>
+            <a:endParaRPr lang="en-US" altLang="ja-JP" dirty="0"/>
+          </a:p>
+          <a:p>
+            <a:r>
+              <a:rPr lang="ja-JP" altLang="en-US" dirty="0" smtClean="0"/>
+              <a:t>外部ライブラリの充実</a:t>
+            </a:r>
+            <a:endParaRPr lang="en-US" altLang="ja-JP" dirty="0" smtClean="0"/>
+          </a:p>
+          <a:p>
+            <a:pPr lvl="1"/>
+            <a:r>
+              <a:rPr lang="ja-JP" altLang="en-US" dirty="0" smtClean="0"/>
+              <a:t>各種フレームワークなど</a:t>
+            </a:r>
+            <a:endParaRPr lang="en-US" altLang="ja-JP" dirty="0" smtClean="0"/>
+          </a:p>
+          <a:p>
+            <a:endParaRPr lang="en-US" altLang="ja-JP" dirty="0"/>
+          </a:p>
+          <a:p>
+            <a:endParaRPr kumimoji="1" lang="ja-JP" altLang="en-US" dirty="0"/>
+          </a:p>
+        </p:txBody>
+      </p:sp>
+      <p:sp>
+        <p:nvSpPr>
+          <p:cNvPr id="4" name="正方形/長方形 3"/>
+          <p:cNvSpPr/>
+          <p:nvPr/>
+        </p:nvSpPr>
+        <p:spPr>
+          <a:xfrm>
+            <a:off x="551792" y="5333507"/>
+            <a:ext cx="8261132" cy="756745"/>
+          </a:xfrm>
+          <a:prstGeom prst="rect">
+            <a:avLst/>
+          </a:prstGeom>
+        </p:spPr>
+        <p:style>
+          <a:lnRef idx="2">
+            <a:schemeClr val="accent1">
+              <a:shade val="50000"/>
+            </a:schemeClr>
+          </a:lnRef>
+          <a:fillRef idx="1">
+            <a:schemeClr val="accent1"/>
+          </a:fillRef>
+          <a:effectRef idx="0">
+            <a:schemeClr val="accent1"/>
+          </a:effectRef>
+          <a:fontRef idx="minor">
+            <a:schemeClr val="lt1"/>
+          </a:fontRef>
+        </p:style>
+        <p:txBody>
+          <a:bodyPr rtlCol="0" anchor="ctr"/>
+          <a:lstStyle/>
+          <a:p>
+            <a:r>
+              <a:rPr lang="en-US" altLang="ja-JP" sz="3600" dirty="0" smtClean="0"/>
+              <a:t>WEB</a:t>
+            </a:r>
+            <a:r>
+              <a:rPr lang="ja-JP" altLang="en-US" sz="3600" dirty="0" smtClean="0"/>
+              <a:t>プログラミングの敷居が下がっている</a:t>
+            </a:r>
+            <a:endParaRPr lang="en-US" altLang="ja-JP" sz="3600" dirty="0" smtClean="0"/>
+          </a:p>
+        </p:txBody>
+      </p:sp>
+    </p:spTree>
+    <p:extLst>
+      <p:ext uri="{BB962C8B-B14F-4D97-AF65-F5344CB8AC3E}">
+        <p14:creationId xmlns:p14="http://schemas.microsoft.com/office/powerpoint/2010/main" val="3565592007"/>
+      </p:ext>
+    </p:extLst>
+  </p:cSld>
+  <p:clrMapOvr>
+    <a:masterClrMapping/>
+  </p:clrMapOvr>
+  <p:timing>
+    <p:tnLst>
+      <p:par>
+        <p:cTn id="1" dur="indefinite" restart="never" nodeType="tmRoot"/>
+      </p:par>
+    </p:tnLst>
+  </p:timing>
+</p:sld>
+</file>
+
+<file path=ppt/slides/slide15.xml><?xml version="1.0" encoding="utf-8"?>
+<p:sld xmlns:a="http://schemas.openxmlformats.org/drawingml/2006/main" xmlns:r="http://schemas.openxmlformats.org/officeDocument/2006/relationships" xmlns:p="http://schemas.openxmlformats.org/presentationml/2006/main">
+  <p:cSld>
+    <p:spTree>
+      <p:nvGrpSpPr>
+        <p:cNvPr id="1" name=""/>
+        <p:cNvGrpSpPr/>
+        <p:nvPr/>
+      </p:nvGrpSpPr>
+      <p:grpSpPr>
+        <a:xfrm>
+          <a:off x="0" y="0"/>
+          <a:ext cx="0" cy="0"/>
+          <a:chOff x="0" y="0"/>
+          <a:chExt cx="0" cy="0"/>
+        </a:xfrm>
+      </p:grpSpPr>
+      <p:sp>
+        <p:nvSpPr>
+          <p:cNvPr id="2" name="タイトル 1"/>
+          <p:cNvSpPr>
+            <a:spLocks noGrp="1"/>
+          </p:cNvSpPr>
+          <p:nvPr>
+            <p:ph type="title"/>
+          </p:nvPr>
+        </p:nvSpPr>
+        <p:spPr/>
+        <p:txBody>
+          <a:bodyPr/>
+          <a:lstStyle/>
+          <a:p>
             <a:r>
               <a:rPr lang="ja-JP" altLang="en-US" dirty="0" smtClean="0"/>
               <a:t>シングルページ</a:t>
@@ -4468,7 +5792,7 @@
 </p:sld>
 </file>
 
-<file path=ppt/slides/slide14.xml><?xml version="1.0" encoding="utf-8"?>
+<file path=ppt/slides/slide16.xml><?xml version="1.0" encoding="utf-8"?>
 <p:sld xmlns:a="http://schemas.openxmlformats.org/drawingml/2006/main" xmlns:r="http://schemas.openxmlformats.org/officeDocument/2006/relationships" xmlns:p="http://schemas.openxmlformats.org/presentationml/2006/main">
   <p:cSld>
     <p:spTree>
@@ -4673,12 +5997,28 @@
           <a:lstStyle/>
           <a:p>
             <a:r>
+              <a:rPr kumimoji="1" lang="ja-JP" altLang="en-US" dirty="0" smtClean="0"/>
+              <a:t>今までマークシート方式で行われていた授業評価アンケートを</a:t>
+            </a:r>
+            <a:r>
               <a:rPr kumimoji="1" lang="en-US" altLang="ja-JP" dirty="0" smtClean="0"/>
               <a:t>Web</a:t>
             </a:r>
             <a:r>
               <a:rPr kumimoji="1" lang="ja-JP" altLang="en-US" dirty="0" smtClean="0"/>
-              <a:t>上で授業評価アンケートを実施する</a:t>
+              <a:t>上</a:t>
+            </a:r>
+            <a:r>
+              <a:rPr lang="ja-JP" altLang="en-US" dirty="0"/>
+              <a:t>で</a:t>
+            </a:r>
+            <a:r>
+              <a:rPr kumimoji="1" lang="ja-JP" altLang="en-US" dirty="0" smtClean="0"/>
+              <a:t>実施</a:t>
+            </a:r>
+            <a:r>
+              <a:rPr kumimoji="1" lang="ja-JP" altLang="en-US" dirty="0" smtClean="0"/>
+              <a:t>する</a:t>
             </a:r>
             <a:endParaRPr kumimoji="1" lang="ja-JP" altLang="en-US" dirty="0"/>
           </a:p>
@@ -4761,44 +6101,26 @@
           <a:p>
             <a:r>
               <a:rPr kumimoji="1" lang="ja-JP" altLang="en-US" dirty="0" smtClean="0"/>
-              <a:t>従来の授業評価アンケート</a:t>
-            </a:r>
-            <a:endParaRPr kumimoji="1" lang="en-US" altLang="ja-JP" dirty="0" smtClean="0"/>
+              <a:t>マークシート方式の欠点</a:t>
+            </a:r>
+            <a:endParaRPr lang="en-US" altLang="ja-JP" dirty="0"/>
           </a:p>
           <a:p>
             <a:pPr lvl="1"/>
             <a:r>
-              <a:rPr kumimoji="1" lang="ja-JP" altLang="en-US" dirty="0" smtClean="0"/>
-              <a:t>マークシート方式が主流</a:t>
-            </a:r>
-            <a:endParaRPr kumimoji="1" lang="en-US" altLang="ja-JP" dirty="0" smtClean="0"/>
-          </a:p>
-          <a:p>
-            <a:pPr lvl="2"/>
-            <a:r>
-              <a:rPr lang="ja-JP" altLang="en-US" dirty="0" smtClean="0"/>
-              <a:t>紙</a:t>
-            </a:r>
-            <a:r>
               <a:rPr lang="ja-JP" altLang="en-US" dirty="0"/>
-              <a:t>資源</a:t>
-            </a:r>
-            <a:r>
-              <a:rPr lang="ja-JP" altLang="en-US" dirty="0" smtClean="0"/>
-              <a:t>の大量消費</a:t>
-            </a:r>
-            <a:endParaRPr lang="en-US" altLang="ja-JP" dirty="0" smtClean="0"/>
-          </a:p>
-          <a:p>
-            <a:pPr lvl="2"/>
-            <a:r>
-              <a:rPr kumimoji="1" lang="ja-JP" altLang="en-US" dirty="0" smtClean="0"/>
+              <a:t>紙資源の大量消費</a:t>
+            </a:r>
+          </a:p>
+          <a:p>
+            <a:pPr lvl="1"/>
+            <a:r>
+              <a:rPr lang="ja-JP" altLang="en-US" dirty="0"/>
               <a:t>教員がアンケートを集計する必要がある</a:t>
             </a:r>
-            <a:endParaRPr kumimoji="1" lang="en-US" altLang="ja-JP" dirty="0" smtClean="0"/>
-          </a:p>
-          <a:p>
-            <a:pPr lvl="2"/>
+          </a:p>
+          <a:p>
+            <a:pPr lvl="1"/>
             <a:endParaRPr kumimoji="1" lang="en-US" altLang="ja-JP" dirty="0" smtClean="0"/>
           </a:p>
           <a:p>
@@ -5186,26 +6508,66 @@
               <a:rPr kumimoji="1" lang="ja-JP" altLang="en-US" dirty="0" smtClean="0"/>
               <a:t>経済性</a:t>
             </a:r>
+            <a:endParaRPr kumimoji="1" lang="en-US" altLang="ja-JP" dirty="0" smtClean="0"/>
+          </a:p>
+          <a:p>
+            <a:pPr lvl="2"/>
+            <a:r>
+              <a:rPr lang="ja-JP" altLang="en-US" dirty="0" smtClean="0"/>
+              <a:t>紙資源をまったく使用していない。</a:t>
+            </a:r>
             <a:endParaRPr lang="en-US" altLang="ja-JP" dirty="0" smtClean="0"/>
           </a:p>
           <a:p>
             <a:pPr lvl="1"/>
             <a:r>
-              <a:rPr kumimoji="1" lang="ja-JP" altLang="en-US" dirty="0" smtClean="0"/>
+              <a:rPr lang="ja-JP" altLang="en-US" dirty="0" smtClean="0"/>
+              <a:t>教員</a:t>
+            </a:r>
+            <a:r>
+              <a:rPr lang="ja-JP" altLang="en-US" dirty="0"/>
+              <a:t>の労力</a:t>
+            </a:r>
+            <a:r>
+              <a:rPr lang="ja-JP" altLang="en-US" dirty="0" smtClean="0"/>
+              <a:t>削減</a:t>
+            </a:r>
+            <a:endParaRPr lang="en-US" altLang="ja-JP" dirty="0" smtClean="0"/>
+          </a:p>
+          <a:p>
+            <a:pPr lvl="2"/>
+            <a:r>
+              <a:rPr lang="ja-JP" altLang="en-US" dirty="0" smtClean="0"/>
+              <a:t>スキャン不要で自動的にアンケート結果をＰＣに取り込める。</a:t>
+            </a:r>
+            <a:endParaRPr lang="en-US" altLang="ja-JP" dirty="0" smtClean="0"/>
+          </a:p>
+          <a:p>
+            <a:pPr lvl="1"/>
+            <a:r>
+              <a:rPr lang="ja-JP" altLang="en-US" dirty="0"/>
               <a:t>ユーザ体験の</a:t>
             </a:r>
             <a:r>
-              <a:rPr kumimoji="1" lang="ja-JP" altLang="en-US" dirty="0" smtClean="0"/>
+              <a:rPr lang="ja-JP" altLang="en-US" dirty="0" smtClean="0"/>
               <a:t>向上</a:t>
             </a:r>
-            <a:endParaRPr kumimoji="1" lang="en-US" altLang="ja-JP" dirty="0" smtClean="0"/>
+            <a:endParaRPr lang="en-US" altLang="ja-JP" dirty="0" smtClean="0"/>
+          </a:p>
+          <a:p>
+            <a:pPr lvl="2"/>
+            <a:r>
+              <a:rPr lang="ja-JP" altLang="en-US" dirty="0"/>
+              <a:t>動</a:t>
+            </a:r>
+            <a:r>
+              <a:rPr lang="ja-JP" altLang="en-US" dirty="0" smtClean="0"/>
+              <a:t>きあるＵＩで快適に回答できた。</a:t>
+            </a:r>
+            <a:endParaRPr lang="en-US" altLang="ja-JP" dirty="0"/>
           </a:p>
           <a:p>
             <a:pPr lvl="1"/>
-            <a:r>
-              <a:rPr lang="ja-JP" altLang="en-US" dirty="0"/>
-              <a:t>教員の労力削減</a:t>
-            </a:r>
             <a:endParaRPr lang="en-US" altLang="ja-JP" dirty="0"/>
           </a:p>
           <a:p>
@@ -5296,36 +6658,8 @@
           <a:lstStyle/>
           <a:p>
             <a:r>
-              <a:rPr lang="ja-JP" altLang="en-US" dirty="0"/>
-              <a:t>新機能</a:t>
-            </a:r>
-            <a:r>
-              <a:rPr lang="ja-JP" altLang="en-US" dirty="0" smtClean="0"/>
-              <a:t>の実装</a:t>
-            </a:r>
-            <a:endParaRPr lang="en-US" altLang="ja-JP" dirty="0" smtClean="0"/>
-          </a:p>
-          <a:p>
-            <a:pPr lvl="1"/>
-            <a:r>
-              <a:rPr lang="ja-JP" altLang="en-US" dirty="0"/>
-              <a:t>結果の自動</a:t>
-            </a:r>
-            <a:r>
-              <a:rPr lang="ja-JP" altLang="en-US" dirty="0" smtClean="0"/>
-              <a:t>集計機能</a:t>
-            </a:r>
-            <a:endParaRPr lang="en-US" altLang="ja-JP" dirty="0" smtClean="0"/>
-          </a:p>
-          <a:p>
-            <a:pPr lvl="1"/>
-            <a:r>
-              <a:rPr kumimoji="1" lang="ja-JP" altLang="en-US" dirty="0"/>
-              <a:t>結果</a:t>
-            </a:r>
-            <a:r>
               <a:rPr kumimoji="1" lang="ja-JP" altLang="en-US" dirty="0" smtClean="0"/>
-              <a:t>の自動配信機能</a:t>
+              <a:t>授業の品質向上に貢献するアプリケーションに成長させたい</a:t>
             </a:r>
             <a:endParaRPr kumimoji="1" lang="en-US" altLang="ja-JP" dirty="0" smtClean="0"/>
           </a:p>
@@ -5341,6 +6675,13 @@
   <p:clrMapOvr>
     <a:masterClrMapping/>
   </p:clrMapOvr>
+  <p:timing>
+    <p:tnLst>
+      <p:par>
+        <p:cTn id="1" dur="indefinite" restart="never" nodeType="tmRoot"/>
+      </p:par>
+    </p:tnLst>
+  </p:timing>
 </p:sld>
 </file>
 
@@ -5401,46 +6742,45 @@
           <a:p>
             <a:r>
               <a:rPr lang="ja-JP" altLang="en-US" dirty="0" smtClean="0"/>
-              <a:t>今回作成した</a:t>
+              <a:t>追加したい新機能</a:t>
             </a:r>
             <a:endParaRPr lang="en-US" altLang="ja-JP" dirty="0" smtClean="0"/>
           </a:p>
           <a:p>
             <a:pPr lvl="1"/>
             <a:r>
+              <a:rPr lang="ja-JP" altLang="en-US" dirty="0" smtClean="0"/>
+              <a:t>アンケート結果</a:t>
+            </a:r>
+            <a:r>
               <a:rPr lang="ja-JP" altLang="en-US" dirty="0"/>
-              <a:t>結果の自動</a:t>
-            </a:r>
-            <a:r>
-              <a:rPr lang="ja-JP" altLang="en-US" dirty="0" smtClean="0"/>
-              <a:t>集計機能</a:t>
+              <a:t>の自動</a:t>
+            </a:r>
+            <a:r>
+              <a:rPr lang="ja-JP" altLang="en-US" dirty="0" smtClean="0"/>
+              <a:t>集計、配信機能</a:t>
             </a:r>
             <a:endParaRPr lang="en-US" altLang="ja-JP" dirty="0" smtClean="0"/>
-          </a:p>
-          <a:p>
-            <a:pPr lvl="1"/>
-            <a:r>
-              <a:rPr kumimoji="1" lang="ja-JP" altLang="en-US" dirty="0"/>
-              <a:t>結果</a:t>
-            </a:r>
-            <a:r>
-              <a:rPr kumimoji="1" lang="ja-JP" altLang="en-US" dirty="0" smtClean="0"/>
-              <a:t>の自動配信機能</a:t>
-            </a:r>
-            <a:endParaRPr kumimoji="1" lang="en-US" altLang="ja-JP" dirty="0" smtClean="0"/>
           </a:p>
         </p:txBody>
       </p:sp>
     </p:spTree>
     <p:extLst>
       <p:ext uri="{BB962C8B-B14F-4D97-AF65-F5344CB8AC3E}">
-        <p14:creationId xmlns:p14="http://schemas.microsoft.com/office/powerpoint/2010/main" val="3755367451"/>
+        <p14:creationId xmlns:p14="http://schemas.microsoft.com/office/powerpoint/2010/main" val="2916584370"/>
       </p:ext>
     </p:extLst>
   </p:cSld>
   <p:clrMapOvr>
     <a:masterClrMapping/>
   </p:clrMapOvr>
+  <p:timing>
+    <p:tnLst>
+      <p:par>
+        <p:cTn id="1" dur="indefinite" restart="never" nodeType="tmRoot"/>
+      </p:par>
+    </p:tnLst>
+  </p:timing>
 </p:sld>
 </file>
 
@@ -5476,7 +6816,11 @@
           <a:bodyPr/>
           <a:lstStyle/>
           <a:p>
-            <a:endParaRPr kumimoji="1" lang="ja-JP" altLang="en-US"/>
+            <a:r>
+              <a:rPr lang="ja-JP" altLang="en-US" dirty="0"/>
+              <a:t>今後の展望</a:t>
+            </a:r>
+            <a:endParaRPr kumimoji="1" lang="ja-JP" altLang="en-US" dirty="0"/>
           </a:p>
         </p:txBody>
       </p:sp>
@@ -5495,20 +6839,42 @@
           <a:bodyPr/>
           <a:lstStyle/>
           <a:p>
-            <a:endParaRPr kumimoji="1" lang="ja-JP" altLang="en-US"/>
+            <a:r>
+              <a:rPr lang="ja-JP" altLang="en-US" dirty="0"/>
+              <a:t>これらの新機能を実装することで</a:t>
+            </a:r>
+            <a:r>
+              <a:rPr lang="ja-JP" altLang="en-US" dirty="0" smtClean="0"/>
+              <a:t>、授業終了後に学生がすぐに今回の授業を評価することができ、より正確な意見が収集できます。</a:t>
+            </a:r>
+            <a:endParaRPr lang="en-US" altLang="ja-JP" dirty="0" smtClean="0"/>
+          </a:p>
+          <a:p>
+            <a:r>
+              <a:rPr lang="ja-JP" altLang="en-US" dirty="0" smtClean="0"/>
+              <a:t>また、教員も授業の内容を覚えているうちに学生からのフィードバックを得られるので今までよりもさらに授業の品質が向上します。</a:t>
+            </a:r>
+            <a:endParaRPr kumimoji="1" lang="en-US" altLang="ja-JP" dirty="0" smtClean="0"/>
           </a:p>
         </p:txBody>
       </p:sp>
     </p:spTree>
     <p:extLst>
       <p:ext uri="{BB962C8B-B14F-4D97-AF65-F5344CB8AC3E}">
-        <p14:creationId xmlns:p14="http://schemas.microsoft.com/office/powerpoint/2010/main" val="2117521921"/>
+        <p14:creationId xmlns:p14="http://schemas.microsoft.com/office/powerpoint/2010/main" val="3755367451"/>
       </p:ext>
     </p:extLst>
   </p:cSld>
   <p:clrMapOvr>
     <a:masterClrMapping/>
   </p:clrMapOvr>
+  <p:timing>
+    <p:tnLst>
+      <p:par>
+        <p:cTn id="1" dur="indefinite" restart="never" nodeType="tmRoot"/>
+      </p:par>
+    </p:tnLst>
+  </p:timing>
 </p:sld>
 </file>
 

--- a/卒業研究発表スライド.pptx
+++ b/卒業研究発表スライド.pptx
@@ -126,6 +126,9 @@
     <p:ext uri="{EFAFB233-063F-42B5-8137-9DF3F51BA10A}">
       <p15:sldGuideLst xmlns:p15="http://schemas.microsoft.com/office/powerpoint/2012/main"/>
     </p:ext>
+    <p:ext uri="{2D200454-40CA-4A62-9FC3-DE9A4176ACB9}">
+      <p15:notesGuideLst xmlns:p15="http://schemas.microsoft.com/office/powerpoint/2012/main"/>
+    </p:ext>
   </p:extLst>
 </p:presentation>
 </file>
@@ -874,7 +877,11 @@
             </a:r>
             <a:r>
               <a:rPr lang="ja-JP" altLang="en-US" dirty="0" smtClean="0"/>
-              <a:t>の目的は、</a:t>
+              <a:t>の目的は</a:t>
+            </a:r>
+            <a:r>
+              <a:rPr lang="ja-JP" altLang="en-US" dirty="0" smtClean="0"/>
+              <a:t>、</a:t>
             </a:r>
             <a:r>
               <a:rPr lang="en-US" altLang="ja-JP" dirty="0" smtClean="0"/>
@@ -890,7 +897,19 @@
             </a:r>
             <a:r>
               <a:rPr lang="ja-JP" altLang="en-US" dirty="0" smtClean="0"/>
-              <a:t>を実施することです。</a:t>
+              <a:t>を実施することです</a:t>
+            </a:r>
+            <a:r>
+              <a:rPr lang="ja-JP" altLang="en-US" dirty="0" smtClean="0"/>
+              <a:t>。従来はマークシート方式で授業評価アンケートを実施していたものを</a:t>
+            </a:r>
+            <a:r>
+              <a:rPr lang="en-US" altLang="ja-JP" dirty="0" smtClean="0"/>
+              <a:t>web</a:t>
+            </a:r>
+            <a:r>
+              <a:rPr lang="ja-JP" altLang="en-US" dirty="0" smtClean="0"/>
+              <a:t>上で行います。</a:t>
             </a:r>
             <a:endParaRPr kumimoji="1" lang="ja-JP" altLang="en-US" dirty="0"/>
           </a:p>
@@ -976,33 +995,64 @@
           <a:bodyPr/>
           <a:lstStyle/>
           <a:p>
-            <a:r>
-              <a:rPr lang="ja-JP" altLang="en-US" dirty="0" smtClean="0"/>
-              <a:t>鹿児島</a:t>
+            <a:pPr marL="0" marR="0" lvl="0" indent="0" algn="l" defTabSz="914400" rtl="0" eaLnBrk="1" fontAlgn="auto" latinLnBrk="0" hangingPunct="1">
+              <a:lnSpc>
+                <a:spcPct val="100000"/>
+              </a:lnSpc>
+              <a:spcBef>
+                <a:spcPts val="0"/>
+              </a:spcBef>
+              <a:spcAft>
+                <a:spcPts val="0"/>
+              </a:spcAft>
+              <a:buClrTx/>
+              <a:buSzTx/>
+              <a:buFontTx/>
+              <a:buNone/>
+              <a:tabLst/>
+              <a:defRPr/>
+            </a:pPr>
+            <a:r>
+              <a:rPr lang="ja-JP" altLang="en-US" dirty="0" smtClean="0"/>
+              <a:t>次に、研究背景としてマークシート方式の欠点を述べます。マークシート方式の欠点は</a:t>
+            </a:r>
+            <a:r>
+              <a:rPr lang="en-US" altLang="ja-JP" dirty="0" smtClean="0"/>
+              <a:t>2</a:t>
+            </a:r>
+            <a:r>
+              <a:rPr lang="ja-JP" altLang="en-US" dirty="0" smtClean="0"/>
+              <a:t>つあります。</a:t>
+            </a:r>
+            <a:r>
+              <a:rPr lang="en-US" altLang="ja-JP" dirty="0" smtClean="0"/>
+              <a:t>1</a:t>
+            </a:r>
+            <a:r>
+              <a:rPr lang="ja-JP" altLang="en-US" dirty="0" smtClean="0"/>
+              <a:t>つめはマークシート</a:t>
             </a:r>
             <a:r>
               <a:rPr lang="ja-JP" altLang="en-US" dirty="0"/>
-              <a:t>高専</a:t>
-            </a:r>
-            <a:r>
-              <a:rPr lang="ja-JP" altLang="en-US" dirty="0" smtClean="0"/>
-              <a:t>では、以前マークシート</a:t>
-            </a:r>
-            <a:r>
-              <a:rPr lang="ja-JP" altLang="en-US" dirty="0"/>
-              <a:t>方式の授業評価アンケートを採用</a:t>
-            </a:r>
-            <a:r>
-              <a:rPr lang="ja-JP" altLang="en-US" dirty="0" smtClean="0"/>
-              <a:t>していました．</a:t>
-            </a:r>
-            <a:r>
-              <a:rPr lang="ja-JP" altLang="en-US" dirty="0"/>
-              <a:t>しかし，マークシート方式は多くの紙資源を消費するため経済的</a:t>
-            </a:r>
-            <a:r>
-              <a:rPr lang="ja-JP" altLang="en-US" dirty="0" smtClean="0"/>
-              <a:t>ではありません．また、マークシート</a:t>
+              <a:t>方式は多くの紙資源を</a:t>
+            </a:r>
+            <a:r>
+              <a:rPr lang="ja-JP" altLang="en-US" dirty="0" smtClean="0"/>
+              <a:t>消費してしまうということです．</a:t>
+            </a:r>
+            <a:r>
+              <a:rPr lang="en-US" altLang="ja-JP" dirty="0" smtClean="0"/>
+              <a:t>2</a:t>
+            </a:r>
+            <a:r>
+              <a:rPr lang="ja-JP" altLang="en-US" dirty="0" smtClean="0"/>
+              <a:t>つ目は、教員がアンケートを集計する必要がある</a:t>
+            </a:r>
+          </a:p>
+          <a:p>
+            <a:r>
+              <a:rPr lang="ja-JP" altLang="en-US" dirty="0" smtClean="0"/>
+              <a:t>事です。マークシート</a:t>
             </a:r>
             <a:r>
               <a:rPr lang="ja-JP" altLang="en-US" dirty="0"/>
@@ -1034,7 +1084,11 @@
             </a:r>
             <a:r>
               <a:rPr lang="ja-JP" altLang="en-US" dirty="0" smtClean="0"/>
-              <a:t>とします．これらの問題を解決するために</a:t>
+              <a:t>とします</a:t>
+            </a:r>
+            <a:r>
+              <a:rPr lang="ja-JP" altLang="en-US" dirty="0" smtClean="0"/>
+              <a:t>．しかし、</a:t>
             </a:r>
             <a:r>
               <a:rPr lang="en-US" altLang="ja-JP" dirty="0" smtClean="0"/>
@@ -1042,7 +1096,7 @@
             </a:r>
             <a:r>
               <a:rPr lang="ja-JP" altLang="en-US" dirty="0" smtClean="0"/>
-              <a:t>上でアンケートを実施しました。</a:t>
+              <a:t>上でアンケートを実施することでこれらの欠点を克服できます。</a:t>
             </a:r>
             <a:endParaRPr kumimoji="1" lang="ja-JP" altLang="en-US" dirty="0"/>
           </a:p>
@@ -1156,15 +1210,27 @@
             </a:r>
             <a:r>
               <a:rPr kumimoji="1" lang="ja-JP" altLang="en-US" dirty="0" smtClean="0"/>
-              <a:t>つめは経済性です。</a:t>
+              <a:t>つめは経済性です</a:t>
+            </a:r>
+            <a:r>
+              <a:rPr kumimoji="1" lang="ja-JP" altLang="en-US" dirty="0" smtClean="0"/>
+              <a:t>。</a:t>
             </a:r>
             <a:r>
               <a:rPr kumimoji="1" lang="en-US" altLang="ja-JP" dirty="0" smtClean="0"/>
-              <a:t>web</a:t>
+              <a:t>Web</a:t>
             </a:r>
             <a:r>
               <a:rPr kumimoji="1" lang="ja-JP" altLang="en-US" dirty="0" smtClean="0"/>
-              <a:t>上でアンケートを実施することで紙資源の消費を抑えられるため経済的です。</a:t>
+              <a:t>上でアンケートを実施することで紙</a:t>
+            </a:r>
+            <a:r>
+              <a:rPr kumimoji="1" lang="ja-JP" altLang="en-US" dirty="0" smtClean="0"/>
+              <a:t>資源を消費しないため経済的</a:t>
+            </a:r>
+            <a:r>
+              <a:rPr kumimoji="1" lang="ja-JP" altLang="en-US" dirty="0" smtClean="0"/>
+              <a:t>です。</a:t>
             </a:r>
             <a:endParaRPr kumimoji="1" lang="en-US" altLang="ja-JP" dirty="0" smtClean="0"/>
           </a:p>
@@ -5991,36 +6057,159 @@
             <p:ph idx="1"/>
           </p:nvPr>
         </p:nvSpPr>
-        <p:spPr/>
-        <p:txBody>
-          <a:bodyPr/>
-          <a:lstStyle/>
-          <a:p>
+        <p:spPr>
+          <a:xfrm>
+            <a:off x="628650" y="1524000"/>
+            <a:ext cx="7976088" cy="1078524"/>
+          </a:xfrm>
+        </p:spPr>
+        <p:txBody>
+          <a:bodyPr>
+            <a:normAutofit/>
+          </a:bodyPr>
+          <a:lstStyle/>
+          <a:p>
+            <a:r>
+              <a:rPr lang="en-US" altLang="ja-JP" dirty="0"/>
+              <a:t>web</a:t>
+            </a:r>
+            <a:r>
+              <a:rPr lang="ja-JP" altLang="en-US" dirty="0"/>
+              <a:t>上で授業評価アンケートを実施する</a:t>
+            </a:r>
+            <a:endParaRPr kumimoji="1" lang="ja-JP" altLang="en-US" dirty="0"/>
+          </a:p>
+        </p:txBody>
+      </p:sp>
+      <p:sp>
+        <p:nvSpPr>
+          <p:cNvPr id="4" name="正方形/長方形 3"/>
+          <p:cNvSpPr/>
+          <p:nvPr/>
+        </p:nvSpPr>
+        <p:spPr>
+          <a:xfrm>
+            <a:off x="3282462" y="3305907"/>
+            <a:ext cx="2684584" cy="762000"/>
+          </a:xfrm>
+          <a:prstGeom prst="rect">
+            <a:avLst/>
+          </a:prstGeom>
+        </p:spPr>
+        <p:style>
+          <a:lnRef idx="2">
+            <a:schemeClr val="accent1">
+              <a:shade val="50000"/>
+            </a:schemeClr>
+          </a:lnRef>
+          <a:fillRef idx="1">
+            <a:schemeClr val="accent1"/>
+          </a:fillRef>
+          <a:effectRef idx="0">
+            <a:schemeClr val="accent1"/>
+          </a:effectRef>
+          <a:fontRef idx="minor">
+            <a:schemeClr val="lt1"/>
+          </a:fontRef>
+        </p:style>
+        <p:txBody>
+          <a:bodyPr rtlCol="0" anchor="ctr"/>
+          <a:lstStyle/>
+          <a:p>
+            <a:pPr algn="ctr"/>
             <a:r>
               <a:rPr kumimoji="1" lang="ja-JP" altLang="en-US" dirty="0" smtClean="0"/>
-              <a:t>今までマークシート方式で行われていた授業評価アンケートを</a:t>
-            </a:r>
-            <a:r>
-              <a:rPr kumimoji="1" lang="en-US" altLang="ja-JP" dirty="0" smtClean="0"/>
+              <a:t>マークシート方式</a:t>
+            </a:r>
+            <a:endParaRPr kumimoji="1" lang="ja-JP" altLang="en-US" dirty="0"/>
+          </a:p>
+        </p:txBody>
+      </p:sp>
+      <p:sp>
+        <p:nvSpPr>
+          <p:cNvPr id="5" name="正方形/長方形 4"/>
+          <p:cNvSpPr/>
+          <p:nvPr/>
+        </p:nvSpPr>
+        <p:spPr>
+          <a:xfrm>
+            <a:off x="2579077" y="5169877"/>
+            <a:ext cx="4337538" cy="1137138"/>
+          </a:xfrm>
+          <a:prstGeom prst="rect">
+            <a:avLst/>
+          </a:prstGeom>
+        </p:spPr>
+        <p:style>
+          <a:lnRef idx="2">
+            <a:schemeClr val="accent1">
+              <a:shade val="50000"/>
+            </a:schemeClr>
+          </a:lnRef>
+          <a:fillRef idx="1">
+            <a:schemeClr val="accent1"/>
+          </a:fillRef>
+          <a:effectRef idx="0">
+            <a:schemeClr val="accent1"/>
+          </a:effectRef>
+          <a:fontRef idx="minor">
+            <a:schemeClr val="lt1"/>
+          </a:fontRef>
+        </p:style>
+        <p:txBody>
+          <a:bodyPr rtlCol="0" anchor="ctr"/>
+          <a:lstStyle/>
+          <a:p>
+            <a:pPr algn="ctr"/>
+            <a:r>
+              <a:rPr lang="en-US" altLang="ja-JP" sz="4000" dirty="0" smtClean="0"/>
               <a:t>Web</a:t>
             </a:r>
             <a:r>
-              <a:rPr kumimoji="1" lang="ja-JP" altLang="en-US" dirty="0" smtClean="0"/>
-              <a:t>上</a:t>
-            </a:r>
-            <a:r>
-              <a:rPr lang="ja-JP" altLang="en-US" dirty="0"/>
-              <a:t>で</a:t>
-            </a:r>
-            <a:r>
-              <a:rPr kumimoji="1" lang="ja-JP" altLang="en-US" dirty="0" smtClean="0"/>
-              <a:t>実施</a:t>
-            </a:r>
-            <a:r>
-              <a:rPr kumimoji="1" lang="ja-JP" altLang="en-US" dirty="0" smtClean="0"/>
-              <a:t>する</a:t>
-            </a:r>
-            <a:endParaRPr kumimoji="1" lang="ja-JP" altLang="en-US" dirty="0"/>
+              <a:rPr lang="ja-JP" altLang="en-US" sz="4000" dirty="0" smtClean="0"/>
+              <a:t>上でアンケート</a:t>
+            </a:r>
+            <a:endParaRPr kumimoji="1" lang="ja-JP" altLang="en-US" sz="4000" dirty="0"/>
+          </a:p>
+        </p:txBody>
+      </p:sp>
+      <p:sp>
+        <p:nvSpPr>
+          <p:cNvPr id="8" name="下矢印 7"/>
+          <p:cNvSpPr/>
+          <p:nvPr/>
+        </p:nvSpPr>
+        <p:spPr>
+          <a:xfrm>
+            <a:off x="4290646" y="4267200"/>
+            <a:ext cx="820616" cy="797169"/>
+          </a:xfrm>
+          <a:prstGeom prst="downArrow">
+            <a:avLst/>
+          </a:prstGeom>
+        </p:spPr>
+        <p:style>
+          <a:lnRef idx="2">
+            <a:schemeClr val="accent1">
+              <a:shade val="50000"/>
+            </a:schemeClr>
+          </a:lnRef>
+          <a:fillRef idx="1">
+            <a:schemeClr val="accent1"/>
+          </a:fillRef>
+          <a:effectRef idx="0">
+            <a:schemeClr val="accent1"/>
+          </a:effectRef>
+          <a:fontRef idx="minor">
+            <a:schemeClr val="lt1"/>
+          </a:fontRef>
+        </p:style>
+        <p:txBody>
+          <a:bodyPr rtlCol="0" anchor="ctr"/>
+          <a:lstStyle/>
+          <a:p>
+            <a:pPr algn="ctr"/>
+            <a:endParaRPr kumimoji="1" lang="ja-JP" altLang="en-US"/>
           </a:p>
         </p:txBody>
       </p:sp>

--- a/卒業研究発表スライド.pptx
+++ b/卒業研究発表スライド.pptx
@@ -279,70 +279,69 @@
           <a:p>
             <a:pPr lvl="0"/>
             <a:r>
-              <a:rPr kumimoji="1" lang="ja-JP" altLang="en-US" dirty="0" smtClean="0"/>
+              <a:rPr kumimoji="1" lang="ja-JP" altLang="en-US" dirty="0"/>
               <a:t>マスター テキストの書式設定</a:t>
             </a:r>
           </a:p>
           <a:p>
             <a:pPr lvl="1"/>
             <a:r>
-              <a:rPr kumimoji="1" lang="ja-JP" altLang="en-US" dirty="0" smtClean="0"/>
+              <a:rPr kumimoji="1" lang="ja-JP" altLang="en-US" dirty="0"/>
               <a:t>第 </a:t>
             </a:r>
             <a:r>
-              <a:rPr kumimoji="1" lang="en-US" altLang="ja-JP" dirty="0" smtClean="0"/>
+              <a:rPr kumimoji="1" lang="en-US" altLang="ja-JP" dirty="0"/>
               <a:t>2 </a:t>
             </a:r>
             <a:r>
-              <a:rPr kumimoji="1" lang="ja-JP" altLang="en-US" dirty="0" smtClean="0"/>
+              <a:rPr kumimoji="1" lang="ja-JP" altLang="en-US" dirty="0"/>
               <a:t>レベル</a:t>
             </a:r>
           </a:p>
           <a:p>
             <a:pPr lvl="2"/>
             <a:r>
-              <a:rPr kumimoji="1" lang="ja-JP" altLang="en-US" dirty="0" smtClean="0"/>
+              <a:rPr kumimoji="1" lang="ja-JP" altLang="en-US" dirty="0"/>
               <a:t>第 </a:t>
             </a:r>
             <a:r>
-              <a:rPr kumimoji="1" lang="en-US" altLang="ja-JP" dirty="0" smtClean="0"/>
+              <a:rPr kumimoji="1" lang="en-US" altLang="ja-JP" dirty="0"/>
               <a:t>3 </a:t>
             </a:r>
             <a:r>
-              <a:rPr kumimoji="1" lang="ja-JP" altLang="en-US" dirty="0" smtClean="0"/>
+              <a:rPr kumimoji="1" lang="ja-JP" altLang="en-US" dirty="0"/>
               <a:t>レベル</a:t>
             </a:r>
           </a:p>
           <a:p>
             <a:pPr lvl="3"/>
             <a:r>
-              <a:rPr kumimoji="1" lang="ja-JP" altLang="en-US" dirty="0" smtClean="0"/>
+              <a:rPr kumimoji="1" lang="ja-JP" altLang="en-US" dirty="0"/>
               <a:t>第 </a:t>
             </a:r>
             <a:r>
-              <a:rPr kumimoji="1" lang="en-US" altLang="ja-JP" dirty="0" smtClean="0"/>
+              <a:rPr kumimoji="1" lang="en-US" altLang="ja-JP" dirty="0"/>
               <a:t>4 </a:t>
             </a:r>
             <a:r>
-              <a:rPr kumimoji="1" lang="ja-JP" altLang="en-US" dirty="0" smtClean="0"/>
+              <a:rPr kumimoji="1" lang="ja-JP" altLang="en-US" dirty="0"/>
               <a:t>レベル</a:t>
             </a:r>
           </a:p>
           <a:p>
             <a:pPr lvl="4"/>
             <a:r>
-              <a:rPr kumimoji="1" lang="ja-JP" altLang="en-US" dirty="0" smtClean="0"/>
+              <a:rPr kumimoji="1" lang="ja-JP" altLang="en-US" dirty="0"/>
               <a:t>第 </a:t>
             </a:r>
             <a:r>
-              <a:rPr kumimoji="1" lang="en-US" altLang="ja-JP" dirty="0" smtClean="0"/>
+              <a:rPr kumimoji="1" lang="en-US" altLang="ja-JP" dirty="0"/>
               <a:t>5 </a:t>
             </a:r>
             <a:r>
-              <a:rPr kumimoji="1" lang="ja-JP" altLang="en-US" dirty="0" smtClean="0"/>
+              <a:rPr kumimoji="1" lang="ja-JP" altLang="en-US" dirty="0"/>
               <a:t>レベル</a:t>
             </a:r>
-            <a:endParaRPr kumimoji="1" lang="ja-JP" altLang="en-US" dirty="0"/>
           </a:p>
         </p:txBody>
       </p:sp>
@@ -560,26 +559,25 @@
           <a:lstStyle/>
           <a:p>
             <a:r>
-              <a:rPr kumimoji="1" lang="ja-JP" altLang="en-US" dirty="0" smtClean="0"/>
+              <a:rPr kumimoji="1" lang="ja-JP" altLang="en-US" dirty="0"/>
               <a:t>これから、</a:t>
             </a:r>
             <a:r>
-              <a:rPr kumimoji="1" lang="en-US" altLang="ja-JP" dirty="0" smtClean="0"/>
+              <a:rPr kumimoji="1" lang="en-US" altLang="ja-JP" dirty="0"/>
               <a:t>web</a:t>
             </a:r>
             <a:r>
-              <a:rPr kumimoji="1" lang="ja-JP" altLang="en-US" dirty="0" smtClean="0"/>
+              <a:rPr kumimoji="1" lang="ja-JP" altLang="en-US" dirty="0"/>
               <a:t>プログラミングを用いたアプリケーションの開発というテーマで</a:t>
             </a:r>
             <a:r>
-              <a:rPr kumimoji="1" lang="en-US" altLang="ja-JP" dirty="0" smtClean="0"/>
+              <a:rPr kumimoji="1" lang="en-US" altLang="ja-JP" dirty="0"/>
               <a:t>5</a:t>
             </a:r>
             <a:r>
-              <a:rPr kumimoji="1" lang="ja-JP" altLang="en-US" dirty="0" smtClean="0"/>
+              <a:rPr kumimoji="1" lang="ja-JP" altLang="en-US" dirty="0"/>
               <a:t>年電子制御工学科の溝が発表させていただきます</a:t>
             </a:r>
-            <a:endParaRPr kumimoji="1" lang="ja-JP" altLang="en-US" dirty="0"/>
           </a:p>
         </p:txBody>
       </p:sp>
@@ -664,42 +662,26 @@
           <a:lstStyle/>
           <a:p>
             <a:r>
-              <a:rPr kumimoji="1" lang="ja-JP" altLang="en-US" dirty="0" smtClean="0"/>
+              <a:rPr kumimoji="1" lang="ja-JP" altLang="en-US" dirty="0"/>
               <a:t>では、まとめを述べたいと思います。</a:t>
             </a:r>
             <a:r>
-              <a:rPr lang="ja-JP" altLang="en-US" dirty="0" smtClean="0"/>
-              <a:t>本</a:t>
-            </a:r>
-            <a:r>
               <a:rPr lang="ja-JP" altLang="en-US" dirty="0"/>
-              <a:t>研究</a:t>
-            </a:r>
-            <a:r>
-              <a:rPr lang="ja-JP" altLang="en-US" dirty="0" smtClean="0"/>
-              <a:t>では</a:t>
-            </a:r>
-            <a:r>
-              <a:rPr lang="en-US" altLang="ja-JP" dirty="0" smtClean="0"/>
+              <a:t>本研究では</a:t>
+            </a:r>
+            <a:r>
+              <a:rPr lang="en-US" altLang="ja-JP" dirty="0"/>
               <a:t>web</a:t>
             </a:r>
             <a:r>
-              <a:rPr lang="ja-JP" altLang="en-US" dirty="0" smtClean="0"/>
-              <a:t>プログラミングを用いて授業評価アンケートを作成しました。このアンケートは従来のマークシート方式に比べて</a:t>
-            </a:r>
-            <a:r>
               <a:rPr lang="ja-JP" altLang="en-US" dirty="0"/>
-              <a:t>経済性</a:t>
-            </a:r>
-            <a:r>
-              <a:rPr lang="ja-JP" altLang="en-US" dirty="0" smtClean="0"/>
-              <a:t>の改善、教員の労力削減、ユーザ体験の</a:t>
-            </a:r>
-            <a:r>
-              <a:rPr lang="ja-JP" altLang="en-US" smtClean="0"/>
+              <a:t>プログラミングを用いて授業評価アンケートを作成しました。このアンケートは従来のマークシート方式に比べて経済性の改善、教員の労力削減、ユーザ体験の</a:t>
+            </a:r>
+            <a:r>
+              <a:rPr lang="ja-JP" altLang="en-US"/>
               <a:t>向上が実現できました。今後の展望として、このプログラムに新機能を追加し、高専の授業のさらなる品質向上に貢献していきたいと考えています。</a:t>
             </a:r>
-            <a:endParaRPr lang="en-US" altLang="ja-JP" dirty="0" smtClean="0"/>
+            <a:endParaRPr lang="en-US" altLang="ja-JP" dirty="0"/>
           </a:p>
         </p:txBody>
       </p:sp>
@@ -784,10 +766,9 @@
           <a:lstStyle/>
           <a:p>
             <a:r>
-              <a:rPr kumimoji="1" lang="ja-JP" altLang="en-US" dirty="0" smtClean="0"/>
+              <a:rPr kumimoji="1" lang="ja-JP" altLang="en-US" dirty="0"/>
               <a:t>最近注目されているのがシングルページウェブアプリケーション。</a:t>
             </a:r>
-            <a:endParaRPr kumimoji="1" lang="ja-JP" altLang="en-US" dirty="0"/>
           </a:p>
         </p:txBody>
       </p:sp>
@@ -872,43 +853,27 @@
           <a:lstStyle/>
           <a:p>
             <a:r>
-              <a:rPr kumimoji="1" lang="ja-JP" altLang="en-US" dirty="0" smtClean="0"/>
+              <a:rPr kumimoji="1" lang="ja-JP" altLang="en-US" dirty="0"/>
               <a:t>本研究</a:t>
             </a:r>
             <a:r>
-              <a:rPr lang="ja-JP" altLang="en-US" dirty="0" smtClean="0"/>
-              <a:t>の目的は</a:t>
-            </a:r>
-            <a:r>
-              <a:rPr lang="ja-JP" altLang="en-US" dirty="0" smtClean="0"/>
-              <a:t>、</a:t>
-            </a:r>
-            <a:r>
-              <a:rPr lang="en-US" altLang="ja-JP" dirty="0" smtClean="0"/>
+              <a:rPr lang="ja-JP" altLang="en-US" dirty="0"/>
+              <a:t>の目的は、</a:t>
+            </a:r>
+            <a:r>
+              <a:rPr lang="en-US" altLang="ja-JP" dirty="0"/>
               <a:t>web</a:t>
             </a:r>
             <a:r>
-              <a:rPr lang="ja-JP" altLang="en-US" dirty="0" smtClean="0"/>
-              <a:t>上で授業評価</a:t>
-            </a:r>
-            <a:r>
               <a:rPr lang="ja-JP" altLang="en-US" dirty="0"/>
-              <a:t>アンケート</a:t>
-            </a:r>
-            <a:r>
-              <a:rPr lang="ja-JP" altLang="en-US" dirty="0" smtClean="0"/>
-              <a:t>を実施することです</a:t>
-            </a:r>
-            <a:r>
-              <a:rPr lang="ja-JP" altLang="en-US" dirty="0" smtClean="0"/>
-              <a:t>。従来はマークシート方式で授業評価アンケートを実施していたものを</a:t>
-            </a:r>
-            <a:r>
-              <a:rPr lang="en-US" altLang="ja-JP" dirty="0" smtClean="0"/>
+              <a:t>上で授業評価アンケートを実施することです。従来はマークシート方式で授業評価アンケートを実施していたものを</a:t>
+            </a:r>
+            <a:r>
+              <a:rPr lang="en-US" altLang="ja-JP" dirty="0"/>
               <a:t>web</a:t>
             </a:r>
             <a:r>
-              <a:rPr lang="ja-JP" altLang="en-US" dirty="0" smtClean="0"/>
+              <a:rPr lang="ja-JP" altLang="en-US" dirty="0"/>
               <a:t>上で行います。</a:t>
             </a:r>
             <a:endParaRPr kumimoji="1" lang="ja-JP" altLang="en-US" dirty="0"/>
@@ -1013,89 +978,45 @@
               <a:defRPr/>
             </a:pPr>
             <a:r>
-              <a:rPr lang="ja-JP" altLang="en-US" dirty="0" smtClean="0"/>
+              <a:rPr lang="ja-JP" altLang="en-US" dirty="0"/>
               <a:t>次に、研究背景としてマークシート方式の欠点を述べます。マークシート方式の欠点は</a:t>
             </a:r>
             <a:r>
-              <a:rPr lang="en-US" altLang="ja-JP" dirty="0" smtClean="0"/>
+              <a:rPr lang="en-US" altLang="ja-JP" dirty="0"/>
               <a:t>2</a:t>
             </a:r>
             <a:r>
-              <a:rPr lang="ja-JP" altLang="en-US" dirty="0" smtClean="0"/>
+              <a:rPr lang="ja-JP" altLang="en-US" dirty="0"/>
               <a:t>つあります。</a:t>
             </a:r>
             <a:r>
-              <a:rPr lang="en-US" altLang="ja-JP" dirty="0" smtClean="0"/>
+              <a:rPr lang="en-US" altLang="ja-JP" dirty="0"/>
               <a:t>1</a:t>
             </a:r>
             <a:r>
-              <a:rPr lang="ja-JP" altLang="en-US" dirty="0" smtClean="0"/>
-              <a:t>つめはマークシート</a:t>
-            </a:r>
-            <a:r>
               <a:rPr lang="ja-JP" altLang="en-US" dirty="0"/>
-              <a:t>方式は多くの紙資源を</a:t>
-            </a:r>
-            <a:r>
-              <a:rPr lang="ja-JP" altLang="en-US" dirty="0" smtClean="0"/>
-              <a:t>消費してしまうということです．</a:t>
-            </a:r>
-            <a:r>
-              <a:rPr lang="en-US" altLang="ja-JP" dirty="0" smtClean="0"/>
+              <a:t>つめはマークシート方式は多くの紙資源を消費してしまうということです．</a:t>
+            </a:r>
+            <a:r>
+              <a:rPr lang="en-US" altLang="ja-JP" dirty="0"/>
               <a:t>2</a:t>
             </a:r>
             <a:r>
-              <a:rPr lang="ja-JP" altLang="en-US" dirty="0" smtClean="0"/>
+              <a:rPr lang="ja-JP" altLang="en-US" dirty="0"/>
               <a:t>つ目は、教員がアンケートを集計する必要がある</a:t>
             </a:r>
           </a:p>
           <a:p>
             <a:r>
-              <a:rPr lang="ja-JP" altLang="en-US" dirty="0" smtClean="0"/>
-              <a:t>事です。マークシート</a:t>
-            </a:r>
-            <a:r>
               <a:rPr lang="ja-JP" altLang="en-US" dirty="0"/>
-              <a:t>方式で</a:t>
-            </a:r>
-            <a:r>
-              <a:rPr lang="ja-JP" altLang="en-US" dirty="0" smtClean="0"/>
-              <a:t>はアンケート終了後に教員が回答</a:t>
+              <a:t>事です。マークシート方式ではアンケート終了後に教員が回答用紙をスキャンしてパソコンに取り込む作業などの無駄な労力を必要とします．しかし、</a:t>
+            </a:r>
+            <a:r>
+              <a:rPr lang="en-US" altLang="ja-JP" dirty="0"/>
+              <a:t>web</a:t>
             </a:r>
             <a:r>
               <a:rPr lang="ja-JP" altLang="en-US" dirty="0"/>
-              <a:t>用紙</a:t>
-            </a:r>
-            <a:r>
-              <a:rPr lang="ja-JP" altLang="en-US" dirty="0" smtClean="0"/>
-              <a:t>をスキャンしてパソコンに取り込む作業などの</a:t>
-            </a:r>
-            <a:r>
-              <a:rPr lang="ja-JP" altLang="en-US" dirty="0"/>
-              <a:t>無駄</a:t>
-            </a:r>
-            <a:r>
-              <a:rPr lang="ja-JP" altLang="en-US" dirty="0" smtClean="0"/>
-              <a:t>な労力</a:t>
-            </a:r>
-            <a:r>
-              <a:rPr lang="ja-JP" altLang="en-US" dirty="0"/>
-              <a:t>を必要</a:t>
-            </a:r>
-            <a:r>
-              <a:rPr lang="ja-JP" altLang="en-US" dirty="0" smtClean="0"/>
-              <a:t>とします</a:t>
-            </a:r>
-            <a:r>
-              <a:rPr lang="ja-JP" altLang="en-US" dirty="0" smtClean="0"/>
-              <a:t>．しかし、</a:t>
-            </a:r>
-            <a:r>
-              <a:rPr lang="en-US" altLang="ja-JP" dirty="0" smtClean="0"/>
-              <a:t>web</a:t>
-            </a:r>
-            <a:r>
-              <a:rPr lang="ja-JP" altLang="en-US" dirty="0" smtClean="0"/>
               <a:t>上でアンケートを実施することでこれらの欠点を克服できます。</a:t>
             </a:r>
             <a:endParaRPr kumimoji="1" lang="ja-JP" altLang="en-US" dirty="0"/>
@@ -1183,116 +1104,96 @@
           <a:lstStyle/>
           <a:p>
             <a:r>
-              <a:rPr kumimoji="1" lang="en-US" altLang="ja-JP" dirty="0" smtClean="0"/>
+              <a:rPr kumimoji="1" lang="en-US" altLang="ja-JP" dirty="0"/>
               <a:t>Web</a:t>
             </a:r>
             <a:r>
-              <a:rPr kumimoji="1" lang="ja-JP" altLang="en-US" dirty="0" smtClean="0"/>
+              <a:rPr kumimoji="1" lang="ja-JP" altLang="en-US" dirty="0"/>
               <a:t>上で実施する利点として次の</a:t>
             </a:r>
             <a:r>
-              <a:rPr kumimoji="1" lang="en-US" altLang="ja-JP" dirty="0" smtClean="0"/>
+              <a:rPr kumimoji="1" lang="en-US" altLang="ja-JP" dirty="0"/>
               <a:t>3</a:t>
             </a:r>
             <a:r>
-              <a:rPr kumimoji="1" lang="ja-JP" altLang="en-US" dirty="0" smtClean="0"/>
+              <a:rPr kumimoji="1" lang="ja-JP" altLang="en-US" dirty="0"/>
               <a:t>つが挙げられます。</a:t>
             </a:r>
-            <a:endParaRPr kumimoji="1" lang="en-US" altLang="ja-JP" dirty="0" smtClean="0"/>
+            <a:endParaRPr kumimoji="1" lang="en-US" altLang="ja-JP" dirty="0"/>
           </a:p>
           <a:p>
             <a:endParaRPr lang="en-US" altLang="ja-JP" dirty="0"/>
           </a:p>
           <a:p>
             <a:r>
-              <a:rPr kumimoji="1" lang="en-US" altLang="ja-JP" dirty="0" smtClean="0"/>
+              <a:rPr kumimoji="1" lang="en-US" altLang="ja-JP" dirty="0"/>
               <a:t>1</a:t>
             </a:r>
             <a:r>
-              <a:rPr kumimoji="1" lang="ja-JP" altLang="en-US" dirty="0" smtClean="0"/>
-              <a:t>つめは経済性です</a:t>
-            </a:r>
-            <a:r>
-              <a:rPr kumimoji="1" lang="ja-JP" altLang="en-US" dirty="0" smtClean="0"/>
-              <a:t>。</a:t>
-            </a:r>
-            <a:r>
-              <a:rPr kumimoji="1" lang="en-US" altLang="ja-JP" dirty="0" smtClean="0"/>
+              <a:rPr kumimoji="1" lang="ja-JP" altLang="en-US" dirty="0"/>
+              <a:t>つめは経済性です。</a:t>
+            </a:r>
+            <a:r>
+              <a:rPr kumimoji="1" lang="en-US" altLang="ja-JP" dirty="0"/>
               <a:t>Web</a:t>
             </a:r>
             <a:r>
-              <a:rPr kumimoji="1" lang="ja-JP" altLang="en-US" dirty="0" smtClean="0"/>
-              <a:t>上でアンケートを実施することで紙</a:t>
-            </a:r>
-            <a:r>
-              <a:rPr kumimoji="1" lang="ja-JP" altLang="en-US" dirty="0" smtClean="0"/>
-              <a:t>資源を消費しないため経済的</a:t>
-            </a:r>
-            <a:r>
-              <a:rPr kumimoji="1" lang="ja-JP" altLang="en-US" dirty="0" smtClean="0"/>
-              <a:t>です。</a:t>
-            </a:r>
-            <a:endParaRPr kumimoji="1" lang="en-US" altLang="ja-JP" dirty="0" smtClean="0"/>
+              <a:rPr kumimoji="1" lang="ja-JP" altLang="en-US" dirty="0"/>
+              <a:t>上でアンケートを実施することで紙資源を消費しないため経済的です。</a:t>
+            </a:r>
+            <a:endParaRPr kumimoji="1" lang="en-US" altLang="ja-JP" dirty="0"/>
           </a:p>
           <a:p>
             <a:endParaRPr lang="en-US" altLang="ja-JP" dirty="0"/>
           </a:p>
           <a:p>
             <a:r>
-              <a:rPr lang="en-US" altLang="ja-JP" dirty="0" smtClean="0"/>
+              <a:rPr lang="en-US" altLang="ja-JP" dirty="0"/>
               <a:t>2</a:t>
             </a:r>
             <a:r>
-              <a:rPr lang="ja-JP" altLang="en-US" dirty="0" smtClean="0"/>
+              <a:rPr lang="ja-JP" altLang="en-US" dirty="0"/>
               <a:t>つ目は教員の労力を削減できる点です。</a:t>
             </a:r>
             <a:r>
-              <a:rPr lang="en-US" altLang="ja-JP" dirty="0" smtClean="0"/>
+              <a:rPr lang="en-US" altLang="ja-JP" dirty="0"/>
               <a:t>Web</a:t>
             </a:r>
             <a:r>
-              <a:rPr lang="ja-JP" altLang="en-US" dirty="0" smtClean="0"/>
+              <a:rPr lang="ja-JP" altLang="en-US" dirty="0"/>
               <a:t>上でアンケートを実施すると学生が回答したデータは直接コンピュータに送信されるため、マークシート方式のように回答用紙をスキャンする必要がありません。また、回答データの自動集計機能を実装することで教員が</a:t>
             </a:r>
             <a:r>
-              <a:rPr lang="en-US" altLang="ja-JP" dirty="0" smtClean="0"/>
+              <a:rPr lang="en-US" altLang="ja-JP" dirty="0"/>
               <a:t>excel</a:t>
             </a:r>
             <a:r>
-              <a:rPr lang="ja-JP" altLang="en-US" dirty="0" smtClean="0"/>
+              <a:rPr lang="ja-JP" altLang="en-US" dirty="0"/>
               <a:t>などの表計算ソフトウェアで集計する必要がなくなります。それらの結果として、教員の授業評価アンケートに費やす労力が削減できます。</a:t>
             </a:r>
-            <a:endParaRPr lang="en-US" altLang="ja-JP" dirty="0" smtClean="0"/>
-          </a:p>
-          <a:p>
             <a:endParaRPr lang="en-US" altLang="ja-JP" dirty="0"/>
           </a:p>
           <a:p>
-            <a:r>
-              <a:rPr lang="en-US" altLang="ja-JP" dirty="0" smtClean="0"/>
+            <a:endParaRPr lang="en-US" altLang="ja-JP" dirty="0"/>
+          </a:p>
+          <a:p>
+            <a:r>
+              <a:rPr lang="en-US" altLang="ja-JP" dirty="0"/>
               <a:t>3</a:t>
             </a:r>
             <a:r>
-              <a:rPr lang="ja-JP" altLang="en-US" dirty="0" smtClean="0"/>
-              <a:t>つ目はユーザ体験の向上です。マークシート方式のアンケートに回答するには鉛筆を持ち、回答欄を塗りつぶす</a:t>
-            </a:r>
-            <a:r>
               <a:rPr lang="ja-JP" altLang="en-US" dirty="0"/>
-              <a:t>作業</a:t>
-            </a:r>
-            <a:r>
-              <a:rPr lang="ja-JP" altLang="en-US" dirty="0" smtClean="0"/>
-              <a:t>をしなければなりません。このような単純作業は回答者の集中力の低下を招き冷静な判断を鈍らせます。しかし、</a:t>
-            </a:r>
-            <a:r>
-              <a:rPr lang="en-US" altLang="ja-JP" dirty="0" smtClean="0"/>
+              <a:t>つ目はユーザ体験の向上です。マークシート方式のアンケートに回答するには鉛筆を持ち、回答欄を塗りつぶす作業をしなければなりません。このような単純作業は回答者の集中力の低下を招き冷静な判断を鈍らせます。しかし、</a:t>
+            </a:r>
+            <a:r>
+              <a:rPr lang="en-US" altLang="ja-JP" dirty="0"/>
               <a:t>web</a:t>
             </a:r>
             <a:r>
-              <a:rPr lang="ja-JP" altLang="en-US" dirty="0" smtClean="0"/>
+              <a:rPr lang="ja-JP" altLang="en-US" dirty="0"/>
               <a:t>上でアンケートを実施することで動きのあるユーザインターフェースで楽しくアンケートに回答できます。</a:t>
             </a:r>
-            <a:endParaRPr lang="en-US" altLang="ja-JP" dirty="0" smtClean="0"/>
+            <a:endParaRPr lang="en-US" altLang="ja-JP" dirty="0"/>
           </a:p>
         </p:txBody>
       </p:sp>
@@ -1376,7 +1277,100 @@
           <a:bodyPr/>
           <a:lstStyle/>
           <a:p>
-            <a:endParaRPr kumimoji="1" lang="ja-JP" altLang="en-US"/>
+            <a:r>
+              <a:rPr kumimoji="1" lang="ja-JP" altLang="en-US" dirty="0"/>
+              <a:t>こちらが、本研究で作成した授業評価アンケートです。まず、学生は学年と学科を入力します。これらはそれぞれラジオボタンを使って実装しているため、</a:t>
+            </a:r>
+            <a:r>
+              <a:rPr kumimoji="1" lang="en-US" altLang="ja-JP" dirty="0"/>
+              <a:t>1</a:t>
+            </a:r>
+            <a:r>
+              <a:rPr kumimoji="1" lang="ja-JP" altLang="en-US" dirty="0" err="1"/>
+              <a:t>つの</a:t>
+            </a:r>
+            <a:r>
+              <a:rPr kumimoji="1" lang="ja-JP" altLang="en-US" dirty="0"/>
+              <a:t>グループ内で複数の項目を選択することができません。</a:t>
+            </a:r>
+            <a:endParaRPr kumimoji="1" lang="en-US" altLang="ja-JP" dirty="0"/>
+          </a:p>
+          <a:p>
+            <a:endParaRPr kumimoji="1" lang="en-US" altLang="ja-JP" dirty="0"/>
+          </a:p>
+          <a:p>
+            <a:r>
+              <a:rPr kumimoji="1" lang="ja-JP" altLang="en-US" dirty="0"/>
+              <a:t>次に授業評価アンケートを行います。今回はわかりやすく説明するために国語と数学の</a:t>
+            </a:r>
+            <a:r>
+              <a:rPr kumimoji="1" lang="en-US" altLang="ja-JP" dirty="0"/>
+              <a:t>2</a:t>
+            </a:r>
+            <a:r>
+              <a:rPr kumimoji="1" lang="ja-JP" altLang="en-US" dirty="0"/>
+              <a:t>教科を</a:t>
+            </a:r>
+            <a:r>
+              <a:rPr kumimoji="1" lang="en-US" altLang="ja-JP" dirty="0"/>
+              <a:t>“</a:t>
+            </a:r>
+            <a:r>
+              <a:rPr kumimoji="1" lang="ja-JP" altLang="en-US" dirty="0"/>
+              <a:t>楽しさ</a:t>
+            </a:r>
+            <a:r>
+              <a:rPr kumimoji="1" lang="en-US" altLang="ja-JP" dirty="0"/>
+              <a:t>”,“</a:t>
+            </a:r>
+            <a:r>
+              <a:rPr kumimoji="1" lang="ja-JP" altLang="en-US" dirty="0"/>
+              <a:t>分かりやすさ</a:t>
+            </a:r>
+            <a:r>
+              <a:rPr kumimoji="1" lang="en-US" altLang="ja-JP" dirty="0"/>
+              <a:t>”</a:t>
+            </a:r>
+            <a:r>
+              <a:rPr kumimoji="1" lang="ja-JP" altLang="en-US" dirty="0"/>
+              <a:t>という２つの基準で評価します。これらの情報はプログラムの中で</a:t>
+            </a:r>
+            <a:r>
+              <a:rPr kumimoji="1" lang="en-US" altLang="ja-JP" dirty="0"/>
+              <a:t>1</a:t>
+            </a:r>
+            <a:r>
+              <a:rPr kumimoji="1" lang="ja-JP" altLang="en-US" dirty="0"/>
+              <a:t>時配列として格納されており、簡単に変更可能です。学生はスライダーバーを動かして授業の</a:t>
+            </a:r>
+            <a:r>
+              <a:rPr kumimoji="1" lang="en-US" altLang="ja-JP" dirty="0"/>
+              <a:t>1</a:t>
+            </a:r>
+            <a:r>
+              <a:rPr kumimoji="1" lang="ja-JP" altLang="en-US" dirty="0"/>
+              <a:t>つ</a:t>
+            </a:r>
+            <a:r>
+              <a:rPr kumimoji="1" lang="en-US" altLang="ja-JP" dirty="0"/>
+              <a:t>1</a:t>
+            </a:r>
+            <a:r>
+              <a:rPr kumimoji="1" lang="ja-JP" altLang="en-US" dirty="0" err="1"/>
+              <a:t>つの</a:t>
+            </a:r>
+            <a:r>
+              <a:rPr kumimoji="1" lang="ja-JP" altLang="en-US" dirty="0"/>
+              <a:t>項目について評価していきます。評価方法には</a:t>
+            </a:r>
+            <a:r>
+              <a:rPr kumimoji="1" lang="en-US" altLang="ja-JP" dirty="0"/>
+              <a:t>5</a:t>
+            </a:r>
+            <a:r>
+              <a:rPr kumimoji="1" lang="ja-JP" altLang="en-US" dirty="0"/>
+              <a:t>段階評価を採用しており１～５の間で授業を評価します。そして、すべての評価が終了したらこのような待機画面に遷移します。</a:t>
+            </a:r>
           </a:p>
         </p:txBody>
       </p:sp>
@@ -1461,36 +1455,24 @@
           <a:lstStyle/>
           <a:p>
             <a:r>
-              <a:rPr kumimoji="1" lang="ja-JP" altLang="en-US" dirty="0" smtClean="0"/>
+              <a:rPr kumimoji="1" lang="ja-JP" altLang="en-US" dirty="0"/>
               <a:t>動画を見ていただいてわかるように</a:t>
             </a:r>
             <a:r>
-              <a:rPr lang="ja-JP" altLang="en-US" dirty="0" smtClean="0"/>
-              <a:t>本</a:t>
-            </a:r>
-            <a:r>
               <a:rPr lang="ja-JP" altLang="en-US" dirty="0"/>
-              <a:t>アプリケーション</a:t>
-            </a:r>
-            <a:r>
-              <a:rPr lang="ja-JP" altLang="en-US" dirty="0" smtClean="0"/>
-              <a:t>では、紙資源を使わないことによる経済性が向上しました。また、スキャン不要でデータが取り込めることによって教員の労力を削減しました。さらに、動きあるユーザインターフェースによってユーザ体験を向上させました。</a:t>
-            </a:r>
-            <a:endParaRPr lang="en-US" altLang="ja-JP" dirty="0" smtClean="0"/>
-          </a:p>
-          <a:p>
+              <a:t>本アプリケーションでは、紙資源を使わないことによる経済性が向上しました。また、スキャン不要でデータが取り込めることによって教員の労力を削減しました。さらに、動きあるユーザインターフェースによってユーザ体験を向上させました。</a:t>
+            </a:r>
             <a:endParaRPr lang="en-US" altLang="ja-JP" dirty="0"/>
           </a:p>
           <a:p>
+            <a:endParaRPr lang="en-US" altLang="ja-JP" dirty="0"/>
+          </a:p>
+          <a:p>
             <a:r>
               <a:rPr lang="ja-JP" altLang="en-US" dirty="0"/>
-              <a:t>動画を見ていただいてわかるよう</a:t>
-            </a:r>
-            <a:r>
-              <a:rPr lang="ja-JP" altLang="en-US" dirty="0" smtClean="0"/>
-              <a:t>に、本アプリケーションでは、経済的で教員と学生の両方にメリットのある授業評価アンケートを実現できました。</a:t>
-            </a:r>
-            <a:endParaRPr lang="en-US" altLang="ja-JP" dirty="0" smtClean="0"/>
+              <a:t>動画を見ていただいてわかるように、本アプリケーションでは、経済的で教員と学生の両方にメリットのある授業評価アンケートを実現できました。</a:t>
+            </a:r>
+            <a:endParaRPr lang="en-US" altLang="ja-JP" dirty="0"/>
           </a:p>
         </p:txBody>
       </p:sp>
@@ -1575,10 +1557,9 @@
           <a:lstStyle/>
           <a:p>
             <a:r>
-              <a:rPr kumimoji="1" lang="ja-JP" altLang="en-US" dirty="0" smtClean="0"/>
+              <a:rPr kumimoji="1" lang="ja-JP" altLang="en-US" dirty="0"/>
               <a:t>今後の展望として、鹿児島高専の授業のさらなる品質向上に貢献できるアプリケーションに成長させたいと考えています。</a:t>
             </a:r>
-            <a:endParaRPr kumimoji="1" lang="ja-JP" altLang="en-US" dirty="0"/>
           </a:p>
         </p:txBody>
       </p:sp>
@@ -1663,10 +1644,9 @@
           <a:lstStyle/>
           <a:p>
             <a:r>
-              <a:rPr kumimoji="1" lang="ja-JP" altLang="en-US" dirty="0" smtClean="0"/>
+              <a:rPr kumimoji="1" lang="ja-JP" altLang="en-US" dirty="0"/>
               <a:t>その具体的な方法として、アンケート結果の自動集計および自動配信機能を追加したいと考えています。</a:t>
             </a:r>
-            <a:endParaRPr kumimoji="1" lang="ja-JP" altLang="en-US" dirty="0"/>
           </a:p>
         </p:txBody>
       </p:sp>
@@ -1751,18 +1731,18 @@
           <a:lstStyle/>
           <a:p>
             <a:r>
-              <a:rPr kumimoji="1" lang="ja-JP" altLang="en-US" dirty="0" smtClean="0"/>
+              <a:rPr kumimoji="1" lang="ja-JP" altLang="en-US" dirty="0"/>
               <a:t>これらの新機能を実装することで、授業終了後に学生がすぐに今回の授業を評価することができ、より正確な意見が収集できます。</a:t>
             </a:r>
           </a:p>
           <a:p>
             <a:r>
-              <a:rPr kumimoji="1" lang="ja-JP" altLang="en-US" dirty="0" smtClean="0"/>
+              <a:rPr kumimoji="1" lang="ja-JP" altLang="en-US" dirty="0"/>
               <a:t>また、教員も授業の内容を覚えているうちに学生からのフィードバックを得られるので今までよりもさらに授業の品質が向上します。</a:t>
             </a:r>
           </a:p>
           <a:p>
-            <a:endParaRPr kumimoji="1" lang="ja-JP" altLang="en-US" dirty="0" smtClean="0"/>
+            <a:endParaRPr kumimoji="1" lang="ja-JP" altLang="en-US" dirty="0"/>
           </a:p>
           <a:p>
             <a:endParaRPr kumimoji="1" lang="ja-JP" altLang="en-US" dirty="0"/>
@@ -1847,7 +1827,7 @@
           </a:lstStyle>
           <a:p>
             <a:r>
-              <a:rPr lang="ja-JP" altLang="en-US" smtClean="0"/>
+              <a:rPr lang="ja-JP" altLang="en-US"/>
               <a:t>マスター タイトルの書式設定</a:t>
             </a:r>
             <a:endParaRPr lang="en-US" dirty="0"/>
@@ -1912,7 +1892,7 @@
           </a:lstStyle>
           <a:p>
             <a:r>
-              <a:rPr lang="ja-JP" altLang="en-US" smtClean="0"/>
+              <a:rPr lang="ja-JP" altLang="en-US"/>
               <a:t>マスター サブタイトルの書式設定</a:t>
             </a:r>
             <a:endParaRPr lang="en-US" dirty="0"/>
@@ -2030,7 +2010,7 @@
           <a:lstStyle/>
           <a:p>
             <a:r>
-              <a:rPr lang="ja-JP" altLang="en-US" smtClean="0"/>
+              <a:rPr lang="ja-JP" altLang="en-US"/>
               <a:t>マスター タイトルの書式設定</a:t>
             </a:r>
             <a:endParaRPr lang="en-US" dirty="0"/>
@@ -2054,67 +2034,67 @@
           <a:p>
             <a:pPr lvl="0"/>
             <a:r>
-              <a:rPr lang="ja-JP" altLang="en-US" smtClean="0"/>
+              <a:rPr lang="ja-JP" altLang="en-US"/>
               <a:t>マスター テキストの書式設定</a:t>
             </a:r>
           </a:p>
           <a:p>
             <a:pPr lvl="1"/>
             <a:r>
-              <a:rPr lang="ja-JP" altLang="en-US" smtClean="0"/>
+              <a:rPr lang="ja-JP" altLang="en-US"/>
               <a:t>第 </a:t>
             </a:r>
             <a:r>
-              <a:rPr lang="en-US" altLang="ja-JP" smtClean="0"/>
+              <a:rPr lang="en-US" altLang="ja-JP"/>
               <a:t>2 </a:t>
             </a:r>
             <a:r>
-              <a:rPr lang="ja-JP" altLang="en-US" smtClean="0"/>
+              <a:rPr lang="ja-JP" altLang="en-US"/>
               <a:t>レベル</a:t>
             </a:r>
           </a:p>
           <a:p>
             <a:pPr lvl="2"/>
             <a:r>
-              <a:rPr lang="ja-JP" altLang="en-US" smtClean="0"/>
+              <a:rPr lang="ja-JP" altLang="en-US"/>
               <a:t>第 </a:t>
             </a:r>
             <a:r>
-              <a:rPr lang="en-US" altLang="ja-JP" smtClean="0"/>
+              <a:rPr lang="en-US" altLang="ja-JP"/>
               <a:t>3 </a:t>
             </a:r>
             <a:r>
-              <a:rPr lang="ja-JP" altLang="en-US" smtClean="0"/>
+              <a:rPr lang="ja-JP" altLang="en-US"/>
               <a:t>レベル</a:t>
             </a:r>
           </a:p>
           <a:p>
             <a:pPr lvl="3"/>
             <a:r>
-              <a:rPr lang="ja-JP" altLang="en-US" smtClean="0"/>
+              <a:rPr lang="ja-JP" altLang="en-US"/>
               <a:t>第 </a:t>
             </a:r>
             <a:r>
-              <a:rPr lang="en-US" altLang="ja-JP" smtClean="0"/>
+              <a:rPr lang="en-US" altLang="ja-JP"/>
               <a:t>4 </a:t>
             </a:r>
             <a:r>
-              <a:rPr lang="ja-JP" altLang="en-US" smtClean="0"/>
+              <a:rPr lang="ja-JP" altLang="en-US"/>
               <a:t>レベル</a:t>
             </a:r>
           </a:p>
           <a:p>
             <a:pPr lvl="4"/>
             <a:r>
-              <a:rPr lang="ja-JP" altLang="en-US" smtClean="0"/>
+              <a:rPr lang="ja-JP" altLang="en-US"/>
               <a:t>第 </a:t>
             </a:r>
             <a:r>
-              <a:rPr lang="en-US" altLang="ja-JP" smtClean="0"/>
+              <a:rPr lang="en-US" altLang="ja-JP"/>
               <a:t>5 </a:t>
             </a:r>
             <a:r>
-              <a:rPr lang="ja-JP" altLang="en-US" smtClean="0"/>
+              <a:rPr lang="ja-JP" altLang="en-US"/>
               <a:t>レベル</a:t>
             </a:r>
             <a:endParaRPr lang="en-US" dirty="0"/>
@@ -2237,7 +2217,7 @@
           <a:lstStyle/>
           <a:p>
             <a:r>
-              <a:rPr lang="ja-JP" altLang="en-US" smtClean="0"/>
+              <a:rPr lang="ja-JP" altLang="en-US"/>
               <a:t>マスター タイトルの書式設定</a:t>
             </a:r>
             <a:endParaRPr lang="en-US" dirty="0"/>
@@ -2266,67 +2246,67 @@
           <a:p>
             <a:pPr lvl="0"/>
             <a:r>
-              <a:rPr lang="ja-JP" altLang="en-US" smtClean="0"/>
+              <a:rPr lang="ja-JP" altLang="en-US"/>
               <a:t>マスター テキストの書式設定</a:t>
             </a:r>
           </a:p>
           <a:p>
             <a:pPr lvl="1"/>
             <a:r>
-              <a:rPr lang="ja-JP" altLang="en-US" smtClean="0"/>
+              <a:rPr lang="ja-JP" altLang="en-US"/>
               <a:t>第 </a:t>
             </a:r>
             <a:r>
-              <a:rPr lang="en-US" altLang="ja-JP" smtClean="0"/>
+              <a:rPr lang="en-US" altLang="ja-JP"/>
               <a:t>2 </a:t>
             </a:r>
             <a:r>
-              <a:rPr lang="ja-JP" altLang="en-US" smtClean="0"/>
+              <a:rPr lang="ja-JP" altLang="en-US"/>
               <a:t>レベル</a:t>
             </a:r>
           </a:p>
           <a:p>
             <a:pPr lvl="2"/>
             <a:r>
-              <a:rPr lang="ja-JP" altLang="en-US" smtClean="0"/>
+              <a:rPr lang="ja-JP" altLang="en-US"/>
               <a:t>第 </a:t>
             </a:r>
             <a:r>
-              <a:rPr lang="en-US" altLang="ja-JP" smtClean="0"/>
+              <a:rPr lang="en-US" altLang="ja-JP"/>
               <a:t>3 </a:t>
             </a:r>
             <a:r>
-              <a:rPr lang="ja-JP" altLang="en-US" smtClean="0"/>
+              <a:rPr lang="ja-JP" altLang="en-US"/>
               <a:t>レベル</a:t>
             </a:r>
           </a:p>
           <a:p>
             <a:pPr lvl="3"/>
             <a:r>
-              <a:rPr lang="ja-JP" altLang="en-US" smtClean="0"/>
+              <a:rPr lang="ja-JP" altLang="en-US"/>
               <a:t>第 </a:t>
             </a:r>
             <a:r>
-              <a:rPr lang="en-US" altLang="ja-JP" smtClean="0"/>
+              <a:rPr lang="en-US" altLang="ja-JP"/>
               <a:t>4 </a:t>
             </a:r>
             <a:r>
-              <a:rPr lang="ja-JP" altLang="en-US" smtClean="0"/>
+              <a:rPr lang="ja-JP" altLang="en-US"/>
               <a:t>レベル</a:t>
             </a:r>
           </a:p>
           <a:p>
             <a:pPr lvl="4"/>
             <a:r>
-              <a:rPr lang="ja-JP" altLang="en-US" smtClean="0"/>
+              <a:rPr lang="ja-JP" altLang="en-US"/>
               <a:t>第 </a:t>
             </a:r>
             <a:r>
-              <a:rPr lang="en-US" altLang="ja-JP" smtClean="0"/>
+              <a:rPr lang="en-US" altLang="ja-JP"/>
               <a:t>5 </a:t>
             </a:r>
             <a:r>
-              <a:rPr lang="ja-JP" altLang="en-US" smtClean="0"/>
+              <a:rPr lang="ja-JP" altLang="en-US"/>
               <a:t>レベル</a:t>
             </a:r>
             <a:endParaRPr lang="en-US" dirty="0"/>
@@ -2458,7 +2438,7 @@
           </a:lstStyle>
           <a:p>
             <a:r>
-              <a:rPr lang="ja-JP" altLang="en-US" dirty="0" smtClean="0"/>
+              <a:rPr lang="ja-JP" altLang="en-US" dirty="0"/>
               <a:t>マスター タイトルの書式設定</a:t>
             </a:r>
             <a:endParaRPr lang="en-US" dirty="0"/>
@@ -2537,67 +2517,67 @@
           <a:p>
             <a:pPr lvl="0"/>
             <a:r>
-              <a:rPr lang="ja-JP" altLang="en-US" dirty="0" smtClean="0"/>
+              <a:rPr lang="ja-JP" altLang="en-US" dirty="0"/>
               <a:t>マスター テキストの書式設定</a:t>
             </a:r>
           </a:p>
           <a:p>
             <a:pPr lvl="1"/>
             <a:r>
-              <a:rPr lang="ja-JP" altLang="en-US" dirty="0" smtClean="0"/>
+              <a:rPr lang="ja-JP" altLang="en-US" dirty="0"/>
               <a:t>第 </a:t>
             </a:r>
             <a:r>
-              <a:rPr lang="en-US" altLang="ja-JP" dirty="0" smtClean="0"/>
+              <a:rPr lang="en-US" altLang="ja-JP" dirty="0"/>
               <a:t>2 </a:t>
             </a:r>
             <a:r>
-              <a:rPr lang="ja-JP" altLang="en-US" dirty="0" smtClean="0"/>
+              <a:rPr lang="ja-JP" altLang="en-US" dirty="0"/>
               <a:t>レベル</a:t>
             </a:r>
           </a:p>
           <a:p>
             <a:pPr lvl="2"/>
             <a:r>
-              <a:rPr lang="ja-JP" altLang="en-US" dirty="0" smtClean="0"/>
+              <a:rPr lang="ja-JP" altLang="en-US" dirty="0"/>
               <a:t>第 </a:t>
             </a:r>
             <a:r>
-              <a:rPr lang="en-US" altLang="ja-JP" dirty="0" smtClean="0"/>
+              <a:rPr lang="en-US" altLang="ja-JP" dirty="0"/>
               <a:t>3 </a:t>
             </a:r>
             <a:r>
-              <a:rPr lang="ja-JP" altLang="en-US" dirty="0" smtClean="0"/>
+              <a:rPr lang="ja-JP" altLang="en-US" dirty="0"/>
               <a:t>レベル</a:t>
             </a:r>
           </a:p>
           <a:p>
             <a:pPr lvl="3"/>
             <a:r>
-              <a:rPr lang="ja-JP" altLang="en-US" dirty="0" smtClean="0"/>
+              <a:rPr lang="ja-JP" altLang="en-US" dirty="0"/>
               <a:t>第 </a:t>
             </a:r>
             <a:r>
-              <a:rPr lang="en-US" altLang="ja-JP" dirty="0" smtClean="0"/>
+              <a:rPr lang="en-US" altLang="ja-JP" dirty="0"/>
               <a:t>4 </a:t>
             </a:r>
             <a:r>
-              <a:rPr lang="ja-JP" altLang="en-US" dirty="0" smtClean="0"/>
+              <a:rPr lang="ja-JP" altLang="en-US" dirty="0"/>
               <a:t>レベル</a:t>
             </a:r>
           </a:p>
           <a:p>
             <a:pPr lvl="4"/>
             <a:r>
-              <a:rPr lang="ja-JP" altLang="en-US" dirty="0" smtClean="0"/>
+              <a:rPr lang="ja-JP" altLang="en-US" dirty="0"/>
               <a:t>第 </a:t>
             </a:r>
             <a:r>
-              <a:rPr lang="en-US" altLang="ja-JP" dirty="0" smtClean="0"/>
+              <a:rPr lang="en-US" altLang="ja-JP" dirty="0"/>
               <a:t>5 </a:t>
             </a:r>
             <a:r>
-              <a:rPr lang="ja-JP" altLang="en-US" dirty="0" smtClean="0"/>
+              <a:rPr lang="ja-JP" altLang="en-US" dirty="0"/>
               <a:t>レベル</a:t>
             </a:r>
             <a:endParaRPr lang="en-US" dirty="0"/>
@@ -2679,13 +2659,6 @@
   <p:clrMapOvr>
     <a:masterClrMapping/>
   </p:clrMapOvr>
-  <p:timing>
-    <p:tnLst>
-      <p:par>
-        <p:cTn id="1" dur="indefinite" restart="never" nodeType="tmRoot"/>
-      </p:par>
-    </p:tnLst>
-  </p:timing>
 </p:sldLayout>
 </file>
 
@@ -2731,7 +2704,7 @@
           </a:lstStyle>
           <a:p>
             <a:r>
-              <a:rPr lang="ja-JP" altLang="en-US" smtClean="0"/>
+              <a:rPr lang="ja-JP" altLang="en-US"/>
               <a:t>マスター タイトルの書式設定</a:t>
             </a:r>
             <a:endParaRPr lang="en-US" dirty="0"/>
@@ -2849,7 +2822,7 @@
           <a:p>
             <a:pPr lvl="0"/>
             <a:r>
-              <a:rPr lang="ja-JP" altLang="en-US" smtClean="0"/>
+              <a:rPr lang="ja-JP" altLang="en-US"/>
               <a:t>マスター テキストの書式設定</a:t>
             </a:r>
           </a:p>
@@ -2966,7 +2939,7 @@
           <a:lstStyle/>
           <a:p>
             <a:r>
-              <a:rPr lang="ja-JP" altLang="en-US" smtClean="0"/>
+              <a:rPr lang="ja-JP" altLang="en-US"/>
               <a:t>マスター タイトルの書式設定</a:t>
             </a:r>
             <a:endParaRPr lang="en-US" dirty="0"/>
@@ -2995,67 +2968,67 @@
           <a:p>
             <a:pPr lvl="0"/>
             <a:r>
-              <a:rPr lang="ja-JP" altLang="en-US" smtClean="0"/>
+              <a:rPr lang="ja-JP" altLang="en-US"/>
               <a:t>マスター テキストの書式設定</a:t>
             </a:r>
           </a:p>
           <a:p>
             <a:pPr lvl="1"/>
             <a:r>
-              <a:rPr lang="ja-JP" altLang="en-US" smtClean="0"/>
+              <a:rPr lang="ja-JP" altLang="en-US"/>
               <a:t>第 </a:t>
             </a:r>
             <a:r>
-              <a:rPr lang="en-US" altLang="ja-JP" smtClean="0"/>
+              <a:rPr lang="en-US" altLang="ja-JP"/>
               <a:t>2 </a:t>
             </a:r>
             <a:r>
-              <a:rPr lang="ja-JP" altLang="en-US" smtClean="0"/>
+              <a:rPr lang="ja-JP" altLang="en-US"/>
               <a:t>レベル</a:t>
             </a:r>
           </a:p>
           <a:p>
             <a:pPr lvl="2"/>
             <a:r>
-              <a:rPr lang="ja-JP" altLang="en-US" smtClean="0"/>
+              <a:rPr lang="ja-JP" altLang="en-US"/>
               <a:t>第 </a:t>
             </a:r>
             <a:r>
-              <a:rPr lang="en-US" altLang="ja-JP" smtClean="0"/>
+              <a:rPr lang="en-US" altLang="ja-JP"/>
               <a:t>3 </a:t>
             </a:r>
             <a:r>
-              <a:rPr lang="ja-JP" altLang="en-US" smtClean="0"/>
+              <a:rPr lang="ja-JP" altLang="en-US"/>
               <a:t>レベル</a:t>
             </a:r>
           </a:p>
           <a:p>
             <a:pPr lvl="3"/>
             <a:r>
-              <a:rPr lang="ja-JP" altLang="en-US" smtClean="0"/>
+              <a:rPr lang="ja-JP" altLang="en-US"/>
               <a:t>第 </a:t>
             </a:r>
             <a:r>
-              <a:rPr lang="en-US" altLang="ja-JP" smtClean="0"/>
+              <a:rPr lang="en-US" altLang="ja-JP"/>
               <a:t>4 </a:t>
             </a:r>
             <a:r>
-              <a:rPr lang="ja-JP" altLang="en-US" smtClean="0"/>
+              <a:rPr lang="ja-JP" altLang="en-US"/>
               <a:t>レベル</a:t>
             </a:r>
           </a:p>
           <a:p>
             <a:pPr lvl="4"/>
             <a:r>
-              <a:rPr lang="ja-JP" altLang="en-US" smtClean="0"/>
+              <a:rPr lang="ja-JP" altLang="en-US"/>
               <a:t>第 </a:t>
             </a:r>
             <a:r>
-              <a:rPr lang="en-US" altLang="ja-JP" smtClean="0"/>
+              <a:rPr lang="en-US" altLang="ja-JP"/>
               <a:t>5 </a:t>
             </a:r>
             <a:r>
-              <a:rPr lang="ja-JP" altLang="en-US" smtClean="0"/>
+              <a:rPr lang="ja-JP" altLang="en-US"/>
               <a:t>レベル</a:t>
             </a:r>
             <a:endParaRPr lang="en-US" dirty="0"/>
@@ -3084,67 +3057,67 @@
           <a:p>
             <a:pPr lvl="0"/>
             <a:r>
-              <a:rPr lang="ja-JP" altLang="en-US" smtClean="0"/>
+              <a:rPr lang="ja-JP" altLang="en-US"/>
               <a:t>マスター テキストの書式設定</a:t>
             </a:r>
           </a:p>
           <a:p>
             <a:pPr lvl="1"/>
             <a:r>
-              <a:rPr lang="ja-JP" altLang="en-US" smtClean="0"/>
+              <a:rPr lang="ja-JP" altLang="en-US"/>
               <a:t>第 </a:t>
             </a:r>
             <a:r>
-              <a:rPr lang="en-US" altLang="ja-JP" smtClean="0"/>
+              <a:rPr lang="en-US" altLang="ja-JP"/>
               <a:t>2 </a:t>
             </a:r>
             <a:r>
-              <a:rPr lang="ja-JP" altLang="en-US" smtClean="0"/>
+              <a:rPr lang="ja-JP" altLang="en-US"/>
               <a:t>レベル</a:t>
             </a:r>
           </a:p>
           <a:p>
             <a:pPr lvl="2"/>
             <a:r>
-              <a:rPr lang="ja-JP" altLang="en-US" smtClean="0"/>
+              <a:rPr lang="ja-JP" altLang="en-US"/>
               <a:t>第 </a:t>
             </a:r>
             <a:r>
-              <a:rPr lang="en-US" altLang="ja-JP" smtClean="0"/>
+              <a:rPr lang="en-US" altLang="ja-JP"/>
               <a:t>3 </a:t>
             </a:r>
             <a:r>
-              <a:rPr lang="ja-JP" altLang="en-US" smtClean="0"/>
+              <a:rPr lang="ja-JP" altLang="en-US"/>
               <a:t>レベル</a:t>
             </a:r>
           </a:p>
           <a:p>
             <a:pPr lvl="3"/>
             <a:r>
-              <a:rPr lang="ja-JP" altLang="en-US" smtClean="0"/>
+              <a:rPr lang="ja-JP" altLang="en-US"/>
               <a:t>第 </a:t>
             </a:r>
             <a:r>
-              <a:rPr lang="en-US" altLang="ja-JP" smtClean="0"/>
+              <a:rPr lang="en-US" altLang="ja-JP"/>
               <a:t>4 </a:t>
             </a:r>
             <a:r>
-              <a:rPr lang="ja-JP" altLang="en-US" smtClean="0"/>
+              <a:rPr lang="ja-JP" altLang="en-US"/>
               <a:t>レベル</a:t>
             </a:r>
           </a:p>
           <a:p>
             <a:pPr lvl="4"/>
             <a:r>
-              <a:rPr lang="ja-JP" altLang="en-US" smtClean="0"/>
+              <a:rPr lang="ja-JP" altLang="en-US"/>
               <a:t>第 </a:t>
             </a:r>
             <a:r>
-              <a:rPr lang="en-US" altLang="ja-JP" smtClean="0"/>
+              <a:rPr lang="en-US" altLang="ja-JP"/>
               <a:t>5 </a:t>
             </a:r>
             <a:r>
-              <a:rPr lang="ja-JP" altLang="en-US" smtClean="0"/>
+              <a:rPr lang="ja-JP" altLang="en-US"/>
               <a:t>レベル</a:t>
             </a:r>
             <a:endParaRPr lang="en-US" dirty="0"/>
@@ -3226,13 +3199,6 @@
   <p:clrMapOvr>
     <a:masterClrMapping/>
   </p:clrMapOvr>
-  <p:timing>
-    <p:tnLst>
-      <p:par>
-        <p:cTn id="1" dur="indefinite" restart="never" nodeType="tmRoot"/>
-      </p:par>
-    </p:tnLst>
-  </p:timing>
 </p:sldLayout>
 </file>
 
@@ -3274,7 +3240,7 @@
           <a:lstStyle/>
           <a:p>
             <a:r>
-              <a:rPr lang="ja-JP" altLang="en-US" smtClean="0"/>
+              <a:rPr lang="ja-JP" altLang="en-US"/>
               <a:t>マスター タイトルの書式設定</a:t>
             </a:r>
             <a:endParaRPr lang="en-US" dirty="0"/>
@@ -3340,7 +3306,7 @@
           <a:p>
             <a:pPr lvl="0"/>
             <a:r>
-              <a:rPr lang="ja-JP" altLang="en-US" smtClean="0"/>
+              <a:rPr lang="ja-JP" altLang="en-US"/>
               <a:t>マスター テキストの書式設定</a:t>
             </a:r>
           </a:p>
@@ -3368,67 +3334,67 @@
           <a:p>
             <a:pPr lvl="0"/>
             <a:r>
-              <a:rPr lang="ja-JP" altLang="en-US" smtClean="0"/>
+              <a:rPr lang="ja-JP" altLang="en-US"/>
               <a:t>マスター テキストの書式設定</a:t>
             </a:r>
           </a:p>
           <a:p>
             <a:pPr lvl="1"/>
             <a:r>
-              <a:rPr lang="ja-JP" altLang="en-US" smtClean="0"/>
+              <a:rPr lang="ja-JP" altLang="en-US"/>
               <a:t>第 </a:t>
             </a:r>
             <a:r>
-              <a:rPr lang="en-US" altLang="ja-JP" smtClean="0"/>
+              <a:rPr lang="en-US" altLang="ja-JP"/>
               <a:t>2 </a:t>
             </a:r>
             <a:r>
-              <a:rPr lang="ja-JP" altLang="en-US" smtClean="0"/>
+              <a:rPr lang="ja-JP" altLang="en-US"/>
               <a:t>レベル</a:t>
             </a:r>
           </a:p>
           <a:p>
             <a:pPr lvl="2"/>
             <a:r>
-              <a:rPr lang="ja-JP" altLang="en-US" smtClean="0"/>
+              <a:rPr lang="ja-JP" altLang="en-US"/>
               <a:t>第 </a:t>
             </a:r>
             <a:r>
-              <a:rPr lang="en-US" altLang="ja-JP" smtClean="0"/>
+              <a:rPr lang="en-US" altLang="ja-JP"/>
               <a:t>3 </a:t>
             </a:r>
             <a:r>
-              <a:rPr lang="ja-JP" altLang="en-US" smtClean="0"/>
+              <a:rPr lang="ja-JP" altLang="en-US"/>
               <a:t>レベル</a:t>
             </a:r>
           </a:p>
           <a:p>
             <a:pPr lvl="3"/>
             <a:r>
-              <a:rPr lang="ja-JP" altLang="en-US" smtClean="0"/>
+              <a:rPr lang="ja-JP" altLang="en-US"/>
               <a:t>第 </a:t>
             </a:r>
             <a:r>
-              <a:rPr lang="en-US" altLang="ja-JP" smtClean="0"/>
+              <a:rPr lang="en-US" altLang="ja-JP"/>
               <a:t>4 </a:t>
             </a:r>
             <a:r>
-              <a:rPr lang="ja-JP" altLang="en-US" smtClean="0"/>
+              <a:rPr lang="ja-JP" altLang="en-US"/>
               <a:t>レベル</a:t>
             </a:r>
           </a:p>
           <a:p>
             <a:pPr lvl="4"/>
             <a:r>
-              <a:rPr lang="ja-JP" altLang="en-US" smtClean="0"/>
+              <a:rPr lang="ja-JP" altLang="en-US"/>
               <a:t>第 </a:t>
             </a:r>
             <a:r>
-              <a:rPr lang="en-US" altLang="ja-JP" smtClean="0"/>
+              <a:rPr lang="en-US" altLang="ja-JP"/>
               <a:t>5 </a:t>
             </a:r>
             <a:r>
-              <a:rPr lang="ja-JP" altLang="en-US" smtClean="0"/>
+              <a:rPr lang="ja-JP" altLang="en-US"/>
               <a:t>レベル</a:t>
             </a:r>
             <a:endParaRPr lang="en-US" dirty="0"/>
@@ -3494,7 +3460,7 @@
           <a:p>
             <a:pPr lvl="0"/>
             <a:r>
-              <a:rPr lang="ja-JP" altLang="en-US" smtClean="0"/>
+              <a:rPr lang="ja-JP" altLang="en-US"/>
               <a:t>マスター テキストの書式設定</a:t>
             </a:r>
           </a:p>
@@ -3522,67 +3488,67 @@
           <a:p>
             <a:pPr lvl="0"/>
             <a:r>
-              <a:rPr lang="ja-JP" altLang="en-US" smtClean="0"/>
+              <a:rPr lang="ja-JP" altLang="en-US"/>
               <a:t>マスター テキストの書式設定</a:t>
             </a:r>
           </a:p>
           <a:p>
             <a:pPr lvl="1"/>
             <a:r>
-              <a:rPr lang="ja-JP" altLang="en-US" smtClean="0"/>
+              <a:rPr lang="ja-JP" altLang="en-US"/>
               <a:t>第 </a:t>
             </a:r>
             <a:r>
-              <a:rPr lang="en-US" altLang="ja-JP" smtClean="0"/>
+              <a:rPr lang="en-US" altLang="ja-JP"/>
               <a:t>2 </a:t>
             </a:r>
             <a:r>
-              <a:rPr lang="ja-JP" altLang="en-US" smtClean="0"/>
+              <a:rPr lang="ja-JP" altLang="en-US"/>
               <a:t>レベル</a:t>
             </a:r>
           </a:p>
           <a:p>
             <a:pPr lvl="2"/>
             <a:r>
-              <a:rPr lang="ja-JP" altLang="en-US" smtClean="0"/>
+              <a:rPr lang="ja-JP" altLang="en-US"/>
               <a:t>第 </a:t>
             </a:r>
             <a:r>
-              <a:rPr lang="en-US" altLang="ja-JP" smtClean="0"/>
+              <a:rPr lang="en-US" altLang="ja-JP"/>
               <a:t>3 </a:t>
             </a:r>
             <a:r>
-              <a:rPr lang="ja-JP" altLang="en-US" smtClean="0"/>
+              <a:rPr lang="ja-JP" altLang="en-US"/>
               <a:t>レベル</a:t>
             </a:r>
           </a:p>
           <a:p>
             <a:pPr lvl="3"/>
             <a:r>
-              <a:rPr lang="ja-JP" altLang="en-US" smtClean="0"/>
+              <a:rPr lang="ja-JP" altLang="en-US"/>
               <a:t>第 </a:t>
             </a:r>
             <a:r>
-              <a:rPr lang="en-US" altLang="ja-JP" smtClean="0"/>
+              <a:rPr lang="en-US" altLang="ja-JP"/>
               <a:t>4 </a:t>
             </a:r>
             <a:r>
-              <a:rPr lang="ja-JP" altLang="en-US" smtClean="0"/>
+              <a:rPr lang="ja-JP" altLang="en-US"/>
               <a:t>レベル</a:t>
             </a:r>
           </a:p>
           <a:p>
             <a:pPr lvl="4"/>
             <a:r>
-              <a:rPr lang="ja-JP" altLang="en-US" smtClean="0"/>
+              <a:rPr lang="ja-JP" altLang="en-US"/>
               <a:t>第 </a:t>
             </a:r>
             <a:r>
-              <a:rPr lang="en-US" altLang="ja-JP" smtClean="0"/>
+              <a:rPr lang="en-US" altLang="ja-JP"/>
               <a:t>5 </a:t>
             </a:r>
             <a:r>
-              <a:rPr lang="ja-JP" altLang="en-US" smtClean="0"/>
+              <a:rPr lang="ja-JP" altLang="en-US"/>
               <a:t>レベル</a:t>
             </a:r>
             <a:endParaRPr lang="en-US" dirty="0"/>
@@ -3664,13 +3630,6 @@
   <p:clrMapOvr>
     <a:masterClrMapping/>
   </p:clrMapOvr>
-  <p:timing>
-    <p:tnLst>
-      <p:par>
-        <p:cTn id="1" dur="indefinite" restart="never" nodeType="tmRoot"/>
-      </p:par>
-    </p:tnLst>
-  </p:timing>
 </p:sldLayout>
 </file>
 
@@ -3707,7 +3666,7 @@
           <a:lstStyle/>
           <a:p>
             <a:r>
-              <a:rPr lang="ja-JP" altLang="en-US" smtClean="0"/>
+              <a:rPr lang="ja-JP" altLang="en-US"/>
               <a:t>マスター タイトルの書式設定</a:t>
             </a:r>
             <a:endParaRPr lang="en-US" dirty="0"/>
@@ -3789,13 +3748,6 @@
   <p:clrMapOvr>
     <a:masterClrMapping/>
   </p:clrMapOvr>
-  <p:timing>
-    <p:tnLst>
-      <p:par>
-        <p:cTn id="1" dur="indefinite" restart="never" nodeType="tmRoot"/>
-      </p:par>
-    </p:tnLst>
-  </p:timing>
 </p:sldLayout>
 </file>
 
@@ -3936,7 +3888,7 @@
           </a:lstStyle>
           <a:p>
             <a:r>
-              <a:rPr lang="ja-JP" altLang="en-US" smtClean="0"/>
+              <a:rPr lang="ja-JP" altLang="en-US"/>
               <a:t>マスター タイトルの書式設定</a:t>
             </a:r>
             <a:endParaRPr lang="en-US" dirty="0"/>
@@ -3993,67 +3945,67 @@
           <a:p>
             <a:pPr lvl="0"/>
             <a:r>
-              <a:rPr lang="ja-JP" altLang="en-US" smtClean="0"/>
+              <a:rPr lang="ja-JP" altLang="en-US"/>
               <a:t>マスター テキストの書式設定</a:t>
             </a:r>
           </a:p>
           <a:p>
             <a:pPr lvl="1"/>
             <a:r>
-              <a:rPr lang="ja-JP" altLang="en-US" smtClean="0"/>
+              <a:rPr lang="ja-JP" altLang="en-US"/>
               <a:t>第 </a:t>
             </a:r>
             <a:r>
-              <a:rPr lang="en-US" altLang="ja-JP" smtClean="0"/>
+              <a:rPr lang="en-US" altLang="ja-JP"/>
               <a:t>2 </a:t>
             </a:r>
             <a:r>
-              <a:rPr lang="ja-JP" altLang="en-US" smtClean="0"/>
+              <a:rPr lang="ja-JP" altLang="en-US"/>
               <a:t>レベル</a:t>
             </a:r>
           </a:p>
           <a:p>
             <a:pPr lvl="2"/>
             <a:r>
-              <a:rPr lang="ja-JP" altLang="en-US" smtClean="0"/>
+              <a:rPr lang="ja-JP" altLang="en-US"/>
               <a:t>第 </a:t>
             </a:r>
             <a:r>
-              <a:rPr lang="en-US" altLang="ja-JP" smtClean="0"/>
+              <a:rPr lang="en-US" altLang="ja-JP"/>
               <a:t>3 </a:t>
             </a:r>
             <a:r>
-              <a:rPr lang="ja-JP" altLang="en-US" smtClean="0"/>
+              <a:rPr lang="ja-JP" altLang="en-US"/>
               <a:t>レベル</a:t>
             </a:r>
           </a:p>
           <a:p>
             <a:pPr lvl="3"/>
             <a:r>
-              <a:rPr lang="ja-JP" altLang="en-US" smtClean="0"/>
+              <a:rPr lang="ja-JP" altLang="en-US"/>
               <a:t>第 </a:t>
             </a:r>
             <a:r>
-              <a:rPr lang="en-US" altLang="ja-JP" smtClean="0"/>
+              <a:rPr lang="en-US" altLang="ja-JP"/>
               <a:t>4 </a:t>
             </a:r>
             <a:r>
-              <a:rPr lang="ja-JP" altLang="en-US" smtClean="0"/>
+              <a:rPr lang="ja-JP" altLang="en-US"/>
               <a:t>レベル</a:t>
             </a:r>
           </a:p>
           <a:p>
             <a:pPr lvl="4"/>
             <a:r>
-              <a:rPr lang="ja-JP" altLang="en-US" smtClean="0"/>
+              <a:rPr lang="ja-JP" altLang="en-US"/>
               <a:t>第 </a:t>
             </a:r>
             <a:r>
-              <a:rPr lang="en-US" altLang="ja-JP" smtClean="0"/>
+              <a:rPr lang="en-US" altLang="ja-JP"/>
               <a:t>5 </a:t>
             </a:r>
             <a:r>
-              <a:rPr lang="ja-JP" altLang="en-US" smtClean="0"/>
+              <a:rPr lang="ja-JP" altLang="en-US"/>
               <a:t>レベル</a:t>
             </a:r>
             <a:endParaRPr lang="en-US" dirty="0"/>
@@ -4119,7 +4071,7 @@
           <a:p>
             <a:pPr lvl="0"/>
             <a:r>
-              <a:rPr lang="ja-JP" altLang="en-US" smtClean="0"/>
+              <a:rPr lang="ja-JP" altLang="en-US"/>
               <a:t>マスター テキストの書式設定</a:t>
             </a:r>
           </a:p>
@@ -4245,7 +4197,7 @@
           </a:lstStyle>
           <a:p>
             <a:r>
-              <a:rPr lang="ja-JP" altLang="en-US" smtClean="0"/>
+              <a:rPr lang="ja-JP" altLang="en-US"/>
               <a:t>マスター タイトルの書式設定</a:t>
             </a:r>
             <a:endParaRPr lang="en-US" dirty="0"/>
@@ -4310,7 +4262,7 @@
           </a:lstStyle>
           <a:p>
             <a:r>
-              <a:rPr lang="ja-JP" altLang="en-US" smtClean="0"/>
+              <a:rPr lang="ja-JP" altLang="en-US"/>
               <a:t>図を追加</a:t>
             </a:r>
             <a:endParaRPr lang="en-US" dirty="0"/>
@@ -4376,7 +4328,7 @@
           <a:p>
             <a:pPr lvl="0"/>
             <a:r>
-              <a:rPr lang="ja-JP" altLang="en-US" smtClean="0"/>
+              <a:rPr lang="ja-JP" altLang="en-US"/>
               <a:t>マスター テキストの書式設定</a:t>
             </a:r>
           </a:p>
@@ -4508,7 +4460,7 @@
           <a:lstStyle/>
           <a:p>
             <a:r>
-              <a:rPr lang="ja-JP" altLang="en-US" smtClean="0"/>
+              <a:rPr lang="ja-JP" altLang="en-US"/>
               <a:t>マスター タイトルの書式設定</a:t>
             </a:r>
             <a:endParaRPr lang="en-US" dirty="0"/>
@@ -4542,67 +4494,67 @@
           <a:p>
             <a:pPr lvl="0"/>
             <a:r>
-              <a:rPr lang="ja-JP" altLang="en-US" smtClean="0"/>
+              <a:rPr lang="ja-JP" altLang="en-US"/>
               <a:t>マスター テキストの書式設定</a:t>
             </a:r>
           </a:p>
           <a:p>
             <a:pPr lvl="1"/>
             <a:r>
-              <a:rPr lang="ja-JP" altLang="en-US" smtClean="0"/>
+              <a:rPr lang="ja-JP" altLang="en-US"/>
               <a:t>第 </a:t>
             </a:r>
             <a:r>
-              <a:rPr lang="en-US" altLang="ja-JP" smtClean="0"/>
+              <a:rPr lang="en-US" altLang="ja-JP"/>
               <a:t>2 </a:t>
             </a:r>
             <a:r>
-              <a:rPr lang="ja-JP" altLang="en-US" smtClean="0"/>
+              <a:rPr lang="ja-JP" altLang="en-US"/>
               <a:t>レベル</a:t>
             </a:r>
           </a:p>
           <a:p>
             <a:pPr lvl="2"/>
             <a:r>
-              <a:rPr lang="ja-JP" altLang="en-US" smtClean="0"/>
+              <a:rPr lang="ja-JP" altLang="en-US"/>
               <a:t>第 </a:t>
             </a:r>
             <a:r>
-              <a:rPr lang="en-US" altLang="ja-JP" smtClean="0"/>
+              <a:rPr lang="en-US" altLang="ja-JP"/>
               <a:t>3 </a:t>
             </a:r>
             <a:r>
-              <a:rPr lang="ja-JP" altLang="en-US" smtClean="0"/>
+              <a:rPr lang="ja-JP" altLang="en-US"/>
               <a:t>レベル</a:t>
             </a:r>
           </a:p>
           <a:p>
             <a:pPr lvl="3"/>
             <a:r>
-              <a:rPr lang="ja-JP" altLang="en-US" smtClean="0"/>
+              <a:rPr lang="ja-JP" altLang="en-US"/>
               <a:t>第 </a:t>
             </a:r>
             <a:r>
-              <a:rPr lang="en-US" altLang="ja-JP" smtClean="0"/>
+              <a:rPr lang="en-US" altLang="ja-JP"/>
               <a:t>4 </a:t>
             </a:r>
             <a:r>
-              <a:rPr lang="ja-JP" altLang="en-US" smtClean="0"/>
+              <a:rPr lang="ja-JP" altLang="en-US"/>
               <a:t>レベル</a:t>
             </a:r>
           </a:p>
           <a:p>
             <a:pPr lvl="4"/>
             <a:r>
-              <a:rPr lang="ja-JP" altLang="en-US" smtClean="0"/>
+              <a:rPr lang="ja-JP" altLang="en-US"/>
               <a:t>第 </a:t>
             </a:r>
             <a:r>
-              <a:rPr lang="en-US" altLang="ja-JP" smtClean="0"/>
+              <a:rPr lang="en-US" altLang="ja-JP"/>
               <a:t>5 </a:t>
             </a:r>
             <a:r>
-              <a:rPr lang="ja-JP" altLang="en-US" smtClean="0"/>
+              <a:rPr lang="ja-JP" altLang="en-US"/>
               <a:t>レベル</a:t>
             </a:r>
             <a:endParaRPr lang="en-US" dirty="0"/>
@@ -5079,26 +5031,14 @@
             </a:r>
             <a:r>
               <a:rPr lang="ja-JP" altLang="ja-JP" dirty="0"/>
-              <a:t>プログラミングを</a:t>
-            </a:r>
-            <a:r>
-              <a:rPr lang="ja-JP" altLang="ja-JP" dirty="0" smtClean="0"/>
-              <a:t>用いた</a:t>
-            </a:r>
-            <a:r>
-              <a:rPr lang="en-US" altLang="ja-JP" dirty="0" smtClean="0"/>
-              <a:t/>
+              <a:t>プログラミングを用いた</a:t>
             </a:r>
             <a:br>
-              <a:rPr lang="en-US" altLang="ja-JP" dirty="0" smtClean="0"/>
+              <a:rPr lang="en-US" altLang="ja-JP" dirty="0"/>
             </a:br>
             <a:r>
-              <a:rPr lang="ja-JP" altLang="ja-JP" dirty="0" smtClean="0"/>
-              <a:t>アプリケーション</a:t>
-            </a:r>
-            <a:r>
               <a:rPr lang="ja-JP" altLang="ja-JP" dirty="0"/>
-              <a:t>の開発</a:t>
+              <a:t>アプリケーションの開発</a:t>
             </a:r>
             <a:br>
               <a:rPr lang="ja-JP" altLang="ja-JP" dirty="0"/>
@@ -5128,18 +5068,17 @@
           <a:lstStyle/>
           <a:p>
             <a:r>
-              <a:rPr kumimoji="1" lang="ja-JP" altLang="en-US" dirty="0" smtClean="0"/>
+              <a:rPr kumimoji="1" lang="ja-JP" altLang="en-US" dirty="0"/>
               <a:t>電子制御工学科</a:t>
             </a:r>
             <a:r>
-              <a:rPr kumimoji="1" lang="en-US" altLang="ja-JP" dirty="0" smtClean="0"/>
+              <a:rPr kumimoji="1" lang="en-US" altLang="ja-JP" dirty="0"/>
               <a:t>5</a:t>
             </a:r>
             <a:r>
-              <a:rPr kumimoji="1" lang="ja-JP" altLang="en-US" dirty="0" smtClean="0"/>
+              <a:rPr kumimoji="1" lang="ja-JP" altLang="en-US" dirty="0"/>
               <a:t>年　溝大貴</a:t>
             </a:r>
-            <a:endParaRPr kumimoji="1" lang="ja-JP" altLang="en-US" dirty="0"/>
           </a:p>
         </p:txBody>
       </p:sp>
@@ -5153,13 +5092,6 @@
   <p:clrMapOvr>
     <a:masterClrMapping/>
   </p:clrMapOvr>
-  <p:timing>
-    <p:tnLst>
-      <p:par>
-        <p:cTn id="1" dur="indefinite" restart="never" nodeType="tmRoot"/>
-      </p:par>
-    </p:tnLst>
-  </p:timing>
 </p:sld>
 </file>
 
@@ -5196,10 +5128,9 @@
           <a:lstStyle/>
           <a:p>
             <a:r>
-              <a:rPr kumimoji="1" lang="ja-JP" altLang="en-US" dirty="0" smtClean="0"/>
+              <a:rPr kumimoji="1" lang="ja-JP" altLang="en-US" dirty="0"/>
               <a:t>まとめ</a:t>
             </a:r>
-            <a:endParaRPr kumimoji="1" lang="ja-JP" altLang="en-US" dirty="0"/>
           </a:p>
         </p:txBody>
       </p:sp>
@@ -5219,40 +5150,32 @@
           <a:lstStyle/>
           <a:p>
             <a:r>
-              <a:rPr kumimoji="1" lang="en-US" altLang="ja-JP" dirty="0" smtClean="0"/>
+              <a:rPr kumimoji="1" lang="en-US" altLang="ja-JP" dirty="0"/>
               <a:t>Web</a:t>
             </a:r>
             <a:r>
-              <a:rPr lang="ja-JP" altLang="en-US" dirty="0" smtClean="0"/>
+              <a:rPr lang="ja-JP" altLang="en-US" dirty="0"/>
               <a:t>プログラミングで授業評価アンケートを作成した</a:t>
             </a:r>
-            <a:endParaRPr lang="en-US" altLang="ja-JP" dirty="0" smtClean="0"/>
+            <a:endParaRPr lang="en-US" altLang="ja-JP" dirty="0"/>
           </a:p>
           <a:p>
             <a:endParaRPr kumimoji="1" lang="en-US" altLang="ja-JP" dirty="0"/>
           </a:p>
           <a:p>
             <a:r>
-              <a:rPr lang="ja-JP" altLang="en-US" dirty="0" smtClean="0"/>
+              <a:rPr lang="ja-JP" altLang="en-US" dirty="0"/>
               <a:t>経済性の改善、教員の労力削減、ユーザ体験の向上が実現した</a:t>
             </a:r>
-            <a:endParaRPr lang="en-US" altLang="ja-JP" dirty="0" smtClean="0"/>
+            <a:endParaRPr lang="en-US" altLang="ja-JP" dirty="0"/>
           </a:p>
           <a:p>
             <a:endParaRPr kumimoji="1" lang="en-US" altLang="ja-JP" dirty="0"/>
           </a:p>
           <a:p>
             <a:r>
-              <a:rPr lang="ja-JP" altLang="en-US" dirty="0" smtClean="0"/>
-              <a:t>新機能を</a:t>
-            </a:r>
-            <a:r>
               <a:rPr lang="ja-JP" altLang="en-US" dirty="0"/>
-              <a:t>実装</a:t>
-            </a:r>
-            <a:r>
-              <a:rPr lang="ja-JP" altLang="en-US" dirty="0" smtClean="0"/>
-              <a:t>することで高専の授業のさらなる品質向上に貢献できる。</a:t>
+              <a:t>新機能を実装することで高専の授業のさらなる品質向上に貢献できる。</a:t>
             </a:r>
             <a:endParaRPr kumimoji="1" lang="ja-JP" altLang="en-US" dirty="0"/>
           </a:p>
@@ -5336,13 +5259,6 @@
   <p:clrMapOvr>
     <a:masterClrMapping/>
   </p:clrMapOvr>
-  <p:timing>
-    <p:tnLst>
-      <p:par>
-        <p:cTn id="1" dur="indefinite" restart="never" nodeType="tmRoot"/>
-      </p:par>
-    </p:tnLst>
-  </p:timing>
 </p:sld>
 </file>
 
@@ -5402,7 +5318,7 @@
             <a:pPr marL="457200" lvl="1" indent="0">
               <a:buNone/>
             </a:pPr>
-            <a:endParaRPr lang="en-US" altLang="ja-JP" sz="3600" dirty="0" smtClean="0"/>
+            <a:endParaRPr lang="en-US" altLang="ja-JP" sz="3600" dirty="0"/>
           </a:p>
         </p:txBody>
       </p:sp>
@@ -5416,13 +5332,6 @@
   <p:clrMapOvr>
     <a:masterClrMapping/>
   </p:clrMapOvr>
-  <p:timing>
-    <p:tnLst>
-      <p:par>
-        <p:cTn id="1" dur="indefinite" restart="never" nodeType="tmRoot"/>
-      </p:par>
-    </p:tnLst>
-  </p:timing>
 </p:sld>
 </file>
 
@@ -5491,13 +5400,6 @@
   <p:clrMapOvr>
     <a:masterClrMapping/>
   </p:clrMapOvr>
-  <p:timing>
-    <p:tnLst>
-      <p:par>
-        <p:cTn id="1" dur="indefinite" restart="never" nodeType="tmRoot"/>
-      </p:par>
-    </p:tnLst>
-  </p:timing>
 </p:sld>
 </file>
 
@@ -5534,14 +5436,13 @@
           <a:lstStyle/>
           <a:p>
             <a:r>
-              <a:rPr kumimoji="1" lang="en-US" altLang="ja-JP" dirty="0" smtClean="0"/>
+              <a:rPr kumimoji="1" lang="en-US" altLang="ja-JP" dirty="0"/>
               <a:t>WEB</a:t>
             </a:r>
             <a:r>
-              <a:rPr kumimoji="1" lang="ja-JP" altLang="en-US" dirty="0" smtClean="0"/>
+              <a:rPr kumimoji="1" lang="ja-JP" altLang="en-US" dirty="0"/>
               <a:t>プログラミングの現状</a:t>
             </a:r>
-            <a:endParaRPr kumimoji="1" lang="ja-JP" altLang="en-US" dirty="0"/>
           </a:p>
         </p:txBody>
       </p:sp>
@@ -5563,48 +5464,44 @@
           <a:lstStyle/>
           <a:p>
             <a:r>
-              <a:rPr kumimoji="1" lang="ja-JP" altLang="en-US" dirty="0" smtClean="0"/>
+              <a:rPr kumimoji="1" lang="ja-JP" altLang="en-US" dirty="0"/>
               <a:t>無料の学習環境</a:t>
             </a:r>
-            <a:endParaRPr lang="en-US" altLang="ja-JP" dirty="0" smtClean="0"/>
+            <a:endParaRPr lang="en-US" altLang="ja-JP" dirty="0"/>
           </a:p>
           <a:p>
             <a:pPr lvl="1"/>
             <a:r>
               <a:rPr lang="ja-JP" altLang="en-US" dirty="0"/>
-              <a:t>ドット</a:t>
-            </a:r>
-            <a:r>
-              <a:rPr lang="ja-JP" altLang="en-US" dirty="0" smtClean="0"/>
-              <a:t>インストール</a:t>
-            </a:r>
-            <a:endParaRPr lang="en-US" altLang="ja-JP" dirty="0" smtClean="0"/>
+              <a:t>ドットインストール</a:t>
+            </a:r>
+            <a:endParaRPr lang="en-US" altLang="ja-JP" dirty="0"/>
           </a:p>
           <a:p>
             <a:pPr lvl="1"/>
             <a:r>
-              <a:rPr lang="en-US" altLang="ja-JP" dirty="0" err="1" smtClean="0"/>
+              <a:rPr lang="en-US" altLang="ja-JP" dirty="0" err="1"/>
               <a:t>Qiita</a:t>
             </a:r>
-            <a:endParaRPr lang="en-US" altLang="ja-JP" dirty="0" smtClean="0"/>
-          </a:p>
-          <a:p>
             <a:endParaRPr lang="en-US" altLang="ja-JP" dirty="0"/>
           </a:p>
           <a:p>
-            <a:r>
-              <a:rPr lang="ja-JP" altLang="en-US" dirty="0" smtClean="0"/>
+            <a:endParaRPr lang="en-US" altLang="ja-JP" dirty="0"/>
+          </a:p>
+          <a:p>
+            <a:r>
+              <a:rPr lang="ja-JP" altLang="en-US" dirty="0"/>
               <a:t>外部ライブラリの充実</a:t>
             </a:r>
-            <a:endParaRPr lang="en-US" altLang="ja-JP" dirty="0" smtClean="0"/>
+            <a:endParaRPr lang="en-US" altLang="ja-JP" dirty="0"/>
           </a:p>
           <a:p>
             <a:pPr lvl="1"/>
             <a:r>
-              <a:rPr lang="ja-JP" altLang="en-US" dirty="0" smtClean="0"/>
+              <a:rPr lang="ja-JP" altLang="en-US" dirty="0"/>
               <a:t>各種フレームワークなど</a:t>
             </a:r>
-            <a:endParaRPr lang="en-US" altLang="ja-JP" dirty="0" smtClean="0"/>
+            <a:endParaRPr lang="en-US" altLang="ja-JP" dirty="0"/>
           </a:p>
           <a:p>
             <a:endParaRPr lang="en-US" altLang="ja-JP" dirty="0"/>
@@ -5650,14 +5547,14 @@
           <a:lstStyle/>
           <a:p>
             <a:r>
-              <a:rPr lang="en-US" altLang="ja-JP" sz="3600" dirty="0" smtClean="0"/>
+              <a:rPr lang="en-US" altLang="ja-JP" sz="3600" dirty="0"/>
               <a:t>WEB</a:t>
             </a:r>
             <a:r>
-              <a:rPr lang="ja-JP" altLang="en-US" sz="3600" dirty="0" smtClean="0"/>
+              <a:rPr lang="ja-JP" altLang="en-US" sz="3600" dirty="0"/>
               <a:t>プログラミングの敷居が下がっている</a:t>
             </a:r>
-            <a:endParaRPr lang="en-US" altLang="ja-JP" sz="3600" dirty="0" smtClean="0"/>
+            <a:endParaRPr lang="en-US" altLang="ja-JP" sz="3600" dirty="0"/>
           </a:p>
         </p:txBody>
       </p:sp>
@@ -5671,13 +5568,6 @@
   <p:clrMapOvr>
     <a:masterClrMapping/>
   </p:clrMapOvr>
-  <p:timing>
-    <p:tnLst>
-      <p:par>
-        <p:cTn id="1" dur="indefinite" restart="never" nodeType="tmRoot"/>
-      </p:par>
-    </p:tnLst>
-  </p:timing>
 </p:sld>
 </file>
 
@@ -5714,15 +5604,15 @@
           <a:lstStyle/>
           <a:p>
             <a:r>
-              <a:rPr lang="ja-JP" altLang="en-US" dirty="0" smtClean="0"/>
+              <a:rPr lang="ja-JP" altLang="en-US" dirty="0"/>
               <a:t>シングルページ</a:t>
             </a:r>
             <a:r>
-              <a:rPr lang="en-US" altLang="ja-JP" dirty="0" smtClean="0"/>
+              <a:rPr lang="en-US" altLang="ja-JP" dirty="0"/>
               <a:t>WEB</a:t>
             </a:r>
             <a:r>
-              <a:rPr lang="ja-JP" altLang="en-US" dirty="0" smtClean="0"/>
+              <a:rPr lang="ja-JP" altLang="en-US" dirty="0"/>
               <a:t>アプリケーション</a:t>
             </a:r>
             <a:endParaRPr kumimoji="1" lang="ja-JP" altLang="en-US" dirty="0"/>
@@ -5747,91 +5637,83 @@
           <a:lstStyle/>
           <a:p>
             <a:r>
-              <a:rPr lang="ja-JP" altLang="en-US" dirty="0" smtClean="0"/>
+              <a:rPr lang="ja-JP" altLang="en-US" dirty="0"/>
               <a:t>概要</a:t>
             </a:r>
-            <a:endParaRPr lang="en-US" altLang="ja-JP" dirty="0" smtClean="0"/>
+            <a:endParaRPr lang="en-US" altLang="ja-JP" dirty="0"/>
           </a:p>
           <a:p>
             <a:pPr lvl="1"/>
             <a:r>
-              <a:rPr lang="ja-JP" altLang="en-US" dirty="0" smtClean="0"/>
+              <a:rPr lang="ja-JP" altLang="en-US" dirty="0"/>
               <a:t>近年注目を集めている</a:t>
             </a:r>
             <a:r>
-              <a:rPr lang="en-US" altLang="ja-JP" dirty="0" smtClean="0"/>
+              <a:rPr lang="en-US" altLang="ja-JP" dirty="0"/>
               <a:t>WEB</a:t>
             </a:r>
             <a:r>
-              <a:rPr lang="ja-JP" altLang="en-US" dirty="0" smtClean="0"/>
+              <a:rPr lang="ja-JP" altLang="en-US" dirty="0"/>
               <a:t>アプリの仕様</a:t>
             </a:r>
-            <a:endParaRPr lang="en-US" altLang="ja-JP" dirty="0" smtClean="0"/>
-          </a:p>
-          <a:p>
             <a:endParaRPr lang="en-US" altLang="ja-JP" dirty="0"/>
           </a:p>
           <a:p>
-            <a:r>
-              <a:rPr lang="ja-JP" altLang="en-US" dirty="0" smtClean="0"/>
+            <a:endParaRPr lang="en-US" altLang="ja-JP" dirty="0"/>
+          </a:p>
+          <a:p>
+            <a:r>
+              <a:rPr lang="ja-JP" altLang="en-US" dirty="0"/>
               <a:t>特徴</a:t>
             </a:r>
-            <a:endParaRPr kumimoji="1" lang="en-US" altLang="ja-JP" dirty="0" smtClean="0"/>
+            <a:endParaRPr kumimoji="1" lang="en-US" altLang="ja-JP" dirty="0"/>
           </a:p>
           <a:p>
             <a:pPr lvl="1"/>
             <a:r>
               <a:rPr lang="ja-JP" altLang="en-US" dirty="0"/>
-              <a:t>デプロイ</a:t>
-            </a:r>
-            <a:r>
-              <a:rPr lang="ja-JP" altLang="en-US" dirty="0" smtClean="0"/>
-              <a:t>が簡単</a:t>
-            </a:r>
-            <a:endParaRPr lang="en-US" altLang="ja-JP" dirty="0" smtClean="0"/>
+              <a:t>デプロイが簡単</a:t>
+            </a:r>
+            <a:endParaRPr lang="en-US" altLang="ja-JP" dirty="0"/>
           </a:p>
           <a:p>
             <a:pPr lvl="1"/>
             <a:r>
-              <a:rPr kumimoji="1" lang="ja-JP" altLang="en-US" dirty="0" smtClean="0"/>
+              <a:rPr kumimoji="1" lang="ja-JP" altLang="en-US" dirty="0"/>
               <a:t>クロスプラットフォームである</a:t>
             </a:r>
-            <a:endParaRPr kumimoji="1" lang="en-US" altLang="ja-JP" dirty="0" smtClean="0"/>
+            <a:endParaRPr kumimoji="1" lang="en-US" altLang="ja-JP" dirty="0"/>
           </a:p>
           <a:p>
             <a:pPr lvl="1"/>
-            <a:endParaRPr kumimoji="1" lang="en-US" altLang="ja-JP" dirty="0" smtClean="0"/>
-          </a:p>
-          <a:p>
-            <a:r>
-              <a:rPr kumimoji="1" lang="ja-JP" altLang="en-US" dirty="0" smtClean="0"/>
+            <a:endParaRPr kumimoji="1" lang="en-US" altLang="ja-JP" dirty="0"/>
+          </a:p>
+          <a:p>
+            <a:r>
+              <a:rPr kumimoji="1" lang="ja-JP" altLang="en-US" dirty="0"/>
               <a:t>例</a:t>
             </a:r>
-            <a:endParaRPr kumimoji="1" lang="en-US" altLang="ja-JP" dirty="0" smtClean="0"/>
+            <a:endParaRPr kumimoji="1" lang="en-US" altLang="ja-JP" dirty="0"/>
           </a:p>
           <a:p>
             <a:pPr lvl="1"/>
             <a:r>
-              <a:rPr lang="en-US" altLang="ja-JP" dirty="0" smtClean="0"/>
+              <a:rPr lang="en-US" altLang="ja-JP" dirty="0"/>
               <a:t>Twitter</a:t>
             </a:r>
             <a:r>
-              <a:rPr lang="ja-JP" altLang="en-US" dirty="0" smtClean="0"/>
+              <a:rPr lang="ja-JP" altLang="en-US" dirty="0"/>
               <a:t>や</a:t>
             </a:r>
             <a:r>
-              <a:rPr lang="en-US" altLang="ja-JP" dirty="0" smtClean="0"/>
+              <a:rPr lang="en-US" altLang="ja-JP" dirty="0"/>
               <a:t>Instagram</a:t>
             </a:r>
             <a:r>
-              <a:rPr lang="ja-JP" altLang="en-US" dirty="0" smtClean="0"/>
-              <a:t>な</a:t>
-            </a:r>
-            <a:r>
               <a:rPr lang="ja-JP" altLang="en-US" dirty="0"/>
-              <a:t>ど</a:t>
-            </a:r>
-            <a:endParaRPr kumimoji="1" lang="en-US" altLang="ja-JP" dirty="0" smtClean="0"/>
+              <a:t>など</a:t>
+            </a:r>
+            <a:endParaRPr kumimoji="1" lang="en-US" altLang="ja-JP" dirty="0"/>
           </a:p>
           <a:p>
             <a:endParaRPr kumimoji="1" lang="ja-JP" altLang="en-US" dirty="0"/>
@@ -5848,13 +5730,6 @@
   <p:clrMapOvr>
     <a:masterClrMapping/>
   </p:clrMapOvr>
-  <p:timing>
-    <p:tnLst>
-      <p:par>
-        <p:cTn id="1" dur="indefinite" restart="never" nodeType="tmRoot"/>
-      </p:par>
-    </p:tnLst>
-  </p:timing>
 </p:sld>
 </file>
 
@@ -5891,10 +5766,9 @@
           <a:lstStyle/>
           <a:p>
             <a:r>
-              <a:rPr kumimoji="1" lang="ja-JP" altLang="en-US" dirty="0" smtClean="0"/>
+              <a:rPr kumimoji="1" lang="ja-JP" altLang="en-US" dirty="0"/>
               <a:t>本研究の目的</a:t>
             </a:r>
-            <a:endParaRPr kumimoji="1" lang="ja-JP" altLang="en-US" dirty="0"/>
           </a:p>
         </p:txBody>
       </p:sp>
@@ -5914,76 +5788,56 @@
           <a:lstStyle/>
           <a:p>
             <a:r>
-              <a:rPr kumimoji="1" lang="ja-JP" altLang="en-US" dirty="0" smtClean="0"/>
+              <a:rPr kumimoji="1" lang="ja-JP" altLang="en-US" dirty="0"/>
               <a:t>授業評価アンケートを</a:t>
             </a:r>
             <a:r>
-              <a:rPr kumimoji="1" lang="en-US" altLang="ja-JP" dirty="0" smtClean="0"/>
+              <a:rPr kumimoji="1" lang="en-US" altLang="ja-JP" dirty="0"/>
               <a:t>WEB</a:t>
             </a:r>
             <a:r>
-              <a:rPr kumimoji="1" lang="ja-JP" altLang="en-US" dirty="0" smtClean="0"/>
+              <a:rPr kumimoji="1" lang="ja-JP" altLang="en-US" dirty="0"/>
               <a:t>上で行う</a:t>
             </a:r>
-            <a:endParaRPr kumimoji="1" lang="en-US" altLang="ja-JP" dirty="0" smtClean="0"/>
-          </a:p>
-          <a:p>
-            <a:endParaRPr kumimoji="1" lang="en-US" altLang="ja-JP" dirty="0" smtClean="0"/>
-          </a:p>
-          <a:p>
-            <a:r>
-              <a:rPr lang="ja-JP" altLang="en-US" dirty="0" smtClean="0"/>
+            <a:endParaRPr kumimoji="1" lang="en-US" altLang="ja-JP" dirty="0"/>
+          </a:p>
+          <a:p>
+            <a:endParaRPr kumimoji="1" lang="en-US" altLang="ja-JP" dirty="0"/>
+          </a:p>
+          <a:p>
+            <a:r>
+              <a:rPr lang="ja-JP" altLang="en-US" dirty="0"/>
               <a:t>長所</a:t>
             </a:r>
-            <a:endParaRPr lang="en-US" altLang="ja-JP" dirty="0" smtClean="0"/>
+            <a:endParaRPr lang="en-US" altLang="ja-JP" dirty="0"/>
           </a:p>
           <a:p>
             <a:pPr lvl="1"/>
             <a:r>
-              <a:rPr lang="ja-JP" altLang="en-US" dirty="0" smtClean="0"/>
-              <a:t>紙</a:t>
-            </a:r>
-            <a:r>
               <a:rPr lang="ja-JP" altLang="en-US" dirty="0"/>
-              <a:t>資源</a:t>
-            </a:r>
-            <a:r>
-              <a:rPr lang="ja-JP" altLang="en-US" dirty="0" smtClean="0"/>
-              <a:t>を消費しない</a:t>
-            </a:r>
-            <a:endParaRPr lang="en-US" altLang="ja-JP" dirty="0" smtClean="0"/>
+              <a:t>紙資源を消費しない</a:t>
+            </a:r>
+            <a:endParaRPr lang="en-US" altLang="ja-JP" dirty="0"/>
           </a:p>
           <a:p>
             <a:pPr lvl="1"/>
             <a:r>
-              <a:rPr lang="ja-JP" altLang="en-US" dirty="0" smtClean="0"/>
-              <a:t>回答</a:t>
-            </a:r>
-            <a:r>
               <a:rPr lang="ja-JP" altLang="en-US" dirty="0"/>
-              <a:t>用紙</a:t>
-            </a:r>
-            <a:r>
-              <a:rPr lang="ja-JP" altLang="en-US" dirty="0" smtClean="0"/>
-              <a:t>をスキャンする手間が省ける</a:t>
-            </a:r>
-            <a:endParaRPr lang="en-US" altLang="ja-JP" dirty="0" smtClean="0"/>
+              <a:t>回答用紙をスキャンする手間が省ける</a:t>
+            </a:r>
+            <a:endParaRPr lang="en-US" altLang="ja-JP" dirty="0"/>
           </a:p>
           <a:p>
             <a:pPr lvl="1"/>
             <a:r>
               <a:rPr lang="ja-JP" altLang="ja-JP" dirty="0"/>
-              <a:t>ユーザ体験の</a:t>
-            </a:r>
-            <a:r>
-              <a:rPr lang="ja-JP" altLang="ja-JP" dirty="0" smtClean="0"/>
-              <a:t>向上</a:t>
-            </a:r>
-            <a:r>
-              <a:rPr lang="ja-JP" altLang="en-US" dirty="0" smtClean="0"/>
+              <a:t>ユーザ体験の向上</a:t>
+            </a:r>
+            <a:r>
+              <a:rPr lang="ja-JP" altLang="en-US" dirty="0"/>
               <a:t>が期待できる</a:t>
             </a:r>
-            <a:endParaRPr lang="en-US" altLang="ja-JP" dirty="0" smtClean="0"/>
+            <a:endParaRPr lang="en-US" altLang="ja-JP" dirty="0"/>
           </a:p>
         </p:txBody>
       </p:sp>
@@ -5997,13 +5851,6 @@
   <p:clrMapOvr>
     <a:masterClrMapping/>
   </p:clrMapOvr>
-  <p:timing>
-    <p:tnLst>
-      <p:par>
-        <p:cTn id="1" dur="indefinite" restart="never" nodeType="tmRoot"/>
-      </p:par>
-    </p:tnLst>
-  </p:timing>
 </p:sld>
 </file>
 
@@ -6118,10 +5965,9 @@
           <a:p>
             <a:pPr algn="ctr"/>
             <a:r>
-              <a:rPr kumimoji="1" lang="ja-JP" altLang="en-US" dirty="0" smtClean="0"/>
+              <a:rPr kumimoji="1" lang="ja-JP" altLang="en-US" dirty="0"/>
               <a:t>マークシート方式</a:t>
             </a:r>
-            <a:endParaRPr kumimoji="1" lang="ja-JP" altLang="en-US" dirty="0"/>
           </a:p>
         </p:txBody>
       </p:sp>
@@ -6162,11 +6008,11 @@
           <a:p>
             <a:pPr algn="ctr"/>
             <a:r>
-              <a:rPr lang="en-US" altLang="ja-JP" sz="4000" dirty="0" smtClean="0"/>
+              <a:rPr lang="en-US" altLang="ja-JP" sz="4000" dirty="0"/>
               <a:t>Web</a:t>
             </a:r>
             <a:r>
-              <a:rPr lang="ja-JP" altLang="en-US" sz="4000" dirty="0" smtClean="0"/>
+              <a:rPr lang="ja-JP" altLang="en-US" sz="4000" dirty="0"/>
               <a:t>上でアンケート</a:t>
             </a:r>
             <a:endParaRPr kumimoji="1" lang="ja-JP" altLang="en-US" sz="4000" dirty="0"/>
@@ -6223,13 +6069,6 @@
   <p:clrMapOvr>
     <a:masterClrMapping/>
   </p:clrMapOvr>
-  <p:timing>
-    <p:tnLst>
-      <p:par>
-        <p:cTn id="1" dur="indefinite" restart="never" nodeType="tmRoot"/>
-      </p:par>
-    </p:tnLst>
-  </p:timing>
 </p:sld>
 </file>
 
@@ -6266,10 +6105,9 @@
           <a:lstStyle/>
           <a:p>
             <a:r>
-              <a:rPr kumimoji="1" lang="ja-JP" altLang="en-US" dirty="0" smtClean="0"/>
+              <a:rPr kumimoji="1" lang="ja-JP" altLang="en-US" dirty="0"/>
               <a:t>研究背景</a:t>
             </a:r>
-            <a:endParaRPr kumimoji="1" lang="ja-JP" altLang="en-US" dirty="0"/>
           </a:p>
         </p:txBody>
       </p:sp>
@@ -6289,7 +6127,7 @@
           <a:lstStyle/>
           <a:p>
             <a:r>
-              <a:rPr kumimoji="1" lang="ja-JP" altLang="en-US" dirty="0" smtClean="0"/>
+              <a:rPr kumimoji="1" lang="ja-JP" altLang="en-US" dirty="0"/>
               <a:t>マークシート方式の欠点</a:t>
             </a:r>
             <a:endParaRPr lang="en-US" altLang="ja-JP" dirty="0"/>
@@ -6310,7 +6148,7 @@
           </a:p>
           <a:p>
             <a:pPr lvl="1"/>
-            <a:endParaRPr kumimoji="1" lang="en-US" altLang="ja-JP" dirty="0" smtClean="0"/>
+            <a:endParaRPr kumimoji="1" lang="en-US" altLang="ja-JP" dirty="0"/>
           </a:p>
           <a:p>
             <a:endParaRPr lang="en-US" altLang="ja-JP" dirty="0"/>
@@ -6357,10 +6195,9 @@
           <a:p>
             <a:pPr algn="ctr"/>
             <a:r>
-              <a:rPr kumimoji="1" lang="ja-JP" altLang="en-US" dirty="0" smtClean="0"/>
+              <a:rPr kumimoji="1" lang="ja-JP" altLang="en-US" dirty="0"/>
               <a:t>ＷＥＢ上で行うことでこれらの欠点を克服できる</a:t>
             </a:r>
-            <a:endParaRPr kumimoji="1" lang="ja-JP" altLang="en-US" dirty="0"/>
           </a:p>
         </p:txBody>
       </p:sp>
@@ -6374,13 +6211,6 @@
   <p:clrMapOvr>
     <a:masterClrMapping/>
   </p:clrMapOvr>
-  <p:timing>
-    <p:tnLst>
-      <p:par>
-        <p:cTn id="1" dur="indefinite" restart="never" nodeType="tmRoot"/>
-      </p:par>
-    </p:tnLst>
-  </p:timing>
 </p:sld>
 </file>
 
@@ -6417,11 +6247,11 @@
           <a:lstStyle/>
           <a:p>
             <a:r>
-              <a:rPr lang="en-US" altLang="ja-JP" dirty="0" smtClean="0"/>
+              <a:rPr lang="en-US" altLang="ja-JP" dirty="0"/>
               <a:t>Web</a:t>
             </a:r>
             <a:r>
-              <a:rPr lang="ja-JP" altLang="en-US" dirty="0" smtClean="0"/>
+              <a:rPr lang="ja-JP" altLang="en-US" dirty="0"/>
               <a:t>上で実施する利点</a:t>
             </a:r>
             <a:endParaRPr kumimoji="1" lang="ja-JP" altLang="en-US" dirty="0"/>
@@ -6444,24 +6274,16 @@
           <a:lstStyle/>
           <a:p>
             <a:r>
-              <a:rPr kumimoji="1" lang="ja-JP" altLang="en-US" dirty="0" smtClean="0"/>
+              <a:rPr kumimoji="1" lang="ja-JP" altLang="en-US" dirty="0"/>
               <a:t>経済性</a:t>
             </a:r>
-            <a:endParaRPr kumimoji="1" lang="en-US" altLang="ja-JP" dirty="0" smtClean="0"/>
+            <a:endParaRPr kumimoji="1" lang="en-US" altLang="ja-JP" dirty="0"/>
           </a:p>
           <a:p>
             <a:pPr lvl="1"/>
             <a:r>
-              <a:rPr lang="ja-JP" altLang="en-US" dirty="0" smtClean="0"/>
-              <a:t>紙</a:t>
-            </a:r>
-            <a:r>
               <a:rPr lang="ja-JP" altLang="en-US" dirty="0"/>
-              <a:t>資源</a:t>
-            </a:r>
-            <a:r>
-              <a:rPr lang="ja-JP" altLang="en-US" dirty="0" smtClean="0"/>
-              <a:t>を使わない</a:t>
+              <a:t>紙資源を使わない</a:t>
             </a:r>
             <a:endParaRPr lang="en-US" altLang="ja-JP" dirty="0"/>
           </a:p>
@@ -6469,57 +6291,52 @@
             <a:pPr marL="457200" lvl="1" indent="0">
               <a:buNone/>
             </a:pPr>
-            <a:endParaRPr kumimoji="1" lang="en-US" altLang="ja-JP" dirty="0" smtClean="0"/>
-          </a:p>
-          <a:p>
-            <a:r>
-              <a:rPr lang="ja-JP" altLang="en-US" dirty="0" smtClean="0"/>
+            <a:endParaRPr kumimoji="1" lang="en-US" altLang="ja-JP" dirty="0"/>
+          </a:p>
+          <a:p>
+            <a:r>
+              <a:rPr lang="ja-JP" altLang="en-US" dirty="0"/>
               <a:t>教員の労力削減</a:t>
             </a:r>
-            <a:endParaRPr lang="en-US" altLang="ja-JP" dirty="0" smtClean="0"/>
+            <a:endParaRPr lang="en-US" altLang="ja-JP" dirty="0"/>
           </a:p>
           <a:p>
             <a:pPr lvl="1"/>
             <a:r>
-              <a:rPr lang="ja-JP" altLang="en-US" dirty="0" smtClean="0"/>
+              <a:rPr lang="ja-JP" altLang="en-US" dirty="0"/>
               <a:t>回答用紙をスキャンする必要がない</a:t>
             </a:r>
-            <a:endParaRPr lang="en-US" altLang="ja-JP" dirty="0" smtClean="0"/>
+            <a:endParaRPr lang="en-US" altLang="ja-JP" dirty="0"/>
           </a:p>
           <a:p>
             <a:pPr lvl="1"/>
             <a:r>
-              <a:rPr lang="ja-JP" altLang="en-US" dirty="0" smtClean="0"/>
+              <a:rPr lang="ja-JP" altLang="en-US" dirty="0"/>
               <a:t>回答データの自動集計</a:t>
             </a:r>
-            <a:endParaRPr lang="en-US" altLang="ja-JP" dirty="0" smtClean="0"/>
+            <a:endParaRPr lang="en-US" altLang="ja-JP" dirty="0"/>
           </a:p>
           <a:p>
             <a:pPr lvl="1"/>
-            <a:endParaRPr lang="en-US" altLang="ja-JP" dirty="0" smtClean="0"/>
-          </a:p>
-          <a:p>
-            <a:r>
-              <a:rPr kumimoji="1" lang="ja-JP" altLang="en-US" dirty="0" smtClean="0"/>
+            <a:endParaRPr lang="en-US" altLang="ja-JP" dirty="0"/>
+          </a:p>
+          <a:p>
+            <a:r>
+              <a:rPr kumimoji="1" lang="ja-JP" altLang="en-US" dirty="0"/>
               <a:t>ユーザ</a:t>
             </a:r>
             <a:r>
               <a:rPr lang="ja-JP" altLang="en-US" dirty="0"/>
-              <a:t>体験</a:t>
-            </a:r>
-            <a:r>
-              <a:rPr lang="ja-JP" altLang="en-US" dirty="0" smtClean="0"/>
-              <a:t>の向上</a:t>
-            </a:r>
-            <a:endParaRPr lang="en-US" altLang="ja-JP" dirty="0" smtClean="0"/>
+              <a:t>体験の向上</a:t>
+            </a:r>
+            <a:endParaRPr lang="en-US" altLang="ja-JP" dirty="0"/>
           </a:p>
           <a:p>
             <a:pPr lvl="1"/>
             <a:r>
-              <a:rPr kumimoji="1" lang="ja-JP" altLang="en-US" dirty="0" smtClean="0"/>
+              <a:rPr kumimoji="1" lang="ja-JP" altLang="en-US" dirty="0"/>
               <a:t>動きのあるＵＩで楽しくアンケートに回答できる</a:t>
             </a:r>
-            <a:endParaRPr kumimoji="1" lang="ja-JP" altLang="en-US" dirty="0"/>
           </a:p>
         </p:txBody>
       </p:sp>
@@ -6533,13 +6350,6 @@
   <p:clrMapOvr>
     <a:masterClrMapping/>
   </p:clrMapOvr>
-  <p:timing>
-    <p:tnLst>
-      <p:par>
-        <p:cTn id="1" dur="indefinite" restart="never" nodeType="tmRoot"/>
-      </p:par>
-    </p:tnLst>
-  </p:timing>
 </p:sld>
 </file>
 
@@ -6576,10 +6386,9 @@
           <a:lstStyle/>
           <a:p>
             <a:r>
-              <a:rPr kumimoji="1" lang="ja-JP" altLang="en-US" dirty="0" smtClean="0"/>
+              <a:rPr kumimoji="1" lang="ja-JP" altLang="en-US" dirty="0"/>
               <a:t>作成した授業評価アンケート</a:t>
             </a:r>
-            <a:endParaRPr kumimoji="1" lang="ja-JP" altLang="en-US" dirty="0"/>
           </a:p>
         </p:txBody>
       </p:sp>
@@ -6599,13 +6408,59 @@
           <a:lstStyle/>
           <a:p>
             <a:r>
-              <a:rPr kumimoji="1" lang="ja-JP" altLang="en-US" dirty="0" smtClean="0"/>
+              <a:rPr kumimoji="1" lang="ja-JP" altLang="en-US" dirty="0"/>
               <a:t>動画</a:t>
             </a:r>
-            <a:endParaRPr kumimoji="1" lang="ja-JP" altLang="en-US" dirty="0"/>
-          </a:p>
-        </p:txBody>
-      </p:sp>
+          </a:p>
+        </p:txBody>
+      </p:sp>
+      <p:pic>
+        <p:nvPicPr>
+          <p:cNvPr id="7" name="6943109">
+            <a:hlinkClick r:id="" action="ppaction://media"/>
+          </p:cNvPr>
+          <p:cNvPicPr>
+            <a:picLocks noChangeAspect="1"/>
+          </p:cNvPicPr>
+          <p:nvPr>
+            <a:videoFile r:link="rId2"/>
+            <p:extLst>
+              <p:ext uri="{DAA4B4D4-6D71-4841-9C94-3DE7FCFB9230}">
+                <p14:media xmlns:p14="http://schemas.microsoft.com/office/powerpoint/2010/main" r:embed="rId1"/>
+              </p:ext>
+            </p:extLst>
+          </p:nvPr>
+        </p:nvPicPr>
+        <p:blipFill>
+          <a:blip r:embed="rId5"/>
+          <a:stretch>
+            <a:fillRect/>
+          </a:stretch>
+        </p:blipFill>
+        <p:spPr>
+          <a:xfrm>
+            <a:off x="628650" y="-27038"/>
+            <a:ext cx="8044311" cy="6885038"/>
+          </a:xfrm>
+          <a:prstGeom prst="rect">
+            <a:avLst/>
+          </a:prstGeom>
+          <a:ln>
+            <a:noFill/>
+          </a:ln>
+          <a:effectLst/>
+          <a:scene3d>
+            <a:camera prst="orthographicFront"/>
+            <a:lightRig rig="balanced" dir="t"/>
+          </a:scene3d>
+          <a:sp3d prstMaterial="softEdge">
+            <a:bevelT w="203200" h="101600" prst="cross"/>
+            <a:contourClr>
+              <a:srgbClr val="FFFFFF"/>
+            </a:contourClr>
+          </a:sp3d>
+        </p:spPr>
+      </p:pic>
     </p:spTree>
     <p:extLst>
       <p:ext uri="{BB962C8B-B14F-4D97-AF65-F5344CB8AC3E}">
@@ -6619,7 +6474,80 @@
   <p:timing>
     <p:tnLst>
       <p:par>
-        <p:cTn id="1" dur="indefinite" restart="never" nodeType="tmRoot"/>
+        <p:cTn id="1" dur="indefinite" restart="never" nodeType="tmRoot">
+          <p:childTnLst>
+            <p:seq concurrent="1" nextAc="seek">
+              <p:cTn id="2" restart="whenNotActive" fill="hold" evtFilter="cancelBubble" nodeType="interactiveSeq">
+                <p:stCondLst>
+                  <p:cond evt="onClick" delay="0">
+                    <p:tgtEl>
+                      <p:spTgt spid="7"/>
+                    </p:tgtEl>
+                  </p:cond>
+                </p:stCondLst>
+                <p:endSync evt="end" delay="0">
+                  <p:rtn val="all"/>
+                </p:endSync>
+                <p:childTnLst>
+                  <p:par>
+                    <p:cTn id="3" fill="hold">
+                      <p:stCondLst>
+                        <p:cond delay="0"/>
+                      </p:stCondLst>
+                      <p:childTnLst>
+                        <p:par>
+                          <p:cTn id="4" fill="hold">
+                            <p:stCondLst>
+                              <p:cond delay="0"/>
+                            </p:stCondLst>
+                            <p:childTnLst>
+                              <p:par>
+                                <p:cTn id="5" presetID="2" presetClass="mediacall" presetSubtype="0" fill="hold" nodeType="clickEffect">
+                                  <p:stCondLst>
+                                    <p:cond delay="0"/>
+                                  </p:stCondLst>
+                                  <p:childTnLst>
+                                    <p:cmd type="call" cmd="togglePause">
+                                      <p:cBhvr>
+                                        <p:cTn id="6" dur="1" fill="hold"/>
+                                        <p:tgtEl>
+                                          <p:spTgt spid="7"/>
+                                        </p:tgtEl>
+                                      </p:cBhvr>
+                                    </p:cmd>
+                                  </p:childTnLst>
+                                </p:cTn>
+                              </p:par>
+                            </p:childTnLst>
+                          </p:cTn>
+                        </p:par>
+                      </p:childTnLst>
+                    </p:cTn>
+                  </p:par>
+                </p:childTnLst>
+              </p:cTn>
+              <p:nextCondLst>
+                <p:cond evt="onClick" delay="0">
+                  <p:tgtEl>
+                    <p:spTgt spid="7"/>
+                  </p:tgtEl>
+                </p:cond>
+              </p:nextCondLst>
+            </p:seq>
+            <p:video>
+              <p:cMediaNode vol="80000">
+                <p:cTn id="7" fill="hold" display="0">
+                  <p:stCondLst>
+                    <p:cond delay="indefinite"/>
+                  </p:stCondLst>
+                </p:cTn>
+                <p:tgtEl>
+                  <p:spTgt spid="7"/>
+                </p:tgtEl>
+              </p:cMediaNode>
+            </p:video>
+          </p:childTnLst>
+        </p:cTn>
       </p:par>
     </p:tnLst>
   </p:timing>
@@ -6659,10 +6587,9 @@
           <a:lstStyle/>
           <a:p>
             <a:r>
-              <a:rPr kumimoji="1" lang="ja-JP" altLang="en-US" dirty="0" smtClean="0"/>
+              <a:rPr kumimoji="1" lang="ja-JP" altLang="en-US" dirty="0"/>
               <a:t>結果</a:t>
             </a:r>
-            <a:endParaRPr kumimoji="1" lang="ja-JP" altLang="en-US" dirty="0"/>
           </a:p>
         </p:txBody>
       </p:sp>
@@ -6683,75 +6610,55 @@
           <a:p>
             <a:r>
               <a:rPr lang="ja-JP" altLang="en-US" dirty="0"/>
-              <a:t>達成</a:t>
-            </a:r>
-            <a:r>
-              <a:rPr lang="ja-JP" altLang="en-US" dirty="0" smtClean="0"/>
-              <a:t>した項目</a:t>
-            </a:r>
-            <a:endParaRPr lang="en-US" altLang="ja-JP" dirty="0" smtClean="0"/>
+              <a:t>達成した項目</a:t>
+            </a:r>
+            <a:endParaRPr lang="en-US" altLang="ja-JP" dirty="0"/>
           </a:p>
           <a:p>
             <a:pPr lvl="1"/>
             <a:r>
-              <a:rPr kumimoji="1" lang="ja-JP" altLang="en-US" dirty="0" smtClean="0"/>
+              <a:rPr kumimoji="1" lang="ja-JP" altLang="en-US" dirty="0"/>
               <a:t>経済性</a:t>
             </a:r>
-            <a:endParaRPr kumimoji="1" lang="en-US" altLang="ja-JP" dirty="0" smtClean="0"/>
+            <a:endParaRPr kumimoji="1" lang="en-US" altLang="ja-JP" dirty="0"/>
           </a:p>
           <a:p>
             <a:pPr lvl="2"/>
             <a:r>
-              <a:rPr lang="ja-JP" altLang="en-US" dirty="0" smtClean="0"/>
+              <a:rPr lang="ja-JP" altLang="en-US" dirty="0"/>
               <a:t>紙資源をまったく使用していない。</a:t>
             </a:r>
-            <a:endParaRPr lang="en-US" altLang="ja-JP" dirty="0" smtClean="0"/>
+            <a:endParaRPr lang="en-US" altLang="ja-JP" dirty="0"/>
           </a:p>
           <a:p>
             <a:pPr lvl="1"/>
             <a:r>
-              <a:rPr lang="ja-JP" altLang="en-US" dirty="0" smtClean="0"/>
-              <a:t>教員</a:t>
-            </a:r>
-            <a:r>
               <a:rPr lang="ja-JP" altLang="en-US" dirty="0"/>
-              <a:t>の労力</a:t>
-            </a:r>
-            <a:r>
-              <a:rPr lang="ja-JP" altLang="en-US" dirty="0" smtClean="0"/>
-              <a:t>削減</a:t>
-            </a:r>
-            <a:endParaRPr lang="en-US" altLang="ja-JP" dirty="0" smtClean="0"/>
+              <a:t>教員の労力削減</a:t>
+            </a:r>
+            <a:endParaRPr lang="en-US" altLang="ja-JP" dirty="0"/>
           </a:p>
           <a:p>
             <a:pPr lvl="2"/>
             <a:r>
-              <a:rPr lang="ja-JP" altLang="en-US" dirty="0" smtClean="0"/>
+              <a:rPr lang="ja-JP" altLang="en-US" dirty="0"/>
               <a:t>スキャン不要で自動的にアンケート結果をＰＣに取り込める。</a:t>
             </a:r>
-            <a:endParaRPr lang="en-US" altLang="ja-JP" dirty="0" smtClean="0"/>
+            <a:endParaRPr lang="en-US" altLang="ja-JP" dirty="0"/>
           </a:p>
           <a:p>
             <a:pPr lvl="1"/>
             <a:r>
               <a:rPr lang="ja-JP" altLang="en-US" dirty="0"/>
-              <a:t>ユーザ体験の</a:t>
-            </a:r>
-            <a:r>
-              <a:rPr lang="ja-JP" altLang="en-US" dirty="0" smtClean="0"/>
-              <a:t>向上</a:t>
-            </a:r>
-            <a:endParaRPr lang="en-US" altLang="ja-JP" dirty="0" smtClean="0"/>
+              <a:t>ユーザ体験の向上</a:t>
+            </a:r>
+            <a:endParaRPr lang="en-US" altLang="ja-JP" dirty="0"/>
           </a:p>
           <a:p>
             <a:pPr lvl="2"/>
             <a:r>
               <a:rPr lang="ja-JP" altLang="en-US" dirty="0"/>
-              <a:t>動</a:t>
-            </a:r>
-            <a:r>
-              <a:rPr lang="ja-JP" altLang="en-US" dirty="0" smtClean="0"/>
-              <a:t>きあるＵＩで快適に回答できた。</a:t>
+              <a:t>動きあるＵＩで快適に回答できた。</a:t>
             </a:r>
             <a:endParaRPr lang="en-US" altLang="ja-JP" dirty="0"/>
           </a:p>
@@ -6761,7 +6668,7 @@
           </a:p>
           <a:p>
             <a:pPr lvl="1"/>
-            <a:endParaRPr lang="en-US" altLang="ja-JP" dirty="0" smtClean="0"/>
+            <a:endParaRPr lang="en-US" altLang="ja-JP" dirty="0"/>
           </a:p>
           <a:p>
             <a:pPr marL="457200" lvl="1" indent="0">
@@ -6781,13 +6688,6 @@
   <p:clrMapOvr>
     <a:masterClrMapping/>
   </p:clrMapOvr>
-  <p:timing>
-    <p:tnLst>
-      <p:par>
-        <p:cTn id="1" dur="indefinite" restart="never" nodeType="tmRoot"/>
-      </p:par>
-    </p:tnLst>
-  </p:timing>
 </p:sld>
 </file>
 
@@ -6847,10 +6747,10 @@
           <a:lstStyle/>
           <a:p>
             <a:r>
-              <a:rPr kumimoji="1" lang="ja-JP" altLang="en-US" dirty="0" smtClean="0"/>
+              <a:rPr kumimoji="1" lang="ja-JP" altLang="en-US" dirty="0"/>
               <a:t>授業の品質向上に貢献するアプリケーションに成長させたい</a:t>
             </a:r>
-            <a:endParaRPr kumimoji="1" lang="en-US" altLang="ja-JP" dirty="0" smtClean="0"/>
+            <a:endParaRPr kumimoji="1" lang="en-US" altLang="ja-JP" dirty="0"/>
           </a:p>
         </p:txBody>
       </p:sp>
@@ -6864,13 +6764,6 @@
   <p:clrMapOvr>
     <a:masterClrMapping/>
   </p:clrMapOvr>
-  <p:timing>
-    <p:tnLst>
-      <p:par>
-        <p:cTn id="1" dur="indefinite" restart="never" nodeType="tmRoot"/>
-      </p:par>
-    </p:tnLst>
-  </p:timing>
 </p:sld>
 </file>
 
@@ -6930,26 +6823,18 @@
           <a:lstStyle/>
           <a:p>
             <a:r>
-              <a:rPr lang="ja-JP" altLang="en-US" dirty="0" smtClean="0"/>
+              <a:rPr lang="ja-JP" altLang="en-US" dirty="0"/>
               <a:t>追加したい新機能</a:t>
             </a:r>
-            <a:endParaRPr lang="en-US" altLang="ja-JP" dirty="0" smtClean="0"/>
+            <a:endParaRPr lang="en-US" altLang="ja-JP" dirty="0"/>
           </a:p>
           <a:p>
             <a:pPr lvl="1"/>
             <a:r>
-              <a:rPr lang="ja-JP" altLang="en-US" dirty="0" smtClean="0"/>
-              <a:t>アンケート結果</a:t>
-            </a:r>
-            <a:r>
               <a:rPr lang="ja-JP" altLang="en-US" dirty="0"/>
-              <a:t>の自動</a:t>
-            </a:r>
-            <a:r>
-              <a:rPr lang="ja-JP" altLang="en-US" dirty="0" smtClean="0"/>
-              <a:t>集計、配信機能</a:t>
-            </a:r>
-            <a:endParaRPr lang="en-US" altLang="ja-JP" dirty="0" smtClean="0"/>
+              <a:t>アンケート結果の自動集計、配信機能</a:t>
+            </a:r>
+            <a:endParaRPr lang="en-US" altLang="ja-JP" dirty="0"/>
           </a:p>
         </p:txBody>
       </p:sp>
@@ -6963,13 +6848,6 @@
   <p:clrMapOvr>
     <a:masterClrMapping/>
   </p:clrMapOvr>
-  <p:timing>
-    <p:tnLst>
-      <p:par>
-        <p:cTn id="1" dur="indefinite" restart="never" nodeType="tmRoot"/>
-      </p:par>
-    </p:tnLst>
-  </p:timing>
 </p:sld>
 </file>
 
@@ -7030,20 +6908,16 @@
           <a:p>
             <a:r>
               <a:rPr lang="ja-JP" altLang="en-US" dirty="0"/>
-              <a:t>これらの新機能を実装することで</a:t>
-            </a:r>
-            <a:r>
-              <a:rPr lang="ja-JP" altLang="en-US" dirty="0" smtClean="0"/>
-              <a:t>、授業終了後に学生がすぐに今回の授業を評価することができ、より正確な意見が収集できます。</a:t>
-            </a:r>
-            <a:endParaRPr lang="en-US" altLang="ja-JP" dirty="0" smtClean="0"/>
-          </a:p>
-          <a:p>
-            <a:r>
-              <a:rPr lang="ja-JP" altLang="en-US" dirty="0" smtClean="0"/>
+              <a:t>これらの新機能を実装することで、授業終了後に学生がすぐに今回の授業を評価することができ、より正確な意見が収集できます。</a:t>
+            </a:r>
+            <a:endParaRPr lang="en-US" altLang="ja-JP" dirty="0"/>
+          </a:p>
+          <a:p>
+            <a:r>
+              <a:rPr lang="ja-JP" altLang="en-US" dirty="0"/>
               <a:t>また、教員も授業の内容を覚えているうちに学生からのフィードバックを得られるので今までよりもさらに授業の品質が向上します。</a:t>
             </a:r>
-            <a:endParaRPr kumimoji="1" lang="en-US" altLang="ja-JP" dirty="0" smtClean="0"/>
+            <a:endParaRPr kumimoji="1" lang="en-US" altLang="ja-JP" dirty="0"/>
           </a:p>
         </p:txBody>
       </p:sp>
@@ -7057,13 +6931,6 @@
   <p:clrMapOvr>
     <a:masterClrMapping/>
   </p:clrMapOvr>
-  <p:timing>
-    <p:tnLst>
-      <p:par>
-        <p:cTn id="1" dur="indefinite" restart="never" nodeType="tmRoot"/>
-      </p:par>
-    </p:tnLst>
-  </p:timing>
 </p:sld>
 </file>
 

--- a/卒業研究発表スライド.pptx
+++ b/卒業研究発表スライド.pptx
@@ -5,7 +5,7 @@
     <p:sldMasterId id="2147483660" r:id="rId1"/>
   </p:sldMasterIdLst>
   <p:notesMasterIdLst>
-    <p:notesMasterId r:id="rId18"/>
+    <p:notesMasterId r:id="rId19"/>
   </p:notesMasterIdLst>
   <p:sldIdLst>
     <p:sldId id="256" r:id="rId2"/>
@@ -14,16 +14,17 @@
     <p:sldId id="262" r:id="rId5"/>
     <p:sldId id="263" r:id="rId6"/>
     <p:sldId id="264" r:id="rId7"/>
-    <p:sldId id="267" r:id="rId8"/>
-    <p:sldId id="270" r:id="rId9"/>
-    <p:sldId id="269" r:id="rId10"/>
-    <p:sldId id="271" r:id="rId11"/>
-    <p:sldId id="268" r:id="rId12"/>
-    <p:sldId id="265" r:id="rId13"/>
-    <p:sldId id="266" r:id="rId14"/>
-    <p:sldId id="257" r:id="rId15"/>
-    <p:sldId id="258" r:id="rId16"/>
-    <p:sldId id="259" r:id="rId17"/>
+    <p:sldId id="274" r:id="rId8"/>
+    <p:sldId id="271" r:id="rId9"/>
+    <p:sldId id="268" r:id="rId10"/>
+    <p:sldId id="267" r:id="rId11"/>
+    <p:sldId id="269" r:id="rId12"/>
+    <p:sldId id="272" r:id="rId13"/>
+    <p:sldId id="265" r:id="rId14"/>
+    <p:sldId id="266" r:id="rId15"/>
+    <p:sldId id="257" r:id="rId16"/>
+    <p:sldId id="258" r:id="rId17"/>
+    <p:sldId id="259" r:id="rId18"/>
   </p:sldIdLst>
   <p:sldSz cx="9144000" cy="6858000" type="screen4x3"/>
   <p:notesSz cx="6858000" cy="9144000"/>
@@ -133,6 +134,2051 @@
 </p:presentation>
 </file>
 
+<file path=ppt/diagrams/colors1.xml><?xml version="1.0" encoding="utf-8"?>
+<dgm:colorsDef xmlns:dgm="http://schemas.openxmlformats.org/drawingml/2006/diagram" xmlns:a="http://schemas.openxmlformats.org/drawingml/2006/main" uniqueId="urn:microsoft.com/office/officeart/2005/8/colors/accent1_2">
+  <dgm:title val=""/>
+  <dgm:desc val=""/>
+  <dgm:catLst>
+    <dgm:cat type="accent1" pri="11200"/>
+  </dgm:catLst>
+  <dgm:styleLbl name="node0">
+    <dgm:fillClrLst meth="repeat">
+      <a:schemeClr val="accent1"/>
+    </dgm:fillClrLst>
+    <dgm:linClrLst meth="repeat">
+      <a:schemeClr val="lt1"/>
+    </dgm:linClrLst>
+    <dgm:effectClrLst/>
+    <dgm:txLinClrLst/>
+    <dgm:txFillClrLst/>
+    <dgm:txEffectClrLst/>
+  </dgm:styleLbl>
+  <dgm:styleLbl name="alignNode1">
+    <dgm:fillClrLst meth="repeat">
+      <a:schemeClr val="accent1"/>
+    </dgm:fillClrLst>
+    <dgm:linClrLst meth="repeat">
+      <a:schemeClr val="accent1"/>
+    </dgm:linClrLst>
+    <dgm:effectClrLst/>
+    <dgm:txLinClrLst/>
+    <dgm:txFillClrLst/>
+    <dgm:txEffectClrLst/>
+  </dgm:styleLbl>
+  <dgm:styleLbl name="node1">
+    <dgm:fillClrLst meth="repeat">
+      <a:schemeClr val="accent1"/>
+    </dgm:fillClrLst>
+    <dgm:linClrLst meth="repeat">
+      <a:schemeClr val="lt1"/>
+    </dgm:linClrLst>
+    <dgm:effectClrLst/>
+    <dgm:txLinClrLst/>
+    <dgm:txFillClrLst/>
+    <dgm:txEffectClrLst/>
+  </dgm:styleLbl>
+  <dgm:styleLbl name="lnNode1">
+    <dgm:fillClrLst meth="repeat">
+      <a:schemeClr val="accent1"/>
+    </dgm:fillClrLst>
+    <dgm:linClrLst meth="repeat">
+      <a:schemeClr val="lt1"/>
+    </dgm:linClrLst>
+    <dgm:effectClrLst/>
+    <dgm:txLinClrLst/>
+    <dgm:txFillClrLst/>
+    <dgm:txEffectClrLst/>
+  </dgm:styleLbl>
+  <dgm:styleLbl name="vennNode1">
+    <dgm:fillClrLst meth="repeat">
+      <a:schemeClr val="accent1">
+        <a:alpha val="50000"/>
+      </a:schemeClr>
+    </dgm:fillClrLst>
+    <dgm:linClrLst meth="repeat">
+      <a:schemeClr val="lt1"/>
+    </dgm:linClrLst>
+    <dgm:effectClrLst/>
+    <dgm:txLinClrLst/>
+    <dgm:txFillClrLst/>
+    <dgm:txEffectClrLst/>
+  </dgm:styleLbl>
+  <dgm:styleLbl name="node2">
+    <dgm:fillClrLst meth="repeat">
+      <a:schemeClr val="accent1"/>
+    </dgm:fillClrLst>
+    <dgm:linClrLst meth="repeat">
+      <a:schemeClr val="lt1"/>
+    </dgm:linClrLst>
+    <dgm:effectClrLst/>
+    <dgm:txLinClrLst/>
+    <dgm:txFillClrLst/>
+    <dgm:txEffectClrLst/>
+  </dgm:styleLbl>
+  <dgm:styleLbl name="node3">
+    <dgm:fillClrLst meth="repeat">
+      <a:schemeClr val="accent1"/>
+    </dgm:fillClrLst>
+    <dgm:linClrLst meth="repeat">
+      <a:schemeClr val="lt1"/>
+    </dgm:linClrLst>
+    <dgm:effectClrLst/>
+    <dgm:txLinClrLst/>
+    <dgm:txFillClrLst/>
+    <dgm:txEffectClrLst/>
+  </dgm:styleLbl>
+  <dgm:styleLbl name="node4">
+    <dgm:fillClrLst meth="repeat">
+      <a:schemeClr val="accent1"/>
+    </dgm:fillClrLst>
+    <dgm:linClrLst meth="repeat">
+      <a:schemeClr val="lt1"/>
+    </dgm:linClrLst>
+    <dgm:effectClrLst/>
+    <dgm:txLinClrLst/>
+    <dgm:txFillClrLst/>
+    <dgm:txEffectClrLst/>
+  </dgm:styleLbl>
+  <dgm:styleLbl name="fgImgPlace1">
+    <dgm:fillClrLst meth="repeat">
+      <a:schemeClr val="accent1">
+        <a:tint val="50000"/>
+      </a:schemeClr>
+    </dgm:fillClrLst>
+    <dgm:linClrLst meth="repeat">
+      <a:schemeClr val="lt1"/>
+    </dgm:linClrLst>
+    <dgm:effectClrLst/>
+    <dgm:txLinClrLst/>
+    <dgm:txFillClrLst meth="repeat">
+      <a:schemeClr val="lt1"/>
+    </dgm:txFillClrLst>
+    <dgm:txEffectClrLst/>
+  </dgm:styleLbl>
+  <dgm:styleLbl name="alignImgPlace1">
+    <dgm:fillClrLst meth="repeat">
+      <a:schemeClr val="accent1">
+        <a:tint val="50000"/>
+      </a:schemeClr>
+    </dgm:fillClrLst>
+    <dgm:linClrLst meth="repeat">
+      <a:schemeClr val="lt1"/>
+    </dgm:linClrLst>
+    <dgm:effectClrLst/>
+    <dgm:txLinClrLst/>
+    <dgm:txFillClrLst meth="repeat">
+      <a:schemeClr val="lt1"/>
+    </dgm:txFillClrLst>
+    <dgm:txEffectClrLst/>
+  </dgm:styleLbl>
+  <dgm:styleLbl name="bgImgPlace1">
+    <dgm:fillClrLst meth="repeat">
+      <a:schemeClr val="accent1">
+        <a:tint val="50000"/>
+      </a:schemeClr>
+    </dgm:fillClrLst>
+    <dgm:linClrLst meth="repeat">
+      <a:schemeClr val="lt1"/>
+    </dgm:linClrLst>
+    <dgm:effectClrLst/>
+    <dgm:txLinClrLst/>
+    <dgm:txFillClrLst meth="repeat">
+      <a:schemeClr val="lt1"/>
+    </dgm:txFillClrLst>
+    <dgm:txEffectClrLst/>
+  </dgm:styleLbl>
+  <dgm:styleLbl name="sibTrans2D1">
+    <dgm:fillClrLst meth="repeat">
+      <a:schemeClr val="accent1">
+        <a:tint val="60000"/>
+      </a:schemeClr>
+    </dgm:fillClrLst>
+    <dgm:linClrLst meth="repeat">
+      <a:schemeClr val="accent1">
+        <a:tint val="60000"/>
+      </a:schemeClr>
+    </dgm:linClrLst>
+    <dgm:effectClrLst/>
+    <dgm:txLinClrLst/>
+    <dgm:txFillClrLst/>
+    <dgm:txEffectClrLst/>
+  </dgm:styleLbl>
+  <dgm:styleLbl name="fgSibTrans2D1">
+    <dgm:fillClrLst meth="repeat">
+      <a:schemeClr val="accent1">
+        <a:tint val="60000"/>
+      </a:schemeClr>
+    </dgm:fillClrLst>
+    <dgm:linClrLst meth="repeat">
+      <a:schemeClr val="accent1">
+        <a:tint val="60000"/>
+      </a:schemeClr>
+    </dgm:linClrLst>
+    <dgm:effectClrLst/>
+    <dgm:txLinClrLst/>
+    <dgm:txFillClrLst/>
+    <dgm:txEffectClrLst/>
+  </dgm:styleLbl>
+  <dgm:styleLbl name="bgSibTrans2D1">
+    <dgm:fillClrLst meth="repeat">
+      <a:schemeClr val="accent1">
+        <a:tint val="60000"/>
+      </a:schemeClr>
+    </dgm:fillClrLst>
+    <dgm:linClrLst meth="repeat">
+      <a:schemeClr val="accent1">
+        <a:tint val="60000"/>
+      </a:schemeClr>
+    </dgm:linClrLst>
+    <dgm:effectClrLst/>
+    <dgm:txLinClrLst/>
+    <dgm:txFillClrLst/>
+    <dgm:txEffectClrLst/>
+  </dgm:styleLbl>
+  <dgm:styleLbl name="sibTrans1D1">
+    <dgm:fillClrLst meth="repeat">
+      <a:schemeClr val="accent1"/>
+    </dgm:fillClrLst>
+    <dgm:linClrLst meth="repeat">
+      <a:schemeClr val="accent1"/>
+    </dgm:linClrLst>
+    <dgm:effectClrLst/>
+    <dgm:txLinClrLst/>
+    <dgm:txFillClrLst meth="repeat">
+      <a:schemeClr val="tx1"/>
+    </dgm:txFillClrLst>
+    <dgm:txEffectClrLst/>
+  </dgm:styleLbl>
+  <dgm:styleLbl name="callout">
+    <dgm:fillClrLst meth="repeat">
+      <a:schemeClr val="accent1"/>
+    </dgm:fillClrLst>
+    <dgm:linClrLst meth="repeat">
+      <a:schemeClr val="accent1">
+        <a:tint val="50000"/>
+      </a:schemeClr>
+    </dgm:linClrLst>
+    <dgm:effectClrLst/>
+    <dgm:txLinClrLst/>
+    <dgm:txFillClrLst meth="repeat">
+      <a:schemeClr val="tx1"/>
+    </dgm:txFillClrLst>
+    <dgm:txEffectClrLst/>
+  </dgm:styleLbl>
+  <dgm:styleLbl name="asst0">
+    <dgm:fillClrLst meth="repeat">
+      <a:schemeClr val="accent1"/>
+    </dgm:fillClrLst>
+    <dgm:linClrLst meth="repeat">
+      <a:schemeClr val="lt1"/>
+    </dgm:linClrLst>
+    <dgm:effectClrLst/>
+    <dgm:txLinClrLst/>
+    <dgm:txFillClrLst/>
+    <dgm:txEffectClrLst/>
+  </dgm:styleLbl>
+  <dgm:styleLbl name="asst1">
+    <dgm:fillClrLst meth="repeat">
+      <a:schemeClr val="accent1"/>
+    </dgm:fillClrLst>
+    <dgm:linClrLst meth="repeat">
+      <a:schemeClr val="lt1"/>
+    </dgm:linClrLst>
+    <dgm:effectClrLst/>
+    <dgm:txLinClrLst/>
+    <dgm:txFillClrLst/>
+    <dgm:txEffectClrLst/>
+  </dgm:styleLbl>
+  <dgm:styleLbl name="asst2">
+    <dgm:fillClrLst meth="repeat">
+      <a:schemeClr val="accent1"/>
+    </dgm:fillClrLst>
+    <dgm:linClrLst meth="repeat">
+      <a:schemeClr val="lt1"/>
+    </dgm:linClrLst>
+    <dgm:effectClrLst/>
+    <dgm:txLinClrLst/>
+    <dgm:txFillClrLst/>
+    <dgm:txEffectClrLst/>
+  </dgm:styleLbl>
+  <dgm:styleLbl name="asst3">
+    <dgm:fillClrLst meth="repeat">
+      <a:schemeClr val="accent1"/>
+    </dgm:fillClrLst>
+    <dgm:linClrLst meth="repeat">
+      <a:schemeClr val="lt1"/>
+    </dgm:linClrLst>
+    <dgm:effectClrLst/>
+    <dgm:txLinClrLst/>
+    <dgm:txFillClrLst/>
+    <dgm:txEffectClrLst/>
+  </dgm:styleLbl>
+  <dgm:styleLbl name="asst4">
+    <dgm:fillClrLst meth="repeat">
+      <a:schemeClr val="accent1"/>
+    </dgm:fillClrLst>
+    <dgm:linClrLst meth="repeat">
+      <a:schemeClr val="lt1"/>
+    </dgm:linClrLst>
+    <dgm:effectClrLst/>
+    <dgm:txLinClrLst/>
+    <dgm:txFillClrLst/>
+    <dgm:txEffectClrLst/>
+  </dgm:styleLbl>
+  <dgm:styleLbl name="parChTrans2D1">
+    <dgm:fillClrLst meth="repeat">
+      <a:schemeClr val="accent1">
+        <a:tint val="60000"/>
+      </a:schemeClr>
+    </dgm:fillClrLst>
+    <dgm:linClrLst meth="repeat">
+      <a:schemeClr val="accent1">
+        <a:tint val="60000"/>
+      </a:schemeClr>
+    </dgm:linClrLst>
+    <dgm:effectClrLst/>
+    <dgm:txLinClrLst/>
+    <dgm:txFillClrLst meth="repeat">
+      <a:schemeClr val="lt1"/>
+    </dgm:txFillClrLst>
+    <dgm:txEffectClrLst/>
+  </dgm:styleLbl>
+  <dgm:styleLbl name="parChTrans2D2">
+    <dgm:fillClrLst meth="repeat">
+      <a:schemeClr val="accent1"/>
+    </dgm:fillClrLst>
+    <dgm:linClrLst meth="repeat">
+      <a:schemeClr val="accent1"/>
+    </dgm:linClrLst>
+    <dgm:effectClrLst/>
+    <dgm:txLinClrLst/>
+    <dgm:txFillClrLst meth="repeat">
+      <a:schemeClr val="lt1"/>
+    </dgm:txFillClrLst>
+    <dgm:txEffectClrLst/>
+  </dgm:styleLbl>
+  <dgm:styleLbl name="parChTrans2D3">
+    <dgm:fillClrLst meth="repeat">
+      <a:schemeClr val="accent1"/>
+    </dgm:fillClrLst>
+    <dgm:linClrLst meth="repeat">
+      <a:schemeClr val="accent1"/>
+    </dgm:linClrLst>
+    <dgm:effectClrLst/>
+    <dgm:txLinClrLst/>
+    <dgm:txFillClrLst meth="repeat">
+      <a:schemeClr val="lt1"/>
+    </dgm:txFillClrLst>
+    <dgm:txEffectClrLst/>
+  </dgm:styleLbl>
+  <dgm:styleLbl name="parChTrans2D4">
+    <dgm:fillClrLst meth="repeat">
+      <a:schemeClr val="accent1"/>
+    </dgm:fillClrLst>
+    <dgm:linClrLst meth="repeat">
+      <a:schemeClr val="accent1"/>
+    </dgm:linClrLst>
+    <dgm:effectClrLst/>
+    <dgm:txLinClrLst/>
+    <dgm:txFillClrLst meth="repeat">
+      <a:schemeClr val="lt1"/>
+    </dgm:txFillClrLst>
+    <dgm:txEffectClrLst/>
+  </dgm:styleLbl>
+  <dgm:styleLbl name="parChTrans1D1">
+    <dgm:fillClrLst meth="repeat">
+      <a:schemeClr val="accent1"/>
+    </dgm:fillClrLst>
+    <dgm:linClrLst meth="repeat">
+      <a:schemeClr val="accent1">
+        <a:shade val="60000"/>
+      </a:schemeClr>
+    </dgm:linClrLst>
+    <dgm:effectClrLst/>
+    <dgm:txLinClrLst/>
+    <dgm:txFillClrLst meth="repeat">
+      <a:schemeClr val="tx1"/>
+    </dgm:txFillClrLst>
+    <dgm:txEffectClrLst/>
+  </dgm:styleLbl>
+  <dgm:styleLbl name="parChTrans1D2">
+    <dgm:fillClrLst meth="repeat">
+      <a:schemeClr val="accent1"/>
+    </dgm:fillClrLst>
+    <dgm:linClrLst meth="repeat">
+      <a:schemeClr val="accent1">
+        <a:shade val="60000"/>
+      </a:schemeClr>
+    </dgm:linClrLst>
+    <dgm:effectClrLst/>
+    <dgm:txLinClrLst/>
+    <dgm:txFillClrLst meth="repeat">
+      <a:schemeClr val="tx1"/>
+    </dgm:txFillClrLst>
+    <dgm:txEffectClrLst/>
+  </dgm:styleLbl>
+  <dgm:styleLbl name="parChTrans1D3">
+    <dgm:fillClrLst meth="repeat">
+      <a:schemeClr val="accent1"/>
+    </dgm:fillClrLst>
+    <dgm:linClrLst meth="repeat">
+      <a:schemeClr val="accent1">
+        <a:shade val="80000"/>
+      </a:schemeClr>
+    </dgm:linClrLst>
+    <dgm:effectClrLst/>
+    <dgm:txLinClrLst/>
+    <dgm:txFillClrLst meth="repeat">
+      <a:schemeClr val="tx1"/>
+    </dgm:txFillClrLst>
+    <dgm:txEffectClrLst/>
+  </dgm:styleLbl>
+  <dgm:styleLbl name="parChTrans1D4">
+    <dgm:fillClrLst meth="repeat">
+      <a:schemeClr val="accent1"/>
+    </dgm:fillClrLst>
+    <dgm:linClrLst meth="repeat">
+      <a:schemeClr val="accent1">
+        <a:shade val="80000"/>
+      </a:schemeClr>
+    </dgm:linClrLst>
+    <dgm:effectClrLst/>
+    <dgm:txLinClrLst/>
+    <dgm:txFillClrLst meth="repeat">
+      <a:schemeClr val="tx1"/>
+    </dgm:txFillClrLst>
+    <dgm:txEffectClrLst/>
+  </dgm:styleLbl>
+  <dgm:styleLbl name="fgAcc1">
+    <dgm:fillClrLst meth="repeat">
+      <a:schemeClr val="lt1">
+        <a:alpha val="90000"/>
+      </a:schemeClr>
+    </dgm:fillClrLst>
+    <dgm:linClrLst meth="repeat">
+      <a:schemeClr val="accent1"/>
+    </dgm:linClrLst>
+    <dgm:effectClrLst/>
+    <dgm:txLinClrLst/>
+    <dgm:txFillClrLst meth="repeat">
+      <a:schemeClr val="dk1"/>
+    </dgm:txFillClrLst>
+    <dgm:txEffectClrLst/>
+  </dgm:styleLbl>
+  <dgm:styleLbl name="conFgAcc1">
+    <dgm:fillClrLst meth="repeat">
+      <a:schemeClr val="lt1">
+        <a:alpha val="90000"/>
+      </a:schemeClr>
+    </dgm:fillClrLst>
+    <dgm:linClrLst meth="repeat">
+      <a:schemeClr val="accent1"/>
+    </dgm:linClrLst>
+    <dgm:effectClrLst/>
+    <dgm:txLinClrLst/>
+    <dgm:txFillClrLst meth="repeat">
+      <a:schemeClr val="dk1"/>
+    </dgm:txFillClrLst>
+    <dgm:txEffectClrLst/>
+  </dgm:styleLbl>
+  <dgm:styleLbl name="alignAcc1">
+    <dgm:fillClrLst meth="repeat">
+      <a:schemeClr val="lt1">
+        <a:alpha val="90000"/>
+      </a:schemeClr>
+    </dgm:fillClrLst>
+    <dgm:linClrLst meth="repeat">
+      <a:schemeClr val="accent1"/>
+    </dgm:linClrLst>
+    <dgm:effectClrLst/>
+    <dgm:txLinClrLst/>
+    <dgm:txFillClrLst meth="repeat">
+      <a:schemeClr val="dk1"/>
+    </dgm:txFillClrLst>
+    <dgm:txEffectClrLst/>
+  </dgm:styleLbl>
+  <dgm:styleLbl name="trAlignAcc1">
+    <dgm:fillClrLst meth="repeat">
+      <a:schemeClr val="lt1">
+        <a:alpha val="40000"/>
+      </a:schemeClr>
+    </dgm:fillClrLst>
+    <dgm:linClrLst meth="repeat">
+      <a:schemeClr val="accent1"/>
+    </dgm:linClrLst>
+    <dgm:effectClrLst/>
+    <dgm:txLinClrLst/>
+    <dgm:txFillClrLst meth="repeat">
+      <a:schemeClr val="dk1"/>
+    </dgm:txFillClrLst>
+    <dgm:txEffectClrLst/>
+  </dgm:styleLbl>
+  <dgm:styleLbl name="bgAcc1">
+    <dgm:fillClrLst meth="repeat">
+      <a:schemeClr val="lt1">
+        <a:alpha val="90000"/>
+      </a:schemeClr>
+    </dgm:fillClrLst>
+    <dgm:linClrLst meth="repeat">
+      <a:schemeClr val="accent1"/>
+    </dgm:linClrLst>
+    <dgm:effectClrLst/>
+    <dgm:txLinClrLst/>
+    <dgm:txFillClrLst meth="repeat">
+      <a:schemeClr val="dk1"/>
+    </dgm:txFillClrLst>
+    <dgm:txEffectClrLst/>
+  </dgm:styleLbl>
+  <dgm:styleLbl name="solidFgAcc1">
+    <dgm:fillClrLst meth="repeat">
+      <a:schemeClr val="lt1"/>
+    </dgm:fillClrLst>
+    <dgm:linClrLst meth="repeat">
+      <a:schemeClr val="accent1"/>
+    </dgm:linClrLst>
+    <dgm:effectClrLst/>
+    <dgm:txLinClrLst/>
+    <dgm:txFillClrLst meth="repeat">
+      <a:schemeClr val="dk1"/>
+    </dgm:txFillClrLst>
+    <dgm:txEffectClrLst/>
+  </dgm:styleLbl>
+  <dgm:styleLbl name="solidAlignAcc1">
+    <dgm:fillClrLst meth="repeat">
+      <a:schemeClr val="lt1"/>
+    </dgm:fillClrLst>
+    <dgm:linClrLst meth="repeat">
+      <a:schemeClr val="accent1"/>
+    </dgm:linClrLst>
+    <dgm:effectClrLst/>
+    <dgm:txLinClrLst/>
+    <dgm:txFillClrLst meth="repeat">
+      <a:schemeClr val="dk1"/>
+    </dgm:txFillClrLst>
+    <dgm:txEffectClrLst/>
+  </dgm:styleLbl>
+  <dgm:styleLbl name="solidBgAcc1">
+    <dgm:fillClrLst meth="repeat">
+      <a:schemeClr val="lt1"/>
+    </dgm:fillClrLst>
+    <dgm:linClrLst meth="repeat">
+      <a:schemeClr val="accent1"/>
+    </dgm:linClrLst>
+    <dgm:effectClrLst/>
+    <dgm:txLinClrLst/>
+    <dgm:txFillClrLst meth="repeat">
+      <a:schemeClr val="dk1"/>
+    </dgm:txFillClrLst>
+    <dgm:txEffectClrLst/>
+  </dgm:styleLbl>
+  <dgm:styleLbl name="fgAccFollowNode1">
+    <dgm:fillClrLst meth="repeat">
+      <a:schemeClr val="accent1">
+        <a:alpha val="90000"/>
+        <a:tint val="40000"/>
+      </a:schemeClr>
+    </dgm:fillClrLst>
+    <dgm:linClrLst meth="repeat">
+      <a:schemeClr val="accent1">
+        <a:alpha val="90000"/>
+        <a:tint val="40000"/>
+      </a:schemeClr>
+    </dgm:linClrLst>
+    <dgm:effectClrLst/>
+    <dgm:txLinClrLst/>
+    <dgm:txFillClrLst meth="repeat">
+      <a:schemeClr val="dk1"/>
+    </dgm:txFillClrLst>
+    <dgm:txEffectClrLst/>
+  </dgm:styleLbl>
+  <dgm:styleLbl name="alignAccFollowNode1">
+    <dgm:fillClrLst meth="repeat">
+      <a:schemeClr val="accent1">
+        <a:alpha val="90000"/>
+        <a:tint val="40000"/>
+      </a:schemeClr>
+    </dgm:fillClrLst>
+    <dgm:linClrLst meth="repeat">
+      <a:schemeClr val="accent1">
+        <a:alpha val="90000"/>
+        <a:tint val="40000"/>
+      </a:schemeClr>
+    </dgm:linClrLst>
+    <dgm:effectClrLst/>
+    <dgm:txLinClrLst/>
+    <dgm:txFillClrLst meth="repeat">
+      <a:schemeClr val="dk1"/>
+    </dgm:txFillClrLst>
+    <dgm:txEffectClrLst/>
+  </dgm:styleLbl>
+  <dgm:styleLbl name="bgAccFollowNode1">
+    <dgm:fillClrLst meth="repeat">
+      <a:schemeClr val="accent1">
+        <a:alpha val="90000"/>
+        <a:tint val="40000"/>
+      </a:schemeClr>
+    </dgm:fillClrLst>
+    <dgm:linClrLst meth="repeat">
+      <a:schemeClr val="accent1">
+        <a:alpha val="90000"/>
+        <a:tint val="40000"/>
+      </a:schemeClr>
+    </dgm:linClrLst>
+    <dgm:effectClrLst/>
+    <dgm:txLinClrLst/>
+    <dgm:txFillClrLst meth="repeat">
+      <a:schemeClr val="dk1"/>
+    </dgm:txFillClrLst>
+    <dgm:txEffectClrLst/>
+  </dgm:styleLbl>
+  <dgm:styleLbl name="fgAcc0">
+    <dgm:fillClrLst meth="repeat">
+      <a:schemeClr val="lt1">
+        <a:alpha val="90000"/>
+      </a:schemeClr>
+    </dgm:fillClrLst>
+    <dgm:linClrLst meth="repeat">
+      <a:schemeClr val="accent1"/>
+    </dgm:linClrLst>
+    <dgm:effectClrLst/>
+    <dgm:txLinClrLst/>
+    <dgm:txFillClrLst meth="repeat">
+      <a:schemeClr val="dk1"/>
+    </dgm:txFillClrLst>
+    <dgm:txEffectClrLst/>
+  </dgm:styleLbl>
+  <dgm:styleLbl name="fgAcc2">
+    <dgm:fillClrLst meth="repeat">
+      <a:schemeClr val="lt1">
+        <a:alpha val="90000"/>
+      </a:schemeClr>
+    </dgm:fillClrLst>
+    <dgm:linClrLst meth="repeat">
+      <a:schemeClr val="accent1"/>
+    </dgm:linClrLst>
+    <dgm:effectClrLst/>
+    <dgm:txLinClrLst/>
+    <dgm:txFillClrLst meth="repeat">
+      <a:schemeClr val="dk1"/>
+    </dgm:txFillClrLst>
+    <dgm:txEffectClrLst/>
+  </dgm:styleLbl>
+  <dgm:styleLbl name="fgAcc3">
+    <dgm:fillClrLst meth="repeat">
+      <a:schemeClr val="lt1">
+        <a:alpha val="90000"/>
+      </a:schemeClr>
+    </dgm:fillClrLst>
+    <dgm:linClrLst meth="repeat">
+      <a:schemeClr val="accent1"/>
+    </dgm:linClrLst>
+    <dgm:effectClrLst/>
+    <dgm:txLinClrLst/>
+    <dgm:txFillClrLst meth="repeat">
+      <a:schemeClr val="dk1"/>
+    </dgm:txFillClrLst>
+    <dgm:txEffectClrLst/>
+  </dgm:styleLbl>
+  <dgm:styleLbl name="fgAcc4">
+    <dgm:fillClrLst meth="repeat">
+      <a:schemeClr val="lt1">
+        <a:alpha val="90000"/>
+      </a:schemeClr>
+    </dgm:fillClrLst>
+    <dgm:linClrLst meth="repeat">
+      <a:schemeClr val="accent1"/>
+    </dgm:linClrLst>
+    <dgm:effectClrLst/>
+    <dgm:txLinClrLst/>
+    <dgm:txFillClrLst meth="repeat">
+      <a:schemeClr val="dk1"/>
+    </dgm:txFillClrLst>
+    <dgm:txEffectClrLst/>
+  </dgm:styleLbl>
+  <dgm:styleLbl name="bgShp">
+    <dgm:fillClrLst meth="repeat">
+      <a:schemeClr val="accent1">
+        <a:tint val="40000"/>
+      </a:schemeClr>
+    </dgm:fillClrLst>
+    <dgm:linClrLst meth="repeat">
+      <a:schemeClr val="accent1"/>
+    </dgm:linClrLst>
+    <dgm:effectClrLst/>
+    <dgm:txLinClrLst/>
+    <dgm:txFillClrLst meth="repeat">
+      <a:schemeClr val="dk1"/>
+    </dgm:txFillClrLst>
+    <dgm:txEffectClrLst/>
+  </dgm:styleLbl>
+  <dgm:styleLbl name="dkBgShp">
+    <dgm:fillClrLst meth="repeat">
+      <a:schemeClr val="accent1">
+        <a:shade val="80000"/>
+      </a:schemeClr>
+    </dgm:fillClrLst>
+    <dgm:linClrLst meth="repeat">
+      <a:schemeClr val="accent1"/>
+    </dgm:linClrLst>
+    <dgm:effectClrLst/>
+    <dgm:txLinClrLst/>
+    <dgm:txFillClrLst meth="repeat">
+      <a:schemeClr val="lt1"/>
+    </dgm:txFillClrLst>
+    <dgm:txEffectClrLst/>
+  </dgm:styleLbl>
+  <dgm:styleLbl name="trBgShp">
+    <dgm:fillClrLst meth="repeat">
+      <a:schemeClr val="accent1">
+        <a:tint val="50000"/>
+        <a:alpha val="40000"/>
+      </a:schemeClr>
+    </dgm:fillClrLst>
+    <dgm:linClrLst meth="repeat">
+      <a:schemeClr val="accent1"/>
+    </dgm:linClrLst>
+    <dgm:effectClrLst/>
+    <dgm:txLinClrLst/>
+    <dgm:txFillClrLst meth="repeat">
+      <a:schemeClr val="lt1"/>
+    </dgm:txFillClrLst>
+    <dgm:txEffectClrLst/>
+  </dgm:styleLbl>
+  <dgm:styleLbl name="fgShp">
+    <dgm:fillClrLst meth="repeat">
+      <a:schemeClr val="accent1">
+        <a:tint val="60000"/>
+      </a:schemeClr>
+    </dgm:fillClrLst>
+    <dgm:linClrLst meth="repeat">
+      <a:schemeClr val="lt1"/>
+    </dgm:linClrLst>
+    <dgm:effectClrLst/>
+    <dgm:txLinClrLst/>
+    <dgm:txFillClrLst meth="repeat">
+      <a:schemeClr val="dk1"/>
+    </dgm:txFillClrLst>
+    <dgm:txEffectClrLst/>
+  </dgm:styleLbl>
+  <dgm:styleLbl name="revTx">
+    <dgm:fillClrLst meth="repeat">
+      <a:schemeClr val="lt1">
+        <a:alpha val="0"/>
+      </a:schemeClr>
+    </dgm:fillClrLst>
+    <dgm:linClrLst meth="repeat">
+      <a:schemeClr val="dk1">
+        <a:alpha val="0"/>
+      </a:schemeClr>
+    </dgm:linClrLst>
+    <dgm:effectClrLst/>
+    <dgm:txLinClrLst/>
+    <dgm:txFillClrLst meth="repeat">
+      <a:schemeClr val="tx1"/>
+    </dgm:txFillClrLst>
+    <dgm:txEffectClrLst/>
+  </dgm:styleLbl>
+</dgm:colorsDef>
+</file>
+
+<file path=ppt/diagrams/data1.xml><?xml version="1.0" encoding="utf-8"?>
+<dgm:dataModel xmlns:dgm="http://schemas.openxmlformats.org/drawingml/2006/diagram" xmlns:a="http://schemas.openxmlformats.org/drawingml/2006/main">
+  <dgm:ptLst>
+    <dgm:pt modelId="{4F50AEF4-0D2F-4E0B-B47A-FA9A319BFBDA}" type="doc">
+      <dgm:prSet loTypeId="urn:microsoft.com/office/officeart/2005/8/layout/cycle5" loCatId="cycle" qsTypeId="urn:microsoft.com/office/officeart/2005/8/quickstyle/simple1" qsCatId="simple" csTypeId="urn:microsoft.com/office/officeart/2005/8/colors/accent1_2" csCatId="accent1" phldr="1"/>
+      <dgm:spPr/>
+      <dgm:t>
+        <a:bodyPr/>
+        <a:lstStyle/>
+        <a:p>
+          <a:endParaRPr kumimoji="1" lang="ja-JP" altLang="en-US"/>
+        </a:p>
+      </dgm:t>
+    </dgm:pt>
+    <dgm:pt modelId="{EAD49FEB-CA8C-4306-8711-F3E9D6FC6699}" type="pres">
+      <dgm:prSet presAssocID="{4F50AEF4-0D2F-4E0B-B47A-FA9A319BFBDA}" presName="cycle" presStyleCnt="0">
+        <dgm:presLayoutVars>
+          <dgm:dir/>
+          <dgm:resizeHandles val="exact"/>
+        </dgm:presLayoutVars>
+      </dgm:prSet>
+      <dgm:spPr/>
+      <dgm:t>
+        <a:bodyPr/>
+        <a:lstStyle/>
+        <a:p>
+          <a:endParaRPr kumimoji="1" lang="ja-JP" altLang="en-US"/>
+        </a:p>
+      </dgm:t>
+    </dgm:pt>
+  </dgm:ptLst>
+  <dgm:cxnLst>
+    <dgm:cxn modelId="{F0D11056-8743-4CF0-97ED-E1AB3B96678B}" type="presOf" srcId="{4F50AEF4-0D2F-4E0B-B47A-FA9A319BFBDA}" destId="{EAD49FEB-CA8C-4306-8711-F3E9D6FC6699}" srcOrd="0" destOrd="0" presId="urn:microsoft.com/office/officeart/2005/8/layout/cycle5"/>
+  </dgm:cxnLst>
+  <dgm:bg/>
+  <dgm:whole/>
+  <dgm:extLst>
+    <a:ext uri="http://schemas.microsoft.com/office/drawing/2008/diagram">
+      <dsp:dataModelExt xmlns:dsp="http://schemas.microsoft.com/office/drawing/2008/diagram" relId="rId6" minVer="http://schemas.openxmlformats.org/drawingml/2006/diagram"/>
+    </a:ext>
+  </dgm:extLst>
+</dgm:dataModel>
+</file>
+
+<file path=ppt/diagrams/drawing1.xml><?xml version="1.0" encoding="utf-8"?>
+<dsp:drawing xmlns:dgm="http://schemas.openxmlformats.org/drawingml/2006/diagram" xmlns:dsp="http://schemas.microsoft.com/office/drawing/2008/diagram" xmlns:a="http://schemas.openxmlformats.org/drawingml/2006/main">
+  <dsp:spTree>
+    <dsp:nvGrpSpPr>
+      <dsp:cNvPr id="0" name=""/>
+      <dsp:cNvGrpSpPr/>
+    </dsp:nvGrpSpPr>
+    <dsp:grpSpPr/>
+  </dsp:spTree>
+</dsp:drawing>
+</file>
+
+<file path=ppt/diagrams/layout1.xml><?xml version="1.0" encoding="utf-8"?>
+<dgm:layoutDef xmlns:dgm="http://schemas.openxmlformats.org/drawingml/2006/diagram" xmlns:a="http://schemas.openxmlformats.org/drawingml/2006/main" uniqueId="urn:microsoft.com/office/officeart/2005/8/layout/cycle5">
+  <dgm:title val=""/>
+  <dgm:desc val=""/>
+  <dgm:catLst>
+    <dgm:cat type="cycle" pri="3000"/>
+  </dgm:catLst>
+  <dgm:sampData>
+    <dgm:dataModel>
+      <dgm:ptLst>
+        <dgm:pt modelId="0" type="doc"/>
+        <dgm:pt modelId="1">
+          <dgm:prSet phldr="1"/>
+        </dgm:pt>
+        <dgm:pt modelId="2">
+          <dgm:prSet phldr="1"/>
+        </dgm:pt>
+        <dgm:pt modelId="3">
+          <dgm:prSet phldr="1"/>
+        </dgm:pt>
+        <dgm:pt modelId="4">
+          <dgm:prSet phldr="1"/>
+        </dgm:pt>
+        <dgm:pt modelId="5">
+          <dgm:prSet phldr="1"/>
+        </dgm:pt>
+      </dgm:ptLst>
+      <dgm:cxnLst>
+        <dgm:cxn modelId="6" srcId="0" destId="1" srcOrd="0" destOrd="0"/>
+        <dgm:cxn modelId="7" srcId="0" destId="2" srcOrd="1" destOrd="0"/>
+        <dgm:cxn modelId="8" srcId="0" destId="3" srcOrd="2" destOrd="0"/>
+        <dgm:cxn modelId="9" srcId="0" destId="4" srcOrd="3" destOrd="0"/>
+        <dgm:cxn modelId="10" srcId="0" destId="5" srcOrd="4" destOrd="0"/>
+      </dgm:cxnLst>
+      <dgm:bg/>
+      <dgm:whole/>
+    </dgm:dataModel>
+  </dgm:sampData>
+  <dgm:styleData>
+    <dgm:dataModel>
+      <dgm:ptLst>
+        <dgm:pt modelId="0" type="doc"/>
+        <dgm:pt modelId="1"/>
+        <dgm:pt modelId="2"/>
+        <dgm:pt modelId="3"/>
+      </dgm:ptLst>
+      <dgm:cxnLst>
+        <dgm:cxn modelId="4" srcId="0" destId="1" srcOrd="0" destOrd="0"/>
+        <dgm:cxn modelId="5" srcId="0" destId="2" srcOrd="1" destOrd="0"/>
+        <dgm:cxn modelId="6" srcId="0" destId="3" srcOrd="2" destOrd="0"/>
+      </dgm:cxnLst>
+      <dgm:bg/>
+      <dgm:whole/>
+    </dgm:dataModel>
+  </dgm:styleData>
+  <dgm:clrData>
+    <dgm:dataModel>
+      <dgm:ptLst>
+        <dgm:pt modelId="0" type="doc"/>
+        <dgm:pt modelId="1"/>
+        <dgm:pt modelId="2"/>
+        <dgm:pt modelId="3"/>
+        <dgm:pt modelId="4"/>
+        <dgm:pt modelId="5"/>
+        <dgm:pt modelId="6"/>
+      </dgm:ptLst>
+      <dgm:cxnLst>
+        <dgm:cxn modelId="7" srcId="0" destId="1" srcOrd="0" destOrd="0"/>
+        <dgm:cxn modelId="8" srcId="0" destId="2" srcOrd="1" destOrd="0"/>
+        <dgm:cxn modelId="9" srcId="0" destId="3" srcOrd="2" destOrd="0"/>
+        <dgm:cxn modelId="10" srcId="0" destId="4" srcOrd="3" destOrd="0"/>
+        <dgm:cxn modelId="11" srcId="0" destId="5" srcOrd="4" destOrd="0"/>
+        <dgm:cxn modelId="12" srcId="0" destId="6" srcOrd="5" destOrd="0"/>
+      </dgm:cxnLst>
+      <dgm:bg/>
+      <dgm:whole/>
+    </dgm:dataModel>
+  </dgm:clrData>
+  <dgm:layoutNode name="cycle">
+    <dgm:varLst>
+      <dgm:dir/>
+      <dgm:resizeHandles val="exact"/>
+    </dgm:varLst>
+    <dgm:choose name="Name0">
+      <dgm:if name="Name1" func="var" arg="dir" op="equ" val="norm">
+        <dgm:choose name="Name2">
+          <dgm:if name="Name3" axis="ch" ptType="node" func="cnt" op="gt" val="2">
+            <dgm:alg type="cycle">
+              <dgm:param type="stAng" val="0"/>
+              <dgm:param type="spanAng" val="360"/>
+            </dgm:alg>
+          </dgm:if>
+          <dgm:else name="Name4">
+            <dgm:alg type="cycle">
+              <dgm:param type="stAng" val="-90"/>
+              <dgm:param type="spanAng" val="360"/>
+            </dgm:alg>
+          </dgm:else>
+        </dgm:choose>
+      </dgm:if>
+      <dgm:else name="Name5">
+        <dgm:choose name="Name6">
+          <dgm:if name="Name7" axis="ch" ptType="node" func="cnt" op="gt" val="2">
+            <dgm:alg type="cycle">
+              <dgm:param type="stAng" val="0"/>
+              <dgm:param type="spanAng" val="-360"/>
+            </dgm:alg>
+          </dgm:if>
+          <dgm:else name="Name8">
+            <dgm:alg type="cycle">
+              <dgm:param type="stAng" val="90"/>
+              <dgm:param type="spanAng" val="-360"/>
+            </dgm:alg>
+          </dgm:else>
+        </dgm:choose>
+      </dgm:else>
+    </dgm:choose>
+    <dgm:shape xmlns:r="http://schemas.openxmlformats.org/officeDocument/2006/relationships" r:blip="">
+      <dgm:adjLst/>
+    </dgm:shape>
+    <dgm:presOf/>
+    <dgm:choose name="Name9">
+      <dgm:if name="Name10" func="var" arg="dir" op="equ" val="norm">
+        <dgm:constrLst>
+          <dgm:constr type="w" for="ch" forName="node" refType="w"/>
+          <dgm:constr type="w" for="ch" ptType="sibTrans" refType="w" refFor="ch" refForName="node" op="equ" fact="0.3"/>
+          <dgm:constr type="diam" for="ch" ptType="sibTrans" refType="diam" op="equ"/>
+          <dgm:constr type="sibSp" refType="w" refFor="ch" refForName="node" op="equ" fact="0.15"/>
+          <dgm:constr type="w" for="ch" forName="spNode" refType="sibSp" fact="1.6"/>
+          <dgm:constr type="primFontSz" for="ch" forName="node" op="equ" val="65"/>
+        </dgm:constrLst>
+      </dgm:if>
+      <dgm:else name="Name11">
+        <dgm:constrLst>
+          <dgm:constr type="w" for="ch" forName="node" refType="w"/>
+          <dgm:constr type="w" for="ch" ptType="sibTrans" refType="w" refFor="ch" refForName="node" op="equ" fact="0.3"/>
+          <dgm:constr type="diam" for="ch" ptType="sibTrans" refType="diam" fact="-1"/>
+          <dgm:constr type="diam" for="ch" refType="diam" op="equ" fact="-1"/>
+          <dgm:constr type="sibSp" refType="w" refFor="ch" refForName="node" op="equ" fact="0.15"/>
+          <dgm:constr type="w" for="ch" forName="spNode" refType="sibSp" fact="1.6"/>
+          <dgm:constr type="primFontSz" for="ch" forName="node" op="equ" val="65"/>
+        </dgm:constrLst>
+      </dgm:else>
+    </dgm:choose>
+    <dgm:ruleLst/>
+    <dgm:forEach name="Name12" axis="ch" ptType="node">
+      <dgm:layoutNode name="node">
+        <dgm:varLst>
+          <dgm:bulletEnabled val="1"/>
+        </dgm:varLst>
+        <dgm:alg type="tx"/>
+        <dgm:shape xmlns:r="http://schemas.openxmlformats.org/officeDocument/2006/relationships" type="roundRect" r:blip="">
+          <dgm:adjLst/>
+        </dgm:shape>
+        <dgm:presOf axis="desOrSelf" ptType="node"/>
+        <dgm:constrLst>
+          <dgm:constr type="h" refType="w" fact="0.65"/>
+          <dgm:constr type="tMarg" refType="primFontSz" fact="0.3"/>
+          <dgm:constr type="bMarg" refType="primFontSz" fact="0.3"/>
+          <dgm:constr type="lMarg" refType="primFontSz" fact="0.3"/>
+          <dgm:constr type="rMarg" refType="primFontSz" fact="0.3"/>
+        </dgm:constrLst>
+        <dgm:ruleLst>
+          <dgm:rule type="primFontSz" val="5" fact="NaN" max="NaN"/>
+        </dgm:ruleLst>
+      </dgm:layoutNode>
+      <dgm:choose name="Name13">
+        <dgm:if name="Name14" axis="par ch" ptType="doc node" func="cnt" op="gt" val="1">
+          <dgm:layoutNode name="spNode">
+            <dgm:alg type="sp"/>
+            <dgm:shape xmlns:r="http://schemas.openxmlformats.org/officeDocument/2006/relationships" r:blip="">
+              <dgm:adjLst/>
+            </dgm:shape>
+            <dgm:presOf/>
+            <dgm:constrLst>
+              <dgm:constr type="h" refType="w"/>
+            </dgm:constrLst>
+            <dgm:ruleLst/>
+          </dgm:layoutNode>
+          <dgm:forEach name="Name15" axis="followSib" ptType="sibTrans" hideLastTrans="0" cnt="1">
+            <dgm:layoutNode name="sibTrans">
+              <dgm:alg type="conn">
+                <dgm:param type="dim" val="1D"/>
+                <dgm:param type="connRout" val="curve"/>
+                <dgm:param type="begPts" val="radial"/>
+                <dgm:param type="endPts" val="radial"/>
+              </dgm:alg>
+              <dgm:shape xmlns:r="http://schemas.openxmlformats.org/officeDocument/2006/relationships" type="conn" r:blip="">
+                <dgm:adjLst/>
+              </dgm:shape>
+              <dgm:presOf axis="self"/>
+              <dgm:constrLst>
+                <dgm:constr type="h" refType="w" fact="0.65"/>
+                <dgm:constr type="connDist"/>
+                <dgm:constr type="begPad" refType="connDist" fact="0.2"/>
+                <dgm:constr type="endPad" refType="connDist" fact="0.2"/>
+              </dgm:constrLst>
+              <dgm:ruleLst/>
+            </dgm:layoutNode>
+          </dgm:forEach>
+        </dgm:if>
+        <dgm:else name="Name16"/>
+      </dgm:choose>
+    </dgm:forEach>
+  </dgm:layoutNode>
+</dgm:layoutDef>
+</file>
+
+<file path=ppt/diagrams/quickStyle1.xml><?xml version="1.0" encoding="utf-8"?>
+<dgm:styleDef xmlns:dgm="http://schemas.openxmlformats.org/drawingml/2006/diagram" xmlns:a="http://schemas.openxmlformats.org/drawingml/2006/main" uniqueId="urn:microsoft.com/office/officeart/2005/8/quickstyle/simple1">
+  <dgm:title val=""/>
+  <dgm:desc val=""/>
+  <dgm:catLst>
+    <dgm:cat type="simple" pri="10100"/>
+  </dgm:catLst>
+  <dgm:scene3d>
+    <a:camera prst="orthographicFront"/>
+    <a:lightRig rig="threePt" dir="t"/>
+  </dgm:scene3d>
+  <dgm:styleLbl name="node0">
+    <dgm:scene3d>
+      <a:camera prst="orthographicFront"/>
+      <a:lightRig rig="threePt" dir="t"/>
+    </dgm:scene3d>
+    <dgm:sp3d/>
+    <dgm:txPr/>
+    <dgm:style>
+      <a:lnRef idx="2">
+        <a:scrgbClr r="0" g="0" b="0"/>
+      </a:lnRef>
+      <a:fillRef idx="1">
+        <a:scrgbClr r="0" g="0" b="0"/>
+      </a:fillRef>
+      <a:effectRef idx="0">
+        <a:scrgbClr r="0" g="0" b="0"/>
+      </a:effectRef>
+      <a:fontRef idx="minor">
+        <a:schemeClr val="lt1"/>
+      </a:fontRef>
+    </dgm:style>
+  </dgm:styleLbl>
+  <dgm:styleLbl name="lnNode1">
+    <dgm:scene3d>
+      <a:camera prst="orthographicFront"/>
+      <a:lightRig rig="threePt" dir="t"/>
+    </dgm:scene3d>
+    <dgm:sp3d/>
+    <dgm:txPr/>
+    <dgm:style>
+      <a:lnRef idx="2">
+        <a:scrgbClr r="0" g="0" b="0"/>
+      </a:lnRef>
+      <a:fillRef idx="1">
+        <a:scrgbClr r="0" g="0" b="0"/>
+      </a:fillRef>
+      <a:effectRef idx="0">
+        <a:scrgbClr r="0" g="0" b="0"/>
+      </a:effectRef>
+      <a:fontRef idx="minor">
+        <a:schemeClr val="lt1"/>
+      </a:fontRef>
+    </dgm:style>
+  </dgm:styleLbl>
+  <dgm:styleLbl name="vennNode1">
+    <dgm:scene3d>
+      <a:camera prst="orthographicFront"/>
+      <a:lightRig rig="threePt" dir="t"/>
+    </dgm:scene3d>
+    <dgm:sp3d/>
+    <dgm:txPr/>
+    <dgm:style>
+      <a:lnRef idx="2">
+        <a:scrgbClr r="0" g="0" b="0"/>
+      </a:lnRef>
+      <a:fillRef idx="1">
+        <a:scrgbClr r="0" g="0" b="0"/>
+      </a:fillRef>
+      <a:effectRef idx="0">
+        <a:scrgbClr r="0" g="0" b="0"/>
+      </a:effectRef>
+      <a:fontRef idx="minor">
+        <a:schemeClr val="tx1"/>
+      </a:fontRef>
+    </dgm:style>
+  </dgm:styleLbl>
+  <dgm:styleLbl name="alignNode1">
+    <dgm:scene3d>
+      <a:camera prst="orthographicFront"/>
+      <a:lightRig rig="threePt" dir="t"/>
+    </dgm:scene3d>
+    <dgm:sp3d/>
+    <dgm:txPr/>
+    <dgm:style>
+      <a:lnRef idx="2">
+        <a:scrgbClr r="0" g="0" b="0"/>
+      </a:lnRef>
+      <a:fillRef idx="1">
+        <a:scrgbClr r="0" g="0" b="0"/>
+      </a:fillRef>
+      <a:effectRef idx="0">
+        <a:scrgbClr r="0" g="0" b="0"/>
+      </a:effectRef>
+      <a:fontRef idx="minor">
+        <a:schemeClr val="lt1"/>
+      </a:fontRef>
+    </dgm:style>
+  </dgm:styleLbl>
+  <dgm:styleLbl name="node1">
+    <dgm:scene3d>
+      <a:camera prst="orthographicFront"/>
+      <a:lightRig rig="threePt" dir="t"/>
+    </dgm:scene3d>
+    <dgm:sp3d/>
+    <dgm:txPr/>
+    <dgm:style>
+      <a:lnRef idx="2">
+        <a:scrgbClr r="0" g="0" b="0"/>
+      </a:lnRef>
+      <a:fillRef idx="1">
+        <a:scrgbClr r="0" g="0" b="0"/>
+      </a:fillRef>
+      <a:effectRef idx="0">
+        <a:scrgbClr r="0" g="0" b="0"/>
+      </a:effectRef>
+      <a:fontRef idx="minor">
+        <a:schemeClr val="lt1"/>
+      </a:fontRef>
+    </dgm:style>
+  </dgm:styleLbl>
+  <dgm:styleLbl name="node2">
+    <dgm:scene3d>
+      <a:camera prst="orthographicFront"/>
+      <a:lightRig rig="threePt" dir="t"/>
+    </dgm:scene3d>
+    <dgm:sp3d/>
+    <dgm:txPr/>
+    <dgm:style>
+      <a:lnRef idx="2">
+        <a:scrgbClr r="0" g="0" b="0"/>
+      </a:lnRef>
+      <a:fillRef idx="1">
+        <a:scrgbClr r="0" g="0" b="0"/>
+      </a:fillRef>
+      <a:effectRef idx="0">
+        <a:scrgbClr r="0" g="0" b="0"/>
+      </a:effectRef>
+      <a:fontRef idx="minor">
+        <a:schemeClr val="lt1"/>
+      </a:fontRef>
+    </dgm:style>
+  </dgm:styleLbl>
+  <dgm:styleLbl name="node3">
+    <dgm:scene3d>
+      <a:camera prst="orthographicFront"/>
+      <a:lightRig rig="threePt" dir="t"/>
+    </dgm:scene3d>
+    <dgm:sp3d/>
+    <dgm:txPr/>
+    <dgm:style>
+      <a:lnRef idx="2">
+        <a:scrgbClr r="0" g="0" b="0"/>
+      </a:lnRef>
+      <a:fillRef idx="1">
+        <a:scrgbClr r="0" g="0" b="0"/>
+      </a:fillRef>
+      <a:effectRef idx="0">
+        <a:scrgbClr r="0" g="0" b="0"/>
+      </a:effectRef>
+      <a:fontRef idx="minor">
+        <a:schemeClr val="lt1"/>
+      </a:fontRef>
+    </dgm:style>
+  </dgm:styleLbl>
+  <dgm:styleLbl name="node4">
+    <dgm:scene3d>
+      <a:camera prst="orthographicFront"/>
+      <a:lightRig rig="threePt" dir="t"/>
+    </dgm:scene3d>
+    <dgm:sp3d/>
+    <dgm:txPr/>
+    <dgm:style>
+      <a:lnRef idx="2">
+        <a:scrgbClr r="0" g="0" b="0"/>
+      </a:lnRef>
+      <a:fillRef idx="1">
+        <a:scrgbClr r="0" g="0" b="0"/>
+      </a:fillRef>
+      <a:effectRef idx="0">
+        <a:scrgbClr r="0" g="0" b="0"/>
+      </a:effectRef>
+      <a:fontRef idx="minor">
+        <a:schemeClr val="lt1"/>
+      </a:fontRef>
+    </dgm:style>
+  </dgm:styleLbl>
+  <dgm:styleLbl name="fgImgPlace1">
+    <dgm:scene3d>
+      <a:camera prst="orthographicFront"/>
+      <a:lightRig rig="threePt" dir="t"/>
+    </dgm:scene3d>
+    <dgm:sp3d/>
+    <dgm:txPr/>
+    <dgm:style>
+      <a:lnRef idx="2">
+        <a:scrgbClr r="0" g="0" b="0"/>
+      </a:lnRef>
+      <a:fillRef idx="1">
+        <a:scrgbClr r="0" g="0" b="0"/>
+      </a:fillRef>
+      <a:effectRef idx="0">
+        <a:scrgbClr r="0" g="0" b="0"/>
+      </a:effectRef>
+      <a:fontRef idx="minor"/>
+    </dgm:style>
+  </dgm:styleLbl>
+  <dgm:styleLbl name="alignImgPlace1">
+    <dgm:scene3d>
+      <a:camera prst="orthographicFront"/>
+      <a:lightRig rig="threePt" dir="t"/>
+    </dgm:scene3d>
+    <dgm:sp3d/>
+    <dgm:txPr/>
+    <dgm:style>
+      <a:lnRef idx="2">
+        <a:scrgbClr r="0" g="0" b="0"/>
+      </a:lnRef>
+      <a:fillRef idx="1">
+        <a:scrgbClr r="0" g="0" b="0"/>
+      </a:fillRef>
+      <a:effectRef idx="0">
+        <a:scrgbClr r="0" g="0" b="0"/>
+      </a:effectRef>
+      <a:fontRef idx="minor"/>
+    </dgm:style>
+  </dgm:styleLbl>
+  <dgm:styleLbl name="bgImgPlace1">
+    <dgm:scene3d>
+      <a:camera prst="orthographicFront"/>
+      <a:lightRig rig="threePt" dir="t"/>
+    </dgm:scene3d>
+    <dgm:sp3d/>
+    <dgm:txPr/>
+    <dgm:style>
+      <a:lnRef idx="2">
+        <a:scrgbClr r="0" g="0" b="0"/>
+      </a:lnRef>
+      <a:fillRef idx="1">
+        <a:scrgbClr r="0" g="0" b="0"/>
+      </a:fillRef>
+      <a:effectRef idx="0">
+        <a:scrgbClr r="0" g="0" b="0"/>
+      </a:effectRef>
+      <a:fontRef idx="minor"/>
+    </dgm:style>
+  </dgm:styleLbl>
+  <dgm:styleLbl name="sibTrans2D1">
+    <dgm:scene3d>
+      <a:camera prst="orthographicFront"/>
+      <a:lightRig rig="threePt" dir="t"/>
+    </dgm:scene3d>
+    <dgm:sp3d/>
+    <dgm:txPr/>
+    <dgm:style>
+      <a:lnRef idx="0">
+        <a:scrgbClr r="0" g="0" b="0"/>
+      </a:lnRef>
+      <a:fillRef idx="1">
+        <a:scrgbClr r="0" g="0" b="0"/>
+      </a:fillRef>
+      <a:effectRef idx="0">
+        <a:scrgbClr r="0" g="0" b="0"/>
+      </a:effectRef>
+      <a:fontRef idx="minor">
+        <a:schemeClr val="lt1"/>
+      </a:fontRef>
+    </dgm:style>
+  </dgm:styleLbl>
+  <dgm:styleLbl name="fgSibTrans2D1">
+    <dgm:scene3d>
+      <a:camera prst="orthographicFront"/>
+      <a:lightRig rig="threePt" dir="t"/>
+    </dgm:scene3d>
+    <dgm:sp3d/>
+    <dgm:txPr/>
+    <dgm:style>
+      <a:lnRef idx="0">
+        <a:scrgbClr r="0" g="0" b="0"/>
+      </a:lnRef>
+      <a:fillRef idx="1">
+        <a:scrgbClr r="0" g="0" b="0"/>
+      </a:fillRef>
+      <a:effectRef idx="0">
+        <a:scrgbClr r="0" g="0" b="0"/>
+      </a:effectRef>
+      <a:fontRef idx="minor">
+        <a:schemeClr val="lt1"/>
+      </a:fontRef>
+    </dgm:style>
+  </dgm:styleLbl>
+  <dgm:styleLbl name="bgSibTrans2D1">
+    <dgm:scene3d>
+      <a:camera prst="orthographicFront"/>
+      <a:lightRig rig="threePt" dir="t"/>
+    </dgm:scene3d>
+    <dgm:sp3d/>
+    <dgm:txPr/>
+    <dgm:style>
+      <a:lnRef idx="0">
+        <a:scrgbClr r="0" g="0" b="0"/>
+      </a:lnRef>
+      <a:fillRef idx="1">
+        <a:scrgbClr r="0" g="0" b="0"/>
+      </a:fillRef>
+      <a:effectRef idx="0">
+        <a:scrgbClr r="0" g="0" b="0"/>
+      </a:effectRef>
+      <a:fontRef idx="minor">
+        <a:schemeClr val="lt1"/>
+      </a:fontRef>
+    </dgm:style>
+  </dgm:styleLbl>
+  <dgm:styleLbl name="sibTrans1D1">
+    <dgm:scene3d>
+      <a:camera prst="orthographicFront"/>
+      <a:lightRig rig="threePt" dir="t"/>
+    </dgm:scene3d>
+    <dgm:sp3d/>
+    <dgm:txPr/>
+    <dgm:style>
+      <a:lnRef idx="1">
+        <a:scrgbClr r="0" g="0" b="0"/>
+      </a:lnRef>
+      <a:fillRef idx="0">
+        <a:scrgbClr r="0" g="0" b="0"/>
+      </a:fillRef>
+      <a:effectRef idx="0">
+        <a:scrgbClr r="0" g="0" b="0"/>
+      </a:effectRef>
+      <a:fontRef idx="minor"/>
+    </dgm:style>
+  </dgm:styleLbl>
+  <dgm:styleLbl name="callout">
+    <dgm:scene3d>
+      <a:camera prst="orthographicFront"/>
+      <a:lightRig rig="threePt" dir="t"/>
+    </dgm:scene3d>
+    <dgm:sp3d/>
+    <dgm:txPr/>
+    <dgm:style>
+      <a:lnRef idx="2">
+        <a:scrgbClr r="0" g="0" b="0"/>
+      </a:lnRef>
+      <a:fillRef idx="1">
+        <a:scrgbClr r="0" g="0" b="0"/>
+      </a:fillRef>
+      <a:effectRef idx="0">
+        <a:scrgbClr r="0" g="0" b="0"/>
+      </a:effectRef>
+      <a:fontRef idx="minor"/>
+    </dgm:style>
+  </dgm:styleLbl>
+  <dgm:styleLbl name="asst0">
+    <dgm:scene3d>
+      <a:camera prst="orthographicFront"/>
+      <a:lightRig rig="threePt" dir="t"/>
+    </dgm:scene3d>
+    <dgm:sp3d/>
+    <dgm:txPr/>
+    <dgm:style>
+      <a:lnRef idx="2">
+        <a:scrgbClr r="0" g="0" b="0"/>
+      </a:lnRef>
+      <a:fillRef idx="1">
+        <a:scrgbClr r="0" g="0" b="0"/>
+      </a:fillRef>
+      <a:effectRef idx="0">
+        <a:scrgbClr r="0" g="0" b="0"/>
+      </a:effectRef>
+      <a:fontRef idx="minor">
+        <a:schemeClr val="lt1"/>
+      </a:fontRef>
+    </dgm:style>
+  </dgm:styleLbl>
+  <dgm:styleLbl name="asst1">
+    <dgm:scene3d>
+      <a:camera prst="orthographicFront"/>
+      <a:lightRig rig="threePt" dir="t"/>
+    </dgm:scene3d>
+    <dgm:sp3d/>
+    <dgm:txPr/>
+    <dgm:style>
+      <a:lnRef idx="2">
+        <a:scrgbClr r="0" g="0" b="0"/>
+      </a:lnRef>
+      <a:fillRef idx="1">
+        <a:scrgbClr r="0" g="0" b="0"/>
+      </a:fillRef>
+      <a:effectRef idx="0">
+        <a:scrgbClr r="0" g="0" b="0"/>
+      </a:effectRef>
+      <a:fontRef idx="minor">
+        <a:schemeClr val="lt1"/>
+      </a:fontRef>
+    </dgm:style>
+  </dgm:styleLbl>
+  <dgm:styleLbl name="asst2">
+    <dgm:scene3d>
+      <a:camera prst="orthographicFront"/>
+      <a:lightRig rig="threePt" dir="t"/>
+    </dgm:scene3d>
+    <dgm:sp3d/>
+    <dgm:txPr/>
+    <dgm:style>
+      <a:lnRef idx="2">
+        <a:scrgbClr r="0" g="0" b="0"/>
+      </a:lnRef>
+      <a:fillRef idx="1">
+        <a:scrgbClr r="0" g="0" b="0"/>
+      </a:fillRef>
+      <a:effectRef idx="0">
+        <a:scrgbClr r="0" g="0" b="0"/>
+      </a:effectRef>
+      <a:fontRef idx="minor">
+        <a:schemeClr val="lt1"/>
+      </a:fontRef>
+    </dgm:style>
+  </dgm:styleLbl>
+  <dgm:styleLbl name="asst3">
+    <dgm:scene3d>
+      <a:camera prst="orthographicFront"/>
+      <a:lightRig rig="threePt" dir="t"/>
+    </dgm:scene3d>
+    <dgm:sp3d/>
+    <dgm:txPr/>
+    <dgm:style>
+      <a:lnRef idx="2">
+        <a:scrgbClr r="0" g="0" b="0"/>
+      </a:lnRef>
+      <a:fillRef idx="1">
+        <a:scrgbClr r="0" g="0" b="0"/>
+      </a:fillRef>
+      <a:effectRef idx="0">
+        <a:scrgbClr r="0" g="0" b="0"/>
+      </a:effectRef>
+      <a:fontRef idx="minor">
+        <a:schemeClr val="lt1"/>
+      </a:fontRef>
+    </dgm:style>
+  </dgm:styleLbl>
+  <dgm:styleLbl name="asst4">
+    <dgm:scene3d>
+      <a:camera prst="orthographicFront"/>
+      <a:lightRig rig="threePt" dir="t"/>
+    </dgm:scene3d>
+    <dgm:sp3d/>
+    <dgm:txPr/>
+    <dgm:style>
+      <a:lnRef idx="2">
+        <a:scrgbClr r="0" g="0" b="0"/>
+      </a:lnRef>
+      <a:fillRef idx="1">
+        <a:scrgbClr r="0" g="0" b="0"/>
+      </a:fillRef>
+      <a:effectRef idx="0">
+        <a:scrgbClr r="0" g="0" b="0"/>
+      </a:effectRef>
+      <a:fontRef idx="minor">
+        <a:schemeClr val="lt1"/>
+      </a:fontRef>
+    </dgm:style>
+  </dgm:styleLbl>
+  <dgm:styleLbl name="parChTrans2D1">
+    <dgm:scene3d>
+      <a:camera prst="orthographicFront"/>
+      <a:lightRig rig="threePt" dir="t"/>
+    </dgm:scene3d>
+    <dgm:sp3d/>
+    <dgm:txPr/>
+    <dgm:style>
+      <a:lnRef idx="2">
+        <a:scrgbClr r="0" g="0" b="0"/>
+      </a:lnRef>
+      <a:fillRef idx="1">
+        <a:scrgbClr r="0" g="0" b="0"/>
+      </a:fillRef>
+      <a:effectRef idx="0">
+        <a:scrgbClr r="0" g="0" b="0"/>
+      </a:effectRef>
+      <a:fontRef idx="minor">
+        <a:schemeClr val="lt1"/>
+      </a:fontRef>
+    </dgm:style>
+  </dgm:styleLbl>
+  <dgm:styleLbl name="parChTrans2D2">
+    <dgm:scene3d>
+      <a:camera prst="orthographicFront"/>
+      <a:lightRig rig="threePt" dir="t"/>
+    </dgm:scene3d>
+    <dgm:sp3d/>
+    <dgm:txPr/>
+    <dgm:style>
+      <a:lnRef idx="2">
+        <a:scrgbClr r="0" g="0" b="0"/>
+      </a:lnRef>
+      <a:fillRef idx="1">
+        <a:scrgbClr r="0" g="0" b="0"/>
+      </a:fillRef>
+      <a:effectRef idx="0">
+        <a:scrgbClr r="0" g="0" b="0"/>
+      </a:effectRef>
+      <a:fontRef idx="minor">
+        <a:schemeClr val="lt1"/>
+      </a:fontRef>
+    </dgm:style>
+  </dgm:styleLbl>
+  <dgm:styleLbl name="parChTrans2D3">
+    <dgm:scene3d>
+      <a:camera prst="orthographicFront"/>
+      <a:lightRig rig="threePt" dir="t"/>
+    </dgm:scene3d>
+    <dgm:sp3d/>
+    <dgm:txPr/>
+    <dgm:style>
+      <a:lnRef idx="2">
+        <a:scrgbClr r="0" g="0" b="0"/>
+      </a:lnRef>
+      <a:fillRef idx="1">
+        <a:scrgbClr r="0" g="0" b="0"/>
+      </a:fillRef>
+      <a:effectRef idx="0">
+        <a:scrgbClr r="0" g="0" b="0"/>
+      </a:effectRef>
+      <a:fontRef idx="minor">
+        <a:schemeClr val="lt1"/>
+      </a:fontRef>
+    </dgm:style>
+  </dgm:styleLbl>
+  <dgm:styleLbl name="parChTrans2D4">
+    <dgm:scene3d>
+      <a:camera prst="orthographicFront"/>
+      <a:lightRig rig="threePt" dir="t"/>
+    </dgm:scene3d>
+    <dgm:sp3d/>
+    <dgm:txPr/>
+    <dgm:style>
+      <a:lnRef idx="2">
+        <a:scrgbClr r="0" g="0" b="0"/>
+      </a:lnRef>
+      <a:fillRef idx="1">
+        <a:scrgbClr r="0" g="0" b="0"/>
+      </a:fillRef>
+      <a:effectRef idx="0">
+        <a:scrgbClr r="0" g="0" b="0"/>
+      </a:effectRef>
+      <a:fontRef idx="minor">
+        <a:schemeClr val="lt1"/>
+      </a:fontRef>
+    </dgm:style>
+  </dgm:styleLbl>
+  <dgm:styleLbl name="parChTrans1D1">
+    <dgm:scene3d>
+      <a:camera prst="orthographicFront"/>
+      <a:lightRig rig="threePt" dir="t"/>
+    </dgm:scene3d>
+    <dgm:sp3d/>
+    <dgm:txPr/>
+    <dgm:style>
+      <a:lnRef idx="2">
+        <a:scrgbClr r="0" g="0" b="0"/>
+      </a:lnRef>
+      <a:fillRef idx="0">
+        <a:scrgbClr r="0" g="0" b="0"/>
+      </a:fillRef>
+      <a:effectRef idx="0">
+        <a:scrgbClr r="0" g="0" b="0"/>
+      </a:effectRef>
+      <a:fontRef idx="minor"/>
+    </dgm:style>
+  </dgm:styleLbl>
+  <dgm:styleLbl name="parChTrans1D2">
+    <dgm:scene3d>
+      <a:camera prst="orthographicFront"/>
+      <a:lightRig rig="threePt" dir="t"/>
+    </dgm:scene3d>
+    <dgm:sp3d/>
+    <dgm:txPr/>
+    <dgm:style>
+      <a:lnRef idx="2">
+        <a:scrgbClr r="0" g="0" b="0"/>
+      </a:lnRef>
+      <a:fillRef idx="0">
+        <a:scrgbClr r="0" g="0" b="0"/>
+      </a:fillRef>
+      <a:effectRef idx="0">
+        <a:scrgbClr r="0" g="0" b="0"/>
+      </a:effectRef>
+      <a:fontRef idx="minor"/>
+    </dgm:style>
+  </dgm:styleLbl>
+  <dgm:styleLbl name="parChTrans1D3">
+    <dgm:scene3d>
+      <a:camera prst="orthographicFront"/>
+      <a:lightRig rig="threePt" dir="t"/>
+    </dgm:scene3d>
+    <dgm:sp3d/>
+    <dgm:txPr/>
+    <dgm:style>
+      <a:lnRef idx="2">
+        <a:scrgbClr r="0" g="0" b="0"/>
+      </a:lnRef>
+      <a:fillRef idx="0">
+        <a:scrgbClr r="0" g="0" b="0"/>
+      </a:fillRef>
+      <a:effectRef idx="0">
+        <a:scrgbClr r="0" g="0" b="0"/>
+      </a:effectRef>
+      <a:fontRef idx="minor"/>
+    </dgm:style>
+  </dgm:styleLbl>
+  <dgm:styleLbl name="parChTrans1D4">
+    <dgm:scene3d>
+      <a:camera prst="orthographicFront"/>
+      <a:lightRig rig="threePt" dir="t"/>
+    </dgm:scene3d>
+    <dgm:sp3d/>
+    <dgm:txPr/>
+    <dgm:style>
+      <a:lnRef idx="2">
+        <a:scrgbClr r="0" g="0" b="0"/>
+      </a:lnRef>
+      <a:fillRef idx="0">
+        <a:scrgbClr r="0" g="0" b="0"/>
+      </a:fillRef>
+      <a:effectRef idx="0">
+        <a:scrgbClr r="0" g="0" b="0"/>
+      </a:effectRef>
+      <a:fontRef idx="minor"/>
+    </dgm:style>
+  </dgm:styleLbl>
+  <dgm:styleLbl name="fgAcc1">
+    <dgm:scene3d>
+      <a:camera prst="orthographicFront"/>
+      <a:lightRig rig="threePt" dir="t"/>
+    </dgm:scene3d>
+    <dgm:sp3d/>
+    <dgm:txPr/>
+    <dgm:style>
+      <a:lnRef idx="2">
+        <a:scrgbClr r="0" g="0" b="0"/>
+      </a:lnRef>
+      <a:fillRef idx="1">
+        <a:scrgbClr r="0" g="0" b="0"/>
+      </a:fillRef>
+      <a:effectRef idx="0">
+        <a:scrgbClr r="0" g="0" b="0"/>
+      </a:effectRef>
+      <a:fontRef idx="minor"/>
+    </dgm:style>
+  </dgm:styleLbl>
+  <dgm:styleLbl name="conFgAcc1">
+    <dgm:scene3d>
+      <a:camera prst="orthographicFront"/>
+      <a:lightRig rig="threePt" dir="t"/>
+    </dgm:scene3d>
+    <dgm:sp3d/>
+    <dgm:txPr/>
+    <dgm:style>
+      <a:lnRef idx="2">
+        <a:scrgbClr r="0" g="0" b="0"/>
+      </a:lnRef>
+      <a:fillRef idx="1">
+        <a:scrgbClr r="0" g="0" b="0"/>
+      </a:fillRef>
+      <a:effectRef idx="0">
+        <a:scrgbClr r="0" g="0" b="0"/>
+      </a:effectRef>
+      <a:fontRef idx="minor"/>
+    </dgm:style>
+  </dgm:styleLbl>
+  <dgm:styleLbl name="alignAcc1">
+    <dgm:scene3d>
+      <a:camera prst="orthographicFront"/>
+      <a:lightRig rig="threePt" dir="t"/>
+    </dgm:scene3d>
+    <dgm:sp3d/>
+    <dgm:txPr/>
+    <dgm:style>
+      <a:lnRef idx="2">
+        <a:scrgbClr r="0" g="0" b="0"/>
+      </a:lnRef>
+      <a:fillRef idx="1">
+        <a:scrgbClr r="0" g="0" b="0"/>
+      </a:fillRef>
+      <a:effectRef idx="0">
+        <a:scrgbClr r="0" g="0" b="0"/>
+      </a:effectRef>
+      <a:fontRef idx="minor"/>
+    </dgm:style>
+  </dgm:styleLbl>
+  <dgm:styleLbl name="trAlignAcc1">
+    <dgm:scene3d>
+      <a:camera prst="orthographicFront"/>
+      <a:lightRig rig="threePt" dir="t"/>
+    </dgm:scene3d>
+    <dgm:sp3d/>
+    <dgm:txPr/>
+    <dgm:style>
+      <a:lnRef idx="1">
+        <a:scrgbClr r="0" g="0" b="0"/>
+      </a:lnRef>
+      <a:fillRef idx="1">
+        <a:scrgbClr r="0" g="0" b="0"/>
+      </a:fillRef>
+      <a:effectRef idx="0">
+        <a:scrgbClr r="0" g="0" b="0"/>
+      </a:effectRef>
+      <a:fontRef idx="minor"/>
+    </dgm:style>
+  </dgm:styleLbl>
+  <dgm:styleLbl name="bgAcc1">
+    <dgm:scene3d>
+      <a:camera prst="orthographicFront"/>
+      <a:lightRig rig="threePt" dir="t"/>
+    </dgm:scene3d>
+    <dgm:sp3d/>
+    <dgm:txPr/>
+    <dgm:style>
+      <a:lnRef idx="2">
+        <a:scrgbClr r="0" g="0" b="0"/>
+      </a:lnRef>
+      <a:fillRef idx="1">
+        <a:scrgbClr r="0" g="0" b="0"/>
+      </a:fillRef>
+      <a:effectRef idx="0">
+        <a:scrgbClr r="0" g="0" b="0"/>
+      </a:effectRef>
+      <a:fontRef idx="minor"/>
+    </dgm:style>
+  </dgm:styleLbl>
+  <dgm:styleLbl name="solidFgAcc1">
+    <dgm:scene3d>
+      <a:camera prst="orthographicFront"/>
+      <a:lightRig rig="threePt" dir="t"/>
+    </dgm:scene3d>
+    <dgm:sp3d/>
+    <dgm:txPr/>
+    <dgm:style>
+      <a:lnRef idx="2">
+        <a:scrgbClr r="0" g="0" b="0"/>
+      </a:lnRef>
+      <a:fillRef idx="1">
+        <a:scrgbClr r="0" g="0" b="0"/>
+      </a:fillRef>
+      <a:effectRef idx="0">
+        <a:scrgbClr r="0" g="0" b="0"/>
+      </a:effectRef>
+      <a:fontRef idx="minor"/>
+    </dgm:style>
+  </dgm:styleLbl>
+  <dgm:styleLbl name="solidAlignAcc1">
+    <dgm:scene3d>
+      <a:camera prst="orthographicFront"/>
+      <a:lightRig rig="threePt" dir="t"/>
+    </dgm:scene3d>
+    <dgm:sp3d/>
+    <dgm:txPr/>
+    <dgm:style>
+      <a:lnRef idx="2">
+        <a:scrgbClr r="0" g="0" b="0"/>
+      </a:lnRef>
+      <a:fillRef idx="1">
+        <a:scrgbClr r="0" g="0" b="0"/>
+      </a:fillRef>
+      <a:effectRef idx="0">
+        <a:scrgbClr r="0" g="0" b="0"/>
+      </a:effectRef>
+      <a:fontRef idx="minor"/>
+    </dgm:style>
+  </dgm:styleLbl>
+  <dgm:styleLbl name="solidBgAcc1">
+    <dgm:scene3d>
+      <a:camera prst="orthographicFront"/>
+      <a:lightRig rig="threePt" dir="t"/>
+    </dgm:scene3d>
+    <dgm:sp3d/>
+    <dgm:txPr/>
+    <dgm:style>
+      <a:lnRef idx="2">
+        <a:scrgbClr r="0" g="0" b="0"/>
+      </a:lnRef>
+      <a:fillRef idx="1">
+        <a:scrgbClr r="0" g="0" b="0"/>
+      </a:fillRef>
+      <a:effectRef idx="0">
+        <a:scrgbClr r="0" g="0" b="0"/>
+      </a:effectRef>
+      <a:fontRef idx="minor"/>
+    </dgm:style>
+  </dgm:styleLbl>
+  <dgm:styleLbl name="fgAccFollowNode1">
+    <dgm:scene3d>
+      <a:camera prst="orthographicFront"/>
+      <a:lightRig rig="threePt" dir="t"/>
+    </dgm:scene3d>
+    <dgm:sp3d/>
+    <dgm:txPr/>
+    <dgm:style>
+      <a:lnRef idx="2">
+        <a:scrgbClr r="0" g="0" b="0"/>
+      </a:lnRef>
+      <a:fillRef idx="1">
+        <a:scrgbClr r="0" g="0" b="0"/>
+      </a:fillRef>
+      <a:effectRef idx="0">
+        <a:scrgbClr r="0" g="0" b="0"/>
+      </a:effectRef>
+      <a:fontRef idx="minor"/>
+    </dgm:style>
+  </dgm:styleLbl>
+  <dgm:styleLbl name="alignAccFollowNode1">
+    <dgm:scene3d>
+      <a:camera prst="orthographicFront"/>
+      <a:lightRig rig="threePt" dir="t"/>
+    </dgm:scene3d>
+    <dgm:sp3d/>
+    <dgm:txPr/>
+    <dgm:style>
+      <a:lnRef idx="2">
+        <a:scrgbClr r="0" g="0" b="0"/>
+      </a:lnRef>
+      <a:fillRef idx="1">
+        <a:scrgbClr r="0" g="0" b="0"/>
+      </a:fillRef>
+      <a:effectRef idx="0">
+        <a:scrgbClr r="0" g="0" b="0"/>
+      </a:effectRef>
+      <a:fontRef idx="minor"/>
+    </dgm:style>
+  </dgm:styleLbl>
+  <dgm:styleLbl name="bgAccFollowNode1">
+    <dgm:scene3d>
+      <a:camera prst="orthographicFront"/>
+      <a:lightRig rig="threePt" dir="t"/>
+    </dgm:scene3d>
+    <dgm:sp3d/>
+    <dgm:txPr/>
+    <dgm:style>
+      <a:lnRef idx="2">
+        <a:scrgbClr r="0" g="0" b="0"/>
+      </a:lnRef>
+      <a:fillRef idx="1">
+        <a:scrgbClr r="0" g="0" b="0"/>
+      </a:fillRef>
+      <a:effectRef idx="0">
+        <a:scrgbClr r="0" g="0" b="0"/>
+      </a:effectRef>
+      <a:fontRef idx="minor"/>
+    </dgm:style>
+  </dgm:styleLbl>
+  <dgm:styleLbl name="fgAcc0">
+    <dgm:scene3d>
+      <a:camera prst="orthographicFront"/>
+      <a:lightRig rig="threePt" dir="t"/>
+    </dgm:scene3d>
+    <dgm:sp3d/>
+    <dgm:txPr/>
+    <dgm:style>
+      <a:lnRef idx="2">
+        <a:scrgbClr r="0" g="0" b="0"/>
+      </a:lnRef>
+      <a:fillRef idx="1">
+        <a:scrgbClr r="0" g="0" b="0"/>
+      </a:fillRef>
+      <a:effectRef idx="0">
+        <a:scrgbClr r="0" g="0" b="0"/>
+      </a:effectRef>
+      <a:fontRef idx="minor"/>
+    </dgm:style>
+  </dgm:styleLbl>
+  <dgm:styleLbl name="fgAcc2">
+    <dgm:scene3d>
+      <a:camera prst="orthographicFront"/>
+      <a:lightRig rig="threePt" dir="t"/>
+    </dgm:scene3d>
+    <dgm:sp3d/>
+    <dgm:txPr/>
+    <dgm:style>
+      <a:lnRef idx="2">
+        <a:scrgbClr r="0" g="0" b="0"/>
+      </a:lnRef>
+      <a:fillRef idx="1">
+        <a:scrgbClr r="0" g="0" b="0"/>
+      </a:fillRef>
+      <a:effectRef idx="0">
+        <a:scrgbClr r="0" g="0" b="0"/>
+      </a:effectRef>
+      <a:fontRef idx="minor"/>
+    </dgm:style>
+  </dgm:styleLbl>
+  <dgm:styleLbl name="fgAcc3">
+    <dgm:scene3d>
+      <a:camera prst="orthographicFront"/>
+      <a:lightRig rig="threePt" dir="t"/>
+    </dgm:scene3d>
+    <dgm:sp3d/>
+    <dgm:txPr/>
+    <dgm:style>
+      <a:lnRef idx="2">
+        <a:scrgbClr r="0" g="0" b="0"/>
+      </a:lnRef>
+      <a:fillRef idx="1">
+        <a:scrgbClr r="0" g="0" b="0"/>
+      </a:fillRef>
+      <a:effectRef idx="0">
+        <a:scrgbClr r="0" g="0" b="0"/>
+      </a:effectRef>
+      <a:fontRef idx="minor"/>
+    </dgm:style>
+  </dgm:styleLbl>
+  <dgm:styleLbl name="fgAcc4">
+    <dgm:scene3d>
+      <a:camera prst="orthographicFront"/>
+      <a:lightRig rig="threePt" dir="t"/>
+    </dgm:scene3d>
+    <dgm:sp3d/>
+    <dgm:txPr/>
+    <dgm:style>
+      <a:lnRef idx="2">
+        <a:scrgbClr r="0" g="0" b="0"/>
+      </a:lnRef>
+      <a:fillRef idx="1">
+        <a:scrgbClr r="0" g="0" b="0"/>
+      </a:fillRef>
+      <a:effectRef idx="0">
+        <a:scrgbClr r="0" g="0" b="0"/>
+      </a:effectRef>
+      <a:fontRef idx="minor"/>
+    </dgm:style>
+  </dgm:styleLbl>
+  <dgm:styleLbl name="bgShp">
+    <dgm:scene3d>
+      <a:camera prst="orthographicFront"/>
+      <a:lightRig rig="threePt" dir="t"/>
+    </dgm:scene3d>
+    <dgm:sp3d/>
+    <dgm:txPr/>
+    <dgm:style>
+      <a:lnRef idx="0">
+        <a:scrgbClr r="0" g="0" b="0"/>
+      </a:lnRef>
+      <a:fillRef idx="1">
+        <a:scrgbClr r="0" g="0" b="0"/>
+      </a:fillRef>
+      <a:effectRef idx="0">
+        <a:scrgbClr r="0" g="0" b="0"/>
+      </a:effectRef>
+      <a:fontRef idx="minor"/>
+    </dgm:style>
+  </dgm:styleLbl>
+  <dgm:styleLbl name="dkBgShp">
+    <dgm:scene3d>
+      <a:camera prst="orthographicFront"/>
+      <a:lightRig rig="threePt" dir="t"/>
+    </dgm:scene3d>
+    <dgm:sp3d/>
+    <dgm:txPr/>
+    <dgm:style>
+      <a:lnRef idx="0">
+        <a:scrgbClr r="0" g="0" b="0"/>
+      </a:lnRef>
+      <a:fillRef idx="1">
+        <a:scrgbClr r="0" g="0" b="0"/>
+      </a:fillRef>
+      <a:effectRef idx="0">
+        <a:scrgbClr r="0" g="0" b="0"/>
+      </a:effectRef>
+      <a:fontRef idx="minor"/>
+    </dgm:style>
+  </dgm:styleLbl>
+  <dgm:styleLbl name="trBgShp">
+    <dgm:scene3d>
+      <a:camera prst="orthographicFront"/>
+      <a:lightRig rig="threePt" dir="t"/>
+    </dgm:scene3d>
+    <dgm:sp3d/>
+    <dgm:txPr/>
+    <dgm:style>
+      <a:lnRef idx="0">
+        <a:scrgbClr r="0" g="0" b="0"/>
+      </a:lnRef>
+      <a:fillRef idx="1">
+        <a:scrgbClr r="0" g="0" b="0"/>
+      </a:fillRef>
+      <a:effectRef idx="0">
+        <a:scrgbClr r="0" g="0" b="0"/>
+      </a:effectRef>
+      <a:fontRef idx="minor"/>
+    </dgm:style>
+  </dgm:styleLbl>
+  <dgm:styleLbl name="fgShp">
+    <dgm:scene3d>
+      <a:camera prst="orthographicFront"/>
+      <a:lightRig rig="threePt" dir="t"/>
+    </dgm:scene3d>
+    <dgm:sp3d/>
+    <dgm:txPr/>
+    <dgm:style>
+      <a:lnRef idx="2">
+        <a:scrgbClr r="0" g="0" b="0"/>
+      </a:lnRef>
+      <a:fillRef idx="1">
+        <a:scrgbClr r="0" g="0" b="0"/>
+      </a:fillRef>
+      <a:effectRef idx="0">
+        <a:scrgbClr r="0" g="0" b="0"/>
+      </a:effectRef>
+      <a:fontRef idx="minor"/>
+    </dgm:style>
+  </dgm:styleLbl>
+  <dgm:styleLbl name="revTx">
+    <dgm:scene3d>
+      <a:camera prst="orthographicFront"/>
+      <a:lightRig rig="threePt" dir="t"/>
+    </dgm:scene3d>
+    <dgm:sp3d/>
+    <dgm:txPr/>
+    <dgm:style>
+      <a:lnRef idx="0">
+        <a:scrgbClr r="0" g="0" b="0"/>
+      </a:lnRef>
+      <a:fillRef idx="0">
+        <a:scrgbClr r="0" g="0" b="0"/>
+      </a:fillRef>
+      <a:effectRef idx="0">
+        <a:scrgbClr r="0" g="0" b="0"/>
+      </a:effectRef>
+      <a:fontRef idx="minor"/>
+    </dgm:style>
+  </dgm:styleLbl>
+</dgm:styleDef>
+</file>
+
 <file path=ppt/notesMasters/notesMaster1.xml><?xml version="1.0" encoding="utf-8"?>
 <p:notesMaster xmlns:a="http://schemas.openxmlformats.org/drawingml/2006/main" xmlns:r="http://schemas.openxmlformats.org/officeDocument/2006/relationships" xmlns:p="http://schemas.openxmlformats.org/presentationml/2006/main">
   <p:cSld>
@@ -215,7 +2261,7 @@
           <a:p>
             <a:fld id="{286CCB56-B95E-44AB-BB6B-03EE6A18465C}" type="datetimeFigureOut">
               <a:rPr kumimoji="1" lang="ja-JP" altLang="en-US" smtClean="0"/>
-              <a:t>2017/2/15</a:t>
+              <a:t>2017/2/16</a:t>
             </a:fld>
             <a:endParaRPr kumimoji="1" lang="ja-JP" altLang="en-US"/>
           </a:p>
@@ -663,25 +2709,20 @@
           <a:p>
             <a:r>
               <a:rPr kumimoji="1" lang="ja-JP" altLang="en-US" dirty="0"/>
-              <a:t>では、まとめを述べたいと思います。</a:t>
-            </a:r>
-            <a:r>
-              <a:rPr lang="ja-JP" altLang="en-US" dirty="0"/>
-              <a:t>本研究では</a:t>
-            </a:r>
-            <a:r>
-              <a:rPr lang="en-US" altLang="ja-JP" dirty="0"/>
-              <a:t>web</a:t>
-            </a:r>
-            <a:r>
-              <a:rPr lang="ja-JP" altLang="en-US" dirty="0"/>
-              <a:t>プログラミングを用いて授業評価アンケートを作成しました。このアンケートは従来のマークシート方式に比べて経済性の改善、教員の労力削減、ユーザ体験の</a:t>
-            </a:r>
-            <a:r>
-              <a:rPr lang="ja-JP" altLang="en-US"/>
-              <a:t>向上が実現できました。今後の展望として、このプログラムに新機能を追加し、高専の授業のさらなる品質向上に貢献していきたいと考えています。</a:t>
-            </a:r>
-            <a:endParaRPr lang="en-US" altLang="ja-JP" dirty="0"/>
+              <a:t>これらの新機能を実装することで、授業終了後に学生がすぐに今回の授業を評価することができ、より正確な意見が収集できます。</a:t>
+            </a:r>
+          </a:p>
+          <a:p>
+            <a:r>
+              <a:rPr kumimoji="1" lang="ja-JP" altLang="en-US" dirty="0"/>
+              <a:t>また、教員も授業の内容を覚えているうちに学生からのフィードバックを得られるので今までよりもさらに授業の品質が向上します。</a:t>
+            </a:r>
+          </a:p>
+          <a:p>
+            <a:endParaRPr kumimoji="1" lang="ja-JP" altLang="en-US" dirty="0"/>
+          </a:p>
+          <a:p>
+            <a:endParaRPr kumimoji="1" lang="ja-JP" altLang="en-US" dirty="0"/>
           </a:p>
         </p:txBody>
       </p:sp>
@@ -702,7 +2743,7 @@
           <a:p>
             <a:fld id="{DE4497FE-1A65-4799-B01D-44564FDEC19E}" type="slidenum">
               <a:rPr kumimoji="1" lang="ja-JP" altLang="en-US" smtClean="0"/>
-              <a:t>10</a:t>
+              <a:t>11</a:t>
             </a:fld>
             <a:endParaRPr kumimoji="1" lang="ja-JP" altLang="en-US"/>
           </a:p>
@@ -711,7 +2752,7 @@
     </p:spTree>
     <p:extLst>
       <p:ext uri="{BB962C8B-B14F-4D97-AF65-F5344CB8AC3E}">
-        <p14:creationId xmlns:p14="http://schemas.microsoft.com/office/powerpoint/2010/main" val="752795588"/>
+        <p14:creationId xmlns:p14="http://schemas.microsoft.com/office/powerpoint/2010/main" val="254944331"/>
       </p:ext>
     </p:extLst>
   </p:cSld>
@@ -789,7 +2830,7 @@
           <a:p>
             <a:fld id="{DE4497FE-1A65-4799-B01D-44564FDEC19E}" type="slidenum">
               <a:rPr kumimoji="1" lang="ja-JP" altLang="en-US" smtClean="0"/>
-              <a:t>15</a:t>
+              <a:t>16</a:t>
             </a:fld>
             <a:endParaRPr kumimoji="1" lang="ja-JP" altLang="en-US"/>
           </a:p>
@@ -866,15 +2907,19 @@
             </a:r>
             <a:r>
               <a:rPr lang="ja-JP" altLang="en-US" dirty="0"/>
-              <a:t>上で授業評価アンケートを実施することです。従来はマークシート方式で授業評価アンケートを実施していたものを</a:t>
-            </a:r>
-            <a:r>
-              <a:rPr lang="en-US" altLang="ja-JP" dirty="0"/>
+              <a:t>上で授業評価アンケートを実施することです</a:t>
+            </a:r>
+            <a:r>
+              <a:rPr lang="ja-JP" altLang="en-US" dirty="0" smtClean="0"/>
+              <a:t>。鹿児島高専ではこれまでマークシート方式で授業評価アンケートを実施してきました。本研究ではそのアンケートを</a:t>
+            </a:r>
+            <a:r>
+              <a:rPr lang="en-US" altLang="ja-JP" dirty="0" smtClean="0"/>
               <a:t>web</a:t>
             </a:r>
             <a:r>
-              <a:rPr lang="ja-JP" altLang="en-US" dirty="0"/>
-              <a:t>上で行います。</a:t>
+              <a:rPr lang="ja-JP" altLang="en-US" dirty="0" smtClean="0"/>
+              <a:t>上で実施するための仕組みづくりを行います。</a:t>
             </a:r>
             <a:endParaRPr kumimoji="1" lang="ja-JP" altLang="en-US" dirty="0"/>
           </a:p>
@@ -978,45 +3023,43 @@
               <a:defRPr/>
             </a:pPr>
             <a:r>
-              <a:rPr lang="ja-JP" altLang="en-US" dirty="0"/>
-              <a:t>次に、研究背景としてマークシート方式の欠点を述べます。マークシート方式の欠点は</a:t>
-            </a:r>
-            <a:r>
-              <a:rPr lang="en-US" altLang="ja-JP" dirty="0"/>
+              <a:rPr lang="ja-JP" altLang="en-US" dirty="0" smtClean="0"/>
+              <a:t>次に、研究背景を説明します。これまで行われてきたマークシート方式のアンケートには</a:t>
+            </a:r>
+            <a:r>
+              <a:rPr lang="en-US" altLang="ja-JP" dirty="0" smtClean="0"/>
               <a:t>2</a:t>
             </a:r>
             <a:r>
-              <a:rPr lang="ja-JP" altLang="en-US" dirty="0"/>
-              <a:t>つあります。</a:t>
-            </a:r>
-            <a:r>
-              <a:rPr lang="en-US" altLang="ja-JP" dirty="0"/>
+              <a:rPr lang="ja-JP" altLang="en-US" dirty="0" err="1" smtClean="0"/>
+              <a:t>つの</a:t>
+            </a:r>
+            <a:r>
+              <a:rPr lang="ja-JP" altLang="en-US" dirty="0" smtClean="0"/>
+              <a:t>欠点があります。</a:t>
+            </a:r>
+            <a:r>
+              <a:rPr lang="en-US" altLang="ja-JP" dirty="0" smtClean="0"/>
               <a:t>1</a:t>
             </a:r>
             <a:r>
-              <a:rPr lang="ja-JP" altLang="en-US" dirty="0"/>
-              <a:t>つめはマークシート方式は多くの紙資源を消費してしまうということです．</a:t>
-            </a:r>
-            <a:r>
-              <a:rPr lang="en-US" altLang="ja-JP" dirty="0"/>
+              <a:rPr lang="ja-JP" altLang="en-US" dirty="0" smtClean="0"/>
+              <a:t>つめは多くの紙資源を消費してしまうということです．</a:t>
+            </a:r>
+            <a:r>
+              <a:rPr lang="en-US" altLang="ja-JP" dirty="0" smtClean="0"/>
               <a:t>2</a:t>
             </a:r>
             <a:r>
-              <a:rPr lang="ja-JP" altLang="en-US" dirty="0"/>
-              <a:t>つ目は、教員がアンケートを集計する必要がある</a:t>
-            </a:r>
-          </a:p>
-          <a:p>
-            <a:r>
-              <a:rPr lang="ja-JP" altLang="en-US" dirty="0"/>
-              <a:t>事です。マークシート方式ではアンケート終了後に教員が回答用紙をスキャンしてパソコンに取り込む作業などの無駄な労力を必要とします．しかし、</a:t>
-            </a:r>
-            <a:r>
-              <a:rPr lang="en-US" altLang="ja-JP" dirty="0"/>
+              <a:rPr lang="ja-JP" altLang="en-US" dirty="0" smtClean="0"/>
+              <a:t>つ目は、教員に大きな負担がかかる点です。たとえば、マークシート方式ではアンケート終了後に教員が回答用紙をスキャンしてパソコンに取り込む必要があります。この作業以外にもデータ集計や結果をまとめる作業など多くの労力を必要とします．しかし、</a:t>
+            </a:r>
+            <a:r>
+              <a:rPr lang="en-US" altLang="ja-JP" dirty="0" smtClean="0"/>
               <a:t>web</a:t>
             </a:r>
             <a:r>
-              <a:rPr lang="ja-JP" altLang="en-US" dirty="0"/>
+              <a:rPr lang="ja-JP" altLang="en-US" dirty="0" smtClean="0"/>
               <a:t>上でアンケートを実施することでこれらの欠点を克服できます。</a:t>
             </a:r>
             <a:endParaRPr kumimoji="1" lang="ja-JP" altLang="en-US" dirty="0"/>
@@ -1104,42 +3147,46 @@
           <a:lstStyle/>
           <a:p>
             <a:r>
+              <a:rPr kumimoji="1" lang="ja-JP" altLang="en-US" dirty="0" smtClean="0"/>
+              <a:t>それでは</a:t>
+            </a:r>
+            <a:r>
+              <a:rPr kumimoji="1" lang="en-US" altLang="ja-JP" dirty="0" smtClean="0"/>
+              <a:t>web</a:t>
+            </a:r>
+            <a:r>
+              <a:rPr kumimoji="1" lang="ja-JP" altLang="en-US" dirty="0" smtClean="0"/>
+              <a:t>上で授業評価アンケートを実施する利点を説明します。</a:t>
+            </a:r>
+            <a:endParaRPr kumimoji="1" lang="en-US" altLang="ja-JP" dirty="0" smtClean="0"/>
+          </a:p>
+          <a:p>
+            <a:endParaRPr kumimoji="1" lang="en-US" altLang="ja-JP" dirty="0" smtClean="0"/>
+          </a:p>
+          <a:p>
+            <a:r>
+              <a:rPr kumimoji="1" lang="en-US" altLang="ja-JP" dirty="0" smtClean="0"/>
+              <a:t>1</a:t>
+            </a:r>
+            <a:r>
+              <a:rPr kumimoji="1" lang="ja-JP" altLang="en-US" dirty="0"/>
+              <a:t>つめは経済性です。</a:t>
+            </a:r>
+            <a:r>
               <a:rPr kumimoji="1" lang="en-US" altLang="ja-JP" dirty="0"/>
               <a:t>Web</a:t>
             </a:r>
             <a:r>
               <a:rPr kumimoji="1" lang="ja-JP" altLang="en-US" dirty="0"/>
-              <a:t>上で実施する利点として次の</a:t>
-            </a:r>
-            <a:r>
-              <a:rPr kumimoji="1" lang="en-US" altLang="ja-JP" dirty="0"/>
-              <a:t>3</a:t>
+              <a:t>上でアンケートを実施することで紙資源を</a:t>
+            </a:r>
+            <a:r>
+              <a:rPr kumimoji="1" lang="ja-JP" altLang="en-US" dirty="0" smtClean="0"/>
+              <a:t>消費せずに回答を取集することができるため経済的</a:t>
             </a:r>
             <a:r>
               <a:rPr kumimoji="1" lang="ja-JP" altLang="en-US" dirty="0"/>
-              <a:t>つが挙げられます。</a:t>
-            </a:r>
-            <a:endParaRPr kumimoji="1" lang="en-US" altLang="ja-JP" dirty="0"/>
-          </a:p>
-          <a:p>
-            <a:endParaRPr lang="en-US" altLang="ja-JP" dirty="0"/>
-          </a:p>
-          <a:p>
-            <a:r>
-              <a:rPr kumimoji="1" lang="en-US" altLang="ja-JP" dirty="0"/>
-              <a:t>1</a:t>
-            </a:r>
-            <a:r>
-              <a:rPr kumimoji="1" lang="ja-JP" altLang="en-US" dirty="0"/>
-              <a:t>つめは経済性です。</a:t>
-            </a:r>
-            <a:r>
-              <a:rPr kumimoji="1" lang="en-US" altLang="ja-JP" dirty="0"/>
-              <a:t>Web</a:t>
-            </a:r>
-            <a:r>
-              <a:rPr kumimoji="1" lang="ja-JP" altLang="en-US" dirty="0"/>
-              <a:t>上でアンケートを実施することで紙資源を消費しないため経済的です。</a:t>
+              <a:t>です。</a:t>
             </a:r>
             <a:endParaRPr kumimoji="1" lang="en-US" altLang="ja-JP" dirty="0"/>
           </a:p>
@@ -1161,11 +3208,15 @@
             </a:r>
             <a:r>
               <a:rPr lang="ja-JP" altLang="en-US" dirty="0"/>
-              <a:t>上でアンケートを実施すると学生が回答したデータは直接コンピュータに送信されるため、マークシート方式のように回答用紙をスキャンする必要がありません。また、回答データの自動集計機能を実装することで教員が</a:t>
-            </a:r>
-            <a:r>
-              <a:rPr lang="en-US" altLang="ja-JP" dirty="0"/>
-              <a:t>excel</a:t>
+              <a:t>上でアンケートを実施すると学生が回答したデータは直接コンピュータに送信されるため、マークシート方式のように回答用紙をスキャンする必要がありません。また、回答データの自動集計機能を実装することで教員</a:t>
+            </a:r>
+            <a:r>
+              <a:rPr lang="ja-JP" altLang="en-US" dirty="0" smtClean="0"/>
+              <a:t>が</a:t>
+            </a:r>
+            <a:r>
+              <a:rPr lang="en-US" altLang="ja-JP" dirty="0" smtClean="0"/>
+              <a:t>Excel</a:t>
             </a:r>
             <a:r>
               <a:rPr lang="ja-JP" altLang="en-US" dirty="0"/>
@@ -1183,7 +3234,15 @@
             </a:r>
             <a:r>
               <a:rPr lang="ja-JP" altLang="en-US" dirty="0"/>
-              <a:t>つ目はユーザ体験の向上です。マークシート方式のアンケートに回答するには鉛筆を持ち、回答欄を塗りつぶす作業をしなければなりません。このような単純作業は回答者の集中力の低下を招き冷静な判断を鈍らせます。しかし、</a:t>
+              <a:t>つ目はユーザ体験の向上です。マークシート方式のアンケートに回答するには鉛筆を持ち、回答欄を</a:t>
+            </a:r>
+            <a:r>
+              <a:rPr lang="ja-JP" altLang="en-US" dirty="0" smtClean="0"/>
+              <a:t>塗りつぶす作業を繰り返し行わなければなりません</a:t>
+            </a:r>
+            <a:r>
+              <a:rPr lang="ja-JP" altLang="en-US" dirty="0"/>
+              <a:t>。このような単純作業は回答者の集中力の低下を招き冷静な判断を鈍らせます。しかし、</a:t>
             </a:r>
             <a:r>
               <a:rPr lang="en-US" altLang="ja-JP" dirty="0"/>
@@ -1191,7 +3250,11 @@
             </a:r>
             <a:r>
               <a:rPr lang="ja-JP" altLang="en-US" dirty="0"/>
-              <a:t>上でアンケートを実施することで動きのあるユーザインターフェースで楽しくアンケートに回答できます。</a:t>
+              <a:t>上でアンケートを実施することで動きのあるユーザインターフェースで楽しくアンケートに回答できます</a:t>
+            </a:r>
+            <a:r>
+              <a:rPr lang="ja-JP" altLang="en-US" dirty="0" smtClean="0"/>
+              <a:t>。そのため、より正確なデータが得られると考えられます。</a:t>
             </a:r>
             <a:endParaRPr lang="en-US" altLang="ja-JP" dirty="0"/>
           </a:p>
@@ -1460,18 +3523,35 @@
             </a:r>
             <a:r>
               <a:rPr lang="ja-JP" altLang="en-US" dirty="0"/>
-              <a:t>本アプリケーションでは、紙資源を使わないことによる経済性が向上しました。また、スキャン不要でデータが取り込めることによって教員の労力を削減しました。さらに、動きあるユーザインターフェースによってユーザ体験を向上させました。</a:t>
+              <a:t>本アプリケーションでは、紙資源</a:t>
+            </a:r>
+            <a:r>
+              <a:rPr lang="ja-JP" altLang="en-US" dirty="0" smtClean="0"/>
+              <a:t>を一切消費せずにアンケートを実施することができました。</a:t>
+            </a:r>
+            <a:r>
+              <a:rPr lang="ja-JP" altLang="en-US" dirty="0"/>
+              <a:t>また</a:t>
+            </a:r>
+            <a:r>
+              <a:rPr lang="ja-JP" altLang="en-US" dirty="0" smtClean="0"/>
+              <a:t>、学生の回答データをコンピュータに直接転送することにより教員</a:t>
+            </a:r>
+            <a:r>
+              <a:rPr lang="ja-JP" altLang="en-US" dirty="0"/>
+              <a:t>の</a:t>
+            </a:r>
+            <a:r>
+              <a:rPr lang="ja-JP" altLang="en-US" dirty="0" smtClean="0"/>
+              <a:t>労力削減に成功しました。</a:t>
+            </a:r>
+            <a:r>
+              <a:rPr lang="ja-JP" altLang="en-US" dirty="0"/>
+              <a:t>さらに、動きあるユーザインターフェースによってユーザ体験を向上させました。</a:t>
             </a:r>
             <a:endParaRPr lang="en-US" altLang="ja-JP" dirty="0"/>
           </a:p>
           <a:p>
-            <a:endParaRPr lang="en-US" altLang="ja-JP" dirty="0"/>
-          </a:p>
-          <a:p>
-            <a:r>
-              <a:rPr lang="ja-JP" altLang="en-US" dirty="0"/>
-              <a:t>動画を見ていただいてわかるように、本アプリケーションでは、経済的で教員と学生の両方にメリットのある授業評価アンケートを実現できました。</a:t>
-            </a:r>
             <a:endParaRPr lang="en-US" altLang="ja-JP" dirty="0"/>
           </a:p>
         </p:txBody>
@@ -1557,9 +3637,10 @@
           <a:lstStyle/>
           <a:p>
             <a:r>
-              <a:rPr kumimoji="1" lang="ja-JP" altLang="en-US" dirty="0"/>
-              <a:t>今後の展望として、鹿児島高専の授業のさらなる品質向上に貢献できるアプリケーションに成長させたいと考えています。</a:t>
-            </a:r>
+              <a:rPr kumimoji="1" lang="ja-JP" altLang="en-US" dirty="0" smtClean="0"/>
+              <a:t>今後の展望として、アンケート結果の自動集計および自動配信機能を実装していきたいと考えています。それにより、より少ないコストで授業評価アンケートを実施することができます。</a:t>
+            </a:r>
+            <a:endParaRPr kumimoji="1" lang="ja-JP" altLang="en-US" dirty="0"/>
           </a:p>
         </p:txBody>
       </p:sp>
@@ -1589,7 +3670,7 @@
     </p:spTree>
     <p:extLst>
       <p:ext uri="{BB962C8B-B14F-4D97-AF65-F5344CB8AC3E}">
-        <p14:creationId xmlns:p14="http://schemas.microsoft.com/office/powerpoint/2010/main" val="2573633034"/>
+        <p14:creationId xmlns:p14="http://schemas.microsoft.com/office/powerpoint/2010/main" val="1304763948"/>
       </p:ext>
     </p:extLst>
   </p:cSld>
@@ -1645,8 +3726,25 @@
           <a:p>
             <a:r>
               <a:rPr kumimoji="1" lang="ja-JP" altLang="en-US" dirty="0"/>
-              <a:t>その具体的な方法として、アンケート結果の自動集計および自動配信機能を追加したいと考えています。</a:t>
-            </a:r>
+              <a:t>では、まとめを述べたいと思います。</a:t>
+            </a:r>
+            <a:r>
+              <a:rPr lang="ja-JP" altLang="en-US" dirty="0"/>
+              <a:t>本研究では</a:t>
+            </a:r>
+            <a:r>
+              <a:rPr lang="en-US" altLang="ja-JP" dirty="0"/>
+              <a:t>web</a:t>
+            </a:r>
+            <a:r>
+              <a:rPr lang="ja-JP" altLang="en-US" dirty="0"/>
+              <a:t>プログラミングを用いて授業評価アンケートを作成しました。このアンケートは従来のマークシート方式に比べて経済性の改善、教員の労力削減、ユーザ体験の</a:t>
+            </a:r>
+            <a:r>
+              <a:rPr lang="ja-JP" altLang="en-US"/>
+              <a:t>向上が実現できました。今後の展望として、このプログラムに新機能を追加し、高専の授業のさらなる品質向上に貢献していきたいと考えています。</a:t>
+            </a:r>
+            <a:endParaRPr lang="en-US" altLang="ja-JP" dirty="0"/>
           </a:p>
         </p:txBody>
       </p:sp>
@@ -1676,7 +3774,7 @@
     </p:spTree>
     <p:extLst>
       <p:ext uri="{BB962C8B-B14F-4D97-AF65-F5344CB8AC3E}">
-        <p14:creationId xmlns:p14="http://schemas.microsoft.com/office/powerpoint/2010/main" val="962527338"/>
+        <p14:creationId xmlns:p14="http://schemas.microsoft.com/office/powerpoint/2010/main" val="752795588"/>
       </p:ext>
     </p:extLst>
   </p:cSld>
@@ -1730,19 +3828,31 @@
           <a:bodyPr/>
           <a:lstStyle/>
           <a:p>
+            <a:pPr marL="0" marR="0" lvl="0" indent="0" algn="l" defTabSz="914400" rtl="0" eaLnBrk="1" fontAlgn="auto" latinLnBrk="0" hangingPunct="1">
+              <a:lnSpc>
+                <a:spcPct val="100000"/>
+              </a:lnSpc>
+              <a:spcBef>
+                <a:spcPts val="0"/>
+              </a:spcBef>
+              <a:spcAft>
+                <a:spcPts val="0"/>
+              </a:spcAft>
+              <a:buClrTx/>
+              <a:buSzTx/>
+              <a:buFontTx/>
+              <a:buNone/>
+              <a:tabLst/>
+              <a:defRPr/>
+            </a:pPr>
             <a:r>
               <a:rPr kumimoji="1" lang="ja-JP" altLang="en-US" dirty="0"/>
-              <a:t>これらの新機能を実装することで、授業終了後に学生がすぐに今回の授業を評価することができ、より正確な意見が収集できます。</a:t>
-            </a:r>
-          </a:p>
-          <a:p>
-            <a:r>
-              <a:rPr kumimoji="1" lang="ja-JP" altLang="en-US" dirty="0"/>
-              <a:t>また、教員も授業の内容を覚えているうちに学生からのフィードバックを得られるので今までよりもさらに授業の品質が向上します。</a:t>
-            </a:r>
-          </a:p>
-          <a:p>
-            <a:endParaRPr kumimoji="1" lang="ja-JP" altLang="en-US" dirty="0"/>
+              <a:t>今後の展望として、鹿児島高専の授業のさらなる品質向上に貢献できるアプリケーションに成長させたいと考えています</a:t>
+            </a:r>
+            <a:r>
+              <a:rPr kumimoji="1" lang="ja-JP" altLang="en-US" dirty="0" smtClean="0"/>
+              <a:t>。その具体的な方法として、アンケート結果の自動集計および自動配信機能を追加したいと考えています。</a:t>
+            </a:r>
           </a:p>
           <a:p>
             <a:endParaRPr kumimoji="1" lang="ja-JP" altLang="en-US" dirty="0"/>
@@ -1766,7 +3876,7 @@
           <a:p>
             <a:fld id="{DE4497FE-1A65-4799-B01D-44564FDEC19E}" type="slidenum">
               <a:rPr kumimoji="1" lang="ja-JP" altLang="en-US" smtClean="0"/>
-              <a:t>9</a:t>
+              <a:t>10</a:t>
             </a:fld>
             <a:endParaRPr kumimoji="1" lang="ja-JP" altLang="en-US"/>
           </a:p>
@@ -1775,7 +3885,7 @@
     </p:spTree>
     <p:extLst>
       <p:ext uri="{BB962C8B-B14F-4D97-AF65-F5344CB8AC3E}">
-        <p14:creationId xmlns:p14="http://schemas.microsoft.com/office/powerpoint/2010/main" val="254944331"/>
+        <p14:creationId xmlns:p14="http://schemas.microsoft.com/office/powerpoint/2010/main" val="2573633034"/>
       </p:ext>
     </p:extLst>
   </p:cSld>
@@ -1916,7 +4026,7 @@
           <a:p>
             <a:fld id="{CAF814FA-2675-4DF3-B0FA-C3E73A75B004}" type="datetimeFigureOut">
               <a:rPr kumimoji="1" lang="ja-JP" altLang="en-US" smtClean="0"/>
-              <a:t>2017/2/15</a:t>
+              <a:t>2017/2/16</a:t>
             </a:fld>
             <a:endParaRPr kumimoji="1" lang="ja-JP" altLang="en-US"/>
           </a:p>
@@ -2118,7 +4228,7 @@
           <a:p>
             <a:fld id="{CAF814FA-2675-4DF3-B0FA-C3E73A75B004}" type="datetimeFigureOut">
               <a:rPr kumimoji="1" lang="ja-JP" altLang="en-US" smtClean="0"/>
-              <a:t>2017/2/15</a:t>
+              <a:t>2017/2/16</a:t>
             </a:fld>
             <a:endParaRPr kumimoji="1" lang="ja-JP" altLang="en-US"/>
           </a:p>
@@ -2330,7 +4440,7 @@
           <a:p>
             <a:fld id="{CAF814FA-2675-4DF3-B0FA-C3E73A75B004}" type="datetimeFigureOut">
               <a:rPr kumimoji="1" lang="ja-JP" altLang="en-US" smtClean="0"/>
-              <a:t>2017/2/15</a:t>
+              <a:t>2017/2/16</a:t>
             </a:fld>
             <a:endParaRPr kumimoji="1" lang="ja-JP" altLang="en-US"/>
           </a:p>
@@ -2465,6 +4575,9 @@
           <a:bodyPr/>
           <a:lstStyle>
             <a:lvl1pPr marL="228600" indent="-228600">
+              <a:lnSpc>
+                <a:spcPct val="150000"/>
+              </a:lnSpc>
               <a:buClr>
                 <a:schemeClr val="accent5"/>
               </a:buClr>
@@ -2476,6 +4589,9 @@
               </a:defRPr>
             </a:lvl1pPr>
             <a:lvl2pPr marL="914400" indent="-457200">
+              <a:lnSpc>
+                <a:spcPct val="150000"/>
+              </a:lnSpc>
               <a:buClr>
                 <a:schemeClr val="accent5"/>
               </a:buClr>
@@ -2487,15 +4603,21 @@
               </a:defRPr>
             </a:lvl2pPr>
             <a:lvl3pPr>
+              <a:lnSpc>
+                <a:spcPct val="150000"/>
+              </a:lnSpc>
               <a:buClr>
                 <a:schemeClr val="accent5"/>
               </a:buClr>
-              <a:defRPr sz="2000">
+              <a:defRPr sz="2400">
                 <a:latin typeface="HGPｺﾞｼｯｸM" panose="020B0600000000000000" pitchFamily="50" charset="-128"/>
                 <a:ea typeface="HGPｺﾞｼｯｸM" panose="020B0600000000000000" pitchFamily="50" charset="-128"/>
               </a:defRPr>
             </a:lvl3pPr>
             <a:lvl4pPr>
+              <a:lnSpc>
+                <a:spcPct val="150000"/>
+              </a:lnSpc>
               <a:buClr>
                 <a:schemeClr val="accent5"/>
               </a:buClr>
@@ -2505,6 +4627,9 @@
               </a:defRPr>
             </a:lvl4pPr>
             <a:lvl5pPr>
+              <a:lnSpc>
+                <a:spcPct val="150000"/>
+              </a:lnSpc>
               <a:buClr>
                 <a:schemeClr val="accent5"/>
               </a:buClr>
@@ -2601,7 +4726,7 @@
           <a:p>
             <a:fld id="{CAF814FA-2675-4DF3-B0FA-C3E73A75B004}" type="datetimeFigureOut">
               <a:rPr kumimoji="1" lang="ja-JP" altLang="en-US" smtClean="0"/>
-              <a:t>2017/2/15</a:t>
+              <a:t>2017/2/16</a:t>
             </a:fld>
             <a:endParaRPr kumimoji="1" lang="ja-JP" altLang="en-US"/>
           </a:p>
@@ -2845,7 +4970,7 @@
           <a:p>
             <a:fld id="{CAF814FA-2675-4DF3-B0FA-C3E73A75B004}" type="datetimeFigureOut">
               <a:rPr kumimoji="1" lang="ja-JP" altLang="en-US" smtClean="0"/>
-              <a:t>2017/2/15</a:t>
+              <a:t>2017/2/16</a:t>
             </a:fld>
             <a:endParaRPr kumimoji="1" lang="ja-JP" altLang="en-US"/>
           </a:p>
@@ -3141,7 +5266,7 @@
           <a:p>
             <a:fld id="{CAF814FA-2675-4DF3-B0FA-C3E73A75B004}" type="datetimeFigureOut">
               <a:rPr kumimoji="1" lang="ja-JP" altLang="en-US" smtClean="0"/>
-              <a:t>2017/2/15</a:t>
+              <a:t>2017/2/16</a:t>
             </a:fld>
             <a:endParaRPr kumimoji="1" lang="ja-JP" altLang="en-US"/>
           </a:p>
@@ -3572,7 +5697,7 @@
           <a:p>
             <a:fld id="{CAF814FA-2675-4DF3-B0FA-C3E73A75B004}" type="datetimeFigureOut">
               <a:rPr kumimoji="1" lang="ja-JP" altLang="en-US" smtClean="0"/>
-              <a:t>2017/2/15</a:t>
+              <a:t>2017/2/16</a:t>
             </a:fld>
             <a:endParaRPr kumimoji="1" lang="ja-JP" altLang="en-US"/>
           </a:p>
@@ -3690,7 +5815,7 @@
           <a:p>
             <a:fld id="{CAF814FA-2675-4DF3-B0FA-C3E73A75B004}" type="datetimeFigureOut">
               <a:rPr kumimoji="1" lang="ja-JP" altLang="en-US" smtClean="0"/>
-              <a:t>2017/2/15</a:t>
+              <a:t>2017/2/16</a:t>
             </a:fld>
             <a:endParaRPr kumimoji="1" lang="ja-JP" altLang="en-US"/>
           </a:p>
@@ -3785,7 +5910,7 @@
           <a:p>
             <a:fld id="{CAF814FA-2675-4DF3-B0FA-C3E73A75B004}" type="datetimeFigureOut">
               <a:rPr kumimoji="1" lang="ja-JP" altLang="en-US" smtClean="0"/>
-              <a:t>2017/2/15</a:t>
+              <a:t>2017/2/16</a:t>
             </a:fld>
             <a:endParaRPr kumimoji="1" lang="ja-JP" altLang="en-US"/>
           </a:p>
@@ -4094,7 +6219,7 @@
           <a:p>
             <a:fld id="{CAF814FA-2675-4DF3-B0FA-C3E73A75B004}" type="datetimeFigureOut">
               <a:rPr kumimoji="1" lang="ja-JP" altLang="en-US" smtClean="0"/>
-              <a:t>2017/2/15</a:t>
+              <a:t>2017/2/16</a:t>
             </a:fld>
             <a:endParaRPr kumimoji="1" lang="ja-JP" altLang="en-US"/>
           </a:p>
@@ -4351,7 +6476,7 @@
           <a:p>
             <a:fld id="{CAF814FA-2675-4DF3-B0FA-C3E73A75B004}" type="datetimeFigureOut">
               <a:rPr kumimoji="1" lang="ja-JP" altLang="en-US" smtClean="0"/>
-              <a:t>2017/2/15</a:t>
+              <a:t>2017/2/16</a:t>
             </a:fld>
             <a:endParaRPr kumimoji="1" lang="ja-JP" altLang="en-US"/>
           </a:p>
@@ -4596,7 +6721,7 @@
           <a:p>
             <a:fld id="{CAF814FA-2675-4DF3-B0FA-C3E73A75B004}" type="datetimeFigureOut">
               <a:rPr kumimoji="1" lang="ja-JP" altLang="en-US" smtClean="0"/>
-              <a:t>2017/2/15</a:t>
+              <a:t>2017/2/16</a:t>
             </a:fld>
             <a:endParaRPr kumimoji="1" lang="ja-JP" altLang="en-US"/>
           </a:p>
@@ -5033,6 +7158,10 @@
               <a:rPr lang="ja-JP" altLang="ja-JP" dirty="0"/>
               <a:t>プログラミングを用いた</a:t>
             </a:r>
+            <a:r>
+              <a:rPr lang="en-US" altLang="ja-JP" dirty="0"/>
+              <a:t/>
+            </a:r>
             <a:br>
               <a:rPr lang="en-US" altLang="ja-JP" dirty="0"/>
             </a:br>
@@ -5128,9 +7257,10 @@
           <a:lstStyle/>
           <a:p>
             <a:r>
-              <a:rPr kumimoji="1" lang="ja-JP" altLang="en-US" dirty="0"/>
-              <a:t>まとめ</a:t>
-            </a:r>
+              <a:rPr lang="ja-JP" altLang="en-US" dirty="0"/>
+              <a:t>今後の展望</a:t>
+            </a:r>
+            <a:endParaRPr kumimoji="1" lang="ja-JP" altLang="en-US" dirty="0"/>
           </a:p>
         </p:txBody>
       </p:sp>
@@ -5146,45 +7276,56 @@
         </p:nvSpPr>
         <p:spPr/>
         <p:txBody>
-          <a:bodyPr/>
-          <a:lstStyle/>
-          <a:p>
-            <a:r>
-              <a:rPr kumimoji="1" lang="en-US" altLang="ja-JP" dirty="0"/>
-              <a:t>Web</a:t>
-            </a:r>
+          <a:bodyPr>
+            <a:normAutofit/>
+          </a:bodyPr>
+          <a:lstStyle/>
+          <a:p>
+            <a:pPr>
+              <a:lnSpc>
+                <a:spcPct val="100000"/>
+              </a:lnSpc>
+            </a:pPr>
             <a:r>
               <a:rPr lang="ja-JP" altLang="en-US" dirty="0"/>
-              <a:t>プログラミングで授業評価アンケートを作成した</a:t>
-            </a:r>
-            <a:endParaRPr lang="en-US" altLang="ja-JP" dirty="0"/>
-          </a:p>
-          <a:p>
+              <a:t>授業</a:t>
+            </a:r>
+            <a:r>
+              <a:rPr lang="ja-JP" altLang="en-US" dirty="0" smtClean="0"/>
+              <a:t>が終了するごとにアンケートを実施できるシステムを作成する</a:t>
+            </a:r>
+            <a:endParaRPr lang="en-US" altLang="ja-JP" dirty="0" smtClean="0"/>
+          </a:p>
+          <a:p>
+            <a:pPr lvl="1"/>
+            <a:r>
+              <a:rPr kumimoji="1" lang="ja-JP" altLang="en-US" dirty="0" smtClean="0"/>
+              <a:t>追加する新機能</a:t>
+            </a:r>
+            <a:endParaRPr kumimoji="1" lang="en-US" altLang="ja-JP" dirty="0" smtClean="0"/>
+          </a:p>
+          <a:p>
+            <a:pPr lvl="2"/>
+            <a:r>
+              <a:rPr lang="ja-JP" altLang="en-US" dirty="0" smtClean="0"/>
+              <a:t>アンケート結果の自動集計機能</a:t>
+            </a:r>
+            <a:endParaRPr lang="en-US" altLang="ja-JP" dirty="0" smtClean="0"/>
+          </a:p>
+          <a:p>
+            <a:pPr lvl="2"/>
+            <a:r>
+              <a:rPr kumimoji="1" lang="ja-JP" altLang="en-US" dirty="0" smtClean="0"/>
+              <a:t>アンケート結果の自動配信機能</a:t>
+            </a:r>
             <a:endParaRPr kumimoji="1" lang="en-US" altLang="ja-JP" dirty="0"/>
-          </a:p>
-          <a:p>
-            <a:r>
-              <a:rPr lang="ja-JP" altLang="en-US" dirty="0"/>
-              <a:t>経済性の改善、教員の労力削減、ユーザ体験の向上が実現した</a:t>
-            </a:r>
-            <a:endParaRPr lang="en-US" altLang="ja-JP" dirty="0"/>
-          </a:p>
-          <a:p>
-            <a:endParaRPr kumimoji="1" lang="en-US" altLang="ja-JP" dirty="0"/>
-          </a:p>
-          <a:p>
-            <a:r>
-              <a:rPr lang="ja-JP" altLang="en-US" dirty="0"/>
-              <a:t>新機能を実装することで高専の授業のさらなる品質向上に貢献できる。</a:t>
-            </a:r>
-            <a:endParaRPr kumimoji="1" lang="ja-JP" altLang="en-US" dirty="0"/>
           </a:p>
         </p:txBody>
       </p:sp>
     </p:spTree>
     <p:extLst>
       <p:ext uri="{BB962C8B-B14F-4D97-AF65-F5344CB8AC3E}">
-        <p14:creationId xmlns:p14="http://schemas.microsoft.com/office/powerpoint/2010/main" val="1114868748"/>
+        <p14:creationId xmlns:p14="http://schemas.microsoft.com/office/powerpoint/2010/main" val="4066048542"/>
       </p:ext>
     </p:extLst>
   </p:cSld>
@@ -5226,7 +7367,11 @@
           <a:bodyPr/>
           <a:lstStyle/>
           <a:p>
-            <a:endParaRPr kumimoji="1" lang="ja-JP" altLang="en-US"/>
+            <a:r>
+              <a:rPr lang="ja-JP" altLang="en-US" dirty="0"/>
+              <a:t>今後の展望</a:t>
+            </a:r>
+            <a:endParaRPr kumimoji="1" lang="ja-JP" altLang="en-US" dirty="0"/>
           </a:p>
         </p:txBody>
       </p:sp>
@@ -5242,17 +7387,30 @@
         </p:nvSpPr>
         <p:spPr/>
         <p:txBody>
-          <a:bodyPr/>
-          <a:lstStyle/>
-          <a:p>
-            <a:endParaRPr kumimoji="1" lang="ja-JP" altLang="en-US"/>
+          <a:bodyPr>
+            <a:normAutofit fontScale="92500" lnSpcReduction="10000"/>
+          </a:bodyPr>
+          <a:lstStyle/>
+          <a:p>
+            <a:r>
+              <a:rPr lang="ja-JP" altLang="en-US" dirty="0"/>
+              <a:t>これらの新機能を実装することで、授業終了後に学生がすぐに今回の授業を評価することができ、より正確な意見が収集できます。</a:t>
+            </a:r>
+            <a:endParaRPr lang="en-US" altLang="ja-JP" dirty="0"/>
+          </a:p>
+          <a:p>
+            <a:r>
+              <a:rPr lang="ja-JP" altLang="en-US" dirty="0"/>
+              <a:t>また、教員も授業の内容を覚えているうちに学生からのフィードバックを得られるので今までよりもさらに授業の品質が向上します。</a:t>
+            </a:r>
+            <a:endParaRPr kumimoji="1" lang="en-US" altLang="ja-JP" dirty="0"/>
           </a:p>
         </p:txBody>
       </p:sp>
     </p:spTree>
     <p:extLst>
       <p:ext uri="{BB962C8B-B14F-4D97-AF65-F5344CB8AC3E}">
-        <p14:creationId xmlns:p14="http://schemas.microsoft.com/office/powerpoint/2010/main" val="2117521921"/>
+        <p14:creationId xmlns:p14="http://schemas.microsoft.com/office/powerpoint/2010/main" val="3755367451"/>
       </p:ext>
     </p:extLst>
   </p:cSld>
@@ -5294,38 +7452,39 @@
           <a:bodyPr/>
           <a:lstStyle/>
           <a:p>
-            <a:endParaRPr kumimoji="1" lang="ja-JP" altLang="en-US" dirty="0"/>
-          </a:p>
-        </p:txBody>
-      </p:sp>
-      <p:sp>
-        <p:nvSpPr>
-          <p:cNvPr id="3" name="コンテンツ プレースホルダー 2"/>
-          <p:cNvSpPr>
-            <a:spLocks noGrp="1"/>
-          </p:cNvSpPr>
+            <a:endParaRPr kumimoji="1" lang="ja-JP" altLang="en-US"/>
+          </a:p>
+        </p:txBody>
+      </p:sp>
+      <p:graphicFrame>
+        <p:nvGraphicFramePr>
+          <p:cNvPr id="4" name="コンテンツ プレースホルダー 3"/>
+          <p:cNvGraphicFramePr>
+            <a:graphicFrameLocks noGrp="1"/>
+          </p:cNvGraphicFramePr>
           <p:nvPr>
             <p:ph idx="1"/>
-          </p:nvPr>
-        </p:nvSpPr>
-        <p:spPr/>
-        <p:txBody>
-          <a:bodyPr>
-            <a:normAutofit/>
-          </a:bodyPr>
-          <a:lstStyle/>
-          <a:p>
-            <a:pPr marL="457200" lvl="1" indent="0">
-              <a:buNone/>
-            </a:pPr>
-            <a:endParaRPr lang="en-US" altLang="ja-JP" sz="3600" dirty="0"/>
-          </a:p>
-        </p:txBody>
-      </p:sp>
+            <p:extLst>
+              <p:ext uri="{D42A27DB-BD31-4B8C-83A1-F6EECF244321}">
+                <p14:modId xmlns:p14="http://schemas.microsoft.com/office/powerpoint/2010/main" val="3131136743"/>
+              </p:ext>
+            </p:extLst>
+          </p:nvPr>
+        </p:nvGraphicFramePr>
+        <p:xfrm>
+          <a:off x="628650" y="1524000"/>
+          <a:ext cx="7886700" cy="4652963"/>
+        </p:xfrm>
+        <a:graphic>
+          <a:graphicData uri="http://schemas.openxmlformats.org/drawingml/2006/diagram">
+            <dgm:relIds xmlns:dgm="http://schemas.openxmlformats.org/drawingml/2006/diagram" xmlns:r="http://schemas.openxmlformats.org/officeDocument/2006/relationships" r:dm="rId2" r:lo="rId3" r:qs="rId4" r:cs="rId5"/>
+          </a:graphicData>
+        </a:graphic>
+      </p:graphicFrame>
     </p:spTree>
     <p:extLst>
       <p:ext uri="{BB962C8B-B14F-4D97-AF65-F5344CB8AC3E}">
-        <p14:creationId xmlns:p14="http://schemas.microsoft.com/office/powerpoint/2010/main" val="3591337185"/>
+        <p14:creationId xmlns:p14="http://schemas.microsoft.com/office/powerpoint/2010/main" val="2118204308"/>
       </p:ext>
     </p:extLst>
   </p:cSld>
@@ -5367,7 +7526,7 @@
           <a:bodyPr/>
           <a:lstStyle/>
           <a:p>
-            <a:endParaRPr kumimoji="1" lang="ja-JP" altLang="en-US"/>
+            <a:endParaRPr kumimoji="1" lang="ja-JP" altLang="en-US" dirty="0"/>
           </a:p>
         </p:txBody>
       </p:sp>
@@ -5383,17 +7542,22 @@
         </p:nvSpPr>
         <p:spPr/>
         <p:txBody>
-          <a:bodyPr/>
-          <a:lstStyle/>
-          <a:p>
-            <a:endParaRPr kumimoji="1" lang="ja-JP" altLang="en-US"/>
+          <a:bodyPr>
+            <a:normAutofit/>
+          </a:bodyPr>
+          <a:lstStyle/>
+          <a:p>
+            <a:pPr marL="457200" lvl="1" indent="0">
+              <a:buNone/>
+            </a:pPr>
+            <a:endParaRPr lang="en-US" altLang="ja-JP" sz="3600" dirty="0"/>
           </a:p>
         </p:txBody>
       </p:sp>
     </p:spTree>
     <p:extLst>
       <p:ext uri="{BB962C8B-B14F-4D97-AF65-F5344CB8AC3E}">
-        <p14:creationId xmlns:p14="http://schemas.microsoft.com/office/powerpoint/2010/main" val="1019220225"/>
+        <p14:creationId xmlns:p14="http://schemas.microsoft.com/office/powerpoint/2010/main" val="3591337185"/>
       </p:ext>
     </p:extLst>
   </p:cSld>
@@ -5435,14 +7599,7 @@
           <a:bodyPr/>
           <a:lstStyle/>
           <a:p>
-            <a:r>
-              <a:rPr kumimoji="1" lang="en-US" altLang="ja-JP" dirty="0"/>
-              <a:t>WEB</a:t>
-            </a:r>
-            <a:r>
-              <a:rPr kumimoji="1" lang="ja-JP" altLang="en-US" dirty="0"/>
-              <a:t>プログラミングの現状</a:t>
-            </a:r>
+            <a:endParaRPr kumimoji="1" lang="ja-JP" altLang="en-US"/>
           </a:p>
         </p:txBody>
       </p:sp>
@@ -5458,110 +7615,17 @@
         </p:nvSpPr>
         <p:spPr/>
         <p:txBody>
-          <a:bodyPr>
-            <a:normAutofit/>
-          </a:bodyPr>
-          <a:lstStyle/>
-          <a:p>
-            <a:r>
-              <a:rPr kumimoji="1" lang="ja-JP" altLang="en-US" dirty="0"/>
-              <a:t>無料の学習環境</a:t>
-            </a:r>
-            <a:endParaRPr lang="en-US" altLang="ja-JP" dirty="0"/>
-          </a:p>
-          <a:p>
-            <a:pPr lvl="1"/>
-            <a:r>
-              <a:rPr lang="ja-JP" altLang="en-US" dirty="0"/>
-              <a:t>ドットインストール</a:t>
-            </a:r>
-            <a:endParaRPr lang="en-US" altLang="ja-JP" dirty="0"/>
-          </a:p>
-          <a:p>
-            <a:pPr lvl="1"/>
-            <a:r>
-              <a:rPr lang="en-US" altLang="ja-JP" dirty="0" err="1"/>
-              <a:t>Qiita</a:t>
-            </a:r>
-            <a:endParaRPr lang="en-US" altLang="ja-JP" dirty="0"/>
-          </a:p>
-          <a:p>
-            <a:endParaRPr lang="en-US" altLang="ja-JP" dirty="0"/>
-          </a:p>
-          <a:p>
-            <a:r>
-              <a:rPr lang="ja-JP" altLang="en-US" dirty="0"/>
-              <a:t>外部ライブラリの充実</a:t>
-            </a:r>
-            <a:endParaRPr lang="en-US" altLang="ja-JP" dirty="0"/>
-          </a:p>
-          <a:p>
-            <a:pPr lvl="1"/>
-            <a:r>
-              <a:rPr lang="ja-JP" altLang="en-US" dirty="0"/>
-              <a:t>各種フレームワークなど</a:t>
-            </a:r>
-            <a:endParaRPr lang="en-US" altLang="ja-JP" dirty="0"/>
-          </a:p>
-          <a:p>
-            <a:endParaRPr lang="en-US" altLang="ja-JP" dirty="0"/>
-          </a:p>
-          <a:p>
-            <a:endParaRPr kumimoji="1" lang="ja-JP" altLang="en-US" dirty="0"/>
-          </a:p>
-        </p:txBody>
-      </p:sp>
-      <p:sp>
-        <p:nvSpPr>
-          <p:cNvPr id="4" name="正方形/長方形 3"/>
-          <p:cNvSpPr/>
-          <p:nvPr/>
-        </p:nvSpPr>
-        <p:spPr>
-          <a:xfrm>
-            <a:off x="551792" y="5333507"/>
-            <a:ext cx="8261132" cy="756745"/>
-          </a:xfrm>
-          <a:prstGeom prst="rect">
-            <a:avLst/>
-          </a:prstGeom>
-        </p:spPr>
-        <p:style>
-          <a:lnRef idx="2">
-            <a:schemeClr val="accent1">
-              <a:shade val="50000"/>
-            </a:schemeClr>
-          </a:lnRef>
-          <a:fillRef idx="1">
-            <a:schemeClr val="accent1"/>
-          </a:fillRef>
-          <a:effectRef idx="0">
-            <a:schemeClr val="accent1"/>
-          </a:effectRef>
-          <a:fontRef idx="minor">
-            <a:schemeClr val="lt1"/>
-          </a:fontRef>
-        </p:style>
-        <p:txBody>
-          <a:bodyPr rtlCol="0" anchor="ctr"/>
-          <a:lstStyle/>
-          <a:p>
-            <a:r>
-              <a:rPr lang="en-US" altLang="ja-JP" sz="3600" dirty="0"/>
-              <a:t>WEB</a:t>
-            </a:r>
-            <a:r>
-              <a:rPr lang="ja-JP" altLang="en-US" sz="3600" dirty="0"/>
-              <a:t>プログラミングの敷居が下がっている</a:t>
-            </a:r>
-            <a:endParaRPr lang="en-US" altLang="ja-JP" sz="3600" dirty="0"/>
+          <a:bodyPr/>
+          <a:lstStyle/>
+          <a:p>
+            <a:endParaRPr kumimoji="1" lang="ja-JP" altLang="en-US"/>
           </a:p>
         </p:txBody>
       </p:sp>
     </p:spTree>
     <p:extLst>
       <p:ext uri="{BB962C8B-B14F-4D97-AF65-F5344CB8AC3E}">
-        <p14:creationId xmlns:p14="http://schemas.microsoft.com/office/powerpoint/2010/main" val="3565592007"/>
+        <p14:creationId xmlns:p14="http://schemas.microsoft.com/office/powerpoint/2010/main" val="1019220225"/>
       </p:ext>
     </p:extLst>
   </p:cSld>
@@ -5604,18 +7668,13 @@
           <a:lstStyle/>
           <a:p>
             <a:r>
-              <a:rPr lang="ja-JP" altLang="en-US" dirty="0"/>
-              <a:t>シングルページ</a:t>
-            </a:r>
-            <a:r>
-              <a:rPr lang="en-US" altLang="ja-JP" dirty="0"/>
+              <a:rPr kumimoji="1" lang="en-US" altLang="ja-JP" dirty="0"/>
               <a:t>WEB</a:t>
             </a:r>
             <a:r>
-              <a:rPr lang="ja-JP" altLang="en-US" dirty="0"/>
-              <a:t>アプリケーション</a:t>
-            </a:r>
-            <a:endParaRPr kumimoji="1" lang="ja-JP" altLang="en-US" dirty="0"/>
+              <a:rPr kumimoji="1" lang="ja-JP" altLang="en-US" dirty="0"/>
+              <a:t>プログラミングの現状</a:t>
+            </a:r>
           </a:p>
         </p:txBody>
       </p:sp>
@@ -5637,93 +7696,104 @@
           <a:lstStyle/>
           <a:p>
             <a:r>
+              <a:rPr kumimoji="1" lang="ja-JP" altLang="en-US" dirty="0"/>
+              <a:t>無料の学習環境</a:t>
+            </a:r>
+            <a:endParaRPr lang="en-US" altLang="ja-JP" dirty="0"/>
+          </a:p>
+          <a:p>
+            <a:pPr lvl="1"/>
+            <a:r>
               <a:rPr lang="ja-JP" altLang="en-US" dirty="0"/>
-              <a:t>概要</a:t>
+              <a:t>ドットインストール</a:t>
             </a:r>
             <a:endParaRPr lang="en-US" altLang="ja-JP" dirty="0"/>
           </a:p>
           <a:p>
             <a:pPr lvl="1"/>
             <a:r>
+              <a:rPr lang="en-US" altLang="ja-JP" dirty="0" err="1"/>
+              <a:t>Qiita</a:t>
+            </a:r>
+            <a:endParaRPr lang="en-US" altLang="ja-JP" dirty="0"/>
+          </a:p>
+          <a:p>
+            <a:endParaRPr lang="en-US" altLang="ja-JP" dirty="0"/>
+          </a:p>
+          <a:p>
+            <a:r>
               <a:rPr lang="ja-JP" altLang="en-US" dirty="0"/>
-              <a:t>近年注目を集めている</a:t>
-            </a:r>
-            <a:r>
-              <a:rPr lang="en-US" altLang="ja-JP" dirty="0"/>
+              <a:t>外部ライブラリの充実</a:t>
+            </a:r>
+            <a:endParaRPr lang="en-US" altLang="ja-JP" dirty="0"/>
+          </a:p>
+          <a:p>
+            <a:pPr lvl="1"/>
+            <a:r>
+              <a:rPr lang="ja-JP" altLang="en-US" dirty="0"/>
+              <a:t>各種フレームワークなど</a:t>
+            </a:r>
+            <a:endParaRPr lang="en-US" altLang="ja-JP" dirty="0"/>
+          </a:p>
+          <a:p>
+            <a:endParaRPr lang="en-US" altLang="ja-JP" dirty="0"/>
+          </a:p>
+          <a:p>
+            <a:endParaRPr kumimoji="1" lang="ja-JP" altLang="en-US" dirty="0"/>
+          </a:p>
+        </p:txBody>
+      </p:sp>
+      <p:sp>
+        <p:nvSpPr>
+          <p:cNvPr id="4" name="正方形/長方形 3"/>
+          <p:cNvSpPr/>
+          <p:nvPr/>
+        </p:nvSpPr>
+        <p:spPr>
+          <a:xfrm>
+            <a:off x="551792" y="5333507"/>
+            <a:ext cx="8261132" cy="756745"/>
+          </a:xfrm>
+          <a:prstGeom prst="rect">
+            <a:avLst/>
+          </a:prstGeom>
+        </p:spPr>
+        <p:style>
+          <a:lnRef idx="2">
+            <a:schemeClr val="accent1">
+              <a:shade val="50000"/>
+            </a:schemeClr>
+          </a:lnRef>
+          <a:fillRef idx="1">
+            <a:schemeClr val="accent1"/>
+          </a:fillRef>
+          <a:effectRef idx="0">
+            <a:schemeClr val="accent1"/>
+          </a:effectRef>
+          <a:fontRef idx="minor">
+            <a:schemeClr val="lt1"/>
+          </a:fontRef>
+        </p:style>
+        <p:txBody>
+          <a:bodyPr rtlCol="0" anchor="ctr"/>
+          <a:lstStyle/>
+          <a:p>
+            <a:r>
+              <a:rPr lang="en-US" altLang="ja-JP" sz="3600" dirty="0"/>
               <a:t>WEB</a:t>
             </a:r>
             <a:r>
-              <a:rPr lang="ja-JP" altLang="en-US" dirty="0"/>
-              <a:t>アプリの仕様</a:t>
-            </a:r>
-            <a:endParaRPr lang="en-US" altLang="ja-JP" dirty="0"/>
-          </a:p>
-          <a:p>
-            <a:endParaRPr lang="en-US" altLang="ja-JP" dirty="0"/>
-          </a:p>
-          <a:p>
-            <a:r>
-              <a:rPr lang="ja-JP" altLang="en-US" dirty="0"/>
-              <a:t>特徴</a:t>
-            </a:r>
-            <a:endParaRPr kumimoji="1" lang="en-US" altLang="ja-JP" dirty="0"/>
-          </a:p>
-          <a:p>
-            <a:pPr lvl="1"/>
-            <a:r>
-              <a:rPr lang="ja-JP" altLang="en-US" dirty="0"/>
-              <a:t>デプロイが簡単</a:t>
-            </a:r>
-            <a:endParaRPr lang="en-US" altLang="ja-JP" dirty="0"/>
-          </a:p>
-          <a:p>
-            <a:pPr lvl="1"/>
-            <a:r>
-              <a:rPr kumimoji="1" lang="ja-JP" altLang="en-US" dirty="0"/>
-              <a:t>クロスプラットフォームである</a:t>
-            </a:r>
-            <a:endParaRPr kumimoji="1" lang="en-US" altLang="ja-JP" dirty="0"/>
-          </a:p>
-          <a:p>
-            <a:pPr lvl="1"/>
-            <a:endParaRPr kumimoji="1" lang="en-US" altLang="ja-JP" dirty="0"/>
-          </a:p>
-          <a:p>
-            <a:r>
-              <a:rPr kumimoji="1" lang="ja-JP" altLang="en-US" dirty="0"/>
-              <a:t>例</a:t>
-            </a:r>
-            <a:endParaRPr kumimoji="1" lang="en-US" altLang="ja-JP" dirty="0"/>
-          </a:p>
-          <a:p>
-            <a:pPr lvl="1"/>
-            <a:r>
-              <a:rPr lang="en-US" altLang="ja-JP" dirty="0"/>
-              <a:t>Twitter</a:t>
-            </a:r>
-            <a:r>
-              <a:rPr lang="ja-JP" altLang="en-US" dirty="0"/>
-              <a:t>や</a:t>
-            </a:r>
-            <a:r>
-              <a:rPr lang="en-US" altLang="ja-JP" dirty="0"/>
-              <a:t>Instagram</a:t>
-            </a:r>
-            <a:r>
-              <a:rPr lang="ja-JP" altLang="en-US" dirty="0"/>
-              <a:t>など</a:t>
-            </a:r>
-            <a:endParaRPr kumimoji="1" lang="en-US" altLang="ja-JP" dirty="0"/>
-          </a:p>
-          <a:p>
-            <a:endParaRPr kumimoji="1" lang="ja-JP" altLang="en-US" dirty="0"/>
+              <a:rPr lang="ja-JP" altLang="en-US" sz="3600" dirty="0"/>
+              <a:t>プログラミングの敷居が下がっている</a:t>
+            </a:r>
+            <a:endParaRPr lang="en-US" altLang="ja-JP" sz="3600" dirty="0"/>
           </a:p>
         </p:txBody>
       </p:sp>
     </p:spTree>
     <p:extLst>
       <p:ext uri="{BB962C8B-B14F-4D97-AF65-F5344CB8AC3E}">
-        <p14:creationId xmlns:p14="http://schemas.microsoft.com/office/powerpoint/2010/main" val="544699416"/>
+        <p14:creationId xmlns:p14="http://schemas.microsoft.com/office/powerpoint/2010/main" val="3565592007"/>
       </p:ext>
     </p:extLst>
   </p:cSld>
@@ -5766,6 +7836,168 @@
           <a:lstStyle/>
           <a:p>
             <a:r>
+              <a:rPr lang="ja-JP" altLang="en-US" dirty="0"/>
+              <a:t>シングルページ</a:t>
+            </a:r>
+            <a:r>
+              <a:rPr lang="en-US" altLang="ja-JP" dirty="0"/>
+              <a:t>WEB</a:t>
+            </a:r>
+            <a:r>
+              <a:rPr lang="ja-JP" altLang="en-US" dirty="0"/>
+              <a:t>アプリケーション</a:t>
+            </a:r>
+            <a:endParaRPr kumimoji="1" lang="ja-JP" altLang="en-US" dirty="0"/>
+          </a:p>
+        </p:txBody>
+      </p:sp>
+      <p:sp>
+        <p:nvSpPr>
+          <p:cNvPr id="3" name="コンテンツ プレースホルダー 2"/>
+          <p:cNvSpPr>
+            <a:spLocks noGrp="1"/>
+          </p:cNvSpPr>
+          <p:nvPr>
+            <p:ph idx="1"/>
+          </p:nvPr>
+        </p:nvSpPr>
+        <p:spPr/>
+        <p:txBody>
+          <a:bodyPr>
+            <a:normAutofit fontScale="62500" lnSpcReduction="20000"/>
+          </a:bodyPr>
+          <a:lstStyle/>
+          <a:p>
+            <a:r>
+              <a:rPr lang="ja-JP" altLang="en-US" dirty="0"/>
+              <a:t>概要</a:t>
+            </a:r>
+            <a:endParaRPr lang="en-US" altLang="ja-JP" dirty="0"/>
+          </a:p>
+          <a:p>
+            <a:pPr lvl="1"/>
+            <a:r>
+              <a:rPr lang="ja-JP" altLang="en-US" dirty="0"/>
+              <a:t>近年注目を集めている</a:t>
+            </a:r>
+            <a:r>
+              <a:rPr lang="en-US" altLang="ja-JP" dirty="0"/>
+              <a:t>WEB</a:t>
+            </a:r>
+            <a:r>
+              <a:rPr lang="ja-JP" altLang="en-US" dirty="0"/>
+              <a:t>アプリの仕様</a:t>
+            </a:r>
+            <a:endParaRPr lang="en-US" altLang="ja-JP" dirty="0"/>
+          </a:p>
+          <a:p>
+            <a:endParaRPr lang="en-US" altLang="ja-JP" dirty="0"/>
+          </a:p>
+          <a:p>
+            <a:r>
+              <a:rPr lang="ja-JP" altLang="en-US" dirty="0"/>
+              <a:t>特徴</a:t>
+            </a:r>
+            <a:endParaRPr kumimoji="1" lang="en-US" altLang="ja-JP" dirty="0"/>
+          </a:p>
+          <a:p>
+            <a:pPr lvl="1"/>
+            <a:r>
+              <a:rPr lang="ja-JP" altLang="en-US" dirty="0"/>
+              <a:t>デプロイが簡単</a:t>
+            </a:r>
+            <a:endParaRPr lang="en-US" altLang="ja-JP" dirty="0"/>
+          </a:p>
+          <a:p>
+            <a:pPr lvl="1"/>
+            <a:r>
+              <a:rPr kumimoji="1" lang="ja-JP" altLang="en-US" dirty="0"/>
+              <a:t>クロスプラットフォームである</a:t>
+            </a:r>
+            <a:endParaRPr kumimoji="1" lang="en-US" altLang="ja-JP" dirty="0"/>
+          </a:p>
+          <a:p>
+            <a:pPr lvl="1"/>
+            <a:endParaRPr kumimoji="1" lang="en-US" altLang="ja-JP" dirty="0"/>
+          </a:p>
+          <a:p>
+            <a:r>
+              <a:rPr kumimoji="1" lang="ja-JP" altLang="en-US" dirty="0"/>
+              <a:t>例</a:t>
+            </a:r>
+            <a:endParaRPr kumimoji="1" lang="en-US" altLang="ja-JP" dirty="0"/>
+          </a:p>
+          <a:p>
+            <a:pPr lvl="1"/>
+            <a:r>
+              <a:rPr lang="en-US" altLang="ja-JP" dirty="0"/>
+              <a:t>Twitter</a:t>
+            </a:r>
+            <a:r>
+              <a:rPr lang="ja-JP" altLang="en-US" dirty="0"/>
+              <a:t>や</a:t>
+            </a:r>
+            <a:r>
+              <a:rPr lang="en-US" altLang="ja-JP" dirty="0"/>
+              <a:t>Instagram</a:t>
+            </a:r>
+            <a:r>
+              <a:rPr lang="ja-JP" altLang="en-US" dirty="0"/>
+              <a:t>など</a:t>
+            </a:r>
+            <a:endParaRPr kumimoji="1" lang="en-US" altLang="ja-JP" dirty="0"/>
+          </a:p>
+          <a:p>
+            <a:endParaRPr kumimoji="1" lang="ja-JP" altLang="en-US" dirty="0"/>
+          </a:p>
+        </p:txBody>
+      </p:sp>
+    </p:spTree>
+    <p:extLst>
+      <p:ext uri="{BB962C8B-B14F-4D97-AF65-F5344CB8AC3E}">
+        <p14:creationId xmlns:p14="http://schemas.microsoft.com/office/powerpoint/2010/main" val="544699416"/>
+      </p:ext>
+    </p:extLst>
+  </p:cSld>
+  <p:clrMapOvr>
+    <a:masterClrMapping/>
+  </p:clrMapOvr>
+</p:sld>
+</file>
+
+<file path=ppt/slides/slide17.xml><?xml version="1.0" encoding="utf-8"?>
+<p:sld xmlns:a="http://schemas.openxmlformats.org/drawingml/2006/main" xmlns:r="http://schemas.openxmlformats.org/officeDocument/2006/relationships" xmlns:p="http://schemas.openxmlformats.org/presentationml/2006/main">
+  <p:cSld>
+    <p:spTree>
+      <p:nvGrpSpPr>
+        <p:cNvPr id="1" name=""/>
+        <p:cNvGrpSpPr/>
+        <p:nvPr/>
+      </p:nvGrpSpPr>
+      <p:grpSpPr>
+        <a:xfrm>
+          <a:off x="0" y="0"/>
+          <a:ext cx="0" cy="0"/>
+          <a:chOff x="0" y="0"/>
+          <a:chExt cx="0" cy="0"/>
+        </a:xfrm>
+      </p:grpSpPr>
+      <p:sp>
+        <p:nvSpPr>
+          <p:cNvPr id="2" name="タイトル 1"/>
+          <p:cNvSpPr>
+            <a:spLocks noGrp="1"/>
+          </p:cNvSpPr>
+          <p:nvPr>
+            <p:ph type="title"/>
+          </p:nvPr>
+        </p:nvSpPr>
+        <p:spPr/>
+        <p:txBody>
+          <a:bodyPr/>
+          <a:lstStyle/>
+          <a:p>
+            <a:r>
               <a:rPr kumimoji="1" lang="ja-JP" altLang="en-US" dirty="0"/>
               <a:t>本研究の目的</a:t>
             </a:r>
@@ -5784,7 +8016,9 @@
         </p:nvSpPr>
         <p:spPr/>
         <p:txBody>
-          <a:bodyPr/>
+          <a:bodyPr>
+            <a:normAutofit lnSpcReduction="10000"/>
+          </a:bodyPr>
           <a:lstStyle/>
           <a:p>
             <a:r>
@@ -5930,14 +8164,14 @@
       </p:sp>
       <p:sp>
         <p:nvSpPr>
-          <p:cNvPr id="4" name="正方形/長方形 3"/>
+          <p:cNvPr id="5" name="正方形/長方形 4"/>
           <p:cNvSpPr/>
           <p:nvPr/>
         </p:nvSpPr>
         <p:spPr>
           <a:xfrm>
-            <a:off x="3282462" y="3305907"/>
-            <a:ext cx="2684584" cy="762000"/>
+            <a:off x="2092569" y="5169877"/>
+            <a:ext cx="5216769" cy="1137138"/>
           </a:xfrm>
           <a:prstGeom prst="rect">
             <a:avLst/>
@@ -5965,55 +8199,16 @@
           <a:p>
             <a:pPr algn="ctr"/>
             <a:r>
-              <a:rPr kumimoji="1" lang="ja-JP" altLang="en-US" dirty="0"/>
-              <a:t>マークシート方式</a:t>
-            </a:r>
-          </a:p>
-        </p:txBody>
-      </p:sp>
-      <p:sp>
-        <p:nvSpPr>
-          <p:cNvPr id="5" name="正方形/長方形 4"/>
-          <p:cNvSpPr/>
-          <p:nvPr/>
-        </p:nvSpPr>
-        <p:spPr>
-          <a:xfrm>
-            <a:off x="2579077" y="5169877"/>
-            <a:ext cx="4337538" cy="1137138"/>
-          </a:xfrm>
-          <a:prstGeom prst="rect">
-            <a:avLst/>
-          </a:prstGeom>
-        </p:spPr>
-        <p:style>
-          <a:lnRef idx="2">
-            <a:schemeClr val="accent1">
-              <a:shade val="50000"/>
-            </a:schemeClr>
-          </a:lnRef>
-          <a:fillRef idx="1">
-            <a:schemeClr val="accent1"/>
-          </a:fillRef>
-          <a:effectRef idx="0">
-            <a:schemeClr val="accent1"/>
-          </a:effectRef>
-          <a:fontRef idx="minor">
-            <a:schemeClr val="lt1"/>
-          </a:fontRef>
-        </p:style>
-        <p:txBody>
-          <a:bodyPr rtlCol="0" anchor="ctr"/>
-          <a:lstStyle/>
-          <a:p>
-            <a:pPr algn="ctr"/>
-            <a:r>
-              <a:rPr lang="en-US" altLang="ja-JP" sz="4000" dirty="0"/>
+              <a:rPr lang="ja-JP" altLang="en-US" sz="4000" dirty="0" smtClean="0"/>
+              <a:t>本研究：</a:t>
+            </a:r>
+            <a:r>
+              <a:rPr lang="en-US" altLang="ja-JP" sz="4000" dirty="0" smtClean="0"/>
               <a:t>Web</a:t>
             </a:r>
             <a:r>
-              <a:rPr lang="ja-JP" altLang="en-US" sz="4000" dirty="0"/>
-              <a:t>上でアンケート</a:t>
+              <a:rPr lang="ja-JP" altLang="en-US" sz="4000" dirty="0" smtClean="0"/>
+              <a:t>アンケート</a:t>
             </a:r>
             <a:endParaRPr kumimoji="1" lang="ja-JP" altLang="en-US" sz="4000" dirty="0"/>
           </a:p>
@@ -6056,6 +8251,49 @@
           <a:p>
             <a:pPr algn="ctr"/>
             <a:endParaRPr kumimoji="1" lang="ja-JP" altLang="en-US"/>
+          </a:p>
+        </p:txBody>
+      </p:sp>
+      <p:sp>
+        <p:nvSpPr>
+          <p:cNvPr id="10" name="正方形/長方形 9"/>
+          <p:cNvSpPr/>
+          <p:nvPr/>
+        </p:nvSpPr>
+        <p:spPr>
+          <a:xfrm>
+            <a:off x="2092569" y="2962031"/>
+            <a:ext cx="5216769" cy="1137138"/>
+          </a:xfrm>
+          <a:prstGeom prst="rect">
+            <a:avLst/>
+          </a:prstGeom>
+        </p:spPr>
+        <p:style>
+          <a:lnRef idx="2">
+            <a:schemeClr val="accent1">
+              <a:shade val="50000"/>
+            </a:schemeClr>
+          </a:lnRef>
+          <a:fillRef idx="1">
+            <a:schemeClr val="accent1"/>
+          </a:fillRef>
+          <a:effectRef idx="0">
+            <a:schemeClr val="accent1"/>
+          </a:effectRef>
+          <a:fontRef idx="minor">
+            <a:schemeClr val="lt1"/>
+          </a:fontRef>
+        </p:style>
+        <p:txBody>
+          <a:bodyPr rtlCol="0" anchor="ctr"/>
+          <a:lstStyle/>
+          <a:p>
+            <a:pPr algn="ctr"/>
+            <a:r>
+              <a:rPr lang="ja-JP" altLang="en-US" sz="4000" dirty="0"/>
+              <a:t>従来：マークシート方式</a:t>
+            </a:r>
           </a:p>
         </p:txBody>
       </p:sp>
@@ -6166,8 +8404,8 @@
         </p:nvSpPr>
         <p:spPr>
           <a:xfrm>
-            <a:off x="1047404" y="5178829"/>
-            <a:ext cx="6666807" cy="914400"/>
+            <a:off x="1106018" y="4518696"/>
+            <a:ext cx="6666807" cy="1515048"/>
           </a:xfrm>
           <a:prstGeom prst="rect">
             <a:avLst/>
@@ -6195,8 +8433,24 @@
           <a:p>
             <a:pPr algn="ctr"/>
             <a:r>
-              <a:rPr kumimoji="1" lang="ja-JP" altLang="en-US" dirty="0"/>
-              <a:t>ＷＥＢ上で行うことでこれらの欠点を克服できる</a:t>
+              <a:rPr kumimoji="1" lang="ja-JP" altLang="en-US" sz="4000" dirty="0"/>
+              <a:t>ＷＥＢ上で行うこと</a:t>
+            </a:r>
+            <a:r>
+              <a:rPr kumimoji="1" lang="ja-JP" altLang="en-US" sz="4000" dirty="0" smtClean="0"/>
+              <a:t>で</a:t>
+            </a:r>
+            <a:endParaRPr kumimoji="1" lang="en-US" altLang="ja-JP" sz="4000" dirty="0" smtClean="0"/>
+          </a:p>
+          <a:p>
+            <a:pPr algn="ctr"/>
+            <a:r>
+              <a:rPr kumimoji="1" lang="ja-JP" altLang="en-US" sz="4000" dirty="0" smtClean="0"/>
+              <a:t>これら</a:t>
+            </a:r>
+            <a:r>
+              <a:rPr kumimoji="1" lang="ja-JP" altLang="en-US" sz="4000" dirty="0"/>
+              <a:t>の欠点を克服できる</a:t>
             </a:r>
           </a:p>
         </p:txBody>
@@ -6270,9 +8524,16 @@
         </p:nvSpPr>
         <p:spPr/>
         <p:txBody>
-          <a:bodyPr/>
-          <a:lstStyle/>
-          <a:p>
+          <a:bodyPr>
+            <a:normAutofit fontScale="85000" lnSpcReduction="20000"/>
+          </a:bodyPr>
+          <a:lstStyle/>
+          <a:p>
+            <a:pPr>
+              <a:lnSpc>
+                <a:spcPct val="120000"/>
+              </a:lnSpc>
+            </a:pPr>
             <a:r>
               <a:rPr kumimoji="1" lang="ja-JP" altLang="en-US" dirty="0"/>
               <a:t>経済性</a:t>
@@ -6280,7 +8541,11 @@
             <a:endParaRPr kumimoji="1" lang="en-US" altLang="ja-JP" dirty="0"/>
           </a:p>
           <a:p>
-            <a:pPr lvl="1"/>
+            <a:pPr lvl="1">
+              <a:lnSpc>
+                <a:spcPct val="120000"/>
+              </a:lnSpc>
+            </a:pPr>
             <a:r>
               <a:rPr lang="ja-JP" altLang="en-US" dirty="0"/>
               <a:t>紙資源を使わない</a:t>
@@ -6289,11 +8554,19 @@
           </a:p>
           <a:p>
             <a:pPr marL="457200" lvl="1" indent="0">
+              <a:lnSpc>
+                <a:spcPct val="120000"/>
+              </a:lnSpc>
               <a:buNone/>
             </a:pPr>
             <a:endParaRPr kumimoji="1" lang="en-US" altLang="ja-JP" dirty="0"/>
           </a:p>
           <a:p>
+            <a:pPr>
+              <a:lnSpc>
+                <a:spcPct val="120000"/>
+              </a:lnSpc>
+            </a:pPr>
             <a:r>
               <a:rPr lang="ja-JP" altLang="en-US" dirty="0"/>
               <a:t>教員の労力削減</a:t>
@@ -6301,7 +8574,11 @@
             <a:endParaRPr lang="en-US" altLang="ja-JP" dirty="0"/>
           </a:p>
           <a:p>
-            <a:pPr lvl="1"/>
+            <a:pPr lvl="1">
+              <a:lnSpc>
+                <a:spcPct val="120000"/>
+              </a:lnSpc>
+            </a:pPr>
             <a:r>
               <a:rPr lang="ja-JP" altLang="en-US" dirty="0"/>
               <a:t>回答用紙をスキャンする必要がない</a:t>
@@ -6309,20 +8586,38 @@
             <a:endParaRPr lang="en-US" altLang="ja-JP" dirty="0"/>
           </a:p>
           <a:p>
-            <a:pPr lvl="1"/>
+            <a:pPr lvl="1">
+              <a:lnSpc>
+                <a:spcPct val="120000"/>
+              </a:lnSpc>
+            </a:pPr>
             <a:r>
               <a:rPr lang="ja-JP" altLang="en-US" dirty="0"/>
-              <a:t>回答データの自動集計</a:t>
-            </a:r>
-            <a:endParaRPr lang="en-US" altLang="ja-JP" dirty="0"/>
-          </a:p>
-          <a:p>
-            <a:pPr lvl="1"/>
-            <a:endParaRPr lang="en-US" altLang="ja-JP" dirty="0"/>
-          </a:p>
-          <a:p>
-            <a:r>
-              <a:rPr kumimoji="1" lang="ja-JP" altLang="en-US" dirty="0"/>
+              <a:t>回答データの自動</a:t>
+            </a:r>
+            <a:r>
+              <a:rPr lang="ja-JP" altLang="en-US" dirty="0" smtClean="0"/>
+              <a:t>集計</a:t>
+            </a:r>
+            <a:endParaRPr lang="en-US" altLang="ja-JP" dirty="0" smtClean="0"/>
+          </a:p>
+          <a:p>
+            <a:pPr marL="457200" lvl="1" indent="0">
+              <a:lnSpc>
+                <a:spcPct val="120000"/>
+              </a:lnSpc>
+              <a:buNone/>
+            </a:pPr>
+            <a:endParaRPr lang="en-US" altLang="ja-JP" dirty="0" smtClean="0"/>
+          </a:p>
+          <a:p>
+            <a:pPr>
+              <a:lnSpc>
+                <a:spcPct val="120000"/>
+              </a:lnSpc>
+            </a:pPr>
+            <a:r>
+              <a:rPr kumimoji="1" lang="ja-JP" altLang="en-US" dirty="0" smtClean="0"/>
               <a:t>ユーザ</a:t>
             </a:r>
             <a:r>
@@ -6332,7 +8627,11 @@
             <a:endParaRPr lang="en-US" altLang="ja-JP" dirty="0"/>
           </a:p>
           <a:p>
-            <a:pPr lvl="1"/>
+            <a:pPr lvl="1">
+              <a:lnSpc>
+                <a:spcPct val="120000"/>
+              </a:lnSpc>
+            </a:pPr>
             <a:r>
               <a:rPr kumimoji="1" lang="ja-JP" altLang="en-US" dirty="0"/>
               <a:t>動きのあるＵＩで楽しくアンケートに回答できる</a:t>
@@ -6605,7 +8904,9 @@
         </p:nvSpPr>
         <p:spPr/>
         <p:txBody>
-          <a:bodyPr/>
+          <a:bodyPr>
+            <a:normAutofit lnSpcReduction="10000"/>
+          </a:bodyPr>
           <a:lstStyle/>
           <a:p>
             <a:r>
@@ -6642,7 +8943,15 @@
             <a:pPr lvl="2"/>
             <a:r>
               <a:rPr lang="ja-JP" altLang="en-US" dirty="0"/>
-              <a:t>スキャン不要で自動的にアンケート結果をＰＣに取り込める。</a:t>
+              <a:t>スキャン不要で自動的</a:t>
+            </a:r>
+            <a:r>
+              <a:rPr lang="ja-JP" altLang="en-US" dirty="0" smtClean="0"/>
+              <a:t>に回答を</a:t>
+            </a:r>
+            <a:r>
+              <a:rPr lang="ja-JP" altLang="en-US" dirty="0"/>
+              <a:t>ＰＣに取り込める。</a:t>
             </a:r>
             <a:endParaRPr lang="en-US" altLang="ja-JP" dirty="0"/>
           </a:p>
@@ -6724,40 +9033,98 @@
           <a:lstStyle/>
           <a:p>
             <a:r>
+              <a:rPr kumimoji="1" lang="ja-JP" altLang="en-US" dirty="0" smtClean="0"/>
+              <a:t>今後の展望</a:t>
+            </a:r>
+            <a:endParaRPr kumimoji="1" lang="ja-JP" altLang="en-US" dirty="0"/>
+          </a:p>
+        </p:txBody>
+      </p:sp>
+      <p:sp>
+        <p:nvSpPr>
+          <p:cNvPr id="3" name="コンテンツ プレースホルダー 2"/>
+          <p:cNvSpPr>
+            <a:spLocks noGrp="1"/>
+          </p:cNvSpPr>
+          <p:nvPr>
+            <p:ph idx="1"/>
+          </p:nvPr>
+        </p:nvSpPr>
+        <p:spPr/>
+        <p:txBody>
+          <a:bodyPr>
+            <a:normAutofit/>
+          </a:bodyPr>
+          <a:lstStyle/>
+          <a:p>
+            <a:r>
               <a:rPr lang="ja-JP" altLang="en-US" dirty="0"/>
-              <a:t>今後の展望</a:t>
-            </a:r>
-            <a:endParaRPr kumimoji="1" lang="ja-JP" altLang="en-US" dirty="0"/>
-          </a:p>
-        </p:txBody>
-      </p:sp>
-      <p:sp>
-        <p:nvSpPr>
-          <p:cNvPr id="3" name="コンテンツ プレースホルダー 2"/>
-          <p:cNvSpPr>
-            <a:spLocks noGrp="1"/>
-          </p:cNvSpPr>
-          <p:nvPr>
-            <p:ph idx="1"/>
-          </p:nvPr>
-        </p:nvSpPr>
-        <p:spPr/>
-        <p:txBody>
-          <a:bodyPr/>
-          <a:lstStyle/>
-          <a:p>
-            <a:r>
-              <a:rPr kumimoji="1" lang="ja-JP" altLang="en-US" dirty="0"/>
-              <a:t>授業の品質向上に貢献するアプリケーションに成長させたい</a:t>
-            </a:r>
-            <a:endParaRPr kumimoji="1" lang="en-US" altLang="ja-JP" dirty="0"/>
+              <a:t>結果</a:t>
+            </a:r>
+            <a:r>
+              <a:rPr lang="ja-JP" altLang="en-US" dirty="0" smtClean="0"/>
+              <a:t>の自動集計配信機能の実装</a:t>
+            </a:r>
+            <a:endParaRPr lang="en-US" altLang="ja-JP" dirty="0" smtClean="0"/>
+          </a:p>
+        </p:txBody>
+      </p:sp>
+      <p:sp>
+        <p:nvSpPr>
+          <p:cNvPr id="4" name="円/楕円 3"/>
+          <p:cNvSpPr/>
+          <p:nvPr/>
+        </p:nvSpPr>
+        <p:spPr>
+          <a:xfrm>
+            <a:off x="534867" y="3282461"/>
+            <a:ext cx="7886700" cy="2672862"/>
+          </a:xfrm>
+          <a:prstGeom prst="ellipse">
+            <a:avLst/>
+          </a:prstGeom>
+        </p:spPr>
+        <p:style>
+          <a:lnRef idx="2">
+            <a:schemeClr val="accent1">
+              <a:shade val="50000"/>
+            </a:schemeClr>
+          </a:lnRef>
+          <a:fillRef idx="1">
+            <a:schemeClr val="accent1"/>
+          </a:fillRef>
+          <a:effectRef idx="0">
+            <a:schemeClr val="accent1"/>
+          </a:effectRef>
+          <a:fontRef idx="minor">
+            <a:schemeClr val="lt1"/>
+          </a:fontRef>
+        </p:style>
+        <p:txBody>
+          <a:bodyPr rtlCol="0" anchor="ctr"/>
+          <a:lstStyle/>
+          <a:p>
+            <a:pPr algn="ctr"/>
+            <a:r>
+              <a:rPr lang="ja-JP" altLang="en-US" sz="3600" dirty="0"/>
+              <a:t>より少ないコスト</a:t>
+            </a:r>
+            <a:r>
+              <a:rPr lang="ja-JP" altLang="en-US" sz="3600" dirty="0" smtClean="0"/>
+              <a:t>で授業評価アンケート</a:t>
+            </a:r>
+            <a:r>
+              <a:rPr lang="ja-JP" altLang="en-US" sz="3600" dirty="0"/>
+              <a:t>を実施可能</a:t>
+            </a:r>
+            <a:endParaRPr lang="en-US" altLang="ja-JP" sz="3600" dirty="0"/>
           </a:p>
         </p:txBody>
       </p:sp>
     </p:spTree>
     <p:extLst>
       <p:ext uri="{BB962C8B-B14F-4D97-AF65-F5344CB8AC3E}">
-        <p14:creationId xmlns:p14="http://schemas.microsoft.com/office/powerpoint/2010/main" val="4066048542"/>
+        <p14:creationId xmlns:p14="http://schemas.microsoft.com/office/powerpoint/2010/main" val="231410377"/>
       </p:ext>
     </p:extLst>
   </p:cSld>
@@ -6800,48 +9167,65 @@
           <a:lstStyle/>
           <a:p>
             <a:r>
+              <a:rPr kumimoji="1" lang="ja-JP" altLang="en-US" dirty="0"/>
+              <a:t>まとめ</a:t>
+            </a:r>
+          </a:p>
+        </p:txBody>
+      </p:sp>
+      <p:sp>
+        <p:nvSpPr>
+          <p:cNvPr id="3" name="コンテンツ プレースホルダー 2"/>
+          <p:cNvSpPr>
+            <a:spLocks noGrp="1"/>
+          </p:cNvSpPr>
+          <p:nvPr>
+            <p:ph idx="1"/>
+          </p:nvPr>
+        </p:nvSpPr>
+        <p:spPr/>
+        <p:txBody>
+          <a:bodyPr>
+            <a:normAutofit fontScale="77500" lnSpcReduction="20000"/>
+          </a:bodyPr>
+          <a:lstStyle/>
+          <a:p>
+            <a:r>
+              <a:rPr kumimoji="1" lang="en-US" altLang="ja-JP" dirty="0"/>
+              <a:t>Web</a:t>
+            </a:r>
+            <a:r>
               <a:rPr lang="ja-JP" altLang="en-US" dirty="0"/>
-              <a:t>今後の展望</a:t>
+              <a:t>プログラミングで授業評価アンケートを作成した</a:t>
+            </a:r>
+            <a:endParaRPr lang="en-US" altLang="ja-JP" dirty="0"/>
+          </a:p>
+          <a:p>
+            <a:endParaRPr kumimoji="1" lang="en-US" altLang="ja-JP" dirty="0"/>
+          </a:p>
+          <a:p>
+            <a:r>
+              <a:rPr lang="ja-JP" altLang="en-US" dirty="0"/>
+              <a:t>経済性の改善、教員の労力削減、ユーザ体験の向上が実現した</a:t>
+            </a:r>
+            <a:endParaRPr lang="en-US" altLang="ja-JP" dirty="0"/>
+          </a:p>
+          <a:p>
+            <a:endParaRPr kumimoji="1" lang="en-US" altLang="ja-JP" dirty="0"/>
+          </a:p>
+          <a:p>
+            <a:r>
+              <a:rPr lang="ja-JP" altLang="en-US" dirty="0"/>
+              <a:t>新機能を実装することで高専の授業のさらなる品質向上に貢献できる。</a:t>
             </a:r>
             <a:endParaRPr kumimoji="1" lang="ja-JP" altLang="en-US" dirty="0"/>
-          </a:p>
-        </p:txBody>
-      </p:sp>
-      <p:sp>
-        <p:nvSpPr>
-          <p:cNvPr id="3" name="コンテンツ プレースホルダー 2"/>
-          <p:cNvSpPr>
-            <a:spLocks noGrp="1"/>
-          </p:cNvSpPr>
-          <p:nvPr>
-            <p:ph idx="1"/>
-          </p:nvPr>
-        </p:nvSpPr>
-        <p:spPr/>
-        <p:txBody>
-          <a:bodyPr/>
-          <a:lstStyle/>
-          <a:p>
-            <a:r>
-              <a:rPr lang="ja-JP" altLang="en-US" dirty="0"/>
-              <a:t>追加したい新機能</a:t>
-            </a:r>
-            <a:endParaRPr lang="en-US" altLang="ja-JP" dirty="0"/>
-          </a:p>
-          <a:p>
-            <a:pPr lvl="1"/>
-            <a:r>
-              <a:rPr lang="ja-JP" altLang="en-US" dirty="0"/>
-              <a:t>アンケート結果の自動集計、配信機能</a:t>
-            </a:r>
-            <a:endParaRPr lang="en-US" altLang="ja-JP" dirty="0"/>
           </a:p>
         </p:txBody>
       </p:sp>
     </p:spTree>
     <p:extLst>
       <p:ext uri="{BB962C8B-B14F-4D97-AF65-F5344CB8AC3E}">
-        <p14:creationId xmlns:p14="http://schemas.microsoft.com/office/powerpoint/2010/main" val="2916584370"/>
+        <p14:creationId xmlns:p14="http://schemas.microsoft.com/office/powerpoint/2010/main" val="1114868748"/>
       </p:ext>
     </p:extLst>
   </p:cSld>
@@ -6883,48 +9267,54 @@
           <a:bodyPr/>
           <a:lstStyle/>
           <a:p>
+            <a:endParaRPr kumimoji="1" lang="ja-JP" altLang="en-US"/>
+          </a:p>
+        </p:txBody>
+      </p:sp>
+      <p:sp>
+        <p:nvSpPr>
+          <p:cNvPr id="3" name="コンテンツ プレースホルダー 2"/>
+          <p:cNvSpPr>
+            <a:spLocks noGrp="1"/>
+          </p:cNvSpPr>
+          <p:nvPr>
+            <p:ph idx="1"/>
+          </p:nvPr>
+        </p:nvSpPr>
+        <p:spPr/>
+        <p:txBody>
+          <a:bodyPr/>
+          <a:lstStyle/>
+          <a:p>
+            <a:pPr marL="0" indent="0" algn="ctr">
+              <a:buNone/>
+            </a:pPr>
+            <a:endParaRPr lang="en-US" altLang="ja-JP" dirty="0" smtClean="0"/>
+          </a:p>
+          <a:p>
+            <a:pPr marL="0" indent="0" algn="ctr">
+              <a:buNone/>
+            </a:pPr>
+            <a:r>
+              <a:rPr lang="ja-JP" altLang="en-US" dirty="0" smtClean="0"/>
+              <a:t>ご清聴</a:t>
+            </a:r>
+            <a:r>
+              <a:rPr lang="ja-JP" altLang="en-US" dirty="0" smtClean="0"/>
+              <a:t>ありがとうございまし</a:t>
+            </a:r>
             <a:r>
               <a:rPr lang="ja-JP" altLang="en-US" dirty="0"/>
-              <a:t>今後の展望</a:t>
+              <a:t>た</a:t>
             </a:r>
             <a:endParaRPr kumimoji="1" lang="ja-JP" altLang="en-US" dirty="0"/>
-          </a:p>
-        </p:txBody>
-      </p:sp>
-      <p:sp>
-        <p:nvSpPr>
-          <p:cNvPr id="3" name="コンテンツ プレースホルダー 2"/>
-          <p:cNvSpPr>
-            <a:spLocks noGrp="1"/>
-          </p:cNvSpPr>
-          <p:nvPr>
-            <p:ph idx="1"/>
-          </p:nvPr>
-        </p:nvSpPr>
-        <p:spPr/>
-        <p:txBody>
-          <a:bodyPr/>
-          <a:lstStyle/>
-          <a:p>
-            <a:r>
-              <a:rPr lang="ja-JP" altLang="en-US" dirty="0"/>
-              <a:t>これらの新機能を実装することで、授業終了後に学生がすぐに今回の授業を評価することができ、より正確な意見が収集できます。</a:t>
-            </a:r>
-            <a:endParaRPr lang="en-US" altLang="ja-JP" dirty="0"/>
-          </a:p>
-          <a:p>
-            <a:r>
-              <a:rPr lang="ja-JP" altLang="en-US" dirty="0"/>
-              <a:t>また、教員も授業の内容を覚えているうちに学生からのフィードバックを得られるので今までよりもさらに授業の品質が向上します。</a:t>
-            </a:r>
-            <a:endParaRPr kumimoji="1" lang="en-US" altLang="ja-JP" dirty="0"/>
           </a:p>
         </p:txBody>
       </p:sp>
     </p:spTree>
     <p:extLst>
       <p:ext uri="{BB962C8B-B14F-4D97-AF65-F5344CB8AC3E}">
-        <p14:creationId xmlns:p14="http://schemas.microsoft.com/office/powerpoint/2010/main" val="3755367451"/>
+        <p14:creationId xmlns:p14="http://schemas.microsoft.com/office/powerpoint/2010/main" val="2117521921"/>
       </p:ext>
     </p:extLst>
   </p:cSld>

--- a/卒業研究発表スライド.pptx
+++ b/卒業研究発表スライド.pptx
@@ -1,30 +1,32 @@
 
 <file path=ppt/presentation.xml><?xml version="1.0" encoding="utf-8"?>
-<p:presentation xmlns:a="http://schemas.openxmlformats.org/drawingml/2006/main" xmlns:r="http://schemas.openxmlformats.org/officeDocument/2006/relationships" xmlns:p="http://schemas.openxmlformats.org/presentationml/2006/main" saveSubsetFonts="1">
+<p:presentation xmlns:a="http://schemas.openxmlformats.org/drawingml/2006/main" xmlns:r="http://schemas.openxmlformats.org/officeDocument/2006/relationships" xmlns:p="http://schemas.openxmlformats.org/presentationml/2006/main" firstSlideNum="0" showSpecialPlsOnTitleSld="0" saveSubsetFonts="1">
   <p:sldMasterIdLst>
     <p:sldMasterId id="2147483660" r:id="rId1"/>
   </p:sldMasterIdLst>
   <p:notesMasterIdLst>
-    <p:notesMasterId r:id="rId19"/>
+    <p:notesMasterId r:id="rId21"/>
   </p:notesMasterIdLst>
   <p:sldIdLst>
     <p:sldId id="256" r:id="rId2"/>
     <p:sldId id="260" r:id="rId3"/>
     <p:sldId id="261" r:id="rId4"/>
     <p:sldId id="262" r:id="rId5"/>
-    <p:sldId id="263" r:id="rId6"/>
-    <p:sldId id="264" r:id="rId7"/>
-    <p:sldId id="274" r:id="rId8"/>
-    <p:sldId id="271" r:id="rId9"/>
-    <p:sldId id="268" r:id="rId10"/>
-    <p:sldId id="267" r:id="rId11"/>
-    <p:sldId id="269" r:id="rId12"/>
-    <p:sldId id="272" r:id="rId13"/>
-    <p:sldId id="265" r:id="rId14"/>
-    <p:sldId id="266" r:id="rId15"/>
-    <p:sldId id="257" r:id="rId16"/>
-    <p:sldId id="258" r:id="rId17"/>
-    <p:sldId id="259" r:id="rId18"/>
+    <p:sldId id="275" r:id="rId6"/>
+    <p:sldId id="276" r:id="rId7"/>
+    <p:sldId id="263" r:id="rId8"/>
+    <p:sldId id="264" r:id="rId9"/>
+    <p:sldId id="274" r:id="rId10"/>
+    <p:sldId id="271" r:id="rId11"/>
+    <p:sldId id="268" r:id="rId12"/>
+    <p:sldId id="267" r:id="rId13"/>
+    <p:sldId id="269" r:id="rId14"/>
+    <p:sldId id="272" r:id="rId15"/>
+    <p:sldId id="265" r:id="rId16"/>
+    <p:sldId id="266" r:id="rId17"/>
+    <p:sldId id="257" r:id="rId18"/>
+    <p:sldId id="258" r:id="rId19"/>
+    <p:sldId id="259" r:id="rId20"/>
   </p:sldIdLst>
   <p:sldSz cx="9144000" cy="6858000" type="screen4x3"/>
   <p:notesSz cx="6858000" cy="9144000"/>
@@ -2644,7 +2646,7 @@
           <a:p>
             <a:fld id="{DE4497FE-1A65-4799-B01D-44564FDEC19E}" type="slidenum">
               <a:rPr kumimoji="1" lang="ja-JP" altLang="en-US" smtClean="0"/>
-              <a:t>1</a:t>
+              <a:t>0</a:t>
             </a:fld>
             <a:endParaRPr kumimoji="1" lang="ja-JP" altLang="en-US"/>
           </a:p>
@@ -2707,19 +2709,31 @@
           <a:bodyPr/>
           <a:lstStyle/>
           <a:p>
+            <a:pPr marL="0" marR="0" lvl="0" indent="0" algn="l" defTabSz="914400" rtl="0" eaLnBrk="1" fontAlgn="auto" latinLnBrk="0" hangingPunct="1">
+              <a:lnSpc>
+                <a:spcPct val="100000"/>
+              </a:lnSpc>
+              <a:spcBef>
+                <a:spcPts val="0"/>
+              </a:spcBef>
+              <a:spcAft>
+                <a:spcPts val="0"/>
+              </a:spcAft>
+              <a:buClrTx/>
+              <a:buSzTx/>
+              <a:buFontTx/>
+              <a:buNone/>
+              <a:tabLst/>
+              <a:defRPr/>
+            </a:pPr>
             <a:r>
               <a:rPr kumimoji="1" lang="ja-JP" altLang="en-US" dirty="0"/>
-              <a:t>これらの新機能を実装することで、授業終了後に学生がすぐに今回の授業を評価することができ、より正確な意見が収集できます。</a:t>
-            </a:r>
-          </a:p>
-          <a:p>
-            <a:r>
-              <a:rPr kumimoji="1" lang="ja-JP" altLang="en-US" dirty="0"/>
-              <a:t>また、教員も授業の内容を覚えているうちに学生からのフィードバックを得られるので今までよりもさらに授業の品質が向上します。</a:t>
-            </a:r>
-          </a:p>
-          <a:p>
-            <a:endParaRPr kumimoji="1" lang="ja-JP" altLang="en-US" dirty="0"/>
+              <a:t>今後の展望として、鹿児島高専の授業のさらなる品質向上に貢献できるアプリケーションに成長させたいと考えています</a:t>
+            </a:r>
+            <a:r>
+              <a:rPr kumimoji="1" lang="ja-JP" altLang="en-US" dirty="0" smtClean="0"/>
+              <a:t>。その具体的な方法として、アンケート結果の自動集計および自動配信機能を追加したいと考えています。</a:t>
+            </a:r>
           </a:p>
           <a:p>
             <a:endParaRPr kumimoji="1" lang="ja-JP" altLang="en-US" dirty="0"/>
@@ -2752,7 +2766,7 @@
     </p:spTree>
     <p:extLst>
       <p:ext uri="{BB962C8B-B14F-4D97-AF65-F5344CB8AC3E}">
-        <p14:creationId xmlns:p14="http://schemas.microsoft.com/office/powerpoint/2010/main" val="254944331"/>
+        <p14:creationId xmlns:p14="http://schemas.microsoft.com/office/powerpoint/2010/main" val="2573633034"/>
       </p:ext>
     </p:extLst>
   </p:cSld>
@@ -2808,8 +2822,20 @@
           <a:p>
             <a:r>
               <a:rPr kumimoji="1" lang="ja-JP" altLang="en-US" dirty="0"/>
-              <a:t>最近注目されているのがシングルページウェブアプリケーション。</a:t>
-            </a:r>
+              <a:t>これらの新機能を実装することで、授業終了後に学生がすぐに今回の授業を評価することができ、より正確な意見が収集できます。</a:t>
+            </a:r>
+          </a:p>
+          <a:p>
+            <a:r>
+              <a:rPr kumimoji="1" lang="ja-JP" altLang="en-US" dirty="0"/>
+              <a:t>また、教員も授業の内容を覚えているうちに学生からのフィードバックを得られるので今までよりもさらに授業の品質が向上します。</a:t>
+            </a:r>
+          </a:p>
+          <a:p>
+            <a:endParaRPr kumimoji="1" lang="ja-JP" altLang="en-US" dirty="0"/>
+          </a:p>
+          <a:p>
+            <a:endParaRPr kumimoji="1" lang="ja-JP" altLang="en-US" dirty="0"/>
           </a:p>
         </p:txBody>
       </p:sp>
@@ -2830,7 +2856,94 @@
           <a:p>
             <a:fld id="{DE4497FE-1A65-4799-B01D-44564FDEC19E}" type="slidenum">
               <a:rPr kumimoji="1" lang="ja-JP" altLang="en-US" smtClean="0"/>
-              <a:t>16</a:t>
+              <a:t>12</a:t>
+            </a:fld>
+            <a:endParaRPr kumimoji="1" lang="ja-JP" altLang="en-US"/>
+          </a:p>
+        </p:txBody>
+      </p:sp>
+    </p:spTree>
+    <p:extLst>
+      <p:ext uri="{BB962C8B-B14F-4D97-AF65-F5344CB8AC3E}">
+        <p14:creationId xmlns:p14="http://schemas.microsoft.com/office/powerpoint/2010/main" val="254944331"/>
+      </p:ext>
+    </p:extLst>
+  </p:cSld>
+  <p:clrMapOvr>
+    <a:masterClrMapping/>
+  </p:clrMapOvr>
+</p:notes>
+</file>
+
+<file path=ppt/notesSlides/notesSlide12.xml><?xml version="1.0" encoding="utf-8"?>
+<p:notes xmlns:a="http://schemas.openxmlformats.org/drawingml/2006/main" xmlns:r="http://schemas.openxmlformats.org/officeDocument/2006/relationships" xmlns:p="http://schemas.openxmlformats.org/presentationml/2006/main">
+  <p:cSld>
+    <p:spTree>
+      <p:nvGrpSpPr>
+        <p:cNvPr id="1" name=""/>
+        <p:cNvGrpSpPr/>
+        <p:nvPr/>
+      </p:nvGrpSpPr>
+      <p:grpSpPr>
+        <a:xfrm>
+          <a:off x="0" y="0"/>
+          <a:ext cx="0" cy="0"/>
+          <a:chOff x="0" y="0"/>
+          <a:chExt cx="0" cy="0"/>
+        </a:xfrm>
+      </p:grpSpPr>
+      <p:sp>
+        <p:nvSpPr>
+          <p:cNvPr id="2" name="スライド イメージ プレースホルダー 1"/>
+          <p:cNvSpPr>
+            <a:spLocks noGrp="1" noRot="1" noChangeAspect="1"/>
+          </p:cNvSpPr>
+          <p:nvPr>
+            <p:ph type="sldImg"/>
+          </p:nvPr>
+        </p:nvSpPr>
+        <p:spPr/>
+      </p:sp>
+      <p:sp>
+        <p:nvSpPr>
+          <p:cNvPr id="3" name="ノート プレースホルダー 2"/>
+          <p:cNvSpPr>
+            <a:spLocks noGrp="1"/>
+          </p:cNvSpPr>
+          <p:nvPr>
+            <p:ph type="body" idx="1"/>
+          </p:nvPr>
+        </p:nvSpPr>
+        <p:spPr/>
+        <p:txBody>
+          <a:bodyPr/>
+          <a:lstStyle/>
+          <a:p>
+            <a:r>
+              <a:rPr kumimoji="1" lang="ja-JP" altLang="en-US" dirty="0"/>
+              <a:t>最近注目されているのがシングルページウェブアプリケーション。</a:t>
+            </a:r>
+          </a:p>
+        </p:txBody>
+      </p:sp>
+      <p:sp>
+        <p:nvSpPr>
+          <p:cNvPr id="4" name="スライド番号プレースホルダー 3"/>
+          <p:cNvSpPr>
+            <a:spLocks noGrp="1"/>
+          </p:cNvSpPr>
+          <p:nvPr>
+            <p:ph type="sldNum" sz="quarter" idx="10"/>
+          </p:nvPr>
+        </p:nvSpPr>
+        <p:spPr/>
+        <p:txBody>
+          <a:bodyPr/>
+          <a:lstStyle/>
+          <a:p>
+            <a:fld id="{DE4497FE-1A65-4799-B01D-44564FDEC19E}" type="slidenum">
+              <a:rPr kumimoji="1" lang="ja-JP" altLang="en-US" smtClean="0"/>
+              <a:t>17</a:t>
             </a:fld>
             <a:endParaRPr kumimoji="1" lang="ja-JP" altLang="en-US"/>
           </a:p>
@@ -2942,7 +3055,7 @@
           <a:p>
             <a:fld id="{DE4497FE-1A65-4799-B01D-44564FDEC19E}" type="slidenum">
               <a:rPr kumimoji="1" lang="ja-JP" altLang="en-US" smtClean="0"/>
-              <a:t>2</a:t>
+              <a:t>1</a:t>
             </a:fld>
             <a:endParaRPr kumimoji="1" lang="ja-JP" altLang="en-US"/>
           </a:p>
@@ -3024,7 +3137,23 @@
             </a:pPr>
             <a:r>
               <a:rPr lang="ja-JP" altLang="en-US" dirty="0" smtClean="0"/>
-              <a:t>次に、研究背景を説明します。これまで行われてきたマークシート方式のアンケートには</a:t>
+              <a:t>なぜ、マークシート方式から</a:t>
+            </a:r>
+            <a:r>
+              <a:rPr lang="en-US" altLang="ja-JP" dirty="0" smtClean="0"/>
+              <a:t>web</a:t>
+            </a:r>
+            <a:r>
+              <a:rPr lang="ja-JP" altLang="en-US" dirty="0" smtClean="0"/>
+              <a:t>アンケートに移行しなければならないのでしょうか。それは</a:t>
+            </a:r>
+            <a:r>
+              <a:rPr lang="ja-JP" altLang="en-US" dirty="0" smtClean="0"/>
+              <a:t>、マークシート方式を用いたアンケート</a:t>
+            </a:r>
+            <a:r>
+              <a:rPr lang="ja-JP" altLang="en-US" dirty="0" smtClean="0"/>
+              <a:t>に</a:t>
             </a:r>
             <a:r>
               <a:rPr lang="en-US" altLang="ja-JP" dirty="0" smtClean="0"/>
@@ -3036,7 +3165,7 @@
             </a:r>
             <a:r>
               <a:rPr lang="ja-JP" altLang="en-US" dirty="0" smtClean="0"/>
-              <a:t>欠点があります。</a:t>
+              <a:t>欠点があるからです。</a:t>
             </a:r>
             <a:r>
               <a:rPr lang="en-US" altLang="ja-JP" dirty="0" smtClean="0"/>
@@ -3044,7 +3173,11 @@
             </a:r>
             <a:r>
               <a:rPr lang="ja-JP" altLang="en-US" dirty="0" smtClean="0"/>
-              <a:t>つめは多くの紙資源を消費してしまうということです．</a:t>
+              <a:t>つめは多くの紙資源を消費してしまうということです</a:t>
+            </a:r>
+            <a:r>
+              <a:rPr lang="ja-JP" altLang="en-US" dirty="0" smtClean="0"/>
+              <a:t>．マークシート方式では解答用紙および問題用紙はすべて紙で作られており、アンケートを実施するたびに多くの紙資源が消費されてしまいます。</a:t>
             </a:r>
             <a:r>
               <a:rPr lang="en-US" altLang="ja-JP" dirty="0" smtClean="0"/>
@@ -3083,7 +3216,7 @@
           <a:p>
             <a:fld id="{DE4497FE-1A65-4799-B01D-44564FDEC19E}" type="slidenum">
               <a:rPr kumimoji="1" lang="ja-JP" altLang="en-US" smtClean="0"/>
-              <a:t>3</a:t>
+              <a:t>2</a:t>
             </a:fld>
             <a:endParaRPr kumimoji="1" lang="ja-JP" altLang="en-US"/>
           </a:p>
@@ -3148,7 +3281,7 @@
           <a:p>
             <a:r>
               <a:rPr kumimoji="1" lang="ja-JP" altLang="en-US" dirty="0" smtClean="0"/>
-              <a:t>それでは</a:t>
+              <a:t>次に</a:t>
             </a:r>
             <a:r>
               <a:rPr kumimoji="1" lang="en-US" altLang="ja-JP" dirty="0" smtClean="0"/>
@@ -3170,7 +3303,15 @@
             </a:r>
             <a:r>
               <a:rPr kumimoji="1" lang="ja-JP" altLang="en-US" dirty="0"/>
-              <a:t>つめは経済性です。</a:t>
+              <a:t>つめ</a:t>
+            </a:r>
+            <a:r>
+              <a:rPr kumimoji="1" lang="ja-JP" altLang="en-US" dirty="0" smtClean="0"/>
+              <a:t>は紙資源の節約です</a:t>
+            </a:r>
+            <a:r>
+              <a:rPr kumimoji="1" lang="ja-JP" altLang="en-US" dirty="0"/>
+              <a:t>。</a:t>
             </a:r>
             <a:r>
               <a:rPr kumimoji="1" lang="en-US" altLang="ja-JP" dirty="0"/>
@@ -3182,7 +3323,7 @@
             </a:r>
             <a:r>
               <a:rPr kumimoji="1" lang="ja-JP" altLang="en-US" dirty="0" smtClean="0"/>
-              <a:t>消費せずに回答を取集することができるため経済的</a:t>
+              <a:t>消費せずにアンケートを実施することができます。そのため、紙代が削減できて経済的</a:t>
             </a:r>
             <a:r>
               <a:rPr kumimoji="1" lang="ja-JP" altLang="en-US" dirty="0"/>
@@ -3208,7 +3349,15 @@
             </a:r>
             <a:r>
               <a:rPr lang="ja-JP" altLang="en-US" dirty="0"/>
-              <a:t>上でアンケートを実施すると学生が回答したデータは直接コンピュータに送信されるため、マークシート方式のように回答用紙をスキャンする必要がありません。また、回答データの自動集計機能を実装することで教員</a:t>
+              <a:t>上でアンケートを実施すると学生が回答したデータは直接コンピュータに送信</a:t>
+            </a:r>
+            <a:r>
+              <a:rPr lang="ja-JP" altLang="en-US" dirty="0" smtClean="0"/>
+              <a:t>されます。そのため、マークシート</a:t>
+            </a:r>
+            <a:r>
+              <a:rPr lang="ja-JP" altLang="en-US" dirty="0"/>
+              <a:t>方式のように回答用紙をスキャンする必要がありません。また、回答データの自動集計機能を実装することで教員</a:t>
             </a:r>
             <a:r>
               <a:rPr lang="ja-JP" altLang="en-US" dirty="0" smtClean="0"/>
@@ -3254,7 +3403,15 @@
             </a:r>
             <a:r>
               <a:rPr lang="ja-JP" altLang="en-US" dirty="0" smtClean="0"/>
-              <a:t>。そのため、より正確なデータが得られると考えられます。</a:t>
+              <a:t>。そのため</a:t>
+            </a:r>
+            <a:r>
+              <a:rPr lang="ja-JP" altLang="en-US" dirty="0" smtClean="0"/>
+              <a:t>、回答者の集中力が保たれ、より</a:t>
+            </a:r>
+            <a:r>
+              <a:rPr lang="ja-JP" altLang="en-US" dirty="0" smtClean="0"/>
+              <a:t>正確なデータが得られると考えられます。</a:t>
             </a:r>
             <a:endParaRPr lang="en-US" altLang="ja-JP" dirty="0"/>
           </a:p>
@@ -3277,7 +3434,7 @@
           <a:p>
             <a:fld id="{DE4497FE-1A65-4799-B01D-44564FDEC19E}" type="slidenum">
               <a:rPr kumimoji="1" lang="ja-JP" altLang="en-US" smtClean="0"/>
-              <a:t>4</a:t>
+              <a:t>3</a:t>
             </a:fld>
             <a:endParaRPr kumimoji="1" lang="ja-JP" altLang="en-US"/>
           </a:p>
@@ -3454,7 +3611,7 @@
           <a:p>
             <a:fld id="{DE4497FE-1A65-4799-B01D-44564FDEC19E}" type="slidenum">
               <a:rPr kumimoji="1" lang="ja-JP" altLang="en-US" smtClean="0"/>
-              <a:t>5</a:t>
+              <a:t>6</a:t>
             </a:fld>
             <a:endParaRPr kumimoji="1" lang="ja-JP" altLang="en-US"/>
           </a:p>
@@ -3518,8 +3675,12 @@
           <a:lstStyle/>
           <a:p>
             <a:r>
+              <a:rPr kumimoji="1" lang="ja-JP" altLang="en-US" dirty="0" smtClean="0"/>
+              <a:t>この動画</a:t>
+            </a:r>
+            <a:r>
               <a:rPr kumimoji="1" lang="ja-JP" altLang="en-US" dirty="0"/>
-              <a:t>動画を見ていただいてわかるように</a:t>
+              <a:t>を見ていただいてわかるように</a:t>
             </a:r>
             <a:r>
               <a:rPr lang="ja-JP" altLang="en-US" dirty="0"/>
@@ -3573,7 +3734,7 @@
           <a:p>
             <a:fld id="{DE4497FE-1A65-4799-B01D-44564FDEC19E}" type="slidenum">
               <a:rPr kumimoji="1" lang="ja-JP" altLang="en-US" smtClean="0"/>
-              <a:t>6</a:t>
+              <a:t>7</a:t>
             </a:fld>
             <a:endParaRPr kumimoji="1" lang="ja-JP" altLang="en-US"/>
           </a:p>
@@ -3638,7 +3799,15 @@
           <a:p>
             <a:r>
               <a:rPr kumimoji="1" lang="ja-JP" altLang="en-US" dirty="0" smtClean="0"/>
-              <a:t>今後の展望として、アンケート結果の自動集計および自動配信機能を実装していきたいと考えています。それにより、より少ないコストで授業評価アンケートを実施することができます。</a:t>
+              <a:t>今後の展望として、アンケート結果の自動集計および自動</a:t>
+            </a:r>
+            <a:r>
+              <a:rPr kumimoji="1" lang="ja-JP" altLang="en-US" dirty="0" smtClean="0"/>
+              <a:t>配信する機能</a:t>
+            </a:r>
+            <a:r>
+              <a:rPr kumimoji="1" lang="ja-JP" altLang="en-US" dirty="0" smtClean="0"/>
+              <a:t>を実装していきたいと考えています。それにより、教員の皆さんにかかる負担がさらに少なくなり、よりスムーズに授業評価アンケートを実施することができるようになります。</a:t>
             </a:r>
             <a:endParaRPr kumimoji="1" lang="ja-JP" altLang="en-US" dirty="0"/>
           </a:p>
@@ -3661,7 +3830,7 @@
           <a:p>
             <a:fld id="{DE4497FE-1A65-4799-B01D-44564FDEC19E}" type="slidenum">
               <a:rPr kumimoji="1" lang="ja-JP" altLang="en-US" smtClean="0"/>
-              <a:t>7</a:t>
+              <a:t>8</a:t>
             </a:fld>
             <a:endParaRPr kumimoji="1" lang="ja-JP" altLang="en-US"/>
           </a:p>
@@ -3724,9 +3893,38 @@
           <a:bodyPr/>
           <a:lstStyle/>
           <a:p>
+            <a:pPr marL="0" marR="0" lvl="0" indent="0" algn="l" defTabSz="914400" rtl="0" eaLnBrk="1" fontAlgn="auto" latinLnBrk="0" hangingPunct="1">
+              <a:lnSpc>
+                <a:spcPct val="100000"/>
+              </a:lnSpc>
+              <a:spcBef>
+                <a:spcPts val="0"/>
+              </a:spcBef>
+              <a:spcAft>
+                <a:spcPts val="0"/>
+              </a:spcAft>
+              <a:buClrTx/>
+              <a:buSzTx/>
+              <a:buFontTx/>
+              <a:buNone/>
+              <a:tabLst/>
+              <a:defRPr/>
+            </a:pPr>
+            <a:r>
+              <a:rPr kumimoji="1" lang="ja-JP" altLang="en-US" dirty="0" smtClean="0"/>
+              <a:t>それで</a:t>
+            </a:r>
             <a:r>
               <a:rPr kumimoji="1" lang="ja-JP" altLang="en-US" dirty="0"/>
-              <a:t>では、まとめを述べたいと思います。</a:t>
+              <a:t>は</a:t>
+            </a:r>
+            <a:r>
+              <a:rPr kumimoji="1" lang="ja-JP" altLang="en-US" dirty="0" smtClean="0"/>
+              <a:t>、本発表のまとめ</a:t>
+            </a:r>
+            <a:r>
+              <a:rPr kumimoji="1" lang="ja-JP" altLang="en-US" dirty="0"/>
+              <a:t>を述べたいと思います。</a:t>
             </a:r>
             <a:r>
               <a:rPr lang="ja-JP" altLang="en-US" dirty="0"/>
@@ -3738,13 +3936,32 @@
             </a:r>
             <a:r>
               <a:rPr lang="ja-JP" altLang="en-US" dirty="0"/>
-              <a:t>プログラミングを用いて授業評価アンケートを作成しました。このアンケートは従来のマークシート方式に比べて経済性の改善、教員の労力削減、ユーザ体験の</a:t>
-            </a:r>
-            <a:r>
-              <a:rPr lang="ja-JP" altLang="en-US"/>
-              <a:t>向上が実現できました。今後の展望として、このプログラムに新機能を追加し、高専の授業のさらなる品質向上に貢献していきたいと考えています。</a:t>
-            </a:r>
-            <a:endParaRPr lang="en-US" altLang="ja-JP" dirty="0"/>
+              <a:t>プログラミングを用いて授業評価アンケートを作成しました。このアンケートは従来のマークシート方式に</a:t>
+            </a:r>
+            <a:r>
+              <a:rPr lang="ja-JP" altLang="en-US" dirty="0" smtClean="0"/>
+              <a:t>比べて紙資源の節約、</a:t>
+            </a:r>
+            <a:r>
+              <a:rPr lang="ja-JP" altLang="en-US" dirty="0"/>
+              <a:t>教員の労力削減、ユーザ体験の</a:t>
+            </a:r>
+            <a:r>
+              <a:rPr lang="ja-JP" altLang="en-US" dirty="0" smtClean="0"/>
+              <a:t>向上という点で優れています。</a:t>
+            </a:r>
+            <a:r>
+              <a:rPr lang="ja-JP" altLang="en-US" dirty="0"/>
+              <a:t>今後の展望として、このプログラムに新機能を追加</a:t>
+            </a:r>
+            <a:r>
+              <a:rPr lang="ja-JP" altLang="en-US" dirty="0" smtClean="0"/>
+              <a:t>したいと考えています。それにより、</a:t>
+            </a:r>
+            <a:r>
+              <a:rPr kumimoji="1" lang="ja-JP" altLang="en-US" dirty="0" smtClean="0"/>
+              <a:t>教員の負担を減らし、よりスムーズに授業評価アンケートを実施することができるようになります。</a:t>
+            </a:r>
           </a:p>
         </p:txBody>
       </p:sp>
@@ -3765,7 +3982,7 @@
           <a:p>
             <a:fld id="{DE4497FE-1A65-4799-B01D-44564FDEC19E}" type="slidenum">
               <a:rPr kumimoji="1" lang="ja-JP" altLang="en-US" smtClean="0"/>
-              <a:t>8</a:t>
+              <a:t>9</a:t>
             </a:fld>
             <a:endParaRPr kumimoji="1" lang="ja-JP" altLang="en-US"/>
           </a:p>
@@ -3828,33 +4045,10 @@
           <a:bodyPr/>
           <a:lstStyle/>
           <a:p>
-            <a:pPr marL="0" marR="0" lvl="0" indent="0" algn="l" defTabSz="914400" rtl="0" eaLnBrk="1" fontAlgn="auto" latinLnBrk="0" hangingPunct="1">
-              <a:lnSpc>
-                <a:spcPct val="100000"/>
-              </a:lnSpc>
-              <a:spcBef>
-                <a:spcPts val="0"/>
-              </a:spcBef>
-              <a:spcAft>
-                <a:spcPts val="0"/>
-              </a:spcAft>
-              <a:buClrTx/>
-              <a:buSzTx/>
-              <a:buFontTx/>
-              <a:buNone/>
-              <a:tabLst/>
-              <a:defRPr/>
-            </a:pPr>
-            <a:r>
-              <a:rPr kumimoji="1" lang="ja-JP" altLang="en-US" dirty="0"/>
-              <a:t>今後の展望として、鹿児島高専の授業のさらなる品質向上に貢献できるアプリケーションに成長させたいと考えています</a:t>
-            </a:r>
             <a:r>
               <a:rPr kumimoji="1" lang="ja-JP" altLang="en-US" dirty="0" smtClean="0"/>
-              <a:t>。その具体的な方法として、アンケート結果の自動集計および自動配信機能を追加したいと考えています。</a:t>
-            </a:r>
-          </a:p>
-          <a:p>
+              <a:t>これで発表を終わります。ご清聴ありがとうございました。</a:t>
+            </a:r>
             <a:endParaRPr kumimoji="1" lang="ja-JP" altLang="en-US" dirty="0"/>
           </a:p>
         </p:txBody>
@@ -3885,7 +4079,7 @@
     </p:spTree>
     <p:extLst>
       <p:ext uri="{BB962C8B-B14F-4D97-AF65-F5344CB8AC3E}">
-        <p14:creationId xmlns:p14="http://schemas.microsoft.com/office/powerpoint/2010/main" val="2573633034"/>
+        <p14:creationId xmlns:p14="http://schemas.microsoft.com/office/powerpoint/2010/main" val="2141883084"/>
       </p:ext>
     </p:extLst>
   </p:cSld>
@@ -4024,7 +4218,7 @@
           <a:bodyPr/>
           <a:lstStyle/>
           <a:p>
-            <a:fld id="{CAF814FA-2675-4DF3-B0FA-C3E73A75B004}" type="datetimeFigureOut">
+            <a:fld id="{4DB02D7F-2532-438E-A5EE-EC19DA75534B}" type="datetime1">
               <a:rPr kumimoji="1" lang="ja-JP" altLang="en-US" smtClean="0"/>
               <a:t>2017/2/16</a:t>
             </a:fld>
@@ -4226,7 +4420,7 @@
           <a:bodyPr/>
           <a:lstStyle/>
           <a:p>
-            <a:fld id="{CAF814FA-2675-4DF3-B0FA-C3E73A75B004}" type="datetimeFigureOut">
+            <a:fld id="{DD1DF934-B258-4B85-9C99-F6141516D4AA}" type="datetime1">
               <a:rPr kumimoji="1" lang="ja-JP" altLang="en-US" smtClean="0"/>
               <a:t>2017/2/16</a:t>
             </a:fld>
@@ -4438,7 +4632,7 @@
           <a:bodyPr/>
           <a:lstStyle/>
           <a:p>
-            <a:fld id="{CAF814FA-2675-4DF3-B0FA-C3E73A75B004}" type="datetimeFigureOut">
+            <a:fld id="{956DA83E-84A7-4D45-8181-410DAF9E54CB}" type="datetime1">
               <a:rPr kumimoji="1" lang="ja-JP" altLang="en-US" smtClean="0"/>
               <a:t>2017/2/16</a:t>
             </a:fld>
@@ -4724,7 +4918,7 @@
           <a:bodyPr/>
           <a:lstStyle/>
           <a:p>
-            <a:fld id="{CAF814FA-2675-4DF3-B0FA-C3E73A75B004}" type="datetimeFigureOut">
+            <a:fld id="{0844B656-FDB1-41E7-9182-B72A8EA2B7B4}" type="datetime1">
               <a:rPr kumimoji="1" lang="ja-JP" altLang="en-US" smtClean="0"/>
               <a:t>2017/2/16</a:t>
             </a:fld>
@@ -4764,16 +4958,56 @@
         <p:spPr/>
         <p:txBody>
           <a:bodyPr/>
-          <a:lstStyle/>
+          <a:lstStyle>
+            <a:lvl1pPr>
+              <a:defRPr sz="2400"/>
+            </a:lvl1pPr>
+          </a:lstStyle>
           <a:p>
             <a:fld id="{67F4F476-6E52-48A4-9511-77073BEB0098}" type="slidenum">
-              <a:rPr kumimoji="1" lang="ja-JP" altLang="en-US" smtClean="0"/>
+              <a:rPr lang="ja-JP" altLang="en-US" smtClean="0"/>
+              <a:pPr/>
               <a:t>‹#›</a:t>
             </a:fld>
-            <a:endParaRPr kumimoji="1" lang="ja-JP" altLang="en-US"/>
-          </a:p>
-        </p:txBody>
-      </p:sp>
+            <a:endParaRPr lang="ja-JP" altLang="en-US" dirty="0"/>
+          </a:p>
+        </p:txBody>
+      </p:sp>
+      <p:cxnSp>
+        <p:nvCxnSpPr>
+          <p:cNvPr id="10" name="直線コネクタ 9"/>
+          <p:cNvCxnSpPr/>
+          <p:nvPr userDrawn="1"/>
+        </p:nvCxnSpPr>
+        <p:spPr>
+          <a:xfrm flipV="1">
+            <a:off x="628650" y="365127"/>
+            <a:ext cx="0" cy="799366"/>
+          </a:xfrm>
+          <a:prstGeom prst="line">
+            <a:avLst/>
+          </a:prstGeom>
+          <a:ln w="76200">
+            <a:solidFill>
+              <a:srgbClr val="0070C0"/>
+            </a:solidFill>
+          </a:ln>
+        </p:spPr>
+        <p:style>
+          <a:lnRef idx="1">
+            <a:schemeClr val="accent1"/>
+          </a:lnRef>
+          <a:fillRef idx="0">
+            <a:schemeClr val="accent1"/>
+          </a:fillRef>
+          <a:effectRef idx="0">
+            <a:schemeClr val="accent1"/>
+          </a:effectRef>
+          <a:fontRef idx="minor">
+            <a:schemeClr val="tx1"/>
+          </a:fontRef>
+        </p:style>
+      </p:cxnSp>
     </p:spTree>
     <p:extLst>
       <p:ext uri="{BB962C8B-B14F-4D97-AF65-F5344CB8AC3E}">
@@ -4784,6 +5018,13 @@
   <p:clrMapOvr>
     <a:masterClrMapping/>
   </p:clrMapOvr>
+  <p:timing>
+    <p:tnLst>
+      <p:par>
+        <p:cTn id="1" dur="indefinite" restart="never" nodeType="tmRoot"/>
+      </p:par>
+    </p:tnLst>
+  </p:timing>
 </p:sldLayout>
 </file>
 
@@ -4968,7 +5209,7 @@
           <a:bodyPr/>
           <a:lstStyle/>
           <a:p>
-            <a:fld id="{CAF814FA-2675-4DF3-B0FA-C3E73A75B004}" type="datetimeFigureOut">
+            <a:fld id="{F031C925-61E4-45D5-88D5-4F44B6A6C695}" type="datetime1">
               <a:rPr kumimoji="1" lang="ja-JP" altLang="en-US" smtClean="0"/>
               <a:t>2017/2/16</a:t>
             </a:fld>
@@ -5264,7 +5505,7 @@
           <a:bodyPr/>
           <a:lstStyle/>
           <a:p>
-            <a:fld id="{CAF814FA-2675-4DF3-B0FA-C3E73A75B004}" type="datetimeFigureOut">
+            <a:fld id="{79C08BC7-4260-402C-BE74-17A2A6C67A3F}" type="datetime1">
               <a:rPr kumimoji="1" lang="ja-JP" altLang="en-US" smtClean="0"/>
               <a:t>2017/2/16</a:t>
             </a:fld>
@@ -5695,7 +5936,7 @@
           <a:bodyPr/>
           <a:lstStyle/>
           <a:p>
-            <a:fld id="{CAF814FA-2675-4DF3-B0FA-C3E73A75B004}" type="datetimeFigureOut">
+            <a:fld id="{DD44CA3A-ACAA-452D-97E3-18339B7D635B}" type="datetime1">
               <a:rPr kumimoji="1" lang="ja-JP" altLang="en-US" smtClean="0"/>
               <a:t>2017/2/16</a:t>
             </a:fld>
@@ -5813,7 +6054,7 @@
           <a:bodyPr/>
           <a:lstStyle/>
           <a:p>
-            <a:fld id="{CAF814FA-2675-4DF3-B0FA-C3E73A75B004}" type="datetimeFigureOut">
+            <a:fld id="{F558266F-E702-40A6-8A28-61164E3176C0}" type="datetime1">
               <a:rPr kumimoji="1" lang="ja-JP" altLang="en-US" smtClean="0"/>
               <a:t>2017/2/16</a:t>
             </a:fld>
@@ -5908,7 +6149,7 @@
           <a:bodyPr/>
           <a:lstStyle/>
           <a:p>
-            <a:fld id="{CAF814FA-2675-4DF3-B0FA-C3E73A75B004}" type="datetimeFigureOut">
+            <a:fld id="{59F16E2B-0E24-410F-8EAD-D20C01EC42AC}" type="datetime1">
               <a:rPr kumimoji="1" lang="ja-JP" altLang="en-US" smtClean="0"/>
               <a:t>2017/2/16</a:t>
             </a:fld>
@@ -6217,7 +6458,7 @@
           <a:bodyPr/>
           <a:lstStyle/>
           <a:p>
-            <a:fld id="{CAF814FA-2675-4DF3-B0FA-C3E73A75B004}" type="datetimeFigureOut">
+            <a:fld id="{A3A9DB37-13AF-4896-88E3-BD9571FA989D}" type="datetime1">
               <a:rPr kumimoji="1" lang="ja-JP" altLang="en-US" smtClean="0"/>
               <a:t>2017/2/16</a:t>
             </a:fld>
@@ -6474,7 +6715,7 @@
           <a:bodyPr/>
           <a:lstStyle/>
           <a:p>
-            <a:fld id="{CAF814FA-2675-4DF3-B0FA-C3E73A75B004}" type="datetimeFigureOut">
+            <a:fld id="{87804AB5-84E9-48D8-831D-2ACD07026C5D}" type="datetime1">
               <a:rPr kumimoji="1" lang="ja-JP" altLang="en-US" smtClean="0"/>
               <a:t>2017/2/16</a:t>
             </a:fld>
@@ -6719,7 +6960,7 @@
             </a:lvl1pPr>
           </a:lstStyle>
           <a:p>
-            <a:fld id="{CAF814FA-2675-4DF3-B0FA-C3E73A75B004}" type="datetimeFigureOut">
+            <a:fld id="{4F1FBA1F-5538-4C7C-8A85-B02DD92ED928}" type="datetime1">
               <a:rPr kumimoji="1" lang="ja-JP" altLang="en-US" smtClean="0"/>
               <a:t>2017/2/16</a:t>
             </a:fld>
@@ -6826,6 +7067,7 @@
     <p:sldLayoutId id="2147483670" r:id="rId10"/>
     <p:sldLayoutId id="2147483671" r:id="rId11"/>
   </p:sldLayoutIdLst>
+  <p:hf hdr="0" ftr="0" dt="0"/>
   <p:txStyles>
     <p:titleStyle>
       <a:lvl1pPr algn="l" defTabSz="914400" rtl="0" eaLnBrk="1" latinLnBrk="0" hangingPunct="1">
@@ -7221,6 +7463,13 @@
   <p:clrMapOvr>
     <a:masterClrMapping/>
   </p:clrMapOvr>
+  <p:timing>
+    <p:tnLst>
+      <p:par>
+        <p:cTn id="1" dur="indefinite" restart="never" nodeType="tmRoot"/>
+      </p:par>
+    </p:tnLst>
+  </p:timing>
 </p:sld>
 </file>
 
@@ -7257,81 +7506,186 @@
           <a:lstStyle/>
           <a:p>
             <a:r>
+              <a:rPr kumimoji="1" lang="ja-JP" altLang="en-US" dirty="0" smtClean="0"/>
+              <a:t>５．まとめ</a:t>
+            </a:r>
+            <a:endParaRPr kumimoji="1" lang="ja-JP" altLang="en-US" dirty="0"/>
+          </a:p>
+        </p:txBody>
+      </p:sp>
+      <p:sp>
+        <p:nvSpPr>
+          <p:cNvPr id="3" name="コンテンツ プレースホルダー 2"/>
+          <p:cNvSpPr>
+            <a:spLocks noGrp="1"/>
+          </p:cNvSpPr>
+          <p:nvPr>
+            <p:ph idx="1"/>
+          </p:nvPr>
+        </p:nvSpPr>
+        <p:spPr/>
+        <p:txBody>
+          <a:bodyPr>
+            <a:normAutofit fontScale="77500" lnSpcReduction="20000"/>
+          </a:bodyPr>
+          <a:lstStyle/>
+          <a:p>
+            <a:r>
+              <a:rPr kumimoji="1" lang="en-US" altLang="ja-JP" dirty="0"/>
+              <a:t>Web</a:t>
+            </a:r>
+            <a:r>
               <a:rPr lang="ja-JP" altLang="en-US" dirty="0"/>
-              <a:t>今後の展望</a:t>
-            </a:r>
-            <a:endParaRPr kumimoji="1" lang="ja-JP" altLang="en-US" dirty="0"/>
-          </a:p>
-        </p:txBody>
-      </p:sp>
-      <p:sp>
-        <p:nvSpPr>
-          <p:cNvPr id="3" name="コンテンツ プレースホルダー 2"/>
-          <p:cNvSpPr>
-            <a:spLocks noGrp="1"/>
-          </p:cNvSpPr>
-          <p:nvPr>
-            <p:ph idx="1"/>
-          </p:nvPr>
-        </p:nvSpPr>
-        <p:spPr/>
-        <p:txBody>
-          <a:bodyPr>
-            <a:normAutofit/>
-          </a:bodyPr>
-          <a:lstStyle/>
+              <a:t>プログラミングで授業評価アンケートを作成</a:t>
+            </a:r>
+            <a:r>
+              <a:rPr lang="ja-JP" altLang="en-US" dirty="0" smtClean="0"/>
+              <a:t>した。</a:t>
+            </a:r>
+            <a:endParaRPr lang="en-US" altLang="ja-JP" dirty="0"/>
+          </a:p>
+          <a:p>
+            <a:endParaRPr kumimoji="1" lang="en-US" altLang="ja-JP" dirty="0"/>
+          </a:p>
           <a:p>
             <a:pPr>
               <a:lnSpc>
-                <a:spcPct val="100000"/>
+                <a:spcPct val="120000"/>
               </a:lnSpc>
             </a:pPr>
             <a:r>
+              <a:rPr lang="ja-JP" altLang="en-US" dirty="0" smtClean="0"/>
+              <a:t>紙</a:t>
+            </a:r>
+            <a:r>
               <a:rPr lang="ja-JP" altLang="en-US" dirty="0"/>
-              <a:t>授業</a:t>
+              <a:t>資源</a:t>
             </a:r>
             <a:r>
               <a:rPr lang="ja-JP" altLang="en-US" dirty="0" smtClean="0"/>
-              <a:t>が終了するごとにアンケートを実施できるシステムを作成する</a:t>
+              <a:t>の節約、</a:t>
+            </a:r>
+            <a:r>
+              <a:rPr lang="ja-JP" altLang="en-US" dirty="0"/>
+              <a:t>教員の労力</a:t>
+            </a:r>
+            <a:r>
+              <a:rPr lang="ja-JP" altLang="en-US" dirty="0" smtClean="0"/>
+              <a:t>削減</a:t>
             </a:r>
             <a:endParaRPr lang="en-US" altLang="ja-JP" dirty="0" smtClean="0"/>
           </a:p>
           <a:p>
-            <a:pPr lvl="1"/>
-            <a:r>
-              <a:rPr kumimoji="1" lang="ja-JP" altLang="en-US" dirty="0" smtClean="0"/>
-              <a:t>追加する新機能</a:t>
-            </a:r>
-            <a:endParaRPr kumimoji="1" lang="en-US" altLang="ja-JP" dirty="0" smtClean="0"/>
-          </a:p>
-          <a:p>
-            <a:pPr lvl="2"/>
+            <a:pPr marL="0" indent="0">
+              <a:lnSpc>
+                <a:spcPct val="120000"/>
+              </a:lnSpc>
+              <a:buNone/>
+            </a:pPr>
+            <a:r>
+              <a:rPr lang="ja-JP" altLang="en-US" dirty="0"/>
+              <a:t>　</a:t>
+            </a:r>
             <a:r>
               <a:rPr lang="ja-JP" altLang="en-US" dirty="0" smtClean="0"/>
-              <a:t>アンケート結果の自動集計機能</a:t>
+              <a:t>ユーザ</a:t>
+            </a:r>
+            <a:r>
+              <a:rPr lang="ja-JP" altLang="en-US" dirty="0"/>
+              <a:t>体験の</a:t>
+            </a:r>
+            <a:r>
+              <a:rPr lang="ja-JP" altLang="en-US" dirty="0" smtClean="0"/>
+              <a:t>向上を実現した。</a:t>
+            </a:r>
+            <a:endParaRPr lang="en-US" altLang="ja-JP" dirty="0"/>
+          </a:p>
+          <a:p>
+            <a:endParaRPr kumimoji="1" lang="en-US" altLang="ja-JP" dirty="0"/>
+          </a:p>
+          <a:p>
+            <a:pPr>
+              <a:lnSpc>
+                <a:spcPct val="120000"/>
+              </a:lnSpc>
+            </a:pPr>
+            <a:r>
+              <a:rPr lang="ja-JP" altLang="en-US" dirty="0"/>
+              <a:t>新機能を実装すること</a:t>
+            </a:r>
+            <a:r>
+              <a:rPr lang="ja-JP" altLang="en-US" dirty="0" smtClean="0"/>
+              <a:t>でより教員の負担が</a:t>
+            </a:r>
+            <a:r>
+              <a:rPr lang="ja-JP" altLang="en-US" dirty="0" smtClean="0"/>
+              <a:t>減り</a:t>
             </a:r>
             <a:endParaRPr lang="en-US" altLang="ja-JP" dirty="0" smtClean="0"/>
           </a:p>
           <a:p>
-            <a:pPr lvl="2"/>
-            <a:r>
-              <a:rPr kumimoji="1" lang="ja-JP" altLang="en-US" dirty="0" smtClean="0"/>
-              <a:t>アンケート結果の自動配信機能</a:t>
-            </a:r>
-            <a:endParaRPr kumimoji="1" lang="en-US" altLang="ja-JP" dirty="0"/>
+            <a:pPr marL="0" indent="0">
+              <a:lnSpc>
+                <a:spcPct val="120000"/>
+              </a:lnSpc>
+              <a:buNone/>
+            </a:pPr>
+            <a:r>
+              <a:rPr lang="ja-JP" altLang="en-US" dirty="0"/>
+              <a:t>　</a:t>
+            </a:r>
+            <a:r>
+              <a:rPr lang="ja-JP" altLang="en-US" dirty="0" smtClean="0"/>
+              <a:t>より</a:t>
+            </a:r>
+            <a:r>
+              <a:rPr lang="ja-JP" altLang="en-US" dirty="0" smtClean="0"/>
+              <a:t>スムーズにアンケートを実施できる。</a:t>
+            </a:r>
+            <a:endParaRPr kumimoji="1" lang="ja-JP" altLang="en-US" dirty="0"/>
+          </a:p>
+        </p:txBody>
+      </p:sp>
+      <p:sp>
+        <p:nvSpPr>
+          <p:cNvPr id="4" name="スライド番号プレースホルダー 3"/>
+          <p:cNvSpPr>
+            <a:spLocks noGrp="1"/>
+          </p:cNvSpPr>
+          <p:nvPr>
+            <p:ph type="sldNum" sz="quarter" idx="12"/>
+          </p:nvPr>
+        </p:nvSpPr>
+        <p:spPr/>
+        <p:txBody>
+          <a:bodyPr/>
+          <a:lstStyle/>
+          <a:p>
+            <a:fld id="{67F4F476-6E52-48A4-9511-77073BEB0098}" type="slidenum">
+              <a:rPr kumimoji="1" lang="ja-JP" altLang="en-US" smtClean="0"/>
+              <a:t>9</a:t>
+            </a:fld>
+            <a:endParaRPr kumimoji="1" lang="ja-JP" altLang="en-US" dirty="0"/>
           </a:p>
         </p:txBody>
       </p:sp>
     </p:spTree>
     <p:extLst>
       <p:ext uri="{BB962C8B-B14F-4D97-AF65-F5344CB8AC3E}">
-        <p14:creationId xmlns:p14="http://schemas.microsoft.com/office/powerpoint/2010/main" val="4066048542"/>
+        <p14:creationId xmlns:p14="http://schemas.microsoft.com/office/powerpoint/2010/main" val="1114868748"/>
       </p:ext>
     </p:extLst>
   </p:cSld>
   <p:clrMapOvr>
     <a:masterClrMapping/>
   </p:clrMapOvr>
+  <p:timing>
+    <p:tnLst>
+      <p:par>
+        <p:cTn id="1" dur="indefinite" restart="never" nodeType="tmRoot"/>
+      </p:par>
+    </p:tnLst>
+  </p:timing>
 </p:sld>
 </file>
 
@@ -7354,22 +7708,35 @@
       </p:grpSpPr>
       <p:sp>
         <p:nvSpPr>
-          <p:cNvPr id="2" name="タイトル 1"/>
-          <p:cNvSpPr>
-            <a:spLocks noGrp="1"/>
-          </p:cNvSpPr>
-          <p:nvPr>
-            <p:ph type="title"/>
-          </p:nvPr>
-        </p:nvSpPr>
-        <p:spPr/>
-        <p:txBody>
-          <a:bodyPr/>
-          <a:lstStyle/>
-          <a:p>
+          <p:cNvPr id="3" name="コンテンツ プレースホルダー 2"/>
+          <p:cNvSpPr>
+            <a:spLocks noGrp="1"/>
+          </p:cNvSpPr>
+          <p:nvPr>
+            <p:ph idx="1"/>
+          </p:nvPr>
+        </p:nvSpPr>
+        <p:spPr/>
+        <p:txBody>
+          <a:bodyPr/>
+          <a:lstStyle/>
+          <a:p>
+            <a:pPr marL="0" indent="0" algn="ctr">
+              <a:buNone/>
+            </a:pPr>
+            <a:endParaRPr lang="en-US" altLang="ja-JP" dirty="0" smtClean="0"/>
+          </a:p>
+          <a:p>
+            <a:pPr marL="0" indent="0" algn="ctr">
+              <a:buNone/>
+            </a:pPr>
+            <a:r>
+              <a:rPr lang="ja-JP" altLang="en-US" dirty="0" smtClean="0"/>
+              <a:t>ご清聴ありがとうございまし</a:t>
+            </a:r>
             <a:r>
               <a:rPr lang="ja-JP" altLang="en-US" dirty="0"/>
-              <a:t>今後の展望</a:t>
+              <a:t>た</a:t>
             </a:r>
             <a:endParaRPr kumimoji="1" lang="ja-JP" altLang="en-US" dirty="0"/>
           </a:p>
@@ -7377,46 +7744,90 @@
       </p:sp>
       <p:sp>
         <p:nvSpPr>
-          <p:cNvPr id="3" name="コンテンツ プレースホルダー 2"/>
-          <p:cNvSpPr>
-            <a:spLocks noGrp="1"/>
-          </p:cNvSpPr>
-          <p:nvPr>
-            <p:ph idx="1"/>
-          </p:nvPr>
-        </p:nvSpPr>
-        <p:spPr/>
-        <p:txBody>
-          <a:bodyPr>
-            <a:normAutofit fontScale="92500" lnSpcReduction="10000"/>
-          </a:bodyPr>
-          <a:lstStyle/>
-          <a:p>
-            <a:r>
-              <a:rPr lang="ja-JP" altLang="en-US" dirty="0"/>
-              <a:t>これらの新機能を実装することで、授業終了後に学生がすぐに今回の授業を評価することができ、より正確な意見が収集できます。</a:t>
-            </a:r>
-            <a:endParaRPr lang="en-US" altLang="ja-JP" dirty="0"/>
-          </a:p>
-          <a:p>
-            <a:r>
-              <a:rPr lang="ja-JP" altLang="en-US" dirty="0"/>
-              <a:t>また、教員も授業の内容を覚えているうちに学生からのフィードバックを得られるので今までよりもさらに授業の品質が向上します。</a:t>
-            </a:r>
-            <a:endParaRPr kumimoji="1" lang="en-US" altLang="ja-JP" dirty="0"/>
+          <p:cNvPr id="4" name="正方形/長方形 3"/>
+          <p:cNvSpPr/>
+          <p:nvPr/>
+        </p:nvSpPr>
+        <p:spPr>
+          <a:xfrm>
+            <a:off x="351692" y="93784"/>
+            <a:ext cx="750277" cy="1430215"/>
+          </a:xfrm>
+          <a:prstGeom prst="rect">
+            <a:avLst/>
+          </a:prstGeom>
+          <a:solidFill>
+            <a:schemeClr val="bg1"/>
+          </a:solidFill>
+          <a:ln>
+            <a:noFill/>
+          </a:ln>
+        </p:spPr>
+        <p:style>
+          <a:lnRef idx="2">
+            <a:schemeClr val="accent1">
+              <a:shade val="50000"/>
+            </a:schemeClr>
+          </a:lnRef>
+          <a:fillRef idx="1">
+            <a:schemeClr val="accent1"/>
+          </a:fillRef>
+          <a:effectRef idx="0">
+            <a:schemeClr val="accent1"/>
+          </a:effectRef>
+          <a:fontRef idx="minor">
+            <a:schemeClr val="lt1"/>
+          </a:fontRef>
+        </p:style>
+        <p:txBody>
+          <a:bodyPr rtlCol="0" anchor="ctr"/>
+          <a:lstStyle/>
+          <a:p>
+            <a:pPr algn="ctr"/>
+            <a:endParaRPr kumimoji="1" lang="ja-JP" altLang="en-US"/>
+          </a:p>
+        </p:txBody>
+      </p:sp>
+      <p:sp>
+        <p:nvSpPr>
+          <p:cNvPr id="5" name="スライド番号プレースホルダー 4"/>
+          <p:cNvSpPr>
+            <a:spLocks noGrp="1"/>
+          </p:cNvSpPr>
+          <p:nvPr>
+            <p:ph type="sldNum" sz="quarter" idx="12"/>
+          </p:nvPr>
+        </p:nvSpPr>
+        <p:spPr/>
+        <p:txBody>
+          <a:bodyPr/>
+          <a:lstStyle/>
+          <a:p>
+            <a:fld id="{67F4F476-6E52-48A4-9511-77073BEB0098}" type="slidenum">
+              <a:rPr kumimoji="1" lang="ja-JP" altLang="en-US" smtClean="0"/>
+              <a:t>10</a:t>
+            </a:fld>
+            <a:endParaRPr kumimoji="1" lang="ja-JP" altLang="en-US" dirty="0"/>
           </a:p>
         </p:txBody>
       </p:sp>
     </p:spTree>
     <p:extLst>
       <p:ext uri="{BB962C8B-B14F-4D97-AF65-F5344CB8AC3E}">
-        <p14:creationId xmlns:p14="http://schemas.microsoft.com/office/powerpoint/2010/main" val="3755367451"/>
+        <p14:creationId xmlns:p14="http://schemas.microsoft.com/office/powerpoint/2010/main" val="2117521921"/>
       </p:ext>
     </p:extLst>
   </p:cSld>
   <p:clrMapOvr>
     <a:masterClrMapping/>
   </p:clrMapOvr>
+  <p:timing>
+    <p:tnLst>
+      <p:par>
+        <p:cTn id="1" dur="indefinite" restart="never" nodeType="tmRoot"/>
+      </p:par>
+    </p:tnLst>
+  </p:timing>
 </p:sld>
 </file>
 
@@ -7452,45 +7863,112 @@
           <a:bodyPr/>
           <a:lstStyle/>
           <a:p>
-            <a:endParaRPr kumimoji="1" lang="ja-JP" altLang="en-US"/>
-          </a:p>
-        </p:txBody>
-      </p:sp>
-      <p:graphicFrame>
-        <p:nvGraphicFramePr>
-          <p:cNvPr id="4" name="コンテンツ プレースホルダー 3"/>
-          <p:cNvGraphicFramePr>
-            <a:graphicFrameLocks noGrp="1"/>
-          </p:cNvGraphicFramePr>
+            <a:r>
+              <a:rPr lang="ja-JP" altLang="en-US" dirty="0"/>
+              <a:t>今後の展望</a:t>
+            </a:r>
+            <a:endParaRPr kumimoji="1" lang="ja-JP" altLang="en-US" dirty="0"/>
+          </a:p>
+        </p:txBody>
+      </p:sp>
+      <p:sp>
+        <p:nvSpPr>
+          <p:cNvPr id="3" name="コンテンツ プレースホルダー 2"/>
+          <p:cNvSpPr>
+            <a:spLocks noGrp="1"/>
+          </p:cNvSpPr>
           <p:nvPr>
             <p:ph idx="1"/>
-            <p:extLst>
-              <p:ext uri="{D42A27DB-BD31-4B8C-83A1-F6EECF244321}">
-                <p14:modId xmlns:p14="http://schemas.microsoft.com/office/powerpoint/2010/main" val="3131136743"/>
-              </p:ext>
-            </p:extLst>
-          </p:nvPr>
-        </p:nvGraphicFramePr>
-        <p:xfrm>
-          <a:off x="628650" y="1524000"/>
-          <a:ext cx="7886700" cy="4652963"/>
-        </p:xfrm>
-        <a:graphic>
-          <a:graphicData uri="http://schemas.openxmlformats.org/drawingml/2006/diagram">
-            <dgm:relIds xmlns:dgm="http://schemas.openxmlformats.org/drawingml/2006/diagram" xmlns:r="http://schemas.openxmlformats.org/officeDocument/2006/relationships" r:dm="rId2" r:lo="rId3" r:qs="rId4" r:cs="rId5"/>
-          </a:graphicData>
-        </a:graphic>
-      </p:graphicFrame>
+          </p:nvPr>
+        </p:nvSpPr>
+        <p:spPr/>
+        <p:txBody>
+          <a:bodyPr>
+            <a:normAutofit/>
+          </a:bodyPr>
+          <a:lstStyle/>
+          <a:p>
+            <a:pPr>
+              <a:lnSpc>
+                <a:spcPct val="100000"/>
+              </a:lnSpc>
+            </a:pPr>
+            <a:r>
+              <a:rPr lang="ja-JP" altLang="en-US" dirty="0"/>
+              <a:t>授業</a:t>
+            </a:r>
+            <a:r>
+              <a:rPr lang="ja-JP" altLang="en-US" dirty="0" smtClean="0"/>
+              <a:t>が終了するごとにアンケートを実施できるシステムを作成する</a:t>
+            </a:r>
+            <a:endParaRPr lang="en-US" altLang="ja-JP" dirty="0" smtClean="0"/>
+          </a:p>
+          <a:p>
+            <a:pPr lvl="1"/>
+            <a:r>
+              <a:rPr kumimoji="1" lang="ja-JP" altLang="en-US" dirty="0" smtClean="0"/>
+              <a:t>追加する新機能</a:t>
+            </a:r>
+            <a:endParaRPr kumimoji="1" lang="en-US" altLang="ja-JP" dirty="0" smtClean="0"/>
+          </a:p>
+          <a:p>
+            <a:pPr lvl="2"/>
+            <a:r>
+              <a:rPr lang="ja-JP" altLang="en-US" dirty="0" smtClean="0"/>
+              <a:t>アンケート結果の自動集計機能</a:t>
+            </a:r>
+            <a:endParaRPr lang="en-US" altLang="ja-JP" dirty="0" smtClean="0"/>
+          </a:p>
+          <a:p>
+            <a:pPr lvl="2"/>
+            <a:r>
+              <a:rPr kumimoji="1" lang="ja-JP" altLang="en-US" dirty="0" smtClean="0"/>
+              <a:t>アンケート結果の自動配信機能</a:t>
+            </a:r>
+            <a:endParaRPr kumimoji="1" lang="en-US" altLang="ja-JP" dirty="0"/>
+          </a:p>
+        </p:txBody>
+      </p:sp>
+      <p:sp>
+        <p:nvSpPr>
+          <p:cNvPr id="4" name="スライド番号プレースホルダー 3"/>
+          <p:cNvSpPr>
+            <a:spLocks noGrp="1"/>
+          </p:cNvSpPr>
+          <p:nvPr>
+            <p:ph type="sldNum" sz="quarter" idx="12"/>
+          </p:nvPr>
+        </p:nvSpPr>
+        <p:spPr/>
+        <p:txBody>
+          <a:bodyPr/>
+          <a:lstStyle/>
+          <a:p>
+            <a:fld id="{67F4F476-6E52-48A4-9511-77073BEB0098}" type="slidenum">
+              <a:rPr kumimoji="1" lang="ja-JP" altLang="en-US" smtClean="0"/>
+              <a:t>11</a:t>
+            </a:fld>
+            <a:endParaRPr kumimoji="1" lang="ja-JP" altLang="en-US" dirty="0"/>
+          </a:p>
+        </p:txBody>
+      </p:sp>
     </p:spTree>
     <p:extLst>
       <p:ext uri="{BB962C8B-B14F-4D97-AF65-F5344CB8AC3E}">
-        <p14:creationId xmlns:p14="http://schemas.microsoft.com/office/powerpoint/2010/main" val="2118204308"/>
+        <p14:creationId xmlns:p14="http://schemas.microsoft.com/office/powerpoint/2010/main" val="4066048542"/>
       </p:ext>
     </p:extLst>
   </p:cSld>
   <p:clrMapOvr>
     <a:masterClrMapping/>
   </p:clrMapOvr>
+  <p:timing>
+    <p:tnLst>
+      <p:par>
+        <p:cTn id="1" dur="indefinite" restart="never" nodeType="tmRoot"/>
+      </p:par>
+    </p:tnLst>
+  </p:timing>
 </p:sld>
 </file>
 
@@ -7526,6 +8004,10 @@
           <a:bodyPr/>
           <a:lstStyle/>
           <a:p>
+            <a:r>
+              <a:rPr lang="ja-JP" altLang="en-US" dirty="0"/>
+              <a:t>今後の展望</a:t>
+            </a:r>
             <a:endParaRPr kumimoji="1" lang="ja-JP" altLang="en-US" dirty="0"/>
           </a:p>
         </p:txBody>
@@ -7543,27 +8025,65 @@
         <p:spPr/>
         <p:txBody>
           <a:bodyPr>
-            <a:normAutofit/>
+            <a:normAutofit fontScale="92500" lnSpcReduction="10000"/>
           </a:bodyPr>
           <a:lstStyle/>
           <a:p>
-            <a:pPr marL="457200" lvl="1" indent="0">
-              <a:buNone/>
-            </a:pPr>
-            <a:endParaRPr lang="en-US" altLang="ja-JP" sz="3600" dirty="0"/>
+            <a:r>
+              <a:rPr lang="ja-JP" altLang="en-US" dirty="0"/>
+              <a:t>これらの新機能を実装することで、授業終了後に学生がすぐに今回の授業を評価することができ、より正確な意見が収集できます。</a:t>
+            </a:r>
+            <a:endParaRPr lang="en-US" altLang="ja-JP" dirty="0"/>
+          </a:p>
+          <a:p>
+            <a:r>
+              <a:rPr lang="ja-JP" altLang="en-US" dirty="0"/>
+              <a:t>また、教員も授業の内容を覚えているうちに学生からのフィードバックを得られるので今までよりもさらに授業の品質が向上します。</a:t>
+            </a:r>
+            <a:endParaRPr kumimoji="1" lang="en-US" altLang="ja-JP" dirty="0"/>
+          </a:p>
+        </p:txBody>
+      </p:sp>
+      <p:sp>
+        <p:nvSpPr>
+          <p:cNvPr id="4" name="スライド番号プレースホルダー 3"/>
+          <p:cNvSpPr>
+            <a:spLocks noGrp="1"/>
+          </p:cNvSpPr>
+          <p:nvPr>
+            <p:ph type="sldNum" sz="quarter" idx="12"/>
+          </p:nvPr>
+        </p:nvSpPr>
+        <p:spPr/>
+        <p:txBody>
+          <a:bodyPr/>
+          <a:lstStyle/>
+          <a:p>
+            <a:fld id="{67F4F476-6E52-48A4-9511-77073BEB0098}" type="slidenum">
+              <a:rPr kumimoji="1" lang="ja-JP" altLang="en-US" smtClean="0"/>
+              <a:t>12</a:t>
+            </a:fld>
+            <a:endParaRPr kumimoji="1" lang="ja-JP" altLang="en-US" dirty="0"/>
           </a:p>
         </p:txBody>
       </p:sp>
     </p:spTree>
     <p:extLst>
       <p:ext uri="{BB962C8B-B14F-4D97-AF65-F5344CB8AC3E}">
-        <p14:creationId xmlns:p14="http://schemas.microsoft.com/office/powerpoint/2010/main" val="3591337185"/>
+        <p14:creationId xmlns:p14="http://schemas.microsoft.com/office/powerpoint/2010/main" val="3755367451"/>
       </p:ext>
     </p:extLst>
   </p:cSld>
   <p:clrMapOvr>
     <a:masterClrMapping/>
   </p:clrMapOvr>
+  <p:timing>
+    <p:tnLst>
+      <p:par>
+        <p:cTn id="1" dur="indefinite" restart="never" nodeType="tmRoot"/>
+      </p:par>
+    </p:tnLst>
+  </p:timing>
 </p:sld>
 </file>
 
@@ -7603,29 +8123,58 @@
           </a:p>
         </p:txBody>
       </p:sp>
-      <p:sp>
-        <p:nvSpPr>
-          <p:cNvPr id="3" name="コンテンツ プレースホルダー 2"/>
-          <p:cNvSpPr>
-            <a:spLocks noGrp="1"/>
-          </p:cNvSpPr>
+      <p:graphicFrame>
+        <p:nvGraphicFramePr>
+          <p:cNvPr id="4" name="コンテンツ プレースホルダー 3"/>
+          <p:cNvGraphicFramePr>
+            <a:graphicFrameLocks noGrp="1"/>
+          </p:cNvGraphicFramePr>
           <p:nvPr>
             <p:ph idx="1"/>
-          </p:nvPr>
-        </p:nvSpPr>
-        <p:spPr/>
-        <p:txBody>
-          <a:bodyPr/>
-          <a:lstStyle/>
-          <a:p>
-            <a:endParaRPr kumimoji="1" lang="ja-JP" altLang="en-US"/>
+            <p:extLst>
+              <p:ext uri="{D42A27DB-BD31-4B8C-83A1-F6EECF244321}">
+                <p14:modId xmlns:p14="http://schemas.microsoft.com/office/powerpoint/2010/main" val="3131136743"/>
+              </p:ext>
+            </p:extLst>
+          </p:nvPr>
+        </p:nvGraphicFramePr>
+        <p:xfrm>
+          <a:off x="628650" y="1524000"/>
+          <a:ext cx="7886700" cy="4652963"/>
+        </p:xfrm>
+        <a:graphic>
+          <a:graphicData uri="http://schemas.openxmlformats.org/drawingml/2006/diagram">
+            <dgm:relIds xmlns:dgm="http://schemas.openxmlformats.org/drawingml/2006/diagram" xmlns:r="http://schemas.openxmlformats.org/officeDocument/2006/relationships" r:dm="rId2" r:lo="rId3" r:qs="rId4" r:cs="rId5"/>
+          </a:graphicData>
+        </a:graphic>
+      </p:graphicFrame>
+      <p:sp>
+        <p:nvSpPr>
+          <p:cNvPr id="3" name="スライド番号プレースホルダー 2"/>
+          <p:cNvSpPr>
+            <a:spLocks noGrp="1"/>
+          </p:cNvSpPr>
+          <p:nvPr>
+            <p:ph type="sldNum" sz="quarter" idx="12"/>
+          </p:nvPr>
+        </p:nvSpPr>
+        <p:spPr/>
+        <p:txBody>
+          <a:bodyPr/>
+          <a:lstStyle/>
+          <a:p>
+            <a:fld id="{67F4F476-6E52-48A4-9511-77073BEB0098}" type="slidenum">
+              <a:rPr kumimoji="1" lang="ja-JP" altLang="en-US" smtClean="0"/>
+              <a:t>13</a:t>
+            </a:fld>
+            <a:endParaRPr kumimoji="1" lang="ja-JP" altLang="en-US" dirty="0"/>
           </a:p>
         </p:txBody>
       </p:sp>
     </p:spTree>
     <p:extLst>
       <p:ext uri="{BB962C8B-B14F-4D97-AF65-F5344CB8AC3E}">
-        <p14:creationId xmlns:p14="http://schemas.microsoft.com/office/powerpoint/2010/main" val="1019220225"/>
+        <p14:creationId xmlns:p14="http://schemas.microsoft.com/office/powerpoint/2010/main" val="2118204308"/>
       </p:ext>
     </p:extLst>
   </p:cSld>
@@ -7667,14 +8216,7 @@
           <a:bodyPr/>
           <a:lstStyle/>
           <a:p>
-            <a:r>
-              <a:rPr kumimoji="1" lang="en-US" altLang="ja-JP" dirty="0"/>
-              <a:t>WEB</a:t>
-            </a:r>
-            <a:r>
-              <a:rPr kumimoji="1" lang="ja-JP" altLang="en-US" dirty="0"/>
-              <a:t>プログラミングの現状</a:t>
-            </a:r>
+            <a:endParaRPr kumimoji="1" lang="ja-JP" altLang="en-US" dirty="0"/>
           </a:p>
         </p:txBody>
       </p:sp>
@@ -7691,109 +8233,44 @@
         <p:spPr/>
         <p:txBody>
           <a:bodyPr>
-            <a:normAutofit lnSpcReduction="10000"/>
+            <a:normAutofit/>
           </a:bodyPr>
           <a:lstStyle/>
           <a:p>
-            <a:r>
-              <a:rPr kumimoji="1" lang="ja-JP" altLang="en-US" dirty="0"/>
-              <a:t>無料の学習環境</a:t>
-            </a:r>
-            <a:endParaRPr lang="en-US" altLang="ja-JP" dirty="0"/>
-          </a:p>
-          <a:p>
-            <a:pPr lvl="1"/>
-            <a:r>
-              <a:rPr lang="ja-JP" altLang="en-US" dirty="0"/>
-              <a:t>ドットインストール</a:t>
-            </a:r>
-            <a:endParaRPr lang="en-US" altLang="ja-JP" dirty="0"/>
-          </a:p>
-          <a:p>
-            <a:pPr lvl="1"/>
-            <a:r>
-              <a:rPr lang="en-US" altLang="ja-JP" dirty="0" err="1"/>
-              <a:t>Qiita</a:t>
-            </a:r>
-            <a:endParaRPr lang="en-US" altLang="ja-JP" dirty="0"/>
-          </a:p>
-          <a:p>
-            <a:endParaRPr lang="en-US" altLang="ja-JP" dirty="0"/>
-          </a:p>
-          <a:p>
-            <a:r>
-              <a:rPr lang="ja-JP" altLang="en-US" dirty="0"/>
-              <a:t>外部ライブラリの充実</a:t>
-            </a:r>
-            <a:endParaRPr lang="en-US" altLang="ja-JP" dirty="0"/>
-          </a:p>
-          <a:p>
-            <a:pPr lvl="1"/>
-            <a:r>
-              <a:rPr lang="ja-JP" altLang="en-US" dirty="0"/>
-              <a:t>各種フレームワークなど</a:t>
-            </a:r>
-            <a:endParaRPr lang="en-US" altLang="ja-JP" dirty="0"/>
-          </a:p>
-          <a:p>
-            <a:endParaRPr lang="en-US" altLang="ja-JP" dirty="0"/>
-          </a:p>
-          <a:p>
+            <a:pPr marL="457200" lvl="1" indent="0">
+              <a:buNone/>
+            </a:pPr>
+            <a:endParaRPr lang="en-US" altLang="ja-JP" sz="3600" dirty="0"/>
+          </a:p>
+        </p:txBody>
+      </p:sp>
+      <p:sp>
+        <p:nvSpPr>
+          <p:cNvPr id="4" name="スライド番号プレースホルダー 3"/>
+          <p:cNvSpPr>
+            <a:spLocks noGrp="1"/>
+          </p:cNvSpPr>
+          <p:nvPr>
+            <p:ph type="sldNum" sz="quarter" idx="12"/>
+          </p:nvPr>
+        </p:nvSpPr>
+        <p:spPr/>
+        <p:txBody>
+          <a:bodyPr/>
+          <a:lstStyle/>
+          <a:p>
+            <a:fld id="{67F4F476-6E52-48A4-9511-77073BEB0098}" type="slidenum">
+              <a:rPr kumimoji="1" lang="ja-JP" altLang="en-US" smtClean="0"/>
+              <a:t>14</a:t>
+            </a:fld>
             <a:endParaRPr kumimoji="1" lang="ja-JP" altLang="en-US" dirty="0"/>
-          </a:p>
-        </p:txBody>
-      </p:sp>
-      <p:sp>
-        <p:nvSpPr>
-          <p:cNvPr id="4" name="正方形/長方形 3"/>
-          <p:cNvSpPr/>
-          <p:nvPr/>
-        </p:nvSpPr>
-        <p:spPr>
-          <a:xfrm>
-            <a:off x="551792" y="5333507"/>
-            <a:ext cx="8261132" cy="756745"/>
-          </a:xfrm>
-          <a:prstGeom prst="rect">
-            <a:avLst/>
-          </a:prstGeom>
-        </p:spPr>
-        <p:style>
-          <a:lnRef idx="2">
-            <a:schemeClr val="accent1">
-              <a:shade val="50000"/>
-            </a:schemeClr>
-          </a:lnRef>
-          <a:fillRef idx="1">
-            <a:schemeClr val="accent1"/>
-          </a:fillRef>
-          <a:effectRef idx="0">
-            <a:schemeClr val="accent1"/>
-          </a:effectRef>
-          <a:fontRef idx="minor">
-            <a:schemeClr val="lt1"/>
-          </a:fontRef>
-        </p:style>
-        <p:txBody>
-          <a:bodyPr rtlCol="0" anchor="ctr"/>
-          <a:lstStyle/>
-          <a:p>
-            <a:r>
-              <a:rPr lang="en-US" altLang="ja-JP" sz="3600" dirty="0"/>
-              <a:t>WEB</a:t>
-            </a:r>
-            <a:r>
-              <a:rPr lang="ja-JP" altLang="en-US" sz="3600" dirty="0"/>
-              <a:t>プログラミングの敷居が下がっている</a:t>
-            </a:r>
-            <a:endParaRPr lang="en-US" altLang="ja-JP" sz="3600" dirty="0"/>
           </a:p>
         </p:txBody>
       </p:sp>
     </p:spTree>
     <p:extLst>
       <p:ext uri="{BB962C8B-B14F-4D97-AF65-F5344CB8AC3E}">
-        <p14:creationId xmlns:p14="http://schemas.microsoft.com/office/powerpoint/2010/main" val="3565592007"/>
+        <p14:creationId xmlns:p14="http://schemas.microsoft.com/office/powerpoint/2010/main" val="3591337185"/>
       </p:ext>
     </p:extLst>
   </p:cSld>
@@ -7835,19 +8312,7 @@
           <a:bodyPr/>
           <a:lstStyle/>
           <a:p>
-            <a:r>
-              <a:rPr lang="ja-JP" altLang="en-US" dirty="0"/>
-              <a:t>シングルページ</a:t>
-            </a:r>
-            <a:r>
-              <a:rPr lang="en-US" altLang="ja-JP" dirty="0"/>
-              <a:t>WEB</a:t>
-            </a:r>
-            <a:r>
-              <a:rPr lang="ja-JP" altLang="en-US" dirty="0"/>
-              <a:t>アプリケーション</a:t>
-            </a:r>
-            <a:endParaRPr kumimoji="1" lang="ja-JP" altLang="en-US" dirty="0"/>
+            <a:endParaRPr kumimoji="1" lang="ja-JP" altLang="en-US"/>
           </a:p>
         </p:txBody>
       </p:sp>
@@ -7863,91 +8328,32 @@
         </p:nvSpPr>
         <p:spPr/>
         <p:txBody>
-          <a:bodyPr>
-            <a:normAutofit fontScale="62500" lnSpcReduction="20000"/>
-          </a:bodyPr>
-          <a:lstStyle/>
-          <a:p>
-            <a:r>
-              <a:rPr lang="ja-JP" altLang="en-US" dirty="0"/>
-              <a:t>概要</a:t>
-            </a:r>
-            <a:endParaRPr lang="en-US" altLang="ja-JP" dirty="0"/>
-          </a:p>
-          <a:p>
-            <a:pPr lvl="1"/>
-            <a:r>
-              <a:rPr lang="ja-JP" altLang="en-US" dirty="0"/>
-              <a:t>近年注目を集めている</a:t>
-            </a:r>
-            <a:r>
-              <a:rPr lang="en-US" altLang="ja-JP" dirty="0"/>
-              <a:t>WEB</a:t>
-            </a:r>
-            <a:r>
-              <a:rPr lang="ja-JP" altLang="en-US" dirty="0"/>
-              <a:t>アプリの仕様</a:t>
-            </a:r>
-            <a:endParaRPr lang="en-US" altLang="ja-JP" dirty="0"/>
-          </a:p>
-          <a:p>
-            <a:endParaRPr lang="en-US" altLang="ja-JP" dirty="0"/>
-          </a:p>
-          <a:p>
-            <a:r>
-              <a:rPr lang="ja-JP" altLang="en-US" dirty="0"/>
-              <a:t>特徴</a:t>
-            </a:r>
-            <a:endParaRPr kumimoji="1" lang="en-US" altLang="ja-JP" dirty="0"/>
-          </a:p>
-          <a:p>
-            <a:pPr lvl="1"/>
-            <a:r>
-              <a:rPr lang="ja-JP" altLang="en-US" dirty="0"/>
-              <a:t>デプロイが簡単</a:t>
-            </a:r>
-            <a:endParaRPr lang="en-US" altLang="ja-JP" dirty="0"/>
-          </a:p>
-          <a:p>
-            <a:pPr lvl="1"/>
-            <a:r>
-              <a:rPr kumimoji="1" lang="ja-JP" altLang="en-US" dirty="0"/>
-              <a:t>クロスプラットフォームである</a:t>
-            </a:r>
-            <a:endParaRPr kumimoji="1" lang="en-US" altLang="ja-JP" dirty="0"/>
-          </a:p>
-          <a:p>
-            <a:pPr lvl="1"/>
-            <a:endParaRPr kumimoji="1" lang="en-US" altLang="ja-JP" dirty="0"/>
-          </a:p>
-          <a:p>
-            <a:r>
-              <a:rPr kumimoji="1" lang="ja-JP" altLang="en-US" dirty="0"/>
-              <a:t>例</a:t>
-            </a:r>
-            <a:endParaRPr kumimoji="1" lang="en-US" altLang="ja-JP" dirty="0"/>
-          </a:p>
-          <a:p>
-            <a:pPr lvl="1"/>
-            <a:r>
-              <a:rPr lang="en-US" altLang="ja-JP" dirty="0"/>
-              <a:t>Twitter</a:t>
-            </a:r>
-            <a:r>
-              <a:rPr lang="ja-JP" altLang="en-US" dirty="0"/>
-              <a:t>や</a:t>
-            </a:r>
-            <a:r>
-              <a:rPr lang="en-US" altLang="ja-JP" dirty="0"/>
-              <a:t>Instagram</a:t>
-            </a:r>
-            <a:r>
-              <a:rPr lang="ja-JP" altLang="en-US" dirty="0"/>
-              <a:t>など</a:t>
-            </a:r>
-            <a:endParaRPr kumimoji="1" lang="en-US" altLang="ja-JP" dirty="0"/>
-          </a:p>
-          <a:p>
+          <a:bodyPr/>
+          <a:lstStyle/>
+          <a:p>
+            <a:endParaRPr kumimoji="1" lang="ja-JP" altLang="en-US"/>
+          </a:p>
+        </p:txBody>
+      </p:sp>
+      <p:sp>
+        <p:nvSpPr>
+          <p:cNvPr id="4" name="スライド番号プレースホルダー 3"/>
+          <p:cNvSpPr>
+            <a:spLocks noGrp="1"/>
+          </p:cNvSpPr>
+          <p:nvPr>
+            <p:ph type="sldNum" sz="quarter" idx="12"/>
+          </p:nvPr>
+        </p:nvSpPr>
+        <p:spPr/>
+        <p:txBody>
+          <a:bodyPr/>
+          <a:lstStyle/>
+          <a:p>
+            <a:fld id="{67F4F476-6E52-48A4-9511-77073BEB0098}" type="slidenum">
+              <a:rPr kumimoji="1" lang="ja-JP" altLang="en-US" smtClean="0"/>
+              <a:t>15</a:t>
+            </a:fld>
             <a:endParaRPr kumimoji="1" lang="ja-JP" altLang="en-US" dirty="0"/>
           </a:p>
         </p:txBody>
@@ -7955,7 +8361,7 @@
     </p:spTree>
     <p:extLst>
       <p:ext uri="{BB962C8B-B14F-4D97-AF65-F5344CB8AC3E}">
-        <p14:creationId xmlns:p14="http://schemas.microsoft.com/office/powerpoint/2010/main" val="544699416"/>
+        <p14:creationId xmlns:p14="http://schemas.microsoft.com/office/powerpoint/2010/main" val="1019220225"/>
       </p:ext>
     </p:extLst>
   </p:cSld>
@@ -7998,8 +8404,12 @@
           <a:lstStyle/>
           <a:p>
             <a:r>
+              <a:rPr kumimoji="1" lang="en-US" altLang="ja-JP" dirty="0"/>
+              <a:t>WEB</a:t>
+            </a:r>
+            <a:r>
               <a:rPr kumimoji="1" lang="ja-JP" altLang="en-US" dirty="0"/>
-              <a:t>本研究の目的</a:t>
+              <a:t>プログラミングの現状</a:t>
             </a:r>
           </a:p>
         </p:txBody>
@@ -8023,6 +8433,378 @@
           <a:p>
             <a:r>
               <a:rPr kumimoji="1" lang="ja-JP" altLang="en-US" dirty="0"/>
+              <a:t>無料の学習環境</a:t>
+            </a:r>
+            <a:endParaRPr lang="en-US" altLang="ja-JP" dirty="0"/>
+          </a:p>
+          <a:p>
+            <a:pPr lvl="1"/>
+            <a:r>
+              <a:rPr lang="ja-JP" altLang="en-US" dirty="0"/>
+              <a:t>ドットインストール</a:t>
+            </a:r>
+            <a:endParaRPr lang="en-US" altLang="ja-JP" dirty="0"/>
+          </a:p>
+          <a:p>
+            <a:pPr lvl="1"/>
+            <a:r>
+              <a:rPr lang="en-US" altLang="ja-JP" dirty="0" err="1"/>
+              <a:t>Qiita</a:t>
+            </a:r>
+            <a:endParaRPr lang="en-US" altLang="ja-JP" dirty="0"/>
+          </a:p>
+          <a:p>
+            <a:endParaRPr lang="en-US" altLang="ja-JP" dirty="0"/>
+          </a:p>
+          <a:p>
+            <a:r>
+              <a:rPr lang="ja-JP" altLang="en-US" dirty="0"/>
+              <a:t>外部ライブラリの充実</a:t>
+            </a:r>
+            <a:endParaRPr lang="en-US" altLang="ja-JP" dirty="0"/>
+          </a:p>
+          <a:p>
+            <a:pPr lvl="1"/>
+            <a:r>
+              <a:rPr lang="ja-JP" altLang="en-US" dirty="0"/>
+              <a:t>各種フレームワークなど</a:t>
+            </a:r>
+            <a:endParaRPr lang="en-US" altLang="ja-JP" dirty="0"/>
+          </a:p>
+          <a:p>
+            <a:endParaRPr lang="en-US" altLang="ja-JP" dirty="0"/>
+          </a:p>
+          <a:p>
+            <a:endParaRPr kumimoji="1" lang="ja-JP" altLang="en-US" dirty="0"/>
+          </a:p>
+        </p:txBody>
+      </p:sp>
+      <p:sp>
+        <p:nvSpPr>
+          <p:cNvPr id="4" name="正方形/長方形 3"/>
+          <p:cNvSpPr/>
+          <p:nvPr/>
+        </p:nvSpPr>
+        <p:spPr>
+          <a:xfrm>
+            <a:off x="551792" y="5333507"/>
+            <a:ext cx="8261132" cy="756745"/>
+          </a:xfrm>
+          <a:prstGeom prst="rect">
+            <a:avLst/>
+          </a:prstGeom>
+        </p:spPr>
+        <p:style>
+          <a:lnRef idx="2">
+            <a:schemeClr val="accent1">
+              <a:shade val="50000"/>
+            </a:schemeClr>
+          </a:lnRef>
+          <a:fillRef idx="1">
+            <a:schemeClr val="accent1"/>
+          </a:fillRef>
+          <a:effectRef idx="0">
+            <a:schemeClr val="accent1"/>
+          </a:effectRef>
+          <a:fontRef idx="minor">
+            <a:schemeClr val="lt1"/>
+          </a:fontRef>
+        </p:style>
+        <p:txBody>
+          <a:bodyPr rtlCol="0" anchor="ctr"/>
+          <a:lstStyle/>
+          <a:p>
+            <a:r>
+              <a:rPr lang="en-US" altLang="ja-JP" sz="3600" dirty="0"/>
+              <a:t>WEB</a:t>
+            </a:r>
+            <a:r>
+              <a:rPr lang="ja-JP" altLang="en-US" sz="3600" dirty="0"/>
+              <a:t>プログラミングの敷居が下がっている</a:t>
+            </a:r>
+            <a:endParaRPr lang="en-US" altLang="ja-JP" sz="3600" dirty="0"/>
+          </a:p>
+        </p:txBody>
+      </p:sp>
+      <p:sp>
+        <p:nvSpPr>
+          <p:cNvPr id="5" name="スライド番号プレースホルダー 4"/>
+          <p:cNvSpPr>
+            <a:spLocks noGrp="1"/>
+          </p:cNvSpPr>
+          <p:nvPr>
+            <p:ph type="sldNum" sz="quarter" idx="12"/>
+          </p:nvPr>
+        </p:nvSpPr>
+        <p:spPr/>
+        <p:txBody>
+          <a:bodyPr/>
+          <a:lstStyle/>
+          <a:p>
+            <a:fld id="{67F4F476-6E52-48A4-9511-77073BEB0098}" type="slidenum">
+              <a:rPr kumimoji="1" lang="ja-JP" altLang="en-US" smtClean="0"/>
+              <a:t>16</a:t>
+            </a:fld>
+            <a:endParaRPr kumimoji="1" lang="ja-JP" altLang="en-US" dirty="0"/>
+          </a:p>
+        </p:txBody>
+      </p:sp>
+    </p:spTree>
+    <p:extLst>
+      <p:ext uri="{BB962C8B-B14F-4D97-AF65-F5344CB8AC3E}">
+        <p14:creationId xmlns:p14="http://schemas.microsoft.com/office/powerpoint/2010/main" val="3565592007"/>
+      </p:ext>
+    </p:extLst>
+  </p:cSld>
+  <p:clrMapOvr>
+    <a:masterClrMapping/>
+  </p:clrMapOvr>
+</p:sld>
+</file>
+
+<file path=ppt/slides/slide18.xml><?xml version="1.0" encoding="utf-8"?>
+<p:sld xmlns:a="http://schemas.openxmlformats.org/drawingml/2006/main" xmlns:r="http://schemas.openxmlformats.org/officeDocument/2006/relationships" xmlns:p="http://schemas.openxmlformats.org/presentationml/2006/main">
+  <p:cSld>
+    <p:spTree>
+      <p:nvGrpSpPr>
+        <p:cNvPr id="1" name=""/>
+        <p:cNvGrpSpPr/>
+        <p:nvPr/>
+      </p:nvGrpSpPr>
+      <p:grpSpPr>
+        <a:xfrm>
+          <a:off x="0" y="0"/>
+          <a:ext cx="0" cy="0"/>
+          <a:chOff x="0" y="0"/>
+          <a:chExt cx="0" cy="0"/>
+        </a:xfrm>
+      </p:grpSpPr>
+      <p:sp>
+        <p:nvSpPr>
+          <p:cNvPr id="2" name="タイトル 1"/>
+          <p:cNvSpPr>
+            <a:spLocks noGrp="1"/>
+          </p:cNvSpPr>
+          <p:nvPr>
+            <p:ph type="title"/>
+          </p:nvPr>
+        </p:nvSpPr>
+        <p:spPr/>
+        <p:txBody>
+          <a:bodyPr/>
+          <a:lstStyle/>
+          <a:p>
+            <a:r>
+              <a:rPr lang="ja-JP" altLang="en-US" dirty="0"/>
+              <a:t>シングルページ</a:t>
+            </a:r>
+            <a:r>
+              <a:rPr lang="en-US" altLang="ja-JP" dirty="0"/>
+              <a:t>WEB</a:t>
+            </a:r>
+            <a:r>
+              <a:rPr lang="ja-JP" altLang="en-US" dirty="0"/>
+              <a:t>アプリケーション</a:t>
+            </a:r>
+            <a:endParaRPr kumimoji="1" lang="ja-JP" altLang="en-US" dirty="0"/>
+          </a:p>
+        </p:txBody>
+      </p:sp>
+      <p:sp>
+        <p:nvSpPr>
+          <p:cNvPr id="3" name="コンテンツ プレースホルダー 2"/>
+          <p:cNvSpPr>
+            <a:spLocks noGrp="1"/>
+          </p:cNvSpPr>
+          <p:nvPr>
+            <p:ph idx="1"/>
+          </p:nvPr>
+        </p:nvSpPr>
+        <p:spPr/>
+        <p:txBody>
+          <a:bodyPr>
+            <a:normAutofit fontScale="62500" lnSpcReduction="20000"/>
+          </a:bodyPr>
+          <a:lstStyle/>
+          <a:p>
+            <a:r>
+              <a:rPr lang="ja-JP" altLang="en-US" dirty="0"/>
+              <a:t>概要</a:t>
+            </a:r>
+            <a:endParaRPr lang="en-US" altLang="ja-JP" dirty="0"/>
+          </a:p>
+          <a:p>
+            <a:pPr lvl="1"/>
+            <a:r>
+              <a:rPr lang="ja-JP" altLang="en-US" dirty="0"/>
+              <a:t>近年注目を集めている</a:t>
+            </a:r>
+            <a:r>
+              <a:rPr lang="en-US" altLang="ja-JP" dirty="0"/>
+              <a:t>WEB</a:t>
+            </a:r>
+            <a:r>
+              <a:rPr lang="ja-JP" altLang="en-US" dirty="0"/>
+              <a:t>アプリの仕様</a:t>
+            </a:r>
+            <a:endParaRPr lang="en-US" altLang="ja-JP" dirty="0"/>
+          </a:p>
+          <a:p>
+            <a:endParaRPr lang="en-US" altLang="ja-JP" dirty="0"/>
+          </a:p>
+          <a:p>
+            <a:r>
+              <a:rPr lang="ja-JP" altLang="en-US" dirty="0"/>
+              <a:t>特徴</a:t>
+            </a:r>
+            <a:endParaRPr kumimoji="1" lang="en-US" altLang="ja-JP" dirty="0"/>
+          </a:p>
+          <a:p>
+            <a:pPr lvl="1"/>
+            <a:r>
+              <a:rPr lang="ja-JP" altLang="en-US" dirty="0"/>
+              <a:t>デプロイが簡単</a:t>
+            </a:r>
+            <a:endParaRPr lang="en-US" altLang="ja-JP" dirty="0"/>
+          </a:p>
+          <a:p>
+            <a:pPr lvl="1"/>
+            <a:r>
+              <a:rPr kumimoji="1" lang="ja-JP" altLang="en-US" dirty="0"/>
+              <a:t>クロスプラットフォームである</a:t>
+            </a:r>
+            <a:endParaRPr kumimoji="1" lang="en-US" altLang="ja-JP" dirty="0"/>
+          </a:p>
+          <a:p>
+            <a:pPr lvl="1"/>
+            <a:endParaRPr kumimoji="1" lang="en-US" altLang="ja-JP" dirty="0"/>
+          </a:p>
+          <a:p>
+            <a:r>
+              <a:rPr kumimoji="1" lang="ja-JP" altLang="en-US" dirty="0"/>
+              <a:t>例</a:t>
+            </a:r>
+            <a:endParaRPr kumimoji="1" lang="en-US" altLang="ja-JP" dirty="0"/>
+          </a:p>
+          <a:p>
+            <a:pPr lvl="1"/>
+            <a:r>
+              <a:rPr lang="en-US" altLang="ja-JP" dirty="0"/>
+              <a:t>Twitter</a:t>
+            </a:r>
+            <a:r>
+              <a:rPr lang="ja-JP" altLang="en-US" dirty="0"/>
+              <a:t>や</a:t>
+            </a:r>
+            <a:r>
+              <a:rPr lang="en-US" altLang="ja-JP" dirty="0"/>
+              <a:t>Instagram</a:t>
+            </a:r>
+            <a:r>
+              <a:rPr lang="ja-JP" altLang="en-US" dirty="0"/>
+              <a:t>など</a:t>
+            </a:r>
+            <a:endParaRPr kumimoji="1" lang="en-US" altLang="ja-JP" dirty="0"/>
+          </a:p>
+          <a:p>
+            <a:endParaRPr kumimoji="1" lang="ja-JP" altLang="en-US" dirty="0"/>
+          </a:p>
+        </p:txBody>
+      </p:sp>
+      <p:sp>
+        <p:nvSpPr>
+          <p:cNvPr id="4" name="スライド番号プレースホルダー 3"/>
+          <p:cNvSpPr>
+            <a:spLocks noGrp="1"/>
+          </p:cNvSpPr>
+          <p:nvPr>
+            <p:ph type="sldNum" sz="quarter" idx="12"/>
+          </p:nvPr>
+        </p:nvSpPr>
+        <p:spPr/>
+        <p:txBody>
+          <a:bodyPr/>
+          <a:lstStyle/>
+          <a:p>
+            <a:fld id="{67F4F476-6E52-48A4-9511-77073BEB0098}" type="slidenum">
+              <a:rPr kumimoji="1" lang="ja-JP" altLang="en-US" smtClean="0"/>
+              <a:t>17</a:t>
+            </a:fld>
+            <a:endParaRPr kumimoji="1" lang="ja-JP" altLang="en-US" dirty="0"/>
+          </a:p>
+        </p:txBody>
+      </p:sp>
+    </p:spTree>
+    <p:extLst>
+      <p:ext uri="{BB962C8B-B14F-4D97-AF65-F5344CB8AC3E}">
+        <p14:creationId xmlns:p14="http://schemas.microsoft.com/office/powerpoint/2010/main" val="544699416"/>
+      </p:ext>
+    </p:extLst>
+  </p:cSld>
+  <p:clrMapOvr>
+    <a:masterClrMapping/>
+  </p:clrMapOvr>
+</p:sld>
+</file>
+
+<file path=ppt/slides/slide19.xml><?xml version="1.0" encoding="utf-8"?>
+<p:sld xmlns:a="http://schemas.openxmlformats.org/drawingml/2006/main" xmlns:r="http://schemas.openxmlformats.org/officeDocument/2006/relationships" xmlns:p="http://schemas.openxmlformats.org/presentationml/2006/main">
+  <p:cSld>
+    <p:spTree>
+      <p:nvGrpSpPr>
+        <p:cNvPr id="1" name=""/>
+        <p:cNvGrpSpPr/>
+        <p:nvPr/>
+      </p:nvGrpSpPr>
+      <p:grpSpPr>
+        <a:xfrm>
+          <a:off x="0" y="0"/>
+          <a:ext cx="0" cy="0"/>
+          <a:chOff x="0" y="0"/>
+          <a:chExt cx="0" cy="0"/>
+        </a:xfrm>
+      </p:grpSpPr>
+      <p:sp>
+        <p:nvSpPr>
+          <p:cNvPr id="2" name="タイトル 1"/>
+          <p:cNvSpPr>
+            <a:spLocks noGrp="1"/>
+          </p:cNvSpPr>
+          <p:nvPr>
+            <p:ph type="title"/>
+          </p:nvPr>
+        </p:nvSpPr>
+        <p:spPr/>
+        <p:txBody>
+          <a:bodyPr/>
+          <a:lstStyle/>
+          <a:p>
+            <a:r>
+              <a:rPr kumimoji="1" lang="ja-JP" altLang="en-US" dirty="0"/>
+              <a:t>本研究の目的</a:t>
+            </a:r>
+          </a:p>
+        </p:txBody>
+      </p:sp>
+      <p:sp>
+        <p:nvSpPr>
+          <p:cNvPr id="3" name="コンテンツ プレースホルダー 2"/>
+          <p:cNvSpPr>
+            <a:spLocks noGrp="1"/>
+          </p:cNvSpPr>
+          <p:nvPr>
+            <p:ph idx="1"/>
+          </p:nvPr>
+        </p:nvSpPr>
+        <p:spPr/>
+        <p:txBody>
+          <a:bodyPr>
+            <a:normAutofit lnSpcReduction="10000"/>
+          </a:bodyPr>
+          <a:lstStyle/>
+          <a:p>
+            <a:r>
+              <a:rPr kumimoji="1" lang="ja-JP" altLang="en-US" dirty="0"/>
               <a:t>授業評価アンケートを</a:t>
             </a:r>
             <a:r>
@@ -8072,6 +8854,29 @@
               <a:t>が期待できる</a:t>
             </a:r>
             <a:endParaRPr lang="en-US" altLang="ja-JP" dirty="0"/>
+          </a:p>
+        </p:txBody>
+      </p:sp>
+      <p:sp>
+        <p:nvSpPr>
+          <p:cNvPr id="4" name="スライド番号プレースホルダー 3"/>
+          <p:cNvSpPr>
+            <a:spLocks noGrp="1"/>
+          </p:cNvSpPr>
+          <p:nvPr>
+            <p:ph type="sldNum" sz="quarter" idx="12"/>
+          </p:nvPr>
+        </p:nvSpPr>
+        <p:spPr/>
+        <p:txBody>
+          <a:bodyPr/>
+          <a:lstStyle/>
+          <a:p>
+            <a:fld id="{67F4F476-6E52-48A4-9511-77073BEB0098}" type="slidenum">
+              <a:rPr kumimoji="1" lang="ja-JP" altLang="en-US" smtClean="0"/>
+              <a:t>18</a:t>
+            </a:fld>
+            <a:endParaRPr kumimoji="1" lang="ja-JP" altLang="en-US" dirty="0"/>
           </a:p>
         </p:txBody>
       </p:sp>
@@ -8121,8 +8926,8 @@
           <a:lstStyle/>
           <a:p>
             <a:r>
-              <a:rPr lang="ja-JP" altLang="en-US" dirty="0"/>
-              <a:t>目的</a:t>
+              <a:rPr lang="ja-JP" altLang="en-US" dirty="0" smtClean="0"/>
+              <a:t>１．目的</a:t>
             </a:r>
             <a:endParaRPr kumimoji="1" lang="ja-JP" altLang="en-US" dirty="0"/>
           </a:p>
@@ -8297,6 +9102,29 @@
           </a:p>
         </p:txBody>
       </p:sp>
+      <p:sp>
+        <p:nvSpPr>
+          <p:cNvPr id="4" name="スライド番号プレースホルダー 3"/>
+          <p:cNvSpPr>
+            <a:spLocks noGrp="1"/>
+          </p:cNvSpPr>
+          <p:nvPr>
+            <p:ph type="sldNum" sz="quarter" idx="12"/>
+          </p:nvPr>
+        </p:nvSpPr>
+        <p:spPr/>
+        <p:txBody>
+          <a:bodyPr/>
+          <a:lstStyle/>
+          <a:p>
+            <a:fld id="{67F4F476-6E52-48A4-9511-77073BEB0098}" type="slidenum">
+              <a:rPr kumimoji="1" lang="ja-JP" altLang="en-US" smtClean="0"/>
+              <a:t>1</a:t>
+            </a:fld>
+            <a:endParaRPr kumimoji="1" lang="ja-JP" altLang="en-US" dirty="0"/>
+          </a:p>
+        </p:txBody>
+      </p:sp>
     </p:spTree>
     <p:extLst>
       <p:ext uri="{BB962C8B-B14F-4D97-AF65-F5344CB8AC3E}">
@@ -8307,6 +9135,13 @@
   <p:clrMapOvr>
     <a:masterClrMapping/>
   </p:clrMapOvr>
+  <p:timing>
+    <p:tnLst>
+      <p:par>
+        <p:cTn id="1" dur="indefinite" restart="never" nodeType="tmRoot"/>
+      </p:par>
+    </p:tnLst>
+  </p:timing>
 </p:sld>
 </file>
 
@@ -8343,8 +9178,12 @@
           <a:lstStyle/>
           <a:p>
             <a:r>
+              <a:rPr kumimoji="1" lang="ja-JP" altLang="en-US" dirty="0" smtClean="0"/>
+              <a:t>２．研究</a:t>
+            </a:r>
+            <a:r>
               <a:rPr kumimoji="1" lang="ja-JP" altLang="en-US" dirty="0"/>
-              <a:t>研究背景</a:t>
+              <a:t>背景</a:t>
             </a:r>
           </a:p>
         </p:txBody>
@@ -8455,6 +9294,29 @@
           </a:p>
         </p:txBody>
       </p:sp>
+      <p:sp>
+        <p:nvSpPr>
+          <p:cNvPr id="5" name="スライド番号プレースホルダー 4"/>
+          <p:cNvSpPr>
+            <a:spLocks noGrp="1"/>
+          </p:cNvSpPr>
+          <p:nvPr>
+            <p:ph type="sldNum" sz="quarter" idx="12"/>
+          </p:nvPr>
+        </p:nvSpPr>
+        <p:spPr/>
+        <p:txBody>
+          <a:bodyPr/>
+          <a:lstStyle/>
+          <a:p>
+            <a:fld id="{67F4F476-6E52-48A4-9511-77073BEB0098}" type="slidenum">
+              <a:rPr kumimoji="1" lang="ja-JP" altLang="en-US" smtClean="0"/>
+              <a:t>2</a:t>
+            </a:fld>
+            <a:endParaRPr kumimoji="1" lang="ja-JP" altLang="en-US" dirty="0"/>
+          </a:p>
+        </p:txBody>
+      </p:sp>
     </p:spTree>
     <p:extLst>
       <p:ext uri="{BB962C8B-B14F-4D97-AF65-F5344CB8AC3E}">
@@ -8465,6 +9327,13 @@
   <p:clrMapOvr>
     <a:masterClrMapping/>
   </p:clrMapOvr>
+  <p:timing>
+    <p:tnLst>
+      <p:par>
+        <p:cTn id="1" dur="indefinite" restart="never" nodeType="tmRoot"/>
+      </p:par>
+    </p:tnLst>
+  </p:timing>
 </p:sld>
 </file>
 
@@ -8501,7 +9370,7 @@
           <a:lstStyle/>
           <a:p>
             <a:r>
-              <a:rPr lang="en-US" altLang="ja-JP" dirty="0"/>
+              <a:rPr lang="en-US" altLang="ja-JP" dirty="0" smtClean="0"/>
               <a:t>Web</a:t>
             </a:r>
             <a:r>
@@ -8525,7 +9394,7 @@
         <p:spPr/>
         <p:txBody>
           <a:bodyPr>
-            <a:normAutofit fontScale="85000" lnSpcReduction="20000"/>
+            <a:normAutofit fontScale="77500" lnSpcReduction="20000"/>
           </a:bodyPr>
           <a:lstStyle/>
           <a:p>
@@ -8535,8 +9404,16 @@
               </a:lnSpc>
             </a:pPr>
             <a:r>
-              <a:rPr kumimoji="1" lang="ja-JP" altLang="en-US" dirty="0"/>
-              <a:t>経済性</a:t>
+              <a:rPr lang="ja-JP" altLang="en-US" dirty="0" smtClean="0"/>
+              <a:t>紙</a:t>
+            </a:r>
+            <a:r>
+              <a:rPr lang="ja-JP" altLang="en-US" dirty="0"/>
+              <a:t>資源</a:t>
+            </a:r>
+            <a:r>
+              <a:rPr lang="ja-JP" altLang="en-US" dirty="0" smtClean="0"/>
+              <a:t>の節約</a:t>
             </a:r>
             <a:endParaRPr kumimoji="1" lang="en-US" altLang="ja-JP" dirty="0"/>
           </a:p>
@@ -8547,8 +9424,16 @@
               </a:lnSpc>
             </a:pPr>
             <a:r>
+              <a:rPr lang="en-US" altLang="ja-JP" dirty="0" smtClean="0"/>
+              <a:t>web</a:t>
+            </a:r>
+            <a:r>
+              <a:rPr lang="ja-JP" altLang="en-US" dirty="0" smtClean="0"/>
+              <a:t>で実施するので紙</a:t>
+            </a:r>
+            <a:r>
               <a:rPr lang="ja-JP" altLang="en-US" dirty="0"/>
-              <a:t>紙資源を使わない</a:t>
+              <a:t>資源を使わない</a:t>
             </a:r>
             <a:endParaRPr lang="en-US" altLang="ja-JP" dirty="0"/>
           </a:p>
@@ -8599,6 +9484,14 @@
               <a:rPr lang="ja-JP" altLang="en-US" dirty="0" smtClean="0"/>
               <a:t>集計</a:t>
             </a:r>
+            <a:r>
+              <a:rPr lang="ja-JP" altLang="en-US" dirty="0" err="1" smtClean="0"/>
+              <a:t>ー</a:t>
+            </a:r>
+            <a:r>
+              <a:rPr lang="ja-JP" altLang="en-US" dirty="0" smtClean="0"/>
+              <a:t>＞実装してないのにここで言うのか？</a:t>
+            </a:r>
             <a:endParaRPr lang="en-US" altLang="ja-JP" dirty="0" smtClean="0"/>
           </a:p>
           <a:p>
@@ -8636,6 +9529,29 @@
               <a:rPr kumimoji="1" lang="ja-JP" altLang="en-US" dirty="0"/>
               <a:t>動きのあるＵＩで楽しくアンケートに回答できる</a:t>
             </a:r>
+          </a:p>
+        </p:txBody>
+      </p:sp>
+      <p:sp>
+        <p:nvSpPr>
+          <p:cNvPr id="4" name="スライド番号プレースホルダー 3"/>
+          <p:cNvSpPr>
+            <a:spLocks noGrp="1"/>
+          </p:cNvSpPr>
+          <p:nvPr>
+            <p:ph type="sldNum" sz="quarter" idx="12"/>
+          </p:nvPr>
+        </p:nvSpPr>
+        <p:spPr/>
+        <p:txBody>
+          <a:bodyPr/>
+          <a:lstStyle/>
+          <a:p>
+            <a:fld id="{67F4F476-6E52-48A4-9511-77073BEB0098}" type="slidenum">
+              <a:rPr kumimoji="1" lang="ja-JP" altLang="en-US" smtClean="0"/>
+              <a:t>3</a:t>
+            </a:fld>
+            <a:endParaRPr kumimoji="1" lang="ja-JP" altLang="en-US" dirty="0"/>
           </a:p>
         </p:txBody>
       </p:sp>
@@ -8649,6 +9565,13 @@
   <p:clrMapOvr>
     <a:masterClrMapping/>
   </p:clrMapOvr>
+  <p:timing>
+    <p:tnLst>
+      <p:par>
+        <p:cTn id="1" dur="indefinite" restart="never" nodeType="tmRoot"/>
+      </p:par>
+    </p:tnLst>
+  </p:timing>
 </p:sld>
 </file>
 
@@ -8685,6 +9608,270 @@
           <a:lstStyle/>
           <a:p>
             <a:r>
+              <a:rPr lang="ja-JP" altLang="en-US" dirty="0" smtClean="0"/>
+              <a:t>開発したアプリケーションの</a:t>
+            </a:r>
+            <a:r>
+              <a:rPr kumimoji="1" lang="ja-JP" altLang="en-US" dirty="0" smtClean="0"/>
+              <a:t>特徴</a:t>
+            </a:r>
+            <a:endParaRPr kumimoji="1" lang="ja-JP" altLang="en-US" dirty="0"/>
+          </a:p>
+        </p:txBody>
+      </p:sp>
+      <p:sp>
+        <p:nvSpPr>
+          <p:cNvPr id="3" name="コンテンツ プレースホルダー 2"/>
+          <p:cNvSpPr>
+            <a:spLocks noGrp="1"/>
+          </p:cNvSpPr>
+          <p:nvPr>
+            <p:ph idx="1"/>
+          </p:nvPr>
+        </p:nvSpPr>
+        <p:spPr/>
+        <p:txBody>
+          <a:bodyPr/>
+          <a:lstStyle/>
+          <a:p>
+            <a:pPr marL="457200" lvl="1" indent="0">
+              <a:buNone/>
+            </a:pPr>
+            <a:endParaRPr kumimoji="1" lang="ja-JP" altLang="en-US" dirty="0"/>
+          </a:p>
+        </p:txBody>
+      </p:sp>
+      <p:sp>
+        <p:nvSpPr>
+          <p:cNvPr id="4" name="スライド番号プレースホルダー 3"/>
+          <p:cNvSpPr>
+            <a:spLocks noGrp="1"/>
+          </p:cNvSpPr>
+          <p:nvPr>
+            <p:ph type="sldNum" sz="quarter" idx="12"/>
+          </p:nvPr>
+        </p:nvSpPr>
+        <p:spPr/>
+        <p:txBody>
+          <a:bodyPr/>
+          <a:lstStyle/>
+          <a:p>
+            <a:fld id="{67F4F476-6E52-48A4-9511-77073BEB0098}" type="slidenum">
+              <a:rPr lang="ja-JP" altLang="en-US" smtClean="0"/>
+              <a:pPr/>
+              <a:t>4</a:t>
+            </a:fld>
+            <a:endParaRPr lang="ja-JP" altLang="en-US" dirty="0"/>
+          </a:p>
+        </p:txBody>
+      </p:sp>
+    </p:spTree>
+    <p:extLst>
+      <p:ext uri="{BB962C8B-B14F-4D97-AF65-F5344CB8AC3E}">
+        <p14:creationId xmlns:p14="http://schemas.microsoft.com/office/powerpoint/2010/main" val="947229926"/>
+      </p:ext>
+    </p:extLst>
+  </p:cSld>
+  <p:clrMapOvr>
+    <a:masterClrMapping/>
+  </p:clrMapOvr>
+  <p:timing>
+    <p:tnLst>
+      <p:par>
+        <p:cTn id="1" dur="indefinite" restart="never" nodeType="tmRoot"/>
+      </p:par>
+    </p:tnLst>
+  </p:timing>
+</p:sld>
+</file>
+
+<file path=ppt/slides/slide6.xml><?xml version="1.0" encoding="utf-8"?>
+<p:sld xmlns:a="http://schemas.openxmlformats.org/drawingml/2006/main" xmlns:r="http://schemas.openxmlformats.org/officeDocument/2006/relationships" xmlns:p="http://schemas.openxmlformats.org/presentationml/2006/main">
+  <p:cSld>
+    <p:spTree>
+      <p:nvGrpSpPr>
+        <p:cNvPr id="1" name=""/>
+        <p:cNvGrpSpPr/>
+        <p:nvPr/>
+      </p:nvGrpSpPr>
+      <p:grpSpPr>
+        <a:xfrm>
+          <a:off x="0" y="0"/>
+          <a:ext cx="0" cy="0"/>
+          <a:chOff x="0" y="0"/>
+          <a:chExt cx="0" cy="0"/>
+        </a:xfrm>
+      </p:grpSpPr>
+      <p:sp>
+        <p:nvSpPr>
+          <p:cNvPr id="2" name="タイトル 1"/>
+          <p:cNvSpPr>
+            <a:spLocks noGrp="1"/>
+          </p:cNvSpPr>
+          <p:nvPr>
+            <p:ph type="title"/>
+          </p:nvPr>
+        </p:nvSpPr>
+        <p:spPr/>
+        <p:txBody>
+          <a:bodyPr/>
+          <a:lstStyle/>
+          <a:p>
+            <a:r>
+              <a:rPr lang="ja-JP" altLang="en-US" dirty="0"/>
+              <a:t>開発したアプリケーションの特徴</a:t>
+            </a:r>
+            <a:endParaRPr kumimoji="1" lang="ja-JP" altLang="en-US" dirty="0"/>
+          </a:p>
+        </p:txBody>
+      </p:sp>
+      <p:sp>
+        <p:nvSpPr>
+          <p:cNvPr id="3" name="コンテンツ プレースホルダー 2"/>
+          <p:cNvSpPr>
+            <a:spLocks noGrp="1"/>
+          </p:cNvSpPr>
+          <p:nvPr>
+            <p:ph idx="1"/>
+          </p:nvPr>
+        </p:nvSpPr>
+        <p:spPr>
+          <a:xfrm>
+            <a:off x="628650" y="1433940"/>
+            <a:ext cx="7270750" cy="4652963"/>
+          </a:xfrm>
+        </p:spPr>
+        <p:txBody>
+          <a:bodyPr/>
+          <a:lstStyle/>
+          <a:p>
+            <a:r>
+              <a:rPr kumimoji="1" lang="ja-JP" altLang="en-US" dirty="0" smtClean="0"/>
+              <a:t>モダンな</a:t>
+            </a:r>
+            <a:r>
+              <a:rPr kumimoji="1" lang="en-US" altLang="ja-JP" dirty="0" smtClean="0"/>
+              <a:t>web</a:t>
+            </a:r>
+            <a:r>
+              <a:rPr lang="ja-JP" altLang="en-US" dirty="0"/>
+              <a:t>デザイン</a:t>
+            </a:r>
+            <a:r>
+              <a:rPr lang="ja-JP" altLang="en-US" dirty="0" smtClean="0"/>
+              <a:t>を採用した</a:t>
+            </a:r>
+            <a:endParaRPr kumimoji="1" lang="ja-JP" altLang="en-US" dirty="0"/>
+          </a:p>
+        </p:txBody>
+      </p:sp>
+      <p:sp>
+        <p:nvSpPr>
+          <p:cNvPr id="4" name="スライド番号プレースホルダー 3"/>
+          <p:cNvSpPr>
+            <a:spLocks noGrp="1"/>
+          </p:cNvSpPr>
+          <p:nvPr>
+            <p:ph type="sldNum" sz="quarter" idx="12"/>
+          </p:nvPr>
+        </p:nvSpPr>
+        <p:spPr/>
+        <p:txBody>
+          <a:bodyPr/>
+          <a:lstStyle/>
+          <a:p>
+            <a:fld id="{67F4F476-6E52-48A4-9511-77073BEB0098}" type="slidenum">
+              <a:rPr lang="ja-JP" altLang="en-US" smtClean="0"/>
+              <a:pPr/>
+              <a:t>5</a:t>
+            </a:fld>
+            <a:endParaRPr lang="ja-JP" altLang="en-US" dirty="0"/>
+          </a:p>
+        </p:txBody>
+      </p:sp>
+      <p:pic>
+        <p:nvPicPr>
+          <p:cNvPr id="5" name="図 4"/>
+          <p:cNvPicPr>
+            <a:picLocks noChangeAspect="1"/>
+          </p:cNvPicPr>
+          <p:nvPr/>
+        </p:nvPicPr>
+        <p:blipFill>
+          <a:blip r:embed="rId2">
+            <a:extLst>
+              <a:ext uri="{28A0092B-C50C-407E-A947-70E740481C1C}">
+                <a14:useLocalDpi xmlns:a14="http://schemas.microsoft.com/office/drawing/2010/main" val="0"/>
+              </a:ext>
+            </a:extLst>
+          </a:blip>
+          <a:stretch>
+            <a:fillRect/>
+          </a:stretch>
+        </p:blipFill>
+        <p:spPr>
+          <a:xfrm>
+            <a:off x="1401646" y="3182766"/>
+            <a:ext cx="1667108" cy="2448267"/>
+          </a:xfrm>
+          <a:prstGeom prst="rect">
+            <a:avLst/>
+          </a:prstGeom>
+        </p:spPr>
+      </p:pic>
+    </p:spTree>
+    <p:extLst>
+      <p:ext uri="{BB962C8B-B14F-4D97-AF65-F5344CB8AC3E}">
+        <p14:creationId xmlns:p14="http://schemas.microsoft.com/office/powerpoint/2010/main" val="3960508658"/>
+      </p:ext>
+    </p:extLst>
+  </p:cSld>
+  <p:clrMapOvr>
+    <a:masterClrMapping/>
+  </p:clrMapOvr>
+  <p:timing>
+    <p:tnLst>
+      <p:par>
+        <p:cTn id="1" dur="indefinite" restart="never" nodeType="tmRoot"/>
+      </p:par>
+    </p:tnLst>
+  </p:timing>
+</p:sld>
+</file>
+
+<file path=ppt/slides/slide7.xml><?xml version="1.0" encoding="utf-8"?>
+<p:sld xmlns:a="http://schemas.openxmlformats.org/drawingml/2006/main" xmlns:r="http://schemas.openxmlformats.org/officeDocument/2006/relationships" xmlns:p="http://schemas.openxmlformats.org/presentationml/2006/main">
+  <p:cSld>
+    <p:spTree>
+      <p:nvGrpSpPr>
+        <p:cNvPr id="1" name=""/>
+        <p:cNvGrpSpPr/>
+        <p:nvPr/>
+      </p:nvGrpSpPr>
+      <p:grpSpPr>
+        <a:xfrm>
+          <a:off x="0" y="0"/>
+          <a:ext cx="0" cy="0"/>
+          <a:chOff x="0" y="0"/>
+          <a:chExt cx="0" cy="0"/>
+        </a:xfrm>
+      </p:grpSpPr>
+      <p:sp>
+        <p:nvSpPr>
+          <p:cNvPr id="2" name="タイトル 1"/>
+          <p:cNvSpPr>
+            <a:spLocks noGrp="1"/>
+          </p:cNvSpPr>
+          <p:nvPr>
+            <p:ph type="title"/>
+          </p:nvPr>
+        </p:nvSpPr>
+        <p:spPr/>
+        <p:txBody>
+          <a:bodyPr/>
+          <a:lstStyle/>
+          <a:p>
+            <a:r>
               <a:rPr kumimoji="1" lang="ja-JP" altLang="en-US" dirty="0"/>
               <a:t>作成した授業評価アンケート</a:t>
             </a:r>
@@ -8738,7 +9925,7 @@
         </p:blipFill>
         <p:spPr>
           <a:xfrm>
-            <a:off x="628650" y="-27038"/>
+            <a:off x="471039" y="0"/>
             <a:ext cx="8044311" cy="6885038"/>
           </a:xfrm>
           <a:prstGeom prst="rect">
@@ -8760,6 +9947,34 @@
           </a:sp3d>
         </p:spPr>
       </p:pic>
+      <p:sp>
+        <p:nvSpPr>
+          <p:cNvPr id="4" name="スライド番号プレースホルダー 3"/>
+          <p:cNvSpPr>
+            <a:spLocks noGrp="1"/>
+          </p:cNvSpPr>
+          <p:nvPr>
+            <p:ph type="sldNum" sz="quarter" idx="12"/>
+          </p:nvPr>
+        </p:nvSpPr>
+        <p:spPr>
+          <a:xfrm>
+            <a:off x="6926873" y="6425436"/>
+            <a:ext cx="2057400" cy="365125"/>
+          </a:xfrm>
+        </p:spPr>
+        <p:txBody>
+          <a:bodyPr/>
+          <a:lstStyle/>
+          <a:p>
+            <a:fld id="{67F4F476-6E52-48A4-9511-77073BEB0098}" type="slidenum">
+              <a:rPr kumimoji="1" lang="ja-JP" altLang="en-US" smtClean="0"/>
+              <a:t>6</a:t>
+            </a:fld>
+            <a:endParaRPr kumimoji="1" lang="ja-JP" altLang="en-US" dirty="0"/>
+          </a:p>
+        </p:txBody>
+      </p:sp>
     </p:spTree>
     <p:extLst>
       <p:ext uri="{BB962C8B-B14F-4D97-AF65-F5344CB8AC3E}">
@@ -8776,7 +9991,62 @@
         <p:cTn id="1" dur="indefinite" restart="never" nodeType="tmRoot">
           <p:childTnLst>
             <p:seq concurrent="1" nextAc="seek">
-              <p:cTn id="2" restart="whenNotActive" fill="hold" evtFilter="cancelBubble" nodeType="interactiveSeq">
+              <p:cTn id="2" dur="indefinite" nodeType="mainSeq">
+                <p:childTnLst>
+                  <p:par>
+                    <p:cTn id="3" fill="hold">
+                      <p:stCondLst>
+                        <p:cond delay="indefinite"/>
+                      </p:stCondLst>
+                      <p:childTnLst>
+                        <p:par>
+                          <p:cTn id="4" fill="hold">
+                            <p:stCondLst>
+                              <p:cond delay="0"/>
+                            </p:stCondLst>
+                            <p:childTnLst>
+                              <p:par>
+                                <p:cTn id="5" presetID="1" presetClass="mediacall" presetSubtype="0" fill="hold" nodeType="clickEffect">
+                                  <p:stCondLst>
+                                    <p:cond delay="0"/>
+                                  </p:stCondLst>
+                                  <p:childTnLst>
+                                    <p:cmd type="call" cmd="playFrom(0.0)">
+                                      <p:cBhvr>
+                                        <p:cTn id="6" dur="57088" fill="hold"/>
+                                        <p:tgtEl>
+                                          <p:spTgt spid="7"/>
+                                        </p:tgtEl>
+                                      </p:cBhvr>
+                                    </p:cmd>
+                                  </p:childTnLst>
+                                </p:cTn>
+                              </p:par>
+                            </p:childTnLst>
+                          </p:cTn>
+                        </p:par>
+                      </p:childTnLst>
+                    </p:cTn>
+                  </p:par>
+                </p:childTnLst>
+              </p:cTn>
+              <p:prevCondLst>
+                <p:cond evt="onPrev" delay="0">
+                  <p:tgtEl>
+                    <p:sldTgt/>
+                  </p:tgtEl>
+                </p:cond>
+              </p:prevCondLst>
+              <p:nextCondLst>
+                <p:cond evt="onNext" delay="0">
+                  <p:tgtEl>
+                    <p:sldTgt/>
+                  </p:tgtEl>
+                </p:cond>
+              </p:nextCondLst>
+            </p:seq>
+            <p:seq concurrent="1" nextAc="seek">
+              <p:cTn id="7" restart="whenNotActive" fill="hold" evtFilter="cancelBubble" nodeType="interactiveSeq">
                 <p:stCondLst>
                   <p:cond evt="onClick" delay="0">
                     <p:tgtEl>
@@ -8789,26 +10059,26 @@
                 </p:endSync>
                 <p:childTnLst>
                   <p:par>
-                    <p:cTn id="3" fill="hold">
+                    <p:cTn id="8" fill="hold">
                       <p:stCondLst>
                         <p:cond delay="0"/>
                       </p:stCondLst>
                       <p:childTnLst>
                         <p:par>
-                          <p:cTn id="4" fill="hold">
+                          <p:cTn id="9" fill="hold">
                             <p:stCondLst>
                               <p:cond delay="0"/>
                             </p:stCondLst>
                             <p:childTnLst>
                               <p:par>
-                                <p:cTn id="5" presetID="2" presetClass="mediacall" presetSubtype="0" fill="hold" nodeType="clickEffect">
+                                <p:cTn id="10" presetID="2" presetClass="mediacall" presetSubtype="0" fill="hold" nodeType="clickEffect">
                                   <p:stCondLst>
                                     <p:cond delay="0"/>
                                   </p:stCondLst>
                                   <p:childTnLst>
                                     <p:cmd type="call" cmd="togglePause">
                                       <p:cBhvr>
-                                        <p:cTn id="6" dur="1" fill="hold"/>
+                                        <p:cTn id="11" dur="1" fill="hold"/>
                                         <p:tgtEl>
                                           <p:spTgt spid="7"/>
                                         </p:tgtEl>
@@ -8834,8 +10104,8 @@
               </p:nextCondLst>
             </p:seq>
             <p:video>
-              <p:cMediaNode vol="80000">
-                <p:cTn id="7" fill="hold" display="0">
+              <p:cMediaNode vol="80000" mute="1">
+                <p:cTn id="12" fill="hold" display="0">
                   <p:stCondLst>
                     <p:cond delay="indefinite"/>
                   </p:stCondLst>
@@ -8853,7 +10123,7 @@
 </p:sld>
 </file>
 
-<file path=ppt/slides/slide6.xml><?xml version="1.0" encoding="utf-8"?>
+<file path=ppt/slides/slide8.xml><?xml version="1.0" encoding="utf-8"?>
 <p:sld xmlns:a="http://schemas.openxmlformats.org/drawingml/2006/main" xmlns:r="http://schemas.openxmlformats.org/officeDocument/2006/relationships" xmlns:p="http://schemas.openxmlformats.org/presentationml/2006/main">
   <p:cSld>
     <p:spTree>
@@ -8886,9 +10156,10 @@
           <a:lstStyle/>
           <a:p>
             <a:r>
-              <a:rPr kumimoji="1" lang="ja-JP" altLang="en-US" dirty="0"/>
-              <a:t>結果</a:t>
-            </a:r>
+              <a:rPr kumimoji="1" lang="ja-JP" altLang="en-US" dirty="0" smtClean="0"/>
+              <a:t>３．結果</a:t>
+            </a:r>
+            <a:endParaRPr kumimoji="1" lang="ja-JP" altLang="en-US" dirty="0"/>
           </a:p>
         </p:txBody>
       </p:sp>
@@ -8984,6 +10255,29 @@
               <a:buNone/>
             </a:pPr>
             <a:endParaRPr lang="en-US" altLang="ja-JP" dirty="0"/>
+          </a:p>
+        </p:txBody>
+      </p:sp>
+      <p:sp>
+        <p:nvSpPr>
+          <p:cNvPr id="4" name="スライド番号プレースホルダー 3"/>
+          <p:cNvSpPr>
+            <a:spLocks noGrp="1"/>
+          </p:cNvSpPr>
+          <p:nvPr>
+            <p:ph type="sldNum" sz="quarter" idx="12"/>
+          </p:nvPr>
+        </p:nvSpPr>
+        <p:spPr/>
+        <p:txBody>
+          <a:bodyPr/>
+          <a:lstStyle/>
+          <a:p>
+            <a:fld id="{67F4F476-6E52-48A4-9511-77073BEB0098}" type="slidenum">
+              <a:rPr kumimoji="1" lang="ja-JP" altLang="en-US" smtClean="0"/>
+              <a:t>7</a:t>
+            </a:fld>
+            <a:endParaRPr kumimoji="1" lang="ja-JP" altLang="en-US" dirty="0"/>
           </a:p>
         </p:txBody>
       </p:sp>
@@ -8997,10 +10291,17 @@
   <p:clrMapOvr>
     <a:masterClrMapping/>
   </p:clrMapOvr>
+  <p:timing>
+    <p:tnLst>
+      <p:par>
+        <p:cTn id="1" dur="indefinite" restart="never" nodeType="tmRoot"/>
+      </p:par>
+    </p:tnLst>
+  </p:timing>
 </p:sld>
 </file>
 
-<file path=ppt/slides/slide7.xml><?xml version="1.0" encoding="utf-8"?>
+<file path=ppt/slides/slide9.xml><?xml version="1.0" encoding="utf-8"?>
 <p:sld xmlns:a="http://schemas.openxmlformats.org/drawingml/2006/main" xmlns:r="http://schemas.openxmlformats.org/officeDocument/2006/relationships" xmlns:p="http://schemas.openxmlformats.org/presentationml/2006/main">
   <p:cSld>
     <p:spTree>
@@ -9034,7 +10335,11 @@
           <a:p>
             <a:r>
               <a:rPr kumimoji="1" lang="ja-JP" altLang="en-US" dirty="0" smtClean="0"/>
-              <a:t>今後の展望</a:t>
+              <a:t>４．今後</a:t>
+            </a:r>
+            <a:r>
+              <a:rPr kumimoji="1" lang="ja-JP" altLang="en-US" dirty="0" smtClean="0"/>
+              <a:t>の展望</a:t>
             </a:r>
             <a:endParaRPr kumimoji="1" lang="ja-JP" altLang="en-US" dirty="0"/>
           </a:p>
@@ -9057,13 +10362,31 @@
           </a:bodyPr>
           <a:lstStyle/>
           <a:p>
-            <a:r>
-              <a:rPr lang="ja-JP" altLang="en-US" dirty="0"/>
-              <a:t>結果</a:t>
-            </a:r>
+            <a:pPr>
+              <a:lnSpc>
+                <a:spcPct val="100000"/>
+              </a:lnSpc>
+            </a:pPr>
             <a:r>
               <a:rPr lang="ja-JP" altLang="en-US" dirty="0" smtClean="0"/>
-              <a:t>の自動集計配信機能の実装</a:t>
+              <a:t>アンケート結果</a:t>
+            </a:r>
+            <a:r>
+              <a:rPr lang="ja-JP" altLang="en-US" dirty="0" smtClean="0"/>
+              <a:t>を自動で集計、配信</a:t>
+            </a:r>
+            <a:endParaRPr lang="en-US" altLang="ja-JP" dirty="0" smtClean="0"/>
+          </a:p>
+          <a:p>
+            <a:pPr marL="0" indent="0">
+              <a:lnSpc>
+                <a:spcPct val="100000"/>
+              </a:lnSpc>
+              <a:buNone/>
+            </a:pPr>
+            <a:r>
+              <a:rPr lang="ja-JP" altLang="en-US" dirty="0" smtClean="0"/>
+              <a:t>　する機能を組み込む</a:t>
             </a:r>
             <a:endParaRPr lang="en-US" altLang="ja-JP" dirty="0" smtClean="0"/>
           </a:p>
@@ -9077,7 +10400,7 @@
         </p:nvSpPr>
         <p:spPr>
           <a:xfrm>
-            <a:off x="534867" y="3282461"/>
+            <a:off x="484067" y="3504100"/>
             <a:ext cx="7886700" cy="2672862"/>
           </a:xfrm>
           <a:prstGeom prst="ellipse">
@@ -9121,6 +10444,29 @@
           </a:p>
         </p:txBody>
       </p:sp>
+      <p:sp>
+        <p:nvSpPr>
+          <p:cNvPr id="5" name="スライド番号プレースホルダー 4"/>
+          <p:cNvSpPr>
+            <a:spLocks noGrp="1"/>
+          </p:cNvSpPr>
+          <p:nvPr>
+            <p:ph type="sldNum" sz="quarter" idx="12"/>
+          </p:nvPr>
+        </p:nvSpPr>
+        <p:spPr/>
+        <p:txBody>
+          <a:bodyPr/>
+          <a:lstStyle/>
+          <a:p>
+            <a:fld id="{67F4F476-6E52-48A4-9511-77073BEB0098}" type="slidenum">
+              <a:rPr kumimoji="1" lang="ja-JP" altLang="en-US" smtClean="0"/>
+              <a:t>8</a:t>
+            </a:fld>
+            <a:endParaRPr kumimoji="1" lang="ja-JP" altLang="en-US" dirty="0"/>
+          </a:p>
+        </p:txBody>
+      </p:sp>
     </p:spTree>
     <p:extLst>
       <p:ext uri="{BB962C8B-B14F-4D97-AF65-F5344CB8AC3E}">
@@ -9131,196 +10477,13 @@
   <p:clrMapOvr>
     <a:masterClrMapping/>
   </p:clrMapOvr>
-</p:sld>
-</file>
-
-<file path=ppt/slides/slide8.xml><?xml version="1.0" encoding="utf-8"?>
-<p:sld xmlns:a="http://schemas.openxmlformats.org/drawingml/2006/main" xmlns:r="http://schemas.openxmlformats.org/officeDocument/2006/relationships" xmlns:p="http://schemas.openxmlformats.org/presentationml/2006/main">
-  <p:cSld>
-    <p:spTree>
-      <p:nvGrpSpPr>
-        <p:cNvPr id="1" name=""/>
-        <p:cNvGrpSpPr/>
-        <p:nvPr/>
-      </p:nvGrpSpPr>
-      <p:grpSpPr>
-        <a:xfrm>
-          <a:off x="0" y="0"/>
-          <a:ext cx="0" cy="0"/>
-          <a:chOff x="0" y="0"/>
-          <a:chExt cx="0" cy="0"/>
-        </a:xfrm>
-      </p:grpSpPr>
-      <p:sp>
-        <p:nvSpPr>
-          <p:cNvPr id="2" name="タイトル 1"/>
-          <p:cNvSpPr>
-            <a:spLocks noGrp="1"/>
-          </p:cNvSpPr>
-          <p:nvPr>
-            <p:ph type="title"/>
-          </p:nvPr>
-        </p:nvSpPr>
-        <p:spPr/>
-        <p:txBody>
-          <a:bodyPr/>
-          <a:lstStyle/>
-          <a:p>
-            <a:r>
-              <a:rPr kumimoji="1" lang="ja-JP" altLang="en-US" dirty="0"/>
-              <a:t>まとめ</a:t>
-            </a:r>
-          </a:p>
-        </p:txBody>
-      </p:sp>
-      <p:sp>
-        <p:nvSpPr>
-          <p:cNvPr id="3" name="コンテンツ プレースホルダー 2"/>
-          <p:cNvSpPr>
-            <a:spLocks noGrp="1"/>
-          </p:cNvSpPr>
-          <p:nvPr>
-            <p:ph idx="1"/>
-          </p:nvPr>
-        </p:nvSpPr>
-        <p:spPr/>
-        <p:txBody>
-          <a:bodyPr>
-            <a:normAutofit fontScale="77500" lnSpcReduction="20000"/>
-          </a:bodyPr>
-          <a:lstStyle/>
-          <a:p>
-            <a:r>
-              <a:rPr kumimoji="1" lang="en-US" altLang="ja-JP" dirty="0"/>
-              <a:t>Web</a:t>
-            </a:r>
-            <a:r>
-              <a:rPr lang="ja-JP" altLang="en-US" dirty="0"/>
-              <a:t>プログラミングで授業評価アンケートを作成した</a:t>
-            </a:r>
-            <a:endParaRPr lang="en-US" altLang="ja-JP" dirty="0"/>
-          </a:p>
-          <a:p>
-            <a:endParaRPr kumimoji="1" lang="en-US" altLang="ja-JP" dirty="0"/>
-          </a:p>
-          <a:p>
-            <a:r>
-              <a:rPr lang="ja-JP" altLang="en-US" dirty="0"/>
-              <a:t>経済性の改善、教員の労力削減、ユーザ体験の向上が実現した</a:t>
-            </a:r>
-            <a:endParaRPr lang="en-US" altLang="ja-JP" dirty="0"/>
-          </a:p>
-          <a:p>
-            <a:endParaRPr kumimoji="1" lang="en-US" altLang="ja-JP" dirty="0"/>
-          </a:p>
-          <a:p>
-            <a:r>
-              <a:rPr lang="ja-JP" altLang="en-US" dirty="0"/>
-              <a:t>新機能を実装することで高専の授業のさらなる品質向上に貢献できる。</a:t>
-            </a:r>
-            <a:endParaRPr kumimoji="1" lang="ja-JP" altLang="en-US" dirty="0"/>
-          </a:p>
-        </p:txBody>
-      </p:sp>
-    </p:spTree>
-    <p:extLst>
-      <p:ext uri="{BB962C8B-B14F-4D97-AF65-F5344CB8AC3E}">
-        <p14:creationId xmlns:p14="http://schemas.microsoft.com/office/powerpoint/2010/main" val="1114868748"/>
-      </p:ext>
-    </p:extLst>
-  </p:cSld>
-  <p:clrMapOvr>
-    <a:masterClrMapping/>
-  </p:clrMapOvr>
-</p:sld>
-</file>
-
-<file path=ppt/slides/slide9.xml><?xml version="1.0" encoding="utf-8"?>
-<p:sld xmlns:a="http://schemas.openxmlformats.org/drawingml/2006/main" xmlns:r="http://schemas.openxmlformats.org/officeDocument/2006/relationships" xmlns:p="http://schemas.openxmlformats.org/presentationml/2006/main">
-  <p:cSld>
-    <p:spTree>
-      <p:nvGrpSpPr>
-        <p:cNvPr id="1" name=""/>
-        <p:cNvGrpSpPr/>
-        <p:nvPr/>
-      </p:nvGrpSpPr>
-      <p:grpSpPr>
-        <a:xfrm>
-          <a:off x="0" y="0"/>
-          <a:ext cx="0" cy="0"/>
-          <a:chOff x="0" y="0"/>
-          <a:chExt cx="0" cy="0"/>
-        </a:xfrm>
-      </p:grpSpPr>
-      <p:sp>
-        <p:nvSpPr>
-          <p:cNvPr id="2" name="タイトル 1"/>
-          <p:cNvSpPr>
-            <a:spLocks noGrp="1"/>
-          </p:cNvSpPr>
-          <p:nvPr>
-            <p:ph type="title"/>
-          </p:nvPr>
-        </p:nvSpPr>
-        <p:spPr/>
-        <p:txBody>
-          <a:bodyPr/>
-          <a:lstStyle/>
-          <a:p>
-            <a:endParaRPr kumimoji="1" lang="ja-JP" altLang="en-US"/>
-          </a:p>
-        </p:txBody>
-      </p:sp>
-      <p:sp>
-        <p:nvSpPr>
-          <p:cNvPr id="3" name="コンテンツ プレースホルダー 2"/>
-          <p:cNvSpPr>
-            <a:spLocks noGrp="1"/>
-          </p:cNvSpPr>
-          <p:nvPr>
-            <p:ph idx="1"/>
-          </p:nvPr>
-        </p:nvSpPr>
-        <p:spPr/>
-        <p:txBody>
-          <a:bodyPr/>
-          <a:lstStyle/>
-          <a:p>
-            <a:pPr marL="0" indent="0" algn="ctr">
-              <a:buNone/>
-            </a:pPr>
-            <a:endParaRPr lang="en-US" altLang="ja-JP" dirty="0" smtClean="0"/>
-          </a:p>
-          <a:p>
-            <a:pPr marL="0" indent="0" algn="ctr">
-              <a:buNone/>
-            </a:pPr>
-            <a:r>
-              <a:rPr lang="ja-JP" altLang="en-US" dirty="0" smtClean="0"/>
-              <a:t>ご清聴</a:t>
-            </a:r>
-            <a:r>
-              <a:rPr lang="ja-JP" altLang="en-US" dirty="0" smtClean="0"/>
-              <a:t>ありがとうございまし</a:t>
-            </a:r>
-            <a:r>
-              <a:rPr lang="ja-JP" altLang="en-US" dirty="0"/>
-              <a:t>た</a:t>
-            </a:r>
-            <a:endParaRPr kumimoji="1" lang="ja-JP" altLang="en-US" dirty="0"/>
-          </a:p>
-        </p:txBody>
-      </p:sp>
-    </p:spTree>
-    <p:extLst>
-      <p:ext uri="{BB962C8B-B14F-4D97-AF65-F5344CB8AC3E}">
-        <p14:creationId xmlns:p14="http://schemas.microsoft.com/office/powerpoint/2010/main" val="2117521921"/>
-      </p:ext>
-    </p:extLst>
-  </p:cSld>
-  <p:clrMapOvr>
-    <a:masterClrMapping/>
-  </p:clrMapOvr>
+  <p:timing>
+    <p:tnLst>
+      <p:par>
+        <p:cTn id="1" dur="indefinite" restart="never" nodeType="tmRoot"/>
+      </p:par>
+    </p:tnLst>
+  </p:timing>
 </p:sld>
 </file>
 

--- a/卒業研究発表スライド.pptx
+++ b/卒業研究発表スライド.pptx
@@ -5,7 +5,7 @@
     <p:sldMasterId id="2147483660" r:id="rId1"/>
   </p:sldMasterIdLst>
   <p:notesMasterIdLst>
-    <p:notesMasterId r:id="rId21"/>
+    <p:notesMasterId r:id="rId15"/>
   </p:notesMasterIdLst>
   <p:sldIdLst>
     <p:sldId id="256" r:id="rId2"/>
@@ -13,20 +13,14 @@
     <p:sldId id="261" r:id="rId4"/>
     <p:sldId id="262" r:id="rId5"/>
     <p:sldId id="275" r:id="rId6"/>
-    <p:sldId id="276" r:id="rId7"/>
+    <p:sldId id="277" r:id="rId7"/>
     <p:sldId id="263" r:id="rId8"/>
-    <p:sldId id="264" r:id="rId9"/>
-    <p:sldId id="274" r:id="rId10"/>
-    <p:sldId id="271" r:id="rId11"/>
-    <p:sldId id="268" r:id="rId12"/>
-    <p:sldId id="267" r:id="rId13"/>
-    <p:sldId id="269" r:id="rId14"/>
-    <p:sldId id="272" r:id="rId15"/>
-    <p:sldId id="265" r:id="rId16"/>
-    <p:sldId id="266" r:id="rId17"/>
-    <p:sldId id="257" r:id="rId18"/>
-    <p:sldId id="258" r:id="rId19"/>
-    <p:sldId id="259" r:id="rId20"/>
+    <p:sldId id="278" r:id="rId9"/>
+    <p:sldId id="264" r:id="rId10"/>
+    <p:sldId id="274" r:id="rId11"/>
+    <p:sldId id="271" r:id="rId12"/>
+    <p:sldId id="268" r:id="rId13"/>
+    <p:sldId id="279" r:id="rId14"/>
   </p:sldIdLst>
   <p:sldSz cx="9144000" cy="6858000" type="screen4x3"/>
   <p:notesSz cx="6858000" cy="9144000"/>
@@ -886,8 +880,26 @@
 <file path=ppt/diagrams/data1.xml><?xml version="1.0" encoding="utf-8"?>
 <dgm:dataModel xmlns:dgm="http://schemas.openxmlformats.org/drawingml/2006/diagram" xmlns:a="http://schemas.openxmlformats.org/drawingml/2006/main">
   <dgm:ptLst>
-    <dgm:pt modelId="{4F50AEF4-0D2F-4E0B-B47A-FA9A319BFBDA}" type="doc">
-      <dgm:prSet loTypeId="urn:microsoft.com/office/officeart/2005/8/layout/cycle5" loCatId="cycle" qsTypeId="urn:microsoft.com/office/officeart/2005/8/quickstyle/simple1" qsCatId="simple" csTypeId="urn:microsoft.com/office/officeart/2005/8/colors/accent1_2" csCatId="accent1" phldr="1"/>
+    <dgm:pt modelId="{A784040E-3F17-4634-8615-BA2FDC142DB7}" type="doc">
+      <dgm:prSet loTypeId="urn:microsoft.com/office/officeart/2005/8/layout/process1" loCatId="process" qsTypeId="urn:microsoft.com/office/officeart/2005/8/quickstyle/simple1" qsCatId="simple" csTypeId="urn:microsoft.com/office/officeart/2005/8/colors/accent1_2" csCatId="accent1" phldr="1"/>
+      <dgm:spPr/>
+    </dgm:pt>
+    <dgm:pt modelId="{33EBB8B4-A900-4D0E-9558-D5A3518BA883}">
+      <dgm:prSet phldrT="[テキスト]"/>
+      <dgm:spPr/>
+      <dgm:t>
+        <a:bodyPr/>
+        <a:lstStyle/>
+        <a:p>
+          <a:r>
+            <a:rPr kumimoji="1" lang="ja-JP" altLang="en-US" dirty="0"/>
+            <a:t>学年学科入力</a:t>
+          </a:r>
+        </a:p>
+      </dgm:t>
+    </dgm:pt>
+    <dgm:pt modelId="{E45C4565-1FDF-4D14-B80B-A78BE9FA4F75}" type="parTrans" cxnId="{EE5FA5BD-BAB5-4078-8303-F4E0007251E4}">
+      <dgm:prSet/>
       <dgm:spPr/>
       <dgm:t>
         <a:bodyPr/>
@@ -897,13 +909,8 @@
         </a:p>
       </dgm:t>
     </dgm:pt>
-    <dgm:pt modelId="{EAD49FEB-CA8C-4306-8711-F3E9D6FC6699}" type="pres">
-      <dgm:prSet presAssocID="{4F50AEF4-0D2F-4E0B-B47A-FA9A319BFBDA}" presName="cycle" presStyleCnt="0">
-        <dgm:presLayoutVars>
-          <dgm:dir/>
-          <dgm:resizeHandles val="exact"/>
-        </dgm:presLayoutVars>
-      </dgm:prSet>
+    <dgm:pt modelId="{90F37A3C-D082-4F1E-B936-2A8525787A7B}" type="sibTrans" cxnId="{EE5FA5BD-BAB5-4078-8303-F4E0007251E4}">
+      <dgm:prSet/>
       <dgm:spPr/>
       <dgm:t>
         <a:bodyPr/>
@@ -913,15 +920,153 @@
         </a:p>
       </dgm:t>
     </dgm:pt>
+    <dgm:pt modelId="{92B2F23E-FFD1-4A02-9307-108425DB1659}">
+      <dgm:prSet phldrT="[テキスト]"/>
+      <dgm:spPr/>
+      <dgm:t>
+        <a:bodyPr/>
+        <a:lstStyle/>
+        <a:p>
+          <a:r>
+            <a:rPr kumimoji="1" lang="ja-JP" altLang="en-US" dirty="0"/>
+            <a:t>授業評価</a:t>
+          </a:r>
+        </a:p>
+      </dgm:t>
+    </dgm:pt>
+    <dgm:pt modelId="{B93660CF-0FA5-41ED-BDA2-982BA67A2135}" type="parTrans" cxnId="{5407ED31-572F-4DFF-BF0F-6A66DB7D1682}">
+      <dgm:prSet/>
+      <dgm:spPr/>
+      <dgm:t>
+        <a:bodyPr/>
+        <a:lstStyle/>
+        <a:p>
+          <a:endParaRPr kumimoji="1" lang="ja-JP" altLang="en-US"/>
+        </a:p>
+      </dgm:t>
+    </dgm:pt>
+    <dgm:pt modelId="{E47875B7-DEC2-41FD-B5B2-F34E857DAB3A}" type="sibTrans" cxnId="{5407ED31-572F-4DFF-BF0F-6A66DB7D1682}">
+      <dgm:prSet/>
+      <dgm:spPr/>
+      <dgm:t>
+        <a:bodyPr/>
+        <a:lstStyle/>
+        <a:p>
+          <a:endParaRPr kumimoji="1" lang="ja-JP" altLang="en-US"/>
+        </a:p>
+      </dgm:t>
+    </dgm:pt>
+    <dgm:pt modelId="{259B65A5-F492-4DCB-89B0-742CDEEAD1CD}">
+      <dgm:prSet phldrT="[テキスト]"/>
+      <dgm:spPr/>
+      <dgm:t>
+        <a:bodyPr/>
+        <a:lstStyle/>
+        <a:p>
+          <a:r>
+            <a:rPr kumimoji="1" lang="ja-JP" altLang="en-US" dirty="0"/>
+            <a:t>データを送信</a:t>
+          </a:r>
+        </a:p>
+      </dgm:t>
+    </dgm:pt>
+    <dgm:pt modelId="{97AF777D-7076-45FC-AD4D-027AD67C3449}" type="parTrans" cxnId="{FA7D8B75-42D1-470D-95F9-A6315E3652B2}">
+      <dgm:prSet/>
+      <dgm:spPr/>
+      <dgm:t>
+        <a:bodyPr/>
+        <a:lstStyle/>
+        <a:p>
+          <a:endParaRPr kumimoji="1" lang="ja-JP" altLang="en-US"/>
+        </a:p>
+      </dgm:t>
+    </dgm:pt>
+    <dgm:pt modelId="{ECDB3C2C-20DA-43CC-9E8C-C83BFDAE672B}" type="sibTrans" cxnId="{FA7D8B75-42D1-470D-95F9-A6315E3652B2}">
+      <dgm:prSet/>
+      <dgm:spPr/>
+      <dgm:t>
+        <a:bodyPr/>
+        <a:lstStyle/>
+        <a:p>
+          <a:endParaRPr kumimoji="1" lang="ja-JP" altLang="en-US"/>
+        </a:p>
+      </dgm:t>
+    </dgm:pt>
+    <dgm:pt modelId="{CCDEA871-6617-4428-8ADD-6F0AA4F6E019}" type="pres">
+      <dgm:prSet presAssocID="{A784040E-3F17-4634-8615-BA2FDC142DB7}" presName="Name0" presStyleCnt="0">
+        <dgm:presLayoutVars>
+          <dgm:dir/>
+          <dgm:resizeHandles val="exact"/>
+        </dgm:presLayoutVars>
+      </dgm:prSet>
+      <dgm:spPr/>
+    </dgm:pt>
+    <dgm:pt modelId="{1798ED6A-B2EB-484C-9EED-61D665074B8C}" type="pres">
+      <dgm:prSet presAssocID="{33EBB8B4-A900-4D0E-9558-D5A3518BA883}" presName="node" presStyleLbl="node1" presStyleIdx="0" presStyleCnt="3">
+        <dgm:presLayoutVars>
+          <dgm:bulletEnabled val="1"/>
+        </dgm:presLayoutVars>
+      </dgm:prSet>
+      <dgm:spPr/>
+    </dgm:pt>
+    <dgm:pt modelId="{EA003759-9FD2-4303-BABF-D58F61223638}" type="pres">
+      <dgm:prSet presAssocID="{90F37A3C-D082-4F1E-B936-2A8525787A7B}" presName="sibTrans" presStyleLbl="sibTrans2D1" presStyleIdx="0" presStyleCnt="2"/>
+      <dgm:spPr/>
+    </dgm:pt>
+    <dgm:pt modelId="{FE4DFE54-D05C-41F1-8FE1-25062FDCF22F}" type="pres">
+      <dgm:prSet presAssocID="{90F37A3C-D082-4F1E-B936-2A8525787A7B}" presName="connectorText" presStyleLbl="sibTrans2D1" presStyleIdx="0" presStyleCnt="2"/>
+      <dgm:spPr/>
+    </dgm:pt>
+    <dgm:pt modelId="{7595ECA1-294E-4114-9CEF-EA967E9231E3}" type="pres">
+      <dgm:prSet presAssocID="{92B2F23E-FFD1-4A02-9307-108425DB1659}" presName="node" presStyleLbl="node1" presStyleIdx="1" presStyleCnt="3">
+        <dgm:presLayoutVars>
+          <dgm:bulletEnabled val="1"/>
+        </dgm:presLayoutVars>
+      </dgm:prSet>
+      <dgm:spPr/>
+    </dgm:pt>
+    <dgm:pt modelId="{67A9D0A7-C80F-4BE1-82F5-32DAEFBDCAD7}" type="pres">
+      <dgm:prSet presAssocID="{E47875B7-DEC2-41FD-B5B2-F34E857DAB3A}" presName="sibTrans" presStyleLbl="sibTrans2D1" presStyleIdx="1" presStyleCnt="2"/>
+      <dgm:spPr/>
+    </dgm:pt>
+    <dgm:pt modelId="{AAE3ED82-04F2-4706-9E65-7CE4A51A4D62}" type="pres">
+      <dgm:prSet presAssocID="{E47875B7-DEC2-41FD-B5B2-F34E857DAB3A}" presName="connectorText" presStyleLbl="sibTrans2D1" presStyleIdx="1" presStyleCnt="2"/>
+      <dgm:spPr/>
+    </dgm:pt>
+    <dgm:pt modelId="{4A7A4208-B1DF-473F-900F-8F05FE5C987C}" type="pres">
+      <dgm:prSet presAssocID="{259B65A5-F492-4DCB-89B0-742CDEEAD1CD}" presName="node" presStyleLbl="node1" presStyleIdx="2" presStyleCnt="3">
+        <dgm:presLayoutVars>
+          <dgm:bulletEnabled val="1"/>
+        </dgm:presLayoutVars>
+      </dgm:prSet>
+      <dgm:spPr/>
+    </dgm:pt>
   </dgm:ptLst>
   <dgm:cxnLst>
-    <dgm:cxn modelId="{F0D11056-8743-4CF0-97ED-E1AB3B96678B}" type="presOf" srcId="{4F50AEF4-0D2F-4E0B-B47A-FA9A319BFBDA}" destId="{EAD49FEB-CA8C-4306-8711-F3E9D6FC6699}" srcOrd="0" destOrd="0" presId="urn:microsoft.com/office/officeart/2005/8/layout/cycle5"/>
+    <dgm:cxn modelId="{5407ED31-572F-4DFF-BF0F-6A66DB7D1682}" srcId="{A784040E-3F17-4634-8615-BA2FDC142DB7}" destId="{92B2F23E-FFD1-4A02-9307-108425DB1659}" srcOrd="1" destOrd="0" parTransId="{B93660CF-0FA5-41ED-BDA2-982BA67A2135}" sibTransId="{E47875B7-DEC2-41FD-B5B2-F34E857DAB3A}"/>
+    <dgm:cxn modelId="{22B4294B-AC42-460F-A6DD-7548987C7017}" type="presOf" srcId="{92B2F23E-FFD1-4A02-9307-108425DB1659}" destId="{7595ECA1-294E-4114-9CEF-EA967E9231E3}" srcOrd="0" destOrd="0" presId="urn:microsoft.com/office/officeart/2005/8/layout/process1"/>
+    <dgm:cxn modelId="{EE5FA5BD-BAB5-4078-8303-F4E0007251E4}" srcId="{A784040E-3F17-4634-8615-BA2FDC142DB7}" destId="{33EBB8B4-A900-4D0E-9558-D5A3518BA883}" srcOrd="0" destOrd="0" parTransId="{E45C4565-1FDF-4D14-B80B-A78BE9FA4F75}" sibTransId="{90F37A3C-D082-4F1E-B936-2A8525787A7B}"/>
+    <dgm:cxn modelId="{FA7D8B75-42D1-470D-95F9-A6315E3652B2}" srcId="{A784040E-3F17-4634-8615-BA2FDC142DB7}" destId="{259B65A5-F492-4DCB-89B0-742CDEEAD1CD}" srcOrd="2" destOrd="0" parTransId="{97AF777D-7076-45FC-AD4D-027AD67C3449}" sibTransId="{ECDB3C2C-20DA-43CC-9E8C-C83BFDAE672B}"/>
+    <dgm:cxn modelId="{F2F8069D-96FA-4912-AE5B-7B7162F21F59}" type="presOf" srcId="{90F37A3C-D082-4F1E-B936-2A8525787A7B}" destId="{FE4DFE54-D05C-41F1-8FE1-25062FDCF22F}" srcOrd="1" destOrd="0" presId="urn:microsoft.com/office/officeart/2005/8/layout/process1"/>
+    <dgm:cxn modelId="{8532A0D6-1A10-4E34-9131-D8BE14A7ACAA}" type="presOf" srcId="{33EBB8B4-A900-4D0E-9558-D5A3518BA883}" destId="{1798ED6A-B2EB-484C-9EED-61D665074B8C}" srcOrd="0" destOrd="0" presId="urn:microsoft.com/office/officeart/2005/8/layout/process1"/>
+    <dgm:cxn modelId="{665D08E3-1E77-492D-83F9-0845154C7BBD}" type="presOf" srcId="{E47875B7-DEC2-41FD-B5B2-F34E857DAB3A}" destId="{67A9D0A7-C80F-4BE1-82F5-32DAEFBDCAD7}" srcOrd="0" destOrd="0" presId="urn:microsoft.com/office/officeart/2005/8/layout/process1"/>
+    <dgm:cxn modelId="{373A2A16-556A-4468-9CC0-29E5E98AF9C3}" type="presOf" srcId="{E47875B7-DEC2-41FD-B5B2-F34E857DAB3A}" destId="{AAE3ED82-04F2-4706-9E65-7CE4A51A4D62}" srcOrd="1" destOrd="0" presId="urn:microsoft.com/office/officeart/2005/8/layout/process1"/>
+    <dgm:cxn modelId="{FDFCDE20-2070-4CCD-9FF7-90245B2672D2}" type="presOf" srcId="{90F37A3C-D082-4F1E-B936-2A8525787A7B}" destId="{EA003759-9FD2-4303-BABF-D58F61223638}" srcOrd="0" destOrd="0" presId="urn:microsoft.com/office/officeart/2005/8/layout/process1"/>
+    <dgm:cxn modelId="{D0CAFD3F-587C-4A9A-8083-A667E642770D}" type="presOf" srcId="{259B65A5-F492-4DCB-89B0-742CDEEAD1CD}" destId="{4A7A4208-B1DF-473F-900F-8F05FE5C987C}" srcOrd="0" destOrd="0" presId="urn:microsoft.com/office/officeart/2005/8/layout/process1"/>
+    <dgm:cxn modelId="{835FBA07-DC94-403F-B598-5E5EC1AE57C1}" type="presOf" srcId="{A784040E-3F17-4634-8615-BA2FDC142DB7}" destId="{CCDEA871-6617-4428-8ADD-6F0AA4F6E019}" srcOrd="0" destOrd="0" presId="urn:microsoft.com/office/officeart/2005/8/layout/process1"/>
+    <dgm:cxn modelId="{13AE309A-298F-4103-829F-BBD31A84E984}" type="presParOf" srcId="{CCDEA871-6617-4428-8ADD-6F0AA4F6E019}" destId="{1798ED6A-B2EB-484C-9EED-61D665074B8C}" srcOrd="0" destOrd="0" presId="urn:microsoft.com/office/officeart/2005/8/layout/process1"/>
+    <dgm:cxn modelId="{9FEF8F41-5F1D-40CA-AB5C-B9BB0F8D0D7D}" type="presParOf" srcId="{CCDEA871-6617-4428-8ADD-6F0AA4F6E019}" destId="{EA003759-9FD2-4303-BABF-D58F61223638}" srcOrd="1" destOrd="0" presId="urn:microsoft.com/office/officeart/2005/8/layout/process1"/>
+    <dgm:cxn modelId="{0DF9DA92-AA68-42E3-B9DA-7762BFF02103}" type="presParOf" srcId="{EA003759-9FD2-4303-BABF-D58F61223638}" destId="{FE4DFE54-D05C-41F1-8FE1-25062FDCF22F}" srcOrd="0" destOrd="0" presId="urn:microsoft.com/office/officeart/2005/8/layout/process1"/>
+    <dgm:cxn modelId="{4C280555-A14E-47BE-9C52-0A5F5D97382B}" type="presParOf" srcId="{CCDEA871-6617-4428-8ADD-6F0AA4F6E019}" destId="{7595ECA1-294E-4114-9CEF-EA967E9231E3}" srcOrd="2" destOrd="0" presId="urn:microsoft.com/office/officeart/2005/8/layout/process1"/>
+    <dgm:cxn modelId="{95431589-7E07-444D-B004-CEA0F94AFC70}" type="presParOf" srcId="{CCDEA871-6617-4428-8ADD-6F0AA4F6E019}" destId="{67A9D0A7-C80F-4BE1-82F5-32DAEFBDCAD7}" srcOrd="3" destOrd="0" presId="urn:microsoft.com/office/officeart/2005/8/layout/process1"/>
+    <dgm:cxn modelId="{3BA88DB6-582D-41F4-9B9E-4EB0E0CF274C}" type="presParOf" srcId="{67A9D0A7-C80F-4BE1-82F5-32DAEFBDCAD7}" destId="{AAE3ED82-04F2-4706-9E65-7CE4A51A4D62}" srcOrd="0" destOrd="0" presId="urn:microsoft.com/office/officeart/2005/8/layout/process1"/>
+    <dgm:cxn modelId="{36A68656-D89F-4F8E-A950-3992437F0B7E}" type="presParOf" srcId="{CCDEA871-6617-4428-8ADD-6F0AA4F6E019}" destId="{4A7A4208-B1DF-473F-900F-8F05FE5C987C}" srcOrd="4" destOrd="0" presId="urn:microsoft.com/office/officeart/2005/8/layout/process1"/>
   </dgm:cxnLst>
   <dgm:bg/>
   <dgm:whole/>
   <dgm:extLst>
     <a:ext uri="http://schemas.microsoft.com/office/drawing/2008/diagram">
-      <dsp:dataModelExt xmlns:dsp="http://schemas.microsoft.com/office/drawing/2008/diagram" relId="rId6" minVer="http://schemas.openxmlformats.org/drawingml/2006/diagram"/>
+      <dsp:dataModelExt xmlns:dsp="http://schemas.microsoft.com/office/drawing/2008/diagram" relId="rId7" minVer="http://schemas.openxmlformats.org/drawingml/2006/diagram"/>
     </a:ext>
   </dgm:extLst>
 </dgm:dataModel>
@@ -935,44 +1080,401 @@
       <dsp:cNvGrpSpPr/>
     </dsp:nvGrpSpPr>
     <dsp:grpSpPr/>
+    <dsp:sp modelId="{1798ED6A-B2EB-484C-9EED-61D665074B8C}">
+      <dsp:nvSpPr>
+        <dsp:cNvPr id="0" name=""/>
+        <dsp:cNvSpPr/>
+      </dsp:nvSpPr>
+      <dsp:spPr>
+        <a:xfrm>
+          <a:off x="7314" y="2006364"/>
+          <a:ext cx="2186246" cy="1311747"/>
+        </a:xfrm>
+        <a:prstGeom prst="roundRect">
+          <a:avLst>
+            <a:gd name="adj" fmla="val 10000"/>
+          </a:avLst>
+        </a:prstGeom>
+        <a:solidFill>
+          <a:schemeClr val="accent1">
+            <a:hueOff val="0"/>
+            <a:satOff val="0"/>
+            <a:lumOff val="0"/>
+            <a:alphaOff val="0"/>
+          </a:schemeClr>
+        </a:solidFill>
+        <a:ln w="12700" cap="flat" cmpd="sng" algn="ctr">
+          <a:solidFill>
+            <a:schemeClr val="lt1">
+              <a:hueOff val="0"/>
+              <a:satOff val="0"/>
+              <a:lumOff val="0"/>
+              <a:alphaOff val="0"/>
+            </a:schemeClr>
+          </a:solidFill>
+          <a:prstDash val="solid"/>
+          <a:miter lim="800000"/>
+        </a:ln>
+        <a:effectLst/>
+      </dsp:spPr>
+      <dsp:style>
+        <a:lnRef idx="2">
+          <a:scrgbClr r="0" g="0" b="0"/>
+        </a:lnRef>
+        <a:fillRef idx="1">
+          <a:scrgbClr r="0" g="0" b="0"/>
+        </a:fillRef>
+        <a:effectRef idx="0">
+          <a:scrgbClr r="0" g="0" b="0"/>
+        </a:effectRef>
+        <a:fontRef idx="minor">
+          <a:schemeClr val="lt1"/>
+        </a:fontRef>
+      </dsp:style>
+      <dsp:txBody>
+        <a:bodyPr spcFirstLastPara="0" vert="horz" wrap="square" lIns="125730" tIns="125730" rIns="125730" bIns="125730" numCol="1" spcCol="1270" anchor="ctr" anchorCtr="0">
+          <a:noAutofit/>
+        </a:bodyPr>
+        <a:lstStyle/>
+        <a:p>
+          <a:pPr marL="0" lvl="0" indent="0" algn="ctr" defTabSz="1466850">
+            <a:lnSpc>
+              <a:spcPct val="90000"/>
+            </a:lnSpc>
+            <a:spcBef>
+              <a:spcPct val="0"/>
+            </a:spcBef>
+            <a:spcAft>
+              <a:spcPct val="35000"/>
+            </a:spcAft>
+            <a:buNone/>
+          </a:pPr>
+          <a:r>
+            <a:rPr kumimoji="1" lang="ja-JP" altLang="en-US" sz="3300" kern="1200" dirty="0"/>
+            <a:t>学年学科入力</a:t>
+          </a:r>
+        </a:p>
+      </dsp:txBody>
+      <dsp:txXfrm>
+        <a:off x="45734" y="2044784"/>
+        <a:ext cx="2109406" cy="1234907"/>
+      </dsp:txXfrm>
+    </dsp:sp>
+    <dsp:sp modelId="{EA003759-9FD2-4303-BABF-D58F61223638}">
+      <dsp:nvSpPr>
+        <dsp:cNvPr id="0" name=""/>
+        <dsp:cNvSpPr/>
+      </dsp:nvSpPr>
+      <dsp:spPr>
+        <a:xfrm>
+          <a:off x="2412185" y="2391143"/>
+          <a:ext cx="463484" cy="542189"/>
+        </a:xfrm>
+        <a:prstGeom prst="rightArrow">
+          <a:avLst>
+            <a:gd name="adj1" fmla="val 60000"/>
+            <a:gd name="adj2" fmla="val 50000"/>
+          </a:avLst>
+        </a:prstGeom>
+        <a:solidFill>
+          <a:schemeClr val="accent1">
+            <a:tint val="60000"/>
+            <a:hueOff val="0"/>
+            <a:satOff val="0"/>
+            <a:lumOff val="0"/>
+            <a:alphaOff val="0"/>
+          </a:schemeClr>
+        </a:solidFill>
+        <a:ln>
+          <a:noFill/>
+        </a:ln>
+        <a:effectLst/>
+      </dsp:spPr>
+      <dsp:style>
+        <a:lnRef idx="0">
+          <a:scrgbClr r="0" g="0" b="0"/>
+        </a:lnRef>
+        <a:fillRef idx="1">
+          <a:scrgbClr r="0" g="0" b="0"/>
+        </a:fillRef>
+        <a:effectRef idx="0">
+          <a:scrgbClr r="0" g="0" b="0"/>
+        </a:effectRef>
+        <a:fontRef idx="minor">
+          <a:schemeClr val="lt1"/>
+        </a:fontRef>
+      </dsp:style>
+      <dsp:txBody>
+        <a:bodyPr spcFirstLastPara="0" vert="horz" wrap="square" lIns="0" tIns="0" rIns="0" bIns="0" numCol="1" spcCol="1270" anchor="ctr" anchorCtr="0">
+          <a:noAutofit/>
+        </a:bodyPr>
+        <a:lstStyle/>
+        <a:p>
+          <a:pPr marL="0" lvl="0" indent="0" algn="ctr" defTabSz="1022350">
+            <a:lnSpc>
+              <a:spcPct val="90000"/>
+            </a:lnSpc>
+            <a:spcBef>
+              <a:spcPct val="0"/>
+            </a:spcBef>
+            <a:spcAft>
+              <a:spcPct val="35000"/>
+            </a:spcAft>
+            <a:buNone/>
+          </a:pPr>
+          <a:endParaRPr kumimoji="1" lang="ja-JP" altLang="en-US" sz="2300" kern="1200"/>
+        </a:p>
+      </dsp:txBody>
+      <dsp:txXfrm>
+        <a:off x="2412185" y="2499581"/>
+        <a:ext cx="324439" cy="325313"/>
+      </dsp:txXfrm>
+    </dsp:sp>
+    <dsp:sp modelId="{7595ECA1-294E-4114-9CEF-EA967E9231E3}">
+      <dsp:nvSpPr>
+        <dsp:cNvPr id="0" name=""/>
+        <dsp:cNvSpPr/>
+      </dsp:nvSpPr>
+      <dsp:spPr>
+        <a:xfrm>
+          <a:off x="3068059" y="2006364"/>
+          <a:ext cx="2186246" cy="1311747"/>
+        </a:xfrm>
+        <a:prstGeom prst="roundRect">
+          <a:avLst>
+            <a:gd name="adj" fmla="val 10000"/>
+          </a:avLst>
+        </a:prstGeom>
+        <a:solidFill>
+          <a:schemeClr val="accent1">
+            <a:hueOff val="0"/>
+            <a:satOff val="0"/>
+            <a:lumOff val="0"/>
+            <a:alphaOff val="0"/>
+          </a:schemeClr>
+        </a:solidFill>
+        <a:ln w="12700" cap="flat" cmpd="sng" algn="ctr">
+          <a:solidFill>
+            <a:schemeClr val="lt1">
+              <a:hueOff val="0"/>
+              <a:satOff val="0"/>
+              <a:lumOff val="0"/>
+              <a:alphaOff val="0"/>
+            </a:schemeClr>
+          </a:solidFill>
+          <a:prstDash val="solid"/>
+          <a:miter lim="800000"/>
+        </a:ln>
+        <a:effectLst/>
+      </dsp:spPr>
+      <dsp:style>
+        <a:lnRef idx="2">
+          <a:scrgbClr r="0" g="0" b="0"/>
+        </a:lnRef>
+        <a:fillRef idx="1">
+          <a:scrgbClr r="0" g="0" b="0"/>
+        </a:fillRef>
+        <a:effectRef idx="0">
+          <a:scrgbClr r="0" g="0" b="0"/>
+        </a:effectRef>
+        <a:fontRef idx="minor">
+          <a:schemeClr val="lt1"/>
+        </a:fontRef>
+      </dsp:style>
+      <dsp:txBody>
+        <a:bodyPr spcFirstLastPara="0" vert="horz" wrap="square" lIns="125730" tIns="125730" rIns="125730" bIns="125730" numCol="1" spcCol="1270" anchor="ctr" anchorCtr="0">
+          <a:noAutofit/>
+        </a:bodyPr>
+        <a:lstStyle/>
+        <a:p>
+          <a:pPr marL="0" lvl="0" indent="0" algn="ctr" defTabSz="1466850">
+            <a:lnSpc>
+              <a:spcPct val="90000"/>
+            </a:lnSpc>
+            <a:spcBef>
+              <a:spcPct val="0"/>
+            </a:spcBef>
+            <a:spcAft>
+              <a:spcPct val="35000"/>
+            </a:spcAft>
+            <a:buNone/>
+          </a:pPr>
+          <a:r>
+            <a:rPr kumimoji="1" lang="ja-JP" altLang="en-US" sz="3300" kern="1200" dirty="0"/>
+            <a:t>授業評価</a:t>
+          </a:r>
+        </a:p>
+      </dsp:txBody>
+      <dsp:txXfrm>
+        <a:off x="3106479" y="2044784"/>
+        <a:ext cx="2109406" cy="1234907"/>
+      </dsp:txXfrm>
+    </dsp:sp>
+    <dsp:sp modelId="{67A9D0A7-C80F-4BE1-82F5-32DAEFBDCAD7}">
+      <dsp:nvSpPr>
+        <dsp:cNvPr id="0" name=""/>
+        <dsp:cNvSpPr/>
+      </dsp:nvSpPr>
+      <dsp:spPr>
+        <a:xfrm>
+          <a:off x="5472930" y="2391143"/>
+          <a:ext cx="463484" cy="542189"/>
+        </a:xfrm>
+        <a:prstGeom prst="rightArrow">
+          <a:avLst>
+            <a:gd name="adj1" fmla="val 60000"/>
+            <a:gd name="adj2" fmla="val 50000"/>
+          </a:avLst>
+        </a:prstGeom>
+        <a:solidFill>
+          <a:schemeClr val="accent1">
+            <a:tint val="60000"/>
+            <a:hueOff val="0"/>
+            <a:satOff val="0"/>
+            <a:lumOff val="0"/>
+            <a:alphaOff val="0"/>
+          </a:schemeClr>
+        </a:solidFill>
+        <a:ln>
+          <a:noFill/>
+        </a:ln>
+        <a:effectLst/>
+      </dsp:spPr>
+      <dsp:style>
+        <a:lnRef idx="0">
+          <a:scrgbClr r="0" g="0" b="0"/>
+        </a:lnRef>
+        <a:fillRef idx="1">
+          <a:scrgbClr r="0" g="0" b="0"/>
+        </a:fillRef>
+        <a:effectRef idx="0">
+          <a:scrgbClr r="0" g="0" b="0"/>
+        </a:effectRef>
+        <a:fontRef idx="minor">
+          <a:schemeClr val="lt1"/>
+        </a:fontRef>
+      </dsp:style>
+      <dsp:txBody>
+        <a:bodyPr spcFirstLastPara="0" vert="horz" wrap="square" lIns="0" tIns="0" rIns="0" bIns="0" numCol="1" spcCol="1270" anchor="ctr" anchorCtr="0">
+          <a:noAutofit/>
+        </a:bodyPr>
+        <a:lstStyle/>
+        <a:p>
+          <a:pPr marL="0" lvl="0" indent="0" algn="ctr" defTabSz="1022350">
+            <a:lnSpc>
+              <a:spcPct val="90000"/>
+            </a:lnSpc>
+            <a:spcBef>
+              <a:spcPct val="0"/>
+            </a:spcBef>
+            <a:spcAft>
+              <a:spcPct val="35000"/>
+            </a:spcAft>
+            <a:buNone/>
+          </a:pPr>
+          <a:endParaRPr kumimoji="1" lang="ja-JP" altLang="en-US" sz="2300" kern="1200"/>
+        </a:p>
+      </dsp:txBody>
+      <dsp:txXfrm>
+        <a:off x="5472930" y="2499581"/>
+        <a:ext cx="324439" cy="325313"/>
+      </dsp:txXfrm>
+    </dsp:sp>
+    <dsp:sp modelId="{4A7A4208-B1DF-473F-900F-8F05FE5C987C}">
+      <dsp:nvSpPr>
+        <dsp:cNvPr id="0" name=""/>
+        <dsp:cNvSpPr/>
+      </dsp:nvSpPr>
+      <dsp:spPr>
+        <a:xfrm>
+          <a:off x="6128804" y="2006364"/>
+          <a:ext cx="2186246" cy="1311747"/>
+        </a:xfrm>
+        <a:prstGeom prst="roundRect">
+          <a:avLst>
+            <a:gd name="adj" fmla="val 10000"/>
+          </a:avLst>
+        </a:prstGeom>
+        <a:solidFill>
+          <a:schemeClr val="accent1">
+            <a:hueOff val="0"/>
+            <a:satOff val="0"/>
+            <a:lumOff val="0"/>
+            <a:alphaOff val="0"/>
+          </a:schemeClr>
+        </a:solidFill>
+        <a:ln w="12700" cap="flat" cmpd="sng" algn="ctr">
+          <a:solidFill>
+            <a:schemeClr val="lt1">
+              <a:hueOff val="0"/>
+              <a:satOff val="0"/>
+              <a:lumOff val="0"/>
+              <a:alphaOff val="0"/>
+            </a:schemeClr>
+          </a:solidFill>
+          <a:prstDash val="solid"/>
+          <a:miter lim="800000"/>
+        </a:ln>
+        <a:effectLst/>
+      </dsp:spPr>
+      <dsp:style>
+        <a:lnRef idx="2">
+          <a:scrgbClr r="0" g="0" b="0"/>
+        </a:lnRef>
+        <a:fillRef idx="1">
+          <a:scrgbClr r="0" g="0" b="0"/>
+        </a:fillRef>
+        <a:effectRef idx="0">
+          <a:scrgbClr r="0" g="0" b="0"/>
+        </a:effectRef>
+        <a:fontRef idx="minor">
+          <a:schemeClr val="lt1"/>
+        </a:fontRef>
+      </dsp:style>
+      <dsp:txBody>
+        <a:bodyPr spcFirstLastPara="0" vert="horz" wrap="square" lIns="125730" tIns="125730" rIns="125730" bIns="125730" numCol="1" spcCol="1270" anchor="ctr" anchorCtr="0">
+          <a:noAutofit/>
+        </a:bodyPr>
+        <a:lstStyle/>
+        <a:p>
+          <a:pPr marL="0" lvl="0" indent="0" algn="ctr" defTabSz="1466850">
+            <a:lnSpc>
+              <a:spcPct val="90000"/>
+            </a:lnSpc>
+            <a:spcBef>
+              <a:spcPct val="0"/>
+            </a:spcBef>
+            <a:spcAft>
+              <a:spcPct val="35000"/>
+            </a:spcAft>
+            <a:buNone/>
+          </a:pPr>
+          <a:r>
+            <a:rPr kumimoji="1" lang="ja-JP" altLang="en-US" sz="3300" kern="1200" dirty="0"/>
+            <a:t>データを送信</a:t>
+          </a:r>
+        </a:p>
+      </dsp:txBody>
+      <dsp:txXfrm>
+        <a:off x="6167224" y="2044784"/>
+        <a:ext cx="2109406" cy="1234907"/>
+      </dsp:txXfrm>
+    </dsp:sp>
   </dsp:spTree>
 </dsp:drawing>
 </file>
 
 <file path=ppt/diagrams/layout1.xml><?xml version="1.0" encoding="utf-8"?>
-<dgm:layoutDef xmlns:dgm="http://schemas.openxmlformats.org/drawingml/2006/diagram" xmlns:a="http://schemas.openxmlformats.org/drawingml/2006/main" uniqueId="urn:microsoft.com/office/officeart/2005/8/layout/cycle5">
+<dgm:layoutDef xmlns:dgm="http://schemas.openxmlformats.org/drawingml/2006/diagram" xmlns:a="http://schemas.openxmlformats.org/drawingml/2006/main" uniqueId="urn:microsoft.com/office/officeart/2005/8/layout/process1">
   <dgm:title val=""/>
   <dgm:desc val=""/>
   <dgm:catLst>
-    <dgm:cat type="cycle" pri="3000"/>
+    <dgm:cat type="process" pri="1000"/>
+    <dgm:cat type="convert" pri="15000"/>
   </dgm:catLst>
-  <dgm:sampData>
+  <dgm:sampData useDef="1">
     <dgm:dataModel>
-      <dgm:ptLst>
-        <dgm:pt modelId="0" type="doc"/>
-        <dgm:pt modelId="1">
-          <dgm:prSet phldr="1"/>
-        </dgm:pt>
-        <dgm:pt modelId="2">
-          <dgm:prSet phldr="1"/>
-        </dgm:pt>
-        <dgm:pt modelId="3">
-          <dgm:prSet phldr="1"/>
-        </dgm:pt>
-        <dgm:pt modelId="4">
-          <dgm:prSet phldr="1"/>
-        </dgm:pt>
-        <dgm:pt modelId="5">
-          <dgm:prSet phldr="1"/>
-        </dgm:pt>
-      </dgm:ptLst>
-      <dgm:cxnLst>
-        <dgm:cxn modelId="6" srcId="0" destId="1" srcOrd="0" destOrd="0"/>
-        <dgm:cxn modelId="7" srcId="0" destId="2" srcOrd="1" destOrd="0"/>
-        <dgm:cxn modelId="8" srcId="0" destId="3" srcOrd="2" destOrd="0"/>
-        <dgm:cxn modelId="9" srcId="0" destId="4" srcOrd="3" destOrd="0"/>
-        <dgm:cxn modelId="10" srcId="0" destId="5" srcOrd="4" destOrd="0"/>
-      </dgm:cxnLst>
+      <dgm:ptLst/>
       <dgm:bg/>
       <dgm:whole/>
     </dgm:dataModel>
@@ -983,12 +1485,10 @@
         <dgm:pt modelId="0" type="doc"/>
         <dgm:pt modelId="1"/>
         <dgm:pt modelId="2"/>
-        <dgm:pt modelId="3"/>
       </dgm:ptLst>
       <dgm:cxnLst>
-        <dgm:cxn modelId="4" srcId="0" destId="1" srcOrd="0" destOrd="0"/>
-        <dgm:cxn modelId="5" srcId="0" destId="2" srcOrd="1" destOrd="0"/>
-        <dgm:cxn modelId="6" srcId="0" destId="3" srcOrd="2" destOrd="0"/>
+        <dgm:cxn modelId="3" srcId="0" destId="1" srcOrd="0" destOrd="0"/>
+        <dgm:cxn modelId="4" srcId="0" destId="2" srcOrd="1" destOrd="0"/>
       </dgm:cxnLst>
       <dgm:bg/>
       <dgm:whole/>
@@ -1002,146 +1502,109 @@
         <dgm:pt modelId="2"/>
         <dgm:pt modelId="3"/>
         <dgm:pt modelId="4"/>
-        <dgm:pt modelId="5"/>
-        <dgm:pt modelId="6"/>
       </dgm:ptLst>
       <dgm:cxnLst>
-        <dgm:cxn modelId="7" srcId="0" destId="1" srcOrd="0" destOrd="0"/>
-        <dgm:cxn modelId="8" srcId="0" destId="2" srcOrd="1" destOrd="0"/>
-        <dgm:cxn modelId="9" srcId="0" destId="3" srcOrd="2" destOrd="0"/>
-        <dgm:cxn modelId="10" srcId="0" destId="4" srcOrd="3" destOrd="0"/>
-        <dgm:cxn modelId="11" srcId="0" destId="5" srcOrd="4" destOrd="0"/>
-        <dgm:cxn modelId="12" srcId="0" destId="6" srcOrd="5" destOrd="0"/>
+        <dgm:cxn modelId="5" srcId="0" destId="1" srcOrd="0" destOrd="0"/>
+        <dgm:cxn modelId="6" srcId="0" destId="2" srcOrd="1" destOrd="0"/>
+        <dgm:cxn modelId="7" srcId="0" destId="3" srcOrd="2" destOrd="0"/>
+        <dgm:cxn modelId="8" srcId="0" destId="4" srcOrd="3" destOrd="0"/>
       </dgm:cxnLst>
       <dgm:bg/>
       <dgm:whole/>
     </dgm:dataModel>
   </dgm:clrData>
-  <dgm:layoutNode name="cycle">
+  <dgm:layoutNode name="Name0">
     <dgm:varLst>
       <dgm:dir/>
       <dgm:resizeHandles val="exact"/>
     </dgm:varLst>
-    <dgm:choose name="Name0">
-      <dgm:if name="Name1" func="var" arg="dir" op="equ" val="norm">
-        <dgm:choose name="Name2">
-          <dgm:if name="Name3" axis="ch" ptType="node" func="cnt" op="gt" val="2">
-            <dgm:alg type="cycle">
-              <dgm:param type="stAng" val="0"/>
-              <dgm:param type="spanAng" val="360"/>
-            </dgm:alg>
-          </dgm:if>
-          <dgm:else name="Name4">
-            <dgm:alg type="cycle">
-              <dgm:param type="stAng" val="-90"/>
-              <dgm:param type="spanAng" val="360"/>
-            </dgm:alg>
-          </dgm:else>
-        </dgm:choose>
+    <dgm:choose name="Name1">
+      <dgm:if name="Name2" func="var" arg="dir" op="equ" val="norm">
+        <dgm:alg type="lin"/>
       </dgm:if>
-      <dgm:else name="Name5">
-        <dgm:choose name="Name6">
-          <dgm:if name="Name7" axis="ch" ptType="node" func="cnt" op="gt" val="2">
-            <dgm:alg type="cycle">
-              <dgm:param type="stAng" val="0"/>
-              <dgm:param type="spanAng" val="-360"/>
-            </dgm:alg>
-          </dgm:if>
-          <dgm:else name="Name8">
-            <dgm:alg type="cycle">
-              <dgm:param type="stAng" val="90"/>
-              <dgm:param type="spanAng" val="-360"/>
-            </dgm:alg>
-          </dgm:else>
-        </dgm:choose>
+      <dgm:else name="Name3">
+        <dgm:alg type="lin">
+          <dgm:param type="linDir" val="fromR"/>
+        </dgm:alg>
       </dgm:else>
     </dgm:choose>
     <dgm:shape xmlns:r="http://schemas.openxmlformats.org/officeDocument/2006/relationships" r:blip="">
       <dgm:adjLst/>
     </dgm:shape>
     <dgm:presOf/>
-    <dgm:choose name="Name9">
-      <dgm:if name="Name10" func="var" arg="dir" op="equ" val="norm">
-        <dgm:constrLst>
-          <dgm:constr type="w" for="ch" forName="node" refType="w"/>
-          <dgm:constr type="w" for="ch" ptType="sibTrans" refType="w" refFor="ch" refForName="node" op="equ" fact="0.3"/>
-          <dgm:constr type="diam" for="ch" ptType="sibTrans" refType="diam" op="equ"/>
-          <dgm:constr type="sibSp" refType="w" refFor="ch" refForName="node" op="equ" fact="0.15"/>
-          <dgm:constr type="w" for="ch" forName="spNode" refType="sibSp" fact="1.6"/>
-          <dgm:constr type="primFontSz" for="ch" forName="node" op="equ" val="65"/>
-        </dgm:constrLst>
-      </dgm:if>
-      <dgm:else name="Name11">
-        <dgm:constrLst>
-          <dgm:constr type="w" for="ch" forName="node" refType="w"/>
-          <dgm:constr type="w" for="ch" ptType="sibTrans" refType="w" refFor="ch" refForName="node" op="equ" fact="0.3"/>
-          <dgm:constr type="diam" for="ch" ptType="sibTrans" refType="diam" fact="-1"/>
-          <dgm:constr type="diam" for="ch" refType="diam" op="equ" fact="-1"/>
-          <dgm:constr type="sibSp" refType="w" refFor="ch" refForName="node" op="equ" fact="0.15"/>
-          <dgm:constr type="w" for="ch" forName="spNode" refType="sibSp" fact="1.6"/>
-          <dgm:constr type="primFontSz" for="ch" forName="node" op="equ" val="65"/>
-        </dgm:constrLst>
-      </dgm:else>
-    </dgm:choose>
+    <dgm:constrLst>
+      <dgm:constr type="w" for="ch" ptType="node" refType="w"/>
+      <dgm:constr type="h" for="ch" ptType="node" op="equ"/>
+      <dgm:constr type="primFontSz" for="ch" ptType="node" op="equ" val="65"/>
+      <dgm:constr type="w" for="ch" ptType="sibTrans" refType="w" refFor="ch" refPtType="node" op="equ" fact="0.4"/>
+      <dgm:constr type="h" for="ch" ptType="sibTrans" op="equ"/>
+      <dgm:constr type="primFontSz" for="des" forName="connectorText" op="equ" val="55"/>
+      <dgm:constr type="primFontSz" for="des" forName="connectorText" refType="primFontSz" refFor="ch" refPtType="node" op="lte" fact="0.8"/>
+    </dgm:constrLst>
     <dgm:ruleLst/>
-    <dgm:forEach name="Name12" axis="ch" ptType="node">
+    <dgm:forEach name="nodesForEach" axis="ch" ptType="node">
       <dgm:layoutNode name="node">
         <dgm:varLst>
           <dgm:bulletEnabled val="1"/>
         </dgm:varLst>
         <dgm:alg type="tx"/>
         <dgm:shape xmlns:r="http://schemas.openxmlformats.org/officeDocument/2006/relationships" type="roundRect" r:blip="">
-          <dgm:adjLst/>
+          <dgm:adjLst>
+            <dgm:adj idx="1" val="0.1"/>
+          </dgm:adjLst>
         </dgm:shape>
         <dgm:presOf axis="desOrSelf" ptType="node"/>
         <dgm:constrLst>
-          <dgm:constr type="h" refType="w" fact="0.65"/>
+          <dgm:constr type="h" refType="w" fact="0.6"/>
           <dgm:constr type="tMarg" refType="primFontSz" fact="0.3"/>
           <dgm:constr type="bMarg" refType="primFontSz" fact="0.3"/>
           <dgm:constr type="lMarg" refType="primFontSz" fact="0.3"/>
           <dgm:constr type="rMarg" refType="primFontSz" fact="0.3"/>
         </dgm:constrLst>
         <dgm:ruleLst>
+          <dgm:rule type="primFontSz" val="18" fact="NaN" max="NaN"/>
+          <dgm:rule type="h" val="NaN" fact="1.5" max="NaN"/>
           <dgm:rule type="primFontSz" val="5" fact="NaN" max="NaN"/>
+          <dgm:rule type="h" val="INF" fact="NaN" max="NaN"/>
         </dgm:ruleLst>
       </dgm:layoutNode>
-      <dgm:choose name="Name13">
-        <dgm:if name="Name14" axis="par ch" ptType="doc node" func="cnt" op="gt" val="1">
-          <dgm:layoutNode name="spNode">
-            <dgm:alg type="sp"/>
-            <dgm:shape xmlns:r="http://schemas.openxmlformats.org/officeDocument/2006/relationships" r:blip="">
+      <dgm:forEach name="sibTransForEach" axis="followSib" ptType="sibTrans" cnt="1">
+        <dgm:layoutNode name="sibTrans">
+          <dgm:alg type="conn">
+            <dgm:param type="begPts" val="auto"/>
+            <dgm:param type="endPts" val="auto"/>
+          </dgm:alg>
+          <dgm:shape xmlns:r="http://schemas.openxmlformats.org/officeDocument/2006/relationships" type="conn" r:blip="">
+            <dgm:adjLst/>
+          </dgm:shape>
+          <dgm:presOf axis="self"/>
+          <dgm:constrLst>
+            <dgm:constr type="h" refType="w" fact="0.62"/>
+            <dgm:constr type="connDist"/>
+            <dgm:constr type="begPad" refType="connDist" fact="0.25"/>
+            <dgm:constr type="endPad" refType="connDist" fact="0.22"/>
+          </dgm:constrLst>
+          <dgm:ruleLst/>
+          <dgm:layoutNode name="connectorText">
+            <dgm:alg type="tx">
+              <dgm:param type="autoTxRot" val="grav"/>
+            </dgm:alg>
+            <dgm:shape xmlns:r="http://schemas.openxmlformats.org/officeDocument/2006/relationships" type="conn" r:blip="" hideGeom="1">
               <dgm:adjLst/>
             </dgm:shape>
-            <dgm:presOf/>
+            <dgm:presOf axis="self"/>
             <dgm:constrLst>
-              <dgm:constr type="h" refType="w"/>
+              <dgm:constr type="lMarg"/>
+              <dgm:constr type="rMarg"/>
+              <dgm:constr type="tMarg"/>
+              <dgm:constr type="bMarg"/>
             </dgm:constrLst>
-            <dgm:ruleLst/>
+            <dgm:ruleLst>
+              <dgm:rule type="primFontSz" val="5" fact="NaN" max="NaN"/>
+            </dgm:ruleLst>
           </dgm:layoutNode>
-          <dgm:forEach name="Name15" axis="followSib" ptType="sibTrans" hideLastTrans="0" cnt="1">
-            <dgm:layoutNode name="sibTrans">
-              <dgm:alg type="conn">
-                <dgm:param type="dim" val="1D"/>
-                <dgm:param type="connRout" val="curve"/>
-                <dgm:param type="begPts" val="radial"/>
-                <dgm:param type="endPts" val="radial"/>
-              </dgm:alg>
-              <dgm:shape xmlns:r="http://schemas.openxmlformats.org/officeDocument/2006/relationships" type="conn" r:blip="">
-                <dgm:adjLst/>
-              </dgm:shape>
-              <dgm:presOf axis="self"/>
-              <dgm:constrLst>
-                <dgm:constr type="h" refType="w" fact="0.65"/>
-                <dgm:constr type="connDist"/>
-                <dgm:constr type="begPad" refType="connDist" fact="0.2"/>
-                <dgm:constr type="endPad" refType="connDist" fact="0.2"/>
-              </dgm:constrLst>
-              <dgm:ruleLst/>
-            </dgm:layoutNode>
-          </dgm:forEach>
-        </dgm:if>
-        <dgm:else name="Name16"/>
-      </dgm:choose>
+        </dgm:layoutNode>
+      </dgm:forEach>
     </dgm:forEach>
   </dgm:layoutNode>
 </dgm:layoutDef>
@@ -2263,7 +2726,7 @@
           <a:p>
             <a:fld id="{286CCB56-B95E-44AB-BB6B-03EE6A18465C}" type="datetimeFigureOut">
               <a:rPr kumimoji="1" lang="ja-JP" altLang="en-US" smtClean="0"/>
-              <a:t>2017/2/16</a:t>
+              <a:t>2017/2/21</a:t>
             </a:fld>
             <a:endParaRPr kumimoji="1" lang="ja-JP" altLang="en-US"/>
           </a:p>
@@ -2709,34 +3172,10 @@
           <a:bodyPr/>
           <a:lstStyle/>
           <a:p>
-            <a:pPr marL="0" marR="0" lvl="0" indent="0" algn="l" defTabSz="914400" rtl="0" eaLnBrk="1" fontAlgn="auto" latinLnBrk="0" hangingPunct="1">
-              <a:lnSpc>
-                <a:spcPct val="100000"/>
-              </a:lnSpc>
-              <a:spcBef>
-                <a:spcPts val="0"/>
-              </a:spcBef>
-              <a:spcAft>
-                <a:spcPts val="0"/>
-              </a:spcAft>
-              <a:buClrTx/>
-              <a:buSzTx/>
-              <a:buFontTx/>
-              <a:buNone/>
-              <a:tabLst/>
-              <a:defRPr/>
-            </a:pPr>
             <a:r>
               <a:rPr kumimoji="1" lang="ja-JP" altLang="en-US" dirty="0"/>
-              <a:t>今後の展望として、鹿児島高専の授業のさらなる品質向上に貢献できるアプリケーションに成長させたいと考えています</a:t>
-            </a:r>
-            <a:r>
-              <a:rPr kumimoji="1" lang="ja-JP" altLang="en-US" dirty="0" smtClean="0"/>
-              <a:t>。その具体的な方法として、アンケート結果の自動集計および自動配信機能を追加したいと考えています。</a:t>
-            </a:r>
-          </a:p>
-          <a:p>
-            <a:endParaRPr kumimoji="1" lang="ja-JP" altLang="en-US" dirty="0"/>
+              <a:t>今後の展望として、アンケート結果の自動集計および自動配信する機能を実装していきたいと考えています。それにより、教員の皆さんにかかる負担がさらに少なくなり、よりスムーズに授業評価アンケートを実施することができるようになります。</a:t>
+            </a:r>
           </a:p>
         </p:txBody>
       </p:sp>
@@ -2757,7 +3196,7 @@
           <a:p>
             <a:fld id="{DE4497FE-1A65-4799-B01D-44564FDEC19E}" type="slidenum">
               <a:rPr kumimoji="1" lang="ja-JP" altLang="en-US" smtClean="0"/>
-              <a:t>11</a:t>
+              <a:t>9</a:t>
             </a:fld>
             <a:endParaRPr kumimoji="1" lang="ja-JP" altLang="en-US"/>
           </a:p>
@@ -2766,7 +3205,7 @@
     </p:spTree>
     <p:extLst>
       <p:ext uri="{BB962C8B-B14F-4D97-AF65-F5344CB8AC3E}">
-        <p14:creationId xmlns:p14="http://schemas.microsoft.com/office/powerpoint/2010/main" val="2573633034"/>
+        <p14:creationId xmlns:p14="http://schemas.microsoft.com/office/powerpoint/2010/main" val="1304763948"/>
       </p:ext>
     </p:extLst>
   </p:cSld>
@@ -2820,22 +3259,43 @@
           <a:bodyPr/>
           <a:lstStyle/>
           <a:p>
+            <a:pPr marL="0" marR="0" lvl="0" indent="0" algn="l" defTabSz="914400" rtl="0" eaLnBrk="1" fontAlgn="auto" latinLnBrk="0" hangingPunct="1">
+              <a:lnSpc>
+                <a:spcPct val="100000"/>
+              </a:lnSpc>
+              <a:spcBef>
+                <a:spcPts val="0"/>
+              </a:spcBef>
+              <a:spcAft>
+                <a:spcPts val="0"/>
+              </a:spcAft>
+              <a:buClrTx/>
+              <a:buSzTx/>
+              <a:buFontTx/>
+              <a:buNone/>
+              <a:tabLst/>
+              <a:defRPr/>
+            </a:pPr>
             <a:r>
               <a:rPr kumimoji="1" lang="ja-JP" altLang="en-US" dirty="0"/>
-              <a:t>これらの新機能を実装することで、授業終了後に学生がすぐに今回の授業を評価することができ、より正確な意見が収集できます。</a:t>
-            </a:r>
-          </a:p>
-          <a:p>
+              <a:t>それでは、本発表のまとめを述べたいと思います。</a:t>
+            </a:r>
+            <a:r>
+              <a:rPr lang="ja-JP" altLang="en-US" dirty="0"/>
+              <a:t>本研究では</a:t>
+            </a:r>
+            <a:r>
+              <a:rPr lang="en-US" altLang="ja-JP" dirty="0"/>
+              <a:t>web</a:t>
+            </a:r>
+            <a:r>
+              <a:rPr lang="ja-JP" altLang="en-US" dirty="0"/>
+              <a:t>プログラミングを用いて授業評価アンケートを作成しました。このアンケートは従来のマークシート方式に比べて紙資源の節約、教員の労力削減、ユーザ体験の向上という点で優れています。今後の展望として、このプログラムに新機能を追加したいと考えています。それにより、</a:t>
+            </a:r>
             <a:r>
               <a:rPr kumimoji="1" lang="ja-JP" altLang="en-US" dirty="0"/>
-              <a:t>また、教員も授業の内容を覚えているうちに学生からのフィードバックを得られるので今までよりもさらに授業の品質が向上します。</a:t>
-            </a:r>
-          </a:p>
-          <a:p>
-            <a:endParaRPr kumimoji="1" lang="ja-JP" altLang="en-US" dirty="0"/>
-          </a:p>
-          <a:p>
-            <a:endParaRPr kumimoji="1" lang="ja-JP" altLang="en-US" dirty="0"/>
+              <a:t>教員の負担を減らし、よりスムーズに授業評価アンケートを実施することができるようになります。</a:t>
+            </a:r>
           </a:p>
         </p:txBody>
       </p:sp>
@@ -2856,7 +3316,7 @@
           <a:p>
             <a:fld id="{DE4497FE-1A65-4799-B01D-44564FDEC19E}" type="slidenum">
               <a:rPr kumimoji="1" lang="ja-JP" altLang="en-US" smtClean="0"/>
-              <a:t>12</a:t>
+              <a:t>10</a:t>
             </a:fld>
             <a:endParaRPr kumimoji="1" lang="ja-JP" altLang="en-US"/>
           </a:p>
@@ -2865,7 +3325,7 @@
     </p:spTree>
     <p:extLst>
       <p:ext uri="{BB962C8B-B14F-4D97-AF65-F5344CB8AC3E}">
-        <p14:creationId xmlns:p14="http://schemas.microsoft.com/office/powerpoint/2010/main" val="254944331"/>
+        <p14:creationId xmlns:p14="http://schemas.microsoft.com/office/powerpoint/2010/main" val="752795588"/>
       </p:ext>
     </p:extLst>
   </p:cSld>
@@ -2921,7 +3381,7 @@
           <a:p>
             <a:r>
               <a:rPr kumimoji="1" lang="ja-JP" altLang="en-US" dirty="0"/>
-              <a:t>最近注目されているのがシングルページウェブアプリケーション。</a:t>
+              <a:t>これで発表を終わります。ご清聴ありがとうございました。</a:t>
             </a:r>
           </a:p>
         </p:txBody>
@@ -2943,7 +3403,7 @@
           <a:p>
             <a:fld id="{DE4497FE-1A65-4799-B01D-44564FDEC19E}" type="slidenum">
               <a:rPr kumimoji="1" lang="ja-JP" altLang="en-US" smtClean="0"/>
-              <a:t>17</a:t>
+              <a:t>11</a:t>
             </a:fld>
             <a:endParaRPr kumimoji="1" lang="ja-JP" altLang="en-US"/>
           </a:p>
@@ -2952,7 +3412,126 @@
     </p:spTree>
     <p:extLst>
       <p:ext uri="{BB962C8B-B14F-4D97-AF65-F5344CB8AC3E}">
-        <p14:creationId xmlns:p14="http://schemas.microsoft.com/office/powerpoint/2010/main" val="2221868850"/>
+        <p14:creationId xmlns:p14="http://schemas.microsoft.com/office/powerpoint/2010/main" val="2141883084"/>
+      </p:ext>
+    </p:extLst>
+  </p:cSld>
+  <p:clrMapOvr>
+    <a:masterClrMapping/>
+  </p:clrMapOvr>
+</p:notes>
+</file>
+
+<file path=ppt/notesSlides/notesSlide13.xml><?xml version="1.0" encoding="utf-8"?>
+<p:notes xmlns:a="http://schemas.openxmlformats.org/drawingml/2006/main" xmlns:r="http://schemas.openxmlformats.org/officeDocument/2006/relationships" xmlns:p="http://schemas.openxmlformats.org/presentationml/2006/main">
+  <p:cSld>
+    <p:spTree>
+      <p:nvGrpSpPr>
+        <p:cNvPr id="1" name=""/>
+        <p:cNvGrpSpPr/>
+        <p:nvPr/>
+      </p:nvGrpSpPr>
+      <p:grpSpPr>
+        <a:xfrm>
+          <a:off x="0" y="0"/>
+          <a:ext cx="0" cy="0"/>
+          <a:chOff x="0" y="0"/>
+          <a:chExt cx="0" cy="0"/>
+        </a:xfrm>
+      </p:grpSpPr>
+      <p:sp>
+        <p:nvSpPr>
+          <p:cNvPr id="2" name="スライド イメージ プレースホルダー 1"/>
+          <p:cNvSpPr>
+            <a:spLocks noGrp="1" noRot="1" noChangeAspect="1"/>
+          </p:cNvSpPr>
+          <p:nvPr>
+            <p:ph type="sldImg"/>
+          </p:nvPr>
+        </p:nvSpPr>
+        <p:spPr/>
+      </p:sp>
+      <p:sp>
+        <p:nvSpPr>
+          <p:cNvPr id="3" name="ノート プレースホルダー 2"/>
+          <p:cNvSpPr>
+            <a:spLocks noGrp="1"/>
+          </p:cNvSpPr>
+          <p:nvPr>
+            <p:ph type="body" idx="1"/>
+          </p:nvPr>
+        </p:nvSpPr>
+        <p:spPr/>
+        <p:txBody>
+          <a:bodyPr/>
+          <a:lstStyle/>
+          <a:p>
+            <a:r>
+              <a:rPr kumimoji="1" lang="en-US" altLang="ja-JP" dirty="0"/>
+              <a:t>XEE</a:t>
+            </a:r>
+            <a:r>
+              <a:rPr kumimoji="1" lang="ja-JP" altLang="en-US" dirty="0"/>
+              <a:t>システムは本校の一般文系に所属されている林良平先生が発表したオンライン経済実験基盤システムです。これは、スマホで簡単にできる。誰でもタダで使える。</a:t>
+            </a:r>
+            <a:r>
+              <a:rPr kumimoji="1" lang="en-US" altLang="ja-JP" dirty="0"/>
+              <a:t>1000</a:t>
+            </a:r>
+            <a:r>
+              <a:rPr kumimoji="1" lang="ja-JP" altLang="en-US" dirty="0"/>
+              <a:t>人同時にアクセスできる。プログラミングの知識不要で経済実験を実施できる。という</a:t>
+            </a:r>
+            <a:r>
+              <a:rPr kumimoji="1" lang="en-US" altLang="ja-JP" dirty="0"/>
+              <a:t>4</a:t>
+            </a:r>
+            <a:r>
+              <a:rPr kumimoji="1" lang="ja-JP" altLang="en-US" dirty="0" err="1"/>
+              <a:t>つを</a:t>
+            </a:r>
+            <a:r>
+              <a:rPr kumimoji="1" lang="ja-JP" altLang="en-US" dirty="0"/>
+              <a:t>コンセプトに作られています。しかし、このシステムは応用範囲が広く、経済実験以外にも応用可能です。そこで本研究では</a:t>
+            </a:r>
+            <a:r>
+              <a:rPr kumimoji="1" lang="en-US" altLang="ja-JP" dirty="0"/>
+              <a:t>XEE</a:t>
+            </a:r>
+            <a:r>
+              <a:rPr kumimoji="1" lang="ja-JP" altLang="en-US" dirty="0"/>
+              <a:t>システムを用いて授業評価アンケートを作成しました。</a:t>
+            </a:r>
+          </a:p>
+        </p:txBody>
+      </p:sp>
+      <p:sp>
+        <p:nvSpPr>
+          <p:cNvPr id="4" name="スライド番号プレースホルダー 3"/>
+          <p:cNvSpPr>
+            <a:spLocks noGrp="1"/>
+          </p:cNvSpPr>
+          <p:nvPr>
+            <p:ph type="sldNum" sz="quarter" idx="10"/>
+          </p:nvPr>
+        </p:nvSpPr>
+        <p:spPr/>
+        <p:txBody>
+          <a:bodyPr/>
+          <a:lstStyle/>
+          <a:p>
+            <a:fld id="{DE4497FE-1A65-4799-B01D-44564FDEC19E}" type="slidenum">
+              <a:rPr kumimoji="1" lang="ja-JP" altLang="en-US" smtClean="0"/>
+              <a:t>12</a:t>
+            </a:fld>
+            <a:endParaRPr kumimoji="1" lang="ja-JP" altLang="en-US"/>
+          </a:p>
+        </p:txBody>
+      </p:sp>
+    </p:spTree>
+    <p:extLst>
+      <p:ext uri="{BB962C8B-B14F-4D97-AF65-F5344CB8AC3E}">
+        <p14:creationId xmlns:p14="http://schemas.microsoft.com/office/powerpoint/2010/main" val="896820188"/>
       </p:ext>
     </p:extLst>
   </p:cSld>
@@ -3020,18 +3599,14 @@
             </a:r>
             <a:r>
               <a:rPr lang="ja-JP" altLang="en-US" dirty="0"/>
-              <a:t>上で授業評価アンケートを実施することです</a:t>
-            </a:r>
-            <a:r>
-              <a:rPr lang="ja-JP" altLang="en-US" dirty="0" smtClean="0"/>
-              <a:t>。鹿児島高専ではこれまでマークシート方式で授業評価アンケートを実施してきました。本研究ではそのアンケートを</a:t>
-            </a:r>
-            <a:r>
-              <a:rPr lang="en-US" altLang="ja-JP" dirty="0" smtClean="0"/>
+              <a:t>上で授業評価アンケートを実施することです。鹿児島高専ではこれまでマークシート方式で授業評価アンケートを実施してきました。本研究ではそのアンケートを</a:t>
+            </a:r>
+            <a:r>
+              <a:rPr lang="en-US" altLang="ja-JP" dirty="0"/>
               <a:t>web</a:t>
             </a:r>
             <a:r>
-              <a:rPr lang="ja-JP" altLang="en-US" dirty="0" smtClean="0"/>
+              <a:rPr lang="ja-JP" altLang="en-US" dirty="0"/>
               <a:t>上で実施するための仕組みづくりを行います。</a:t>
             </a:r>
             <a:endParaRPr kumimoji="1" lang="ja-JP" altLang="en-US" dirty="0"/>
@@ -3136,63 +3711,51 @@
               <a:defRPr/>
             </a:pPr>
             <a:r>
-              <a:rPr lang="ja-JP" altLang="en-US" dirty="0" smtClean="0"/>
+              <a:rPr lang="ja-JP" altLang="en-US" dirty="0"/>
               <a:t>なぜ、マークシート方式から</a:t>
             </a:r>
             <a:r>
-              <a:rPr lang="en-US" altLang="ja-JP" dirty="0" smtClean="0"/>
+              <a:rPr lang="en-US" altLang="ja-JP" dirty="0"/>
               <a:t>web</a:t>
             </a:r>
             <a:r>
-              <a:rPr lang="ja-JP" altLang="en-US" dirty="0" smtClean="0"/>
-              <a:t>アンケートに移行しなければならないのでしょうか。それは</a:t>
-            </a:r>
-            <a:r>
-              <a:rPr lang="ja-JP" altLang="en-US" dirty="0" smtClean="0"/>
-              <a:t>、マークシート方式を用いたアンケート</a:t>
-            </a:r>
-            <a:r>
-              <a:rPr lang="ja-JP" altLang="en-US" dirty="0" smtClean="0"/>
-              <a:t>に</a:t>
-            </a:r>
-            <a:r>
-              <a:rPr lang="en-US" altLang="ja-JP" dirty="0" smtClean="0"/>
+              <a:rPr lang="ja-JP" altLang="en-US" dirty="0"/>
+              <a:t>アンケートに移行しなければならないのでしょうか。それは、マークシート方式に</a:t>
+            </a:r>
+            <a:r>
+              <a:rPr lang="en-US" altLang="ja-JP" dirty="0"/>
               <a:t>2</a:t>
             </a:r>
             <a:r>
-              <a:rPr lang="ja-JP" altLang="en-US" dirty="0" err="1" smtClean="0"/>
+              <a:rPr lang="ja-JP" altLang="en-US" dirty="0" err="1"/>
               <a:t>つの</a:t>
             </a:r>
             <a:r>
-              <a:rPr lang="ja-JP" altLang="en-US" dirty="0" smtClean="0"/>
+              <a:rPr lang="ja-JP" altLang="en-US" dirty="0"/>
               <a:t>欠点があるからです。</a:t>
             </a:r>
             <a:r>
-              <a:rPr lang="en-US" altLang="ja-JP" dirty="0" smtClean="0"/>
+              <a:rPr lang="en-US" altLang="ja-JP" dirty="0"/>
               <a:t>1</a:t>
             </a:r>
             <a:r>
-              <a:rPr lang="ja-JP" altLang="en-US" dirty="0" smtClean="0"/>
-              <a:t>つめは多くの紙資源を消費してしまうということです</a:t>
-            </a:r>
-            <a:r>
-              <a:rPr lang="ja-JP" altLang="en-US" dirty="0" smtClean="0"/>
-              <a:t>．マークシート方式では解答用紙および問題用紙はすべて紙で作られており、アンケートを実施するたびに多くの紙資源が消費されてしまいます。</a:t>
-            </a:r>
-            <a:r>
-              <a:rPr lang="en-US" altLang="ja-JP" dirty="0" smtClean="0"/>
+              <a:rPr lang="ja-JP" altLang="en-US" dirty="0"/>
+              <a:t>つめは多くの紙資源を消費してしまう点です．マークシート方式のアンケートにおいて解答用紙および問題用紙はすべて紙で作られています。そのため、アンケートを実施するたびに多くの紙資源を消費します。</a:t>
+            </a:r>
+            <a:r>
+              <a:rPr lang="en-US" altLang="ja-JP" dirty="0"/>
               <a:t>2</a:t>
             </a:r>
             <a:r>
-              <a:rPr lang="ja-JP" altLang="en-US" dirty="0" smtClean="0"/>
-              <a:t>つ目は、教員に大きな負担がかかる点です。たとえば、マークシート方式ではアンケート終了後に教員が回答用紙をスキャンしてパソコンに取り込む必要があります。この作業以外にもデータ集計や結果をまとめる作業など多くの労力を必要とします．しかし、</a:t>
-            </a:r>
-            <a:r>
-              <a:rPr lang="en-US" altLang="ja-JP" dirty="0" smtClean="0"/>
+              <a:rPr lang="ja-JP" altLang="en-US" dirty="0"/>
+              <a:t>つ目は、教員に大きな負担がかかる点です。たとえば、マークシート方式ではアンケート終了後に教員が回答用紙をスキャンして結果をパソコンに取り込む必要があります。この作業以外にもデータ集計や結果をまとめる作業など多くの労力を必要とします．しかし、</a:t>
+            </a:r>
+            <a:r>
+              <a:rPr lang="en-US" altLang="ja-JP" dirty="0"/>
               <a:t>web</a:t>
             </a:r>
             <a:r>
-              <a:rPr lang="ja-JP" altLang="en-US" dirty="0" smtClean="0"/>
+              <a:rPr lang="ja-JP" altLang="en-US" dirty="0"/>
               <a:t>上でアンケートを実施することでこれらの欠点を克服できます。</a:t>
             </a:r>
             <a:endParaRPr kumimoji="1" lang="ja-JP" altLang="en-US" dirty="0"/>
@@ -3280,38 +3843,30 @@
           <a:lstStyle/>
           <a:p>
             <a:r>
-              <a:rPr kumimoji="1" lang="ja-JP" altLang="en-US" dirty="0" smtClean="0"/>
+              <a:rPr kumimoji="1" lang="ja-JP" altLang="en-US" dirty="0"/>
               <a:t>次に</a:t>
             </a:r>
             <a:r>
-              <a:rPr kumimoji="1" lang="en-US" altLang="ja-JP" dirty="0" smtClean="0"/>
+              <a:rPr kumimoji="1" lang="en-US" altLang="ja-JP" dirty="0"/>
               <a:t>web</a:t>
             </a:r>
             <a:r>
-              <a:rPr kumimoji="1" lang="ja-JP" altLang="en-US" dirty="0" smtClean="0"/>
+              <a:rPr kumimoji="1" lang="ja-JP" altLang="en-US" dirty="0"/>
               <a:t>上で授業評価アンケートを実施する利点を説明します。</a:t>
             </a:r>
-            <a:endParaRPr kumimoji="1" lang="en-US" altLang="ja-JP" dirty="0" smtClean="0"/>
-          </a:p>
-          <a:p>
-            <a:endParaRPr kumimoji="1" lang="en-US" altLang="ja-JP" dirty="0" smtClean="0"/>
-          </a:p>
-          <a:p>
-            <a:r>
-              <a:rPr kumimoji="1" lang="en-US" altLang="ja-JP" dirty="0" smtClean="0"/>
+            <a:endParaRPr kumimoji="1" lang="en-US" altLang="ja-JP" dirty="0"/>
+          </a:p>
+          <a:p>
+            <a:endParaRPr kumimoji="1" lang="en-US" altLang="ja-JP" dirty="0"/>
+          </a:p>
+          <a:p>
+            <a:r>
+              <a:rPr kumimoji="1" lang="en-US" altLang="ja-JP" dirty="0"/>
               <a:t>1</a:t>
             </a:r>
             <a:r>
               <a:rPr kumimoji="1" lang="ja-JP" altLang="en-US" dirty="0"/>
-              <a:t>つめ</a:t>
-            </a:r>
-            <a:r>
-              <a:rPr kumimoji="1" lang="ja-JP" altLang="en-US" dirty="0" smtClean="0"/>
-              <a:t>は紙資源の節約です</a:t>
-            </a:r>
-            <a:r>
-              <a:rPr kumimoji="1" lang="ja-JP" altLang="en-US" dirty="0"/>
-              <a:t>。</a:t>
+              <a:t>つめは紙資源の節約です。</a:t>
             </a:r>
             <a:r>
               <a:rPr kumimoji="1" lang="en-US" altLang="ja-JP" dirty="0"/>
@@ -3319,15 +3874,7 @@
             </a:r>
             <a:r>
               <a:rPr kumimoji="1" lang="ja-JP" altLang="en-US" dirty="0"/>
-              <a:t>上でアンケートを実施することで紙資源を</a:t>
-            </a:r>
-            <a:r>
-              <a:rPr kumimoji="1" lang="ja-JP" altLang="en-US" dirty="0" smtClean="0"/>
-              <a:t>消費せずにアンケートを実施することができます。そのため、紙代が削減できて経済的</a:t>
-            </a:r>
-            <a:r>
-              <a:rPr kumimoji="1" lang="ja-JP" altLang="en-US" dirty="0"/>
-              <a:t>です。</a:t>
+              <a:t>上でアンケートを実施することで紙資源を消費せずにアンケートを実施することができます。そのため、紙代が節約できて経済的です。</a:t>
             </a:r>
             <a:endParaRPr kumimoji="1" lang="en-US" altLang="ja-JP" dirty="0"/>
           </a:p>
@@ -3349,27 +3896,7 @@
             </a:r>
             <a:r>
               <a:rPr lang="ja-JP" altLang="en-US" dirty="0"/>
-              <a:t>上でアンケートを実施すると学生が回答したデータは直接コンピュータに送信</a:t>
-            </a:r>
-            <a:r>
-              <a:rPr lang="ja-JP" altLang="en-US" dirty="0" smtClean="0"/>
-              <a:t>されます。そのため、マークシート</a:t>
-            </a:r>
-            <a:r>
-              <a:rPr lang="ja-JP" altLang="en-US" dirty="0"/>
-              <a:t>方式のように回答用紙をスキャンする必要がありません。また、回答データの自動集計機能を実装することで教員</a:t>
-            </a:r>
-            <a:r>
-              <a:rPr lang="ja-JP" altLang="en-US" dirty="0" smtClean="0"/>
-              <a:t>が</a:t>
-            </a:r>
-            <a:r>
-              <a:rPr lang="en-US" altLang="ja-JP" dirty="0" smtClean="0"/>
-              <a:t>Excel</a:t>
-            </a:r>
-            <a:r>
-              <a:rPr lang="ja-JP" altLang="en-US" dirty="0"/>
-              <a:t>などの表計算ソフトウェアで集計する必要がなくなります。それらの結果として、教員の授業評価アンケートに費やす労力が削減できます。</a:t>
+              <a:t>上でアンケートを実施すると学生が回答したデータは直接コンピュータに送信されます。そのため、マークシート方式のように回答用紙をスキャンする必要がありません。その結果、教員の授業評価アンケートに費やす労力が削減できます。</a:t>
             </a:r>
             <a:endParaRPr lang="en-US" altLang="ja-JP" dirty="0"/>
           </a:p>
@@ -3383,15 +3910,7 @@
             </a:r>
             <a:r>
               <a:rPr lang="ja-JP" altLang="en-US" dirty="0"/>
-              <a:t>つ目はユーザ体験の向上です。マークシート方式のアンケートに回答するには鉛筆を持ち、回答欄を</a:t>
-            </a:r>
-            <a:r>
-              <a:rPr lang="ja-JP" altLang="en-US" dirty="0" smtClean="0"/>
-              <a:t>塗りつぶす作業を繰り返し行わなければなりません</a:t>
-            </a:r>
-            <a:r>
-              <a:rPr lang="ja-JP" altLang="en-US" dirty="0"/>
-              <a:t>。このような単純作業は回答者の集中力の低下を招き冷静な判断を鈍らせます。しかし、</a:t>
+              <a:t>つ目はユーザ体験の向上です。マークシート方式のアンケートに回答するには鉛筆を持ち、回答欄を塗りつぶす作業を繰り返し行わなければなりません。このような単純作業は回答者の集中力の低下を招き冷静な判断を鈍らせます。しかし、</a:t>
             </a:r>
             <a:r>
               <a:rPr lang="en-US" altLang="ja-JP" dirty="0"/>
@@ -3399,19 +3918,7 @@
             </a:r>
             <a:r>
               <a:rPr lang="ja-JP" altLang="en-US" dirty="0"/>
-              <a:t>上でアンケートを実施することで動きのあるユーザインターフェースで楽しくアンケートに回答できます</a:t>
-            </a:r>
-            <a:r>
-              <a:rPr lang="ja-JP" altLang="en-US" dirty="0" smtClean="0"/>
-              <a:t>。そのため</a:t>
-            </a:r>
-            <a:r>
-              <a:rPr lang="ja-JP" altLang="en-US" dirty="0" smtClean="0"/>
-              <a:t>、回答者の集中力が保たれ、より</a:t>
-            </a:r>
-            <a:r>
-              <a:rPr lang="ja-JP" altLang="en-US" dirty="0" smtClean="0"/>
-              <a:t>正確なデータが得られると考えられます。</a:t>
+              <a:t>上でアンケートを実施することで動きのあるユーザインターフェースで楽しくアンケートに回答できます。その結果、回答者の集中力が保たれ、より正確なデータが得られると考えられます。</a:t>
             </a:r>
             <a:endParaRPr lang="en-US" altLang="ja-JP" dirty="0"/>
           </a:p>
@@ -3499,97 +4006,55 @@
           <a:p>
             <a:r>
               <a:rPr kumimoji="1" lang="ja-JP" altLang="en-US" dirty="0"/>
-              <a:t>こちらが、本研究で作成した授業評価アンケートです。まず、学生は学年と学科を入力します。これらはそれぞれラジオボタンを使って実装しているため、</a:t>
+              <a:t>今回作成したアプリケーションは</a:t>
             </a:r>
             <a:r>
               <a:rPr kumimoji="1" lang="en-US" altLang="ja-JP" dirty="0"/>
-              <a:t>1</a:t>
-            </a:r>
-            <a:r>
-              <a:rPr kumimoji="1" lang="ja-JP" altLang="en-US" dirty="0" err="1"/>
-              <a:t>つの</a:t>
+              <a:t>XEE</a:t>
             </a:r>
             <a:r>
               <a:rPr kumimoji="1" lang="ja-JP" altLang="en-US" dirty="0"/>
-              <a:t>グループ内で複数の項目を選択することができません。</a:t>
-            </a:r>
-            <a:endParaRPr kumimoji="1" lang="en-US" altLang="ja-JP" dirty="0"/>
-          </a:p>
-          <a:p>
-            <a:endParaRPr kumimoji="1" lang="en-US" altLang="ja-JP" dirty="0"/>
-          </a:p>
-          <a:p>
+              <a:t>システムをベースに作成しました。</a:t>
+            </a:r>
+            <a:r>
+              <a:rPr kumimoji="1" lang="en-US" altLang="ja-JP" dirty="0"/>
+              <a:t>web</a:t>
+            </a:r>
             <a:r>
               <a:rPr kumimoji="1" lang="ja-JP" altLang="en-US" dirty="0"/>
-              <a:t>次に授業評価アンケートを行います。今回はわかりやすく説明するために国語と数学の</a:t>
+              <a:t>アプリケーションの表面部分であるユーザーサイドは</a:t>
             </a:r>
             <a:r>
               <a:rPr kumimoji="1" lang="en-US" altLang="ja-JP" dirty="0"/>
-              <a:t>2</a:t>
+              <a:t>React.js</a:t>
             </a:r>
             <a:r>
               <a:rPr kumimoji="1" lang="ja-JP" altLang="en-US" dirty="0"/>
-              <a:t>教科を</a:t>
+              <a:t>と</a:t>
             </a:r>
             <a:r>
               <a:rPr kumimoji="1" lang="en-US" altLang="ja-JP" dirty="0"/>
-              <a:t>“</a:t>
+              <a:t>Material-UI</a:t>
             </a:r>
             <a:r>
               <a:rPr kumimoji="1" lang="ja-JP" altLang="en-US" dirty="0"/>
-              <a:t>楽しさ</a:t>
+              <a:t>を用いて作成しました。また、</a:t>
             </a:r>
             <a:r>
               <a:rPr kumimoji="1" lang="en-US" altLang="ja-JP" dirty="0"/>
-              <a:t>”,“</a:t>
+              <a:t>Web</a:t>
             </a:r>
             <a:r>
               <a:rPr kumimoji="1" lang="ja-JP" altLang="en-US" dirty="0"/>
-              <a:t>分かりやすさ</a:t>
+              <a:t>アプリケーションの頭脳に当たるサーバーサイドは</a:t>
             </a:r>
             <a:r>
               <a:rPr kumimoji="1" lang="en-US" altLang="ja-JP" dirty="0"/>
-              <a:t>”</a:t>
+              <a:t>Elixir</a:t>
             </a:r>
             <a:r>
               <a:rPr kumimoji="1" lang="ja-JP" altLang="en-US" dirty="0"/>
-              <a:t>という２つの基準で評価します。これらの情報はプログラムの中で</a:t>
-            </a:r>
-            <a:r>
-              <a:rPr kumimoji="1" lang="en-US" altLang="ja-JP" dirty="0"/>
-              <a:t>1</a:t>
-            </a:r>
-            <a:r>
-              <a:rPr kumimoji="1" lang="ja-JP" altLang="en-US" dirty="0"/>
-              <a:t>時配列として格納されており、簡単に変更可能です。学生はスライダーバーを動かして授業の</a:t>
-            </a:r>
-            <a:r>
-              <a:rPr kumimoji="1" lang="en-US" altLang="ja-JP" dirty="0"/>
-              <a:t>1</a:t>
-            </a:r>
-            <a:r>
-              <a:rPr kumimoji="1" lang="ja-JP" altLang="en-US" dirty="0"/>
-              <a:t>つ</a:t>
-            </a:r>
-            <a:r>
-              <a:rPr kumimoji="1" lang="en-US" altLang="ja-JP" dirty="0"/>
-              <a:t>1</a:t>
-            </a:r>
-            <a:r>
-              <a:rPr kumimoji="1" lang="ja-JP" altLang="en-US" dirty="0" err="1"/>
-              <a:t>つの</a:t>
-            </a:r>
-            <a:r>
-              <a:rPr kumimoji="1" lang="ja-JP" altLang="en-US" dirty="0"/>
-              <a:t>項目について評価していきます。評価方法には</a:t>
-            </a:r>
-            <a:r>
-              <a:rPr kumimoji="1" lang="en-US" altLang="ja-JP" dirty="0"/>
-              <a:t>5</a:t>
-            </a:r>
-            <a:r>
-              <a:rPr kumimoji="1" lang="ja-JP" altLang="en-US" dirty="0"/>
-              <a:t>段階評価を採用しており１～５の間で授業を評価します。そして、すべての評価が終了したらこのような待機画面に遷移します。</a:t>
+              <a:t>を用いて作成しました。</a:t>
             </a:r>
           </a:p>
         </p:txBody>
@@ -3611,7 +4076,7 @@
           <a:p>
             <a:fld id="{DE4497FE-1A65-4799-B01D-44564FDEC19E}" type="slidenum">
               <a:rPr kumimoji="1" lang="ja-JP" altLang="en-US" smtClean="0"/>
-              <a:t>6</a:t>
+              <a:t>4</a:t>
             </a:fld>
             <a:endParaRPr kumimoji="1" lang="ja-JP" altLang="en-US"/>
           </a:p>
@@ -3620,7 +4085,7 @@
     </p:spTree>
     <p:extLst>
       <p:ext uri="{BB962C8B-B14F-4D97-AF65-F5344CB8AC3E}">
-        <p14:creationId xmlns:p14="http://schemas.microsoft.com/office/powerpoint/2010/main" val="1263298440"/>
+        <p14:creationId xmlns:p14="http://schemas.microsoft.com/office/powerpoint/2010/main" val="2045533060"/>
       </p:ext>
     </p:extLst>
   </p:cSld>
@@ -3675,45 +4140,17 @@
           <a:lstStyle/>
           <a:p>
             <a:r>
-              <a:rPr kumimoji="1" lang="ja-JP" altLang="en-US" dirty="0" smtClean="0"/>
-              <a:t>この動画</a:t>
-            </a:r>
-            <a:r>
               <a:rPr kumimoji="1" lang="ja-JP" altLang="en-US" dirty="0"/>
-              <a:t>を見ていただいてわかるように</a:t>
-            </a:r>
-            <a:r>
-              <a:rPr lang="ja-JP" altLang="en-US" dirty="0"/>
-              <a:t>本アプリケーションでは、紙資源</a:t>
-            </a:r>
-            <a:r>
-              <a:rPr lang="ja-JP" altLang="en-US" dirty="0" smtClean="0"/>
-              <a:t>を一切消費せずにアンケートを実施することができました。</a:t>
-            </a:r>
-            <a:r>
-              <a:rPr lang="ja-JP" altLang="en-US" dirty="0"/>
-              <a:t>また</a:t>
-            </a:r>
-            <a:r>
-              <a:rPr lang="ja-JP" altLang="en-US" dirty="0" smtClean="0"/>
-              <a:t>、学生の回答データをコンピュータに直接転送することにより教員</a:t>
-            </a:r>
-            <a:r>
-              <a:rPr lang="ja-JP" altLang="en-US" dirty="0"/>
-              <a:t>の</a:t>
-            </a:r>
-            <a:r>
-              <a:rPr lang="ja-JP" altLang="en-US" dirty="0" smtClean="0"/>
-              <a:t>労力削減に成功しました。</a:t>
-            </a:r>
-            <a:r>
-              <a:rPr lang="ja-JP" altLang="en-US" dirty="0"/>
-              <a:t>さらに、動きあるユーザインターフェースによってユーザ体験を向上させました。</a:t>
-            </a:r>
-            <a:endParaRPr lang="en-US" altLang="ja-JP" dirty="0"/>
-          </a:p>
-          <a:p>
-            <a:endParaRPr lang="en-US" altLang="ja-JP" dirty="0"/>
+              <a:t>本アプリケーションにおいて授業評価アンケートは次のように進行します。初めに、学生は学年と学科を入力します。次に、それぞれの授業について定められた評価軸をもとに</a:t>
+            </a:r>
+            <a:r>
+              <a:rPr kumimoji="1" lang="en-US" altLang="ja-JP" dirty="0"/>
+              <a:t>5</a:t>
+            </a:r>
+            <a:r>
+              <a:rPr kumimoji="1" lang="ja-JP" altLang="en-US" dirty="0"/>
+              <a:t>段階で評価します。最後に回答済みのデータをサーバーに送信します。</a:t>
+            </a:r>
           </a:p>
         </p:txBody>
       </p:sp>
@@ -3734,7 +4171,7 @@
           <a:p>
             <a:fld id="{DE4497FE-1A65-4799-B01D-44564FDEC19E}" type="slidenum">
               <a:rPr kumimoji="1" lang="ja-JP" altLang="en-US" smtClean="0"/>
-              <a:t>7</a:t>
+              <a:t>5</a:t>
             </a:fld>
             <a:endParaRPr kumimoji="1" lang="ja-JP" altLang="en-US"/>
           </a:p>
@@ -3743,7 +4180,7 @@
     </p:spTree>
     <p:extLst>
       <p:ext uri="{BB962C8B-B14F-4D97-AF65-F5344CB8AC3E}">
-        <p14:creationId xmlns:p14="http://schemas.microsoft.com/office/powerpoint/2010/main" val="852255279"/>
+        <p14:creationId xmlns:p14="http://schemas.microsoft.com/office/powerpoint/2010/main" val="2066959104"/>
       </p:ext>
     </p:extLst>
   </p:cSld>
@@ -3798,18 +4235,99 @@
           <a:lstStyle/>
           <a:p>
             <a:r>
-              <a:rPr kumimoji="1" lang="ja-JP" altLang="en-US" dirty="0" smtClean="0"/>
-              <a:t>今後の展望として、アンケート結果の自動集計および自動</a:t>
-            </a:r>
-            <a:r>
-              <a:rPr kumimoji="1" lang="ja-JP" altLang="en-US" dirty="0" smtClean="0"/>
-              <a:t>配信する機能</a:t>
-            </a:r>
-            <a:r>
-              <a:rPr kumimoji="1" lang="ja-JP" altLang="en-US" dirty="0" smtClean="0"/>
-              <a:t>を実装していきたいと考えています。それにより、教員の皆さんにかかる負担がさらに少なくなり、よりスムーズに授業評価アンケートを実施することができるようになります。</a:t>
-            </a:r>
-            <a:endParaRPr kumimoji="1" lang="ja-JP" altLang="en-US" dirty="0"/>
+              <a:rPr kumimoji="1" lang="ja-JP" altLang="en-US" dirty="0"/>
+              <a:t>こちらが、本研究で作成した授業評価アンケートです。まず、学生は学年と学科を入力します。これらはそれぞれラジオボタンを使って実装しているため、</a:t>
+            </a:r>
+            <a:r>
+              <a:rPr kumimoji="1" lang="en-US" altLang="ja-JP" dirty="0"/>
+              <a:t>1</a:t>
+            </a:r>
+            <a:r>
+              <a:rPr kumimoji="1" lang="ja-JP" altLang="en-US" dirty="0" err="1"/>
+              <a:t>つの</a:t>
+            </a:r>
+            <a:r>
+              <a:rPr kumimoji="1" lang="ja-JP" altLang="en-US" dirty="0"/>
+              <a:t>グループ内で複数の項目を選択することができません。</a:t>
+            </a:r>
+            <a:endParaRPr kumimoji="1" lang="en-US" altLang="ja-JP" dirty="0"/>
+          </a:p>
+          <a:p>
+            <a:endParaRPr kumimoji="1" lang="en-US" altLang="ja-JP" dirty="0"/>
+          </a:p>
+          <a:p>
+            <a:r>
+              <a:rPr kumimoji="1" lang="ja-JP" altLang="en-US" dirty="0"/>
+              <a:t>次に授業評価アンケートを行います。今回はわかりやすく説明するために国語と数学の</a:t>
+            </a:r>
+            <a:r>
+              <a:rPr kumimoji="1" lang="en-US" altLang="ja-JP" dirty="0"/>
+              <a:t>2</a:t>
+            </a:r>
+            <a:r>
+              <a:rPr kumimoji="1" lang="ja-JP" altLang="en-US" dirty="0"/>
+              <a:t>教科を</a:t>
+            </a:r>
+            <a:r>
+              <a:rPr kumimoji="1" lang="en-US" altLang="ja-JP" dirty="0"/>
+              <a:t>“</a:t>
+            </a:r>
+            <a:r>
+              <a:rPr kumimoji="1" lang="ja-JP" altLang="en-US" dirty="0"/>
+              <a:t>楽しさ</a:t>
+            </a:r>
+            <a:r>
+              <a:rPr kumimoji="1" lang="en-US" altLang="ja-JP" dirty="0"/>
+              <a:t>”,“</a:t>
+            </a:r>
+            <a:r>
+              <a:rPr kumimoji="1" lang="ja-JP" altLang="en-US" dirty="0"/>
+              <a:t>分かりやすさ</a:t>
+            </a:r>
+            <a:r>
+              <a:rPr kumimoji="1" lang="en-US" altLang="ja-JP" dirty="0"/>
+              <a:t>”</a:t>
+            </a:r>
+            <a:r>
+              <a:rPr kumimoji="1" lang="ja-JP" altLang="en-US" dirty="0"/>
+              <a:t>という２つの基準で評価します。これらの情報はプログラムの中で</a:t>
+            </a:r>
+            <a:r>
+              <a:rPr kumimoji="1" lang="en-US" altLang="ja-JP" dirty="0"/>
+              <a:t>1</a:t>
+            </a:r>
+            <a:r>
+              <a:rPr kumimoji="1" lang="ja-JP" altLang="en-US" dirty="0"/>
+              <a:t>時配列として格納されており、簡単に変更可能です。学生はスライダーバーを動かして授業の</a:t>
+            </a:r>
+            <a:r>
+              <a:rPr kumimoji="1" lang="en-US" altLang="ja-JP" dirty="0"/>
+              <a:t>1</a:t>
+            </a:r>
+            <a:r>
+              <a:rPr kumimoji="1" lang="ja-JP" altLang="en-US" dirty="0"/>
+              <a:t>つ</a:t>
+            </a:r>
+            <a:r>
+              <a:rPr kumimoji="1" lang="en-US" altLang="ja-JP" dirty="0"/>
+              <a:t>1</a:t>
+            </a:r>
+            <a:r>
+              <a:rPr kumimoji="1" lang="ja-JP" altLang="en-US" dirty="0" err="1"/>
+              <a:t>つの</a:t>
+            </a:r>
+            <a:r>
+              <a:rPr kumimoji="1" lang="ja-JP" altLang="en-US" dirty="0"/>
+              <a:t>項目について評価していきます。評価方法には</a:t>
+            </a:r>
+            <a:r>
+              <a:rPr kumimoji="1" lang="en-US" altLang="ja-JP" dirty="0"/>
+              <a:t>5</a:t>
+            </a:r>
+            <a:r>
+              <a:rPr kumimoji="1" lang="ja-JP" altLang="en-US" dirty="0"/>
+              <a:t>段階評価を採用しており１～５の間で授業を評価します。そして、すべての評価が終了したらこのような待機画面に遷移します。</a:t>
+            </a:r>
           </a:p>
         </p:txBody>
       </p:sp>
@@ -3830,7 +4348,7 @@
           <a:p>
             <a:fld id="{DE4497FE-1A65-4799-B01D-44564FDEC19E}" type="slidenum">
               <a:rPr kumimoji="1" lang="ja-JP" altLang="en-US" smtClean="0"/>
-              <a:t>8</a:t>
+              <a:t>6</a:t>
             </a:fld>
             <a:endParaRPr kumimoji="1" lang="ja-JP" altLang="en-US"/>
           </a:p>
@@ -3839,7 +4357,7 @@
     </p:spTree>
     <p:extLst>
       <p:ext uri="{BB962C8B-B14F-4D97-AF65-F5344CB8AC3E}">
-        <p14:creationId xmlns:p14="http://schemas.microsoft.com/office/powerpoint/2010/main" val="1304763948"/>
+        <p14:creationId xmlns:p14="http://schemas.microsoft.com/office/powerpoint/2010/main" val="1263298440"/>
       </p:ext>
     </p:extLst>
   </p:cSld>
@@ -3893,74 +4411,17 @@
           <a:bodyPr/>
           <a:lstStyle/>
           <a:p>
-            <a:pPr marL="0" marR="0" lvl="0" indent="0" algn="l" defTabSz="914400" rtl="0" eaLnBrk="1" fontAlgn="auto" latinLnBrk="0" hangingPunct="1">
-              <a:lnSpc>
-                <a:spcPct val="100000"/>
-              </a:lnSpc>
-              <a:spcBef>
-                <a:spcPts val="0"/>
-              </a:spcBef>
-              <a:spcAft>
-                <a:spcPts val="0"/>
-              </a:spcAft>
-              <a:buClrTx/>
-              <a:buSzTx/>
-              <a:buFontTx/>
-              <a:buNone/>
-              <a:tabLst/>
-              <a:defRPr/>
-            </a:pPr>
-            <a:r>
-              <a:rPr kumimoji="1" lang="ja-JP" altLang="en-US" dirty="0" smtClean="0"/>
-              <a:t>それで</a:t>
-            </a:r>
             <a:r>
               <a:rPr kumimoji="1" lang="ja-JP" altLang="en-US" dirty="0"/>
-              <a:t>は</a:t>
-            </a:r>
-            <a:r>
-              <a:rPr kumimoji="1" lang="ja-JP" altLang="en-US" dirty="0" smtClean="0"/>
-              <a:t>、本発表のまとめ</a:t>
+              <a:t>アンケートに回答するとこの表に示すようなデータがサーバーに転送されます。人数分データが送信されると、</a:t>
+            </a:r>
+            <a:r>
+              <a:rPr kumimoji="1" lang="en-US" altLang="ja-JP" dirty="0"/>
+              <a:t>XEE</a:t>
             </a:r>
             <a:r>
               <a:rPr kumimoji="1" lang="ja-JP" altLang="en-US" dirty="0"/>
-              <a:t>を述べたいと思います。</a:t>
-            </a:r>
-            <a:r>
-              <a:rPr lang="ja-JP" altLang="en-US" dirty="0"/>
-              <a:t>本研究では</a:t>
-            </a:r>
-            <a:r>
-              <a:rPr lang="en-US" altLang="ja-JP" dirty="0"/>
-              <a:t>web</a:t>
-            </a:r>
-            <a:r>
-              <a:rPr lang="ja-JP" altLang="en-US" dirty="0"/>
-              <a:t>プログラミングを用いて授業評価アンケートを作成しました。このアンケートは従来のマークシート方式に</a:t>
-            </a:r>
-            <a:r>
-              <a:rPr lang="ja-JP" altLang="en-US" dirty="0" smtClean="0"/>
-              <a:t>比べて紙資源の節約、</a:t>
-            </a:r>
-            <a:r>
-              <a:rPr lang="ja-JP" altLang="en-US" dirty="0"/>
-              <a:t>教員の労力削減、ユーザ体験の</a:t>
-            </a:r>
-            <a:r>
-              <a:rPr lang="ja-JP" altLang="en-US" dirty="0" smtClean="0"/>
-              <a:t>向上という点で優れています。</a:t>
-            </a:r>
-            <a:r>
-              <a:rPr lang="ja-JP" altLang="en-US" dirty="0"/>
-              <a:t>今後の展望として、このプログラムに新機能を追加</a:t>
-            </a:r>
-            <a:r>
-              <a:rPr lang="ja-JP" altLang="en-US" dirty="0" smtClean="0"/>
-              <a:t>したいと考えています。それにより、</a:t>
-            </a:r>
-            <a:r>
-              <a:rPr kumimoji="1" lang="ja-JP" altLang="en-US" dirty="0" smtClean="0"/>
-              <a:t>教員の負担を減らし、よりスムーズに授業評価アンケートを実施することができるようになります。</a:t>
+              <a:t>システム上でこのデータがダウンロード可能になります。</a:t>
             </a:r>
           </a:p>
         </p:txBody>
@@ -3982,7 +4443,7 @@
           <a:p>
             <a:fld id="{DE4497FE-1A65-4799-B01D-44564FDEC19E}" type="slidenum">
               <a:rPr kumimoji="1" lang="ja-JP" altLang="en-US" smtClean="0"/>
-              <a:t>9</a:t>
+              <a:t>7</a:t>
             </a:fld>
             <a:endParaRPr kumimoji="1" lang="ja-JP" altLang="en-US"/>
           </a:p>
@@ -3991,7 +4452,7 @@
     </p:spTree>
     <p:extLst>
       <p:ext uri="{BB962C8B-B14F-4D97-AF65-F5344CB8AC3E}">
-        <p14:creationId xmlns:p14="http://schemas.microsoft.com/office/powerpoint/2010/main" val="752795588"/>
+        <p14:creationId xmlns:p14="http://schemas.microsoft.com/office/powerpoint/2010/main" val="2841919700"/>
       </p:ext>
     </p:extLst>
   </p:cSld>
@@ -4046,10 +4507,17 @@
           <a:lstStyle/>
           <a:p>
             <a:r>
-              <a:rPr kumimoji="1" lang="ja-JP" altLang="en-US" dirty="0" smtClean="0"/>
-              <a:t>これで発表を終わります。ご清聴ありがとうございました。</a:t>
-            </a:r>
-            <a:endParaRPr kumimoji="1" lang="ja-JP" altLang="en-US" dirty="0"/>
+              <a:rPr kumimoji="1" lang="ja-JP" altLang="en-US" dirty="0"/>
+              <a:t>この動画を見ていただいてわかるように</a:t>
+            </a:r>
+            <a:r>
+              <a:rPr lang="ja-JP" altLang="en-US" dirty="0"/>
+              <a:t>本アプリケーションでは、紙資源を一切消費せずにアンケートを実施することができました。また、学生の回答データをコンピュータに直接転送することにより教員の労力削減に成功しました。さらに、動きあるユーザインターフェースによってユーザ体験を向上させました。</a:t>
+            </a:r>
+            <a:endParaRPr lang="en-US" altLang="ja-JP" dirty="0"/>
+          </a:p>
+          <a:p>
+            <a:endParaRPr lang="en-US" altLang="ja-JP" dirty="0"/>
           </a:p>
         </p:txBody>
       </p:sp>
@@ -4070,7 +4538,7 @@
           <a:p>
             <a:fld id="{DE4497FE-1A65-4799-B01D-44564FDEC19E}" type="slidenum">
               <a:rPr kumimoji="1" lang="ja-JP" altLang="en-US" smtClean="0"/>
-              <a:t>10</a:t>
+              <a:t>8</a:t>
             </a:fld>
             <a:endParaRPr kumimoji="1" lang="ja-JP" altLang="en-US"/>
           </a:p>
@@ -4079,7 +4547,7 @@
     </p:spTree>
     <p:extLst>
       <p:ext uri="{BB962C8B-B14F-4D97-AF65-F5344CB8AC3E}">
-        <p14:creationId xmlns:p14="http://schemas.microsoft.com/office/powerpoint/2010/main" val="2141883084"/>
+        <p14:creationId xmlns:p14="http://schemas.microsoft.com/office/powerpoint/2010/main" val="852255279"/>
       </p:ext>
     </p:extLst>
   </p:cSld>
@@ -4220,7 +4688,7 @@
           <a:p>
             <a:fld id="{4DB02D7F-2532-438E-A5EE-EC19DA75534B}" type="datetime1">
               <a:rPr kumimoji="1" lang="ja-JP" altLang="en-US" smtClean="0"/>
-              <a:t>2017/2/16</a:t>
+              <a:t>2017/2/21</a:t>
             </a:fld>
             <a:endParaRPr kumimoji="1" lang="ja-JP" altLang="en-US"/>
           </a:p>
@@ -4422,7 +4890,7 @@
           <a:p>
             <a:fld id="{DD1DF934-B258-4B85-9C99-F6141516D4AA}" type="datetime1">
               <a:rPr kumimoji="1" lang="ja-JP" altLang="en-US" smtClean="0"/>
-              <a:t>2017/2/16</a:t>
+              <a:t>2017/2/21</a:t>
             </a:fld>
             <a:endParaRPr kumimoji="1" lang="ja-JP" altLang="en-US"/>
           </a:p>
@@ -4634,7 +5102,7 @@
           <a:p>
             <a:fld id="{956DA83E-84A7-4D45-8181-410DAF9E54CB}" type="datetime1">
               <a:rPr kumimoji="1" lang="ja-JP" altLang="en-US" smtClean="0"/>
-              <a:t>2017/2/16</a:t>
+              <a:t>2017/2/21</a:t>
             </a:fld>
             <a:endParaRPr kumimoji="1" lang="ja-JP" altLang="en-US"/>
           </a:p>
@@ -4920,7 +5388,7 @@
           <a:p>
             <a:fld id="{0844B656-FDB1-41E7-9182-B72A8EA2B7B4}" type="datetime1">
               <a:rPr kumimoji="1" lang="ja-JP" altLang="en-US" smtClean="0"/>
-              <a:t>2017/2/16</a:t>
+              <a:t>2017/2/21</a:t>
             </a:fld>
             <a:endParaRPr kumimoji="1" lang="ja-JP" altLang="en-US"/>
           </a:p>
@@ -5018,13 +5486,6 @@
   <p:clrMapOvr>
     <a:masterClrMapping/>
   </p:clrMapOvr>
-  <p:timing>
-    <p:tnLst>
-      <p:par>
-        <p:cTn id="1" dur="indefinite" restart="never" nodeType="tmRoot"/>
-      </p:par>
-    </p:tnLst>
-  </p:timing>
 </p:sldLayout>
 </file>
 
@@ -5211,7 +5672,7 @@
           <a:p>
             <a:fld id="{F031C925-61E4-45D5-88D5-4F44B6A6C695}" type="datetime1">
               <a:rPr kumimoji="1" lang="ja-JP" altLang="en-US" smtClean="0"/>
-              <a:t>2017/2/16</a:t>
+              <a:t>2017/2/21</a:t>
             </a:fld>
             <a:endParaRPr kumimoji="1" lang="ja-JP" altLang="en-US"/>
           </a:p>
@@ -5507,7 +5968,7 @@
           <a:p>
             <a:fld id="{79C08BC7-4260-402C-BE74-17A2A6C67A3F}" type="datetime1">
               <a:rPr kumimoji="1" lang="ja-JP" altLang="en-US" smtClean="0"/>
-              <a:t>2017/2/16</a:t>
+              <a:t>2017/2/21</a:t>
             </a:fld>
             <a:endParaRPr kumimoji="1" lang="ja-JP" altLang="en-US"/>
           </a:p>
@@ -5938,7 +6399,7 @@
           <a:p>
             <a:fld id="{DD44CA3A-ACAA-452D-97E3-18339B7D635B}" type="datetime1">
               <a:rPr kumimoji="1" lang="ja-JP" altLang="en-US" smtClean="0"/>
-              <a:t>2017/2/16</a:t>
+              <a:t>2017/2/21</a:t>
             </a:fld>
             <a:endParaRPr kumimoji="1" lang="ja-JP" altLang="en-US"/>
           </a:p>
@@ -6056,7 +6517,7 @@
           <a:p>
             <a:fld id="{F558266F-E702-40A6-8A28-61164E3176C0}" type="datetime1">
               <a:rPr kumimoji="1" lang="ja-JP" altLang="en-US" smtClean="0"/>
-              <a:t>2017/2/16</a:t>
+              <a:t>2017/2/21</a:t>
             </a:fld>
             <a:endParaRPr kumimoji="1" lang="ja-JP" altLang="en-US"/>
           </a:p>
@@ -6151,7 +6612,7 @@
           <a:p>
             <a:fld id="{59F16E2B-0E24-410F-8EAD-D20C01EC42AC}" type="datetime1">
               <a:rPr kumimoji="1" lang="ja-JP" altLang="en-US" smtClean="0"/>
-              <a:t>2017/2/16</a:t>
+              <a:t>2017/2/21</a:t>
             </a:fld>
             <a:endParaRPr kumimoji="1" lang="ja-JP" altLang="en-US"/>
           </a:p>
@@ -6460,7 +6921,7 @@
           <a:p>
             <a:fld id="{A3A9DB37-13AF-4896-88E3-BD9571FA989D}" type="datetime1">
               <a:rPr kumimoji="1" lang="ja-JP" altLang="en-US" smtClean="0"/>
-              <a:t>2017/2/16</a:t>
+              <a:t>2017/2/21</a:t>
             </a:fld>
             <a:endParaRPr kumimoji="1" lang="ja-JP" altLang="en-US"/>
           </a:p>
@@ -6717,7 +7178,7 @@
           <a:p>
             <a:fld id="{87804AB5-84E9-48D8-831D-2ACD07026C5D}" type="datetime1">
               <a:rPr kumimoji="1" lang="ja-JP" altLang="en-US" smtClean="0"/>
-              <a:t>2017/2/16</a:t>
+              <a:t>2017/2/21</a:t>
             </a:fld>
             <a:endParaRPr kumimoji="1" lang="ja-JP" altLang="en-US"/>
           </a:p>
@@ -6962,7 +7423,7 @@
           <a:p>
             <a:fld id="{4F1FBA1F-5538-4C7C-8A85-B02DD92ED928}" type="datetime1">
               <a:rPr kumimoji="1" lang="ja-JP" altLang="en-US" smtClean="0"/>
-              <a:t>2017/2/16</a:t>
+              <a:t>2017/2/21</a:t>
             </a:fld>
             <a:endParaRPr kumimoji="1" lang="ja-JP" altLang="en-US"/>
           </a:p>
@@ -7400,10 +7861,6 @@
               <a:rPr lang="ja-JP" altLang="ja-JP" dirty="0"/>
               <a:t>プログラミングを用いた</a:t>
             </a:r>
-            <a:r>
-              <a:rPr lang="en-US" altLang="ja-JP" dirty="0"/>
-              <a:t/>
-            </a:r>
             <a:br>
               <a:rPr lang="en-US" altLang="ja-JP" dirty="0"/>
             </a:br>
@@ -7463,13 +7920,6 @@
   <p:clrMapOvr>
     <a:masterClrMapping/>
   </p:clrMapOvr>
-  <p:timing>
-    <p:tnLst>
-      <p:par>
-        <p:cTn id="1" dur="indefinite" restart="never" nodeType="tmRoot"/>
-      </p:par>
-    </p:tnLst>
-  </p:timing>
 </p:sld>
 </file>
 
@@ -7506,10 +7956,17 @@
           <a:lstStyle/>
           <a:p>
             <a:r>
-              <a:rPr kumimoji="1" lang="ja-JP" altLang="en-US" dirty="0" smtClean="0"/>
-              <a:t>５．まとめ</a:t>
-            </a:r>
-            <a:endParaRPr kumimoji="1" lang="ja-JP" altLang="en-US" dirty="0"/>
+              <a:rPr lang="en-US" altLang="ja-JP" dirty="0"/>
+              <a:t>5</a:t>
+            </a:r>
+            <a:r>
+              <a:rPr kumimoji="1" lang="ja-JP" altLang="en-US" dirty="0" err="1"/>
+              <a:t>．</a:t>
+            </a:r>
+            <a:r>
+              <a:rPr kumimoji="1" lang="ja-JP" altLang="en-US" dirty="0"/>
+              <a:t>今後の展望</a:t>
+            </a:r>
           </a:p>
         </p:txBody>
       </p:sp>
@@ -7526,129 +7983,83 @@
         <p:spPr/>
         <p:txBody>
           <a:bodyPr>
-            <a:normAutofit fontScale="77500" lnSpcReduction="20000"/>
+            <a:normAutofit/>
           </a:bodyPr>
           <a:lstStyle/>
           <a:p>
-            <a:r>
-              <a:rPr kumimoji="1" lang="en-US" altLang="ja-JP" dirty="0"/>
-              <a:t>Web</a:t>
-            </a:r>
-            <a:r>
-              <a:rPr lang="ja-JP" altLang="en-US" dirty="0"/>
-              <a:t>プログラミングで授業評価アンケートを作成</a:t>
-            </a:r>
-            <a:r>
-              <a:rPr lang="ja-JP" altLang="en-US" dirty="0" smtClean="0"/>
-              <a:t>した。</a:t>
-            </a:r>
-            <a:endParaRPr lang="en-US" altLang="ja-JP" dirty="0"/>
-          </a:p>
-          <a:p>
-            <a:endParaRPr kumimoji="1" lang="en-US" altLang="ja-JP" dirty="0"/>
-          </a:p>
-          <a:p>
             <a:pPr>
               <a:lnSpc>
-                <a:spcPct val="120000"/>
+                <a:spcPct val="100000"/>
               </a:lnSpc>
             </a:pPr>
             <a:r>
-              <a:rPr lang="ja-JP" altLang="en-US" dirty="0" smtClean="0"/>
-              <a:t>紙</a:t>
-            </a:r>
-            <a:r>
               <a:rPr lang="ja-JP" altLang="en-US" dirty="0"/>
-              <a:t>資源</a:t>
-            </a:r>
-            <a:r>
-              <a:rPr lang="ja-JP" altLang="en-US" dirty="0" smtClean="0"/>
-              <a:t>の節約、</a:t>
-            </a:r>
-            <a:r>
-              <a:rPr lang="ja-JP" altLang="en-US" dirty="0"/>
-              <a:t>教員の労力</a:t>
-            </a:r>
-            <a:r>
-              <a:rPr lang="ja-JP" altLang="en-US" dirty="0" smtClean="0"/>
-              <a:t>削減</a:t>
-            </a:r>
-            <a:endParaRPr lang="en-US" altLang="ja-JP" dirty="0" smtClean="0"/>
+              <a:t>アンケート結果を自動で集計、配信</a:t>
+            </a:r>
+            <a:endParaRPr lang="en-US" altLang="ja-JP" dirty="0"/>
           </a:p>
           <a:p>
             <a:pPr marL="0" indent="0">
               <a:lnSpc>
-                <a:spcPct val="120000"/>
+                <a:spcPct val="100000"/>
               </a:lnSpc>
               <a:buNone/>
             </a:pPr>
             <a:r>
               <a:rPr lang="ja-JP" altLang="en-US" dirty="0"/>
-              <a:t>　</a:t>
-            </a:r>
-            <a:r>
-              <a:rPr lang="ja-JP" altLang="en-US" dirty="0" smtClean="0"/>
-              <a:t>ユーザ</a:t>
-            </a:r>
-            <a:r>
-              <a:rPr lang="ja-JP" altLang="en-US" dirty="0"/>
-              <a:t>体験の</a:t>
-            </a:r>
-            <a:r>
-              <a:rPr lang="ja-JP" altLang="en-US" dirty="0" smtClean="0"/>
-              <a:t>向上を実現した。</a:t>
+              <a:t>　する機能を組み込む</a:t>
             </a:r>
             <a:endParaRPr lang="en-US" altLang="ja-JP" dirty="0"/>
           </a:p>
-          <a:p>
-            <a:endParaRPr kumimoji="1" lang="en-US" altLang="ja-JP" dirty="0"/>
-          </a:p>
-          <a:p>
-            <a:pPr>
-              <a:lnSpc>
-                <a:spcPct val="120000"/>
-              </a:lnSpc>
-            </a:pPr>
-            <a:r>
-              <a:rPr lang="ja-JP" altLang="en-US" dirty="0"/>
-              <a:t>新機能を実装すること</a:t>
-            </a:r>
-            <a:r>
-              <a:rPr lang="ja-JP" altLang="en-US" dirty="0" smtClean="0"/>
-              <a:t>でより教員の負担が</a:t>
-            </a:r>
-            <a:r>
-              <a:rPr lang="ja-JP" altLang="en-US" dirty="0" smtClean="0"/>
-              <a:t>減り</a:t>
-            </a:r>
-            <a:endParaRPr lang="en-US" altLang="ja-JP" dirty="0" smtClean="0"/>
-          </a:p>
-          <a:p>
-            <a:pPr marL="0" indent="0">
-              <a:lnSpc>
-                <a:spcPct val="120000"/>
-              </a:lnSpc>
-              <a:buNone/>
-            </a:pPr>
-            <a:r>
-              <a:rPr lang="ja-JP" altLang="en-US" dirty="0"/>
-              <a:t>　</a:t>
-            </a:r>
-            <a:r>
-              <a:rPr lang="ja-JP" altLang="en-US" dirty="0" smtClean="0"/>
-              <a:t>より</a:t>
-            </a:r>
-            <a:r>
-              <a:rPr lang="ja-JP" altLang="en-US" dirty="0" smtClean="0"/>
-              <a:t>スムーズにアンケートを実施できる。</a:t>
-            </a:r>
-            <a:endParaRPr kumimoji="1" lang="ja-JP" altLang="en-US" dirty="0"/>
-          </a:p>
-        </p:txBody>
-      </p:sp>
-      <p:sp>
-        <p:nvSpPr>
-          <p:cNvPr id="4" name="スライド番号プレースホルダー 3"/>
+        </p:txBody>
+      </p:sp>
+      <p:sp>
+        <p:nvSpPr>
+          <p:cNvPr id="4" name="円/楕円 3"/>
+          <p:cNvSpPr/>
+          <p:nvPr/>
+        </p:nvSpPr>
+        <p:spPr>
+          <a:xfrm>
+            <a:off x="484067" y="3504100"/>
+            <a:ext cx="7886700" cy="2672862"/>
+          </a:xfrm>
+          <a:prstGeom prst="ellipse">
+            <a:avLst/>
+          </a:prstGeom>
+        </p:spPr>
+        <p:style>
+          <a:lnRef idx="2">
+            <a:schemeClr val="accent1">
+              <a:shade val="50000"/>
+            </a:schemeClr>
+          </a:lnRef>
+          <a:fillRef idx="1">
+            <a:schemeClr val="accent1"/>
+          </a:fillRef>
+          <a:effectRef idx="0">
+            <a:schemeClr val="accent1"/>
+          </a:effectRef>
+          <a:fontRef idx="minor">
+            <a:schemeClr val="lt1"/>
+          </a:fontRef>
+        </p:style>
+        <p:txBody>
+          <a:bodyPr rtlCol="0" anchor="ctr"/>
+          <a:lstStyle/>
+          <a:p>
+            <a:pPr algn="ctr"/>
+            <a:r>
+              <a:rPr lang="ja-JP" altLang="en-US" sz="3600" dirty="0"/>
+              <a:t>より少ないコストで授業評価アンケートを実施可能</a:t>
+            </a:r>
+            <a:endParaRPr lang="en-US" altLang="ja-JP" sz="3600" dirty="0"/>
+          </a:p>
+        </p:txBody>
+      </p:sp>
+      <p:sp>
+        <p:nvSpPr>
+          <p:cNvPr id="5" name="スライド番号プレースホルダー 4"/>
           <p:cNvSpPr>
             <a:spLocks noGrp="1"/>
           </p:cNvSpPr>
@@ -7672,7 +8083,7 @@
     </p:spTree>
     <p:extLst>
       <p:ext uri="{BB962C8B-B14F-4D97-AF65-F5344CB8AC3E}">
-        <p14:creationId xmlns:p14="http://schemas.microsoft.com/office/powerpoint/2010/main" val="1114868748"/>
+        <p14:creationId xmlns:p14="http://schemas.microsoft.com/office/powerpoint/2010/main" val="231410377"/>
       </p:ext>
     </p:extLst>
   </p:cSld>
@@ -7682,7 +8093,78 @@
   <p:timing>
     <p:tnLst>
       <p:par>
-        <p:cTn id="1" dur="indefinite" restart="never" nodeType="tmRoot"/>
+        <p:cTn id="1" dur="indefinite" restart="never" nodeType="tmRoot">
+          <p:childTnLst>
+            <p:seq concurrent="1" nextAc="seek">
+              <p:cTn id="2" dur="indefinite" nodeType="mainSeq">
+                <p:childTnLst>
+                  <p:par>
+                    <p:cTn id="3" fill="hold">
+                      <p:stCondLst>
+                        <p:cond delay="indefinite"/>
+                      </p:stCondLst>
+                      <p:childTnLst>
+                        <p:par>
+                          <p:cTn id="4" fill="hold">
+                            <p:stCondLst>
+                              <p:cond delay="0"/>
+                            </p:stCondLst>
+                            <p:childTnLst>
+                              <p:par>
+                                <p:cTn id="5" presetID="18" presetClass="emph" presetSubtype="0" fill="hold" nodeType="clickEffect">
+                                  <p:stCondLst>
+                                    <p:cond delay="0"/>
+                                  </p:stCondLst>
+                                  <p:iterate type="lt">
+                                    <p:tmPct val="4000"/>
+                                  </p:iterate>
+                                  <p:childTnLst>
+                                    <p:set>
+                                      <p:cBhvr override="childStyle">
+                                        <p:cTn id="6" dur="500" fill="hold"/>
+                                        <p:tgtEl>
+                                          <p:spTgt spid="4">
+                                            <p:txEl>
+                                              <p:pRg st="0" end="0"/>
+                                            </p:txEl>
+                                          </p:spTgt>
+                                        </p:tgtEl>
+                                        <p:attrNameLst>
+                                          <p:attrName>style.textDecorationUnderline</p:attrName>
+                                        </p:attrNameLst>
+                                      </p:cBhvr>
+                                      <p:to>
+                                        <p:strVal val="true"/>
+                                      </p:to>
+                                    </p:set>
+                                  </p:childTnLst>
+                                </p:cTn>
+                              </p:par>
+                            </p:childTnLst>
+                          </p:cTn>
+                        </p:par>
+                      </p:childTnLst>
+                    </p:cTn>
+                  </p:par>
+                </p:childTnLst>
+              </p:cTn>
+              <p:prevCondLst>
+                <p:cond evt="onPrev" delay="0">
+                  <p:tgtEl>
+                    <p:sldTgt/>
+                  </p:tgtEl>
+                </p:cond>
+              </p:prevCondLst>
+              <p:nextCondLst>
+                <p:cond evt="onNext" delay="0">
+                  <p:tgtEl>
+                    <p:sldTgt/>
+                  </p:tgtEl>
+                </p:cond>
+              </p:nextCondLst>
+            </p:seq>
+          </p:childTnLst>
+        </p:cTn>
       </p:par>
     </p:tnLst>
   </p:timing>
@@ -7708,6 +8190,408 @@
       </p:grpSpPr>
       <p:sp>
         <p:nvSpPr>
+          <p:cNvPr id="2" name="タイトル 1"/>
+          <p:cNvSpPr>
+            <a:spLocks noGrp="1"/>
+          </p:cNvSpPr>
+          <p:nvPr>
+            <p:ph type="title"/>
+          </p:nvPr>
+        </p:nvSpPr>
+        <p:spPr/>
+        <p:txBody>
+          <a:bodyPr/>
+          <a:lstStyle/>
+          <a:p>
+            <a:r>
+              <a:rPr lang="en-US" altLang="ja-JP" dirty="0"/>
+              <a:t>6</a:t>
+            </a:r>
+            <a:r>
+              <a:rPr kumimoji="1" lang="ja-JP" altLang="en-US" dirty="0" err="1"/>
+              <a:t>．</a:t>
+            </a:r>
+            <a:r>
+              <a:rPr kumimoji="1" lang="ja-JP" altLang="en-US" dirty="0"/>
+              <a:t>まとめ</a:t>
+            </a:r>
+          </a:p>
+        </p:txBody>
+      </p:sp>
+      <p:sp>
+        <p:nvSpPr>
+          <p:cNvPr id="3" name="コンテンツ プレースホルダー 2"/>
+          <p:cNvSpPr>
+            <a:spLocks noGrp="1"/>
+          </p:cNvSpPr>
+          <p:nvPr>
+            <p:ph idx="1"/>
+          </p:nvPr>
+        </p:nvSpPr>
+        <p:spPr/>
+        <p:txBody>
+          <a:bodyPr>
+            <a:normAutofit fontScale="77500" lnSpcReduction="20000"/>
+          </a:bodyPr>
+          <a:lstStyle/>
+          <a:p>
+            <a:r>
+              <a:rPr kumimoji="1" lang="en-US" altLang="ja-JP" dirty="0"/>
+              <a:t>Web</a:t>
+            </a:r>
+            <a:r>
+              <a:rPr lang="ja-JP" altLang="en-US" dirty="0"/>
+              <a:t>プログラミングで授業評価アンケートを作成した。</a:t>
+            </a:r>
+            <a:endParaRPr lang="en-US" altLang="ja-JP" dirty="0"/>
+          </a:p>
+          <a:p>
+            <a:endParaRPr kumimoji="1" lang="en-US" altLang="ja-JP" dirty="0"/>
+          </a:p>
+          <a:p>
+            <a:pPr>
+              <a:lnSpc>
+                <a:spcPct val="120000"/>
+              </a:lnSpc>
+            </a:pPr>
+            <a:r>
+              <a:rPr lang="ja-JP" altLang="en-US" dirty="0"/>
+              <a:t>紙資源の節約、教員の労力削減</a:t>
+            </a:r>
+            <a:endParaRPr lang="en-US" altLang="ja-JP" dirty="0"/>
+          </a:p>
+          <a:p>
+            <a:pPr marL="0" indent="0">
+              <a:lnSpc>
+                <a:spcPct val="120000"/>
+              </a:lnSpc>
+              <a:buNone/>
+            </a:pPr>
+            <a:r>
+              <a:rPr lang="ja-JP" altLang="en-US" dirty="0"/>
+              <a:t>　ユーザ体験の向上を実現した。</a:t>
+            </a:r>
+            <a:endParaRPr lang="en-US" altLang="ja-JP" dirty="0"/>
+          </a:p>
+          <a:p>
+            <a:endParaRPr kumimoji="1" lang="en-US" altLang="ja-JP" dirty="0"/>
+          </a:p>
+          <a:p>
+            <a:pPr>
+              <a:lnSpc>
+                <a:spcPct val="120000"/>
+              </a:lnSpc>
+            </a:pPr>
+            <a:r>
+              <a:rPr lang="ja-JP" altLang="en-US" dirty="0"/>
+              <a:t>新機能を実装することでより教員の負担が減り</a:t>
+            </a:r>
+            <a:endParaRPr lang="en-US" altLang="ja-JP" dirty="0"/>
+          </a:p>
+          <a:p>
+            <a:pPr marL="0" indent="0">
+              <a:lnSpc>
+                <a:spcPct val="120000"/>
+              </a:lnSpc>
+              <a:buNone/>
+            </a:pPr>
+            <a:r>
+              <a:rPr lang="ja-JP" altLang="en-US" dirty="0"/>
+              <a:t>　よりスムーズにアンケートを実施できる。</a:t>
+            </a:r>
+            <a:endParaRPr kumimoji="1" lang="ja-JP" altLang="en-US" dirty="0"/>
+          </a:p>
+        </p:txBody>
+      </p:sp>
+      <p:sp>
+        <p:nvSpPr>
+          <p:cNvPr id="4" name="スライド番号プレースホルダー 3"/>
+          <p:cNvSpPr>
+            <a:spLocks noGrp="1"/>
+          </p:cNvSpPr>
+          <p:nvPr>
+            <p:ph type="sldNum" sz="quarter" idx="12"/>
+          </p:nvPr>
+        </p:nvSpPr>
+        <p:spPr/>
+        <p:txBody>
+          <a:bodyPr/>
+          <a:lstStyle/>
+          <a:p>
+            <a:fld id="{67F4F476-6E52-48A4-9511-77073BEB0098}" type="slidenum">
+              <a:rPr kumimoji="1" lang="ja-JP" altLang="en-US" smtClean="0"/>
+              <a:t>10</a:t>
+            </a:fld>
+            <a:endParaRPr kumimoji="1" lang="ja-JP" altLang="en-US" dirty="0"/>
+          </a:p>
+        </p:txBody>
+      </p:sp>
+    </p:spTree>
+    <p:extLst>
+      <p:ext uri="{BB962C8B-B14F-4D97-AF65-F5344CB8AC3E}">
+        <p14:creationId xmlns:p14="http://schemas.microsoft.com/office/powerpoint/2010/main" val="1114868748"/>
+      </p:ext>
+    </p:extLst>
+  </p:cSld>
+  <p:clrMapOvr>
+    <a:masterClrMapping/>
+  </p:clrMapOvr>
+  <p:timing>
+    <p:tnLst>
+      <p:par>
+        <p:cTn id="1" dur="indefinite" restart="never" nodeType="tmRoot">
+          <p:childTnLst>
+            <p:seq concurrent="1" nextAc="seek">
+              <p:cTn id="2" dur="indefinite" nodeType="mainSeq">
+                <p:childTnLst>
+                  <p:par>
+                    <p:cTn id="3" fill="hold">
+                      <p:stCondLst>
+                        <p:cond delay="indefinite"/>
+                      </p:stCondLst>
+                      <p:childTnLst>
+                        <p:par>
+                          <p:cTn id="4" fill="hold">
+                            <p:stCondLst>
+                              <p:cond delay="0"/>
+                            </p:stCondLst>
+                            <p:childTnLst>
+                              <p:par>
+                                <p:cTn id="5" presetID="15" presetClass="emph" presetSubtype="0" nodeType="clickEffect">
+                                  <p:stCondLst>
+                                    <p:cond delay="0"/>
+                                  </p:stCondLst>
+                                  <p:iterate type="lt">
+                                    <p:tmAbs val="25"/>
+                                  </p:iterate>
+                                  <p:childTnLst>
+                                    <p:set>
+                                      <p:cBhvr override="childStyle">
+                                        <p:cTn id="6" dur="indefinite"/>
+                                        <p:tgtEl>
+                                          <p:spTgt spid="3">
+                                            <p:txEl>
+                                              <p:pRg st="0" end="0"/>
+                                            </p:txEl>
+                                          </p:spTgt>
+                                        </p:tgtEl>
+                                        <p:attrNameLst>
+                                          <p:attrName>style.fontWeight</p:attrName>
+                                        </p:attrNameLst>
+                                      </p:cBhvr>
+                                      <p:to>
+                                        <p:strVal val="bold"/>
+                                      </p:to>
+                                    </p:set>
+                                  </p:childTnLst>
+                                </p:cTn>
+                              </p:par>
+                            </p:childTnLst>
+                          </p:cTn>
+                        </p:par>
+                      </p:childTnLst>
+                    </p:cTn>
+                  </p:par>
+                  <p:par>
+                    <p:cTn id="7" fill="hold">
+                      <p:stCondLst>
+                        <p:cond delay="indefinite"/>
+                      </p:stCondLst>
+                      <p:childTnLst>
+                        <p:par>
+                          <p:cTn id="8" fill="hold">
+                            <p:stCondLst>
+                              <p:cond delay="0"/>
+                            </p:stCondLst>
+                            <p:childTnLst>
+                              <p:par>
+                                <p:cTn id="9" presetID="15" presetClass="emph" presetSubtype="0" nodeType="clickEffect">
+                                  <p:stCondLst>
+                                    <p:cond delay="0"/>
+                                  </p:stCondLst>
+                                  <p:iterate type="lt">
+                                    <p:tmAbs val="25"/>
+                                  </p:iterate>
+                                  <p:childTnLst>
+                                    <p:set>
+                                      <p:cBhvr override="childStyle">
+                                        <p:cTn id="10" dur="indefinite"/>
+                                        <p:tgtEl>
+                                          <p:spTgt spid="3">
+                                            <p:txEl>
+                                              <p:pRg st="2" end="2"/>
+                                            </p:txEl>
+                                          </p:spTgt>
+                                        </p:tgtEl>
+                                        <p:attrNameLst>
+                                          <p:attrName>style.fontWeight</p:attrName>
+                                        </p:attrNameLst>
+                                      </p:cBhvr>
+                                      <p:to>
+                                        <p:strVal val="bold"/>
+                                      </p:to>
+                                    </p:set>
+                                  </p:childTnLst>
+                                </p:cTn>
+                              </p:par>
+                              <p:par>
+                                <p:cTn id="11" presetID="15" presetClass="emph" presetSubtype="0" nodeType="withEffect">
+                                  <p:stCondLst>
+                                    <p:cond delay="0"/>
+                                  </p:stCondLst>
+                                  <p:iterate type="lt">
+                                    <p:tmAbs val="25"/>
+                                  </p:iterate>
+                                  <p:childTnLst>
+                                    <p:set>
+                                      <p:cBhvr override="childStyle">
+                                        <p:cTn id="12" dur="indefinite"/>
+                                        <p:tgtEl>
+                                          <p:spTgt spid="3">
+                                            <p:txEl>
+                                              <p:pRg st="3" end="3"/>
+                                            </p:txEl>
+                                          </p:spTgt>
+                                        </p:tgtEl>
+                                        <p:attrNameLst>
+                                          <p:attrName>style.fontWeight</p:attrName>
+                                        </p:attrNameLst>
+                                      </p:cBhvr>
+                                      <p:to>
+                                        <p:strVal val="bold"/>
+                                      </p:to>
+                                    </p:set>
+                                  </p:childTnLst>
+                                </p:cTn>
+                              </p:par>
+                            </p:childTnLst>
+                          </p:cTn>
+                        </p:par>
+                      </p:childTnLst>
+                    </p:cTn>
+                  </p:par>
+                  <p:par>
+                    <p:cTn id="13" fill="hold">
+                      <p:stCondLst>
+                        <p:cond delay="indefinite"/>
+                      </p:stCondLst>
+                      <p:childTnLst>
+                        <p:par>
+                          <p:cTn id="14" fill="hold">
+                            <p:stCondLst>
+                              <p:cond delay="0"/>
+                            </p:stCondLst>
+                            <p:childTnLst>
+                              <p:par>
+                                <p:cTn id="15" presetID="15" presetClass="emph" presetSubtype="0" nodeType="clickEffect">
+                                  <p:stCondLst>
+                                    <p:cond delay="0"/>
+                                  </p:stCondLst>
+                                  <p:iterate type="lt">
+                                    <p:tmAbs val="25"/>
+                                  </p:iterate>
+                                  <p:childTnLst>
+                                    <p:set>
+                                      <p:cBhvr override="childStyle">
+                                        <p:cTn id="16" dur="indefinite"/>
+                                        <p:tgtEl>
+                                          <p:spTgt spid="3">
+                                            <p:txEl>
+                                              <p:pRg st="5" end="5"/>
+                                            </p:txEl>
+                                          </p:spTgt>
+                                        </p:tgtEl>
+                                        <p:attrNameLst>
+                                          <p:attrName>style.fontWeight</p:attrName>
+                                        </p:attrNameLst>
+                                      </p:cBhvr>
+                                      <p:to>
+                                        <p:strVal val="bold"/>
+                                      </p:to>
+                                    </p:set>
+                                  </p:childTnLst>
+                                </p:cTn>
+                              </p:par>
+                              <p:par>
+                                <p:cTn id="17" presetID="15" presetClass="emph" presetSubtype="0" nodeType="withEffect">
+                                  <p:stCondLst>
+                                    <p:cond delay="0"/>
+                                  </p:stCondLst>
+                                  <p:iterate type="lt">
+                                    <p:tmAbs val="25"/>
+                                  </p:iterate>
+                                  <p:childTnLst>
+                                    <p:set>
+                                      <p:cBhvr override="childStyle">
+                                        <p:cTn id="18" dur="indefinite"/>
+                                        <p:tgtEl>
+                                          <p:spTgt spid="3">
+                                            <p:txEl>
+                                              <p:pRg st="6" end="6"/>
+                                            </p:txEl>
+                                          </p:spTgt>
+                                        </p:tgtEl>
+                                        <p:attrNameLst>
+                                          <p:attrName>style.fontWeight</p:attrName>
+                                        </p:attrNameLst>
+                                      </p:cBhvr>
+                                      <p:to>
+                                        <p:strVal val="bold"/>
+                                      </p:to>
+                                    </p:set>
+                                  </p:childTnLst>
+                                </p:cTn>
+                              </p:par>
+                            </p:childTnLst>
+                          </p:cTn>
+                        </p:par>
+                      </p:childTnLst>
+                    </p:cTn>
+                  </p:par>
+                </p:childTnLst>
+              </p:cTn>
+              <p:prevCondLst>
+                <p:cond evt="onPrev" delay="0">
+                  <p:tgtEl>
+                    <p:sldTgt/>
+                  </p:tgtEl>
+                </p:cond>
+              </p:prevCondLst>
+              <p:nextCondLst>
+                <p:cond evt="onNext" delay="0">
+                  <p:tgtEl>
+                    <p:sldTgt/>
+                  </p:tgtEl>
+                </p:cond>
+              </p:nextCondLst>
+            </p:seq>
+          </p:childTnLst>
+        </p:cTn>
+      </p:par>
+    </p:tnLst>
+  </p:timing>
+</p:sld>
+</file>
+
+<file path=ppt/slides/slide12.xml><?xml version="1.0" encoding="utf-8"?>
+<p:sld xmlns:a="http://schemas.openxmlformats.org/drawingml/2006/main" xmlns:r="http://schemas.openxmlformats.org/officeDocument/2006/relationships" xmlns:p="http://schemas.openxmlformats.org/presentationml/2006/main">
+  <p:cSld>
+    <p:spTree>
+      <p:nvGrpSpPr>
+        <p:cNvPr id="1" name=""/>
+        <p:cNvGrpSpPr/>
+        <p:nvPr/>
+      </p:nvGrpSpPr>
+      <p:grpSpPr>
+        <a:xfrm>
+          <a:off x="0" y="0"/>
+          <a:ext cx="0" cy="0"/>
+          <a:chOff x="0" y="0"/>
+          <a:chExt cx="0" cy="0"/>
+        </a:xfrm>
+      </p:grpSpPr>
+      <p:sp>
+        <p:nvSpPr>
           <p:cNvPr id="3" name="コンテンツ プレースホルダー 2"/>
           <p:cNvSpPr>
             <a:spLocks noGrp="1"/>
@@ -7724,19 +8608,15 @@
             <a:pPr marL="0" indent="0" algn="ctr">
               <a:buNone/>
             </a:pPr>
-            <a:endParaRPr lang="en-US" altLang="ja-JP" dirty="0" smtClean="0"/>
+            <a:endParaRPr lang="en-US" altLang="ja-JP" dirty="0"/>
           </a:p>
           <a:p>
             <a:pPr marL="0" indent="0" algn="ctr">
               <a:buNone/>
             </a:pPr>
             <a:r>
-              <a:rPr lang="ja-JP" altLang="en-US" dirty="0" smtClean="0"/>
-              <a:t>ご清聴ありがとうございまし</a:t>
-            </a:r>
-            <a:r>
               <a:rPr lang="ja-JP" altLang="en-US" dirty="0"/>
-              <a:t>た</a:t>
+              <a:t>ご清聴ありがとうございました</a:t>
             </a:r>
             <a:endParaRPr kumimoji="1" lang="ja-JP" altLang="en-US" dirty="0"/>
           </a:p>
@@ -7805,7 +8685,7 @@
           <a:p>
             <a:fld id="{67F4F476-6E52-48A4-9511-77073BEB0098}" type="slidenum">
               <a:rPr kumimoji="1" lang="ja-JP" altLang="en-US" smtClean="0"/>
-              <a:t>10</a:t>
+              <a:t>11</a:t>
             </a:fld>
             <a:endParaRPr kumimoji="1" lang="ja-JP" altLang="en-US" dirty="0"/>
           </a:p>
@@ -7821,154 +8701,6 @@
   <p:clrMapOvr>
     <a:masterClrMapping/>
   </p:clrMapOvr>
-  <p:timing>
-    <p:tnLst>
-      <p:par>
-        <p:cTn id="1" dur="indefinite" restart="never" nodeType="tmRoot"/>
-      </p:par>
-    </p:tnLst>
-  </p:timing>
-</p:sld>
-</file>
-
-<file path=ppt/slides/slide12.xml><?xml version="1.0" encoding="utf-8"?>
-<p:sld xmlns:a="http://schemas.openxmlformats.org/drawingml/2006/main" xmlns:r="http://schemas.openxmlformats.org/officeDocument/2006/relationships" xmlns:p="http://schemas.openxmlformats.org/presentationml/2006/main">
-  <p:cSld>
-    <p:spTree>
-      <p:nvGrpSpPr>
-        <p:cNvPr id="1" name=""/>
-        <p:cNvGrpSpPr/>
-        <p:nvPr/>
-      </p:nvGrpSpPr>
-      <p:grpSpPr>
-        <a:xfrm>
-          <a:off x="0" y="0"/>
-          <a:ext cx="0" cy="0"/>
-          <a:chOff x="0" y="0"/>
-          <a:chExt cx="0" cy="0"/>
-        </a:xfrm>
-      </p:grpSpPr>
-      <p:sp>
-        <p:nvSpPr>
-          <p:cNvPr id="2" name="タイトル 1"/>
-          <p:cNvSpPr>
-            <a:spLocks noGrp="1"/>
-          </p:cNvSpPr>
-          <p:nvPr>
-            <p:ph type="title"/>
-          </p:nvPr>
-        </p:nvSpPr>
-        <p:spPr/>
-        <p:txBody>
-          <a:bodyPr/>
-          <a:lstStyle/>
-          <a:p>
-            <a:r>
-              <a:rPr lang="ja-JP" altLang="en-US" dirty="0"/>
-              <a:t>今後の展望</a:t>
-            </a:r>
-            <a:endParaRPr kumimoji="1" lang="ja-JP" altLang="en-US" dirty="0"/>
-          </a:p>
-        </p:txBody>
-      </p:sp>
-      <p:sp>
-        <p:nvSpPr>
-          <p:cNvPr id="3" name="コンテンツ プレースホルダー 2"/>
-          <p:cNvSpPr>
-            <a:spLocks noGrp="1"/>
-          </p:cNvSpPr>
-          <p:nvPr>
-            <p:ph idx="1"/>
-          </p:nvPr>
-        </p:nvSpPr>
-        <p:spPr/>
-        <p:txBody>
-          <a:bodyPr>
-            <a:normAutofit/>
-          </a:bodyPr>
-          <a:lstStyle/>
-          <a:p>
-            <a:pPr>
-              <a:lnSpc>
-                <a:spcPct val="100000"/>
-              </a:lnSpc>
-            </a:pPr>
-            <a:r>
-              <a:rPr lang="ja-JP" altLang="en-US" dirty="0"/>
-              <a:t>授業</a:t>
-            </a:r>
-            <a:r>
-              <a:rPr lang="ja-JP" altLang="en-US" dirty="0" smtClean="0"/>
-              <a:t>が終了するごとにアンケートを実施できるシステムを作成する</a:t>
-            </a:r>
-            <a:endParaRPr lang="en-US" altLang="ja-JP" dirty="0" smtClean="0"/>
-          </a:p>
-          <a:p>
-            <a:pPr lvl="1"/>
-            <a:r>
-              <a:rPr kumimoji="1" lang="ja-JP" altLang="en-US" dirty="0" smtClean="0"/>
-              <a:t>追加する新機能</a:t>
-            </a:r>
-            <a:endParaRPr kumimoji="1" lang="en-US" altLang="ja-JP" dirty="0" smtClean="0"/>
-          </a:p>
-          <a:p>
-            <a:pPr lvl="2"/>
-            <a:r>
-              <a:rPr lang="ja-JP" altLang="en-US" dirty="0" smtClean="0"/>
-              <a:t>アンケート結果の自動集計機能</a:t>
-            </a:r>
-            <a:endParaRPr lang="en-US" altLang="ja-JP" dirty="0" smtClean="0"/>
-          </a:p>
-          <a:p>
-            <a:pPr lvl="2"/>
-            <a:r>
-              <a:rPr kumimoji="1" lang="ja-JP" altLang="en-US" dirty="0" smtClean="0"/>
-              <a:t>アンケート結果の自動配信機能</a:t>
-            </a:r>
-            <a:endParaRPr kumimoji="1" lang="en-US" altLang="ja-JP" dirty="0"/>
-          </a:p>
-        </p:txBody>
-      </p:sp>
-      <p:sp>
-        <p:nvSpPr>
-          <p:cNvPr id="4" name="スライド番号プレースホルダー 3"/>
-          <p:cNvSpPr>
-            <a:spLocks noGrp="1"/>
-          </p:cNvSpPr>
-          <p:nvPr>
-            <p:ph type="sldNum" sz="quarter" idx="12"/>
-          </p:nvPr>
-        </p:nvSpPr>
-        <p:spPr/>
-        <p:txBody>
-          <a:bodyPr/>
-          <a:lstStyle/>
-          <a:p>
-            <a:fld id="{67F4F476-6E52-48A4-9511-77073BEB0098}" type="slidenum">
-              <a:rPr kumimoji="1" lang="ja-JP" altLang="en-US" smtClean="0"/>
-              <a:t>11</a:t>
-            </a:fld>
-            <a:endParaRPr kumimoji="1" lang="ja-JP" altLang="en-US" dirty="0"/>
-          </a:p>
-        </p:txBody>
-      </p:sp>
-    </p:spTree>
-    <p:extLst>
-      <p:ext uri="{BB962C8B-B14F-4D97-AF65-F5344CB8AC3E}">
-        <p14:creationId xmlns:p14="http://schemas.microsoft.com/office/powerpoint/2010/main" val="4066048542"/>
-      </p:ext>
-    </p:extLst>
-  </p:cSld>
-  <p:clrMapOvr>
-    <a:masterClrMapping/>
-  </p:clrMapOvr>
-  <p:timing>
-    <p:tnLst>
-      <p:par>
-        <p:cTn id="1" dur="indefinite" restart="never" nodeType="tmRoot"/>
-      </p:par>
-    </p:tnLst>
-  </p:timing>
 </p:sld>
 </file>
 
@@ -8005,10 +8737,13 @@
           <a:lstStyle/>
           <a:p>
             <a:r>
-              <a:rPr lang="ja-JP" altLang="en-US" dirty="0"/>
-              <a:t>今後の展望</a:t>
-            </a:r>
-            <a:endParaRPr kumimoji="1" lang="ja-JP" altLang="en-US" dirty="0"/>
+              <a:rPr kumimoji="1" lang="en-US" altLang="ja-JP" dirty="0"/>
+              <a:t>XEE</a:t>
+            </a:r>
+            <a:r>
+              <a:rPr kumimoji="1" lang="ja-JP" altLang="en-US" dirty="0"/>
+              <a:t>システムとは</a:t>
+            </a:r>
           </a:p>
         </p:txBody>
       </p:sp>
@@ -8022,225 +8757,67 @@
             <p:ph idx="1"/>
           </p:nvPr>
         </p:nvSpPr>
-        <p:spPr/>
-        <p:txBody>
-          <a:bodyPr>
-            <a:normAutofit fontScale="92500" lnSpcReduction="10000"/>
-          </a:bodyPr>
-          <a:lstStyle/>
-          <a:p>
-            <a:r>
-              <a:rPr lang="ja-JP" altLang="en-US" dirty="0"/>
-              <a:t>これらの新機能を実装することで、授業終了後に学生がすぐに今回の授業を評価することができ、より正確な意見が収集できます。</a:t>
-            </a:r>
-            <a:endParaRPr lang="en-US" altLang="ja-JP" dirty="0"/>
-          </a:p>
-          <a:p>
-            <a:r>
-              <a:rPr lang="ja-JP" altLang="en-US" dirty="0"/>
-              <a:t>また、教員も授業の内容を覚えているうちに学生からのフィードバックを得られるので今までよりもさらに授業の品質が向上します。</a:t>
-            </a:r>
-            <a:endParaRPr kumimoji="1" lang="en-US" altLang="ja-JP" dirty="0"/>
-          </a:p>
-        </p:txBody>
-      </p:sp>
-      <p:sp>
-        <p:nvSpPr>
-          <p:cNvPr id="4" name="スライド番号プレースホルダー 3"/>
-          <p:cNvSpPr>
-            <a:spLocks noGrp="1"/>
-          </p:cNvSpPr>
-          <p:nvPr>
-            <p:ph type="sldNum" sz="quarter" idx="12"/>
-          </p:nvPr>
-        </p:nvSpPr>
-        <p:spPr/>
-        <p:txBody>
-          <a:bodyPr/>
-          <a:lstStyle/>
-          <a:p>
-            <a:fld id="{67F4F476-6E52-48A4-9511-77073BEB0098}" type="slidenum">
-              <a:rPr kumimoji="1" lang="ja-JP" altLang="en-US" smtClean="0"/>
-              <a:t>12</a:t>
-            </a:fld>
-            <a:endParaRPr kumimoji="1" lang="ja-JP" altLang="en-US" dirty="0"/>
-          </a:p>
-        </p:txBody>
-      </p:sp>
-    </p:spTree>
-    <p:extLst>
-      <p:ext uri="{BB962C8B-B14F-4D97-AF65-F5344CB8AC3E}">
-        <p14:creationId xmlns:p14="http://schemas.microsoft.com/office/powerpoint/2010/main" val="3755367451"/>
-      </p:ext>
-    </p:extLst>
-  </p:cSld>
-  <p:clrMapOvr>
-    <a:masterClrMapping/>
-  </p:clrMapOvr>
-  <p:timing>
-    <p:tnLst>
-      <p:par>
-        <p:cTn id="1" dur="indefinite" restart="never" nodeType="tmRoot"/>
-      </p:par>
-    </p:tnLst>
-  </p:timing>
-</p:sld>
-</file>
-
-<file path=ppt/slides/slide14.xml><?xml version="1.0" encoding="utf-8"?>
-<p:sld xmlns:a="http://schemas.openxmlformats.org/drawingml/2006/main" xmlns:r="http://schemas.openxmlformats.org/officeDocument/2006/relationships" xmlns:p="http://schemas.openxmlformats.org/presentationml/2006/main">
-  <p:cSld>
-    <p:spTree>
-      <p:nvGrpSpPr>
-        <p:cNvPr id="1" name=""/>
-        <p:cNvGrpSpPr/>
-        <p:nvPr/>
-      </p:nvGrpSpPr>
-      <p:grpSpPr>
-        <a:xfrm>
-          <a:off x="0" y="0"/>
-          <a:ext cx="0" cy="0"/>
-          <a:chOff x="0" y="0"/>
-          <a:chExt cx="0" cy="0"/>
-        </a:xfrm>
-      </p:grpSpPr>
-      <p:sp>
-        <p:nvSpPr>
-          <p:cNvPr id="2" name="タイトル 1"/>
-          <p:cNvSpPr>
-            <a:spLocks noGrp="1"/>
-          </p:cNvSpPr>
-          <p:nvPr>
-            <p:ph type="title"/>
-          </p:nvPr>
-        </p:nvSpPr>
-        <p:spPr/>
-        <p:txBody>
-          <a:bodyPr/>
-          <a:lstStyle/>
-          <a:p>
-            <a:endParaRPr kumimoji="1" lang="ja-JP" altLang="en-US"/>
-          </a:p>
-        </p:txBody>
-      </p:sp>
-      <p:graphicFrame>
-        <p:nvGraphicFramePr>
-          <p:cNvPr id="4" name="コンテンツ プレースホルダー 3"/>
-          <p:cNvGraphicFramePr>
-            <a:graphicFrameLocks noGrp="1"/>
-          </p:cNvGraphicFramePr>
-          <p:nvPr>
-            <p:ph idx="1"/>
-            <p:extLst>
-              <p:ext uri="{D42A27DB-BD31-4B8C-83A1-F6EECF244321}">
-                <p14:modId xmlns:p14="http://schemas.microsoft.com/office/powerpoint/2010/main" val="3131136743"/>
-              </p:ext>
-            </p:extLst>
-          </p:nvPr>
-        </p:nvGraphicFramePr>
-        <p:xfrm>
-          <a:off x="628650" y="1524000"/>
-          <a:ext cx="7886700" cy="4652963"/>
-        </p:xfrm>
-        <a:graphic>
-          <a:graphicData uri="http://schemas.openxmlformats.org/drawingml/2006/diagram">
-            <dgm:relIds xmlns:dgm="http://schemas.openxmlformats.org/drawingml/2006/diagram" xmlns:r="http://schemas.openxmlformats.org/officeDocument/2006/relationships" r:dm="rId2" r:lo="rId3" r:qs="rId4" r:cs="rId5"/>
-          </a:graphicData>
-        </a:graphic>
-      </p:graphicFrame>
-      <p:sp>
-        <p:nvSpPr>
-          <p:cNvPr id="3" name="スライド番号プレースホルダー 2"/>
-          <p:cNvSpPr>
-            <a:spLocks noGrp="1"/>
-          </p:cNvSpPr>
-          <p:nvPr>
-            <p:ph type="sldNum" sz="quarter" idx="12"/>
-          </p:nvPr>
-        </p:nvSpPr>
-        <p:spPr/>
-        <p:txBody>
-          <a:bodyPr/>
-          <a:lstStyle/>
-          <a:p>
-            <a:fld id="{67F4F476-6E52-48A4-9511-77073BEB0098}" type="slidenum">
-              <a:rPr kumimoji="1" lang="ja-JP" altLang="en-US" smtClean="0"/>
-              <a:t>13</a:t>
-            </a:fld>
-            <a:endParaRPr kumimoji="1" lang="ja-JP" altLang="en-US" dirty="0"/>
-          </a:p>
-        </p:txBody>
-      </p:sp>
-    </p:spTree>
-    <p:extLst>
-      <p:ext uri="{BB962C8B-B14F-4D97-AF65-F5344CB8AC3E}">
-        <p14:creationId xmlns:p14="http://schemas.microsoft.com/office/powerpoint/2010/main" val="2118204308"/>
-      </p:ext>
-    </p:extLst>
-  </p:cSld>
-  <p:clrMapOvr>
-    <a:masterClrMapping/>
-  </p:clrMapOvr>
-</p:sld>
-</file>
-
-<file path=ppt/slides/slide15.xml><?xml version="1.0" encoding="utf-8"?>
-<p:sld xmlns:a="http://schemas.openxmlformats.org/drawingml/2006/main" xmlns:r="http://schemas.openxmlformats.org/officeDocument/2006/relationships" xmlns:p="http://schemas.openxmlformats.org/presentationml/2006/main">
-  <p:cSld>
-    <p:spTree>
-      <p:nvGrpSpPr>
-        <p:cNvPr id="1" name=""/>
-        <p:cNvGrpSpPr/>
-        <p:nvPr/>
-      </p:nvGrpSpPr>
-      <p:grpSpPr>
-        <a:xfrm>
-          <a:off x="0" y="0"/>
-          <a:ext cx="0" cy="0"/>
-          <a:chOff x="0" y="0"/>
-          <a:chExt cx="0" cy="0"/>
-        </a:xfrm>
-      </p:grpSpPr>
-      <p:sp>
-        <p:nvSpPr>
-          <p:cNvPr id="2" name="タイトル 1"/>
-          <p:cNvSpPr>
-            <a:spLocks noGrp="1"/>
-          </p:cNvSpPr>
-          <p:nvPr>
-            <p:ph type="title"/>
-          </p:nvPr>
-        </p:nvSpPr>
-        <p:spPr/>
-        <p:txBody>
-          <a:bodyPr/>
-          <a:lstStyle/>
-          <a:p>
-            <a:endParaRPr kumimoji="1" lang="ja-JP" altLang="en-US" dirty="0"/>
-          </a:p>
-        </p:txBody>
-      </p:sp>
-      <p:sp>
-        <p:nvSpPr>
-          <p:cNvPr id="3" name="コンテンツ プレースホルダー 2"/>
-          <p:cNvSpPr>
-            <a:spLocks noGrp="1"/>
-          </p:cNvSpPr>
-          <p:nvPr>
-            <p:ph idx="1"/>
-          </p:nvPr>
-        </p:nvSpPr>
-        <p:spPr/>
+        <p:spPr>
+          <a:xfrm>
+            <a:off x="384313" y="1523999"/>
+            <a:ext cx="8587409" cy="3803375"/>
+          </a:xfrm>
+        </p:spPr>
         <p:txBody>
           <a:bodyPr>
             <a:normAutofit/>
           </a:bodyPr>
           <a:lstStyle/>
           <a:p>
-            <a:pPr marL="457200" lvl="1" indent="0">
-              <a:buNone/>
-            </a:pPr>
-            <a:endParaRPr lang="en-US" altLang="ja-JP" sz="3600" dirty="0"/>
+            <a:r>
+              <a:rPr kumimoji="1" lang="ja-JP" altLang="en-US" sz="3200" dirty="0"/>
+              <a:t>林</a:t>
+            </a:r>
+            <a:r>
+              <a:rPr kumimoji="1" lang="en-US" altLang="ja-JP" sz="3200" dirty="0"/>
+              <a:t>(2016)</a:t>
+            </a:r>
+            <a:r>
+              <a:rPr lang="ja-JP" altLang="en-US" sz="3200" dirty="0"/>
+              <a:t>が開発したオンライン経済実験基盤</a:t>
+            </a:r>
+            <a:endParaRPr lang="en-US" altLang="ja-JP" sz="3200" dirty="0"/>
+          </a:p>
+          <a:p>
+            <a:pPr lvl="1"/>
+            <a:r>
+              <a:rPr lang="ja-JP" altLang="en-US" dirty="0"/>
+              <a:t>スマホで簡単にできる</a:t>
+            </a:r>
+          </a:p>
+          <a:p>
+            <a:pPr lvl="1"/>
+            <a:r>
+              <a:rPr lang="ja-JP" altLang="en-US" dirty="0"/>
+              <a:t>だれでもタダで使える</a:t>
+            </a:r>
+          </a:p>
+          <a:p>
+            <a:pPr lvl="1"/>
+            <a:r>
+              <a:rPr lang="en-US" altLang="ja-JP" dirty="0"/>
+              <a:t>1,000</a:t>
+            </a:r>
+            <a:r>
+              <a:rPr lang="ja-JP" altLang="en-US" dirty="0"/>
+              <a:t>人同時実験も大丈夫</a:t>
+            </a:r>
+          </a:p>
+          <a:p>
+            <a:pPr lvl="1"/>
+            <a:r>
+              <a:rPr lang="ja-JP" altLang="en-US" dirty="0"/>
+              <a:t>プログラミングの知識不要</a:t>
+            </a:r>
+          </a:p>
+          <a:p>
+            <a:pPr lvl="1"/>
+            <a:endParaRPr kumimoji="1" lang="ja-JP" altLang="en-US" dirty="0"/>
           </a:p>
         </p:txBody>
       </p:sp>
@@ -8260,235 +8837,24 @@
           <a:lstStyle/>
           <a:p>
             <a:fld id="{67F4F476-6E52-48A4-9511-77073BEB0098}" type="slidenum">
-              <a:rPr kumimoji="1" lang="ja-JP" altLang="en-US" smtClean="0"/>
-              <a:t>14</a:t>
+              <a:rPr lang="ja-JP" altLang="en-US" smtClean="0"/>
+              <a:pPr/>
+              <a:t>12</a:t>
             </a:fld>
-            <a:endParaRPr kumimoji="1" lang="ja-JP" altLang="en-US" dirty="0"/>
-          </a:p>
-        </p:txBody>
-      </p:sp>
-    </p:spTree>
-    <p:extLst>
-      <p:ext uri="{BB962C8B-B14F-4D97-AF65-F5344CB8AC3E}">
-        <p14:creationId xmlns:p14="http://schemas.microsoft.com/office/powerpoint/2010/main" val="3591337185"/>
-      </p:ext>
-    </p:extLst>
-  </p:cSld>
-  <p:clrMapOvr>
-    <a:masterClrMapping/>
-  </p:clrMapOvr>
-</p:sld>
-</file>
-
-<file path=ppt/slides/slide16.xml><?xml version="1.0" encoding="utf-8"?>
-<p:sld xmlns:a="http://schemas.openxmlformats.org/drawingml/2006/main" xmlns:r="http://schemas.openxmlformats.org/officeDocument/2006/relationships" xmlns:p="http://schemas.openxmlformats.org/presentationml/2006/main">
-  <p:cSld>
-    <p:spTree>
-      <p:nvGrpSpPr>
-        <p:cNvPr id="1" name=""/>
-        <p:cNvGrpSpPr/>
-        <p:nvPr/>
-      </p:nvGrpSpPr>
-      <p:grpSpPr>
-        <a:xfrm>
-          <a:off x="0" y="0"/>
-          <a:ext cx="0" cy="0"/>
-          <a:chOff x="0" y="0"/>
-          <a:chExt cx="0" cy="0"/>
-        </a:xfrm>
-      </p:grpSpPr>
-      <p:sp>
-        <p:nvSpPr>
-          <p:cNvPr id="2" name="タイトル 1"/>
-          <p:cNvSpPr>
-            <a:spLocks noGrp="1"/>
-          </p:cNvSpPr>
-          <p:nvPr>
-            <p:ph type="title"/>
-          </p:nvPr>
-        </p:nvSpPr>
-        <p:spPr/>
-        <p:txBody>
-          <a:bodyPr/>
-          <a:lstStyle/>
-          <a:p>
-            <a:endParaRPr kumimoji="1" lang="ja-JP" altLang="en-US"/>
-          </a:p>
-        </p:txBody>
-      </p:sp>
-      <p:sp>
-        <p:nvSpPr>
-          <p:cNvPr id="3" name="コンテンツ プレースホルダー 2"/>
-          <p:cNvSpPr>
-            <a:spLocks noGrp="1"/>
-          </p:cNvSpPr>
-          <p:nvPr>
-            <p:ph idx="1"/>
-          </p:nvPr>
-        </p:nvSpPr>
-        <p:spPr/>
-        <p:txBody>
-          <a:bodyPr/>
-          <a:lstStyle/>
-          <a:p>
-            <a:endParaRPr kumimoji="1" lang="ja-JP" altLang="en-US"/>
-          </a:p>
-        </p:txBody>
-      </p:sp>
-      <p:sp>
-        <p:nvSpPr>
-          <p:cNvPr id="4" name="スライド番号プレースホルダー 3"/>
-          <p:cNvSpPr>
-            <a:spLocks noGrp="1"/>
-          </p:cNvSpPr>
-          <p:nvPr>
-            <p:ph type="sldNum" sz="quarter" idx="12"/>
-          </p:nvPr>
-        </p:nvSpPr>
-        <p:spPr/>
-        <p:txBody>
-          <a:bodyPr/>
-          <a:lstStyle/>
-          <a:p>
-            <a:fld id="{67F4F476-6E52-48A4-9511-77073BEB0098}" type="slidenum">
-              <a:rPr kumimoji="1" lang="ja-JP" altLang="en-US" smtClean="0"/>
-              <a:t>15</a:t>
-            </a:fld>
-            <a:endParaRPr kumimoji="1" lang="ja-JP" altLang="en-US" dirty="0"/>
-          </a:p>
-        </p:txBody>
-      </p:sp>
-    </p:spTree>
-    <p:extLst>
-      <p:ext uri="{BB962C8B-B14F-4D97-AF65-F5344CB8AC3E}">
-        <p14:creationId xmlns:p14="http://schemas.microsoft.com/office/powerpoint/2010/main" val="1019220225"/>
-      </p:ext>
-    </p:extLst>
-  </p:cSld>
-  <p:clrMapOvr>
-    <a:masterClrMapping/>
-  </p:clrMapOvr>
-</p:sld>
-</file>
-
-<file path=ppt/slides/slide17.xml><?xml version="1.0" encoding="utf-8"?>
-<p:sld xmlns:a="http://schemas.openxmlformats.org/drawingml/2006/main" xmlns:r="http://schemas.openxmlformats.org/officeDocument/2006/relationships" xmlns:p="http://schemas.openxmlformats.org/presentationml/2006/main">
-  <p:cSld>
-    <p:spTree>
-      <p:nvGrpSpPr>
-        <p:cNvPr id="1" name=""/>
-        <p:cNvGrpSpPr/>
-        <p:nvPr/>
-      </p:nvGrpSpPr>
-      <p:grpSpPr>
-        <a:xfrm>
-          <a:off x="0" y="0"/>
-          <a:ext cx="0" cy="0"/>
-          <a:chOff x="0" y="0"/>
-          <a:chExt cx="0" cy="0"/>
-        </a:xfrm>
-      </p:grpSpPr>
-      <p:sp>
-        <p:nvSpPr>
-          <p:cNvPr id="2" name="タイトル 1"/>
-          <p:cNvSpPr>
-            <a:spLocks noGrp="1"/>
-          </p:cNvSpPr>
-          <p:nvPr>
-            <p:ph type="title"/>
-          </p:nvPr>
-        </p:nvSpPr>
-        <p:spPr/>
-        <p:txBody>
-          <a:bodyPr/>
-          <a:lstStyle/>
-          <a:p>
-            <a:r>
-              <a:rPr kumimoji="1" lang="en-US" altLang="ja-JP" dirty="0"/>
-              <a:t>WEB</a:t>
-            </a:r>
-            <a:r>
-              <a:rPr kumimoji="1" lang="ja-JP" altLang="en-US" dirty="0"/>
-              <a:t>プログラミングの現状</a:t>
-            </a:r>
-          </a:p>
-        </p:txBody>
-      </p:sp>
-      <p:sp>
-        <p:nvSpPr>
-          <p:cNvPr id="3" name="コンテンツ プレースホルダー 2"/>
-          <p:cNvSpPr>
-            <a:spLocks noGrp="1"/>
-          </p:cNvSpPr>
-          <p:nvPr>
-            <p:ph idx="1"/>
-          </p:nvPr>
-        </p:nvSpPr>
-        <p:spPr/>
-        <p:txBody>
-          <a:bodyPr>
-            <a:normAutofit lnSpcReduction="10000"/>
-          </a:bodyPr>
-          <a:lstStyle/>
-          <a:p>
-            <a:r>
-              <a:rPr kumimoji="1" lang="ja-JP" altLang="en-US" dirty="0"/>
-              <a:t>無料の学習環境</a:t>
-            </a:r>
-            <a:endParaRPr lang="en-US" altLang="ja-JP" dirty="0"/>
-          </a:p>
-          <a:p>
-            <a:pPr lvl="1"/>
-            <a:r>
-              <a:rPr lang="ja-JP" altLang="en-US" dirty="0"/>
-              <a:t>ドットインストール</a:t>
-            </a:r>
-            <a:endParaRPr lang="en-US" altLang="ja-JP" dirty="0"/>
-          </a:p>
-          <a:p>
-            <a:pPr lvl="1"/>
-            <a:r>
-              <a:rPr lang="en-US" altLang="ja-JP" dirty="0" err="1"/>
-              <a:t>Qiita</a:t>
-            </a:r>
-            <a:endParaRPr lang="en-US" altLang="ja-JP" dirty="0"/>
-          </a:p>
-          <a:p>
-            <a:endParaRPr lang="en-US" altLang="ja-JP" dirty="0"/>
-          </a:p>
-          <a:p>
-            <a:r>
-              <a:rPr lang="ja-JP" altLang="en-US" dirty="0"/>
-              <a:t>外部ライブラリの充実</a:t>
-            </a:r>
-            <a:endParaRPr lang="en-US" altLang="ja-JP" dirty="0"/>
-          </a:p>
-          <a:p>
-            <a:pPr lvl="1"/>
-            <a:r>
-              <a:rPr lang="ja-JP" altLang="en-US" dirty="0"/>
-              <a:t>各種フレームワークなど</a:t>
-            </a:r>
-            <a:endParaRPr lang="en-US" altLang="ja-JP" dirty="0"/>
-          </a:p>
-          <a:p>
-            <a:endParaRPr lang="en-US" altLang="ja-JP" dirty="0"/>
-          </a:p>
-          <a:p>
-            <a:endParaRPr kumimoji="1" lang="ja-JP" altLang="en-US" dirty="0"/>
-          </a:p>
-        </p:txBody>
-      </p:sp>
-      <p:sp>
-        <p:nvSpPr>
-          <p:cNvPr id="4" name="正方形/長方形 3"/>
+            <a:endParaRPr lang="ja-JP" altLang="en-US" dirty="0"/>
+          </a:p>
+        </p:txBody>
+      </p:sp>
+      <p:sp>
+        <p:nvSpPr>
+          <p:cNvPr id="5" name="正方形/長方形 4"/>
           <p:cNvSpPr/>
           <p:nvPr/>
         </p:nvSpPr>
         <p:spPr>
           <a:xfrm>
-            <a:off x="551792" y="5333507"/>
-            <a:ext cx="8261132" cy="756745"/>
+            <a:off x="628650" y="5565913"/>
+            <a:ext cx="8051524" cy="790438"/>
           </a:xfrm>
           <a:prstGeom prst="rect">
             <a:avLst/>
@@ -8514,37 +8880,75 @@
           <a:bodyPr rtlCol="0" anchor="ctr"/>
           <a:lstStyle/>
           <a:p>
-            <a:r>
-              <a:rPr lang="en-US" altLang="ja-JP" sz="3600" dirty="0"/>
-              <a:t>WEB</a:t>
-            </a:r>
-            <a:r>
-              <a:rPr lang="ja-JP" altLang="en-US" sz="3600" dirty="0"/>
-              <a:t>プログラミングの敷居が下がっている</a:t>
-            </a:r>
-            <a:endParaRPr lang="en-US" altLang="ja-JP" sz="3600" dirty="0"/>
-          </a:p>
-        </p:txBody>
-      </p:sp>
-      <p:sp>
-        <p:nvSpPr>
-          <p:cNvPr id="5" name="スライド番号プレースホルダー 4"/>
-          <p:cNvSpPr>
-            <a:spLocks noGrp="1"/>
-          </p:cNvSpPr>
-          <p:nvPr>
-            <p:ph type="sldNum" sz="quarter" idx="12"/>
-          </p:nvPr>
-        </p:nvSpPr>
-        <p:spPr/>
-        <p:txBody>
-          <a:bodyPr/>
+            <a:pPr algn="ctr"/>
+            <a:r>
+              <a:rPr kumimoji="1" lang="ja-JP" altLang="en-US" sz="3600" dirty="0"/>
+              <a:t>経済実験以外にも応用できる</a:t>
+            </a:r>
+            <a:endParaRPr kumimoji="1" lang="ja-JP" altLang="en-US" dirty="0"/>
+          </a:p>
+        </p:txBody>
+      </p:sp>
+      <p:pic>
+        <p:nvPicPr>
+          <p:cNvPr id="6" name="図 5"/>
+          <p:cNvPicPr>
+            <a:picLocks noChangeAspect="1"/>
+          </p:cNvPicPr>
+          <p:nvPr/>
+        </p:nvPicPr>
+        <p:blipFill>
+          <a:blip r:embed="rId3" cstate="print">
+            <a:extLst>
+              <a:ext uri="{28A0092B-C50C-407E-A947-70E740481C1C}">
+                <a14:useLocalDpi xmlns:a14="http://schemas.microsoft.com/office/drawing/2010/main" val="0"/>
+              </a:ext>
+            </a:extLst>
+          </a:blip>
+          <a:stretch>
+            <a:fillRect/>
+          </a:stretch>
+        </p:blipFill>
+        <p:spPr>
+          <a:xfrm>
+            <a:off x="6249649" y="2411894"/>
+            <a:ext cx="1473160" cy="2484783"/>
+          </a:xfrm>
+          <a:prstGeom prst="rect">
+            <a:avLst/>
+          </a:prstGeom>
+        </p:spPr>
+      </p:pic>
+      <p:sp>
+        <p:nvSpPr>
+          <p:cNvPr id="7" name="テキスト ボックス 6"/>
+          <p:cNvSpPr txBox="1"/>
+          <p:nvPr/>
+        </p:nvSpPr>
+        <p:spPr>
+          <a:xfrm>
+            <a:off x="5707394" y="5016122"/>
+            <a:ext cx="2557670" cy="369332"/>
+          </a:xfrm>
+          <a:prstGeom prst="rect">
+            <a:avLst/>
+          </a:prstGeom>
+          <a:noFill/>
+        </p:spPr>
+        <p:txBody>
+          <a:bodyPr wrap="square" rtlCol="0">
+            <a:spAutoFit/>
+          </a:bodyPr>
           <a:lstStyle/>
           <a:p>
-            <a:fld id="{67F4F476-6E52-48A4-9511-77073BEB0098}" type="slidenum">
-              <a:rPr kumimoji="1" lang="ja-JP" altLang="en-US" smtClean="0"/>
-              <a:t>16</a:t>
-            </a:fld>
+            <a:r>
+              <a:rPr lang="en-US" altLang="ja-JP" dirty="0"/>
+              <a:t>Fig1. XEE</a:t>
+            </a:r>
+            <a:r>
+              <a:rPr lang="ja-JP" altLang="en-US" dirty="0"/>
+              <a:t>システムのロゴ</a:t>
+            </a:r>
             <a:endParaRPr kumimoji="1" lang="ja-JP" altLang="en-US" dirty="0"/>
           </a:p>
         </p:txBody>
@@ -8552,338 +8956,7 @@
     </p:spTree>
     <p:extLst>
       <p:ext uri="{BB962C8B-B14F-4D97-AF65-F5344CB8AC3E}">
-        <p14:creationId xmlns:p14="http://schemas.microsoft.com/office/powerpoint/2010/main" val="3565592007"/>
-      </p:ext>
-    </p:extLst>
-  </p:cSld>
-  <p:clrMapOvr>
-    <a:masterClrMapping/>
-  </p:clrMapOvr>
-</p:sld>
-</file>
-
-<file path=ppt/slides/slide18.xml><?xml version="1.0" encoding="utf-8"?>
-<p:sld xmlns:a="http://schemas.openxmlformats.org/drawingml/2006/main" xmlns:r="http://schemas.openxmlformats.org/officeDocument/2006/relationships" xmlns:p="http://schemas.openxmlformats.org/presentationml/2006/main">
-  <p:cSld>
-    <p:spTree>
-      <p:nvGrpSpPr>
-        <p:cNvPr id="1" name=""/>
-        <p:cNvGrpSpPr/>
-        <p:nvPr/>
-      </p:nvGrpSpPr>
-      <p:grpSpPr>
-        <a:xfrm>
-          <a:off x="0" y="0"/>
-          <a:ext cx="0" cy="0"/>
-          <a:chOff x="0" y="0"/>
-          <a:chExt cx="0" cy="0"/>
-        </a:xfrm>
-      </p:grpSpPr>
-      <p:sp>
-        <p:nvSpPr>
-          <p:cNvPr id="2" name="タイトル 1"/>
-          <p:cNvSpPr>
-            <a:spLocks noGrp="1"/>
-          </p:cNvSpPr>
-          <p:nvPr>
-            <p:ph type="title"/>
-          </p:nvPr>
-        </p:nvSpPr>
-        <p:spPr/>
-        <p:txBody>
-          <a:bodyPr/>
-          <a:lstStyle/>
-          <a:p>
-            <a:r>
-              <a:rPr lang="ja-JP" altLang="en-US" dirty="0"/>
-              <a:t>シングルページ</a:t>
-            </a:r>
-            <a:r>
-              <a:rPr lang="en-US" altLang="ja-JP" dirty="0"/>
-              <a:t>WEB</a:t>
-            </a:r>
-            <a:r>
-              <a:rPr lang="ja-JP" altLang="en-US" dirty="0"/>
-              <a:t>アプリケーション</a:t>
-            </a:r>
-            <a:endParaRPr kumimoji="1" lang="ja-JP" altLang="en-US" dirty="0"/>
-          </a:p>
-        </p:txBody>
-      </p:sp>
-      <p:sp>
-        <p:nvSpPr>
-          <p:cNvPr id="3" name="コンテンツ プレースホルダー 2"/>
-          <p:cNvSpPr>
-            <a:spLocks noGrp="1"/>
-          </p:cNvSpPr>
-          <p:nvPr>
-            <p:ph idx="1"/>
-          </p:nvPr>
-        </p:nvSpPr>
-        <p:spPr/>
-        <p:txBody>
-          <a:bodyPr>
-            <a:normAutofit fontScale="62500" lnSpcReduction="20000"/>
-          </a:bodyPr>
-          <a:lstStyle/>
-          <a:p>
-            <a:r>
-              <a:rPr lang="ja-JP" altLang="en-US" dirty="0"/>
-              <a:t>概要</a:t>
-            </a:r>
-            <a:endParaRPr lang="en-US" altLang="ja-JP" dirty="0"/>
-          </a:p>
-          <a:p>
-            <a:pPr lvl="1"/>
-            <a:r>
-              <a:rPr lang="ja-JP" altLang="en-US" dirty="0"/>
-              <a:t>近年注目を集めている</a:t>
-            </a:r>
-            <a:r>
-              <a:rPr lang="en-US" altLang="ja-JP" dirty="0"/>
-              <a:t>WEB</a:t>
-            </a:r>
-            <a:r>
-              <a:rPr lang="ja-JP" altLang="en-US" dirty="0"/>
-              <a:t>アプリの仕様</a:t>
-            </a:r>
-            <a:endParaRPr lang="en-US" altLang="ja-JP" dirty="0"/>
-          </a:p>
-          <a:p>
-            <a:endParaRPr lang="en-US" altLang="ja-JP" dirty="0"/>
-          </a:p>
-          <a:p>
-            <a:r>
-              <a:rPr lang="ja-JP" altLang="en-US" dirty="0"/>
-              <a:t>特徴</a:t>
-            </a:r>
-            <a:endParaRPr kumimoji="1" lang="en-US" altLang="ja-JP" dirty="0"/>
-          </a:p>
-          <a:p>
-            <a:pPr lvl="1"/>
-            <a:r>
-              <a:rPr lang="ja-JP" altLang="en-US" dirty="0"/>
-              <a:t>デプロイが簡単</a:t>
-            </a:r>
-            <a:endParaRPr lang="en-US" altLang="ja-JP" dirty="0"/>
-          </a:p>
-          <a:p>
-            <a:pPr lvl="1"/>
-            <a:r>
-              <a:rPr kumimoji="1" lang="ja-JP" altLang="en-US" dirty="0"/>
-              <a:t>クロスプラットフォームである</a:t>
-            </a:r>
-            <a:endParaRPr kumimoji="1" lang="en-US" altLang="ja-JP" dirty="0"/>
-          </a:p>
-          <a:p>
-            <a:pPr lvl="1"/>
-            <a:endParaRPr kumimoji="1" lang="en-US" altLang="ja-JP" dirty="0"/>
-          </a:p>
-          <a:p>
-            <a:r>
-              <a:rPr kumimoji="1" lang="ja-JP" altLang="en-US" dirty="0"/>
-              <a:t>例</a:t>
-            </a:r>
-            <a:endParaRPr kumimoji="1" lang="en-US" altLang="ja-JP" dirty="0"/>
-          </a:p>
-          <a:p>
-            <a:pPr lvl="1"/>
-            <a:r>
-              <a:rPr lang="en-US" altLang="ja-JP" dirty="0"/>
-              <a:t>Twitter</a:t>
-            </a:r>
-            <a:r>
-              <a:rPr lang="ja-JP" altLang="en-US" dirty="0"/>
-              <a:t>や</a:t>
-            </a:r>
-            <a:r>
-              <a:rPr lang="en-US" altLang="ja-JP" dirty="0"/>
-              <a:t>Instagram</a:t>
-            </a:r>
-            <a:r>
-              <a:rPr lang="ja-JP" altLang="en-US" dirty="0"/>
-              <a:t>など</a:t>
-            </a:r>
-            <a:endParaRPr kumimoji="1" lang="en-US" altLang="ja-JP" dirty="0"/>
-          </a:p>
-          <a:p>
-            <a:endParaRPr kumimoji="1" lang="ja-JP" altLang="en-US" dirty="0"/>
-          </a:p>
-        </p:txBody>
-      </p:sp>
-      <p:sp>
-        <p:nvSpPr>
-          <p:cNvPr id="4" name="スライド番号プレースホルダー 3"/>
-          <p:cNvSpPr>
-            <a:spLocks noGrp="1"/>
-          </p:cNvSpPr>
-          <p:nvPr>
-            <p:ph type="sldNum" sz="quarter" idx="12"/>
-          </p:nvPr>
-        </p:nvSpPr>
-        <p:spPr/>
-        <p:txBody>
-          <a:bodyPr/>
-          <a:lstStyle/>
-          <a:p>
-            <a:fld id="{67F4F476-6E52-48A4-9511-77073BEB0098}" type="slidenum">
-              <a:rPr kumimoji="1" lang="ja-JP" altLang="en-US" smtClean="0"/>
-              <a:t>17</a:t>
-            </a:fld>
-            <a:endParaRPr kumimoji="1" lang="ja-JP" altLang="en-US" dirty="0"/>
-          </a:p>
-        </p:txBody>
-      </p:sp>
-    </p:spTree>
-    <p:extLst>
-      <p:ext uri="{BB962C8B-B14F-4D97-AF65-F5344CB8AC3E}">
-        <p14:creationId xmlns:p14="http://schemas.microsoft.com/office/powerpoint/2010/main" val="544699416"/>
-      </p:ext>
-    </p:extLst>
-  </p:cSld>
-  <p:clrMapOvr>
-    <a:masterClrMapping/>
-  </p:clrMapOvr>
-</p:sld>
-</file>
-
-<file path=ppt/slides/slide19.xml><?xml version="1.0" encoding="utf-8"?>
-<p:sld xmlns:a="http://schemas.openxmlformats.org/drawingml/2006/main" xmlns:r="http://schemas.openxmlformats.org/officeDocument/2006/relationships" xmlns:p="http://schemas.openxmlformats.org/presentationml/2006/main">
-  <p:cSld>
-    <p:spTree>
-      <p:nvGrpSpPr>
-        <p:cNvPr id="1" name=""/>
-        <p:cNvGrpSpPr/>
-        <p:nvPr/>
-      </p:nvGrpSpPr>
-      <p:grpSpPr>
-        <a:xfrm>
-          <a:off x="0" y="0"/>
-          <a:ext cx="0" cy="0"/>
-          <a:chOff x="0" y="0"/>
-          <a:chExt cx="0" cy="0"/>
-        </a:xfrm>
-      </p:grpSpPr>
-      <p:sp>
-        <p:nvSpPr>
-          <p:cNvPr id="2" name="タイトル 1"/>
-          <p:cNvSpPr>
-            <a:spLocks noGrp="1"/>
-          </p:cNvSpPr>
-          <p:nvPr>
-            <p:ph type="title"/>
-          </p:nvPr>
-        </p:nvSpPr>
-        <p:spPr/>
-        <p:txBody>
-          <a:bodyPr/>
-          <a:lstStyle/>
-          <a:p>
-            <a:r>
-              <a:rPr kumimoji="1" lang="ja-JP" altLang="en-US" dirty="0"/>
-              <a:t>本研究の目的</a:t>
-            </a:r>
-          </a:p>
-        </p:txBody>
-      </p:sp>
-      <p:sp>
-        <p:nvSpPr>
-          <p:cNvPr id="3" name="コンテンツ プレースホルダー 2"/>
-          <p:cNvSpPr>
-            <a:spLocks noGrp="1"/>
-          </p:cNvSpPr>
-          <p:nvPr>
-            <p:ph idx="1"/>
-          </p:nvPr>
-        </p:nvSpPr>
-        <p:spPr/>
-        <p:txBody>
-          <a:bodyPr>
-            <a:normAutofit lnSpcReduction="10000"/>
-          </a:bodyPr>
-          <a:lstStyle/>
-          <a:p>
-            <a:r>
-              <a:rPr kumimoji="1" lang="ja-JP" altLang="en-US" dirty="0"/>
-              <a:t>授業評価アンケートを</a:t>
-            </a:r>
-            <a:r>
-              <a:rPr kumimoji="1" lang="en-US" altLang="ja-JP" dirty="0"/>
-              <a:t>WEB</a:t>
-            </a:r>
-            <a:r>
-              <a:rPr kumimoji="1" lang="ja-JP" altLang="en-US" dirty="0"/>
-              <a:t>上で行う</a:t>
-            </a:r>
-            <a:endParaRPr kumimoji="1" lang="en-US" altLang="ja-JP" dirty="0"/>
-          </a:p>
-          <a:p>
-            <a:endParaRPr kumimoji="1" lang="en-US" altLang="ja-JP" dirty="0"/>
-          </a:p>
-          <a:p>
-            <a:r>
-              <a:rPr lang="ja-JP" altLang="en-US" dirty="0"/>
-              <a:t>長所</a:t>
-            </a:r>
-            <a:endParaRPr lang="en-US" altLang="ja-JP" dirty="0"/>
-          </a:p>
-          <a:p>
-            <a:pPr lvl="1"/>
-            <a:r>
-              <a:rPr lang="ja-JP" altLang="en-US" dirty="0"/>
-              <a:t>紙資源を消費しない</a:t>
-            </a:r>
-            <a:endParaRPr lang="en-US" altLang="ja-JP" dirty="0"/>
-          </a:p>
-          <a:p>
-            <a:pPr lvl="1"/>
-            <a:r>
-              <a:rPr lang="ja-JP" altLang="en-US" dirty="0"/>
-              <a:t>回答用紙をスキャンする手間が省ける</a:t>
-            </a:r>
-            <a:endParaRPr lang="en-US" altLang="ja-JP" dirty="0"/>
-          </a:p>
-          <a:p>
-            <a:pPr lvl="1"/>
-            <a:r>
-              <a:rPr lang="ja-JP" altLang="ja-JP" dirty="0"/>
-              <a:t>ユーザ体験の向上</a:t>
-            </a:r>
-            <a:r>
-              <a:rPr lang="ja-JP" altLang="en-US" dirty="0"/>
-              <a:t>が期待できる</a:t>
-            </a:r>
-            <a:endParaRPr lang="en-US" altLang="ja-JP" dirty="0"/>
-          </a:p>
-        </p:txBody>
-      </p:sp>
-      <p:sp>
-        <p:nvSpPr>
-          <p:cNvPr id="4" name="スライド番号プレースホルダー 3"/>
-          <p:cNvSpPr>
-            <a:spLocks noGrp="1"/>
-          </p:cNvSpPr>
-          <p:nvPr>
-            <p:ph type="sldNum" sz="quarter" idx="12"/>
-          </p:nvPr>
-        </p:nvSpPr>
-        <p:spPr/>
-        <p:txBody>
-          <a:bodyPr/>
-          <a:lstStyle/>
-          <a:p>
-            <a:fld id="{67F4F476-6E52-48A4-9511-77073BEB0098}" type="slidenum">
-              <a:rPr kumimoji="1" lang="ja-JP" altLang="en-US" smtClean="0"/>
-              <a:t>18</a:t>
-            </a:fld>
-            <a:endParaRPr kumimoji="1" lang="ja-JP" altLang="en-US" dirty="0"/>
-          </a:p>
-        </p:txBody>
-      </p:sp>
-    </p:spTree>
-    <p:extLst>
-      <p:ext uri="{BB962C8B-B14F-4D97-AF65-F5344CB8AC3E}">
-        <p14:creationId xmlns:p14="http://schemas.microsoft.com/office/powerpoint/2010/main" val="2965672991"/>
+        <p14:creationId xmlns:p14="http://schemas.microsoft.com/office/powerpoint/2010/main" val="1273855208"/>
       </p:ext>
     </p:extLst>
   </p:cSld>
@@ -8926,7 +8999,7 @@
           <a:lstStyle/>
           <a:p>
             <a:r>
-              <a:rPr lang="ja-JP" altLang="en-US" dirty="0" smtClean="0"/>
+              <a:rPr lang="ja-JP" altLang="en-US" dirty="0"/>
               <a:t>１．目的</a:t>
             </a:r>
             <a:endParaRPr kumimoji="1" lang="ja-JP" altLang="en-US" dirty="0"/>
@@ -9004,15 +9077,15 @@
           <a:p>
             <a:pPr algn="ctr"/>
             <a:r>
-              <a:rPr lang="ja-JP" altLang="en-US" sz="4000" dirty="0" smtClean="0"/>
+              <a:rPr lang="ja-JP" altLang="en-US" sz="4000" dirty="0"/>
               <a:t>本研究：</a:t>
             </a:r>
             <a:r>
-              <a:rPr lang="en-US" altLang="ja-JP" sz="4000" dirty="0" smtClean="0"/>
+              <a:rPr lang="en-US" altLang="ja-JP" sz="4000" dirty="0"/>
               <a:t>Web</a:t>
             </a:r>
             <a:r>
-              <a:rPr lang="ja-JP" altLang="en-US" sz="4000" dirty="0" smtClean="0"/>
+              <a:rPr lang="ja-JP" altLang="en-US" sz="4000" dirty="0"/>
               <a:t>アンケート</a:t>
             </a:r>
             <a:endParaRPr kumimoji="1" lang="ja-JP" altLang="en-US" sz="4000" dirty="0"/>
@@ -9135,13 +9208,6 @@
   <p:clrMapOvr>
     <a:masterClrMapping/>
   </p:clrMapOvr>
-  <p:timing>
-    <p:tnLst>
-      <p:par>
-        <p:cTn id="1" dur="indefinite" restart="never" nodeType="tmRoot"/>
-      </p:par>
-    </p:tnLst>
-  </p:timing>
 </p:sld>
 </file>
 
@@ -9178,12 +9244,8 @@
           <a:lstStyle/>
           <a:p>
             <a:r>
-              <a:rPr kumimoji="1" lang="ja-JP" altLang="en-US" dirty="0" smtClean="0"/>
-              <a:t>２．研究</a:t>
-            </a:r>
-            <a:r>
               <a:rPr kumimoji="1" lang="ja-JP" altLang="en-US" dirty="0"/>
-              <a:t>背景</a:t>
+              <a:t>２．研究背景</a:t>
             </a:r>
           </a:p>
         </p:txBody>
@@ -9220,11 +9282,8 @@
             <a:pPr lvl="1"/>
             <a:r>
               <a:rPr lang="ja-JP" altLang="en-US" dirty="0"/>
-              <a:t>教員がアンケートを集計する必要がある</a:t>
-            </a:r>
-          </a:p>
-          <a:p>
-            <a:pPr lvl="1"/>
+              <a:t>教員に大きな負担がかかってしまう</a:t>
+            </a:r>
             <a:endParaRPr kumimoji="1" lang="en-US" altLang="ja-JP" dirty="0"/>
           </a:p>
           <a:p>
@@ -9273,23 +9332,15 @@
             <a:pPr algn="ctr"/>
             <a:r>
               <a:rPr kumimoji="1" lang="ja-JP" altLang="en-US" sz="4000" dirty="0"/>
-              <a:t>ＷＥＢ上で行うこと</a:t>
-            </a:r>
-            <a:r>
-              <a:rPr kumimoji="1" lang="ja-JP" altLang="en-US" sz="4000" dirty="0" smtClean="0"/>
-              <a:t>で</a:t>
-            </a:r>
-            <a:endParaRPr kumimoji="1" lang="en-US" altLang="ja-JP" sz="4000" dirty="0" smtClean="0"/>
+              <a:t>ＷＥＢ上で行うことで</a:t>
+            </a:r>
+            <a:endParaRPr kumimoji="1" lang="en-US" altLang="ja-JP" sz="4000" dirty="0"/>
           </a:p>
           <a:p>
             <a:pPr algn="ctr"/>
             <a:r>
-              <a:rPr kumimoji="1" lang="ja-JP" altLang="en-US" sz="4000" dirty="0" smtClean="0"/>
-              <a:t>これら</a:t>
-            </a:r>
-            <a:r>
               <a:rPr kumimoji="1" lang="ja-JP" altLang="en-US" sz="4000" dirty="0"/>
-              <a:t>の欠点を克服できる</a:t>
+              <a:t>これらの欠点を克服できる</a:t>
             </a:r>
           </a:p>
         </p:txBody>
@@ -9330,9 +9381,175 @@
   <p:timing>
     <p:tnLst>
       <p:par>
-        <p:cTn id="1" dur="indefinite" restart="never" nodeType="tmRoot"/>
+        <p:cTn id="1" dur="indefinite" restart="never" nodeType="tmRoot">
+          <p:childTnLst>
+            <p:seq concurrent="1" nextAc="seek">
+              <p:cTn id="2" dur="indefinite" nodeType="mainSeq">
+                <p:childTnLst>
+                  <p:par>
+                    <p:cTn id="3" fill="hold">
+                      <p:stCondLst>
+                        <p:cond delay="indefinite"/>
+                      </p:stCondLst>
+                      <p:childTnLst>
+                        <p:par>
+                          <p:cTn id="4" fill="hold">
+                            <p:stCondLst>
+                              <p:cond delay="0"/>
+                            </p:stCondLst>
+                            <p:childTnLst>
+                              <p:par>
+                                <p:cTn id="5" presetID="15" presetClass="emph" presetSubtype="0" nodeType="clickEffect">
+                                  <p:stCondLst>
+                                    <p:cond delay="0"/>
+                                  </p:stCondLst>
+                                  <p:iterate type="lt">
+                                    <p:tmAbs val="25"/>
+                                  </p:iterate>
+                                  <p:childTnLst>
+                                    <p:set>
+                                      <p:cBhvr override="childStyle">
+                                        <p:cTn id="6" dur="indefinite"/>
+                                        <p:tgtEl>
+                                          <p:spTgt spid="3">
+                                            <p:txEl>
+                                              <p:pRg st="1" end="1"/>
+                                            </p:txEl>
+                                          </p:spTgt>
+                                        </p:tgtEl>
+                                        <p:attrNameLst>
+                                          <p:attrName>style.fontWeight</p:attrName>
+                                        </p:attrNameLst>
+                                      </p:cBhvr>
+                                      <p:to>
+                                        <p:strVal val="bold"/>
+                                      </p:to>
+                                    </p:set>
+                                  </p:childTnLst>
+                                </p:cTn>
+                              </p:par>
+                            </p:childTnLst>
+                          </p:cTn>
+                        </p:par>
+                      </p:childTnLst>
+                    </p:cTn>
+                  </p:par>
+                  <p:par>
+                    <p:cTn id="7" fill="hold">
+                      <p:stCondLst>
+                        <p:cond delay="indefinite"/>
+                      </p:stCondLst>
+                      <p:childTnLst>
+                        <p:par>
+                          <p:cTn id="8" fill="hold">
+                            <p:stCondLst>
+                              <p:cond delay="0"/>
+                            </p:stCondLst>
+                            <p:childTnLst>
+                              <p:par>
+                                <p:cTn id="9" presetID="15" presetClass="emph" presetSubtype="0" nodeType="clickEffect">
+                                  <p:stCondLst>
+                                    <p:cond delay="0"/>
+                                  </p:stCondLst>
+                                  <p:iterate type="lt">
+                                    <p:tmAbs val="25"/>
+                                  </p:iterate>
+                                  <p:childTnLst>
+                                    <p:set>
+                                      <p:cBhvr override="childStyle">
+                                        <p:cTn id="10" dur="indefinite"/>
+                                        <p:tgtEl>
+                                          <p:spTgt spid="3">
+                                            <p:txEl>
+                                              <p:pRg st="2" end="2"/>
+                                            </p:txEl>
+                                          </p:spTgt>
+                                        </p:tgtEl>
+                                        <p:attrNameLst>
+                                          <p:attrName>style.fontWeight</p:attrName>
+                                        </p:attrNameLst>
+                                      </p:cBhvr>
+                                      <p:to>
+                                        <p:strVal val="bold"/>
+                                      </p:to>
+                                    </p:set>
+                                  </p:childTnLst>
+                                </p:cTn>
+                              </p:par>
+                            </p:childTnLst>
+                          </p:cTn>
+                        </p:par>
+                      </p:childTnLst>
+                    </p:cTn>
+                  </p:par>
+                  <p:par>
+                    <p:cTn id="11" fill="hold">
+                      <p:stCondLst>
+                        <p:cond delay="indefinite"/>
+                      </p:stCondLst>
+                      <p:childTnLst>
+                        <p:par>
+                          <p:cTn id="12" fill="hold">
+                            <p:stCondLst>
+                              <p:cond delay="0"/>
+                            </p:stCondLst>
+                            <p:childTnLst>
+                              <p:par>
+                                <p:cTn id="13" presetID="18" presetClass="emph" presetSubtype="0" fill="hold" grpId="0" nodeType="clickEffect">
+                                  <p:stCondLst>
+                                    <p:cond delay="0"/>
+                                  </p:stCondLst>
+                                  <p:iterate type="lt">
+                                    <p:tmPct val="4000"/>
+                                  </p:iterate>
+                                  <p:childTnLst>
+                                    <p:set>
+                                      <p:cBhvr override="childStyle">
+                                        <p:cTn id="14" dur="500" fill="hold"/>
+                                        <p:tgtEl>
+                                          <p:spTgt spid="4"/>
+                                        </p:tgtEl>
+                                        <p:attrNameLst>
+                                          <p:attrName>style.textDecorationUnderline</p:attrName>
+                                        </p:attrNameLst>
+                                      </p:cBhvr>
+                                      <p:to>
+                                        <p:strVal val="true"/>
+                                      </p:to>
+                                    </p:set>
+                                  </p:childTnLst>
+                                </p:cTn>
+                              </p:par>
+                            </p:childTnLst>
+                          </p:cTn>
+                        </p:par>
+                      </p:childTnLst>
+                    </p:cTn>
+                  </p:par>
+                </p:childTnLst>
+              </p:cTn>
+              <p:prevCondLst>
+                <p:cond evt="onPrev" delay="0">
+                  <p:tgtEl>
+                    <p:sldTgt/>
+                  </p:tgtEl>
+                </p:cond>
+              </p:prevCondLst>
+              <p:nextCondLst>
+                <p:cond evt="onNext" delay="0">
+                  <p:tgtEl>
+                    <p:sldTgt/>
+                  </p:tgtEl>
+                </p:cond>
+              </p:nextCondLst>
+            </p:seq>
+          </p:childTnLst>
+        </p:cTn>
       </p:par>
     </p:tnLst>
+    <p:bldLst>
+      <p:bldP spid="4" grpId="0"/>
+    </p:bldLst>
   </p:timing>
 </p:sld>
 </file>
@@ -9370,7 +9587,7 @@
           <a:lstStyle/>
           <a:p>
             <a:r>
-              <a:rPr lang="en-US" altLang="ja-JP" dirty="0" smtClean="0"/>
+              <a:rPr lang="en-US" altLang="ja-JP" dirty="0"/>
               <a:t>Web</a:t>
             </a:r>
             <a:r>
@@ -9394,7 +9611,7 @@
         <p:spPr/>
         <p:txBody>
           <a:bodyPr>
-            <a:normAutofit fontScale="77500" lnSpcReduction="20000"/>
+            <a:normAutofit fontScale="92500" lnSpcReduction="10000"/>
           </a:bodyPr>
           <a:lstStyle/>
           <a:p>
@@ -9404,16 +9621,8 @@
               </a:lnSpc>
             </a:pPr>
             <a:r>
-              <a:rPr lang="ja-JP" altLang="en-US" dirty="0" smtClean="0"/>
-              <a:t>紙</a:t>
-            </a:r>
-            <a:r>
               <a:rPr lang="ja-JP" altLang="en-US" dirty="0"/>
-              <a:t>資源</a:t>
-            </a:r>
-            <a:r>
-              <a:rPr lang="ja-JP" altLang="en-US" dirty="0" smtClean="0"/>
-              <a:t>の節約</a:t>
+              <a:t>紙資源の節約</a:t>
             </a:r>
             <a:endParaRPr kumimoji="1" lang="en-US" altLang="ja-JP" dirty="0"/>
           </a:p>
@@ -9424,16 +9633,12 @@
               </a:lnSpc>
             </a:pPr>
             <a:r>
-              <a:rPr lang="en-US" altLang="ja-JP" dirty="0" smtClean="0"/>
+              <a:rPr lang="en-US" altLang="ja-JP" dirty="0"/>
               <a:t>web</a:t>
             </a:r>
             <a:r>
-              <a:rPr lang="ja-JP" altLang="en-US" dirty="0" smtClean="0"/>
-              <a:t>で実施するので紙</a:t>
-            </a:r>
-            <a:r>
               <a:rPr lang="ja-JP" altLang="en-US" dirty="0"/>
-              <a:t>資源を使わない</a:t>
+              <a:t>で実施するので紙資源を使わない</a:t>
             </a:r>
             <a:endParaRPr lang="en-US" altLang="ja-JP" dirty="0"/>
           </a:p>
@@ -9476,32 +9681,7 @@
                 <a:spcPct val="120000"/>
               </a:lnSpc>
             </a:pPr>
-            <a:r>
-              <a:rPr lang="ja-JP" altLang="en-US" dirty="0"/>
-              <a:t>回答データの自動</a:t>
-            </a:r>
-            <a:r>
-              <a:rPr lang="ja-JP" altLang="en-US" dirty="0" smtClean="0"/>
-              <a:t>集計</a:t>
-            </a:r>
-            <a:r>
-              <a:rPr lang="ja-JP" altLang="en-US" dirty="0" err="1" smtClean="0"/>
-              <a:t>ー</a:t>
-            </a:r>
-            <a:r>
-              <a:rPr lang="ja-JP" altLang="en-US" dirty="0" smtClean="0"/>
-              <a:t>＞実装してないのにここで言うのか？</a:t>
-            </a:r>
-            <a:endParaRPr lang="en-US" altLang="ja-JP" dirty="0" smtClean="0"/>
-          </a:p>
-          <a:p>
-            <a:pPr marL="457200" lvl="1" indent="0">
-              <a:lnSpc>
-                <a:spcPct val="120000"/>
-              </a:lnSpc>
-              <a:buNone/>
-            </a:pPr>
-            <a:endParaRPr lang="en-US" altLang="ja-JP" dirty="0" smtClean="0"/>
+            <a:endParaRPr lang="en-US" altLang="ja-JP" dirty="0"/>
           </a:p>
           <a:p>
             <a:pPr>
@@ -9510,7 +9690,7 @@
               </a:lnSpc>
             </a:pPr>
             <a:r>
-              <a:rPr kumimoji="1" lang="ja-JP" altLang="en-US" dirty="0" smtClean="0"/>
+              <a:rPr kumimoji="1" lang="ja-JP" altLang="en-US" dirty="0"/>
               <a:t>ユーザ</a:t>
             </a:r>
             <a:r>
@@ -9568,7 +9748,264 @@
   <p:timing>
     <p:tnLst>
       <p:par>
-        <p:cTn id="1" dur="indefinite" restart="never" nodeType="tmRoot"/>
+        <p:cTn id="1" dur="indefinite" restart="never" nodeType="tmRoot">
+          <p:childTnLst>
+            <p:seq concurrent="1" nextAc="seek">
+              <p:cTn id="2" dur="indefinite" nodeType="mainSeq">
+                <p:childTnLst>
+                  <p:par>
+                    <p:cTn id="3" fill="hold">
+                      <p:stCondLst>
+                        <p:cond delay="indefinite"/>
+                      </p:stCondLst>
+                      <p:childTnLst>
+                        <p:par>
+                          <p:cTn id="4" fill="hold">
+                            <p:stCondLst>
+                              <p:cond delay="0"/>
+                            </p:stCondLst>
+                            <p:childTnLst>
+                              <p:par>
+                                <p:cTn id="5" presetID="15" presetClass="emph" presetSubtype="0" nodeType="clickEffect">
+                                  <p:stCondLst>
+                                    <p:cond delay="0"/>
+                                  </p:stCondLst>
+                                  <p:iterate type="lt">
+                                    <p:tmAbs val="25"/>
+                                  </p:iterate>
+                                  <p:childTnLst>
+                                    <p:set>
+                                      <p:cBhvr override="childStyle">
+                                        <p:cTn id="6" dur="indefinite"/>
+                                        <p:tgtEl>
+                                          <p:spTgt spid="3">
+                                            <p:txEl>
+                                              <p:pRg st="0" end="0"/>
+                                            </p:txEl>
+                                          </p:spTgt>
+                                        </p:tgtEl>
+                                        <p:attrNameLst>
+                                          <p:attrName>style.fontWeight</p:attrName>
+                                        </p:attrNameLst>
+                                      </p:cBhvr>
+                                      <p:to>
+                                        <p:strVal val="bold"/>
+                                      </p:to>
+                                    </p:set>
+                                  </p:childTnLst>
+                                </p:cTn>
+                              </p:par>
+                              <p:par>
+                                <p:cTn id="7" presetID="15" presetClass="emph" presetSubtype="0" nodeType="withEffect">
+                                  <p:stCondLst>
+                                    <p:cond delay="0"/>
+                                  </p:stCondLst>
+                                  <p:iterate type="lt">
+                                    <p:tmAbs val="25"/>
+                                  </p:iterate>
+                                  <p:childTnLst>
+                                    <p:set>
+                                      <p:cBhvr override="childStyle">
+                                        <p:cTn id="8" dur="indefinite"/>
+                                        <p:tgtEl>
+                                          <p:spTgt spid="3">
+                                            <p:txEl>
+                                              <p:pRg st="1" end="1"/>
+                                            </p:txEl>
+                                          </p:spTgt>
+                                        </p:tgtEl>
+                                        <p:attrNameLst>
+                                          <p:attrName>style.fontWeight</p:attrName>
+                                        </p:attrNameLst>
+                                      </p:cBhvr>
+                                      <p:to>
+                                        <p:strVal val="bold"/>
+                                      </p:to>
+                                    </p:set>
+                                  </p:childTnLst>
+                                </p:cTn>
+                              </p:par>
+                            </p:childTnLst>
+                          </p:cTn>
+                        </p:par>
+                      </p:childTnLst>
+                    </p:cTn>
+                  </p:par>
+                  <p:par>
+                    <p:cTn id="9" fill="hold">
+                      <p:stCondLst>
+                        <p:cond delay="indefinite"/>
+                      </p:stCondLst>
+                      <p:childTnLst>
+                        <p:par>
+                          <p:cTn id="10" fill="hold">
+                            <p:stCondLst>
+                              <p:cond delay="0"/>
+                            </p:stCondLst>
+                            <p:childTnLst>
+                              <p:par>
+                                <p:cTn id="11" presetID="15" presetClass="emph" presetSubtype="0" nodeType="clickEffect">
+                                  <p:stCondLst>
+                                    <p:cond delay="0"/>
+                                  </p:stCondLst>
+                                  <p:iterate type="lt">
+                                    <p:tmAbs val="25"/>
+                                  </p:iterate>
+                                  <p:childTnLst>
+                                    <p:set>
+                                      <p:cBhvr override="childStyle">
+                                        <p:cTn id="12" dur="indefinite"/>
+                                        <p:tgtEl>
+                                          <p:spTgt spid="3">
+                                            <p:txEl>
+                                              <p:pRg st="3" end="3"/>
+                                            </p:txEl>
+                                          </p:spTgt>
+                                        </p:tgtEl>
+                                        <p:attrNameLst>
+                                          <p:attrName>style.fontWeight</p:attrName>
+                                        </p:attrNameLst>
+                                      </p:cBhvr>
+                                      <p:to>
+                                        <p:strVal val="bold"/>
+                                      </p:to>
+                                    </p:set>
+                                  </p:childTnLst>
+                                </p:cTn>
+                              </p:par>
+                              <p:par>
+                                <p:cTn id="13" presetID="15" presetClass="emph" presetSubtype="0" nodeType="withEffect">
+                                  <p:stCondLst>
+                                    <p:cond delay="0"/>
+                                  </p:stCondLst>
+                                  <p:iterate type="lt">
+                                    <p:tmAbs val="25"/>
+                                  </p:iterate>
+                                  <p:childTnLst>
+                                    <p:set>
+                                      <p:cBhvr override="childStyle">
+                                        <p:cTn id="14" dur="indefinite"/>
+                                        <p:tgtEl>
+                                          <p:spTgt spid="3">
+                                            <p:txEl>
+                                              <p:pRg st="4" end="4"/>
+                                            </p:txEl>
+                                          </p:spTgt>
+                                        </p:tgtEl>
+                                        <p:attrNameLst>
+                                          <p:attrName>style.fontWeight</p:attrName>
+                                        </p:attrNameLst>
+                                      </p:cBhvr>
+                                      <p:to>
+                                        <p:strVal val="bold"/>
+                                      </p:to>
+                                    </p:set>
+                                  </p:childTnLst>
+                                </p:cTn>
+                              </p:par>
+                            </p:childTnLst>
+                          </p:cTn>
+                        </p:par>
+                      </p:childTnLst>
+                    </p:cTn>
+                  </p:par>
+                  <p:par>
+                    <p:cTn id="15" fill="hold">
+                      <p:stCondLst>
+                        <p:cond delay="indefinite"/>
+                      </p:stCondLst>
+                      <p:childTnLst>
+                        <p:par>
+                          <p:cTn id="16" fill="hold">
+                            <p:stCondLst>
+                              <p:cond delay="0"/>
+                            </p:stCondLst>
+                            <p:childTnLst>
+                              <p:par>
+                                <p:cTn id="17" presetID="15" presetClass="emph" presetSubtype="0" nodeType="clickEffect">
+                                  <p:stCondLst>
+                                    <p:cond delay="0"/>
+                                  </p:stCondLst>
+                                  <p:iterate type="lt">
+                                    <p:tmAbs val="25"/>
+                                  </p:iterate>
+                                  <p:childTnLst>
+                                    <p:set>
+                                      <p:cBhvr override="childStyle">
+                                        <p:cTn id="18" dur="indefinite"/>
+                                        <p:tgtEl>
+                                          <p:spTgt spid="3">
+                                            <p:txEl>
+                                              <p:pRg st="6" end="6"/>
+                                            </p:txEl>
+                                          </p:spTgt>
+                                        </p:tgtEl>
+                                        <p:attrNameLst>
+                                          <p:attrName>style.fontWeight</p:attrName>
+                                        </p:attrNameLst>
+                                      </p:cBhvr>
+                                      <p:to>
+                                        <p:strVal val="bold"/>
+                                      </p:to>
+                                    </p:set>
+                                  </p:childTnLst>
+                                </p:cTn>
+                              </p:par>
+                              <p:par>
+                                <p:cTn id="19" presetID="15" presetClass="emph" presetSubtype="0" nodeType="withEffect">
+                                  <p:stCondLst>
+                                    <p:cond delay="0"/>
+                                  </p:stCondLst>
+                                  <p:iterate type="lt">
+                                    <p:tmAbs val="25"/>
+                                  </p:iterate>
+                                  <p:childTnLst>
+                                    <p:set>
+                                      <p:cBhvr override="childStyle">
+                                        <p:cTn id="20" dur="indefinite"/>
+                                        <p:tgtEl>
+                                          <p:spTgt spid="3">
+                                            <p:txEl>
+                                              <p:pRg st="7" end="7"/>
+                                            </p:txEl>
+                                          </p:spTgt>
+                                        </p:tgtEl>
+                                        <p:attrNameLst>
+                                          <p:attrName>style.fontWeight</p:attrName>
+                                        </p:attrNameLst>
+                                      </p:cBhvr>
+                                      <p:to>
+                                        <p:strVal val="bold"/>
+                                      </p:to>
+                                    </p:set>
+                                  </p:childTnLst>
+                                </p:cTn>
+                              </p:par>
+                            </p:childTnLst>
+                          </p:cTn>
+                        </p:par>
+                      </p:childTnLst>
+                    </p:cTn>
+                  </p:par>
+                </p:childTnLst>
+              </p:cTn>
+              <p:prevCondLst>
+                <p:cond evt="onPrev" delay="0">
+                  <p:tgtEl>
+                    <p:sldTgt/>
+                  </p:tgtEl>
+                </p:cond>
+              </p:prevCondLst>
+              <p:nextCondLst>
+                <p:cond evt="onNext" delay="0">
+                  <p:tgtEl>
+                    <p:sldTgt/>
+                  </p:tgtEl>
+                </p:cond>
+              </p:nextCondLst>
+            </p:seq>
+          </p:childTnLst>
+        </p:cTn>
       </p:par>
     </p:tnLst>
   </p:timing>
@@ -9608,35 +10045,13 @@
           <a:lstStyle/>
           <a:p>
             <a:r>
-              <a:rPr lang="ja-JP" altLang="en-US" dirty="0" smtClean="0"/>
-              <a:t>開発したアプリケーションの</a:t>
-            </a:r>
-            <a:r>
-              <a:rPr kumimoji="1" lang="ja-JP" altLang="en-US" dirty="0" smtClean="0"/>
-              <a:t>特徴</a:t>
-            </a:r>
-            <a:endParaRPr kumimoji="1" lang="ja-JP" altLang="en-US" dirty="0"/>
-          </a:p>
-        </p:txBody>
-      </p:sp>
-      <p:sp>
-        <p:nvSpPr>
-          <p:cNvPr id="3" name="コンテンツ プレースホルダー 2"/>
-          <p:cNvSpPr>
-            <a:spLocks noGrp="1"/>
-          </p:cNvSpPr>
-          <p:nvPr>
-            <p:ph idx="1"/>
-          </p:nvPr>
-        </p:nvSpPr>
-        <p:spPr/>
-        <p:txBody>
-          <a:bodyPr/>
-          <a:lstStyle/>
-          <a:p>
-            <a:pPr marL="457200" lvl="1" indent="0">
-              <a:buNone/>
-            </a:pPr>
+              <a:rPr lang="en-US" altLang="ja-JP" dirty="0"/>
+              <a:t>3. </a:t>
+            </a:r>
+            <a:r>
+              <a:rPr lang="ja-JP" altLang="en-US" dirty="0"/>
+              <a:t>開発したアプリケーションの概要</a:t>
+            </a:r>
             <a:endParaRPr kumimoji="1" lang="ja-JP" altLang="en-US" dirty="0"/>
           </a:p>
         </p:txBody>
@@ -9662,6 +10077,273 @@
               <a:t>4</a:t>
             </a:fld>
             <a:endParaRPr lang="ja-JP" altLang="en-US" dirty="0"/>
+          </a:p>
+        </p:txBody>
+      </p:sp>
+      <p:sp>
+        <p:nvSpPr>
+          <p:cNvPr id="5" name="コンテンツ プレースホルダー 2"/>
+          <p:cNvSpPr>
+            <a:spLocks noGrp="1"/>
+          </p:cNvSpPr>
+          <p:nvPr>
+            <p:ph idx="1"/>
+          </p:nvPr>
+        </p:nvSpPr>
+        <p:spPr>
+          <a:xfrm>
+            <a:off x="628650" y="1523999"/>
+            <a:ext cx="7638272" cy="668695"/>
+          </a:xfrm>
+        </p:spPr>
+        <p:txBody>
+          <a:bodyPr>
+            <a:normAutofit fontScale="77500" lnSpcReduction="20000"/>
+          </a:bodyPr>
+          <a:lstStyle/>
+          <a:p>
+            <a:r>
+              <a:rPr kumimoji="1" lang="en-US" altLang="ja-JP" dirty="0"/>
+              <a:t>XEE</a:t>
+            </a:r>
+            <a:r>
+              <a:rPr kumimoji="1" lang="ja-JP" altLang="en-US" dirty="0"/>
+              <a:t>システムをベースに開発</a:t>
+            </a:r>
+            <a:endParaRPr kumimoji="1" lang="en-US" altLang="ja-JP" dirty="0"/>
+          </a:p>
+        </p:txBody>
+      </p:sp>
+      <p:sp>
+        <p:nvSpPr>
+          <p:cNvPr id="6" name="角丸四角形 5"/>
+          <p:cNvSpPr/>
+          <p:nvPr/>
+        </p:nvSpPr>
+        <p:spPr>
+          <a:xfrm>
+            <a:off x="1704122" y="2552200"/>
+            <a:ext cx="6013579" cy="3615889"/>
+          </a:xfrm>
+          <a:prstGeom prst="roundRect">
+            <a:avLst/>
+          </a:prstGeom>
+        </p:spPr>
+        <p:style>
+          <a:lnRef idx="2">
+            <a:schemeClr val="accent3">
+              <a:shade val="50000"/>
+            </a:schemeClr>
+          </a:lnRef>
+          <a:fillRef idx="1">
+            <a:schemeClr val="accent3"/>
+          </a:fillRef>
+          <a:effectRef idx="0">
+            <a:schemeClr val="accent3"/>
+          </a:effectRef>
+          <a:fontRef idx="minor">
+            <a:schemeClr val="lt1"/>
+          </a:fontRef>
+        </p:style>
+        <p:txBody>
+          <a:bodyPr rtlCol="0" anchor="ctr"/>
+          <a:lstStyle/>
+          <a:p>
+            <a:pPr algn="ctr"/>
+            <a:r>
+              <a:rPr lang="en-US" altLang="ja-JP" sz="4000" dirty="0"/>
+              <a:t>XEE</a:t>
+            </a:r>
+            <a:r>
+              <a:rPr lang="ja-JP" altLang="en-US" sz="4000" dirty="0"/>
+              <a:t>システム</a:t>
+            </a:r>
+            <a:endParaRPr lang="en-US" altLang="ja-JP" sz="4000" dirty="0"/>
+          </a:p>
+          <a:p>
+            <a:pPr algn="ctr"/>
+            <a:endParaRPr kumimoji="1" lang="en-US" altLang="ja-JP" dirty="0"/>
+          </a:p>
+          <a:p>
+            <a:pPr algn="ctr"/>
+            <a:endParaRPr lang="en-US" altLang="ja-JP" dirty="0"/>
+          </a:p>
+          <a:p>
+            <a:pPr algn="ctr"/>
+            <a:endParaRPr kumimoji="1" lang="en-US" altLang="ja-JP" dirty="0"/>
+          </a:p>
+          <a:p>
+            <a:pPr algn="ctr"/>
+            <a:endParaRPr lang="en-US" altLang="ja-JP" dirty="0"/>
+          </a:p>
+          <a:p>
+            <a:pPr algn="ctr"/>
+            <a:endParaRPr kumimoji="1" lang="en-US" altLang="ja-JP" dirty="0"/>
+          </a:p>
+          <a:p>
+            <a:pPr algn="ctr"/>
+            <a:endParaRPr lang="en-US" altLang="ja-JP" dirty="0"/>
+          </a:p>
+          <a:p>
+            <a:pPr algn="ctr"/>
+            <a:endParaRPr kumimoji="1" lang="en-US" altLang="ja-JP" dirty="0"/>
+          </a:p>
+          <a:p>
+            <a:pPr algn="ctr"/>
+            <a:endParaRPr lang="en-US" altLang="ja-JP" dirty="0"/>
+          </a:p>
+          <a:p>
+            <a:pPr algn="ctr"/>
+            <a:endParaRPr kumimoji="1" lang="en-US" altLang="ja-JP" dirty="0"/>
+          </a:p>
+          <a:p>
+            <a:pPr algn="ctr"/>
+            <a:endParaRPr lang="en-US" altLang="ja-JP" dirty="0"/>
+          </a:p>
+          <a:p>
+            <a:pPr algn="ctr"/>
+            <a:endParaRPr kumimoji="1" lang="ja-JP" altLang="en-US" dirty="0"/>
+          </a:p>
+        </p:txBody>
+      </p:sp>
+      <p:sp>
+        <p:nvSpPr>
+          <p:cNvPr id="7" name="角丸四角形 6"/>
+          <p:cNvSpPr/>
+          <p:nvPr/>
+        </p:nvSpPr>
+        <p:spPr>
+          <a:xfrm>
+            <a:off x="2177942" y="3447938"/>
+            <a:ext cx="2453951" cy="2481943"/>
+          </a:xfrm>
+          <a:prstGeom prst="roundRect">
+            <a:avLst/>
+          </a:prstGeom>
+        </p:spPr>
+        <p:style>
+          <a:lnRef idx="2">
+            <a:schemeClr val="accent5">
+              <a:shade val="50000"/>
+            </a:schemeClr>
+          </a:lnRef>
+          <a:fillRef idx="1">
+            <a:schemeClr val="accent5"/>
+          </a:fillRef>
+          <a:effectRef idx="0">
+            <a:schemeClr val="accent5"/>
+          </a:effectRef>
+          <a:fontRef idx="minor">
+            <a:schemeClr val="lt1"/>
+          </a:fontRef>
+        </p:style>
+        <p:txBody>
+          <a:bodyPr rtlCol="0" anchor="ctr"/>
+          <a:lstStyle/>
+          <a:p>
+            <a:pPr algn="ctr"/>
+            <a:r>
+              <a:rPr lang="ja-JP" altLang="en-US" sz="2400" dirty="0"/>
+              <a:t>ユーザー</a:t>
+            </a:r>
+            <a:r>
+              <a:rPr kumimoji="1" lang="ja-JP" altLang="en-US" sz="2400" dirty="0"/>
+              <a:t>サイド</a:t>
+            </a:r>
+            <a:endParaRPr kumimoji="1" lang="en-US" altLang="ja-JP" sz="2400" dirty="0"/>
+          </a:p>
+          <a:p>
+            <a:pPr algn="ctr"/>
+            <a:r>
+              <a:rPr lang="ja-JP" altLang="en-US" sz="2400" dirty="0"/>
+              <a:t>・</a:t>
+            </a:r>
+            <a:r>
+              <a:rPr lang="en-US" altLang="ja-JP" sz="2400" dirty="0"/>
+              <a:t>React.js</a:t>
+            </a:r>
+          </a:p>
+          <a:p>
+            <a:pPr algn="ctr"/>
+            <a:r>
+              <a:rPr lang="ja-JP" altLang="en-US" sz="2400" dirty="0"/>
+              <a:t>・</a:t>
+            </a:r>
+            <a:r>
+              <a:rPr lang="en-US" altLang="ja-JP" sz="2400" dirty="0"/>
+              <a:t>Material-UI</a:t>
+            </a:r>
+          </a:p>
+          <a:p>
+            <a:pPr algn="ctr"/>
+            <a:endParaRPr lang="en-US" altLang="ja-JP" dirty="0"/>
+          </a:p>
+        </p:txBody>
+      </p:sp>
+      <p:sp>
+        <p:nvSpPr>
+          <p:cNvPr id="8" name="角丸四角形 7"/>
+          <p:cNvSpPr/>
+          <p:nvPr/>
+        </p:nvSpPr>
+        <p:spPr>
+          <a:xfrm>
+            <a:off x="4950445" y="3447938"/>
+            <a:ext cx="2448703" cy="2481943"/>
+          </a:xfrm>
+          <a:prstGeom prst="roundRect">
+            <a:avLst/>
+          </a:prstGeom>
+        </p:spPr>
+        <p:style>
+          <a:lnRef idx="2">
+            <a:schemeClr val="accent6">
+              <a:shade val="50000"/>
+            </a:schemeClr>
+          </a:lnRef>
+          <a:fillRef idx="1">
+            <a:schemeClr val="accent6"/>
+          </a:fillRef>
+          <a:effectRef idx="0">
+            <a:schemeClr val="accent6"/>
+          </a:effectRef>
+          <a:fontRef idx="minor">
+            <a:schemeClr val="lt1"/>
+          </a:fontRef>
+        </p:style>
+        <p:txBody>
+          <a:bodyPr rtlCol="0" anchor="ctr"/>
+          <a:lstStyle/>
+          <a:p>
+            <a:pPr algn="ctr"/>
+            <a:r>
+              <a:rPr lang="ja-JP" altLang="en-US" sz="2400" dirty="0"/>
+              <a:t>サーバー</a:t>
+            </a:r>
+            <a:r>
+              <a:rPr kumimoji="1" lang="ja-JP" altLang="en-US" sz="2400" dirty="0"/>
+              <a:t>サイド</a:t>
+            </a:r>
+            <a:endParaRPr kumimoji="1" lang="en-US" altLang="ja-JP" sz="2400" dirty="0"/>
+          </a:p>
+          <a:p>
+            <a:pPr algn="ctr"/>
+            <a:r>
+              <a:rPr lang="ja-JP" altLang="en-US" sz="2400" dirty="0"/>
+              <a:t>・</a:t>
+            </a:r>
+            <a:r>
+              <a:rPr lang="en-US" altLang="ja-JP" sz="2400" dirty="0"/>
+              <a:t>Elixir</a:t>
+            </a:r>
+          </a:p>
+          <a:p>
+            <a:pPr algn="ctr"/>
+            <a:endParaRPr lang="en-US" altLang="ja-JP" sz="2400" dirty="0"/>
+          </a:p>
+          <a:p>
+            <a:pPr algn="ctr"/>
+            <a:endParaRPr lang="en-US" altLang="ja-JP" dirty="0"/>
           </a:p>
         </p:txBody>
       </p:sp>
@@ -9675,13 +10357,6 @@
   <p:clrMapOvr>
     <a:masterClrMapping/>
   </p:clrMapOvr>
-  <p:timing>
-    <p:tnLst>
-      <p:par>
-        <p:cTn id="1" dur="indefinite" restart="never" nodeType="tmRoot"/>
-      </p:par>
-    </p:tnLst>
-  </p:timing>
 </p:sld>
 </file>
 
@@ -9714,54 +10389,43 @@
         </p:nvSpPr>
         <p:spPr/>
         <p:txBody>
+          <a:bodyPr>
+            <a:normAutofit/>
+          </a:bodyPr>
+          <a:lstStyle/>
+          <a:p>
+            <a:r>
+              <a:rPr lang="en-US" altLang="ja-JP" dirty="0"/>
+              <a:t>3. </a:t>
+            </a:r>
+            <a:r>
+              <a:rPr lang="ja-JP" altLang="en-US" dirty="0"/>
+              <a:t>開発したアプリケーションの概要</a:t>
+            </a:r>
+            <a:endParaRPr kumimoji="1" lang="ja-JP" altLang="en-US" dirty="0"/>
+          </a:p>
+        </p:txBody>
+      </p:sp>
+      <p:sp>
+        <p:nvSpPr>
+          <p:cNvPr id="3" name="コンテンツ プレースホルダー 2"/>
+          <p:cNvSpPr>
+            <a:spLocks noGrp="1"/>
+          </p:cNvSpPr>
+          <p:nvPr>
+            <p:ph idx="1"/>
+          </p:nvPr>
+        </p:nvSpPr>
+        <p:spPr/>
+        <p:txBody>
           <a:bodyPr/>
           <a:lstStyle/>
           <a:p>
             <a:r>
-              <a:rPr lang="ja-JP" altLang="en-US" dirty="0"/>
-              <a:t>開発したアプリケーションの特徴</a:t>
-            </a:r>
-            <a:endParaRPr kumimoji="1" lang="ja-JP" altLang="en-US" dirty="0"/>
-          </a:p>
-        </p:txBody>
-      </p:sp>
-      <p:sp>
-        <p:nvSpPr>
-          <p:cNvPr id="3" name="コンテンツ プレースホルダー 2"/>
-          <p:cNvSpPr>
-            <a:spLocks noGrp="1"/>
-          </p:cNvSpPr>
-          <p:nvPr>
-            <p:ph idx="1"/>
-          </p:nvPr>
-        </p:nvSpPr>
-        <p:spPr>
-          <a:xfrm>
-            <a:off x="628650" y="1433940"/>
-            <a:ext cx="7270750" cy="4652963"/>
-          </a:xfrm>
-        </p:spPr>
-        <p:txBody>
-          <a:bodyPr/>
-          <a:lstStyle/>
-          <a:p>
-            <a:r>
-              <a:rPr kumimoji="1" lang="ja-JP" altLang="en-US" dirty="0" smtClean="0"/>
-              <a:t>モダンな</a:t>
-            </a:r>
-            <a:r>
-              <a:rPr kumimoji="1" lang="en-US" altLang="ja-JP" dirty="0" smtClean="0"/>
-              <a:t>web</a:t>
-            </a:r>
-            <a:r>
-              <a:rPr lang="ja-JP" altLang="en-US" dirty="0"/>
-              <a:t>デザイン</a:t>
-            </a:r>
-            <a:r>
-              <a:rPr lang="ja-JP" altLang="en-US" dirty="0" smtClean="0"/>
-              <a:t>を採用した</a:t>
-            </a:r>
-            <a:endParaRPr kumimoji="1" lang="ja-JP" altLang="en-US" dirty="0"/>
+              <a:rPr kumimoji="1" lang="ja-JP" altLang="en-US" dirty="0"/>
+              <a:t>アプリケーション実行の流れ</a:t>
+            </a:r>
+            <a:endParaRPr kumimoji="1" lang="en-US" altLang="ja-JP" dirty="0"/>
           </a:p>
         </p:txBody>
       </p:sp>
@@ -9789,53 +10453,38 @@
           </a:p>
         </p:txBody>
       </p:sp>
-      <p:pic>
-        <p:nvPicPr>
-          <p:cNvPr id="5" name="図 4"/>
-          <p:cNvPicPr>
-            <a:picLocks noChangeAspect="1"/>
-          </p:cNvPicPr>
-          <p:nvPr/>
-        </p:nvPicPr>
-        <p:blipFill>
-          <a:blip r:embed="rId2">
-            <a:extLst>
-              <a:ext uri="{28A0092B-C50C-407E-A947-70E740481C1C}">
-                <a14:useLocalDpi xmlns:a14="http://schemas.microsoft.com/office/drawing/2010/main" val="0"/>
-              </a:ext>
-            </a:extLst>
-          </a:blip>
-          <a:stretch>
-            <a:fillRect/>
-          </a:stretch>
-        </p:blipFill>
-        <p:spPr>
-          <a:xfrm>
-            <a:off x="1401646" y="3182766"/>
-            <a:ext cx="1667108" cy="2448267"/>
-          </a:xfrm>
-          <a:prstGeom prst="rect">
-            <a:avLst/>
-          </a:prstGeom>
-        </p:spPr>
-      </p:pic>
+      <p:graphicFrame>
+        <p:nvGraphicFramePr>
+          <p:cNvPr id="5" name="図表 4"/>
+          <p:cNvGraphicFramePr/>
+          <p:nvPr>
+            <p:extLst>
+              <p:ext uri="{D42A27DB-BD31-4B8C-83A1-F6EECF244321}">
+                <p14:modId xmlns:p14="http://schemas.microsoft.com/office/powerpoint/2010/main" val="2618368755"/>
+              </p:ext>
+            </p:extLst>
+          </p:nvPr>
+        </p:nvGraphicFramePr>
+        <p:xfrm>
+          <a:off x="516835" y="1397000"/>
+          <a:ext cx="8322365" cy="5324476"/>
+        </p:xfrm>
+        <a:graphic>
+          <a:graphicData uri="http://schemas.openxmlformats.org/drawingml/2006/diagram">
+            <dgm:relIds xmlns:dgm="http://schemas.openxmlformats.org/drawingml/2006/diagram" xmlns:r="http://schemas.openxmlformats.org/officeDocument/2006/relationships" r:dm="rId3" r:lo="rId4" r:qs="rId5" r:cs="rId6"/>
+          </a:graphicData>
+        </a:graphic>
+      </p:graphicFrame>
     </p:spTree>
     <p:extLst>
       <p:ext uri="{BB962C8B-B14F-4D97-AF65-F5344CB8AC3E}">
-        <p14:creationId xmlns:p14="http://schemas.microsoft.com/office/powerpoint/2010/main" val="3960508658"/>
+        <p14:creationId xmlns:p14="http://schemas.microsoft.com/office/powerpoint/2010/main" val="2975678744"/>
       </p:ext>
     </p:extLst>
   </p:cSld>
   <p:clrMapOvr>
     <a:masterClrMapping/>
   </p:clrMapOvr>
-  <p:timing>
-    <p:tnLst>
-      <p:par>
-        <p:cTn id="1" dur="indefinite" restart="never" nodeType="tmRoot"/>
-      </p:par>
-    </p:tnLst>
-  </p:timing>
 </p:sld>
 </file>
 
@@ -10156,10 +10805,13 @@
           <a:lstStyle/>
           <a:p>
             <a:r>
-              <a:rPr kumimoji="1" lang="ja-JP" altLang="en-US" dirty="0" smtClean="0"/>
-              <a:t>３．結果</a:t>
-            </a:r>
-            <a:endParaRPr kumimoji="1" lang="ja-JP" altLang="en-US" dirty="0"/>
+              <a:rPr kumimoji="1" lang="en-US" altLang="ja-JP" dirty="0"/>
+              <a:t>3. </a:t>
+            </a:r>
+            <a:r>
+              <a:rPr kumimoji="1" lang="ja-JP" altLang="en-US" dirty="0"/>
+              <a:t>開発したアプリケーションの概要</a:t>
+            </a:r>
           </a:p>
         </p:txBody>
       </p:sp>
@@ -10173,131 +10825,400 @@
             <p:ph idx="1"/>
           </p:nvPr>
         </p:nvSpPr>
-        <p:spPr/>
-        <p:txBody>
-          <a:bodyPr>
-            <a:normAutofit lnSpcReduction="10000"/>
-          </a:bodyPr>
-          <a:lstStyle/>
-          <a:p>
-            <a:r>
-              <a:rPr lang="ja-JP" altLang="en-US" dirty="0"/>
-              <a:t>達成した項目</a:t>
-            </a:r>
-            <a:endParaRPr lang="en-US" altLang="ja-JP" dirty="0"/>
-          </a:p>
-          <a:p>
-            <a:pPr lvl="1"/>
-            <a:r>
-              <a:rPr kumimoji="1" lang="ja-JP" altLang="en-US" dirty="0"/>
-              <a:t>経済性</a:t>
-            </a:r>
-            <a:endParaRPr kumimoji="1" lang="en-US" altLang="ja-JP" dirty="0"/>
-          </a:p>
-          <a:p>
-            <a:pPr lvl="2"/>
-            <a:r>
-              <a:rPr lang="ja-JP" altLang="en-US" dirty="0"/>
-              <a:t>紙資源をまったく使用していない。</a:t>
-            </a:r>
-            <a:endParaRPr lang="en-US" altLang="ja-JP" dirty="0"/>
-          </a:p>
-          <a:p>
-            <a:pPr lvl="1"/>
-            <a:r>
-              <a:rPr lang="ja-JP" altLang="en-US" dirty="0"/>
-              <a:t>教員の労力削減</a:t>
-            </a:r>
-            <a:endParaRPr lang="en-US" altLang="ja-JP" dirty="0"/>
-          </a:p>
-          <a:p>
-            <a:pPr lvl="2"/>
-            <a:r>
-              <a:rPr lang="ja-JP" altLang="en-US" dirty="0"/>
-              <a:t>スキャン不要で自動的</a:t>
-            </a:r>
-            <a:r>
-              <a:rPr lang="ja-JP" altLang="en-US" dirty="0" smtClean="0"/>
-              <a:t>に回答を</a:t>
-            </a:r>
-            <a:r>
-              <a:rPr lang="ja-JP" altLang="en-US" dirty="0"/>
-              <a:t>ＰＣに取り込める。</a:t>
-            </a:r>
-            <a:endParaRPr lang="en-US" altLang="ja-JP" dirty="0"/>
-          </a:p>
-          <a:p>
-            <a:pPr lvl="1"/>
-            <a:r>
-              <a:rPr lang="ja-JP" altLang="en-US" dirty="0"/>
-              <a:t>ユーザ体験の向上</a:t>
-            </a:r>
-            <a:endParaRPr lang="en-US" altLang="ja-JP" dirty="0"/>
-          </a:p>
-          <a:p>
-            <a:pPr lvl="2"/>
-            <a:r>
-              <a:rPr lang="ja-JP" altLang="en-US" dirty="0"/>
-              <a:t>動きあるＵＩで快適に回答できた。</a:t>
-            </a:r>
-            <a:endParaRPr lang="en-US" altLang="ja-JP" dirty="0"/>
-          </a:p>
-          <a:p>
-            <a:pPr lvl="1"/>
-            <a:endParaRPr lang="en-US" altLang="ja-JP" dirty="0"/>
-          </a:p>
-          <a:p>
-            <a:pPr lvl="1"/>
-            <a:endParaRPr lang="en-US" altLang="ja-JP" dirty="0"/>
-          </a:p>
-          <a:p>
-            <a:pPr marL="457200" lvl="1" indent="0">
-              <a:buNone/>
-            </a:pPr>
-            <a:endParaRPr lang="en-US" altLang="ja-JP" dirty="0"/>
-          </a:p>
-        </p:txBody>
-      </p:sp>
-      <p:sp>
-        <p:nvSpPr>
-          <p:cNvPr id="4" name="スライド番号プレースホルダー 3"/>
-          <p:cNvSpPr>
-            <a:spLocks noGrp="1"/>
-          </p:cNvSpPr>
-          <p:nvPr>
-            <p:ph type="sldNum" sz="quarter" idx="12"/>
-          </p:nvPr>
-        </p:nvSpPr>
-        <p:spPr/>
+        <p:spPr>
+          <a:xfrm>
+            <a:off x="628650" y="1523999"/>
+            <a:ext cx="7886700" cy="1073427"/>
+          </a:xfrm>
+        </p:spPr>
         <p:txBody>
           <a:bodyPr/>
           <a:lstStyle/>
           <a:p>
+            <a:r>
+              <a:rPr kumimoji="1" lang="ja-JP" altLang="en-US" dirty="0"/>
+              <a:t>生成されるデータ</a:t>
+            </a:r>
+          </a:p>
+        </p:txBody>
+      </p:sp>
+      <p:sp>
+        <p:nvSpPr>
+          <p:cNvPr id="4" name="スライド番号プレースホルダー 3"/>
+          <p:cNvSpPr>
+            <a:spLocks noGrp="1"/>
+          </p:cNvSpPr>
+          <p:nvPr>
+            <p:ph type="sldNum" sz="quarter" idx="12"/>
+          </p:nvPr>
+        </p:nvSpPr>
+        <p:spPr/>
+        <p:txBody>
+          <a:bodyPr/>
+          <a:lstStyle/>
+          <a:p>
             <a:fld id="{67F4F476-6E52-48A4-9511-77073BEB0098}" type="slidenum">
-              <a:rPr kumimoji="1" lang="ja-JP" altLang="en-US" smtClean="0"/>
+              <a:rPr lang="ja-JP" altLang="en-US" smtClean="0"/>
+              <a:pPr/>
               <a:t>7</a:t>
             </a:fld>
-            <a:endParaRPr kumimoji="1" lang="ja-JP" altLang="en-US" dirty="0"/>
-          </a:p>
-        </p:txBody>
-      </p:sp>
+            <a:endParaRPr lang="ja-JP" altLang="en-US" dirty="0"/>
+          </a:p>
+        </p:txBody>
+      </p:sp>
+      <p:graphicFrame>
+        <p:nvGraphicFramePr>
+          <p:cNvPr id="5" name="表 4"/>
+          <p:cNvGraphicFramePr>
+            <a:graphicFrameLocks noGrp="1"/>
+          </p:cNvGraphicFramePr>
+          <p:nvPr>
+            <p:extLst>
+              <p:ext uri="{D42A27DB-BD31-4B8C-83A1-F6EECF244321}">
+                <p14:modId xmlns:p14="http://schemas.microsoft.com/office/powerpoint/2010/main" val="151547600"/>
+              </p:ext>
+            </p:extLst>
+          </p:nvPr>
+        </p:nvGraphicFramePr>
+        <p:xfrm>
+          <a:off x="628650" y="2955233"/>
+          <a:ext cx="8057322" cy="2527272"/>
+        </p:xfrm>
+        <a:graphic>
+          <a:graphicData uri="http://schemas.openxmlformats.org/drawingml/2006/table">
+            <a:tbl>
+              <a:tblPr firstRow="1" bandRow="1">
+                <a:tableStyleId>{22838BEF-8BB2-4498-84A7-C5851F593DF1}</a:tableStyleId>
+              </a:tblPr>
+              <a:tblGrid>
+                <a:gridCol w="1342887">
+                  <a:extLst>
+                    <a:ext uri="{9D8B030D-6E8A-4147-A177-3AD203B41FA5}">
+                      <a16:colId xmlns:a16="http://schemas.microsoft.com/office/drawing/2014/main" val="1230020745"/>
+                    </a:ext>
+                  </a:extLst>
+                </a:gridCol>
+                <a:gridCol w="1342887">
+                  <a:extLst>
+                    <a:ext uri="{9D8B030D-6E8A-4147-A177-3AD203B41FA5}">
+                      <a16:colId xmlns:a16="http://schemas.microsoft.com/office/drawing/2014/main" val="1970118149"/>
+                    </a:ext>
+                  </a:extLst>
+                </a:gridCol>
+                <a:gridCol w="1342887">
+                  <a:extLst>
+                    <a:ext uri="{9D8B030D-6E8A-4147-A177-3AD203B41FA5}">
+                      <a16:colId xmlns:a16="http://schemas.microsoft.com/office/drawing/2014/main" val="2957510981"/>
+                    </a:ext>
+                  </a:extLst>
+                </a:gridCol>
+                <a:gridCol w="1342887">
+                  <a:extLst>
+                    <a:ext uri="{9D8B030D-6E8A-4147-A177-3AD203B41FA5}">
+                      <a16:colId xmlns:a16="http://schemas.microsoft.com/office/drawing/2014/main" val="2818599546"/>
+                    </a:ext>
+                  </a:extLst>
+                </a:gridCol>
+                <a:gridCol w="1342887">
+                  <a:extLst>
+                    <a:ext uri="{9D8B030D-6E8A-4147-A177-3AD203B41FA5}">
+                      <a16:colId xmlns:a16="http://schemas.microsoft.com/office/drawing/2014/main" val="962884545"/>
+                    </a:ext>
+                  </a:extLst>
+                </a:gridCol>
+                <a:gridCol w="1342887">
+                  <a:extLst>
+                    <a:ext uri="{9D8B030D-6E8A-4147-A177-3AD203B41FA5}">
+                      <a16:colId xmlns:a16="http://schemas.microsoft.com/office/drawing/2014/main" val="3470811699"/>
+                    </a:ext>
+                  </a:extLst>
+                </a:gridCol>
+              </a:tblGrid>
+              <a:tr h="842424">
+                <a:tc rowSpan="2">
+                  <a:txBody>
+                    <a:bodyPr/>
+                    <a:lstStyle/>
+                    <a:p>
+                      <a:pPr algn="ctr"/>
+                      <a:endParaRPr kumimoji="1" lang="ja-JP" altLang="en-US" sz="2400" dirty="0"/>
+                    </a:p>
+                  </a:txBody>
+                  <a:tcPr>
+                    <a:lnTlToBr w="12700" cap="flat" cmpd="sng" algn="ctr">
+                      <a:solidFill>
+                        <a:schemeClr val="accent1">
+                          <a:lumMod val="75000"/>
+                        </a:schemeClr>
+                      </a:solidFill>
+                      <a:prstDash val="solid"/>
+                      <a:round/>
+                      <a:headEnd type="none" w="med" len="med"/>
+                      <a:tailEnd type="none" w="med" len="med"/>
+                    </a:lnTlToBr>
+                  </a:tcPr>
+                </a:tc>
+                <a:tc rowSpan="2">
+                  <a:txBody>
+                    <a:bodyPr/>
+                    <a:lstStyle/>
+                    <a:p>
+                      <a:pPr algn="ctr"/>
+                      <a:r>
+                        <a:rPr kumimoji="1" lang="en-US" altLang="ja-JP" sz="4000" dirty="0"/>
+                        <a:t>ID</a:t>
+                      </a:r>
+                      <a:endParaRPr kumimoji="1" lang="ja-JP" altLang="en-US" sz="4000" dirty="0"/>
+                    </a:p>
+                  </a:txBody>
+                  <a:tcPr/>
+                </a:tc>
+                <a:tc gridSpan="2">
+                  <a:txBody>
+                    <a:bodyPr/>
+                    <a:lstStyle/>
+                    <a:p>
+                      <a:pPr algn="ctr"/>
+                      <a:r>
+                        <a:rPr kumimoji="1" lang="ja-JP" altLang="en-US" sz="4000" dirty="0"/>
+                        <a:t>国語</a:t>
+                      </a:r>
+                    </a:p>
+                  </a:txBody>
+                  <a:tcPr/>
+                </a:tc>
+                <a:tc hMerge="1">
+                  <a:txBody>
+                    <a:bodyPr/>
+                    <a:lstStyle/>
+                    <a:p>
+                      <a:endParaRPr kumimoji="1" lang="ja-JP" altLang="en-US" dirty="0"/>
+                    </a:p>
+                  </a:txBody>
+                  <a:tcPr/>
+                </a:tc>
+                <a:tc gridSpan="2">
+                  <a:txBody>
+                    <a:bodyPr/>
+                    <a:lstStyle/>
+                    <a:p>
+                      <a:pPr algn="ctr"/>
+                      <a:r>
+                        <a:rPr kumimoji="1" lang="ja-JP" altLang="en-US" sz="4000" dirty="0"/>
+                        <a:t>数学</a:t>
+                      </a:r>
+                    </a:p>
+                  </a:txBody>
+                  <a:tcPr/>
+                </a:tc>
+                <a:tc hMerge="1">
+                  <a:txBody>
+                    <a:bodyPr/>
+                    <a:lstStyle/>
+                    <a:p>
+                      <a:endParaRPr kumimoji="1" lang="ja-JP" altLang="en-US" dirty="0"/>
+                    </a:p>
+                  </a:txBody>
+                  <a:tcPr/>
+                </a:tc>
+                <a:extLst>
+                  <a:ext uri="{0D108BD9-81ED-4DB2-BD59-A6C34878D82A}">
+                    <a16:rowId xmlns:a16="http://schemas.microsoft.com/office/drawing/2014/main" val="815741296"/>
+                  </a:ext>
+                </a:extLst>
+              </a:tr>
+              <a:tr h="842424">
+                <a:tc vMerge="1">
+                  <a:txBody>
+                    <a:bodyPr/>
+                    <a:lstStyle/>
+                    <a:p>
+                      <a:endParaRPr kumimoji="1" lang="ja-JP" altLang="en-US" dirty="0"/>
+                    </a:p>
+                  </a:txBody>
+                  <a:tcPr/>
+                </a:tc>
+                <a:tc vMerge="1">
+                  <a:txBody>
+                    <a:bodyPr/>
+                    <a:lstStyle/>
+                    <a:p>
+                      <a:endParaRPr kumimoji="1" lang="ja-JP" altLang="en-US" dirty="0"/>
+                    </a:p>
+                  </a:txBody>
+                  <a:tcPr/>
+                </a:tc>
+                <a:tc>
+                  <a:txBody>
+                    <a:bodyPr/>
+                    <a:lstStyle/>
+                    <a:p>
+                      <a:pPr algn="ctr"/>
+                      <a:r>
+                        <a:rPr kumimoji="1" lang="ja-JP" altLang="en-US" sz="2400" dirty="0"/>
+                        <a:t>楽しさ</a:t>
+                      </a:r>
+                    </a:p>
+                  </a:txBody>
+                  <a:tcPr/>
+                </a:tc>
+                <a:tc>
+                  <a:txBody>
+                    <a:bodyPr/>
+                    <a:lstStyle/>
+                    <a:p>
+                      <a:pPr algn="ctr"/>
+                      <a:r>
+                        <a:rPr kumimoji="1" lang="ja-JP" altLang="en-US" sz="2400" dirty="0"/>
+                        <a:t>分かりやすさ</a:t>
+                      </a:r>
+                    </a:p>
+                  </a:txBody>
+                  <a:tcPr/>
+                </a:tc>
+                <a:tc>
+                  <a:txBody>
+                    <a:bodyPr/>
+                    <a:lstStyle/>
+                    <a:p>
+                      <a:pPr algn="ctr"/>
+                      <a:r>
+                        <a:rPr kumimoji="1" lang="ja-JP" altLang="en-US" sz="2400" dirty="0"/>
+                        <a:t>楽しさ</a:t>
+                      </a:r>
+                    </a:p>
+                  </a:txBody>
+                  <a:tcPr/>
+                </a:tc>
+                <a:tc>
+                  <a:txBody>
+                    <a:bodyPr/>
+                    <a:lstStyle/>
+                    <a:p>
+                      <a:pPr algn="ctr"/>
+                      <a:r>
+                        <a:rPr kumimoji="1" lang="ja-JP" altLang="en-US" sz="2400" dirty="0"/>
+                        <a:t>分かりやすさ</a:t>
+                      </a:r>
+                    </a:p>
+                  </a:txBody>
+                  <a:tcPr/>
+                </a:tc>
+                <a:extLst>
+                  <a:ext uri="{0D108BD9-81ED-4DB2-BD59-A6C34878D82A}">
+                    <a16:rowId xmlns:a16="http://schemas.microsoft.com/office/drawing/2014/main" val="2046409575"/>
+                  </a:ext>
+                </a:extLst>
+              </a:tr>
+              <a:tr h="842424">
+                <a:tc>
+                  <a:txBody>
+                    <a:bodyPr/>
+                    <a:lstStyle/>
+                    <a:p>
+                      <a:pPr algn="ctr"/>
+                      <a:r>
+                        <a:rPr kumimoji="1" lang="ja-JP" altLang="en-US" sz="2400" dirty="0"/>
+                        <a:t>学生</a:t>
+                      </a:r>
+                    </a:p>
+                  </a:txBody>
+                  <a:tcPr/>
+                </a:tc>
+                <a:tc>
+                  <a:txBody>
+                    <a:bodyPr/>
+                    <a:lstStyle/>
+                    <a:p>
+                      <a:pPr algn="ctr"/>
+                      <a:r>
+                        <a:rPr kumimoji="1" lang="ja-JP" altLang="en-US" sz="2400" dirty="0"/>
+                        <a:t>ユニーク</a:t>
+                      </a:r>
+                    </a:p>
+                  </a:txBody>
+                  <a:tcPr/>
+                </a:tc>
+                <a:tc>
+                  <a:txBody>
+                    <a:bodyPr/>
+                    <a:lstStyle/>
+                    <a:p>
+                      <a:pPr algn="ctr"/>
+                      <a:r>
+                        <a:rPr kumimoji="1" lang="en-US" altLang="ja-JP" sz="4000" dirty="0"/>
+                        <a:t>4</a:t>
+                      </a:r>
+                      <a:endParaRPr kumimoji="1" lang="ja-JP" altLang="en-US" sz="4000" dirty="0"/>
+                    </a:p>
+                  </a:txBody>
+                  <a:tcPr/>
+                </a:tc>
+                <a:tc>
+                  <a:txBody>
+                    <a:bodyPr/>
+                    <a:lstStyle/>
+                    <a:p>
+                      <a:pPr algn="ctr"/>
+                      <a:r>
+                        <a:rPr kumimoji="1" lang="en-US" altLang="ja-JP" sz="4000" dirty="0"/>
+                        <a:t>5</a:t>
+                      </a:r>
+                      <a:endParaRPr kumimoji="1" lang="ja-JP" altLang="en-US" sz="4000" dirty="0"/>
+                    </a:p>
+                  </a:txBody>
+                  <a:tcPr/>
+                </a:tc>
+                <a:tc>
+                  <a:txBody>
+                    <a:bodyPr/>
+                    <a:lstStyle/>
+                    <a:p>
+                      <a:pPr algn="ctr"/>
+                      <a:r>
+                        <a:rPr kumimoji="1" lang="en-US" altLang="ja-JP" sz="4000" dirty="0"/>
+                        <a:t>5</a:t>
+                      </a:r>
+                      <a:endParaRPr kumimoji="1" lang="ja-JP" altLang="en-US" sz="4000" dirty="0"/>
+                    </a:p>
+                  </a:txBody>
+                  <a:tcPr/>
+                </a:tc>
+                <a:tc>
+                  <a:txBody>
+                    <a:bodyPr/>
+                    <a:lstStyle/>
+                    <a:p>
+                      <a:pPr algn="ctr"/>
+                      <a:r>
+                        <a:rPr kumimoji="1" lang="en-US" altLang="ja-JP" sz="4000" dirty="0"/>
+                        <a:t>3</a:t>
+                      </a:r>
+                      <a:endParaRPr kumimoji="1" lang="ja-JP" altLang="en-US" sz="4000" dirty="0"/>
+                    </a:p>
+                  </a:txBody>
+                  <a:tcPr/>
+                </a:tc>
+                <a:extLst>
+                  <a:ext uri="{0D108BD9-81ED-4DB2-BD59-A6C34878D82A}">
+                    <a16:rowId xmlns:a16="http://schemas.microsoft.com/office/drawing/2014/main" val="3011980781"/>
+                  </a:ext>
+                </a:extLst>
+              </a:tr>
+            </a:tbl>
+          </a:graphicData>
+        </a:graphic>
+      </p:graphicFrame>
     </p:spTree>
     <p:extLst>
       <p:ext uri="{BB962C8B-B14F-4D97-AF65-F5344CB8AC3E}">
-        <p14:creationId xmlns:p14="http://schemas.microsoft.com/office/powerpoint/2010/main" val="3027709261"/>
+        <p14:creationId xmlns:p14="http://schemas.microsoft.com/office/powerpoint/2010/main" val="2387637026"/>
       </p:ext>
     </p:extLst>
   </p:cSld>
   <p:clrMapOvr>
     <a:masterClrMapping/>
   </p:clrMapOvr>
-  <p:timing>
-    <p:tnLst>
-      <p:par>
-        <p:cTn id="1" dur="indefinite" restart="never" nodeType="tmRoot"/>
-      </p:par>
-    </p:tnLst>
-  </p:timing>
 </p:sld>
 </file>
 
@@ -10334,14 +11255,17 @@
           <a:lstStyle/>
           <a:p>
             <a:r>
-              <a:rPr kumimoji="1" lang="ja-JP" altLang="en-US" dirty="0" smtClean="0"/>
-              <a:t>４．今後</a:t>
-            </a:r>
-            <a:r>
-              <a:rPr kumimoji="1" lang="ja-JP" altLang="en-US" dirty="0" smtClean="0"/>
-              <a:t>の展望</a:t>
-            </a:r>
-            <a:endParaRPr kumimoji="1" lang="ja-JP" altLang="en-US" dirty="0"/>
+              <a:rPr lang="en-US" altLang="ja-JP" dirty="0"/>
+              <a:t>4</a:t>
+            </a:r>
+            <a:r>
+              <a:rPr kumimoji="1" lang="ja-JP" altLang="en-US" dirty="0" err="1"/>
+              <a:t>．</a:t>
+            </a:r>
+            <a:r>
+              <a:rPr kumimoji="1" lang="ja-JP" altLang="en-US" dirty="0"/>
+              <a:t>結果</a:t>
+            </a:r>
           </a:p>
         </p:txBody>
       </p:sp>
@@ -10358,95 +11282,83 @@
         <p:spPr/>
         <p:txBody>
           <a:bodyPr>
-            <a:normAutofit/>
+            <a:normAutofit lnSpcReduction="10000"/>
           </a:bodyPr>
           <a:lstStyle/>
           <a:p>
-            <a:pPr>
-              <a:lnSpc>
-                <a:spcPct val="100000"/>
-              </a:lnSpc>
-            </a:pPr>
-            <a:r>
-              <a:rPr lang="ja-JP" altLang="en-US" dirty="0" smtClean="0"/>
-              <a:t>アンケート結果</a:t>
-            </a:r>
-            <a:r>
-              <a:rPr lang="ja-JP" altLang="en-US" dirty="0" smtClean="0"/>
-              <a:t>を自動で集計、配信</a:t>
-            </a:r>
-            <a:endParaRPr lang="en-US" altLang="ja-JP" dirty="0" smtClean="0"/>
-          </a:p>
-          <a:p>
-            <a:pPr marL="0" indent="0">
-              <a:lnSpc>
-                <a:spcPct val="100000"/>
-              </a:lnSpc>
+            <a:r>
+              <a:rPr lang="ja-JP" altLang="en-US" dirty="0"/>
+              <a:t>達成した項目</a:t>
+            </a:r>
+            <a:endParaRPr lang="en-US" altLang="ja-JP" dirty="0"/>
+          </a:p>
+          <a:p>
+            <a:pPr lvl="1"/>
+            <a:r>
+              <a:rPr kumimoji="1" lang="ja-JP" altLang="en-US" dirty="0"/>
+              <a:t>経済性</a:t>
+            </a:r>
+            <a:endParaRPr kumimoji="1" lang="en-US" altLang="ja-JP" dirty="0"/>
+          </a:p>
+          <a:p>
+            <a:pPr lvl="2"/>
+            <a:r>
+              <a:rPr lang="ja-JP" altLang="en-US" dirty="0"/>
+              <a:t>紙資源をまったく使用していない。</a:t>
+            </a:r>
+            <a:endParaRPr lang="en-US" altLang="ja-JP" dirty="0"/>
+          </a:p>
+          <a:p>
+            <a:pPr lvl="1"/>
+            <a:r>
+              <a:rPr lang="ja-JP" altLang="en-US" dirty="0"/>
+              <a:t>教員の労力削減</a:t>
+            </a:r>
+            <a:endParaRPr lang="en-US" altLang="ja-JP" dirty="0"/>
+          </a:p>
+          <a:p>
+            <a:pPr lvl="2"/>
+            <a:r>
+              <a:rPr lang="ja-JP" altLang="en-US" dirty="0"/>
+              <a:t>スキャン不要で自動的に回答をＰＣに取り込める。</a:t>
+            </a:r>
+            <a:endParaRPr lang="en-US" altLang="ja-JP" dirty="0"/>
+          </a:p>
+          <a:p>
+            <a:pPr lvl="1"/>
+            <a:r>
+              <a:rPr lang="ja-JP" altLang="en-US" dirty="0"/>
+              <a:t>ユーザ体験の向上</a:t>
+            </a:r>
+            <a:endParaRPr lang="en-US" altLang="ja-JP" dirty="0"/>
+          </a:p>
+          <a:p>
+            <a:pPr lvl="2"/>
+            <a:r>
+              <a:rPr lang="ja-JP" altLang="en-US" dirty="0"/>
+              <a:t>動きあるＵＩで快適に回答できた。</a:t>
+            </a:r>
+            <a:endParaRPr lang="en-US" altLang="ja-JP" dirty="0"/>
+          </a:p>
+          <a:p>
+            <a:pPr lvl="1"/>
+            <a:endParaRPr lang="en-US" altLang="ja-JP" dirty="0"/>
+          </a:p>
+          <a:p>
+            <a:pPr lvl="1"/>
+            <a:endParaRPr lang="en-US" altLang="ja-JP" dirty="0"/>
+          </a:p>
+          <a:p>
+            <a:pPr marL="457200" lvl="1" indent="0">
               <a:buNone/>
             </a:pPr>
-            <a:r>
-              <a:rPr lang="ja-JP" altLang="en-US" dirty="0" smtClean="0"/>
-              <a:t>　する機能を組み込む</a:t>
-            </a:r>
-            <a:endParaRPr lang="en-US" altLang="ja-JP" dirty="0" smtClean="0"/>
-          </a:p>
-        </p:txBody>
-      </p:sp>
-      <p:sp>
-        <p:nvSpPr>
-          <p:cNvPr id="4" name="円/楕円 3"/>
-          <p:cNvSpPr/>
-          <p:nvPr/>
-        </p:nvSpPr>
-        <p:spPr>
-          <a:xfrm>
-            <a:off x="484067" y="3504100"/>
-            <a:ext cx="7886700" cy="2672862"/>
-          </a:xfrm>
-          <a:prstGeom prst="ellipse">
-            <a:avLst/>
-          </a:prstGeom>
-        </p:spPr>
-        <p:style>
-          <a:lnRef idx="2">
-            <a:schemeClr val="accent1">
-              <a:shade val="50000"/>
-            </a:schemeClr>
-          </a:lnRef>
-          <a:fillRef idx="1">
-            <a:schemeClr val="accent1"/>
-          </a:fillRef>
-          <a:effectRef idx="0">
-            <a:schemeClr val="accent1"/>
-          </a:effectRef>
-          <a:fontRef idx="minor">
-            <a:schemeClr val="lt1"/>
-          </a:fontRef>
-        </p:style>
-        <p:txBody>
-          <a:bodyPr rtlCol="0" anchor="ctr"/>
-          <a:lstStyle/>
-          <a:p>
-            <a:pPr algn="ctr"/>
-            <a:r>
-              <a:rPr lang="ja-JP" altLang="en-US" sz="3600" dirty="0"/>
-              <a:t>より少ないコスト</a:t>
-            </a:r>
-            <a:r>
-              <a:rPr lang="ja-JP" altLang="en-US" sz="3600" dirty="0" smtClean="0"/>
-              <a:t>で授業評価アンケート</a:t>
-            </a:r>
-            <a:r>
-              <a:rPr lang="ja-JP" altLang="en-US" sz="3600" dirty="0"/>
-              <a:t>を実施可能</a:t>
-            </a:r>
-            <a:endParaRPr lang="en-US" altLang="ja-JP" sz="3600" dirty="0"/>
-          </a:p>
-        </p:txBody>
-      </p:sp>
-      <p:sp>
-        <p:nvSpPr>
-          <p:cNvPr id="5" name="スライド番号プレースホルダー 4"/>
+            <a:endParaRPr lang="en-US" altLang="ja-JP" dirty="0"/>
+          </a:p>
+        </p:txBody>
+      </p:sp>
+      <p:sp>
+        <p:nvSpPr>
+          <p:cNvPr id="4" name="スライド番号プレースホルダー 3"/>
           <p:cNvSpPr>
             <a:spLocks noGrp="1"/>
           </p:cNvSpPr>
@@ -10470,7 +11382,7 @@
     </p:spTree>
     <p:extLst>
       <p:ext uri="{BB962C8B-B14F-4D97-AF65-F5344CB8AC3E}">
-        <p14:creationId xmlns:p14="http://schemas.microsoft.com/office/powerpoint/2010/main" val="231410377"/>
+        <p14:creationId xmlns:p14="http://schemas.microsoft.com/office/powerpoint/2010/main" val="3027709261"/>
       </p:ext>
     </p:extLst>
   </p:cSld>
@@ -10480,7 +11392,264 @@
   <p:timing>
     <p:tnLst>
       <p:par>
-        <p:cTn id="1" dur="indefinite" restart="never" nodeType="tmRoot"/>
+        <p:cTn id="1" dur="indefinite" restart="never" nodeType="tmRoot">
+          <p:childTnLst>
+            <p:seq concurrent="1" nextAc="seek">
+              <p:cTn id="2" dur="indefinite" nodeType="mainSeq">
+                <p:childTnLst>
+                  <p:par>
+                    <p:cTn id="3" fill="hold">
+                      <p:stCondLst>
+                        <p:cond delay="indefinite"/>
+                      </p:stCondLst>
+                      <p:childTnLst>
+                        <p:par>
+                          <p:cTn id="4" fill="hold">
+                            <p:stCondLst>
+                              <p:cond delay="0"/>
+                            </p:stCondLst>
+                            <p:childTnLst>
+                              <p:par>
+                                <p:cTn id="5" presetID="15" presetClass="emph" presetSubtype="0" nodeType="clickEffect">
+                                  <p:stCondLst>
+                                    <p:cond delay="0"/>
+                                  </p:stCondLst>
+                                  <p:iterate type="lt">
+                                    <p:tmAbs val="25"/>
+                                  </p:iterate>
+                                  <p:childTnLst>
+                                    <p:set>
+                                      <p:cBhvr override="childStyle">
+                                        <p:cTn id="6" dur="indefinite"/>
+                                        <p:tgtEl>
+                                          <p:spTgt spid="3">
+                                            <p:txEl>
+                                              <p:pRg st="1" end="1"/>
+                                            </p:txEl>
+                                          </p:spTgt>
+                                        </p:tgtEl>
+                                        <p:attrNameLst>
+                                          <p:attrName>style.fontWeight</p:attrName>
+                                        </p:attrNameLst>
+                                      </p:cBhvr>
+                                      <p:to>
+                                        <p:strVal val="bold"/>
+                                      </p:to>
+                                    </p:set>
+                                  </p:childTnLst>
+                                </p:cTn>
+                              </p:par>
+                              <p:par>
+                                <p:cTn id="7" presetID="15" presetClass="emph" presetSubtype="0" nodeType="withEffect">
+                                  <p:stCondLst>
+                                    <p:cond delay="0"/>
+                                  </p:stCondLst>
+                                  <p:iterate type="lt">
+                                    <p:tmAbs val="25"/>
+                                  </p:iterate>
+                                  <p:childTnLst>
+                                    <p:set>
+                                      <p:cBhvr override="childStyle">
+                                        <p:cTn id="8" dur="indefinite"/>
+                                        <p:tgtEl>
+                                          <p:spTgt spid="3">
+                                            <p:txEl>
+                                              <p:pRg st="2" end="2"/>
+                                            </p:txEl>
+                                          </p:spTgt>
+                                        </p:tgtEl>
+                                        <p:attrNameLst>
+                                          <p:attrName>style.fontWeight</p:attrName>
+                                        </p:attrNameLst>
+                                      </p:cBhvr>
+                                      <p:to>
+                                        <p:strVal val="bold"/>
+                                      </p:to>
+                                    </p:set>
+                                  </p:childTnLst>
+                                </p:cTn>
+                              </p:par>
+                            </p:childTnLst>
+                          </p:cTn>
+                        </p:par>
+                      </p:childTnLst>
+                    </p:cTn>
+                  </p:par>
+                  <p:par>
+                    <p:cTn id="9" fill="hold">
+                      <p:stCondLst>
+                        <p:cond delay="indefinite"/>
+                      </p:stCondLst>
+                      <p:childTnLst>
+                        <p:par>
+                          <p:cTn id="10" fill="hold">
+                            <p:stCondLst>
+                              <p:cond delay="0"/>
+                            </p:stCondLst>
+                            <p:childTnLst>
+                              <p:par>
+                                <p:cTn id="11" presetID="15" presetClass="emph" presetSubtype="0" nodeType="clickEffect">
+                                  <p:stCondLst>
+                                    <p:cond delay="0"/>
+                                  </p:stCondLst>
+                                  <p:iterate type="lt">
+                                    <p:tmAbs val="25"/>
+                                  </p:iterate>
+                                  <p:childTnLst>
+                                    <p:set>
+                                      <p:cBhvr override="childStyle">
+                                        <p:cTn id="12" dur="indefinite"/>
+                                        <p:tgtEl>
+                                          <p:spTgt spid="3">
+                                            <p:txEl>
+                                              <p:pRg st="3" end="3"/>
+                                            </p:txEl>
+                                          </p:spTgt>
+                                        </p:tgtEl>
+                                        <p:attrNameLst>
+                                          <p:attrName>style.fontWeight</p:attrName>
+                                        </p:attrNameLst>
+                                      </p:cBhvr>
+                                      <p:to>
+                                        <p:strVal val="bold"/>
+                                      </p:to>
+                                    </p:set>
+                                  </p:childTnLst>
+                                </p:cTn>
+                              </p:par>
+                              <p:par>
+                                <p:cTn id="13" presetID="15" presetClass="emph" presetSubtype="0" nodeType="withEffect">
+                                  <p:stCondLst>
+                                    <p:cond delay="0"/>
+                                  </p:stCondLst>
+                                  <p:iterate type="lt">
+                                    <p:tmAbs val="25"/>
+                                  </p:iterate>
+                                  <p:childTnLst>
+                                    <p:set>
+                                      <p:cBhvr override="childStyle">
+                                        <p:cTn id="14" dur="indefinite"/>
+                                        <p:tgtEl>
+                                          <p:spTgt spid="3">
+                                            <p:txEl>
+                                              <p:pRg st="4" end="4"/>
+                                            </p:txEl>
+                                          </p:spTgt>
+                                        </p:tgtEl>
+                                        <p:attrNameLst>
+                                          <p:attrName>style.fontWeight</p:attrName>
+                                        </p:attrNameLst>
+                                      </p:cBhvr>
+                                      <p:to>
+                                        <p:strVal val="bold"/>
+                                      </p:to>
+                                    </p:set>
+                                  </p:childTnLst>
+                                </p:cTn>
+                              </p:par>
+                            </p:childTnLst>
+                          </p:cTn>
+                        </p:par>
+                      </p:childTnLst>
+                    </p:cTn>
+                  </p:par>
+                  <p:par>
+                    <p:cTn id="15" fill="hold">
+                      <p:stCondLst>
+                        <p:cond delay="indefinite"/>
+                      </p:stCondLst>
+                      <p:childTnLst>
+                        <p:par>
+                          <p:cTn id="16" fill="hold">
+                            <p:stCondLst>
+                              <p:cond delay="0"/>
+                            </p:stCondLst>
+                            <p:childTnLst>
+                              <p:par>
+                                <p:cTn id="17" presetID="15" presetClass="emph" presetSubtype="0" nodeType="clickEffect">
+                                  <p:stCondLst>
+                                    <p:cond delay="0"/>
+                                  </p:stCondLst>
+                                  <p:iterate type="lt">
+                                    <p:tmAbs val="25"/>
+                                  </p:iterate>
+                                  <p:childTnLst>
+                                    <p:set>
+                                      <p:cBhvr override="childStyle">
+                                        <p:cTn id="18" dur="indefinite"/>
+                                        <p:tgtEl>
+                                          <p:spTgt spid="3">
+                                            <p:txEl>
+                                              <p:pRg st="5" end="5"/>
+                                            </p:txEl>
+                                          </p:spTgt>
+                                        </p:tgtEl>
+                                        <p:attrNameLst>
+                                          <p:attrName>style.fontWeight</p:attrName>
+                                        </p:attrNameLst>
+                                      </p:cBhvr>
+                                      <p:to>
+                                        <p:strVal val="bold"/>
+                                      </p:to>
+                                    </p:set>
+                                  </p:childTnLst>
+                                </p:cTn>
+                              </p:par>
+                              <p:par>
+                                <p:cTn id="19" presetID="15" presetClass="emph" presetSubtype="0" nodeType="withEffect">
+                                  <p:stCondLst>
+                                    <p:cond delay="0"/>
+                                  </p:stCondLst>
+                                  <p:iterate type="lt">
+                                    <p:tmAbs val="25"/>
+                                  </p:iterate>
+                                  <p:childTnLst>
+                                    <p:set>
+                                      <p:cBhvr override="childStyle">
+                                        <p:cTn id="20" dur="indefinite"/>
+                                        <p:tgtEl>
+                                          <p:spTgt spid="3">
+                                            <p:txEl>
+                                              <p:pRg st="6" end="6"/>
+                                            </p:txEl>
+                                          </p:spTgt>
+                                        </p:tgtEl>
+                                        <p:attrNameLst>
+                                          <p:attrName>style.fontWeight</p:attrName>
+                                        </p:attrNameLst>
+                                      </p:cBhvr>
+                                      <p:to>
+                                        <p:strVal val="bold"/>
+                                      </p:to>
+                                    </p:set>
+                                  </p:childTnLst>
+                                </p:cTn>
+                              </p:par>
+                            </p:childTnLst>
+                          </p:cTn>
+                        </p:par>
+                      </p:childTnLst>
+                    </p:cTn>
+                  </p:par>
+                </p:childTnLst>
+              </p:cTn>
+              <p:prevCondLst>
+                <p:cond evt="onPrev" delay="0">
+                  <p:tgtEl>
+                    <p:sldTgt/>
+                  </p:tgtEl>
+                </p:cond>
+              </p:prevCondLst>
+              <p:nextCondLst>
+                <p:cond evt="onNext" delay="0">
+                  <p:tgtEl>
+                    <p:sldTgt/>
+                  </p:tgtEl>
+                </p:cond>
+              </p:nextCondLst>
+            </p:seq>
+          </p:childTnLst>
+        </p:cTn>
       </p:par>
     </p:tnLst>
   </p:timing>

--- a/卒業研究発表スライド.pptx
+++ b/卒業研究発表スライド.pptx
@@ -1008,14 +1008,35 @@
         </dgm:presLayoutVars>
       </dgm:prSet>
       <dgm:spPr/>
+      <dgm:t>
+        <a:bodyPr/>
+        <a:lstStyle/>
+        <a:p>
+          <a:endParaRPr kumimoji="1" lang="ja-JP" altLang="en-US"/>
+        </a:p>
+      </dgm:t>
     </dgm:pt>
     <dgm:pt modelId="{EA003759-9FD2-4303-BABF-D58F61223638}" type="pres">
       <dgm:prSet presAssocID="{90F37A3C-D082-4F1E-B936-2A8525787A7B}" presName="sibTrans" presStyleLbl="sibTrans2D1" presStyleIdx="0" presStyleCnt="2"/>
       <dgm:spPr/>
+      <dgm:t>
+        <a:bodyPr/>
+        <a:lstStyle/>
+        <a:p>
+          <a:endParaRPr kumimoji="1" lang="ja-JP" altLang="en-US"/>
+        </a:p>
+      </dgm:t>
     </dgm:pt>
     <dgm:pt modelId="{FE4DFE54-D05C-41F1-8FE1-25062FDCF22F}" type="pres">
       <dgm:prSet presAssocID="{90F37A3C-D082-4F1E-B936-2A8525787A7B}" presName="connectorText" presStyleLbl="sibTrans2D1" presStyleIdx="0" presStyleCnt="2"/>
       <dgm:spPr/>
+      <dgm:t>
+        <a:bodyPr/>
+        <a:lstStyle/>
+        <a:p>
+          <a:endParaRPr kumimoji="1" lang="ja-JP" altLang="en-US"/>
+        </a:p>
+      </dgm:t>
     </dgm:pt>
     <dgm:pt modelId="{7595ECA1-294E-4114-9CEF-EA967E9231E3}" type="pres">
       <dgm:prSet presAssocID="{92B2F23E-FFD1-4A02-9307-108425DB1659}" presName="node" presStyleLbl="node1" presStyleIdx="1" presStyleCnt="3">
@@ -1024,14 +1045,35 @@
         </dgm:presLayoutVars>
       </dgm:prSet>
       <dgm:spPr/>
+      <dgm:t>
+        <a:bodyPr/>
+        <a:lstStyle/>
+        <a:p>
+          <a:endParaRPr kumimoji="1" lang="ja-JP" altLang="en-US"/>
+        </a:p>
+      </dgm:t>
     </dgm:pt>
     <dgm:pt modelId="{67A9D0A7-C80F-4BE1-82F5-32DAEFBDCAD7}" type="pres">
       <dgm:prSet presAssocID="{E47875B7-DEC2-41FD-B5B2-F34E857DAB3A}" presName="sibTrans" presStyleLbl="sibTrans2D1" presStyleIdx="1" presStyleCnt="2"/>
       <dgm:spPr/>
+      <dgm:t>
+        <a:bodyPr/>
+        <a:lstStyle/>
+        <a:p>
+          <a:endParaRPr kumimoji="1" lang="ja-JP" altLang="en-US"/>
+        </a:p>
+      </dgm:t>
     </dgm:pt>
     <dgm:pt modelId="{AAE3ED82-04F2-4706-9E65-7CE4A51A4D62}" type="pres">
       <dgm:prSet presAssocID="{E47875B7-DEC2-41FD-B5B2-F34E857DAB3A}" presName="connectorText" presStyleLbl="sibTrans2D1" presStyleIdx="1" presStyleCnt="2"/>
       <dgm:spPr/>
+      <dgm:t>
+        <a:bodyPr/>
+        <a:lstStyle/>
+        <a:p>
+          <a:endParaRPr kumimoji="1" lang="ja-JP" altLang="en-US"/>
+        </a:p>
+      </dgm:t>
     </dgm:pt>
     <dgm:pt modelId="{4A7A4208-B1DF-473F-900F-8F05FE5C987C}" type="pres">
       <dgm:prSet presAssocID="{259B65A5-F492-4DCB-89B0-742CDEEAD1CD}" presName="node" presStyleLbl="node1" presStyleIdx="2" presStyleCnt="3">
@@ -1040,6 +1082,13 @@
         </dgm:presLayoutVars>
       </dgm:prSet>
       <dgm:spPr/>
+      <dgm:t>
+        <a:bodyPr/>
+        <a:lstStyle/>
+        <a:p>
+          <a:endParaRPr kumimoji="1" lang="ja-JP" altLang="en-US"/>
+        </a:p>
+      </dgm:t>
     </dgm:pt>
   </dgm:ptLst>
   <dgm:cxnLst>
@@ -1051,8 +1100,8 @@
     <dgm:cxn modelId="{8532A0D6-1A10-4E34-9131-D8BE14A7ACAA}" type="presOf" srcId="{33EBB8B4-A900-4D0E-9558-D5A3518BA883}" destId="{1798ED6A-B2EB-484C-9EED-61D665074B8C}" srcOrd="0" destOrd="0" presId="urn:microsoft.com/office/officeart/2005/8/layout/process1"/>
     <dgm:cxn modelId="{665D08E3-1E77-492D-83F9-0845154C7BBD}" type="presOf" srcId="{E47875B7-DEC2-41FD-B5B2-F34E857DAB3A}" destId="{67A9D0A7-C80F-4BE1-82F5-32DAEFBDCAD7}" srcOrd="0" destOrd="0" presId="urn:microsoft.com/office/officeart/2005/8/layout/process1"/>
     <dgm:cxn modelId="{373A2A16-556A-4468-9CC0-29E5E98AF9C3}" type="presOf" srcId="{E47875B7-DEC2-41FD-B5B2-F34E857DAB3A}" destId="{AAE3ED82-04F2-4706-9E65-7CE4A51A4D62}" srcOrd="1" destOrd="0" presId="urn:microsoft.com/office/officeart/2005/8/layout/process1"/>
+    <dgm:cxn modelId="{D0CAFD3F-587C-4A9A-8083-A667E642770D}" type="presOf" srcId="{259B65A5-F492-4DCB-89B0-742CDEEAD1CD}" destId="{4A7A4208-B1DF-473F-900F-8F05FE5C987C}" srcOrd="0" destOrd="0" presId="urn:microsoft.com/office/officeart/2005/8/layout/process1"/>
     <dgm:cxn modelId="{FDFCDE20-2070-4CCD-9FF7-90245B2672D2}" type="presOf" srcId="{90F37A3C-D082-4F1E-B936-2A8525787A7B}" destId="{EA003759-9FD2-4303-BABF-D58F61223638}" srcOrd="0" destOrd="0" presId="urn:microsoft.com/office/officeart/2005/8/layout/process1"/>
-    <dgm:cxn modelId="{D0CAFD3F-587C-4A9A-8083-A667E642770D}" type="presOf" srcId="{259B65A5-F492-4DCB-89B0-742CDEEAD1CD}" destId="{4A7A4208-B1DF-473F-900F-8F05FE5C987C}" srcOrd="0" destOrd="0" presId="urn:microsoft.com/office/officeart/2005/8/layout/process1"/>
     <dgm:cxn modelId="{835FBA07-DC94-403F-B598-5E5EC1AE57C1}" type="presOf" srcId="{A784040E-3F17-4634-8615-BA2FDC142DB7}" destId="{CCDEA871-6617-4428-8ADD-6F0AA4F6E019}" srcOrd="0" destOrd="0" presId="urn:microsoft.com/office/officeart/2005/8/layout/process1"/>
     <dgm:cxn modelId="{13AE309A-298F-4103-829F-BBD31A84E984}" type="presParOf" srcId="{CCDEA871-6617-4428-8ADD-6F0AA4F6E019}" destId="{1798ED6A-B2EB-484C-9EED-61D665074B8C}" srcOrd="0" destOrd="0" presId="urn:microsoft.com/office/officeart/2005/8/layout/process1"/>
     <dgm:cxn modelId="{9FEF8F41-5F1D-40CA-AB5C-B9BB0F8D0D7D}" type="presParOf" srcId="{CCDEA871-6617-4428-8ADD-6F0AA4F6E019}" destId="{EA003759-9FD2-4303-BABF-D58F61223638}" srcOrd="1" destOrd="0" presId="urn:microsoft.com/office/officeart/2005/8/layout/process1"/>
@@ -1137,7 +1186,7 @@
         </a:bodyPr>
         <a:lstStyle/>
         <a:p>
-          <a:pPr marL="0" lvl="0" indent="0" algn="ctr" defTabSz="1466850">
+          <a:pPr lvl="0" algn="ctr" defTabSz="1466850">
             <a:lnSpc>
               <a:spcPct val="90000"/>
             </a:lnSpc>
@@ -1147,7 +1196,6 @@
             <a:spcAft>
               <a:spcPct val="35000"/>
             </a:spcAft>
-            <a:buNone/>
           </a:pPr>
           <a:r>
             <a:rPr kumimoji="1" lang="ja-JP" altLang="en-US" sz="3300" kern="1200" dirty="0"/>
@@ -1210,7 +1258,7 @@
         </a:bodyPr>
         <a:lstStyle/>
         <a:p>
-          <a:pPr marL="0" lvl="0" indent="0" algn="ctr" defTabSz="1022350">
+          <a:pPr lvl="0" algn="ctr" defTabSz="1022350">
             <a:lnSpc>
               <a:spcPct val="90000"/>
             </a:lnSpc>
@@ -1220,7 +1268,6 @@
             <a:spcAft>
               <a:spcPct val="35000"/>
             </a:spcAft>
-            <a:buNone/>
           </a:pPr>
           <a:endParaRPr kumimoji="1" lang="ja-JP" altLang="en-US" sz="2300" kern="1200"/>
         </a:p>
@@ -1287,7 +1334,7 @@
         </a:bodyPr>
         <a:lstStyle/>
         <a:p>
-          <a:pPr marL="0" lvl="0" indent="0" algn="ctr" defTabSz="1466850">
+          <a:pPr lvl="0" algn="ctr" defTabSz="1466850">
             <a:lnSpc>
               <a:spcPct val="90000"/>
             </a:lnSpc>
@@ -1297,7 +1344,6 @@
             <a:spcAft>
               <a:spcPct val="35000"/>
             </a:spcAft>
-            <a:buNone/>
           </a:pPr>
           <a:r>
             <a:rPr kumimoji="1" lang="ja-JP" altLang="en-US" sz="3300" kern="1200" dirty="0"/>
@@ -1360,7 +1406,7 @@
         </a:bodyPr>
         <a:lstStyle/>
         <a:p>
-          <a:pPr marL="0" lvl="0" indent="0" algn="ctr" defTabSz="1022350">
+          <a:pPr lvl="0" algn="ctr" defTabSz="1022350">
             <a:lnSpc>
               <a:spcPct val="90000"/>
             </a:lnSpc>
@@ -1370,7 +1416,6 @@
             <a:spcAft>
               <a:spcPct val="35000"/>
             </a:spcAft>
-            <a:buNone/>
           </a:pPr>
           <a:endParaRPr kumimoji="1" lang="ja-JP" altLang="en-US" sz="2300" kern="1200"/>
         </a:p>
@@ -1437,7 +1482,7 @@
         </a:bodyPr>
         <a:lstStyle/>
         <a:p>
-          <a:pPr marL="0" lvl="0" indent="0" algn="ctr" defTabSz="1466850">
+          <a:pPr lvl="0" algn="ctr" defTabSz="1466850">
             <a:lnSpc>
               <a:spcPct val="90000"/>
             </a:lnSpc>
@@ -1447,7 +1492,6 @@
             <a:spcAft>
               <a:spcPct val="35000"/>
             </a:spcAft>
-            <a:buNone/>
           </a:pPr>
           <a:r>
             <a:rPr kumimoji="1" lang="ja-JP" altLang="en-US" sz="3300" kern="1200" dirty="0"/>
@@ -2726,7 +2770,7 @@
           <a:p>
             <a:fld id="{286CCB56-B95E-44AB-BB6B-03EE6A18465C}" type="datetimeFigureOut">
               <a:rPr kumimoji="1" lang="ja-JP" altLang="en-US" smtClean="0"/>
-              <a:t>2017/2/21</a:t>
+              <a:t>2017/2/22</a:t>
             </a:fld>
             <a:endParaRPr kumimoji="1" lang="ja-JP" altLang="en-US"/>
           </a:p>
@@ -3874,9 +3918,13 @@
             </a:r>
             <a:r>
               <a:rPr kumimoji="1" lang="ja-JP" altLang="en-US" dirty="0"/>
-              <a:t>上でアンケートを実施することで紙資源を消費せずにアンケートを実施することができます。そのため、紙代が節約できて経済的です。</a:t>
-            </a:r>
-            <a:endParaRPr kumimoji="1" lang="en-US" altLang="ja-JP" dirty="0"/>
+              <a:t>上でアンケートを実施することで紙資源を消費せずにアンケートを実施することができます</a:t>
+            </a:r>
+            <a:r>
+              <a:rPr kumimoji="1" lang="ja-JP" altLang="en-US" dirty="0" smtClean="0"/>
+              <a:t>。</a:t>
+            </a:r>
+            <a:endParaRPr kumimoji="1" lang="en-US" altLang="ja-JP" dirty="0" smtClean="0"/>
           </a:p>
           <a:p>
             <a:endParaRPr lang="en-US" altLang="ja-JP" dirty="0"/>
@@ -4236,21 +4284,13 @@
           <a:p>
             <a:r>
               <a:rPr kumimoji="1" lang="ja-JP" altLang="en-US" dirty="0"/>
-              <a:t>こちらが、本研究で作成した授業評価アンケートです。まず、学生は学年と学科を入力します。これらはそれぞれラジオボタンを使って実装しているため、</a:t>
-            </a:r>
-            <a:r>
-              <a:rPr kumimoji="1" lang="en-US" altLang="ja-JP" dirty="0"/>
-              <a:t>1</a:t>
-            </a:r>
-            <a:r>
-              <a:rPr kumimoji="1" lang="ja-JP" altLang="en-US" dirty="0" err="1"/>
-              <a:t>つの</a:t>
-            </a:r>
-            <a:r>
-              <a:rPr kumimoji="1" lang="ja-JP" altLang="en-US" dirty="0"/>
-              <a:t>グループ内で複数の項目を選択することができません。</a:t>
-            </a:r>
-            <a:endParaRPr kumimoji="1" lang="en-US" altLang="ja-JP" dirty="0"/>
+              <a:t>こちらが、本研究で作成した授業評価アンケートです。まず、学生は学年と学科を入力します</a:t>
+            </a:r>
+            <a:r>
+              <a:rPr kumimoji="1" lang="ja-JP" altLang="en-US" dirty="0" smtClean="0"/>
+              <a:t>。</a:t>
+            </a:r>
+            <a:endParaRPr kumimoji="1" lang="en-US" altLang="ja-JP" dirty="0" smtClean="0"/>
           </a:p>
           <a:p>
             <a:endParaRPr kumimoji="1" lang="en-US" altLang="ja-JP" dirty="0"/>
@@ -4290,35 +4330,15 @@
             </a:r>
             <a:r>
               <a:rPr kumimoji="1" lang="ja-JP" altLang="en-US" dirty="0"/>
-              <a:t>という２つの基準で評価します。これらの情報はプログラムの中で</a:t>
-            </a:r>
-            <a:r>
-              <a:rPr kumimoji="1" lang="en-US" altLang="ja-JP" dirty="0"/>
-              <a:t>1</a:t>
+              <a:t>という２つの基準で評価します</a:t>
+            </a:r>
+            <a:r>
+              <a:rPr kumimoji="1" lang="ja-JP" altLang="en-US" dirty="0" smtClean="0"/>
+              <a:t>。評価</a:t>
             </a:r>
             <a:r>
               <a:rPr kumimoji="1" lang="ja-JP" altLang="en-US" dirty="0"/>
-              <a:t>時配列として格納されており、簡単に変更可能です。学生はスライダーバーを動かして授業の</a:t>
-            </a:r>
-            <a:r>
-              <a:rPr kumimoji="1" lang="en-US" altLang="ja-JP" dirty="0"/>
-              <a:t>1</a:t>
-            </a:r>
-            <a:r>
-              <a:rPr kumimoji="1" lang="ja-JP" altLang="en-US" dirty="0"/>
-              <a:t>つ</a:t>
-            </a:r>
-            <a:r>
-              <a:rPr kumimoji="1" lang="en-US" altLang="ja-JP" dirty="0"/>
-              <a:t>1</a:t>
-            </a:r>
-            <a:r>
-              <a:rPr kumimoji="1" lang="ja-JP" altLang="en-US" dirty="0" err="1"/>
-              <a:t>つの</a:t>
-            </a:r>
-            <a:r>
-              <a:rPr kumimoji="1" lang="ja-JP" altLang="en-US" dirty="0"/>
-              <a:t>項目について評価していきます。評価方法には</a:t>
+              <a:t>方法には</a:t>
             </a:r>
             <a:r>
               <a:rPr kumimoji="1" lang="en-US" altLang="ja-JP" dirty="0"/>
@@ -4326,7 +4346,25 @@
             </a:r>
             <a:r>
               <a:rPr kumimoji="1" lang="ja-JP" altLang="en-US" dirty="0"/>
-              <a:t>段階評価を採用しており１～５の間で授業を評価します。そして、すべての評価が終了したらこのような待機画面に遷移します。</a:t>
+              <a:t>段階評価を採用しており１～５の間で授業を評価します</a:t>
+            </a:r>
+            <a:r>
+              <a:rPr kumimoji="1" lang="ja-JP" altLang="en-US" dirty="0" smtClean="0"/>
+              <a:t>。</a:t>
+            </a:r>
+            <a:endParaRPr kumimoji="1" lang="en-US" altLang="ja-JP" dirty="0" smtClean="0"/>
+          </a:p>
+          <a:p>
+            <a:endParaRPr kumimoji="1" lang="en-US" altLang="ja-JP" dirty="0" smtClean="0"/>
+          </a:p>
+          <a:p>
+            <a:r>
+              <a:rPr kumimoji="1" lang="ja-JP" altLang="en-US" dirty="0" smtClean="0"/>
+              <a:t>そして</a:t>
+            </a:r>
+            <a:r>
+              <a:rPr kumimoji="1" lang="ja-JP" altLang="en-US" dirty="0"/>
+              <a:t>、すべての評価が終了したらこのような待機画面に遷移します。</a:t>
             </a:r>
           </a:p>
         </p:txBody>
@@ -4413,7 +4451,28 @@
           <a:p>
             <a:r>
               <a:rPr kumimoji="1" lang="ja-JP" altLang="en-US" dirty="0"/>
-              <a:t>アンケートに回答するとこの表に示すようなデータがサーバーに転送されます。人数分データが送信されると、</a:t>
+              <a:t>アンケートに回答するとこの表に示すようなデータがサーバーに転送されます</a:t>
+            </a:r>
+            <a:r>
+              <a:rPr kumimoji="1" lang="ja-JP" altLang="en-US" dirty="0" smtClean="0"/>
+              <a:t>。</a:t>
+            </a:r>
+            <a:endParaRPr kumimoji="1" lang="en-US" altLang="ja-JP" dirty="0" smtClean="0"/>
+          </a:p>
+          <a:p>
+            <a:endParaRPr kumimoji="1" lang="en-US" altLang="ja-JP" dirty="0" smtClean="0"/>
+          </a:p>
+          <a:p>
+            <a:endParaRPr kumimoji="1" lang="en-US" altLang="ja-JP" dirty="0" smtClean="0"/>
+          </a:p>
+          <a:p>
+            <a:r>
+              <a:rPr kumimoji="1" lang="ja-JP" altLang="en-US" dirty="0" smtClean="0"/>
+              <a:t>（人数分</a:t>
+            </a:r>
+            <a:r>
+              <a:rPr kumimoji="1" lang="ja-JP" altLang="en-US" dirty="0"/>
+              <a:t>データが送信されると、</a:t>
             </a:r>
             <a:r>
               <a:rPr kumimoji="1" lang="en-US" altLang="ja-JP" dirty="0"/>
@@ -4421,8 +4480,13 @@
             </a:r>
             <a:r>
               <a:rPr kumimoji="1" lang="ja-JP" altLang="en-US" dirty="0"/>
-              <a:t>システム上でこのデータがダウンロード可能になります。</a:t>
-            </a:r>
+              <a:t>システム上でこのデータがダウンロード可能になります</a:t>
+            </a:r>
+            <a:r>
+              <a:rPr kumimoji="1" lang="ja-JP" altLang="en-US" dirty="0" smtClean="0"/>
+              <a:t>。）</a:t>
+            </a:r>
+            <a:endParaRPr kumimoji="1" lang="ja-JP" altLang="en-US" dirty="0"/>
           </a:p>
         </p:txBody>
       </p:sp>
@@ -4688,7 +4752,7 @@
           <a:p>
             <a:fld id="{4DB02D7F-2532-438E-A5EE-EC19DA75534B}" type="datetime1">
               <a:rPr kumimoji="1" lang="ja-JP" altLang="en-US" smtClean="0"/>
-              <a:t>2017/2/21</a:t>
+              <a:t>2017/2/22</a:t>
             </a:fld>
             <a:endParaRPr kumimoji="1" lang="ja-JP" altLang="en-US"/>
           </a:p>
@@ -4890,7 +4954,7 @@
           <a:p>
             <a:fld id="{DD1DF934-B258-4B85-9C99-F6141516D4AA}" type="datetime1">
               <a:rPr kumimoji="1" lang="ja-JP" altLang="en-US" smtClean="0"/>
-              <a:t>2017/2/21</a:t>
+              <a:t>2017/2/22</a:t>
             </a:fld>
             <a:endParaRPr kumimoji="1" lang="ja-JP" altLang="en-US"/>
           </a:p>
@@ -5102,7 +5166,7 @@
           <a:p>
             <a:fld id="{956DA83E-84A7-4D45-8181-410DAF9E54CB}" type="datetime1">
               <a:rPr kumimoji="1" lang="ja-JP" altLang="en-US" smtClean="0"/>
-              <a:t>2017/2/21</a:t>
+              <a:t>2017/2/22</a:t>
             </a:fld>
             <a:endParaRPr kumimoji="1" lang="ja-JP" altLang="en-US"/>
           </a:p>
@@ -5388,7 +5452,7 @@
           <a:p>
             <a:fld id="{0844B656-FDB1-41E7-9182-B72A8EA2B7B4}" type="datetime1">
               <a:rPr kumimoji="1" lang="ja-JP" altLang="en-US" smtClean="0"/>
-              <a:t>2017/2/21</a:t>
+              <a:t>2017/2/22</a:t>
             </a:fld>
             <a:endParaRPr kumimoji="1" lang="ja-JP" altLang="en-US"/>
           </a:p>
@@ -5672,7 +5736,7 @@
           <a:p>
             <a:fld id="{F031C925-61E4-45D5-88D5-4F44B6A6C695}" type="datetime1">
               <a:rPr kumimoji="1" lang="ja-JP" altLang="en-US" smtClean="0"/>
-              <a:t>2017/2/21</a:t>
+              <a:t>2017/2/22</a:t>
             </a:fld>
             <a:endParaRPr kumimoji="1" lang="ja-JP" altLang="en-US"/>
           </a:p>
@@ -5968,7 +6032,7 @@
           <a:p>
             <a:fld id="{79C08BC7-4260-402C-BE74-17A2A6C67A3F}" type="datetime1">
               <a:rPr kumimoji="1" lang="ja-JP" altLang="en-US" smtClean="0"/>
-              <a:t>2017/2/21</a:t>
+              <a:t>2017/2/22</a:t>
             </a:fld>
             <a:endParaRPr kumimoji="1" lang="ja-JP" altLang="en-US"/>
           </a:p>
@@ -6399,7 +6463,7 @@
           <a:p>
             <a:fld id="{DD44CA3A-ACAA-452D-97E3-18339B7D635B}" type="datetime1">
               <a:rPr kumimoji="1" lang="ja-JP" altLang="en-US" smtClean="0"/>
-              <a:t>2017/2/21</a:t>
+              <a:t>2017/2/22</a:t>
             </a:fld>
             <a:endParaRPr kumimoji="1" lang="ja-JP" altLang="en-US"/>
           </a:p>
@@ -6517,7 +6581,7 @@
           <a:p>
             <a:fld id="{F558266F-E702-40A6-8A28-61164E3176C0}" type="datetime1">
               <a:rPr kumimoji="1" lang="ja-JP" altLang="en-US" smtClean="0"/>
-              <a:t>2017/2/21</a:t>
+              <a:t>2017/2/22</a:t>
             </a:fld>
             <a:endParaRPr kumimoji="1" lang="ja-JP" altLang="en-US"/>
           </a:p>
@@ -6612,7 +6676,7 @@
           <a:p>
             <a:fld id="{59F16E2B-0E24-410F-8EAD-D20C01EC42AC}" type="datetime1">
               <a:rPr kumimoji="1" lang="ja-JP" altLang="en-US" smtClean="0"/>
-              <a:t>2017/2/21</a:t>
+              <a:t>2017/2/22</a:t>
             </a:fld>
             <a:endParaRPr kumimoji="1" lang="ja-JP" altLang="en-US"/>
           </a:p>
@@ -6921,7 +6985,7 @@
           <a:p>
             <a:fld id="{A3A9DB37-13AF-4896-88E3-BD9571FA989D}" type="datetime1">
               <a:rPr kumimoji="1" lang="ja-JP" altLang="en-US" smtClean="0"/>
-              <a:t>2017/2/21</a:t>
+              <a:t>2017/2/22</a:t>
             </a:fld>
             <a:endParaRPr kumimoji="1" lang="ja-JP" altLang="en-US"/>
           </a:p>
@@ -7178,7 +7242,7 @@
           <a:p>
             <a:fld id="{87804AB5-84E9-48D8-831D-2ACD07026C5D}" type="datetime1">
               <a:rPr kumimoji="1" lang="ja-JP" altLang="en-US" smtClean="0"/>
-              <a:t>2017/2/21</a:t>
+              <a:t>2017/2/22</a:t>
             </a:fld>
             <a:endParaRPr kumimoji="1" lang="ja-JP" altLang="en-US"/>
           </a:p>
@@ -7423,7 +7487,7 @@
           <a:p>
             <a:fld id="{4F1FBA1F-5538-4C7C-8A85-B02DD92ED928}" type="datetime1">
               <a:rPr kumimoji="1" lang="ja-JP" altLang="en-US" smtClean="0"/>
-              <a:t>2017/2/21</a:t>
+              <a:t>2017/2/22</a:t>
             </a:fld>
             <a:endParaRPr kumimoji="1" lang="ja-JP" altLang="en-US"/>
           </a:p>
@@ -7861,6 +7925,10 @@
               <a:rPr lang="ja-JP" altLang="ja-JP" dirty="0"/>
               <a:t>プログラミングを用いた</a:t>
             </a:r>
+            <a:r>
+              <a:rPr lang="en-US" altLang="ja-JP" dirty="0"/>
+              <a:t/>
+            </a:r>
             <a:br>
               <a:rPr lang="en-US" altLang="ja-JP" dirty="0"/>
             </a:br>
@@ -7920,6 +7988,13 @@
   <p:clrMapOvr>
     <a:masterClrMapping/>
   </p:clrMapOvr>
+  <p:timing>
+    <p:tnLst>
+      <p:par>
+        <p:cTn id="1" dur="indefinite" restart="never" nodeType="tmRoot"/>
+      </p:par>
+    </p:tnLst>
+  </p:timing>
 </p:sld>
 </file>
 
@@ -8241,7 +8316,11 @@
             </a:r>
             <a:r>
               <a:rPr lang="ja-JP" altLang="en-US" dirty="0"/>
-              <a:t>プログラミングで授業評価アンケートを作成した。</a:t>
+              <a:t>プログラミングで授業評価アンケートを作成</a:t>
+            </a:r>
+            <a:r>
+              <a:rPr lang="ja-JP" altLang="en-US" dirty="0" smtClean="0"/>
+              <a:t>した</a:t>
             </a:r>
             <a:endParaRPr lang="en-US" altLang="ja-JP" dirty="0"/>
           </a:p>
@@ -8269,7 +8348,11 @@
             </a:pPr>
             <a:r>
               <a:rPr lang="ja-JP" altLang="en-US" dirty="0"/>
-              <a:t>　ユーザ体験の向上を実現した。</a:t>
+              <a:t>　ユーザ体験の向上を実現</a:t>
+            </a:r>
+            <a:r>
+              <a:rPr lang="ja-JP" altLang="en-US" dirty="0" smtClean="0"/>
+              <a:t>した</a:t>
             </a:r>
             <a:endParaRPr lang="en-US" altLang="ja-JP" dirty="0"/>
           </a:p>
@@ -8284,7 +8367,23 @@
             </a:pPr>
             <a:r>
               <a:rPr lang="ja-JP" altLang="en-US" dirty="0"/>
-              <a:t>新機能を実装することでより教員の負担が減り</a:t>
+              <a:t>新機能を実装すること</a:t>
+            </a:r>
+            <a:r>
+              <a:rPr lang="ja-JP" altLang="en-US" dirty="0" smtClean="0"/>
+              <a:t>で教員</a:t>
+            </a:r>
+            <a:r>
+              <a:rPr lang="ja-JP" altLang="en-US" dirty="0"/>
+              <a:t>の</a:t>
+            </a:r>
+            <a:r>
+              <a:rPr lang="ja-JP" altLang="en-US"/>
+              <a:t>負担</a:t>
+            </a:r>
+            <a:r>
+              <a:rPr lang="ja-JP" altLang="en-US" smtClean="0"/>
+              <a:t>がさらに減り</a:t>
             </a:r>
             <a:endParaRPr lang="en-US" altLang="ja-JP" dirty="0"/>
           </a:p>
@@ -8297,7 +8396,11 @@
             </a:pPr>
             <a:r>
               <a:rPr lang="ja-JP" altLang="en-US" dirty="0"/>
-              <a:t>　よりスムーズにアンケートを実施できる。</a:t>
+              <a:t>　よりスムーズにアンケートを実施</a:t>
+            </a:r>
+            <a:r>
+              <a:rPr lang="ja-JP" altLang="en-US" dirty="0" smtClean="0"/>
+              <a:t>できる</a:t>
             </a:r>
             <a:endParaRPr kumimoji="1" lang="ja-JP" altLang="en-US" dirty="0"/>
           </a:p>
@@ -8357,17 +8460,17 @@
                             </p:stCondLst>
                             <p:childTnLst>
                               <p:par>
-                                <p:cTn id="5" presetID="15" presetClass="emph" presetSubtype="0" nodeType="clickEffect">
+                                <p:cTn id="5" presetID="16" presetClass="emph" presetSubtype="0" fill="hold" nodeType="clickEffect">
                                   <p:stCondLst>
                                     <p:cond delay="0"/>
                                   </p:stCondLst>
                                   <p:iterate type="lt">
-                                    <p:tmAbs val="25"/>
+                                    <p:tmPct val="4000"/>
                                   </p:iterate>
                                   <p:childTnLst>
                                     <p:set>
                                       <p:cBhvr override="childStyle">
-                                        <p:cTn id="6" dur="indefinite"/>
+                                        <p:cTn id="6" dur="500" fill="hold"/>
                                         <p:tgtEl>
                                           <p:spTgt spid="3">
                                             <p:txEl>
@@ -8376,11 +8479,51 @@
                                           </p:spTgt>
                                         </p:tgtEl>
                                         <p:attrNameLst>
-                                          <p:attrName>style.fontWeight</p:attrName>
+                                          <p:attrName>style.color</p:attrName>
                                         </p:attrNameLst>
                                       </p:cBhvr>
                                       <p:to>
-                                        <p:strVal val="bold"/>
+                                        <p:clrVal>
+                                          <a:srgbClr val="FF0000"/>
+                                        </p:clrVal>
+                                      </p:to>
+                                    </p:set>
+                                    <p:set>
+                                      <p:cBhvr>
+                                        <p:cTn id="7" dur="500" fill="hold"/>
+                                        <p:tgtEl>
+                                          <p:spTgt spid="3">
+                                            <p:txEl>
+                                              <p:pRg st="0" end="0"/>
+                                            </p:txEl>
+                                          </p:spTgt>
+                                        </p:tgtEl>
+                                        <p:attrNameLst>
+                                          <p:attrName>fillcolor</p:attrName>
+                                        </p:attrNameLst>
+                                      </p:cBhvr>
+                                      <p:to>
+                                        <p:clrVal>
+                                          <a:srgbClr val="FF0000"/>
+                                        </p:clrVal>
+                                      </p:to>
+                                    </p:set>
+                                    <p:set>
+                                      <p:cBhvr>
+                                        <p:cTn id="8" dur="500" fill="hold"/>
+                                        <p:tgtEl>
+                                          <p:spTgt spid="3">
+                                            <p:txEl>
+                                              <p:pRg st="0" end="0"/>
+                                            </p:txEl>
+                                          </p:spTgt>
+                                        </p:tgtEl>
+                                        <p:attrNameLst>
+                                          <p:attrName>fill.type</p:attrName>
+                                        </p:attrNameLst>
+                                      </p:cBhvr>
+                                      <p:to>
+                                        <p:strVal val="solid"/>
                                       </p:to>
                                     </p:set>
                                   </p:childTnLst>
@@ -8393,29 +8536,99 @@
                     </p:cTn>
                   </p:par>
                   <p:par>
-                    <p:cTn id="7" fill="hold">
+                    <p:cTn id="9" fill="hold">
                       <p:stCondLst>
                         <p:cond delay="indefinite"/>
                       </p:stCondLst>
                       <p:childTnLst>
                         <p:par>
-                          <p:cTn id="8" fill="hold">
+                          <p:cTn id="10" fill="hold">
                             <p:stCondLst>
                               <p:cond delay="0"/>
                             </p:stCondLst>
                             <p:childTnLst>
                               <p:par>
-                                <p:cTn id="9" presetID="15" presetClass="emph" presetSubtype="0" nodeType="clickEffect">
+                                <p:cTn id="11" presetID="16" presetClass="emph" presetSubtype="0" fill="hold" nodeType="clickEffect">
                                   <p:stCondLst>
                                     <p:cond delay="0"/>
                                   </p:stCondLst>
                                   <p:iterate type="lt">
-                                    <p:tmAbs val="25"/>
+                                    <p:tmPct val="4000"/>
                                   </p:iterate>
                                   <p:childTnLst>
                                     <p:set>
                                       <p:cBhvr override="childStyle">
-                                        <p:cTn id="10" dur="indefinite"/>
+                                        <p:cTn id="12" dur="500" fill="hold"/>
+                                        <p:tgtEl>
+                                          <p:spTgt spid="3">
+                                            <p:txEl>
+                                              <p:pRg st="0" end="0"/>
+                                            </p:txEl>
+                                          </p:spTgt>
+                                        </p:tgtEl>
+                                        <p:attrNameLst>
+                                          <p:attrName>style.color</p:attrName>
+                                        </p:attrNameLst>
+                                      </p:cBhvr>
+                                      <p:to>
+                                        <p:clrVal>
+                                          <a:srgbClr val="000000"/>
+                                        </p:clrVal>
+                                      </p:to>
+                                    </p:set>
+                                    <p:set>
+                                      <p:cBhvr>
+                                        <p:cTn id="13" dur="500" fill="hold"/>
+                                        <p:tgtEl>
+                                          <p:spTgt spid="3">
+                                            <p:txEl>
+                                              <p:pRg st="0" end="0"/>
+                                            </p:txEl>
+                                          </p:spTgt>
+                                        </p:tgtEl>
+                                        <p:attrNameLst>
+                                          <p:attrName>fillcolor</p:attrName>
+                                        </p:attrNameLst>
+                                      </p:cBhvr>
+                                      <p:to>
+                                        <p:clrVal>
+                                          <a:srgbClr val="000000"/>
+                                        </p:clrVal>
+                                      </p:to>
+                                    </p:set>
+                                    <p:set>
+                                      <p:cBhvr>
+                                        <p:cTn id="14" dur="500" fill="hold"/>
+                                        <p:tgtEl>
+                                          <p:spTgt spid="3">
+                                            <p:txEl>
+                                              <p:pRg st="0" end="0"/>
+                                            </p:txEl>
+                                          </p:spTgt>
+                                        </p:tgtEl>
+                                        <p:attrNameLst>
+                                          <p:attrName>fill.type</p:attrName>
+                                        </p:attrNameLst>
+                                      </p:cBhvr>
+                                      <p:to>
+                                        <p:strVal val="solid"/>
+                                      </p:to>
+                                    </p:set>
+                                  </p:childTnLst>
+                                </p:cTn>
+                              </p:par>
+                              <p:par>
+                                <p:cTn id="15" presetID="16" presetClass="emph" presetSubtype="0" fill="hold" nodeType="withEffect">
+                                  <p:stCondLst>
+                                    <p:cond delay="0"/>
+                                  </p:stCondLst>
+                                  <p:iterate type="lt">
+                                    <p:tmPct val="4000"/>
+                                  </p:iterate>
+                                  <p:childTnLst>
+                                    <p:set>
+                                      <p:cBhvr override="childStyle">
+                                        <p:cTn id="16" dur="500" fill="hold"/>
                                         <p:tgtEl>
                                           <p:spTgt spid="3">
                                             <p:txEl>
@@ -8424,28 +8637,68 @@
                                           </p:spTgt>
                                         </p:tgtEl>
                                         <p:attrNameLst>
-                                          <p:attrName>style.fontWeight</p:attrName>
+                                          <p:attrName>style.color</p:attrName>
                                         </p:attrNameLst>
                                       </p:cBhvr>
                                       <p:to>
-                                        <p:strVal val="bold"/>
+                                        <p:clrVal>
+                                          <a:srgbClr val="FF0000"/>
+                                        </p:clrVal>
+                                      </p:to>
+                                    </p:set>
+                                    <p:set>
+                                      <p:cBhvr>
+                                        <p:cTn id="17" dur="500" fill="hold"/>
+                                        <p:tgtEl>
+                                          <p:spTgt spid="3">
+                                            <p:txEl>
+                                              <p:pRg st="2" end="2"/>
+                                            </p:txEl>
+                                          </p:spTgt>
+                                        </p:tgtEl>
+                                        <p:attrNameLst>
+                                          <p:attrName>fillcolor</p:attrName>
+                                        </p:attrNameLst>
+                                      </p:cBhvr>
+                                      <p:to>
+                                        <p:clrVal>
+                                          <a:srgbClr val="FF0000"/>
+                                        </p:clrVal>
+                                      </p:to>
+                                    </p:set>
+                                    <p:set>
+                                      <p:cBhvr>
+                                        <p:cTn id="18" dur="500" fill="hold"/>
+                                        <p:tgtEl>
+                                          <p:spTgt spid="3">
+                                            <p:txEl>
+                                              <p:pRg st="2" end="2"/>
+                                            </p:txEl>
+                                          </p:spTgt>
+                                        </p:tgtEl>
+                                        <p:attrNameLst>
+                                          <p:attrName>fill.type</p:attrName>
+                                        </p:attrNameLst>
+                                      </p:cBhvr>
+                                      <p:to>
+                                        <p:strVal val="solid"/>
                                       </p:to>
                                     </p:set>
                                   </p:childTnLst>
                                 </p:cTn>
                               </p:par>
                               <p:par>
-                                <p:cTn id="11" presetID="15" presetClass="emph" presetSubtype="0" nodeType="withEffect">
+                                <p:cTn id="19" presetID="16" presetClass="emph" presetSubtype="0" fill="hold" nodeType="withEffect">
                                   <p:stCondLst>
                                     <p:cond delay="0"/>
                                   </p:stCondLst>
                                   <p:iterate type="lt">
-                                    <p:tmAbs val="25"/>
+                                    <p:tmPct val="4000"/>
                                   </p:iterate>
                                   <p:childTnLst>
                                     <p:set>
                                       <p:cBhvr override="childStyle">
-                                        <p:cTn id="12" dur="indefinite"/>
+                                        <p:cTn id="20" dur="500" fill="hold"/>
                                         <p:tgtEl>
                                           <p:spTgt spid="3">
                                             <p:txEl>
@@ -8454,11 +8707,51 @@
                                           </p:spTgt>
                                         </p:tgtEl>
                                         <p:attrNameLst>
-                                          <p:attrName>style.fontWeight</p:attrName>
+                                          <p:attrName>style.color</p:attrName>
                                         </p:attrNameLst>
                                       </p:cBhvr>
                                       <p:to>
-                                        <p:strVal val="bold"/>
+                                        <p:clrVal>
+                                          <a:srgbClr val="FF0000"/>
+                                        </p:clrVal>
+                                      </p:to>
+                                    </p:set>
+                                    <p:set>
+                                      <p:cBhvr>
+                                        <p:cTn id="21" dur="500" fill="hold"/>
+                                        <p:tgtEl>
+                                          <p:spTgt spid="3">
+                                            <p:txEl>
+                                              <p:pRg st="3" end="3"/>
+                                            </p:txEl>
+                                          </p:spTgt>
+                                        </p:tgtEl>
+                                        <p:attrNameLst>
+                                          <p:attrName>fillcolor</p:attrName>
+                                        </p:attrNameLst>
+                                      </p:cBhvr>
+                                      <p:to>
+                                        <p:clrVal>
+                                          <a:srgbClr val="FF0000"/>
+                                        </p:clrVal>
+                                      </p:to>
+                                    </p:set>
+                                    <p:set>
+                                      <p:cBhvr>
+                                        <p:cTn id="22" dur="500" fill="hold"/>
+                                        <p:tgtEl>
+                                          <p:spTgt spid="3">
+                                            <p:txEl>
+                                              <p:pRg st="3" end="3"/>
+                                            </p:txEl>
+                                          </p:spTgt>
+                                        </p:tgtEl>
+                                        <p:attrNameLst>
+                                          <p:attrName>fill.type</p:attrName>
+                                        </p:attrNameLst>
+                                      </p:cBhvr>
+                                      <p:to>
+                                        <p:strVal val="solid"/>
                                       </p:to>
                                     </p:set>
                                   </p:childTnLst>
@@ -8471,29 +8764,169 @@
                     </p:cTn>
                   </p:par>
                   <p:par>
-                    <p:cTn id="13" fill="hold">
+                    <p:cTn id="23" fill="hold">
                       <p:stCondLst>
                         <p:cond delay="indefinite"/>
                       </p:stCondLst>
                       <p:childTnLst>
                         <p:par>
-                          <p:cTn id="14" fill="hold">
+                          <p:cTn id="24" fill="hold">
                             <p:stCondLst>
                               <p:cond delay="0"/>
                             </p:stCondLst>
                             <p:childTnLst>
                               <p:par>
-                                <p:cTn id="15" presetID="15" presetClass="emph" presetSubtype="0" nodeType="clickEffect">
+                                <p:cTn id="25" presetID="16" presetClass="emph" presetSubtype="0" fill="hold" nodeType="clickEffect">
                                   <p:stCondLst>
                                     <p:cond delay="0"/>
                                   </p:stCondLst>
                                   <p:iterate type="lt">
-                                    <p:tmAbs val="25"/>
+                                    <p:tmPct val="4000"/>
                                   </p:iterate>
                                   <p:childTnLst>
                                     <p:set>
                                       <p:cBhvr override="childStyle">
-                                        <p:cTn id="16" dur="indefinite"/>
+                                        <p:cTn id="26" dur="500" fill="hold"/>
+                                        <p:tgtEl>
+                                          <p:spTgt spid="3">
+                                            <p:txEl>
+                                              <p:pRg st="2" end="2"/>
+                                            </p:txEl>
+                                          </p:spTgt>
+                                        </p:tgtEl>
+                                        <p:attrNameLst>
+                                          <p:attrName>style.color</p:attrName>
+                                        </p:attrNameLst>
+                                      </p:cBhvr>
+                                      <p:to>
+                                        <p:clrVal>
+                                          <a:srgbClr val="000000"/>
+                                        </p:clrVal>
+                                      </p:to>
+                                    </p:set>
+                                    <p:set>
+                                      <p:cBhvr>
+                                        <p:cTn id="27" dur="500" fill="hold"/>
+                                        <p:tgtEl>
+                                          <p:spTgt spid="3">
+                                            <p:txEl>
+                                              <p:pRg st="2" end="2"/>
+                                            </p:txEl>
+                                          </p:spTgt>
+                                        </p:tgtEl>
+                                        <p:attrNameLst>
+                                          <p:attrName>fillcolor</p:attrName>
+                                        </p:attrNameLst>
+                                      </p:cBhvr>
+                                      <p:to>
+                                        <p:clrVal>
+                                          <a:srgbClr val="000000"/>
+                                        </p:clrVal>
+                                      </p:to>
+                                    </p:set>
+                                    <p:set>
+                                      <p:cBhvr>
+                                        <p:cTn id="28" dur="500" fill="hold"/>
+                                        <p:tgtEl>
+                                          <p:spTgt spid="3">
+                                            <p:txEl>
+                                              <p:pRg st="2" end="2"/>
+                                            </p:txEl>
+                                          </p:spTgt>
+                                        </p:tgtEl>
+                                        <p:attrNameLst>
+                                          <p:attrName>fill.type</p:attrName>
+                                        </p:attrNameLst>
+                                      </p:cBhvr>
+                                      <p:to>
+                                        <p:strVal val="solid"/>
+                                      </p:to>
+                                    </p:set>
+                                  </p:childTnLst>
+                                </p:cTn>
+                              </p:par>
+                              <p:par>
+                                <p:cTn id="29" presetID="16" presetClass="emph" presetSubtype="0" fill="hold" nodeType="withEffect">
+                                  <p:stCondLst>
+                                    <p:cond delay="0"/>
+                                  </p:stCondLst>
+                                  <p:iterate type="lt">
+                                    <p:tmPct val="4000"/>
+                                  </p:iterate>
+                                  <p:childTnLst>
+                                    <p:set>
+                                      <p:cBhvr override="childStyle">
+                                        <p:cTn id="30" dur="500" fill="hold"/>
+                                        <p:tgtEl>
+                                          <p:spTgt spid="3">
+                                            <p:txEl>
+                                              <p:pRg st="3" end="3"/>
+                                            </p:txEl>
+                                          </p:spTgt>
+                                        </p:tgtEl>
+                                        <p:attrNameLst>
+                                          <p:attrName>style.color</p:attrName>
+                                        </p:attrNameLst>
+                                      </p:cBhvr>
+                                      <p:to>
+                                        <p:clrVal>
+                                          <a:srgbClr val="000000"/>
+                                        </p:clrVal>
+                                      </p:to>
+                                    </p:set>
+                                    <p:set>
+                                      <p:cBhvr>
+                                        <p:cTn id="31" dur="500" fill="hold"/>
+                                        <p:tgtEl>
+                                          <p:spTgt spid="3">
+                                            <p:txEl>
+                                              <p:pRg st="3" end="3"/>
+                                            </p:txEl>
+                                          </p:spTgt>
+                                        </p:tgtEl>
+                                        <p:attrNameLst>
+                                          <p:attrName>fillcolor</p:attrName>
+                                        </p:attrNameLst>
+                                      </p:cBhvr>
+                                      <p:to>
+                                        <p:clrVal>
+                                          <a:srgbClr val="000000"/>
+                                        </p:clrVal>
+                                      </p:to>
+                                    </p:set>
+                                    <p:set>
+                                      <p:cBhvr>
+                                        <p:cTn id="32" dur="500" fill="hold"/>
+                                        <p:tgtEl>
+                                          <p:spTgt spid="3">
+                                            <p:txEl>
+                                              <p:pRg st="3" end="3"/>
+                                            </p:txEl>
+                                          </p:spTgt>
+                                        </p:tgtEl>
+                                        <p:attrNameLst>
+                                          <p:attrName>fill.type</p:attrName>
+                                        </p:attrNameLst>
+                                      </p:cBhvr>
+                                      <p:to>
+                                        <p:strVal val="solid"/>
+                                      </p:to>
+                                    </p:set>
+                                  </p:childTnLst>
+                                </p:cTn>
+                              </p:par>
+                              <p:par>
+                                <p:cTn id="33" presetID="16" presetClass="emph" presetSubtype="0" fill="hold" nodeType="withEffect">
+                                  <p:stCondLst>
+                                    <p:cond delay="0"/>
+                                  </p:stCondLst>
+                                  <p:iterate type="lt">
+                                    <p:tmPct val="4000"/>
+                                  </p:iterate>
+                                  <p:childTnLst>
+                                    <p:set>
+                                      <p:cBhvr override="childStyle">
+                                        <p:cTn id="34" dur="500" fill="hold"/>
                                         <p:tgtEl>
                                           <p:spTgt spid="3">
                                             <p:txEl>
@@ -8502,28 +8935,68 @@
                                           </p:spTgt>
                                         </p:tgtEl>
                                         <p:attrNameLst>
-                                          <p:attrName>style.fontWeight</p:attrName>
+                                          <p:attrName>style.color</p:attrName>
                                         </p:attrNameLst>
                                       </p:cBhvr>
                                       <p:to>
-                                        <p:strVal val="bold"/>
+                                        <p:clrVal>
+                                          <a:srgbClr val="FF0000"/>
+                                        </p:clrVal>
+                                      </p:to>
+                                    </p:set>
+                                    <p:set>
+                                      <p:cBhvr>
+                                        <p:cTn id="35" dur="500" fill="hold"/>
+                                        <p:tgtEl>
+                                          <p:spTgt spid="3">
+                                            <p:txEl>
+                                              <p:pRg st="5" end="5"/>
+                                            </p:txEl>
+                                          </p:spTgt>
+                                        </p:tgtEl>
+                                        <p:attrNameLst>
+                                          <p:attrName>fillcolor</p:attrName>
+                                        </p:attrNameLst>
+                                      </p:cBhvr>
+                                      <p:to>
+                                        <p:clrVal>
+                                          <a:srgbClr val="FF0000"/>
+                                        </p:clrVal>
+                                      </p:to>
+                                    </p:set>
+                                    <p:set>
+                                      <p:cBhvr>
+                                        <p:cTn id="36" dur="500" fill="hold"/>
+                                        <p:tgtEl>
+                                          <p:spTgt spid="3">
+                                            <p:txEl>
+                                              <p:pRg st="5" end="5"/>
+                                            </p:txEl>
+                                          </p:spTgt>
+                                        </p:tgtEl>
+                                        <p:attrNameLst>
+                                          <p:attrName>fill.type</p:attrName>
+                                        </p:attrNameLst>
+                                      </p:cBhvr>
+                                      <p:to>
+                                        <p:strVal val="solid"/>
                                       </p:to>
                                     </p:set>
                                   </p:childTnLst>
                                 </p:cTn>
                               </p:par>
                               <p:par>
-                                <p:cTn id="17" presetID="15" presetClass="emph" presetSubtype="0" nodeType="withEffect">
+                                <p:cTn id="37" presetID="16" presetClass="emph" presetSubtype="0" fill="hold" nodeType="withEffect">
                                   <p:stCondLst>
                                     <p:cond delay="0"/>
                                   </p:stCondLst>
                                   <p:iterate type="lt">
-                                    <p:tmAbs val="25"/>
+                                    <p:tmPct val="4000"/>
                                   </p:iterate>
                                   <p:childTnLst>
                                     <p:set>
                                       <p:cBhvr override="childStyle">
-                                        <p:cTn id="18" dur="indefinite"/>
+                                        <p:cTn id="38" dur="500" fill="hold"/>
                                         <p:tgtEl>
                                           <p:spTgt spid="3">
                                             <p:txEl>
@@ -8532,11 +9005,51 @@
                                           </p:spTgt>
                                         </p:tgtEl>
                                         <p:attrNameLst>
-                                          <p:attrName>style.fontWeight</p:attrName>
+                                          <p:attrName>style.color</p:attrName>
                                         </p:attrNameLst>
                                       </p:cBhvr>
                                       <p:to>
-                                        <p:strVal val="bold"/>
+                                        <p:clrVal>
+                                          <a:srgbClr val="FF0000"/>
+                                        </p:clrVal>
+                                      </p:to>
+                                    </p:set>
+                                    <p:set>
+                                      <p:cBhvr>
+                                        <p:cTn id="39" dur="500" fill="hold"/>
+                                        <p:tgtEl>
+                                          <p:spTgt spid="3">
+                                            <p:txEl>
+                                              <p:pRg st="6" end="6"/>
+                                            </p:txEl>
+                                          </p:spTgt>
+                                        </p:tgtEl>
+                                        <p:attrNameLst>
+                                          <p:attrName>fillcolor</p:attrName>
+                                        </p:attrNameLst>
+                                      </p:cBhvr>
+                                      <p:to>
+                                        <p:clrVal>
+                                          <a:srgbClr val="FF0000"/>
+                                        </p:clrVal>
+                                      </p:to>
+                                    </p:set>
+                                    <p:set>
+                                      <p:cBhvr>
+                                        <p:cTn id="40" dur="500" fill="hold"/>
+                                        <p:tgtEl>
+                                          <p:spTgt spid="3">
+                                            <p:txEl>
+                                              <p:pRg st="6" end="6"/>
+                                            </p:txEl>
+                                          </p:spTgt>
+                                        </p:tgtEl>
+                                        <p:attrNameLst>
+                                          <p:attrName>fill.type</p:attrName>
+                                        </p:attrNameLst>
+                                      </p:cBhvr>
+                                      <p:to>
+                                        <p:strVal val="solid"/>
                                       </p:to>
                                     </p:set>
                                   </p:childTnLst>
@@ -8701,6 +9214,13 @@
   <p:clrMapOvr>
     <a:masterClrMapping/>
   </p:clrMapOvr>
+  <p:timing>
+    <p:tnLst>
+      <p:par>
+        <p:cTn id="1" dur="indefinite" restart="never" nodeType="tmRoot"/>
+      </p:par>
+    </p:tnLst>
+  </p:timing>
 </p:sld>
 </file>
 
@@ -8963,6 +9483,13 @@
   <p:clrMapOvr>
     <a:masterClrMapping/>
   </p:clrMapOvr>
+  <p:timing>
+    <p:tnLst>
+      <p:par>
+        <p:cTn id="1" dur="indefinite" restart="never" nodeType="tmRoot"/>
+      </p:par>
+    </p:tnLst>
+  </p:timing>
 </p:sld>
 </file>
 
@@ -9208,6 +9735,13 @@
   <p:clrMapOvr>
     <a:masterClrMapping/>
   </p:clrMapOvr>
+  <p:timing>
+    <p:tnLst>
+      <p:par>
+        <p:cTn id="1" dur="indefinite" restart="never" nodeType="tmRoot"/>
+      </p:par>
+    </p:tnLst>
+  </p:timing>
 </p:sld>
 </file>
 
@@ -9281,7 +9815,7 @@
           <a:p>
             <a:pPr lvl="1"/>
             <a:r>
-              <a:rPr lang="ja-JP" altLang="en-US" dirty="0"/>
+              <a:rPr lang="ja-JP" altLang="en-US" dirty="0" smtClean="0"/>
               <a:t>教員に大きな負担がかかってしまう</a:t>
             </a:r>
             <a:endParaRPr kumimoji="1" lang="en-US" altLang="ja-JP" dirty="0"/>
@@ -9399,17 +9933,17 @@
                             </p:stCondLst>
                             <p:childTnLst>
                               <p:par>
-                                <p:cTn id="5" presetID="15" presetClass="emph" presetSubtype="0" nodeType="clickEffect">
+                                <p:cTn id="5" presetID="16" presetClass="emph" presetSubtype="0" fill="hold" nodeType="clickEffect">
                                   <p:stCondLst>
                                     <p:cond delay="0"/>
                                   </p:stCondLst>
                                   <p:iterate type="lt">
-                                    <p:tmAbs val="25"/>
+                                    <p:tmPct val="4000"/>
                                   </p:iterate>
                                   <p:childTnLst>
                                     <p:set>
                                       <p:cBhvr override="childStyle">
-                                        <p:cTn id="6" dur="indefinite"/>
+                                        <p:cTn id="6" dur="500" fill="hold"/>
                                         <p:tgtEl>
                                           <p:spTgt spid="3">
                                             <p:txEl>
@@ -9418,11 +9952,51 @@
                                           </p:spTgt>
                                         </p:tgtEl>
                                         <p:attrNameLst>
-                                          <p:attrName>style.fontWeight</p:attrName>
+                                          <p:attrName>style.color</p:attrName>
                                         </p:attrNameLst>
                                       </p:cBhvr>
                                       <p:to>
-                                        <p:strVal val="bold"/>
+                                        <p:clrVal>
+                                          <a:srgbClr val="FF0000"/>
+                                        </p:clrVal>
+                                      </p:to>
+                                    </p:set>
+                                    <p:set>
+                                      <p:cBhvr>
+                                        <p:cTn id="7" dur="500" fill="hold"/>
+                                        <p:tgtEl>
+                                          <p:spTgt spid="3">
+                                            <p:txEl>
+                                              <p:pRg st="1" end="1"/>
+                                            </p:txEl>
+                                          </p:spTgt>
+                                        </p:tgtEl>
+                                        <p:attrNameLst>
+                                          <p:attrName>fillcolor</p:attrName>
+                                        </p:attrNameLst>
+                                      </p:cBhvr>
+                                      <p:to>
+                                        <p:clrVal>
+                                          <a:srgbClr val="FF0000"/>
+                                        </p:clrVal>
+                                      </p:to>
+                                    </p:set>
+                                    <p:set>
+                                      <p:cBhvr>
+                                        <p:cTn id="8" dur="500" fill="hold"/>
+                                        <p:tgtEl>
+                                          <p:spTgt spid="3">
+                                            <p:txEl>
+                                              <p:pRg st="1" end="1"/>
+                                            </p:txEl>
+                                          </p:spTgt>
+                                        </p:tgtEl>
+                                        <p:attrNameLst>
+                                          <p:attrName>fill.type</p:attrName>
+                                        </p:attrNameLst>
+                                      </p:cBhvr>
+                                      <p:to>
+                                        <p:strVal val="solid"/>
                                       </p:to>
                                     </p:set>
                                   </p:childTnLst>
@@ -9435,29 +10009,99 @@
                     </p:cTn>
                   </p:par>
                   <p:par>
-                    <p:cTn id="7" fill="hold">
+                    <p:cTn id="9" fill="hold">
                       <p:stCondLst>
                         <p:cond delay="indefinite"/>
                       </p:stCondLst>
                       <p:childTnLst>
                         <p:par>
-                          <p:cTn id="8" fill="hold">
+                          <p:cTn id="10" fill="hold">
                             <p:stCondLst>
                               <p:cond delay="0"/>
                             </p:stCondLst>
                             <p:childTnLst>
                               <p:par>
-                                <p:cTn id="9" presetID="15" presetClass="emph" presetSubtype="0" nodeType="clickEffect">
+                                <p:cTn id="11" presetID="16" presetClass="emph" presetSubtype="0" fill="hold" nodeType="clickEffect">
                                   <p:stCondLst>
                                     <p:cond delay="0"/>
                                   </p:stCondLst>
                                   <p:iterate type="lt">
-                                    <p:tmAbs val="25"/>
+                                    <p:tmPct val="4000"/>
                                   </p:iterate>
                                   <p:childTnLst>
                                     <p:set>
                                       <p:cBhvr override="childStyle">
-                                        <p:cTn id="10" dur="indefinite"/>
+                                        <p:cTn id="12" dur="500" fill="hold"/>
+                                        <p:tgtEl>
+                                          <p:spTgt spid="3">
+                                            <p:txEl>
+                                              <p:pRg st="1" end="1"/>
+                                            </p:txEl>
+                                          </p:spTgt>
+                                        </p:tgtEl>
+                                        <p:attrNameLst>
+                                          <p:attrName>style.color</p:attrName>
+                                        </p:attrNameLst>
+                                      </p:cBhvr>
+                                      <p:to>
+                                        <p:clrVal>
+                                          <a:srgbClr val="000000"/>
+                                        </p:clrVal>
+                                      </p:to>
+                                    </p:set>
+                                    <p:set>
+                                      <p:cBhvr>
+                                        <p:cTn id="13" dur="500" fill="hold"/>
+                                        <p:tgtEl>
+                                          <p:spTgt spid="3">
+                                            <p:txEl>
+                                              <p:pRg st="1" end="1"/>
+                                            </p:txEl>
+                                          </p:spTgt>
+                                        </p:tgtEl>
+                                        <p:attrNameLst>
+                                          <p:attrName>fillcolor</p:attrName>
+                                        </p:attrNameLst>
+                                      </p:cBhvr>
+                                      <p:to>
+                                        <p:clrVal>
+                                          <a:srgbClr val="000000"/>
+                                        </p:clrVal>
+                                      </p:to>
+                                    </p:set>
+                                    <p:set>
+                                      <p:cBhvr>
+                                        <p:cTn id="14" dur="500" fill="hold"/>
+                                        <p:tgtEl>
+                                          <p:spTgt spid="3">
+                                            <p:txEl>
+                                              <p:pRg st="1" end="1"/>
+                                            </p:txEl>
+                                          </p:spTgt>
+                                        </p:tgtEl>
+                                        <p:attrNameLst>
+                                          <p:attrName>fill.type</p:attrName>
+                                        </p:attrNameLst>
+                                      </p:cBhvr>
+                                      <p:to>
+                                        <p:strVal val="solid"/>
+                                      </p:to>
+                                    </p:set>
+                                  </p:childTnLst>
+                                </p:cTn>
+                              </p:par>
+                              <p:par>
+                                <p:cTn id="15" presetID="16" presetClass="emph" presetSubtype="0" fill="hold" nodeType="withEffect">
+                                  <p:stCondLst>
+                                    <p:cond delay="0"/>
+                                  </p:stCondLst>
+                                  <p:iterate type="lt">
+                                    <p:tmPct val="4000"/>
+                                  </p:iterate>
+                                  <p:childTnLst>
+                                    <p:set>
+                                      <p:cBhvr override="childStyle">
+                                        <p:cTn id="16" dur="500" fill="hold"/>
                                         <p:tgtEl>
                                           <p:spTgt spid="3">
                                             <p:txEl>
@@ -9466,11 +10110,51 @@
                                           </p:spTgt>
                                         </p:tgtEl>
                                         <p:attrNameLst>
-                                          <p:attrName>style.fontWeight</p:attrName>
+                                          <p:attrName>style.color</p:attrName>
                                         </p:attrNameLst>
                                       </p:cBhvr>
                                       <p:to>
-                                        <p:strVal val="bold"/>
+                                        <p:clrVal>
+                                          <a:srgbClr val="FF0000"/>
+                                        </p:clrVal>
+                                      </p:to>
+                                    </p:set>
+                                    <p:set>
+                                      <p:cBhvr>
+                                        <p:cTn id="17" dur="500" fill="hold"/>
+                                        <p:tgtEl>
+                                          <p:spTgt spid="3">
+                                            <p:txEl>
+                                              <p:pRg st="2" end="2"/>
+                                            </p:txEl>
+                                          </p:spTgt>
+                                        </p:tgtEl>
+                                        <p:attrNameLst>
+                                          <p:attrName>fillcolor</p:attrName>
+                                        </p:attrNameLst>
+                                      </p:cBhvr>
+                                      <p:to>
+                                        <p:clrVal>
+                                          <a:srgbClr val="FF0000"/>
+                                        </p:clrVal>
+                                      </p:to>
+                                    </p:set>
+                                    <p:set>
+                                      <p:cBhvr>
+                                        <p:cTn id="18" dur="500" fill="hold"/>
+                                        <p:tgtEl>
+                                          <p:spTgt spid="3">
+                                            <p:txEl>
+                                              <p:pRg st="2" end="2"/>
+                                            </p:txEl>
+                                          </p:spTgt>
+                                        </p:tgtEl>
+                                        <p:attrNameLst>
+                                          <p:attrName>fill.type</p:attrName>
+                                        </p:attrNameLst>
+                                      </p:cBhvr>
+                                      <p:to>
+                                        <p:strVal val="solid"/>
                                       </p:to>
                                     </p:set>
                                   </p:childTnLst>
@@ -9483,19 +10167,19 @@
                     </p:cTn>
                   </p:par>
                   <p:par>
-                    <p:cTn id="11" fill="hold">
+                    <p:cTn id="19" fill="hold">
                       <p:stCondLst>
                         <p:cond delay="indefinite"/>
                       </p:stCondLst>
                       <p:childTnLst>
                         <p:par>
-                          <p:cTn id="12" fill="hold">
+                          <p:cTn id="20" fill="hold">
                             <p:stCondLst>
                               <p:cond delay="0"/>
                             </p:stCondLst>
                             <p:childTnLst>
                               <p:par>
-                                <p:cTn id="13" presetID="18" presetClass="emph" presetSubtype="0" fill="hold" grpId="0" nodeType="clickEffect">
+                                <p:cTn id="21" presetID="16" presetClass="emph" presetSubtype="0" fill="hold" nodeType="clickEffect">
                                   <p:stCondLst>
                                     <p:cond delay="0"/>
                                   </p:stCondLst>
@@ -9505,7 +10189,77 @@
                                   <p:childTnLst>
                                     <p:set>
                                       <p:cBhvr override="childStyle">
-                                        <p:cTn id="14" dur="500" fill="hold"/>
+                                        <p:cTn id="22" dur="500" fill="hold"/>
+                                        <p:tgtEl>
+                                          <p:spTgt spid="3">
+                                            <p:txEl>
+                                              <p:pRg st="2" end="2"/>
+                                            </p:txEl>
+                                          </p:spTgt>
+                                        </p:tgtEl>
+                                        <p:attrNameLst>
+                                          <p:attrName>style.color</p:attrName>
+                                        </p:attrNameLst>
+                                      </p:cBhvr>
+                                      <p:to>
+                                        <p:clrVal>
+                                          <a:srgbClr val="000000"/>
+                                        </p:clrVal>
+                                      </p:to>
+                                    </p:set>
+                                    <p:set>
+                                      <p:cBhvr>
+                                        <p:cTn id="23" dur="500" fill="hold"/>
+                                        <p:tgtEl>
+                                          <p:spTgt spid="3">
+                                            <p:txEl>
+                                              <p:pRg st="2" end="2"/>
+                                            </p:txEl>
+                                          </p:spTgt>
+                                        </p:tgtEl>
+                                        <p:attrNameLst>
+                                          <p:attrName>fillcolor</p:attrName>
+                                        </p:attrNameLst>
+                                      </p:cBhvr>
+                                      <p:to>
+                                        <p:clrVal>
+                                          <a:srgbClr val="000000"/>
+                                        </p:clrVal>
+                                      </p:to>
+                                    </p:set>
+                                    <p:set>
+                                      <p:cBhvr>
+                                        <p:cTn id="24" dur="500" fill="hold"/>
+                                        <p:tgtEl>
+                                          <p:spTgt spid="3">
+                                            <p:txEl>
+                                              <p:pRg st="2" end="2"/>
+                                            </p:txEl>
+                                          </p:spTgt>
+                                        </p:tgtEl>
+                                        <p:attrNameLst>
+                                          <p:attrName>fill.type</p:attrName>
+                                        </p:attrNameLst>
+                                      </p:cBhvr>
+                                      <p:to>
+                                        <p:strVal val="solid"/>
+                                      </p:to>
+                                    </p:set>
+                                  </p:childTnLst>
+                                </p:cTn>
+                              </p:par>
+                              <p:par>
+                                <p:cTn id="25" presetID="18" presetClass="emph" presetSubtype="0" fill="hold" grpId="0" nodeType="withEffect">
+                                  <p:stCondLst>
+                                    <p:cond delay="0"/>
+                                  </p:stCondLst>
+                                  <p:iterate type="lt">
+                                    <p:tmPct val="4000"/>
+                                  </p:iterate>
+                                  <p:childTnLst>
+                                    <p:set>
+                                      <p:cBhvr override="childStyle">
+                                        <p:cTn id="26" dur="500" fill="hold"/>
                                         <p:tgtEl>
                                           <p:spTgt spid="4"/>
                                         </p:tgtEl>
@@ -9548,7 +10302,7 @@
       </p:par>
     </p:tnLst>
     <p:bldLst>
-      <p:bldP spid="4" grpId="0"/>
+      <p:bldP spid="4" grpId="0" animBg="1"/>
     </p:bldLst>
   </p:timing>
 </p:sld>
@@ -9670,10 +10424,10 @@
               </a:lnSpc>
             </a:pPr>
             <a:r>
-              <a:rPr lang="ja-JP" altLang="en-US" dirty="0"/>
-              <a:t>回答用紙をスキャンする必要がない</a:t>
-            </a:r>
-            <a:endParaRPr lang="en-US" altLang="ja-JP" dirty="0"/>
+              <a:rPr lang="ja-JP" altLang="en-US" dirty="0" smtClean="0"/>
+              <a:t>回答データをＰＣに直接転送できる</a:t>
+            </a:r>
+            <a:endParaRPr lang="en-US" altLang="ja-JP" dirty="0" smtClean="0"/>
           </a:p>
           <a:p>
             <a:pPr lvl="1">
@@ -9681,7 +10435,7 @@
                 <a:spcPct val="120000"/>
               </a:lnSpc>
             </a:pPr>
-            <a:endParaRPr lang="en-US" altLang="ja-JP" dirty="0"/>
+            <a:endParaRPr lang="en-US" altLang="ja-JP" dirty="0" smtClean="0"/>
           </a:p>
           <a:p>
             <a:pPr>
@@ -9690,7 +10444,7 @@
               </a:lnSpc>
             </a:pPr>
             <a:r>
-              <a:rPr kumimoji="1" lang="ja-JP" altLang="en-US" dirty="0"/>
+              <a:rPr kumimoji="1" lang="ja-JP" altLang="en-US" dirty="0" smtClean="0"/>
               <a:t>ユーザ</a:t>
             </a:r>
             <a:r>
@@ -9766,17 +10520,17 @@
                             </p:stCondLst>
                             <p:childTnLst>
                               <p:par>
-                                <p:cTn id="5" presetID="15" presetClass="emph" presetSubtype="0" nodeType="clickEffect">
+                                <p:cTn id="5" presetID="16" presetClass="emph" presetSubtype="0" fill="hold" nodeType="clickEffect">
                                   <p:stCondLst>
                                     <p:cond delay="0"/>
                                   </p:stCondLst>
                                   <p:iterate type="lt">
-                                    <p:tmAbs val="25"/>
+                                    <p:tmPct val="4000"/>
                                   </p:iterate>
                                   <p:childTnLst>
                                     <p:set>
                                       <p:cBhvr override="childStyle">
-                                        <p:cTn id="6" dur="indefinite"/>
+                                        <p:cTn id="6" dur="500" fill="hold"/>
                                         <p:tgtEl>
                                           <p:spTgt spid="3">
                                             <p:txEl>
@@ -9785,28 +10539,68 @@
                                           </p:spTgt>
                                         </p:tgtEl>
                                         <p:attrNameLst>
-                                          <p:attrName>style.fontWeight</p:attrName>
+                                          <p:attrName>style.color</p:attrName>
                                         </p:attrNameLst>
                                       </p:cBhvr>
                                       <p:to>
-                                        <p:strVal val="bold"/>
+                                        <p:clrVal>
+                                          <a:srgbClr val="FF0000"/>
+                                        </p:clrVal>
+                                      </p:to>
+                                    </p:set>
+                                    <p:set>
+                                      <p:cBhvr>
+                                        <p:cTn id="7" dur="500" fill="hold"/>
+                                        <p:tgtEl>
+                                          <p:spTgt spid="3">
+                                            <p:txEl>
+                                              <p:pRg st="0" end="0"/>
+                                            </p:txEl>
+                                          </p:spTgt>
+                                        </p:tgtEl>
+                                        <p:attrNameLst>
+                                          <p:attrName>fillcolor</p:attrName>
+                                        </p:attrNameLst>
+                                      </p:cBhvr>
+                                      <p:to>
+                                        <p:clrVal>
+                                          <a:srgbClr val="FF0000"/>
+                                        </p:clrVal>
+                                      </p:to>
+                                    </p:set>
+                                    <p:set>
+                                      <p:cBhvr>
+                                        <p:cTn id="8" dur="500" fill="hold"/>
+                                        <p:tgtEl>
+                                          <p:spTgt spid="3">
+                                            <p:txEl>
+                                              <p:pRg st="0" end="0"/>
+                                            </p:txEl>
+                                          </p:spTgt>
+                                        </p:tgtEl>
+                                        <p:attrNameLst>
+                                          <p:attrName>fill.type</p:attrName>
+                                        </p:attrNameLst>
+                                      </p:cBhvr>
+                                      <p:to>
+                                        <p:strVal val="solid"/>
                                       </p:to>
                                     </p:set>
                                   </p:childTnLst>
                                 </p:cTn>
                               </p:par>
                               <p:par>
-                                <p:cTn id="7" presetID="15" presetClass="emph" presetSubtype="0" nodeType="withEffect">
+                                <p:cTn id="9" presetID="16" presetClass="emph" presetSubtype="0" fill="hold" nodeType="withEffect">
                                   <p:stCondLst>
                                     <p:cond delay="0"/>
                                   </p:stCondLst>
                                   <p:iterate type="lt">
-                                    <p:tmAbs val="25"/>
+                                    <p:tmPct val="4000"/>
                                   </p:iterate>
                                   <p:childTnLst>
                                     <p:set>
                                       <p:cBhvr override="childStyle">
-                                        <p:cTn id="8" dur="indefinite"/>
+                                        <p:cTn id="10" dur="500" fill="hold"/>
                                         <p:tgtEl>
                                           <p:spTgt spid="3">
                                             <p:txEl>
@@ -9815,11 +10609,51 @@
                                           </p:spTgt>
                                         </p:tgtEl>
                                         <p:attrNameLst>
-                                          <p:attrName>style.fontWeight</p:attrName>
+                                          <p:attrName>style.color</p:attrName>
                                         </p:attrNameLst>
                                       </p:cBhvr>
                                       <p:to>
-                                        <p:strVal val="bold"/>
+                                        <p:clrVal>
+                                          <a:srgbClr val="FF0000"/>
+                                        </p:clrVal>
+                                      </p:to>
+                                    </p:set>
+                                    <p:set>
+                                      <p:cBhvr>
+                                        <p:cTn id="11" dur="500" fill="hold"/>
+                                        <p:tgtEl>
+                                          <p:spTgt spid="3">
+                                            <p:txEl>
+                                              <p:pRg st="1" end="1"/>
+                                            </p:txEl>
+                                          </p:spTgt>
+                                        </p:tgtEl>
+                                        <p:attrNameLst>
+                                          <p:attrName>fillcolor</p:attrName>
+                                        </p:attrNameLst>
+                                      </p:cBhvr>
+                                      <p:to>
+                                        <p:clrVal>
+                                          <a:srgbClr val="FF0000"/>
+                                        </p:clrVal>
+                                      </p:to>
+                                    </p:set>
+                                    <p:set>
+                                      <p:cBhvr>
+                                        <p:cTn id="12" dur="500" fill="hold"/>
+                                        <p:tgtEl>
+                                          <p:spTgt spid="3">
+                                            <p:txEl>
+                                              <p:pRg st="1" end="1"/>
+                                            </p:txEl>
+                                          </p:spTgt>
+                                        </p:tgtEl>
+                                        <p:attrNameLst>
+                                          <p:attrName>fill.type</p:attrName>
+                                        </p:attrNameLst>
+                                      </p:cBhvr>
+                                      <p:to>
+                                        <p:strVal val="solid"/>
                                       </p:to>
                                     </p:set>
                                   </p:childTnLst>
@@ -9832,29 +10666,169 @@
                     </p:cTn>
                   </p:par>
                   <p:par>
-                    <p:cTn id="9" fill="hold">
+                    <p:cTn id="13" fill="hold">
                       <p:stCondLst>
                         <p:cond delay="indefinite"/>
                       </p:stCondLst>
                       <p:childTnLst>
                         <p:par>
-                          <p:cTn id="10" fill="hold">
+                          <p:cTn id="14" fill="hold">
                             <p:stCondLst>
                               <p:cond delay="0"/>
                             </p:stCondLst>
                             <p:childTnLst>
                               <p:par>
-                                <p:cTn id="11" presetID="15" presetClass="emph" presetSubtype="0" nodeType="clickEffect">
+                                <p:cTn id="15" presetID="16" presetClass="emph" presetSubtype="0" fill="hold" nodeType="clickEffect">
                                   <p:stCondLst>
                                     <p:cond delay="0"/>
                                   </p:stCondLst>
                                   <p:iterate type="lt">
-                                    <p:tmAbs val="25"/>
+                                    <p:tmPct val="4000"/>
                                   </p:iterate>
                                   <p:childTnLst>
                                     <p:set>
                                       <p:cBhvr override="childStyle">
-                                        <p:cTn id="12" dur="indefinite"/>
+                                        <p:cTn id="16" dur="500" fill="hold"/>
+                                        <p:tgtEl>
+                                          <p:spTgt spid="3">
+                                            <p:txEl>
+                                              <p:pRg st="0" end="0"/>
+                                            </p:txEl>
+                                          </p:spTgt>
+                                        </p:tgtEl>
+                                        <p:attrNameLst>
+                                          <p:attrName>style.color</p:attrName>
+                                        </p:attrNameLst>
+                                      </p:cBhvr>
+                                      <p:to>
+                                        <p:clrVal>
+                                          <a:srgbClr val="000000"/>
+                                        </p:clrVal>
+                                      </p:to>
+                                    </p:set>
+                                    <p:set>
+                                      <p:cBhvr>
+                                        <p:cTn id="17" dur="500" fill="hold"/>
+                                        <p:tgtEl>
+                                          <p:spTgt spid="3">
+                                            <p:txEl>
+                                              <p:pRg st="0" end="0"/>
+                                            </p:txEl>
+                                          </p:spTgt>
+                                        </p:tgtEl>
+                                        <p:attrNameLst>
+                                          <p:attrName>fillcolor</p:attrName>
+                                        </p:attrNameLst>
+                                      </p:cBhvr>
+                                      <p:to>
+                                        <p:clrVal>
+                                          <a:srgbClr val="000000"/>
+                                        </p:clrVal>
+                                      </p:to>
+                                    </p:set>
+                                    <p:set>
+                                      <p:cBhvr>
+                                        <p:cTn id="18" dur="500" fill="hold"/>
+                                        <p:tgtEl>
+                                          <p:spTgt spid="3">
+                                            <p:txEl>
+                                              <p:pRg st="0" end="0"/>
+                                            </p:txEl>
+                                          </p:spTgt>
+                                        </p:tgtEl>
+                                        <p:attrNameLst>
+                                          <p:attrName>fill.type</p:attrName>
+                                        </p:attrNameLst>
+                                      </p:cBhvr>
+                                      <p:to>
+                                        <p:strVal val="solid"/>
+                                      </p:to>
+                                    </p:set>
+                                  </p:childTnLst>
+                                </p:cTn>
+                              </p:par>
+                              <p:par>
+                                <p:cTn id="19" presetID="16" presetClass="emph" presetSubtype="0" fill="hold" nodeType="withEffect">
+                                  <p:stCondLst>
+                                    <p:cond delay="0"/>
+                                  </p:stCondLst>
+                                  <p:iterate type="lt">
+                                    <p:tmPct val="4000"/>
+                                  </p:iterate>
+                                  <p:childTnLst>
+                                    <p:set>
+                                      <p:cBhvr override="childStyle">
+                                        <p:cTn id="20" dur="500" fill="hold"/>
+                                        <p:tgtEl>
+                                          <p:spTgt spid="3">
+                                            <p:txEl>
+                                              <p:pRg st="1" end="1"/>
+                                            </p:txEl>
+                                          </p:spTgt>
+                                        </p:tgtEl>
+                                        <p:attrNameLst>
+                                          <p:attrName>style.color</p:attrName>
+                                        </p:attrNameLst>
+                                      </p:cBhvr>
+                                      <p:to>
+                                        <p:clrVal>
+                                          <a:srgbClr val="000000"/>
+                                        </p:clrVal>
+                                      </p:to>
+                                    </p:set>
+                                    <p:set>
+                                      <p:cBhvr>
+                                        <p:cTn id="21" dur="500" fill="hold"/>
+                                        <p:tgtEl>
+                                          <p:spTgt spid="3">
+                                            <p:txEl>
+                                              <p:pRg st="1" end="1"/>
+                                            </p:txEl>
+                                          </p:spTgt>
+                                        </p:tgtEl>
+                                        <p:attrNameLst>
+                                          <p:attrName>fillcolor</p:attrName>
+                                        </p:attrNameLst>
+                                      </p:cBhvr>
+                                      <p:to>
+                                        <p:clrVal>
+                                          <a:srgbClr val="000000"/>
+                                        </p:clrVal>
+                                      </p:to>
+                                    </p:set>
+                                    <p:set>
+                                      <p:cBhvr>
+                                        <p:cTn id="22" dur="500" fill="hold"/>
+                                        <p:tgtEl>
+                                          <p:spTgt spid="3">
+                                            <p:txEl>
+                                              <p:pRg st="1" end="1"/>
+                                            </p:txEl>
+                                          </p:spTgt>
+                                        </p:tgtEl>
+                                        <p:attrNameLst>
+                                          <p:attrName>fill.type</p:attrName>
+                                        </p:attrNameLst>
+                                      </p:cBhvr>
+                                      <p:to>
+                                        <p:strVal val="solid"/>
+                                      </p:to>
+                                    </p:set>
+                                  </p:childTnLst>
+                                </p:cTn>
+                              </p:par>
+                              <p:par>
+                                <p:cTn id="23" presetID="16" presetClass="emph" presetSubtype="0" fill="hold" nodeType="withEffect">
+                                  <p:stCondLst>
+                                    <p:cond delay="0"/>
+                                  </p:stCondLst>
+                                  <p:iterate type="lt">
+                                    <p:tmPct val="4000"/>
+                                  </p:iterate>
+                                  <p:childTnLst>
+                                    <p:set>
+                                      <p:cBhvr override="childStyle">
+                                        <p:cTn id="24" dur="500" fill="hold"/>
                                         <p:tgtEl>
                                           <p:spTgt spid="3">
                                             <p:txEl>
@@ -9863,28 +10837,68 @@
                                           </p:spTgt>
                                         </p:tgtEl>
                                         <p:attrNameLst>
-                                          <p:attrName>style.fontWeight</p:attrName>
+                                          <p:attrName>style.color</p:attrName>
                                         </p:attrNameLst>
                                       </p:cBhvr>
                                       <p:to>
-                                        <p:strVal val="bold"/>
+                                        <p:clrVal>
+                                          <a:srgbClr val="FF0000"/>
+                                        </p:clrVal>
+                                      </p:to>
+                                    </p:set>
+                                    <p:set>
+                                      <p:cBhvr>
+                                        <p:cTn id="25" dur="500" fill="hold"/>
+                                        <p:tgtEl>
+                                          <p:spTgt spid="3">
+                                            <p:txEl>
+                                              <p:pRg st="3" end="3"/>
+                                            </p:txEl>
+                                          </p:spTgt>
+                                        </p:tgtEl>
+                                        <p:attrNameLst>
+                                          <p:attrName>fillcolor</p:attrName>
+                                        </p:attrNameLst>
+                                      </p:cBhvr>
+                                      <p:to>
+                                        <p:clrVal>
+                                          <a:srgbClr val="FF0000"/>
+                                        </p:clrVal>
+                                      </p:to>
+                                    </p:set>
+                                    <p:set>
+                                      <p:cBhvr>
+                                        <p:cTn id="26" dur="500" fill="hold"/>
+                                        <p:tgtEl>
+                                          <p:spTgt spid="3">
+                                            <p:txEl>
+                                              <p:pRg st="3" end="3"/>
+                                            </p:txEl>
+                                          </p:spTgt>
+                                        </p:tgtEl>
+                                        <p:attrNameLst>
+                                          <p:attrName>fill.type</p:attrName>
+                                        </p:attrNameLst>
+                                      </p:cBhvr>
+                                      <p:to>
+                                        <p:strVal val="solid"/>
                                       </p:to>
                                     </p:set>
                                   </p:childTnLst>
                                 </p:cTn>
                               </p:par>
                               <p:par>
-                                <p:cTn id="13" presetID="15" presetClass="emph" presetSubtype="0" nodeType="withEffect">
+                                <p:cTn id="27" presetID="16" presetClass="emph" presetSubtype="0" fill="hold" nodeType="withEffect">
                                   <p:stCondLst>
                                     <p:cond delay="0"/>
                                   </p:stCondLst>
                                   <p:iterate type="lt">
-                                    <p:tmAbs val="25"/>
+                                    <p:tmPct val="4000"/>
                                   </p:iterate>
                                   <p:childTnLst>
                                     <p:set>
                                       <p:cBhvr override="childStyle">
-                                        <p:cTn id="14" dur="indefinite"/>
+                                        <p:cTn id="28" dur="500" fill="hold"/>
                                         <p:tgtEl>
                                           <p:spTgt spid="3">
                                             <p:txEl>
@@ -9893,11 +10907,51 @@
                                           </p:spTgt>
                                         </p:tgtEl>
                                         <p:attrNameLst>
-                                          <p:attrName>style.fontWeight</p:attrName>
+                                          <p:attrName>style.color</p:attrName>
                                         </p:attrNameLst>
                                       </p:cBhvr>
                                       <p:to>
-                                        <p:strVal val="bold"/>
+                                        <p:clrVal>
+                                          <a:srgbClr val="FF0000"/>
+                                        </p:clrVal>
+                                      </p:to>
+                                    </p:set>
+                                    <p:set>
+                                      <p:cBhvr>
+                                        <p:cTn id="29" dur="500" fill="hold"/>
+                                        <p:tgtEl>
+                                          <p:spTgt spid="3">
+                                            <p:txEl>
+                                              <p:pRg st="4" end="4"/>
+                                            </p:txEl>
+                                          </p:spTgt>
+                                        </p:tgtEl>
+                                        <p:attrNameLst>
+                                          <p:attrName>fillcolor</p:attrName>
+                                        </p:attrNameLst>
+                                      </p:cBhvr>
+                                      <p:to>
+                                        <p:clrVal>
+                                          <a:srgbClr val="FF0000"/>
+                                        </p:clrVal>
+                                      </p:to>
+                                    </p:set>
+                                    <p:set>
+                                      <p:cBhvr>
+                                        <p:cTn id="30" dur="500" fill="hold"/>
+                                        <p:tgtEl>
+                                          <p:spTgt spid="3">
+                                            <p:txEl>
+                                              <p:pRg st="4" end="4"/>
+                                            </p:txEl>
+                                          </p:spTgt>
+                                        </p:tgtEl>
+                                        <p:attrNameLst>
+                                          <p:attrName>fill.type</p:attrName>
+                                        </p:attrNameLst>
+                                      </p:cBhvr>
+                                      <p:to>
+                                        <p:strVal val="solid"/>
                                       </p:to>
                                     </p:set>
                                   </p:childTnLst>
@@ -9910,29 +10964,169 @@
                     </p:cTn>
                   </p:par>
                   <p:par>
-                    <p:cTn id="15" fill="hold">
+                    <p:cTn id="31" fill="hold">
                       <p:stCondLst>
                         <p:cond delay="indefinite"/>
                       </p:stCondLst>
                       <p:childTnLst>
                         <p:par>
-                          <p:cTn id="16" fill="hold">
+                          <p:cTn id="32" fill="hold">
                             <p:stCondLst>
                               <p:cond delay="0"/>
                             </p:stCondLst>
                             <p:childTnLst>
                               <p:par>
-                                <p:cTn id="17" presetID="15" presetClass="emph" presetSubtype="0" nodeType="clickEffect">
+                                <p:cTn id="33" presetID="16" presetClass="emph" presetSubtype="0" fill="hold" nodeType="clickEffect">
                                   <p:stCondLst>
                                     <p:cond delay="0"/>
                                   </p:stCondLst>
                                   <p:iterate type="lt">
-                                    <p:tmAbs val="25"/>
+                                    <p:tmPct val="4000"/>
                                   </p:iterate>
                                   <p:childTnLst>
                                     <p:set>
                                       <p:cBhvr override="childStyle">
-                                        <p:cTn id="18" dur="indefinite"/>
+                                        <p:cTn id="34" dur="500" fill="hold"/>
+                                        <p:tgtEl>
+                                          <p:spTgt spid="3">
+                                            <p:txEl>
+                                              <p:pRg st="3" end="3"/>
+                                            </p:txEl>
+                                          </p:spTgt>
+                                        </p:tgtEl>
+                                        <p:attrNameLst>
+                                          <p:attrName>style.color</p:attrName>
+                                        </p:attrNameLst>
+                                      </p:cBhvr>
+                                      <p:to>
+                                        <p:clrVal>
+                                          <a:srgbClr val="000000"/>
+                                        </p:clrVal>
+                                      </p:to>
+                                    </p:set>
+                                    <p:set>
+                                      <p:cBhvr>
+                                        <p:cTn id="35" dur="500" fill="hold"/>
+                                        <p:tgtEl>
+                                          <p:spTgt spid="3">
+                                            <p:txEl>
+                                              <p:pRg st="3" end="3"/>
+                                            </p:txEl>
+                                          </p:spTgt>
+                                        </p:tgtEl>
+                                        <p:attrNameLst>
+                                          <p:attrName>fillcolor</p:attrName>
+                                        </p:attrNameLst>
+                                      </p:cBhvr>
+                                      <p:to>
+                                        <p:clrVal>
+                                          <a:srgbClr val="000000"/>
+                                        </p:clrVal>
+                                      </p:to>
+                                    </p:set>
+                                    <p:set>
+                                      <p:cBhvr>
+                                        <p:cTn id="36" dur="500" fill="hold"/>
+                                        <p:tgtEl>
+                                          <p:spTgt spid="3">
+                                            <p:txEl>
+                                              <p:pRg st="3" end="3"/>
+                                            </p:txEl>
+                                          </p:spTgt>
+                                        </p:tgtEl>
+                                        <p:attrNameLst>
+                                          <p:attrName>fill.type</p:attrName>
+                                        </p:attrNameLst>
+                                      </p:cBhvr>
+                                      <p:to>
+                                        <p:strVal val="solid"/>
+                                      </p:to>
+                                    </p:set>
+                                  </p:childTnLst>
+                                </p:cTn>
+                              </p:par>
+                              <p:par>
+                                <p:cTn id="37" presetID="16" presetClass="emph" presetSubtype="0" fill="hold" nodeType="withEffect">
+                                  <p:stCondLst>
+                                    <p:cond delay="0"/>
+                                  </p:stCondLst>
+                                  <p:iterate type="lt">
+                                    <p:tmPct val="4000"/>
+                                  </p:iterate>
+                                  <p:childTnLst>
+                                    <p:set>
+                                      <p:cBhvr override="childStyle">
+                                        <p:cTn id="38" dur="500" fill="hold"/>
+                                        <p:tgtEl>
+                                          <p:spTgt spid="3">
+                                            <p:txEl>
+                                              <p:pRg st="4" end="4"/>
+                                            </p:txEl>
+                                          </p:spTgt>
+                                        </p:tgtEl>
+                                        <p:attrNameLst>
+                                          <p:attrName>style.color</p:attrName>
+                                        </p:attrNameLst>
+                                      </p:cBhvr>
+                                      <p:to>
+                                        <p:clrVal>
+                                          <a:srgbClr val="000000"/>
+                                        </p:clrVal>
+                                      </p:to>
+                                    </p:set>
+                                    <p:set>
+                                      <p:cBhvr>
+                                        <p:cTn id="39" dur="500" fill="hold"/>
+                                        <p:tgtEl>
+                                          <p:spTgt spid="3">
+                                            <p:txEl>
+                                              <p:pRg st="4" end="4"/>
+                                            </p:txEl>
+                                          </p:spTgt>
+                                        </p:tgtEl>
+                                        <p:attrNameLst>
+                                          <p:attrName>fillcolor</p:attrName>
+                                        </p:attrNameLst>
+                                      </p:cBhvr>
+                                      <p:to>
+                                        <p:clrVal>
+                                          <a:srgbClr val="000000"/>
+                                        </p:clrVal>
+                                      </p:to>
+                                    </p:set>
+                                    <p:set>
+                                      <p:cBhvr>
+                                        <p:cTn id="40" dur="500" fill="hold"/>
+                                        <p:tgtEl>
+                                          <p:spTgt spid="3">
+                                            <p:txEl>
+                                              <p:pRg st="4" end="4"/>
+                                            </p:txEl>
+                                          </p:spTgt>
+                                        </p:tgtEl>
+                                        <p:attrNameLst>
+                                          <p:attrName>fill.type</p:attrName>
+                                        </p:attrNameLst>
+                                      </p:cBhvr>
+                                      <p:to>
+                                        <p:strVal val="solid"/>
+                                      </p:to>
+                                    </p:set>
+                                  </p:childTnLst>
+                                </p:cTn>
+                              </p:par>
+                              <p:par>
+                                <p:cTn id="41" presetID="16" presetClass="emph" presetSubtype="0" fill="hold" nodeType="withEffect">
+                                  <p:stCondLst>
+                                    <p:cond delay="0"/>
+                                  </p:stCondLst>
+                                  <p:iterate type="lt">
+                                    <p:tmPct val="4000"/>
+                                  </p:iterate>
+                                  <p:childTnLst>
+                                    <p:set>
+                                      <p:cBhvr override="childStyle">
+                                        <p:cTn id="42" dur="500" fill="hold"/>
                                         <p:tgtEl>
                                           <p:spTgt spid="3">
                                             <p:txEl>
@@ -9941,28 +11135,68 @@
                                           </p:spTgt>
                                         </p:tgtEl>
                                         <p:attrNameLst>
-                                          <p:attrName>style.fontWeight</p:attrName>
+                                          <p:attrName>style.color</p:attrName>
                                         </p:attrNameLst>
                                       </p:cBhvr>
                                       <p:to>
-                                        <p:strVal val="bold"/>
+                                        <p:clrVal>
+                                          <a:srgbClr val="FF0000"/>
+                                        </p:clrVal>
+                                      </p:to>
+                                    </p:set>
+                                    <p:set>
+                                      <p:cBhvr>
+                                        <p:cTn id="43" dur="500" fill="hold"/>
+                                        <p:tgtEl>
+                                          <p:spTgt spid="3">
+                                            <p:txEl>
+                                              <p:pRg st="6" end="6"/>
+                                            </p:txEl>
+                                          </p:spTgt>
+                                        </p:tgtEl>
+                                        <p:attrNameLst>
+                                          <p:attrName>fillcolor</p:attrName>
+                                        </p:attrNameLst>
+                                      </p:cBhvr>
+                                      <p:to>
+                                        <p:clrVal>
+                                          <a:srgbClr val="FF0000"/>
+                                        </p:clrVal>
+                                      </p:to>
+                                    </p:set>
+                                    <p:set>
+                                      <p:cBhvr>
+                                        <p:cTn id="44" dur="500" fill="hold"/>
+                                        <p:tgtEl>
+                                          <p:spTgt spid="3">
+                                            <p:txEl>
+                                              <p:pRg st="6" end="6"/>
+                                            </p:txEl>
+                                          </p:spTgt>
+                                        </p:tgtEl>
+                                        <p:attrNameLst>
+                                          <p:attrName>fill.type</p:attrName>
+                                        </p:attrNameLst>
+                                      </p:cBhvr>
+                                      <p:to>
+                                        <p:strVal val="solid"/>
                                       </p:to>
                                     </p:set>
                                   </p:childTnLst>
                                 </p:cTn>
                               </p:par>
                               <p:par>
-                                <p:cTn id="19" presetID="15" presetClass="emph" presetSubtype="0" nodeType="withEffect">
+                                <p:cTn id="45" presetID="16" presetClass="emph" presetSubtype="0" fill="hold" nodeType="withEffect">
                                   <p:stCondLst>
                                     <p:cond delay="0"/>
                                   </p:stCondLst>
                                   <p:iterate type="lt">
-                                    <p:tmAbs val="25"/>
+                                    <p:tmPct val="4000"/>
                                   </p:iterate>
                                   <p:childTnLst>
                                     <p:set>
                                       <p:cBhvr override="childStyle">
-                                        <p:cTn id="20" dur="indefinite"/>
+                                        <p:cTn id="46" dur="500" fill="hold"/>
                                         <p:tgtEl>
                                           <p:spTgt spid="3">
                                             <p:txEl>
@@ -9971,11 +11205,51 @@
                                           </p:spTgt>
                                         </p:tgtEl>
                                         <p:attrNameLst>
-                                          <p:attrName>style.fontWeight</p:attrName>
+                                          <p:attrName>style.color</p:attrName>
                                         </p:attrNameLst>
                                       </p:cBhvr>
                                       <p:to>
-                                        <p:strVal val="bold"/>
+                                        <p:clrVal>
+                                          <a:srgbClr val="FF0000"/>
+                                        </p:clrVal>
+                                      </p:to>
+                                    </p:set>
+                                    <p:set>
+                                      <p:cBhvr>
+                                        <p:cTn id="47" dur="500" fill="hold"/>
+                                        <p:tgtEl>
+                                          <p:spTgt spid="3">
+                                            <p:txEl>
+                                              <p:pRg st="7" end="7"/>
+                                            </p:txEl>
+                                          </p:spTgt>
+                                        </p:tgtEl>
+                                        <p:attrNameLst>
+                                          <p:attrName>fillcolor</p:attrName>
+                                        </p:attrNameLst>
+                                      </p:cBhvr>
+                                      <p:to>
+                                        <p:clrVal>
+                                          <a:srgbClr val="FF0000"/>
+                                        </p:clrVal>
+                                      </p:to>
+                                    </p:set>
+                                    <p:set>
+                                      <p:cBhvr>
+                                        <p:cTn id="48" dur="500" fill="hold"/>
+                                        <p:tgtEl>
+                                          <p:spTgt spid="3">
+                                            <p:txEl>
+                                              <p:pRg st="7" end="7"/>
+                                            </p:txEl>
+                                          </p:spTgt>
+                                        </p:tgtEl>
+                                        <p:attrNameLst>
+                                          <p:attrName>fill.type</p:attrName>
+                                        </p:attrNameLst>
+                                      </p:cBhvr>
+                                      <p:to>
+                                        <p:strVal val="solid"/>
                                       </p:to>
                                     </p:set>
                                   </p:childTnLst>
@@ -10357,6 +11631,13 @@
   <p:clrMapOvr>
     <a:masterClrMapping/>
   </p:clrMapOvr>
+  <p:timing>
+    <p:tnLst>
+      <p:par>
+        <p:cTn id="1" dur="indefinite" restart="never" nodeType="tmRoot"/>
+      </p:par>
+    </p:tnLst>
+  </p:timing>
 </p:sld>
 </file>
 
@@ -10485,6 +11766,13 @@
   <p:clrMapOvr>
     <a:masterClrMapping/>
   </p:clrMapOvr>
+  <p:timing>
+    <p:tnLst>
+      <p:par>
+        <p:cTn id="1" dur="indefinite" restart="never" nodeType="tmRoot"/>
+      </p:par>
+    </p:tnLst>
+  </p:timing>
 </p:sld>
 </file>
 
@@ -10875,14 +12163,14 @@
           <p:nvPr>
             <p:extLst>
               <p:ext uri="{D42A27DB-BD31-4B8C-83A1-F6EECF244321}">
-                <p14:modId xmlns:p14="http://schemas.microsoft.com/office/powerpoint/2010/main" val="151547600"/>
+                <p14:modId xmlns:p14="http://schemas.microsoft.com/office/powerpoint/2010/main" val="325918637"/>
               </p:ext>
             </p:extLst>
           </p:nvPr>
         </p:nvGraphicFramePr>
         <p:xfrm>
-          <a:off x="628650" y="2955233"/>
-          <a:ext cx="8057322" cy="2527272"/>
+          <a:off x="1722502" y="2597426"/>
+          <a:ext cx="5698995" cy="3627120"/>
         </p:xfrm>
         <a:graphic>
           <a:graphicData uri="http://schemas.openxmlformats.org/drawingml/2006/table">
@@ -10891,73 +12179,43 @@
                 <a:tableStyleId>{22838BEF-8BB2-4498-84A7-C5851F593DF1}</a:tableStyleId>
               </a:tblPr>
               <a:tblGrid>
-                <a:gridCol w="1342887">
+                <a:gridCol w="1139799">
                   <a:extLst>
                     <a:ext uri="{9D8B030D-6E8A-4147-A177-3AD203B41FA5}">
-                      <a16:colId xmlns:a16="http://schemas.microsoft.com/office/drawing/2014/main" val="1230020745"/>
+                      <a16:colId xmlns:a16="http://schemas.microsoft.com/office/drawing/2014/main" xmlns="" val="1970118149"/>
                     </a:ext>
                   </a:extLst>
                 </a:gridCol>
-                <a:gridCol w="1342887">
+                <a:gridCol w="1139799">
                   <a:extLst>
                     <a:ext uri="{9D8B030D-6E8A-4147-A177-3AD203B41FA5}">
-                      <a16:colId xmlns:a16="http://schemas.microsoft.com/office/drawing/2014/main" val="1970118149"/>
+                      <a16:colId xmlns:a16="http://schemas.microsoft.com/office/drawing/2014/main" xmlns="" val="2957510981"/>
                     </a:ext>
                   </a:extLst>
                 </a:gridCol>
-                <a:gridCol w="1342887">
+                <a:gridCol w="1139799">
                   <a:extLst>
                     <a:ext uri="{9D8B030D-6E8A-4147-A177-3AD203B41FA5}">
-                      <a16:colId xmlns:a16="http://schemas.microsoft.com/office/drawing/2014/main" val="2957510981"/>
+                      <a16:colId xmlns:a16="http://schemas.microsoft.com/office/drawing/2014/main" xmlns="" val="2818599546"/>
                     </a:ext>
                   </a:extLst>
                 </a:gridCol>
-                <a:gridCol w="1342887">
+                <a:gridCol w="1139799">
                   <a:extLst>
                     <a:ext uri="{9D8B030D-6E8A-4147-A177-3AD203B41FA5}">
-                      <a16:colId xmlns:a16="http://schemas.microsoft.com/office/drawing/2014/main" val="2818599546"/>
+                      <a16:colId xmlns:a16="http://schemas.microsoft.com/office/drawing/2014/main" xmlns="" val="962884545"/>
                     </a:ext>
                   </a:extLst>
                 </a:gridCol>
-                <a:gridCol w="1342887">
+                <a:gridCol w="1139799">
                   <a:extLst>
                     <a:ext uri="{9D8B030D-6E8A-4147-A177-3AD203B41FA5}">
-                      <a16:colId xmlns:a16="http://schemas.microsoft.com/office/drawing/2014/main" val="962884545"/>
-                    </a:ext>
-                  </a:extLst>
-                </a:gridCol>
-                <a:gridCol w="1342887">
-                  <a:extLst>
-                    <a:ext uri="{9D8B030D-6E8A-4147-A177-3AD203B41FA5}">
-                      <a16:colId xmlns:a16="http://schemas.microsoft.com/office/drawing/2014/main" val="3470811699"/>
+                      <a16:colId xmlns:a16="http://schemas.microsoft.com/office/drawing/2014/main" xmlns="" val="3470811699"/>
                     </a:ext>
                   </a:extLst>
                 </a:gridCol>
               </a:tblGrid>
-              <a:tr h="842424">
-                <a:tc rowSpan="2">
-                  <a:txBody>
-                    <a:bodyPr/>
-                    <a:lstStyle/>
-                    <a:p>
-                      <a:pPr algn="ctr"/>
-                      <a:endParaRPr kumimoji="1" lang="ja-JP" altLang="en-US" sz="2400" dirty="0"/>
-                    </a:p>
-                  </a:txBody>
-                  <a:tcPr>
-                    <a:lnTlToBr w="12700" cap="flat" cmpd="sng" algn="ctr">
-                      <a:solidFill>
-                        <a:schemeClr val="accent1">
-                          <a:lumMod val="75000"/>
-                        </a:schemeClr>
-                      </a:solidFill>
-                      <a:prstDash val="solid"/>
-                      <a:round/>
-                      <a:headEnd type="none" w="med" len="med"/>
-                      <a:tailEnd type="none" w="med" len="med"/>
-                    </a:lnTlToBr>
-                  </a:tcPr>
-                </a:tc>
+              <a:tr h="597477">
                 <a:tc rowSpan="2">
                   <a:txBody>
                     <a:bodyPr/>
@@ -11023,21 +12281,11 @@
                 </a:tc>
                 <a:extLst>
                   <a:ext uri="{0D108BD9-81ED-4DB2-BD59-A6C34878D82A}">
-                    <a16:rowId xmlns:a16="http://schemas.microsoft.com/office/drawing/2014/main" val="815741296"/>
+                    <a16:rowId xmlns:a16="http://schemas.microsoft.com/office/drawing/2014/main" xmlns="" val="815741296"/>
                   </a:ext>
                 </a:extLst>
               </a:tr>
-              <a:tr h="842424">
-                <a:tc vMerge="1">
-                  <a:txBody>
-                    <a:bodyPr/>
-                    <a:lstStyle/>
-                    <a:p>
-                      <a:endParaRPr kumimoji="1" lang="ja-JP" altLang="en-US" dirty="0"/>
-                    </a:p>
-                  </a:txBody>
-                  <a:tcPr/>
-                </a:tc>
+              <a:tr h="701386">
                 <a:tc vMerge="1">
                   <a:txBody>
                     <a:bodyPr/>
@@ -11106,11 +12354,11 @@
                 </a:tc>
                 <a:extLst>
                   <a:ext uri="{0D108BD9-81ED-4DB2-BD59-A6C34878D82A}">
-                    <a16:rowId xmlns:a16="http://schemas.microsoft.com/office/drawing/2014/main" val="2046409575"/>
+                    <a16:rowId xmlns:a16="http://schemas.microsoft.com/office/drawing/2014/main" xmlns="" val="2046409575"/>
                   </a:ext>
                 </a:extLst>
               </a:tr>
-              <a:tr h="842424">
+              <a:tr h="597477">
                 <a:tc>
                   <a:txBody>
                     <a:bodyPr/>
@@ -11118,23 +12366,10 @@
                     <a:p>
                       <a:pPr algn="ctr"/>
                       <a:r>
-                        <a:rPr kumimoji="1" lang="ja-JP" altLang="en-US" sz="2400" dirty="0"/>
-                        <a:t>学生</a:t>
+                        <a:rPr kumimoji="1" lang="en-US" altLang="ja-JP" sz="2400" dirty="0" err="1" smtClean="0"/>
+                        <a:t>aaaa</a:t>
                       </a:r>
-                    </a:p>
-                  </a:txBody>
-                  <a:tcPr/>
-                </a:tc>
-                <a:tc>
-                  <a:txBody>
-                    <a:bodyPr/>
-                    <a:lstStyle/>
-                    <a:p>
-                      <a:pPr algn="ctr"/>
-                      <a:r>
-                        <a:rPr kumimoji="1" lang="ja-JP" altLang="en-US" sz="2400" dirty="0"/>
-                        <a:t>ユニーク</a:t>
-                      </a:r>
+                      <a:endParaRPr kumimoji="1" lang="ja-JP" altLang="en-US" sz="2400" dirty="0"/>
                     </a:p>
                   </a:txBody>
                   <a:tcPr/>
@@ -11201,14 +12436,215 @@
                 </a:tc>
                 <a:extLst>
                   <a:ext uri="{0D108BD9-81ED-4DB2-BD59-A6C34878D82A}">
-                    <a16:rowId xmlns:a16="http://schemas.microsoft.com/office/drawing/2014/main" val="3011980781"/>
+                    <a16:rowId xmlns:a16="http://schemas.microsoft.com/office/drawing/2014/main" xmlns="" val="3011980781"/>
                   </a:ext>
                 </a:extLst>
+              </a:tr>
+              <a:tr h="597477">
+                <a:tc>
+                  <a:txBody>
+                    <a:bodyPr/>
+                    <a:lstStyle/>
+                    <a:p>
+                      <a:pPr algn="ctr"/>
+                      <a:r>
+                        <a:rPr kumimoji="1" lang="en-US" altLang="ja-JP" sz="2400" dirty="0" err="1" smtClean="0"/>
+                        <a:t>bbbb</a:t>
+                      </a:r>
+                      <a:endParaRPr kumimoji="1" lang="ja-JP" altLang="en-US" sz="2400" dirty="0"/>
+                    </a:p>
+                  </a:txBody>
+                  <a:tcPr/>
+                </a:tc>
+                <a:tc>
+                  <a:txBody>
+                    <a:bodyPr/>
+                    <a:lstStyle/>
+                    <a:p>
+                      <a:pPr algn="ctr"/>
+                      <a:r>
+                        <a:rPr kumimoji="1" lang="en-US" altLang="ja-JP" sz="4000" dirty="0" smtClean="0"/>
+                        <a:t>2</a:t>
+                      </a:r>
+                      <a:endParaRPr kumimoji="1" lang="ja-JP" altLang="en-US" sz="4000" dirty="0"/>
+                    </a:p>
+                  </a:txBody>
+                  <a:tcPr/>
+                </a:tc>
+                <a:tc>
+                  <a:txBody>
+                    <a:bodyPr/>
+                    <a:lstStyle/>
+                    <a:p>
+                      <a:pPr algn="ctr"/>
+                      <a:r>
+                        <a:rPr kumimoji="1" lang="en-US" altLang="ja-JP" sz="4000" dirty="0" smtClean="0"/>
+                        <a:t>4</a:t>
+                      </a:r>
+                      <a:endParaRPr kumimoji="1" lang="ja-JP" altLang="en-US" sz="4000" dirty="0"/>
+                    </a:p>
+                  </a:txBody>
+                  <a:tcPr/>
+                </a:tc>
+                <a:tc>
+                  <a:txBody>
+                    <a:bodyPr/>
+                    <a:lstStyle/>
+                    <a:p>
+                      <a:pPr algn="ctr"/>
+                      <a:r>
+                        <a:rPr kumimoji="1" lang="en-US" altLang="ja-JP" sz="4000" dirty="0" smtClean="0"/>
+                        <a:t>3</a:t>
+                      </a:r>
+                      <a:endParaRPr kumimoji="1" lang="ja-JP" altLang="en-US" sz="4000" dirty="0"/>
+                    </a:p>
+                  </a:txBody>
+                  <a:tcPr/>
+                </a:tc>
+                <a:tc>
+                  <a:txBody>
+                    <a:bodyPr/>
+                    <a:lstStyle/>
+                    <a:p>
+                      <a:pPr algn="ctr"/>
+                      <a:r>
+                        <a:rPr kumimoji="1" lang="en-US" altLang="ja-JP" sz="4000" dirty="0" smtClean="0"/>
+                        <a:t>2</a:t>
+                      </a:r>
+                      <a:endParaRPr kumimoji="1" lang="ja-JP" altLang="en-US" sz="4000" dirty="0"/>
+                    </a:p>
+                  </a:txBody>
+                  <a:tcPr/>
+                </a:tc>
+                <a:extLst>
+                  <a:ext uri="{0D108BD9-81ED-4DB2-BD59-A6C34878D82A}">
+                    <a16:rowId xmlns:a16="http://schemas.microsoft.com/office/drawing/2014/main" xmlns="" val="2979953694"/>
+                  </a:ext>
+                </a:extLst>
+              </a:tr>
+              <a:tr h="597477">
+                <a:tc>
+                  <a:txBody>
+                    <a:bodyPr/>
+                    <a:lstStyle/>
+                    <a:p>
+                      <a:pPr algn="ctr"/>
+                      <a:r>
+                        <a:rPr kumimoji="1" lang="en-US" altLang="ja-JP" sz="2400" dirty="0" err="1" smtClean="0"/>
+                        <a:t>cccc</a:t>
+                      </a:r>
+                      <a:endParaRPr kumimoji="1" lang="ja-JP" altLang="en-US" sz="2400" dirty="0"/>
+                    </a:p>
+                  </a:txBody>
+                  <a:tcPr/>
+                </a:tc>
+                <a:tc>
+                  <a:txBody>
+                    <a:bodyPr/>
+                    <a:lstStyle/>
+                    <a:p>
+                      <a:pPr algn="ctr"/>
+                      <a:r>
+                        <a:rPr kumimoji="1" lang="en-US" altLang="ja-JP" sz="4000" dirty="0" smtClean="0"/>
+                        <a:t>5</a:t>
+                      </a:r>
+                      <a:endParaRPr kumimoji="1" lang="ja-JP" altLang="en-US" sz="4000" dirty="0"/>
+                    </a:p>
+                  </a:txBody>
+                  <a:tcPr/>
+                </a:tc>
+                <a:tc>
+                  <a:txBody>
+                    <a:bodyPr/>
+                    <a:lstStyle/>
+                    <a:p>
+                      <a:pPr algn="ctr"/>
+                      <a:r>
+                        <a:rPr kumimoji="1" lang="en-US" altLang="ja-JP" sz="4000" dirty="0" smtClean="0"/>
+                        <a:t>3</a:t>
+                      </a:r>
+                      <a:endParaRPr kumimoji="1" lang="ja-JP" altLang="en-US" sz="4000" dirty="0"/>
+                    </a:p>
+                  </a:txBody>
+                  <a:tcPr/>
+                </a:tc>
+                <a:tc>
+                  <a:txBody>
+                    <a:bodyPr/>
+                    <a:lstStyle/>
+                    <a:p>
+                      <a:pPr algn="ctr"/>
+                      <a:r>
+                        <a:rPr kumimoji="1" lang="en-US" altLang="ja-JP" sz="4000" dirty="0" smtClean="0"/>
+                        <a:t>2</a:t>
+                      </a:r>
+                      <a:endParaRPr kumimoji="1" lang="ja-JP" altLang="en-US" sz="4000" dirty="0"/>
+                    </a:p>
+                  </a:txBody>
+                  <a:tcPr/>
+                </a:tc>
+                <a:tc>
+                  <a:txBody>
+                    <a:bodyPr/>
+                    <a:lstStyle/>
+                    <a:p>
+                      <a:pPr algn="ctr"/>
+                      <a:r>
+                        <a:rPr kumimoji="1" lang="en-US" altLang="ja-JP" sz="4000" dirty="0" smtClean="0"/>
+                        <a:t>5</a:t>
+                      </a:r>
+                      <a:endParaRPr kumimoji="1" lang="ja-JP" altLang="en-US" sz="4000" dirty="0"/>
+                    </a:p>
+                  </a:txBody>
+                  <a:tcPr/>
+                </a:tc>
               </a:tr>
             </a:tbl>
           </a:graphicData>
         </a:graphic>
       </p:graphicFrame>
+      <p:sp>
+        <p:nvSpPr>
+          <p:cNvPr id="6" name="テキスト ボックス 5"/>
+          <p:cNvSpPr txBox="1"/>
+          <p:nvPr/>
+        </p:nvSpPr>
+        <p:spPr>
+          <a:xfrm>
+            <a:off x="4571999" y="6218980"/>
+            <a:ext cx="1015663" cy="993118"/>
+          </a:xfrm>
+          <a:prstGeom prst="rect">
+            <a:avLst/>
+          </a:prstGeom>
+          <a:noFill/>
+        </p:spPr>
+        <p:txBody>
+          <a:bodyPr vert="eaVert" wrap="square" rtlCol="0">
+            <a:spAutoFit/>
+          </a:bodyPr>
+          <a:lstStyle/>
+          <a:p>
+            <a:r>
+              <a:rPr kumimoji="1" lang="en-US" altLang="ja-JP" sz="5400" dirty="0" smtClean="0">
+                <a:solidFill>
+                  <a:schemeClr val="accent1">
+                    <a:lumMod val="75000"/>
+                  </a:schemeClr>
+                </a:solidFill>
+              </a:rPr>
+              <a:t>…</a:t>
+            </a:r>
+            <a:endParaRPr kumimoji="1" lang="ja-JP" altLang="en-US" sz="5400" dirty="0">
+              <a:solidFill>
+                <a:schemeClr val="accent1">
+                  <a:lumMod val="75000"/>
+                </a:schemeClr>
+              </a:solidFill>
+            </a:endParaRPr>
+          </a:p>
+        </p:txBody>
+      </p:sp>
     </p:spTree>
     <p:extLst>
       <p:ext uri="{BB962C8B-B14F-4D97-AF65-F5344CB8AC3E}">
@@ -11219,6 +12655,13 @@
   <p:clrMapOvr>
     <a:masterClrMapping/>
   </p:clrMapOvr>
+  <p:timing>
+    <p:tnLst>
+      <p:par>
+        <p:cTn id="1" dur="indefinite" restart="never" nodeType="tmRoot"/>
+      </p:par>
+    </p:tnLst>
+  </p:timing>
 </p:sld>
 </file>
 
@@ -11319,16 +12762,20 @@
           <a:p>
             <a:pPr lvl="2"/>
             <a:r>
+              <a:rPr lang="ja-JP" altLang="en-US" dirty="0" smtClean="0"/>
+              <a:t>回答データをＰＣに直接転送できた。</a:t>
+            </a:r>
+            <a:endParaRPr lang="en-US" altLang="ja-JP" dirty="0" smtClean="0"/>
+          </a:p>
+          <a:p>
+            <a:pPr lvl="1"/>
+            <a:r>
+              <a:rPr lang="ja-JP" altLang="en-US" dirty="0" smtClean="0"/>
+              <a:t>ユーザ</a:t>
+            </a:r>
+            <a:r>
               <a:rPr lang="ja-JP" altLang="en-US" dirty="0"/>
-              <a:t>スキャン不要で自動的に回答をＰＣに取り込める。</a:t>
-            </a:r>
-            <a:endParaRPr lang="en-US" altLang="ja-JP" dirty="0"/>
-          </a:p>
-          <a:p>
-            <a:pPr lvl="1"/>
-            <a:r>
-              <a:rPr lang="ja-JP" altLang="en-US" dirty="0"/>
-              <a:t>ユーザ体験の向上</a:t>
+              <a:t>体験の向上</a:t>
             </a:r>
             <a:endParaRPr lang="en-US" altLang="ja-JP" dirty="0"/>
           </a:p>
@@ -11410,17 +12857,17 @@
                             </p:stCondLst>
                             <p:childTnLst>
                               <p:par>
-                                <p:cTn id="5" presetID="15" presetClass="emph" presetSubtype="0" nodeType="clickEffect">
+                                <p:cTn id="5" presetID="16" presetClass="emph" presetSubtype="0" fill="hold" nodeType="clickEffect">
                                   <p:stCondLst>
                                     <p:cond delay="0"/>
                                   </p:stCondLst>
                                   <p:iterate type="lt">
-                                    <p:tmAbs val="25"/>
+                                    <p:tmPct val="4000"/>
                                   </p:iterate>
                                   <p:childTnLst>
                                     <p:set>
                                       <p:cBhvr override="childStyle">
-                                        <p:cTn id="6" dur="indefinite"/>
+                                        <p:cTn id="6" dur="500" fill="hold"/>
                                         <p:tgtEl>
                                           <p:spTgt spid="3">
                                             <p:txEl>
@@ -11429,28 +12876,68 @@
                                           </p:spTgt>
                                         </p:tgtEl>
                                         <p:attrNameLst>
-                                          <p:attrName>style.fontWeight</p:attrName>
+                                          <p:attrName>style.color</p:attrName>
                                         </p:attrNameLst>
                                       </p:cBhvr>
                                       <p:to>
-                                        <p:strVal val="bold"/>
+                                        <p:clrVal>
+                                          <a:srgbClr val="FF0000"/>
+                                        </p:clrVal>
+                                      </p:to>
+                                    </p:set>
+                                    <p:set>
+                                      <p:cBhvr>
+                                        <p:cTn id="7" dur="500" fill="hold"/>
+                                        <p:tgtEl>
+                                          <p:spTgt spid="3">
+                                            <p:txEl>
+                                              <p:pRg st="1" end="1"/>
+                                            </p:txEl>
+                                          </p:spTgt>
+                                        </p:tgtEl>
+                                        <p:attrNameLst>
+                                          <p:attrName>fillcolor</p:attrName>
+                                        </p:attrNameLst>
+                                      </p:cBhvr>
+                                      <p:to>
+                                        <p:clrVal>
+                                          <a:srgbClr val="FF0000"/>
+                                        </p:clrVal>
+                                      </p:to>
+                                    </p:set>
+                                    <p:set>
+                                      <p:cBhvr>
+                                        <p:cTn id="8" dur="500" fill="hold"/>
+                                        <p:tgtEl>
+                                          <p:spTgt spid="3">
+                                            <p:txEl>
+                                              <p:pRg st="1" end="1"/>
+                                            </p:txEl>
+                                          </p:spTgt>
+                                        </p:tgtEl>
+                                        <p:attrNameLst>
+                                          <p:attrName>fill.type</p:attrName>
+                                        </p:attrNameLst>
+                                      </p:cBhvr>
+                                      <p:to>
+                                        <p:strVal val="solid"/>
                                       </p:to>
                                     </p:set>
                                   </p:childTnLst>
                                 </p:cTn>
                               </p:par>
                               <p:par>
-                                <p:cTn id="7" presetID="15" presetClass="emph" presetSubtype="0" nodeType="withEffect">
+                                <p:cTn id="9" presetID="16" presetClass="emph" presetSubtype="0" fill="hold" nodeType="withEffect">
                                   <p:stCondLst>
                                     <p:cond delay="0"/>
                                   </p:stCondLst>
                                   <p:iterate type="lt">
-                                    <p:tmAbs val="25"/>
+                                    <p:tmPct val="4000"/>
                                   </p:iterate>
                                   <p:childTnLst>
                                     <p:set>
                                       <p:cBhvr override="childStyle">
-                                        <p:cTn id="8" dur="indefinite"/>
+                                        <p:cTn id="10" dur="500" fill="hold"/>
                                         <p:tgtEl>
                                           <p:spTgt spid="3">
                                             <p:txEl>
@@ -11459,11 +12946,51 @@
                                           </p:spTgt>
                                         </p:tgtEl>
                                         <p:attrNameLst>
-                                          <p:attrName>style.fontWeight</p:attrName>
+                                          <p:attrName>style.color</p:attrName>
                                         </p:attrNameLst>
                                       </p:cBhvr>
                                       <p:to>
-                                        <p:strVal val="bold"/>
+                                        <p:clrVal>
+                                          <a:srgbClr val="FF0000"/>
+                                        </p:clrVal>
+                                      </p:to>
+                                    </p:set>
+                                    <p:set>
+                                      <p:cBhvr>
+                                        <p:cTn id="11" dur="500" fill="hold"/>
+                                        <p:tgtEl>
+                                          <p:spTgt spid="3">
+                                            <p:txEl>
+                                              <p:pRg st="2" end="2"/>
+                                            </p:txEl>
+                                          </p:spTgt>
+                                        </p:tgtEl>
+                                        <p:attrNameLst>
+                                          <p:attrName>fillcolor</p:attrName>
+                                        </p:attrNameLst>
+                                      </p:cBhvr>
+                                      <p:to>
+                                        <p:clrVal>
+                                          <a:srgbClr val="FF0000"/>
+                                        </p:clrVal>
+                                      </p:to>
+                                    </p:set>
+                                    <p:set>
+                                      <p:cBhvr>
+                                        <p:cTn id="12" dur="500" fill="hold"/>
+                                        <p:tgtEl>
+                                          <p:spTgt spid="3">
+                                            <p:txEl>
+                                              <p:pRg st="2" end="2"/>
+                                            </p:txEl>
+                                          </p:spTgt>
+                                        </p:tgtEl>
+                                        <p:attrNameLst>
+                                          <p:attrName>fill.type</p:attrName>
+                                        </p:attrNameLst>
+                                      </p:cBhvr>
+                                      <p:to>
+                                        <p:strVal val="solid"/>
                                       </p:to>
                                     </p:set>
                                   </p:childTnLst>
@@ -11476,29 +13003,169 @@
                     </p:cTn>
                   </p:par>
                   <p:par>
-                    <p:cTn id="9" fill="hold">
+                    <p:cTn id="13" fill="hold">
                       <p:stCondLst>
                         <p:cond delay="indefinite"/>
                       </p:stCondLst>
                       <p:childTnLst>
                         <p:par>
-                          <p:cTn id="10" fill="hold">
+                          <p:cTn id="14" fill="hold">
                             <p:stCondLst>
                               <p:cond delay="0"/>
                             </p:stCondLst>
                             <p:childTnLst>
                               <p:par>
-                                <p:cTn id="11" presetID="15" presetClass="emph" presetSubtype="0" nodeType="clickEffect">
+                                <p:cTn id="15" presetID="16" presetClass="emph" presetSubtype="0" fill="hold" nodeType="clickEffect">
                                   <p:stCondLst>
                                     <p:cond delay="0"/>
                                   </p:stCondLst>
                                   <p:iterate type="lt">
-                                    <p:tmAbs val="25"/>
+                                    <p:tmPct val="4000"/>
                                   </p:iterate>
                                   <p:childTnLst>
                                     <p:set>
                                       <p:cBhvr override="childStyle">
-                                        <p:cTn id="12" dur="indefinite"/>
+                                        <p:cTn id="16" dur="500" fill="hold"/>
+                                        <p:tgtEl>
+                                          <p:spTgt spid="3">
+                                            <p:txEl>
+                                              <p:pRg st="1" end="1"/>
+                                            </p:txEl>
+                                          </p:spTgt>
+                                        </p:tgtEl>
+                                        <p:attrNameLst>
+                                          <p:attrName>style.color</p:attrName>
+                                        </p:attrNameLst>
+                                      </p:cBhvr>
+                                      <p:to>
+                                        <p:clrVal>
+                                          <a:srgbClr val="000000"/>
+                                        </p:clrVal>
+                                      </p:to>
+                                    </p:set>
+                                    <p:set>
+                                      <p:cBhvr>
+                                        <p:cTn id="17" dur="500" fill="hold"/>
+                                        <p:tgtEl>
+                                          <p:spTgt spid="3">
+                                            <p:txEl>
+                                              <p:pRg st="1" end="1"/>
+                                            </p:txEl>
+                                          </p:spTgt>
+                                        </p:tgtEl>
+                                        <p:attrNameLst>
+                                          <p:attrName>fillcolor</p:attrName>
+                                        </p:attrNameLst>
+                                      </p:cBhvr>
+                                      <p:to>
+                                        <p:clrVal>
+                                          <a:srgbClr val="000000"/>
+                                        </p:clrVal>
+                                      </p:to>
+                                    </p:set>
+                                    <p:set>
+                                      <p:cBhvr>
+                                        <p:cTn id="18" dur="500" fill="hold"/>
+                                        <p:tgtEl>
+                                          <p:spTgt spid="3">
+                                            <p:txEl>
+                                              <p:pRg st="1" end="1"/>
+                                            </p:txEl>
+                                          </p:spTgt>
+                                        </p:tgtEl>
+                                        <p:attrNameLst>
+                                          <p:attrName>fill.type</p:attrName>
+                                        </p:attrNameLst>
+                                      </p:cBhvr>
+                                      <p:to>
+                                        <p:strVal val="solid"/>
+                                      </p:to>
+                                    </p:set>
+                                  </p:childTnLst>
+                                </p:cTn>
+                              </p:par>
+                              <p:par>
+                                <p:cTn id="19" presetID="16" presetClass="emph" presetSubtype="0" fill="hold" nodeType="withEffect">
+                                  <p:stCondLst>
+                                    <p:cond delay="0"/>
+                                  </p:stCondLst>
+                                  <p:iterate type="lt">
+                                    <p:tmPct val="4000"/>
+                                  </p:iterate>
+                                  <p:childTnLst>
+                                    <p:set>
+                                      <p:cBhvr override="childStyle">
+                                        <p:cTn id="20" dur="500" fill="hold"/>
+                                        <p:tgtEl>
+                                          <p:spTgt spid="3">
+                                            <p:txEl>
+                                              <p:pRg st="2" end="2"/>
+                                            </p:txEl>
+                                          </p:spTgt>
+                                        </p:tgtEl>
+                                        <p:attrNameLst>
+                                          <p:attrName>style.color</p:attrName>
+                                        </p:attrNameLst>
+                                      </p:cBhvr>
+                                      <p:to>
+                                        <p:clrVal>
+                                          <a:srgbClr val="000000"/>
+                                        </p:clrVal>
+                                      </p:to>
+                                    </p:set>
+                                    <p:set>
+                                      <p:cBhvr>
+                                        <p:cTn id="21" dur="500" fill="hold"/>
+                                        <p:tgtEl>
+                                          <p:spTgt spid="3">
+                                            <p:txEl>
+                                              <p:pRg st="2" end="2"/>
+                                            </p:txEl>
+                                          </p:spTgt>
+                                        </p:tgtEl>
+                                        <p:attrNameLst>
+                                          <p:attrName>fillcolor</p:attrName>
+                                        </p:attrNameLst>
+                                      </p:cBhvr>
+                                      <p:to>
+                                        <p:clrVal>
+                                          <a:srgbClr val="000000"/>
+                                        </p:clrVal>
+                                      </p:to>
+                                    </p:set>
+                                    <p:set>
+                                      <p:cBhvr>
+                                        <p:cTn id="22" dur="500" fill="hold"/>
+                                        <p:tgtEl>
+                                          <p:spTgt spid="3">
+                                            <p:txEl>
+                                              <p:pRg st="2" end="2"/>
+                                            </p:txEl>
+                                          </p:spTgt>
+                                        </p:tgtEl>
+                                        <p:attrNameLst>
+                                          <p:attrName>fill.type</p:attrName>
+                                        </p:attrNameLst>
+                                      </p:cBhvr>
+                                      <p:to>
+                                        <p:strVal val="solid"/>
+                                      </p:to>
+                                    </p:set>
+                                  </p:childTnLst>
+                                </p:cTn>
+                              </p:par>
+                              <p:par>
+                                <p:cTn id="23" presetID="16" presetClass="emph" presetSubtype="0" fill="hold" nodeType="withEffect">
+                                  <p:stCondLst>
+                                    <p:cond delay="0"/>
+                                  </p:stCondLst>
+                                  <p:iterate type="lt">
+                                    <p:tmPct val="4000"/>
+                                  </p:iterate>
+                                  <p:childTnLst>
+                                    <p:set>
+                                      <p:cBhvr override="childStyle">
+                                        <p:cTn id="24" dur="500" fill="hold"/>
                                         <p:tgtEl>
                                           <p:spTgt spid="3">
                                             <p:txEl>
@@ -11507,28 +13174,68 @@
                                           </p:spTgt>
                                         </p:tgtEl>
                                         <p:attrNameLst>
-                                          <p:attrName>style.fontWeight</p:attrName>
+                                          <p:attrName>style.color</p:attrName>
                                         </p:attrNameLst>
                                       </p:cBhvr>
                                       <p:to>
-                                        <p:strVal val="bold"/>
+                                        <p:clrVal>
+                                          <a:srgbClr val="FF0000"/>
+                                        </p:clrVal>
+                                      </p:to>
+                                    </p:set>
+                                    <p:set>
+                                      <p:cBhvr>
+                                        <p:cTn id="25" dur="500" fill="hold"/>
+                                        <p:tgtEl>
+                                          <p:spTgt spid="3">
+                                            <p:txEl>
+                                              <p:pRg st="3" end="3"/>
+                                            </p:txEl>
+                                          </p:spTgt>
+                                        </p:tgtEl>
+                                        <p:attrNameLst>
+                                          <p:attrName>fillcolor</p:attrName>
+                                        </p:attrNameLst>
+                                      </p:cBhvr>
+                                      <p:to>
+                                        <p:clrVal>
+                                          <a:srgbClr val="FF0000"/>
+                                        </p:clrVal>
+                                      </p:to>
+                                    </p:set>
+                                    <p:set>
+                                      <p:cBhvr>
+                                        <p:cTn id="26" dur="500" fill="hold"/>
+                                        <p:tgtEl>
+                                          <p:spTgt spid="3">
+                                            <p:txEl>
+                                              <p:pRg st="3" end="3"/>
+                                            </p:txEl>
+                                          </p:spTgt>
+                                        </p:tgtEl>
+                                        <p:attrNameLst>
+                                          <p:attrName>fill.type</p:attrName>
+                                        </p:attrNameLst>
+                                      </p:cBhvr>
+                                      <p:to>
+                                        <p:strVal val="solid"/>
                                       </p:to>
                                     </p:set>
                                   </p:childTnLst>
                                 </p:cTn>
                               </p:par>
                               <p:par>
-                                <p:cTn id="13" presetID="15" presetClass="emph" presetSubtype="0" nodeType="withEffect">
+                                <p:cTn id="27" presetID="16" presetClass="emph" presetSubtype="0" fill="hold" nodeType="withEffect">
                                   <p:stCondLst>
                                     <p:cond delay="0"/>
                                   </p:stCondLst>
                                   <p:iterate type="lt">
-                                    <p:tmAbs val="25"/>
+                                    <p:tmPct val="4000"/>
                                   </p:iterate>
                                   <p:childTnLst>
                                     <p:set>
                                       <p:cBhvr override="childStyle">
-                                        <p:cTn id="14" dur="indefinite"/>
+                                        <p:cTn id="28" dur="500" fill="hold"/>
                                         <p:tgtEl>
                                           <p:spTgt spid="3">
                                             <p:txEl>
@@ -11537,11 +13244,51 @@
                                           </p:spTgt>
                                         </p:tgtEl>
                                         <p:attrNameLst>
-                                          <p:attrName>style.fontWeight</p:attrName>
+                                          <p:attrName>style.color</p:attrName>
                                         </p:attrNameLst>
                                       </p:cBhvr>
                                       <p:to>
-                                        <p:strVal val="bold"/>
+                                        <p:clrVal>
+                                          <a:srgbClr val="FF0000"/>
+                                        </p:clrVal>
+                                      </p:to>
+                                    </p:set>
+                                    <p:set>
+                                      <p:cBhvr>
+                                        <p:cTn id="29" dur="500" fill="hold"/>
+                                        <p:tgtEl>
+                                          <p:spTgt spid="3">
+                                            <p:txEl>
+                                              <p:pRg st="4" end="4"/>
+                                            </p:txEl>
+                                          </p:spTgt>
+                                        </p:tgtEl>
+                                        <p:attrNameLst>
+                                          <p:attrName>fillcolor</p:attrName>
+                                        </p:attrNameLst>
+                                      </p:cBhvr>
+                                      <p:to>
+                                        <p:clrVal>
+                                          <a:srgbClr val="FF0000"/>
+                                        </p:clrVal>
+                                      </p:to>
+                                    </p:set>
+                                    <p:set>
+                                      <p:cBhvr>
+                                        <p:cTn id="30" dur="500" fill="hold"/>
+                                        <p:tgtEl>
+                                          <p:spTgt spid="3">
+                                            <p:txEl>
+                                              <p:pRg st="4" end="4"/>
+                                            </p:txEl>
+                                          </p:spTgt>
+                                        </p:tgtEl>
+                                        <p:attrNameLst>
+                                          <p:attrName>fill.type</p:attrName>
+                                        </p:attrNameLst>
+                                      </p:cBhvr>
+                                      <p:to>
+                                        <p:strVal val="solid"/>
                                       </p:to>
                                     </p:set>
                                   </p:childTnLst>
@@ -11554,29 +13301,169 @@
                     </p:cTn>
                   </p:par>
                   <p:par>
-                    <p:cTn id="15" fill="hold">
+                    <p:cTn id="31" fill="hold">
                       <p:stCondLst>
                         <p:cond delay="indefinite"/>
                       </p:stCondLst>
                       <p:childTnLst>
                         <p:par>
-                          <p:cTn id="16" fill="hold">
+                          <p:cTn id="32" fill="hold">
                             <p:stCondLst>
                               <p:cond delay="0"/>
                             </p:stCondLst>
                             <p:childTnLst>
                               <p:par>
-                                <p:cTn id="17" presetID="15" presetClass="emph" presetSubtype="0" nodeType="clickEffect">
+                                <p:cTn id="33" presetID="16" presetClass="emph" presetSubtype="0" fill="hold" nodeType="clickEffect">
                                   <p:stCondLst>
                                     <p:cond delay="0"/>
                                   </p:stCondLst>
                                   <p:iterate type="lt">
-                                    <p:tmAbs val="25"/>
+                                    <p:tmPct val="4000"/>
                                   </p:iterate>
                                   <p:childTnLst>
                                     <p:set>
                                       <p:cBhvr override="childStyle">
-                                        <p:cTn id="18" dur="indefinite"/>
+                                        <p:cTn id="34" dur="500" fill="hold"/>
+                                        <p:tgtEl>
+                                          <p:spTgt spid="3">
+                                            <p:txEl>
+                                              <p:pRg st="3" end="3"/>
+                                            </p:txEl>
+                                          </p:spTgt>
+                                        </p:tgtEl>
+                                        <p:attrNameLst>
+                                          <p:attrName>style.color</p:attrName>
+                                        </p:attrNameLst>
+                                      </p:cBhvr>
+                                      <p:to>
+                                        <p:clrVal>
+                                          <a:srgbClr val="000000"/>
+                                        </p:clrVal>
+                                      </p:to>
+                                    </p:set>
+                                    <p:set>
+                                      <p:cBhvr>
+                                        <p:cTn id="35" dur="500" fill="hold"/>
+                                        <p:tgtEl>
+                                          <p:spTgt spid="3">
+                                            <p:txEl>
+                                              <p:pRg st="3" end="3"/>
+                                            </p:txEl>
+                                          </p:spTgt>
+                                        </p:tgtEl>
+                                        <p:attrNameLst>
+                                          <p:attrName>fillcolor</p:attrName>
+                                        </p:attrNameLst>
+                                      </p:cBhvr>
+                                      <p:to>
+                                        <p:clrVal>
+                                          <a:srgbClr val="000000"/>
+                                        </p:clrVal>
+                                      </p:to>
+                                    </p:set>
+                                    <p:set>
+                                      <p:cBhvr>
+                                        <p:cTn id="36" dur="500" fill="hold"/>
+                                        <p:tgtEl>
+                                          <p:spTgt spid="3">
+                                            <p:txEl>
+                                              <p:pRg st="3" end="3"/>
+                                            </p:txEl>
+                                          </p:spTgt>
+                                        </p:tgtEl>
+                                        <p:attrNameLst>
+                                          <p:attrName>fill.type</p:attrName>
+                                        </p:attrNameLst>
+                                      </p:cBhvr>
+                                      <p:to>
+                                        <p:strVal val="solid"/>
+                                      </p:to>
+                                    </p:set>
+                                  </p:childTnLst>
+                                </p:cTn>
+                              </p:par>
+                              <p:par>
+                                <p:cTn id="37" presetID="16" presetClass="emph" presetSubtype="0" fill="hold" nodeType="withEffect">
+                                  <p:stCondLst>
+                                    <p:cond delay="0"/>
+                                  </p:stCondLst>
+                                  <p:iterate type="lt">
+                                    <p:tmPct val="4000"/>
+                                  </p:iterate>
+                                  <p:childTnLst>
+                                    <p:set>
+                                      <p:cBhvr override="childStyle">
+                                        <p:cTn id="38" dur="500" fill="hold"/>
+                                        <p:tgtEl>
+                                          <p:spTgt spid="3">
+                                            <p:txEl>
+                                              <p:pRg st="4" end="4"/>
+                                            </p:txEl>
+                                          </p:spTgt>
+                                        </p:tgtEl>
+                                        <p:attrNameLst>
+                                          <p:attrName>style.color</p:attrName>
+                                        </p:attrNameLst>
+                                      </p:cBhvr>
+                                      <p:to>
+                                        <p:clrVal>
+                                          <a:srgbClr val="000000"/>
+                                        </p:clrVal>
+                                      </p:to>
+                                    </p:set>
+                                    <p:set>
+                                      <p:cBhvr>
+                                        <p:cTn id="39" dur="500" fill="hold"/>
+                                        <p:tgtEl>
+                                          <p:spTgt spid="3">
+                                            <p:txEl>
+                                              <p:pRg st="4" end="4"/>
+                                            </p:txEl>
+                                          </p:spTgt>
+                                        </p:tgtEl>
+                                        <p:attrNameLst>
+                                          <p:attrName>fillcolor</p:attrName>
+                                        </p:attrNameLst>
+                                      </p:cBhvr>
+                                      <p:to>
+                                        <p:clrVal>
+                                          <a:srgbClr val="000000"/>
+                                        </p:clrVal>
+                                      </p:to>
+                                    </p:set>
+                                    <p:set>
+                                      <p:cBhvr>
+                                        <p:cTn id="40" dur="500" fill="hold"/>
+                                        <p:tgtEl>
+                                          <p:spTgt spid="3">
+                                            <p:txEl>
+                                              <p:pRg st="4" end="4"/>
+                                            </p:txEl>
+                                          </p:spTgt>
+                                        </p:tgtEl>
+                                        <p:attrNameLst>
+                                          <p:attrName>fill.type</p:attrName>
+                                        </p:attrNameLst>
+                                      </p:cBhvr>
+                                      <p:to>
+                                        <p:strVal val="solid"/>
+                                      </p:to>
+                                    </p:set>
+                                  </p:childTnLst>
+                                </p:cTn>
+                              </p:par>
+                              <p:par>
+                                <p:cTn id="41" presetID="16" presetClass="emph" presetSubtype="0" fill="hold" nodeType="withEffect">
+                                  <p:stCondLst>
+                                    <p:cond delay="0"/>
+                                  </p:stCondLst>
+                                  <p:iterate type="lt">
+                                    <p:tmPct val="4000"/>
+                                  </p:iterate>
+                                  <p:childTnLst>
+                                    <p:set>
+                                      <p:cBhvr override="childStyle">
+                                        <p:cTn id="42" dur="500" fill="hold"/>
                                         <p:tgtEl>
                                           <p:spTgt spid="3">
                                             <p:txEl>
@@ -11585,28 +13472,68 @@
                                           </p:spTgt>
                                         </p:tgtEl>
                                         <p:attrNameLst>
-                                          <p:attrName>style.fontWeight</p:attrName>
+                                          <p:attrName>style.color</p:attrName>
                                         </p:attrNameLst>
                                       </p:cBhvr>
                                       <p:to>
-                                        <p:strVal val="bold"/>
+                                        <p:clrVal>
+                                          <a:srgbClr val="FF0000"/>
+                                        </p:clrVal>
+                                      </p:to>
+                                    </p:set>
+                                    <p:set>
+                                      <p:cBhvr>
+                                        <p:cTn id="43" dur="500" fill="hold"/>
+                                        <p:tgtEl>
+                                          <p:spTgt spid="3">
+                                            <p:txEl>
+                                              <p:pRg st="5" end="5"/>
+                                            </p:txEl>
+                                          </p:spTgt>
+                                        </p:tgtEl>
+                                        <p:attrNameLst>
+                                          <p:attrName>fillcolor</p:attrName>
+                                        </p:attrNameLst>
+                                      </p:cBhvr>
+                                      <p:to>
+                                        <p:clrVal>
+                                          <a:srgbClr val="FF0000"/>
+                                        </p:clrVal>
+                                      </p:to>
+                                    </p:set>
+                                    <p:set>
+                                      <p:cBhvr>
+                                        <p:cTn id="44" dur="500" fill="hold"/>
+                                        <p:tgtEl>
+                                          <p:spTgt spid="3">
+                                            <p:txEl>
+                                              <p:pRg st="5" end="5"/>
+                                            </p:txEl>
+                                          </p:spTgt>
+                                        </p:tgtEl>
+                                        <p:attrNameLst>
+                                          <p:attrName>fill.type</p:attrName>
+                                        </p:attrNameLst>
+                                      </p:cBhvr>
+                                      <p:to>
+                                        <p:strVal val="solid"/>
                                       </p:to>
                                     </p:set>
                                   </p:childTnLst>
                                 </p:cTn>
                               </p:par>
                               <p:par>
-                                <p:cTn id="19" presetID="15" presetClass="emph" presetSubtype="0" nodeType="withEffect">
+                                <p:cTn id="45" presetID="16" presetClass="emph" presetSubtype="0" fill="hold" nodeType="withEffect">
                                   <p:stCondLst>
                                     <p:cond delay="0"/>
                                   </p:stCondLst>
                                   <p:iterate type="lt">
-                                    <p:tmAbs val="25"/>
+                                    <p:tmPct val="4000"/>
                                   </p:iterate>
                                   <p:childTnLst>
                                     <p:set>
                                       <p:cBhvr override="childStyle">
-                                        <p:cTn id="20" dur="indefinite"/>
+                                        <p:cTn id="46" dur="500" fill="hold"/>
                                         <p:tgtEl>
                                           <p:spTgt spid="3">
                                             <p:txEl>
@@ -11615,11 +13542,51 @@
                                           </p:spTgt>
                                         </p:tgtEl>
                                         <p:attrNameLst>
-                                          <p:attrName>style.fontWeight</p:attrName>
+                                          <p:attrName>style.color</p:attrName>
                                         </p:attrNameLst>
                                       </p:cBhvr>
                                       <p:to>
-                                        <p:strVal val="bold"/>
+                                        <p:clrVal>
+                                          <a:srgbClr val="FF0000"/>
+                                        </p:clrVal>
+                                      </p:to>
+                                    </p:set>
+                                    <p:set>
+                                      <p:cBhvr>
+                                        <p:cTn id="47" dur="500" fill="hold"/>
+                                        <p:tgtEl>
+                                          <p:spTgt spid="3">
+                                            <p:txEl>
+                                              <p:pRg st="6" end="6"/>
+                                            </p:txEl>
+                                          </p:spTgt>
+                                        </p:tgtEl>
+                                        <p:attrNameLst>
+                                          <p:attrName>fillcolor</p:attrName>
+                                        </p:attrNameLst>
+                                      </p:cBhvr>
+                                      <p:to>
+                                        <p:clrVal>
+                                          <a:srgbClr val="FF0000"/>
+                                        </p:clrVal>
+                                      </p:to>
+                                    </p:set>
+                                    <p:set>
+                                      <p:cBhvr>
+                                        <p:cTn id="48" dur="500" fill="hold"/>
+                                        <p:tgtEl>
+                                          <p:spTgt spid="3">
+                                            <p:txEl>
+                                              <p:pRg st="6" end="6"/>
+                                            </p:txEl>
+                                          </p:spTgt>
+                                        </p:tgtEl>
+                                        <p:attrNameLst>
+                                          <p:attrName>fill.type</p:attrName>
+                                        </p:attrNameLst>
+                                      </p:cBhvr>
+                                      <p:to>
+                                        <p:strVal val="solid"/>
                                       </p:to>
                                     </p:set>
                                   </p:childTnLst>

--- a/卒業研究発表スライド.pptx
+++ b/卒業研究発表スライド.pptx
@@ -2770,7 +2770,7 @@
           <a:p>
             <a:fld id="{286CCB56-B95E-44AB-BB6B-03EE6A18465C}" type="datetimeFigureOut">
               <a:rPr kumimoji="1" lang="ja-JP" altLang="en-US" smtClean="0"/>
-              <a:t>2017/2/22</a:t>
+              <a:t>2017/2/23</a:t>
             </a:fld>
             <a:endParaRPr kumimoji="1" lang="ja-JP" altLang="en-US"/>
           </a:p>
@@ -4752,7 +4752,7 @@
           <a:p>
             <a:fld id="{4DB02D7F-2532-438E-A5EE-EC19DA75534B}" type="datetime1">
               <a:rPr kumimoji="1" lang="ja-JP" altLang="en-US" smtClean="0"/>
-              <a:t>2017/2/22</a:t>
+              <a:t>2017/2/23</a:t>
             </a:fld>
             <a:endParaRPr kumimoji="1" lang="ja-JP" altLang="en-US"/>
           </a:p>
@@ -4954,7 +4954,7 @@
           <a:p>
             <a:fld id="{DD1DF934-B258-4B85-9C99-F6141516D4AA}" type="datetime1">
               <a:rPr kumimoji="1" lang="ja-JP" altLang="en-US" smtClean="0"/>
-              <a:t>2017/2/22</a:t>
+              <a:t>2017/2/23</a:t>
             </a:fld>
             <a:endParaRPr kumimoji="1" lang="ja-JP" altLang="en-US"/>
           </a:p>
@@ -5166,7 +5166,7 @@
           <a:p>
             <a:fld id="{956DA83E-84A7-4D45-8181-410DAF9E54CB}" type="datetime1">
               <a:rPr kumimoji="1" lang="ja-JP" altLang="en-US" smtClean="0"/>
-              <a:t>2017/2/22</a:t>
+              <a:t>2017/2/23</a:t>
             </a:fld>
             <a:endParaRPr kumimoji="1" lang="ja-JP" altLang="en-US"/>
           </a:p>
@@ -5452,7 +5452,7 @@
           <a:p>
             <a:fld id="{0844B656-FDB1-41E7-9182-B72A8EA2B7B4}" type="datetime1">
               <a:rPr kumimoji="1" lang="ja-JP" altLang="en-US" smtClean="0"/>
-              <a:t>2017/2/22</a:t>
+              <a:t>2017/2/23</a:t>
             </a:fld>
             <a:endParaRPr kumimoji="1" lang="ja-JP" altLang="en-US"/>
           </a:p>
@@ -5736,7 +5736,7 @@
           <a:p>
             <a:fld id="{F031C925-61E4-45D5-88D5-4F44B6A6C695}" type="datetime1">
               <a:rPr kumimoji="1" lang="ja-JP" altLang="en-US" smtClean="0"/>
-              <a:t>2017/2/22</a:t>
+              <a:t>2017/2/23</a:t>
             </a:fld>
             <a:endParaRPr kumimoji="1" lang="ja-JP" altLang="en-US"/>
           </a:p>
@@ -6032,7 +6032,7 @@
           <a:p>
             <a:fld id="{79C08BC7-4260-402C-BE74-17A2A6C67A3F}" type="datetime1">
               <a:rPr kumimoji="1" lang="ja-JP" altLang="en-US" smtClean="0"/>
-              <a:t>2017/2/22</a:t>
+              <a:t>2017/2/23</a:t>
             </a:fld>
             <a:endParaRPr kumimoji="1" lang="ja-JP" altLang="en-US"/>
           </a:p>
@@ -6463,7 +6463,7 @@
           <a:p>
             <a:fld id="{DD44CA3A-ACAA-452D-97E3-18339B7D635B}" type="datetime1">
               <a:rPr kumimoji="1" lang="ja-JP" altLang="en-US" smtClean="0"/>
-              <a:t>2017/2/22</a:t>
+              <a:t>2017/2/23</a:t>
             </a:fld>
             <a:endParaRPr kumimoji="1" lang="ja-JP" altLang="en-US"/>
           </a:p>
@@ -6581,7 +6581,7 @@
           <a:p>
             <a:fld id="{F558266F-E702-40A6-8A28-61164E3176C0}" type="datetime1">
               <a:rPr kumimoji="1" lang="ja-JP" altLang="en-US" smtClean="0"/>
-              <a:t>2017/2/22</a:t>
+              <a:t>2017/2/23</a:t>
             </a:fld>
             <a:endParaRPr kumimoji="1" lang="ja-JP" altLang="en-US"/>
           </a:p>
@@ -6676,7 +6676,7 @@
           <a:p>
             <a:fld id="{59F16E2B-0E24-410F-8EAD-D20C01EC42AC}" type="datetime1">
               <a:rPr kumimoji="1" lang="ja-JP" altLang="en-US" smtClean="0"/>
-              <a:t>2017/2/22</a:t>
+              <a:t>2017/2/23</a:t>
             </a:fld>
             <a:endParaRPr kumimoji="1" lang="ja-JP" altLang="en-US"/>
           </a:p>
@@ -6985,7 +6985,7 @@
           <a:p>
             <a:fld id="{A3A9DB37-13AF-4896-88E3-BD9571FA989D}" type="datetime1">
               <a:rPr kumimoji="1" lang="ja-JP" altLang="en-US" smtClean="0"/>
-              <a:t>2017/2/22</a:t>
+              <a:t>2017/2/23</a:t>
             </a:fld>
             <a:endParaRPr kumimoji="1" lang="ja-JP" altLang="en-US"/>
           </a:p>
@@ -7242,7 +7242,7 @@
           <a:p>
             <a:fld id="{87804AB5-84E9-48D8-831D-2ACD07026C5D}" type="datetime1">
               <a:rPr kumimoji="1" lang="ja-JP" altLang="en-US" smtClean="0"/>
-              <a:t>2017/2/22</a:t>
+              <a:t>2017/2/23</a:t>
             </a:fld>
             <a:endParaRPr kumimoji="1" lang="ja-JP" altLang="en-US"/>
           </a:p>
@@ -7487,7 +7487,7 @@
           <a:p>
             <a:fld id="{4F1FBA1F-5538-4C7C-8A85-B02DD92ED928}" type="datetime1">
               <a:rPr kumimoji="1" lang="ja-JP" altLang="en-US" smtClean="0"/>
-              <a:t>2017/2/22</a:t>
+              <a:t>2017/2/23</a:t>
             </a:fld>
             <a:endParaRPr kumimoji="1" lang="ja-JP" altLang="en-US"/>
           </a:p>
@@ -8366,8 +8366,20 @@
               </a:lnSpc>
             </a:pPr>
             <a:r>
+              <a:rPr lang="ja-JP" altLang="en-US" dirty="0" smtClean="0"/>
+              <a:t>自動</a:t>
+            </a:r>
+            <a:r>
               <a:rPr lang="ja-JP" altLang="en-US" dirty="0"/>
-              <a:t>新機能を実装すること</a:t>
+              <a:t>集計</a:t>
+            </a:r>
+            <a:r>
+              <a:rPr lang="ja-JP" altLang="en-US" dirty="0" smtClean="0"/>
+              <a:t>機能</a:t>
+            </a:r>
+            <a:r>
+              <a:rPr lang="ja-JP" altLang="en-US" dirty="0"/>
+              <a:t>を実装すること</a:t>
             </a:r>
             <a:r>
               <a:rPr lang="ja-JP" altLang="en-US" dirty="0" smtClean="0"/>
@@ -8375,17 +8387,13 @@
             </a:r>
             <a:r>
               <a:rPr lang="ja-JP" altLang="en-US" dirty="0"/>
-              <a:t>の</a:t>
-            </a:r>
-            <a:r>
-              <a:rPr lang="ja-JP" altLang="en-US"/>
-              <a:t>負担</a:t>
-            </a:r>
-            <a:r>
-              <a:rPr lang="ja-JP" altLang="en-US" smtClean="0"/>
-              <a:t>がさらに減り</a:t>
-            </a:r>
-            <a:endParaRPr lang="en-US" altLang="ja-JP" dirty="0"/>
+              <a:t>の負担</a:t>
+            </a:r>
+            <a:r>
+              <a:rPr lang="ja-JP" altLang="en-US" dirty="0" smtClean="0"/>
+              <a:t>が</a:t>
+            </a:r>
+            <a:endParaRPr lang="en-US" altLang="ja-JP" dirty="0" smtClean="0"/>
           </a:p>
           <a:p>
             <a:pPr marL="0" indent="0">
@@ -8396,7 +8404,23 @@
             </a:pPr>
             <a:r>
               <a:rPr lang="ja-JP" altLang="en-US" dirty="0"/>
-              <a:t>　よりスムーズにアンケートを実施</a:t>
+              <a:t>　</a:t>
+            </a:r>
+            <a:r>
+              <a:rPr lang="ja-JP" altLang="en-US" dirty="0" smtClean="0"/>
+              <a:t>さらに減り</a:t>
+            </a:r>
+            <a:r>
+              <a:rPr lang="ja-JP" altLang="en-US" dirty="0"/>
+              <a:t>、</a:t>
+            </a:r>
+            <a:r>
+              <a:rPr lang="ja-JP" altLang="en-US" dirty="0" smtClean="0"/>
+              <a:t>より</a:t>
+            </a:r>
+            <a:r>
+              <a:rPr lang="ja-JP" altLang="en-US" dirty="0"/>
+              <a:t>スムーズにアンケートを実施</a:t>
             </a:r>
             <a:r>
               <a:rPr lang="ja-JP" altLang="en-US" dirty="0" smtClean="0"/>
@@ -12182,35 +12206,35 @@
                 <a:gridCol w="1139799">
                   <a:extLst>
                     <a:ext uri="{9D8B030D-6E8A-4147-A177-3AD203B41FA5}">
-                      <a16:colId xmlns:a16="http://schemas.microsoft.com/office/drawing/2014/main" xmlns="" val="1970118149"/>
+                      <a16:colId xmlns="" xmlns:a16="http://schemas.microsoft.com/office/drawing/2014/main" val="1970118149"/>
                     </a:ext>
                   </a:extLst>
                 </a:gridCol>
                 <a:gridCol w="1139799">
                   <a:extLst>
                     <a:ext uri="{9D8B030D-6E8A-4147-A177-3AD203B41FA5}">
-                      <a16:colId xmlns:a16="http://schemas.microsoft.com/office/drawing/2014/main" xmlns="" val="2957510981"/>
+                      <a16:colId xmlns="" xmlns:a16="http://schemas.microsoft.com/office/drawing/2014/main" val="2957510981"/>
                     </a:ext>
                   </a:extLst>
                 </a:gridCol>
                 <a:gridCol w="1139799">
                   <a:extLst>
                     <a:ext uri="{9D8B030D-6E8A-4147-A177-3AD203B41FA5}">
-                      <a16:colId xmlns:a16="http://schemas.microsoft.com/office/drawing/2014/main" xmlns="" val="2818599546"/>
+                      <a16:colId xmlns="" xmlns:a16="http://schemas.microsoft.com/office/drawing/2014/main" val="2818599546"/>
                     </a:ext>
                   </a:extLst>
                 </a:gridCol>
                 <a:gridCol w="1139799">
                   <a:extLst>
                     <a:ext uri="{9D8B030D-6E8A-4147-A177-3AD203B41FA5}">
-                      <a16:colId xmlns:a16="http://schemas.microsoft.com/office/drawing/2014/main" xmlns="" val="962884545"/>
+                      <a16:colId xmlns="" xmlns:a16="http://schemas.microsoft.com/office/drawing/2014/main" val="962884545"/>
                     </a:ext>
                   </a:extLst>
                 </a:gridCol>
                 <a:gridCol w="1139799">
                   <a:extLst>
                     <a:ext uri="{9D8B030D-6E8A-4147-A177-3AD203B41FA5}">
-                      <a16:colId xmlns:a16="http://schemas.microsoft.com/office/drawing/2014/main" xmlns="" val="3470811699"/>
+                      <a16:colId xmlns="" xmlns:a16="http://schemas.microsoft.com/office/drawing/2014/main" val="3470811699"/>
                     </a:ext>
                   </a:extLst>
                 </a:gridCol>
@@ -12281,7 +12305,7 @@
                 </a:tc>
                 <a:extLst>
                   <a:ext uri="{0D108BD9-81ED-4DB2-BD59-A6C34878D82A}">
-                    <a16:rowId xmlns:a16="http://schemas.microsoft.com/office/drawing/2014/main" xmlns="" val="815741296"/>
+                    <a16:rowId xmlns="" xmlns:a16="http://schemas.microsoft.com/office/drawing/2014/main" val="815741296"/>
                   </a:ext>
                 </a:extLst>
               </a:tr>
@@ -12354,7 +12378,7 @@
                 </a:tc>
                 <a:extLst>
                   <a:ext uri="{0D108BD9-81ED-4DB2-BD59-A6C34878D82A}">
-                    <a16:rowId xmlns:a16="http://schemas.microsoft.com/office/drawing/2014/main" xmlns="" val="2046409575"/>
+                    <a16:rowId xmlns="" xmlns:a16="http://schemas.microsoft.com/office/drawing/2014/main" val="2046409575"/>
                   </a:ext>
                 </a:extLst>
               </a:tr>
@@ -12436,7 +12460,7 @@
                 </a:tc>
                 <a:extLst>
                   <a:ext uri="{0D108BD9-81ED-4DB2-BD59-A6C34878D82A}">
-                    <a16:rowId xmlns:a16="http://schemas.microsoft.com/office/drawing/2014/main" xmlns="" val="3011980781"/>
+                    <a16:rowId xmlns="" xmlns:a16="http://schemas.microsoft.com/office/drawing/2014/main" val="3011980781"/>
                   </a:ext>
                 </a:extLst>
               </a:tr>
@@ -12518,7 +12542,7 @@
                 </a:tc>
                 <a:extLst>
                   <a:ext uri="{0D108BD9-81ED-4DB2-BD59-A6C34878D82A}">
-                    <a16:rowId xmlns:a16="http://schemas.microsoft.com/office/drawing/2014/main" xmlns="" val="2979953694"/>
+                    <a16:rowId xmlns="" xmlns:a16="http://schemas.microsoft.com/office/drawing/2014/main" val="2979953694"/>
                   </a:ext>
                 </a:extLst>
               </a:tr>
